--- a/SLAP.pptx
+++ b/SLAP.pptx
@@ -8,6 +8,7 @@
     <p:sldId id="256" r:id="rId2"/>
     <p:sldId id="257" r:id="rId3"/>
     <p:sldId id="258" r:id="rId4"/>
+    <p:sldId id="260" r:id="rId5"/>
   </p:sldIdLst>
   <p:sldSz cx="12192000" cy="6858000"/>
   <p:notesSz cx="6858000" cy="9144000"/>
@@ -114,6 +115,7 @@
             <p14:sldId id="256"/>
             <p14:sldId id="257"/>
             <p14:sldId id="258"/>
+            <p14:sldId id="260"/>
           </p14:sldIdLst>
         </p14:section>
       </p14:sectionLst>
@@ -179,7 +181,7 @@
           <a:noFill/>
           <a:extLst>
             <a:ext uri="{909E8E84-426E-40dd-AFC4-6F175D3DCCD1}">
-              <a14:hiddenFill xmlns="" xmlns:a14="http://schemas.microsoft.com/office/drawing/2010/main">
+              <a14:hiddenFill xmlns:a14="http://schemas.microsoft.com/office/drawing/2010/main" xmlns="">
                 <a:solidFill>
                   <a:srgbClr val="FFFFFF"/>
                 </a:solidFill>
@@ -239,7 +241,7 @@
             </a:ln>
             <a:extLst>
               <a:ext uri="{91240B29-F687-4f45-9708-019B960494DF}">
-                <a14:hiddenLine xmlns="" xmlns:a14="http://schemas.microsoft.com/office/drawing/2010/main" w="9525">
+                <a14:hiddenLine xmlns:a14="http://schemas.microsoft.com/office/drawing/2010/main" xmlns="" w="9525">
                   <a:solidFill>
                     <a:srgbClr val="000000"/>
                   </a:solidFill>
@@ -329,7 +331,7 @@
             </a:ln>
             <a:extLst>
               <a:ext uri="{91240B29-F687-4f45-9708-019B960494DF}">
-                <a14:hiddenLine xmlns="" xmlns:a14="http://schemas.microsoft.com/office/drawing/2010/main" w="9525">
+                <a14:hiddenLine xmlns:a14="http://schemas.microsoft.com/office/drawing/2010/main" xmlns="" w="9525">
                   <a:solidFill>
                     <a:srgbClr val="000000"/>
                   </a:solidFill>
@@ -419,7 +421,7 @@
             </a:ln>
             <a:extLst>
               <a:ext uri="{91240B29-F687-4f45-9708-019B960494DF}">
-                <a14:hiddenLine xmlns="" xmlns:a14="http://schemas.microsoft.com/office/drawing/2010/main" w="9525">
+                <a14:hiddenLine xmlns:a14="http://schemas.microsoft.com/office/drawing/2010/main" xmlns="" w="9525">
                   <a:solidFill>
                     <a:srgbClr val="000000"/>
                   </a:solidFill>
@@ -453,7 +455,7 @@
             </a:ln>
             <a:extLst>
               <a:ext uri="{91240B29-F687-4f45-9708-019B960494DF}">
-                <a14:hiddenLine xmlns="" xmlns:a14="http://schemas.microsoft.com/office/drawing/2010/main" w="9525">
+                <a14:hiddenLine xmlns:a14="http://schemas.microsoft.com/office/drawing/2010/main" xmlns="" w="9525">
                   <a:solidFill>
                     <a:srgbClr val="000000"/>
                   </a:solidFill>
@@ -543,7 +545,7 @@
             </a:ln>
             <a:extLst>
               <a:ext uri="{91240B29-F687-4f45-9708-019B960494DF}">
-                <a14:hiddenLine xmlns="" xmlns:a14="http://schemas.microsoft.com/office/drawing/2010/main" w="9525">
+                <a14:hiddenLine xmlns:a14="http://schemas.microsoft.com/office/drawing/2010/main" xmlns="" w="9525">
                   <a:solidFill>
                     <a:srgbClr val="000000"/>
                   </a:solidFill>
@@ -605,7 +607,7 @@
             </a:ln>
             <a:extLst>
               <a:ext uri="{91240B29-F687-4f45-9708-019B960494DF}">
-                <a14:hiddenLine xmlns="" xmlns:a14="http://schemas.microsoft.com/office/drawing/2010/main" w="9525">
+                <a14:hiddenLine xmlns:a14="http://schemas.microsoft.com/office/drawing/2010/main" xmlns="" w="9525">
                   <a:solidFill>
                     <a:srgbClr val="000000"/>
                   </a:solidFill>
@@ -667,7 +669,7 @@
             </a:ln>
             <a:extLst>
               <a:ext uri="{91240B29-F687-4f45-9708-019B960494DF}">
-                <a14:hiddenLine xmlns="" xmlns:a14="http://schemas.microsoft.com/office/drawing/2010/main" w="9525">
+                <a14:hiddenLine xmlns:a14="http://schemas.microsoft.com/office/drawing/2010/main" xmlns="" w="9525">
                   <a:solidFill>
                     <a:srgbClr val="000000"/>
                   </a:solidFill>
@@ -757,7 +759,7 @@
             </a:ln>
             <a:extLst>
               <a:ext uri="{91240B29-F687-4f45-9708-019B960494DF}">
-                <a14:hiddenLine xmlns="" xmlns:a14="http://schemas.microsoft.com/office/drawing/2010/main" w="9525">
+                <a14:hiddenLine xmlns:a14="http://schemas.microsoft.com/office/drawing/2010/main" xmlns="" w="9525">
                   <a:solidFill>
                     <a:srgbClr val="000000"/>
                   </a:solidFill>
@@ -819,7 +821,7 @@
             </a:ln>
             <a:extLst>
               <a:ext uri="{91240B29-F687-4f45-9708-019B960494DF}">
-                <a14:hiddenLine xmlns="" xmlns:a14="http://schemas.microsoft.com/office/drawing/2010/main" w="9525">
+                <a14:hiddenLine xmlns:a14="http://schemas.microsoft.com/office/drawing/2010/main" xmlns="" w="9525">
                   <a:solidFill>
                     <a:srgbClr val="000000"/>
                   </a:solidFill>
@@ -881,7 +883,7 @@
             </a:ln>
             <a:extLst>
               <a:ext uri="{91240B29-F687-4f45-9708-019B960494DF}">
-                <a14:hiddenLine xmlns="" xmlns:a14="http://schemas.microsoft.com/office/drawing/2010/main" w="9525">
+                <a14:hiddenLine xmlns:a14="http://schemas.microsoft.com/office/drawing/2010/main" xmlns="" w="9525">
                   <a:solidFill>
                     <a:srgbClr val="000000"/>
                   </a:solidFill>
@@ -971,7 +973,7 @@
             </a:ln>
             <a:extLst>
               <a:ext uri="{91240B29-F687-4f45-9708-019B960494DF}">
-                <a14:hiddenLine xmlns="" xmlns:a14="http://schemas.microsoft.com/office/drawing/2010/main" w="9525">
+                <a14:hiddenLine xmlns:a14="http://schemas.microsoft.com/office/drawing/2010/main" xmlns="" w="9525">
                   <a:solidFill>
                     <a:srgbClr val="000000"/>
                   </a:solidFill>
@@ -1061,7 +1063,7 @@
             </a:ln>
             <a:extLst>
               <a:ext uri="{91240B29-F687-4f45-9708-019B960494DF}">
-                <a14:hiddenLine xmlns="" xmlns:a14="http://schemas.microsoft.com/office/drawing/2010/main" w="9525">
+                <a14:hiddenLine xmlns:a14="http://schemas.microsoft.com/office/drawing/2010/main" xmlns="" w="9525">
                   <a:solidFill>
                     <a:srgbClr val="000000"/>
                   </a:solidFill>
@@ -1123,7 +1125,7 @@
             </a:ln>
             <a:extLst>
               <a:ext uri="{91240B29-F687-4f45-9708-019B960494DF}">
-                <a14:hiddenLine xmlns="" xmlns:a14="http://schemas.microsoft.com/office/drawing/2010/main" w="9525">
+                <a14:hiddenLine xmlns:a14="http://schemas.microsoft.com/office/drawing/2010/main" xmlns="" w="9525">
                   <a:solidFill>
                     <a:srgbClr val="000000"/>
                   </a:solidFill>
@@ -1233,7 +1235,7 @@
             </a:ln>
             <a:extLst>
               <a:ext uri="{91240B29-F687-4f45-9708-019B960494DF}">
-                <a14:hiddenLine xmlns="" xmlns:a14="http://schemas.microsoft.com/office/drawing/2010/main" w="9525">
+                <a14:hiddenLine xmlns:a14="http://schemas.microsoft.com/office/drawing/2010/main" xmlns="" w="9525">
                   <a:solidFill>
                     <a:srgbClr val="000000"/>
                   </a:solidFill>
@@ -1295,7 +1297,7 @@
             </a:ln>
             <a:extLst>
               <a:ext uri="{91240B29-F687-4f45-9708-019B960494DF}">
-                <a14:hiddenLine xmlns="" xmlns:a14="http://schemas.microsoft.com/office/drawing/2010/main" w="9525">
+                <a14:hiddenLine xmlns:a14="http://schemas.microsoft.com/office/drawing/2010/main" xmlns="" w="9525">
                   <a:solidFill>
                     <a:srgbClr val="000000"/>
                   </a:solidFill>
@@ -1385,7 +1387,7 @@
             </a:ln>
             <a:extLst>
               <a:ext uri="{91240B29-F687-4f45-9708-019B960494DF}">
-                <a14:hiddenLine xmlns="" xmlns:a14="http://schemas.microsoft.com/office/drawing/2010/main" w="9525">
+                <a14:hiddenLine xmlns:a14="http://schemas.microsoft.com/office/drawing/2010/main" xmlns="" w="9525">
                   <a:solidFill>
                     <a:srgbClr val="000000"/>
                   </a:solidFill>
@@ -1475,7 +1477,7 @@
             </a:ln>
             <a:extLst>
               <a:ext uri="{91240B29-F687-4f45-9708-019B960494DF}">
-                <a14:hiddenLine xmlns="" xmlns:a14="http://schemas.microsoft.com/office/drawing/2010/main" w="9525">
+                <a14:hiddenLine xmlns:a14="http://schemas.microsoft.com/office/drawing/2010/main" xmlns="" w="9525">
                   <a:solidFill>
                     <a:srgbClr val="000000"/>
                   </a:solidFill>
@@ -1537,7 +1539,7 @@
             </a:ln>
             <a:extLst>
               <a:ext uri="{91240B29-F687-4f45-9708-019B960494DF}">
-                <a14:hiddenLine xmlns="" xmlns:a14="http://schemas.microsoft.com/office/drawing/2010/main" w="9525">
+                <a14:hiddenLine xmlns:a14="http://schemas.microsoft.com/office/drawing/2010/main" xmlns="" w="9525">
                   <a:solidFill>
                     <a:srgbClr val="000000"/>
                   </a:solidFill>
@@ -1627,7 +1629,7 @@
             </a:ln>
             <a:extLst>
               <a:ext uri="{91240B29-F687-4f45-9708-019B960494DF}">
-                <a14:hiddenLine xmlns="" xmlns:a14="http://schemas.microsoft.com/office/drawing/2010/main" w="9525">
+                <a14:hiddenLine xmlns:a14="http://schemas.microsoft.com/office/drawing/2010/main" xmlns="" w="9525">
                   <a:solidFill>
                     <a:srgbClr val="000000"/>
                   </a:solidFill>
@@ -1717,7 +1719,7 @@
             </a:ln>
             <a:extLst>
               <a:ext uri="{91240B29-F687-4f45-9708-019B960494DF}">
-                <a14:hiddenLine xmlns="" xmlns:a14="http://schemas.microsoft.com/office/drawing/2010/main" w="9525">
+                <a14:hiddenLine xmlns:a14="http://schemas.microsoft.com/office/drawing/2010/main" xmlns="" w="9525">
                   <a:solidFill>
                     <a:srgbClr val="000000"/>
                   </a:solidFill>
@@ -1773,7 +1775,7 @@
             </a:ln>
             <a:extLst>
               <a:ext uri="{91240B29-F687-4f45-9708-019B960494DF}">
-                <a14:hiddenLine xmlns="" xmlns:a14="http://schemas.microsoft.com/office/drawing/2010/main" w="9525">
+                <a14:hiddenLine xmlns:a14="http://schemas.microsoft.com/office/drawing/2010/main" xmlns="" w="9525">
                   <a:solidFill>
                     <a:srgbClr val="000000"/>
                   </a:solidFill>
@@ -1863,7 +1865,7 @@
             </a:ln>
             <a:extLst>
               <a:ext uri="{91240B29-F687-4f45-9708-019B960494DF}">
-                <a14:hiddenLine xmlns="" xmlns:a14="http://schemas.microsoft.com/office/drawing/2010/main" w="9525">
+                <a14:hiddenLine xmlns:a14="http://schemas.microsoft.com/office/drawing/2010/main" xmlns="" w="9525">
                   <a:solidFill>
                     <a:srgbClr val="000000"/>
                   </a:solidFill>
@@ -1919,7 +1921,7 @@
             </a:ln>
             <a:extLst>
               <a:ext uri="{91240B29-F687-4f45-9708-019B960494DF}">
-                <a14:hiddenLine xmlns="" xmlns:a14="http://schemas.microsoft.com/office/drawing/2010/main" w="9525">
+                <a14:hiddenLine xmlns:a14="http://schemas.microsoft.com/office/drawing/2010/main" xmlns="" w="9525">
                   <a:solidFill>
                     <a:srgbClr val="000000"/>
                   </a:solidFill>
@@ -2009,7 +2011,7 @@
             </a:ln>
             <a:extLst>
               <a:ext uri="{91240B29-F687-4f45-9708-019B960494DF}">
-                <a14:hiddenLine xmlns="" xmlns:a14="http://schemas.microsoft.com/office/drawing/2010/main" w="9525">
+                <a14:hiddenLine xmlns:a14="http://schemas.microsoft.com/office/drawing/2010/main" xmlns="" w="9525">
                   <a:solidFill>
                     <a:srgbClr val="000000"/>
                   </a:solidFill>
@@ -2077,7 +2079,7 @@
             </a:ln>
             <a:extLst>
               <a:ext uri="{91240B29-F687-4f45-9708-019B960494DF}">
-                <a14:hiddenLine xmlns="" xmlns:a14="http://schemas.microsoft.com/office/drawing/2010/main" w="9525">
+                <a14:hiddenLine xmlns:a14="http://schemas.microsoft.com/office/drawing/2010/main" xmlns="" w="9525">
                   <a:solidFill>
                     <a:srgbClr val="000000"/>
                   </a:solidFill>
@@ -2167,7 +2169,7 @@
             </a:ln>
             <a:extLst>
               <a:ext uri="{91240B29-F687-4f45-9708-019B960494DF}">
-                <a14:hiddenLine xmlns="" xmlns:a14="http://schemas.microsoft.com/office/drawing/2010/main" w="9525">
+                <a14:hiddenLine xmlns:a14="http://schemas.microsoft.com/office/drawing/2010/main" xmlns="" w="9525">
                   <a:solidFill>
                     <a:srgbClr val="000000"/>
                   </a:solidFill>
@@ -2235,7 +2237,7 @@
             </a:ln>
             <a:extLst>
               <a:ext uri="{91240B29-F687-4f45-9708-019B960494DF}">
-                <a14:hiddenLine xmlns="" xmlns:a14="http://schemas.microsoft.com/office/drawing/2010/main" w="9525">
+                <a14:hiddenLine xmlns:a14="http://schemas.microsoft.com/office/drawing/2010/main" xmlns="" w="9525">
                   <a:solidFill>
                     <a:srgbClr val="000000"/>
                   </a:solidFill>
@@ -2325,7 +2327,7 @@
             </a:ln>
             <a:extLst>
               <a:ext uri="{91240B29-F687-4f45-9708-019B960494DF}">
-                <a14:hiddenLine xmlns="" xmlns:a14="http://schemas.microsoft.com/office/drawing/2010/main" w="9525">
+                <a14:hiddenLine xmlns:a14="http://schemas.microsoft.com/office/drawing/2010/main" xmlns="" w="9525">
                   <a:solidFill>
                     <a:srgbClr val="000000"/>
                   </a:solidFill>
@@ -2359,7 +2361,7 @@
             </a:ln>
             <a:extLst>
               <a:ext uri="{91240B29-F687-4f45-9708-019B960494DF}">
-                <a14:hiddenLine xmlns="" xmlns:a14="http://schemas.microsoft.com/office/drawing/2010/main" w="9525">
+                <a14:hiddenLine xmlns:a14="http://schemas.microsoft.com/office/drawing/2010/main" xmlns="" w="9525">
                   <a:solidFill>
                     <a:srgbClr val="000000"/>
                   </a:solidFill>
@@ -2449,7 +2451,7 @@
             </a:ln>
             <a:extLst>
               <a:ext uri="{91240B29-F687-4f45-9708-019B960494DF}">
-                <a14:hiddenLine xmlns="" xmlns:a14="http://schemas.microsoft.com/office/drawing/2010/main" w="9525">
+                <a14:hiddenLine xmlns:a14="http://schemas.microsoft.com/office/drawing/2010/main" xmlns="" w="9525">
                   <a:solidFill>
                     <a:srgbClr val="000000"/>
                   </a:solidFill>
@@ -2511,7 +2513,7 @@
             </a:ln>
             <a:extLst>
               <a:ext uri="{91240B29-F687-4f45-9708-019B960494DF}">
-                <a14:hiddenLine xmlns="" xmlns:a14="http://schemas.microsoft.com/office/drawing/2010/main" w="9525">
+                <a14:hiddenLine xmlns:a14="http://schemas.microsoft.com/office/drawing/2010/main" xmlns="" w="9525">
                   <a:solidFill>
                     <a:srgbClr val="000000"/>
                   </a:solidFill>
@@ -2573,7 +2575,7 @@
             </a:ln>
             <a:extLst>
               <a:ext uri="{91240B29-F687-4f45-9708-019B960494DF}">
-                <a14:hiddenLine xmlns="" xmlns:a14="http://schemas.microsoft.com/office/drawing/2010/main" w="9525">
+                <a14:hiddenLine xmlns:a14="http://schemas.microsoft.com/office/drawing/2010/main" xmlns="" w="9525">
                   <a:solidFill>
                     <a:srgbClr val="000000"/>
                   </a:solidFill>
@@ -2663,7 +2665,7 @@
             </a:ln>
             <a:extLst>
               <a:ext uri="{91240B29-F687-4f45-9708-019B960494DF}">
-                <a14:hiddenLine xmlns="" xmlns:a14="http://schemas.microsoft.com/office/drawing/2010/main" w="9525">
+                <a14:hiddenLine xmlns:a14="http://schemas.microsoft.com/office/drawing/2010/main" xmlns="" w="9525">
                   <a:solidFill>
                     <a:srgbClr val="000000"/>
                   </a:solidFill>
@@ -2731,7 +2733,7 @@
             </a:ln>
             <a:extLst>
               <a:ext uri="{91240B29-F687-4f45-9708-019B960494DF}">
-                <a14:hiddenLine xmlns="" xmlns:a14="http://schemas.microsoft.com/office/drawing/2010/main" w="9525">
+                <a14:hiddenLine xmlns:a14="http://schemas.microsoft.com/office/drawing/2010/main" xmlns="" w="9525">
                   <a:solidFill>
                     <a:srgbClr val="000000"/>
                   </a:solidFill>
@@ -2793,7 +2795,7 @@
             </a:ln>
             <a:extLst>
               <a:ext uri="{91240B29-F687-4f45-9708-019B960494DF}">
-                <a14:hiddenLine xmlns="" xmlns:a14="http://schemas.microsoft.com/office/drawing/2010/main" w="9525">
+                <a14:hiddenLine xmlns:a14="http://schemas.microsoft.com/office/drawing/2010/main" xmlns="" w="9525">
                   <a:solidFill>
                     <a:srgbClr val="000000"/>
                   </a:solidFill>
@@ -2883,7 +2885,7 @@
             </a:ln>
             <a:extLst>
               <a:ext uri="{91240B29-F687-4f45-9708-019B960494DF}">
-                <a14:hiddenLine xmlns="" xmlns:a14="http://schemas.microsoft.com/office/drawing/2010/main" w="9525">
+                <a14:hiddenLine xmlns:a14="http://schemas.microsoft.com/office/drawing/2010/main" xmlns="" w="9525">
                   <a:solidFill>
                     <a:srgbClr val="000000"/>
                   </a:solidFill>
@@ -2945,7 +2947,7 @@
             </a:ln>
             <a:extLst>
               <a:ext uri="{91240B29-F687-4f45-9708-019B960494DF}">
-                <a14:hiddenLine xmlns="" xmlns:a14="http://schemas.microsoft.com/office/drawing/2010/main" w="9525">
+                <a14:hiddenLine xmlns:a14="http://schemas.microsoft.com/office/drawing/2010/main" xmlns="" w="9525">
                   <a:solidFill>
                     <a:srgbClr val="000000"/>
                   </a:solidFill>
@@ -3035,7 +3037,7 @@
             </a:ln>
             <a:extLst>
               <a:ext uri="{91240B29-F687-4f45-9708-019B960494DF}">
-                <a14:hiddenLine xmlns="" xmlns:a14="http://schemas.microsoft.com/office/drawing/2010/main" w="9525">
+                <a14:hiddenLine xmlns:a14="http://schemas.microsoft.com/office/drawing/2010/main" xmlns="" w="9525">
                   <a:solidFill>
                     <a:srgbClr val="000000"/>
                   </a:solidFill>
@@ -3097,7 +3099,7 @@
             </a:ln>
             <a:extLst>
               <a:ext uri="{91240B29-F687-4f45-9708-019B960494DF}">
-                <a14:hiddenLine xmlns="" xmlns:a14="http://schemas.microsoft.com/office/drawing/2010/main" w="9525">
+                <a14:hiddenLine xmlns:a14="http://schemas.microsoft.com/office/drawing/2010/main" xmlns="" w="9525">
                   <a:solidFill>
                     <a:srgbClr val="000000"/>
                   </a:solidFill>
@@ -3187,7 +3189,7 @@
             </a:ln>
             <a:extLst>
               <a:ext uri="{91240B29-F687-4f45-9708-019B960494DF}">
-                <a14:hiddenLine xmlns="" xmlns:a14="http://schemas.microsoft.com/office/drawing/2010/main" w="9525">
+                <a14:hiddenLine xmlns:a14="http://schemas.microsoft.com/office/drawing/2010/main" xmlns="" w="9525">
                   <a:solidFill>
                     <a:srgbClr val="000000"/>
                   </a:solidFill>
@@ -3221,7 +3223,7 @@
             </a:ln>
             <a:extLst>
               <a:ext uri="{91240B29-F687-4f45-9708-019B960494DF}">
-                <a14:hiddenLine xmlns="" xmlns:a14="http://schemas.microsoft.com/office/drawing/2010/main" w="9525">
+                <a14:hiddenLine xmlns:a14="http://schemas.microsoft.com/office/drawing/2010/main" xmlns="" w="9525">
                   <a:solidFill>
                     <a:srgbClr val="000000"/>
                   </a:solidFill>
@@ -3286,7 +3288,7 @@
             </a:ln>
             <a:extLst>
               <a:ext uri="{91240B29-F687-4f45-9708-019B960494DF}">
-                <a14:hiddenLine xmlns="" xmlns:a14="http://schemas.microsoft.com/office/drawing/2010/main" w="9525">
+                <a14:hiddenLine xmlns:a14="http://schemas.microsoft.com/office/drawing/2010/main" xmlns="" w="9525">
                   <a:solidFill>
                     <a:srgbClr val="000000"/>
                   </a:solidFill>
@@ -3376,7 +3378,7 @@
             </a:ln>
             <a:extLst>
               <a:ext uri="{91240B29-F687-4f45-9708-019B960494DF}">
-                <a14:hiddenLine xmlns="" xmlns:a14="http://schemas.microsoft.com/office/drawing/2010/main" w="9525">
+                <a14:hiddenLine xmlns:a14="http://schemas.microsoft.com/office/drawing/2010/main" xmlns="" w="9525">
                   <a:solidFill>
                     <a:srgbClr val="000000"/>
                   </a:solidFill>
@@ -3438,7 +3440,7 @@
             </a:ln>
             <a:extLst>
               <a:ext uri="{91240B29-F687-4f45-9708-019B960494DF}">
-                <a14:hiddenLine xmlns="" xmlns:a14="http://schemas.microsoft.com/office/drawing/2010/main" w="9525">
+                <a14:hiddenLine xmlns:a14="http://schemas.microsoft.com/office/drawing/2010/main" xmlns="" w="9525">
                   <a:solidFill>
                     <a:srgbClr val="000000"/>
                   </a:solidFill>
@@ -3528,7 +3530,7 @@
             </a:ln>
             <a:extLst>
               <a:ext uri="{91240B29-F687-4f45-9708-019B960494DF}">
-                <a14:hiddenLine xmlns="" xmlns:a14="http://schemas.microsoft.com/office/drawing/2010/main" w="9525">
+                <a14:hiddenLine xmlns:a14="http://schemas.microsoft.com/office/drawing/2010/main" xmlns="" w="9525">
                   <a:solidFill>
                     <a:srgbClr val="000000"/>
                   </a:solidFill>
@@ -3618,7 +3620,7 @@
             </a:ln>
             <a:extLst>
               <a:ext uri="{91240B29-F687-4f45-9708-019B960494DF}">
-                <a14:hiddenLine xmlns="" xmlns:a14="http://schemas.microsoft.com/office/drawing/2010/main" w="9525">
+                <a14:hiddenLine xmlns:a14="http://schemas.microsoft.com/office/drawing/2010/main" xmlns="" w="9525">
                   <a:solidFill>
                     <a:srgbClr val="000000"/>
                   </a:solidFill>
@@ -3683,7 +3685,7 @@
             </a:ln>
             <a:extLst>
               <a:ext uri="{91240B29-F687-4f45-9708-019B960494DF}">
-                <a14:hiddenLine xmlns="" xmlns:a14="http://schemas.microsoft.com/office/drawing/2010/main" w="9525">
+                <a14:hiddenLine xmlns:a14="http://schemas.microsoft.com/office/drawing/2010/main" xmlns="" w="9525">
                   <a:solidFill>
                     <a:srgbClr val="000000"/>
                   </a:solidFill>
@@ -3745,7 +3747,7 @@
             </a:ln>
             <a:extLst>
               <a:ext uri="{91240B29-F687-4f45-9708-019B960494DF}">
-                <a14:hiddenLine xmlns="" xmlns:a14="http://schemas.microsoft.com/office/drawing/2010/main" w="9525">
+                <a14:hiddenLine xmlns:a14="http://schemas.microsoft.com/office/drawing/2010/main" xmlns="" w="9525">
                   <a:solidFill>
                     <a:srgbClr val="000000"/>
                   </a:solidFill>
@@ -3835,7 +3837,7 @@
             </a:ln>
             <a:extLst>
               <a:ext uri="{91240B29-F687-4f45-9708-019B960494DF}">
-                <a14:hiddenLine xmlns="" xmlns:a14="http://schemas.microsoft.com/office/drawing/2010/main" w="9525">
+                <a14:hiddenLine xmlns:a14="http://schemas.microsoft.com/office/drawing/2010/main" xmlns="" w="9525">
                   <a:solidFill>
                     <a:srgbClr val="000000"/>
                   </a:solidFill>
@@ -3925,7 +3927,7 @@
             </a:ln>
             <a:extLst>
               <a:ext uri="{91240B29-F687-4f45-9708-019B960494DF}">
-                <a14:hiddenLine xmlns="" xmlns:a14="http://schemas.microsoft.com/office/drawing/2010/main" w="9525">
+                <a14:hiddenLine xmlns:a14="http://schemas.microsoft.com/office/drawing/2010/main" xmlns="" w="9525">
                   <a:solidFill>
                     <a:srgbClr val="000000"/>
                   </a:solidFill>
@@ -3987,7 +3989,7 @@
             </a:ln>
             <a:extLst>
               <a:ext uri="{91240B29-F687-4f45-9708-019B960494DF}">
-                <a14:hiddenLine xmlns="" xmlns:a14="http://schemas.microsoft.com/office/drawing/2010/main" w="9525">
+                <a14:hiddenLine xmlns:a14="http://schemas.microsoft.com/office/drawing/2010/main" xmlns="" w="9525">
                   <a:solidFill>
                     <a:srgbClr val="000000"/>
                   </a:solidFill>
@@ -4107,7 +4109,7 @@
             </a:ln>
             <a:extLst>
               <a:ext uri="{91240B29-F687-4f45-9708-019B960494DF}">
-                <a14:hiddenLine xmlns="" xmlns:a14="http://schemas.microsoft.com/office/drawing/2010/main" w="9525">
+                <a14:hiddenLine xmlns:a14="http://schemas.microsoft.com/office/drawing/2010/main" xmlns="" w="9525">
                   <a:solidFill>
                     <a:srgbClr val="000000"/>
                   </a:solidFill>
@@ -4175,7 +4177,7 @@
             </a:ln>
             <a:extLst>
               <a:ext uri="{91240B29-F687-4f45-9708-019B960494DF}">
-                <a14:hiddenLine xmlns="" xmlns:a14="http://schemas.microsoft.com/office/drawing/2010/main" w="9525">
+                <a14:hiddenLine xmlns:a14="http://schemas.microsoft.com/office/drawing/2010/main" xmlns="" w="9525">
                   <a:solidFill>
                     <a:srgbClr val="000000"/>
                   </a:solidFill>
@@ -4265,7 +4267,7 @@
             </a:ln>
             <a:extLst>
               <a:ext uri="{91240B29-F687-4f45-9708-019B960494DF}">
-                <a14:hiddenLine xmlns="" xmlns:a14="http://schemas.microsoft.com/office/drawing/2010/main" w="9525">
+                <a14:hiddenLine xmlns:a14="http://schemas.microsoft.com/office/drawing/2010/main" xmlns="" w="9525">
                   <a:solidFill>
                     <a:srgbClr val="000000"/>
                   </a:solidFill>
@@ -4405,7 +4407,7 @@
           <a:p>
             <a:fld id="{A79F242A-E88C-47E4-8C58-35E6FB715C93}" type="datetimeFigureOut">
               <a:rPr lang="fr-CA" smtClean="0"/>
-              <a:t>2017-11-13</a:t>
+              <a:t>2017-11-14</a:t>
             </a:fld>
             <a:endParaRPr lang="fr-CA"/>
           </a:p>
@@ -4672,7 +4674,7 @@
           <a:p>
             <a:fld id="{A79F242A-E88C-47E4-8C58-35E6FB715C93}" type="datetimeFigureOut">
               <a:rPr lang="fr-CA" smtClean="0"/>
-              <a:t>2017-11-13</a:t>
+              <a:t>2017-11-14</a:t>
             </a:fld>
             <a:endParaRPr lang="fr-CA"/>
           </a:p>
@@ -4868,7 +4870,7 @@
           <a:p>
             <a:fld id="{A79F242A-E88C-47E4-8C58-35E6FB715C93}" type="datetimeFigureOut">
               <a:rPr lang="fr-CA" smtClean="0"/>
-              <a:t>2017-11-13</a:t>
+              <a:t>2017-11-14</a:t>
             </a:fld>
             <a:endParaRPr lang="fr-CA"/>
           </a:p>
@@ -5131,7 +5133,7 @@
           <a:p>
             <a:fld id="{A79F242A-E88C-47E4-8C58-35E6FB715C93}" type="datetimeFigureOut">
               <a:rPr lang="fr-CA" smtClean="0"/>
-              <a:t>2017-11-13</a:t>
+              <a:t>2017-11-14</a:t>
             </a:fld>
             <a:endParaRPr lang="fr-CA"/>
           </a:p>
@@ -5565,7 +5567,7 @@
           <a:p>
             <a:fld id="{A79F242A-E88C-47E4-8C58-35E6FB715C93}" type="datetimeFigureOut">
               <a:rPr lang="fr-CA" smtClean="0"/>
-              <a:t>2017-11-13</a:t>
+              <a:t>2017-11-14</a:t>
             </a:fld>
             <a:endParaRPr lang="fr-CA"/>
           </a:p>
@@ -6111,7 +6113,7 @@
           <a:p>
             <a:fld id="{A79F242A-E88C-47E4-8C58-35E6FB715C93}" type="datetimeFigureOut">
               <a:rPr lang="fr-CA" smtClean="0"/>
-              <a:t>2017-11-13</a:t>
+              <a:t>2017-11-14</a:t>
             </a:fld>
             <a:endParaRPr lang="fr-CA"/>
           </a:p>
@@ -6831,7 +6833,7 @@
           <a:p>
             <a:fld id="{A79F242A-E88C-47E4-8C58-35E6FB715C93}" type="datetimeFigureOut">
               <a:rPr lang="fr-CA" smtClean="0"/>
-              <a:t>2017-11-13</a:t>
+              <a:t>2017-11-14</a:t>
             </a:fld>
             <a:endParaRPr lang="fr-CA"/>
           </a:p>
@@ -7001,7 +7003,7 @@
           <a:p>
             <a:fld id="{A79F242A-E88C-47E4-8C58-35E6FB715C93}" type="datetimeFigureOut">
               <a:rPr lang="fr-CA" smtClean="0"/>
-              <a:t>2017-11-13</a:t>
+              <a:t>2017-11-14</a:t>
             </a:fld>
             <a:endParaRPr lang="fr-CA"/>
           </a:p>
@@ -7181,7 +7183,7 @@
           <a:p>
             <a:fld id="{A79F242A-E88C-47E4-8C58-35E6FB715C93}" type="datetimeFigureOut">
               <a:rPr lang="fr-CA" smtClean="0"/>
-              <a:t>2017-11-13</a:t>
+              <a:t>2017-11-14</a:t>
             </a:fld>
             <a:endParaRPr lang="fr-CA"/>
           </a:p>
@@ -7351,7 +7353,7 @@
           <a:p>
             <a:fld id="{A79F242A-E88C-47E4-8C58-35E6FB715C93}" type="datetimeFigureOut">
               <a:rPr lang="fr-CA" smtClean="0"/>
-              <a:t>2017-11-13</a:t>
+              <a:t>2017-11-14</a:t>
             </a:fld>
             <a:endParaRPr lang="fr-CA"/>
           </a:p>
@@ -7601,7 +7603,7 @@
           <a:p>
             <a:fld id="{A79F242A-E88C-47E4-8C58-35E6FB715C93}" type="datetimeFigureOut">
               <a:rPr lang="fr-CA" smtClean="0"/>
-              <a:t>2017-11-13</a:t>
+              <a:t>2017-11-14</a:t>
             </a:fld>
             <a:endParaRPr lang="fr-CA"/>
           </a:p>
@@ -7833,7 +7835,7 @@
           <a:p>
             <a:fld id="{A79F242A-E88C-47E4-8C58-35E6FB715C93}" type="datetimeFigureOut">
               <a:rPr lang="fr-CA" smtClean="0"/>
-              <a:t>2017-11-13</a:t>
+              <a:t>2017-11-14</a:t>
             </a:fld>
             <a:endParaRPr lang="fr-CA"/>
           </a:p>
@@ -8214,7 +8216,7 @@
           <a:p>
             <a:fld id="{A79F242A-E88C-47E4-8C58-35E6FB715C93}" type="datetimeFigureOut">
               <a:rPr lang="fr-CA" smtClean="0"/>
-              <a:t>2017-11-13</a:t>
+              <a:t>2017-11-14</a:t>
             </a:fld>
             <a:endParaRPr lang="fr-CA"/>
           </a:p>
@@ -8332,7 +8334,7 @@
           <a:p>
             <a:fld id="{A79F242A-E88C-47E4-8C58-35E6FB715C93}" type="datetimeFigureOut">
               <a:rPr lang="fr-CA" smtClean="0"/>
-              <a:t>2017-11-13</a:t>
+              <a:t>2017-11-14</a:t>
             </a:fld>
             <a:endParaRPr lang="fr-CA"/>
           </a:p>
@@ -8427,7 +8429,7 @@
           <a:p>
             <a:fld id="{A79F242A-E88C-47E4-8C58-35E6FB715C93}" type="datetimeFigureOut">
               <a:rPr lang="fr-CA" smtClean="0"/>
-              <a:t>2017-11-13</a:t>
+              <a:t>2017-11-14</a:t>
             </a:fld>
             <a:endParaRPr lang="fr-CA"/>
           </a:p>
@@ -8676,7 +8678,7 @@
           <a:p>
             <a:fld id="{A79F242A-E88C-47E4-8C58-35E6FB715C93}" type="datetimeFigureOut">
               <a:rPr lang="fr-CA" smtClean="0"/>
-              <a:t>2017-11-13</a:t>
+              <a:t>2017-11-14</a:t>
             </a:fld>
             <a:endParaRPr lang="fr-CA"/>
           </a:p>
@@ -8956,7 +8958,7 @@
           <a:p>
             <a:fld id="{A79F242A-E88C-47E4-8C58-35E6FB715C93}" type="datetimeFigureOut">
               <a:rPr lang="fr-CA" smtClean="0"/>
-              <a:t>2017-11-13</a:t>
+              <a:t>2017-11-14</a:t>
             </a:fld>
             <a:endParaRPr lang="fr-CA"/>
           </a:p>
@@ -9072,7 +9074,7 @@
           <a:noFill/>
           <a:extLst>
             <a:ext uri="{909E8E84-426E-40dd-AFC4-6F175D3DCCD1}">
-              <a14:hiddenFill xmlns="" xmlns:a14="http://schemas.microsoft.com/office/drawing/2010/main">
+              <a14:hiddenFill xmlns:a14="http://schemas.microsoft.com/office/drawing/2010/main" xmlns="">
                 <a:solidFill>
                   <a:srgbClr val="FFFFFF"/>
                 </a:solidFill>
@@ -9146,7 +9148,7 @@
               </a:ln>
               <a:extLst>
                 <a:ext uri="{91240B29-F687-4f45-9708-019B960494DF}">
-                  <a14:hiddenLine xmlns="" xmlns:a14="http://schemas.microsoft.com/office/drawing/2010/main" w="9525">
+                  <a14:hiddenLine xmlns:a14="http://schemas.microsoft.com/office/drawing/2010/main" xmlns="" w="9525">
                     <a:solidFill>
                       <a:srgbClr val="000000"/>
                     </a:solidFill>
@@ -9236,7 +9238,7 @@
               </a:ln>
               <a:extLst>
                 <a:ext uri="{91240B29-F687-4f45-9708-019B960494DF}">
-                  <a14:hiddenLine xmlns="" xmlns:a14="http://schemas.microsoft.com/office/drawing/2010/main" w="9525">
+                  <a14:hiddenLine xmlns:a14="http://schemas.microsoft.com/office/drawing/2010/main" xmlns="" w="9525">
                     <a:solidFill>
                       <a:srgbClr val="000000"/>
                     </a:solidFill>
@@ -9326,7 +9328,7 @@
               </a:ln>
               <a:extLst>
                 <a:ext uri="{91240B29-F687-4f45-9708-019B960494DF}">
-                  <a14:hiddenLine xmlns="" xmlns:a14="http://schemas.microsoft.com/office/drawing/2010/main" w="9525">
+                  <a14:hiddenLine xmlns:a14="http://schemas.microsoft.com/office/drawing/2010/main" xmlns="" w="9525">
                     <a:solidFill>
                       <a:srgbClr val="000000"/>
                     </a:solidFill>
@@ -9388,7 +9390,7 @@
               </a:ln>
               <a:extLst>
                 <a:ext uri="{91240B29-F687-4f45-9708-019B960494DF}">
-                  <a14:hiddenLine xmlns="" xmlns:a14="http://schemas.microsoft.com/office/drawing/2010/main" w="9525">
+                  <a14:hiddenLine xmlns:a14="http://schemas.microsoft.com/office/drawing/2010/main" xmlns="" w="9525">
                     <a:solidFill>
                       <a:srgbClr val="000000"/>
                     </a:solidFill>
@@ -9478,7 +9480,7 @@
               </a:ln>
               <a:extLst>
                 <a:ext uri="{91240B29-F687-4f45-9708-019B960494DF}">
-                  <a14:hiddenLine xmlns="" xmlns:a14="http://schemas.microsoft.com/office/drawing/2010/main" w="9525">
+                  <a14:hiddenLine xmlns:a14="http://schemas.microsoft.com/office/drawing/2010/main" xmlns="" w="9525">
                     <a:solidFill>
                       <a:srgbClr val="000000"/>
                     </a:solidFill>
@@ -9540,7 +9542,7 @@
               </a:ln>
               <a:extLst>
                 <a:ext uri="{91240B29-F687-4f45-9708-019B960494DF}">
-                  <a14:hiddenLine xmlns="" xmlns:a14="http://schemas.microsoft.com/office/drawing/2010/main" w="9525">
+                  <a14:hiddenLine xmlns:a14="http://schemas.microsoft.com/office/drawing/2010/main" xmlns="" w="9525">
                     <a:solidFill>
                       <a:srgbClr val="000000"/>
                     </a:solidFill>
@@ -9602,7 +9604,7 @@
               </a:ln>
               <a:extLst>
                 <a:ext uri="{91240B29-F687-4f45-9708-019B960494DF}">
-                  <a14:hiddenLine xmlns="" xmlns:a14="http://schemas.microsoft.com/office/drawing/2010/main" w="9525">
+                  <a14:hiddenLine xmlns:a14="http://schemas.microsoft.com/office/drawing/2010/main" xmlns="" w="9525">
                     <a:solidFill>
                       <a:srgbClr val="000000"/>
                     </a:solidFill>
@@ -9692,7 +9694,7 @@
               </a:ln>
               <a:extLst>
                 <a:ext uri="{91240B29-F687-4f45-9708-019B960494DF}">
-                  <a14:hiddenLine xmlns="" xmlns:a14="http://schemas.microsoft.com/office/drawing/2010/main" w="9525">
+                  <a14:hiddenLine xmlns:a14="http://schemas.microsoft.com/office/drawing/2010/main" xmlns="" w="9525">
                     <a:solidFill>
                       <a:srgbClr val="000000"/>
                     </a:solidFill>
@@ -9782,7 +9784,7 @@
               </a:ln>
               <a:extLst>
                 <a:ext uri="{91240B29-F687-4f45-9708-019B960494DF}">
-                  <a14:hiddenLine xmlns="" xmlns:a14="http://schemas.microsoft.com/office/drawing/2010/main" w="9525">
+                  <a14:hiddenLine xmlns:a14="http://schemas.microsoft.com/office/drawing/2010/main" xmlns="" w="9525">
                     <a:solidFill>
                       <a:srgbClr val="000000"/>
                     </a:solidFill>
@@ -9844,7 +9846,7 @@
               </a:ln>
               <a:extLst>
                 <a:ext uri="{91240B29-F687-4f45-9708-019B960494DF}">
-                  <a14:hiddenLine xmlns="" xmlns:a14="http://schemas.microsoft.com/office/drawing/2010/main" w="9525">
+                  <a14:hiddenLine xmlns:a14="http://schemas.microsoft.com/office/drawing/2010/main" xmlns="" w="9525">
                     <a:solidFill>
                       <a:srgbClr val="000000"/>
                     </a:solidFill>
@@ -9954,7 +9956,7 @@
               </a:ln>
               <a:extLst>
                 <a:ext uri="{91240B29-F687-4f45-9708-019B960494DF}">
-                  <a14:hiddenLine xmlns="" xmlns:a14="http://schemas.microsoft.com/office/drawing/2010/main" w="9525">
+                  <a14:hiddenLine xmlns:a14="http://schemas.microsoft.com/office/drawing/2010/main" xmlns="" w="9525">
                     <a:solidFill>
                       <a:srgbClr val="000000"/>
                     </a:solidFill>
@@ -10038,7 +10040,7 @@
               </a:ln>
               <a:extLst>
                 <a:ext uri="{91240B29-F687-4f45-9708-019B960494DF}">
-                  <a14:hiddenLine xmlns="" xmlns:a14="http://schemas.microsoft.com/office/drawing/2010/main" w="9525">
+                  <a14:hiddenLine xmlns:a14="http://schemas.microsoft.com/office/drawing/2010/main" xmlns="" w="9525">
                     <a:solidFill>
                       <a:srgbClr val="000000"/>
                     </a:solidFill>
@@ -10100,7 +10102,7 @@
               </a:ln>
               <a:extLst>
                 <a:ext uri="{91240B29-F687-4f45-9708-019B960494DF}">
-                  <a14:hiddenLine xmlns="" xmlns:a14="http://schemas.microsoft.com/office/drawing/2010/main" w="9525">
+                  <a14:hiddenLine xmlns:a14="http://schemas.microsoft.com/office/drawing/2010/main" xmlns="" w="9525">
                     <a:solidFill>
                       <a:srgbClr val="000000"/>
                     </a:solidFill>
@@ -10162,7 +10164,7 @@
               </a:ln>
               <a:extLst>
                 <a:ext uri="{91240B29-F687-4f45-9708-019B960494DF}">
-                  <a14:hiddenLine xmlns="" xmlns:a14="http://schemas.microsoft.com/office/drawing/2010/main" w="9525">
+                  <a14:hiddenLine xmlns:a14="http://schemas.microsoft.com/office/drawing/2010/main" xmlns="" w="9525">
                     <a:solidFill>
                       <a:srgbClr val="000000"/>
                     </a:solidFill>
@@ -10252,7 +10254,7 @@
               </a:ln>
               <a:extLst>
                 <a:ext uri="{91240B29-F687-4f45-9708-019B960494DF}">
-                  <a14:hiddenLine xmlns="" xmlns:a14="http://schemas.microsoft.com/office/drawing/2010/main" w="9525">
+                  <a14:hiddenLine xmlns:a14="http://schemas.microsoft.com/office/drawing/2010/main" xmlns="" w="9525">
                     <a:solidFill>
                       <a:srgbClr val="000000"/>
                     </a:solidFill>
@@ -10286,7 +10288,7 @@
               </a:ln>
               <a:extLst>
                 <a:ext uri="{91240B29-F687-4f45-9708-019B960494DF}">
-                  <a14:hiddenLine xmlns="" xmlns:a14="http://schemas.microsoft.com/office/drawing/2010/main" w="9525">
+                  <a14:hiddenLine xmlns:a14="http://schemas.microsoft.com/office/drawing/2010/main" xmlns="" w="9525">
                     <a:solidFill>
                       <a:srgbClr val="000000"/>
                     </a:solidFill>
@@ -10351,7 +10353,7 @@
               </a:ln>
               <a:extLst>
                 <a:ext uri="{91240B29-F687-4f45-9708-019B960494DF}">
-                  <a14:hiddenLine xmlns="" xmlns:a14="http://schemas.microsoft.com/office/drawing/2010/main" w="9525">
+                  <a14:hiddenLine xmlns:a14="http://schemas.microsoft.com/office/drawing/2010/main" xmlns="" w="9525">
                     <a:solidFill>
                       <a:srgbClr val="000000"/>
                     </a:solidFill>
@@ -10441,7 +10443,7 @@
               </a:ln>
               <a:extLst>
                 <a:ext uri="{91240B29-F687-4f45-9708-019B960494DF}">
-                  <a14:hiddenLine xmlns="" xmlns:a14="http://schemas.microsoft.com/office/drawing/2010/main" w="9525">
+                  <a14:hiddenLine xmlns:a14="http://schemas.microsoft.com/office/drawing/2010/main" xmlns="" w="9525">
                     <a:solidFill>
                       <a:srgbClr val="000000"/>
                     </a:solidFill>
@@ -10503,7 +10505,7 @@
               </a:ln>
               <a:extLst>
                 <a:ext uri="{91240B29-F687-4f45-9708-019B960494DF}">
-                  <a14:hiddenLine xmlns="" xmlns:a14="http://schemas.microsoft.com/office/drawing/2010/main" w="9525">
+                  <a14:hiddenLine xmlns:a14="http://schemas.microsoft.com/office/drawing/2010/main" xmlns="" w="9525">
                     <a:solidFill>
                       <a:srgbClr val="000000"/>
                     </a:solidFill>
@@ -10593,7 +10595,7 @@
               </a:ln>
               <a:extLst>
                 <a:ext uri="{91240B29-F687-4f45-9708-019B960494DF}">
-                  <a14:hiddenLine xmlns="" xmlns:a14="http://schemas.microsoft.com/office/drawing/2010/main" w="9525">
+                  <a14:hiddenLine xmlns:a14="http://schemas.microsoft.com/office/drawing/2010/main" xmlns="" w="9525">
                     <a:solidFill>
                       <a:srgbClr val="000000"/>
                     </a:solidFill>
@@ -10658,7 +10660,7 @@
               </a:ln>
               <a:extLst>
                 <a:ext uri="{91240B29-F687-4f45-9708-019B960494DF}">
-                  <a14:hiddenLine xmlns="" xmlns:a14="http://schemas.microsoft.com/office/drawing/2010/main" w="9525">
+                  <a14:hiddenLine xmlns:a14="http://schemas.microsoft.com/office/drawing/2010/main" xmlns="" w="9525">
                     <a:solidFill>
                       <a:srgbClr val="000000"/>
                     </a:solidFill>
@@ -10720,7 +10722,7 @@
               </a:ln>
               <a:extLst>
                 <a:ext uri="{91240B29-F687-4f45-9708-019B960494DF}">
-                  <a14:hiddenLine xmlns="" xmlns:a14="http://schemas.microsoft.com/office/drawing/2010/main" w="9525">
+                  <a14:hiddenLine xmlns:a14="http://schemas.microsoft.com/office/drawing/2010/main" xmlns="" w="9525">
                     <a:solidFill>
                       <a:srgbClr val="000000"/>
                     </a:solidFill>
@@ -10810,7 +10812,7 @@
               </a:ln>
               <a:extLst>
                 <a:ext uri="{91240B29-F687-4f45-9708-019B960494DF}">
-                  <a14:hiddenLine xmlns="" xmlns:a14="http://schemas.microsoft.com/office/drawing/2010/main" w="9525">
+                  <a14:hiddenLine xmlns:a14="http://schemas.microsoft.com/office/drawing/2010/main" xmlns="" w="9525">
                     <a:solidFill>
                       <a:srgbClr val="000000"/>
                     </a:solidFill>
@@ -10900,7 +10902,7 @@
               </a:ln>
               <a:extLst>
                 <a:ext uri="{91240B29-F687-4f45-9708-019B960494DF}">
-                  <a14:hiddenLine xmlns="" xmlns:a14="http://schemas.microsoft.com/office/drawing/2010/main" w="9525">
+                  <a14:hiddenLine xmlns:a14="http://schemas.microsoft.com/office/drawing/2010/main" xmlns="" w="9525">
                     <a:solidFill>
                       <a:srgbClr val="000000"/>
                     </a:solidFill>
@@ -10965,7 +10967,7 @@
               </a:ln>
               <a:extLst>
                 <a:ext uri="{91240B29-F687-4f45-9708-019B960494DF}">
-                  <a14:hiddenLine xmlns="" xmlns:a14="http://schemas.microsoft.com/office/drawing/2010/main" w="9525">
+                  <a14:hiddenLine xmlns:a14="http://schemas.microsoft.com/office/drawing/2010/main" xmlns="" w="9525">
                     <a:solidFill>
                       <a:srgbClr val="000000"/>
                     </a:solidFill>
@@ -11085,7 +11087,7 @@
               </a:ln>
               <a:extLst>
                 <a:ext uri="{91240B29-F687-4f45-9708-019B960494DF}">
-                  <a14:hiddenLine xmlns="" xmlns:a14="http://schemas.microsoft.com/office/drawing/2010/main" w="9525">
+                  <a14:hiddenLine xmlns:a14="http://schemas.microsoft.com/office/drawing/2010/main" xmlns="" w="9525">
                     <a:solidFill>
                       <a:srgbClr val="000000"/>
                     </a:solidFill>
@@ -11183,7 +11185,7 @@
               </a:ln>
               <a:extLst>
                 <a:ext uri="{91240B29-F687-4f45-9708-019B960494DF}">
-                  <a14:hiddenLine xmlns="" xmlns:a14="http://schemas.microsoft.com/office/drawing/2010/main" w="9525">
+                  <a14:hiddenLine xmlns:a14="http://schemas.microsoft.com/office/drawing/2010/main" xmlns="" w="9525">
                     <a:solidFill>
                       <a:srgbClr val="000000"/>
                     </a:solidFill>
@@ -11298,7 +11300,7 @@
               </a:ln>
               <a:extLst>
                 <a:ext uri="{91240B29-F687-4f45-9708-019B960494DF}">
-                  <a14:hiddenLine xmlns="" xmlns:a14="http://schemas.microsoft.com/office/drawing/2010/main" w="9525">
+                  <a14:hiddenLine xmlns:a14="http://schemas.microsoft.com/office/drawing/2010/main" xmlns="" w="9525">
                     <a:solidFill>
                       <a:srgbClr val="000000"/>
                     </a:solidFill>
@@ -11388,7 +11390,7 @@
               </a:ln>
               <a:extLst>
                 <a:ext uri="{91240B29-F687-4f45-9708-019B960494DF}">
-                  <a14:hiddenLine xmlns="" xmlns:a14="http://schemas.microsoft.com/office/drawing/2010/main" w="9525">
+                  <a14:hiddenLine xmlns:a14="http://schemas.microsoft.com/office/drawing/2010/main" xmlns="" w="9525">
                     <a:solidFill>
                       <a:srgbClr val="000000"/>
                     </a:solidFill>
@@ -11453,7 +11455,7 @@
               </a:ln>
               <a:extLst>
                 <a:ext uri="{91240B29-F687-4f45-9708-019B960494DF}">
-                  <a14:hiddenLine xmlns="" xmlns:a14="http://schemas.microsoft.com/office/drawing/2010/main" w="9525">
+                  <a14:hiddenLine xmlns:a14="http://schemas.microsoft.com/office/drawing/2010/main" xmlns="" w="9525">
                     <a:solidFill>
                       <a:srgbClr val="000000"/>
                     </a:solidFill>
@@ -11543,7 +11545,7 @@
               </a:ln>
               <a:extLst>
                 <a:ext uri="{91240B29-F687-4f45-9708-019B960494DF}">
-                  <a14:hiddenLine xmlns="" xmlns:a14="http://schemas.microsoft.com/office/drawing/2010/main" w="9525">
+                  <a14:hiddenLine xmlns:a14="http://schemas.microsoft.com/office/drawing/2010/main" xmlns="" w="9525">
                     <a:solidFill>
                       <a:srgbClr val="000000"/>
                     </a:solidFill>
@@ -11611,7 +11613,7 @@
               </a:ln>
               <a:extLst>
                 <a:ext uri="{91240B29-F687-4f45-9708-019B960494DF}">
-                  <a14:hiddenLine xmlns="" xmlns:a14="http://schemas.microsoft.com/office/drawing/2010/main" w="9525">
+                  <a14:hiddenLine xmlns:a14="http://schemas.microsoft.com/office/drawing/2010/main" xmlns="" w="9525">
                     <a:solidFill>
                       <a:srgbClr val="000000"/>
                     </a:solidFill>
@@ -11701,7 +11703,7 @@
               </a:ln>
               <a:extLst>
                 <a:ext uri="{91240B29-F687-4f45-9708-019B960494DF}">
-                  <a14:hiddenLine xmlns="" xmlns:a14="http://schemas.microsoft.com/office/drawing/2010/main" w="9525">
+                  <a14:hiddenLine xmlns:a14="http://schemas.microsoft.com/office/drawing/2010/main" xmlns="" w="9525">
                     <a:solidFill>
                       <a:srgbClr val="000000"/>
                     </a:solidFill>
@@ -11769,7 +11771,7 @@
               </a:ln>
               <a:extLst>
                 <a:ext uri="{91240B29-F687-4f45-9708-019B960494DF}">
-                  <a14:hiddenLine xmlns="" xmlns:a14="http://schemas.microsoft.com/office/drawing/2010/main" w="9525">
+                  <a14:hiddenLine xmlns:a14="http://schemas.microsoft.com/office/drawing/2010/main" xmlns="" w="9525">
                     <a:solidFill>
                       <a:srgbClr val="000000"/>
                     </a:solidFill>
@@ -11859,7 +11861,7 @@
               </a:ln>
               <a:extLst>
                 <a:ext uri="{91240B29-F687-4f45-9708-019B960494DF}">
-                  <a14:hiddenLine xmlns="" xmlns:a14="http://schemas.microsoft.com/office/drawing/2010/main" w="9525">
+                  <a14:hiddenLine xmlns:a14="http://schemas.microsoft.com/office/drawing/2010/main" xmlns="" w="9525">
                     <a:solidFill>
                       <a:srgbClr val="000000"/>
                     </a:solidFill>
@@ -11893,7 +11895,7 @@
               </a:ln>
               <a:extLst>
                 <a:ext uri="{91240B29-F687-4f45-9708-019B960494DF}">
-                  <a14:hiddenLine xmlns="" xmlns:a14="http://schemas.microsoft.com/office/drawing/2010/main" w="9525">
+                  <a14:hiddenLine xmlns:a14="http://schemas.microsoft.com/office/drawing/2010/main" xmlns="" w="9525">
                     <a:solidFill>
                       <a:srgbClr val="000000"/>
                     </a:solidFill>
@@ -12033,7 +12035,7 @@
           <a:p>
             <a:fld id="{A79F242A-E88C-47E4-8C58-35E6FB715C93}" type="datetimeFigureOut">
               <a:rPr lang="fr-CA" smtClean="0"/>
-              <a:t>2017-11-13</a:t>
+              <a:t>2017-11-14</a:t>
             </a:fld>
             <a:endParaRPr lang="fr-CA"/>
           </a:p>
@@ -12782,7 +12784,7 @@
             </a:ln>
             <a:extLst>
               <a:ext uri="{91240B29-F687-4f45-9708-019B960494DF}">
-                <a14:hiddenLine xmlns="" xmlns:a16="http://schemas.microsoft.com/office/drawing/2014/main" xmlns:p14="http://schemas.microsoft.com/office/powerpoint/2010/main" xmlns:a14="http://schemas.microsoft.com/office/drawing/2010/main" w="9525">
+                <a14:hiddenLine xmlns:a14="http://schemas.microsoft.com/office/drawing/2010/main" xmlns:p14="http://schemas.microsoft.com/office/powerpoint/2010/main" xmlns:a16="http://schemas.microsoft.com/office/drawing/2014/main" xmlns="" w="9525">
                   <a:solidFill>
                     <a:srgbClr val="000000"/>
                   </a:solidFill>
@@ -12884,7 +12886,7 @@
             </a:ln>
             <a:extLst>
               <a:ext uri="{91240B29-F687-4f45-9708-019B960494DF}">
-                <a14:hiddenLine xmlns="" xmlns:a16="http://schemas.microsoft.com/office/drawing/2014/main" xmlns:p14="http://schemas.microsoft.com/office/powerpoint/2010/main" xmlns:a14="http://schemas.microsoft.com/office/drawing/2010/main" w="9525">
+                <a14:hiddenLine xmlns:a14="http://schemas.microsoft.com/office/drawing/2010/main" xmlns:p14="http://schemas.microsoft.com/office/powerpoint/2010/main" xmlns:a16="http://schemas.microsoft.com/office/drawing/2014/main" xmlns="" w="9525">
                   <a:solidFill>
                     <a:srgbClr val="000000"/>
                   </a:solidFill>
@@ -12986,7 +12988,7 @@
             </a:ln>
             <a:extLst>
               <a:ext uri="{91240B29-F687-4f45-9708-019B960494DF}">
-                <a14:hiddenLine xmlns="" xmlns:a16="http://schemas.microsoft.com/office/drawing/2014/main" xmlns:p14="http://schemas.microsoft.com/office/powerpoint/2010/main" xmlns:a14="http://schemas.microsoft.com/office/drawing/2010/main" w="9525">
+                <a14:hiddenLine xmlns:a14="http://schemas.microsoft.com/office/drawing/2010/main" xmlns:p14="http://schemas.microsoft.com/office/powerpoint/2010/main" xmlns:a16="http://schemas.microsoft.com/office/drawing/2014/main" xmlns="" w="9525">
                   <a:solidFill>
                     <a:srgbClr val="000000"/>
                   </a:solidFill>
@@ -13060,7 +13062,7 @@
             </a:ln>
             <a:extLst>
               <a:ext uri="{91240B29-F687-4f45-9708-019B960494DF}">
-                <a14:hiddenLine xmlns="" xmlns:a16="http://schemas.microsoft.com/office/drawing/2014/main" xmlns:p14="http://schemas.microsoft.com/office/powerpoint/2010/main" xmlns:a14="http://schemas.microsoft.com/office/drawing/2010/main" w="9525">
+                <a14:hiddenLine xmlns:a14="http://schemas.microsoft.com/office/drawing/2010/main" xmlns:p14="http://schemas.microsoft.com/office/powerpoint/2010/main" xmlns:a16="http://schemas.microsoft.com/office/drawing/2014/main" xmlns="" w="9525">
                   <a:solidFill>
                     <a:srgbClr val="000000"/>
                   </a:solidFill>
@@ -13162,7 +13164,7 @@
             </a:ln>
             <a:extLst>
               <a:ext uri="{91240B29-F687-4f45-9708-019B960494DF}">
-                <a14:hiddenLine xmlns="" xmlns:a16="http://schemas.microsoft.com/office/drawing/2014/main" xmlns:p14="http://schemas.microsoft.com/office/powerpoint/2010/main" xmlns:a14="http://schemas.microsoft.com/office/drawing/2010/main" w="9525">
+                <a14:hiddenLine xmlns:a14="http://schemas.microsoft.com/office/drawing/2010/main" xmlns:p14="http://schemas.microsoft.com/office/powerpoint/2010/main" xmlns:a16="http://schemas.microsoft.com/office/drawing/2014/main" xmlns="" w="9525">
                   <a:solidFill>
                     <a:srgbClr val="000000"/>
                   </a:solidFill>
@@ -13236,7 +13238,7 @@
             </a:ln>
             <a:extLst>
               <a:ext uri="{91240B29-F687-4f45-9708-019B960494DF}">
-                <a14:hiddenLine xmlns="" xmlns:a16="http://schemas.microsoft.com/office/drawing/2014/main" xmlns:p14="http://schemas.microsoft.com/office/powerpoint/2010/main" xmlns:a14="http://schemas.microsoft.com/office/drawing/2010/main" w="9525">
+                <a14:hiddenLine xmlns:a14="http://schemas.microsoft.com/office/drawing/2010/main" xmlns:p14="http://schemas.microsoft.com/office/powerpoint/2010/main" xmlns:a16="http://schemas.microsoft.com/office/drawing/2014/main" xmlns="" w="9525">
                   <a:solidFill>
                     <a:srgbClr val="000000"/>
                   </a:solidFill>
@@ -13310,7 +13312,7 @@
             </a:ln>
             <a:extLst>
               <a:ext uri="{91240B29-F687-4f45-9708-019B960494DF}">
-                <a14:hiddenLine xmlns="" xmlns:a16="http://schemas.microsoft.com/office/drawing/2014/main" xmlns:p14="http://schemas.microsoft.com/office/powerpoint/2010/main" xmlns:a14="http://schemas.microsoft.com/office/drawing/2010/main" w="9525">
+                <a14:hiddenLine xmlns:a14="http://schemas.microsoft.com/office/drawing/2010/main" xmlns:p14="http://schemas.microsoft.com/office/powerpoint/2010/main" xmlns:a16="http://schemas.microsoft.com/office/drawing/2014/main" xmlns="" w="9525">
                   <a:solidFill>
                     <a:srgbClr val="000000"/>
                   </a:solidFill>
@@ -13412,7 +13414,7 @@
             </a:ln>
             <a:extLst>
               <a:ext uri="{91240B29-F687-4f45-9708-019B960494DF}">
-                <a14:hiddenLine xmlns="" xmlns:a16="http://schemas.microsoft.com/office/drawing/2014/main" xmlns:p14="http://schemas.microsoft.com/office/powerpoint/2010/main" xmlns:a14="http://schemas.microsoft.com/office/drawing/2010/main" w="9525">
+                <a14:hiddenLine xmlns:a14="http://schemas.microsoft.com/office/drawing/2010/main" xmlns:p14="http://schemas.microsoft.com/office/powerpoint/2010/main" xmlns:a16="http://schemas.microsoft.com/office/drawing/2014/main" xmlns="" w="9525">
                   <a:solidFill>
                     <a:srgbClr val="000000"/>
                   </a:solidFill>
@@ -13514,7 +13516,7 @@
             </a:ln>
             <a:extLst>
               <a:ext uri="{91240B29-F687-4f45-9708-019B960494DF}">
-                <a14:hiddenLine xmlns="" xmlns:a16="http://schemas.microsoft.com/office/drawing/2014/main" xmlns:p14="http://schemas.microsoft.com/office/powerpoint/2010/main" xmlns:a14="http://schemas.microsoft.com/office/drawing/2010/main" w="9525">
+                <a14:hiddenLine xmlns:a14="http://schemas.microsoft.com/office/drawing/2010/main" xmlns:p14="http://schemas.microsoft.com/office/powerpoint/2010/main" xmlns:a16="http://schemas.microsoft.com/office/drawing/2014/main" xmlns="" w="9525">
                   <a:solidFill>
                     <a:srgbClr val="000000"/>
                   </a:solidFill>
@@ -13588,7 +13590,7 @@
             </a:ln>
             <a:extLst>
               <a:ext uri="{91240B29-F687-4f45-9708-019B960494DF}">
-                <a14:hiddenLine xmlns="" xmlns:a16="http://schemas.microsoft.com/office/drawing/2014/main" xmlns:p14="http://schemas.microsoft.com/office/powerpoint/2010/main" xmlns:a14="http://schemas.microsoft.com/office/drawing/2010/main" w="9525">
+                <a14:hiddenLine xmlns:a14="http://schemas.microsoft.com/office/drawing/2010/main" xmlns:p14="http://schemas.microsoft.com/office/powerpoint/2010/main" xmlns:a16="http://schemas.microsoft.com/office/drawing/2014/main" xmlns="" w="9525">
                   <a:solidFill>
                     <a:srgbClr val="000000"/>
                   </a:solidFill>
@@ -13710,7 +13712,7 @@
             </a:ln>
             <a:extLst>
               <a:ext uri="{91240B29-F687-4f45-9708-019B960494DF}">
-                <a14:hiddenLine xmlns="" xmlns:a16="http://schemas.microsoft.com/office/drawing/2014/main" xmlns:p14="http://schemas.microsoft.com/office/powerpoint/2010/main" xmlns:a14="http://schemas.microsoft.com/office/drawing/2010/main" w="9525">
+                <a14:hiddenLine xmlns:a14="http://schemas.microsoft.com/office/drawing/2010/main" xmlns:p14="http://schemas.microsoft.com/office/powerpoint/2010/main" xmlns:a16="http://schemas.microsoft.com/office/drawing/2014/main" xmlns="" w="9525">
                   <a:solidFill>
                     <a:srgbClr val="000000"/>
                   </a:solidFill>
@@ -13818,7 +13820,7 @@
             </a:ln>
             <a:extLst>
               <a:ext uri="{91240B29-F687-4f45-9708-019B960494DF}">
-                <a14:hiddenLine xmlns="" xmlns:a16="http://schemas.microsoft.com/office/drawing/2014/main" xmlns:p14="http://schemas.microsoft.com/office/powerpoint/2010/main" xmlns:a14="http://schemas.microsoft.com/office/drawing/2010/main" w="9525">
+                <a14:hiddenLine xmlns:a14="http://schemas.microsoft.com/office/drawing/2010/main" xmlns:p14="http://schemas.microsoft.com/office/powerpoint/2010/main" xmlns:a16="http://schemas.microsoft.com/office/drawing/2014/main" xmlns="" w="9525">
                   <a:solidFill>
                     <a:srgbClr val="000000"/>
                   </a:solidFill>
@@ -13892,7 +13894,7 @@
             </a:ln>
             <a:extLst>
               <a:ext uri="{91240B29-F687-4f45-9708-019B960494DF}">
-                <a14:hiddenLine xmlns="" xmlns:a16="http://schemas.microsoft.com/office/drawing/2014/main" xmlns:p14="http://schemas.microsoft.com/office/powerpoint/2010/main" xmlns:a14="http://schemas.microsoft.com/office/drawing/2010/main" w="9525">
+                <a14:hiddenLine xmlns:a14="http://schemas.microsoft.com/office/drawing/2010/main" xmlns:p14="http://schemas.microsoft.com/office/powerpoint/2010/main" xmlns:a16="http://schemas.microsoft.com/office/drawing/2014/main" xmlns="" w="9525">
                   <a:solidFill>
                     <a:srgbClr val="000000"/>
                   </a:solidFill>
@@ -13966,7 +13968,7 @@
             </a:ln>
             <a:extLst>
               <a:ext uri="{91240B29-F687-4f45-9708-019B960494DF}">
-                <a14:hiddenLine xmlns="" xmlns:a16="http://schemas.microsoft.com/office/drawing/2014/main" xmlns:p14="http://schemas.microsoft.com/office/powerpoint/2010/main" xmlns:a14="http://schemas.microsoft.com/office/drawing/2010/main" w="9525">
+                <a14:hiddenLine xmlns:a14="http://schemas.microsoft.com/office/drawing/2010/main" xmlns:p14="http://schemas.microsoft.com/office/powerpoint/2010/main" xmlns:a16="http://schemas.microsoft.com/office/drawing/2014/main" xmlns="" w="9525">
                   <a:solidFill>
                     <a:srgbClr val="000000"/>
                   </a:solidFill>
@@ -14068,7 +14070,7 @@
             </a:ln>
             <a:extLst>
               <a:ext uri="{91240B29-F687-4f45-9708-019B960494DF}">
-                <a14:hiddenLine xmlns="" xmlns:a16="http://schemas.microsoft.com/office/drawing/2014/main" xmlns:p14="http://schemas.microsoft.com/office/powerpoint/2010/main" xmlns:a14="http://schemas.microsoft.com/office/drawing/2010/main" w="9525">
+                <a14:hiddenLine xmlns:a14="http://schemas.microsoft.com/office/drawing/2010/main" xmlns:p14="http://schemas.microsoft.com/office/powerpoint/2010/main" xmlns:a16="http://schemas.microsoft.com/office/drawing/2014/main" xmlns="" w="9525">
                   <a:solidFill>
                     <a:srgbClr val="000000"/>
                   </a:solidFill>
@@ -14114,7 +14116,7 @@
             </a:ln>
             <a:extLst>
               <a:ext uri="{91240B29-F687-4f45-9708-019B960494DF}">
-                <a14:hiddenLine xmlns="" xmlns:a16="http://schemas.microsoft.com/office/drawing/2014/main" xmlns:p14="http://schemas.microsoft.com/office/powerpoint/2010/main" xmlns:a14="http://schemas.microsoft.com/office/drawing/2010/main" w="9525">
+                <a14:hiddenLine xmlns:a14="http://schemas.microsoft.com/office/drawing/2010/main" xmlns:p14="http://schemas.microsoft.com/office/powerpoint/2010/main" xmlns:a16="http://schemas.microsoft.com/office/drawing/2014/main" xmlns="" w="9525">
                   <a:solidFill>
                     <a:srgbClr val="000000"/>
                   </a:solidFill>
@@ -14191,7 +14193,7 @@
             </a:ln>
             <a:extLst>
               <a:ext uri="{91240B29-F687-4f45-9708-019B960494DF}">
-                <a14:hiddenLine xmlns="" xmlns:a16="http://schemas.microsoft.com/office/drawing/2014/main" xmlns:p14="http://schemas.microsoft.com/office/powerpoint/2010/main" xmlns:a14="http://schemas.microsoft.com/office/drawing/2010/main" w="9525">
+                <a14:hiddenLine xmlns:a14="http://schemas.microsoft.com/office/drawing/2010/main" xmlns:p14="http://schemas.microsoft.com/office/powerpoint/2010/main" xmlns:a16="http://schemas.microsoft.com/office/drawing/2014/main" xmlns="" w="9525">
                   <a:solidFill>
                     <a:srgbClr val="000000"/>
                   </a:solidFill>
@@ -14293,7 +14295,7 @@
             </a:ln>
             <a:extLst>
               <a:ext uri="{91240B29-F687-4f45-9708-019B960494DF}">
-                <a14:hiddenLine xmlns="" xmlns:a16="http://schemas.microsoft.com/office/drawing/2014/main" xmlns:p14="http://schemas.microsoft.com/office/powerpoint/2010/main" xmlns:a14="http://schemas.microsoft.com/office/drawing/2010/main" w="9525">
+                <a14:hiddenLine xmlns:a14="http://schemas.microsoft.com/office/drawing/2010/main" xmlns:p14="http://schemas.microsoft.com/office/powerpoint/2010/main" xmlns:a16="http://schemas.microsoft.com/office/drawing/2014/main" xmlns="" w="9525">
                   <a:solidFill>
                     <a:srgbClr val="000000"/>
                   </a:solidFill>
@@ -14367,7 +14369,7 @@
             </a:ln>
             <a:extLst>
               <a:ext uri="{91240B29-F687-4f45-9708-019B960494DF}">
-                <a14:hiddenLine xmlns="" xmlns:a16="http://schemas.microsoft.com/office/drawing/2014/main" xmlns:p14="http://schemas.microsoft.com/office/powerpoint/2010/main" xmlns:a14="http://schemas.microsoft.com/office/drawing/2010/main" w="9525">
+                <a14:hiddenLine xmlns:a14="http://schemas.microsoft.com/office/drawing/2010/main" xmlns:p14="http://schemas.microsoft.com/office/powerpoint/2010/main" xmlns:a16="http://schemas.microsoft.com/office/drawing/2014/main" xmlns="" w="9525">
                   <a:solidFill>
                     <a:srgbClr val="000000"/>
                   </a:solidFill>
@@ -14469,7 +14471,7 @@
             </a:ln>
             <a:extLst>
               <a:ext uri="{91240B29-F687-4f45-9708-019B960494DF}">
-                <a14:hiddenLine xmlns="" xmlns:a16="http://schemas.microsoft.com/office/drawing/2014/main" xmlns:p14="http://schemas.microsoft.com/office/powerpoint/2010/main" xmlns:a14="http://schemas.microsoft.com/office/drawing/2010/main" w="9525">
+                <a14:hiddenLine xmlns:a14="http://schemas.microsoft.com/office/drawing/2010/main" xmlns:p14="http://schemas.microsoft.com/office/powerpoint/2010/main" xmlns:a16="http://schemas.microsoft.com/office/drawing/2014/main" xmlns="" w="9525">
                   <a:solidFill>
                     <a:srgbClr val="000000"/>
                   </a:solidFill>
@@ -14546,7 +14548,7 @@
             </a:ln>
             <a:extLst>
               <a:ext uri="{91240B29-F687-4f45-9708-019B960494DF}">
-                <a14:hiddenLine xmlns="" xmlns:a16="http://schemas.microsoft.com/office/drawing/2014/main" xmlns:p14="http://schemas.microsoft.com/office/powerpoint/2010/main" xmlns:a14="http://schemas.microsoft.com/office/drawing/2010/main" w="9525">
+                <a14:hiddenLine xmlns:a14="http://schemas.microsoft.com/office/drawing/2010/main" xmlns:p14="http://schemas.microsoft.com/office/powerpoint/2010/main" xmlns:a16="http://schemas.microsoft.com/office/drawing/2014/main" xmlns="" w="9525">
                   <a:solidFill>
                     <a:srgbClr val="000000"/>
                   </a:solidFill>
@@ -14620,7 +14622,7 @@
             </a:ln>
             <a:extLst>
               <a:ext uri="{91240B29-F687-4f45-9708-019B960494DF}">
-                <a14:hiddenLine xmlns="" xmlns:a16="http://schemas.microsoft.com/office/drawing/2014/main" xmlns:p14="http://schemas.microsoft.com/office/powerpoint/2010/main" xmlns:a14="http://schemas.microsoft.com/office/drawing/2010/main" w="9525">
+                <a14:hiddenLine xmlns:a14="http://schemas.microsoft.com/office/drawing/2010/main" xmlns:p14="http://schemas.microsoft.com/office/powerpoint/2010/main" xmlns:a16="http://schemas.microsoft.com/office/drawing/2014/main" xmlns="" w="9525">
                   <a:solidFill>
                     <a:srgbClr val="000000"/>
                   </a:solidFill>
@@ -14722,7 +14724,7 @@
             </a:ln>
             <a:extLst>
               <a:ext uri="{91240B29-F687-4f45-9708-019B960494DF}">
-                <a14:hiddenLine xmlns="" xmlns:a16="http://schemas.microsoft.com/office/drawing/2014/main" xmlns:p14="http://schemas.microsoft.com/office/powerpoint/2010/main" xmlns:a14="http://schemas.microsoft.com/office/drawing/2010/main" w="9525">
+                <a14:hiddenLine xmlns:a14="http://schemas.microsoft.com/office/drawing/2010/main" xmlns:p14="http://schemas.microsoft.com/office/powerpoint/2010/main" xmlns:a16="http://schemas.microsoft.com/office/drawing/2014/main" xmlns="" w="9525">
                   <a:solidFill>
                     <a:srgbClr val="000000"/>
                   </a:solidFill>
@@ -14824,7 +14826,7 @@
             </a:ln>
             <a:extLst>
               <a:ext uri="{91240B29-F687-4f45-9708-019B960494DF}">
-                <a14:hiddenLine xmlns="" xmlns:a16="http://schemas.microsoft.com/office/drawing/2014/main" xmlns:p14="http://schemas.microsoft.com/office/powerpoint/2010/main" xmlns:a14="http://schemas.microsoft.com/office/drawing/2010/main" w="9525">
+                <a14:hiddenLine xmlns:a14="http://schemas.microsoft.com/office/drawing/2010/main" xmlns:p14="http://schemas.microsoft.com/office/powerpoint/2010/main" xmlns:a16="http://schemas.microsoft.com/office/drawing/2014/main" xmlns="" w="9525">
                   <a:solidFill>
                     <a:srgbClr val="000000"/>
                   </a:solidFill>
@@ -14901,7 +14903,7 @@
             </a:ln>
             <a:extLst>
               <a:ext uri="{91240B29-F687-4f45-9708-019B960494DF}">
-                <a14:hiddenLine xmlns="" xmlns:a16="http://schemas.microsoft.com/office/drawing/2014/main" xmlns:p14="http://schemas.microsoft.com/office/powerpoint/2010/main" xmlns:a14="http://schemas.microsoft.com/office/drawing/2010/main" w="9525">
+                <a14:hiddenLine xmlns:a14="http://schemas.microsoft.com/office/drawing/2010/main" xmlns:p14="http://schemas.microsoft.com/office/powerpoint/2010/main" xmlns:a16="http://schemas.microsoft.com/office/drawing/2014/main" xmlns="" w="9525">
                   <a:solidFill>
                     <a:srgbClr val="000000"/>
                   </a:solidFill>
@@ -15033,7 +15035,7 @@
             </a:ln>
             <a:extLst>
               <a:ext uri="{91240B29-F687-4f45-9708-019B960494DF}">
-                <a14:hiddenLine xmlns="" xmlns:a16="http://schemas.microsoft.com/office/drawing/2014/main" xmlns:p14="http://schemas.microsoft.com/office/powerpoint/2010/main" xmlns:a14="http://schemas.microsoft.com/office/drawing/2010/main" w="9525">
+                <a14:hiddenLine xmlns:a14="http://schemas.microsoft.com/office/drawing/2010/main" xmlns:p14="http://schemas.microsoft.com/office/powerpoint/2010/main" xmlns:a16="http://schemas.microsoft.com/office/drawing/2014/main" xmlns="" w="9525">
                   <a:solidFill>
                     <a:srgbClr val="000000"/>
                   </a:solidFill>
@@ -15309,7 +15311,7 @@
             </a:ln>
             <a:extLst>
               <a:ext uri="{91240B29-F687-4f45-9708-019B960494DF}">
-                <a14:hiddenLine xmlns:a14="http://schemas.microsoft.com/office/drawing/2010/main" xmlns:p14="http://schemas.microsoft.com/office/powerpoint/2010/main" xmlns:a16="http://schemas.microsoft.com/office/drawing/2014/main" xmlns="" w="9525">
+                <a14:hiddenLine xmlns="" xmlns:a16="http://schemas.microsoft.com/office/drawing/2014/main" xmlns:p14="http://schemas.microsoft.com/office/powerpoint/2010/main" xmlns:a14="http://schemas.microsoft.com/office/drawing/2010/main" w="9525">
                   <a:solidFill>
                     <a:srgbClr val="000000"/>
                   </a:solidFill>
@@ -15411,7 +15413,7 @@
             </a:ln>
             <a:extLst>
               <a:ext uri="{91240B29-F687-4f45-9708-019B960494DF}">
-                <a14:hiddenLine xmlns:a14="http://schemas.microsoft.com/office/drawing/2010/main" xmlns:p14="http://schemas.microsoft.com/office/powerpoint/2010/main" xmlns:a16="http://schemas.microsoft.com/office/drawing/2014/main" xmlns="" w="9525">
+                <a14:hiddenLine xmlns="" xmlns:a16="http://schemas.microsoft.com/office/drawing/2014/main" xmlns:p14="http://schemas.microsoft.com/office/powerpoint/2010/main" xmlns:a14="http://schemas.microsoft.com/office/drawing/2010/main" w="9525">
                   <a:solidFill>
                     <a:srgbClr val="000000"/>
                   </a:solidFill>
@@ -15513,7 +15515,7 @@
             </a:ln>
             <a:extLst>
               <a:ext uri="{91240B29-F687-4f45-9708-019B960494DF}">
-                <a14:hiddenLine xmlns:a14="http://schemas.microsoft.com/office/drawing/2010/main" xmlns:p14="http://schemas.microsoft.com/office/powerpoint/2010/main" xmlns:a16="http://schemas.microsoft.com/office/drawing/2014/main" xmlns="" w="9525">
+                <a14:hiddenLine xmlns="" xmlns:a16="http://schemas.microsoft.com/office/drawing/2014/main" xmlns:p14="http://schemas.microsoft.com/office/powerpoint/2010/main" xmlns:a14="http://schemas.microsoft.com/office/drawing/2010/main" w="9525">
                   <a:solidFill>
                     <a:srgbClr val="000000"/>
                   </a:solidFill>
@@ -15587,7 +15589,7 @@
             </a:ln>
             <a:extLst>
               <a:ext uri="{91240B29-F687-4f45-9708-019B960494DF}">
-                <a14:hiddenLine xmlns:a14="http://schemas.microsoft.com/office/drawing/2010/main" xmlns:p14="http://schemas.microsoft.com/office/powerpoint/2010/main" xmlns:a16="http://schemas.microsoft.com/office/drawing/2014/main" xmlns="" w="9525">
+                <a14:hiddenLine xmlns="" xmlns:a16="http://schemas.microsoft.com/office/drawing/2014/main" xmlns:p14="http://schemas.microsoft.com/office/powerpoint/2010/main" xmlns:a14="http://schemas.microsoft.com/office/drawing/2010/main" w="9525">
                   <a:solidFill>
                     <a:srgbClr val="000000"/>
                   </a:solidFill>
@@ -15689,7 +15691,7 @@
             </a:ln>
             <a:extLst>
               <a:ext uri="{91240B29-F687-4f45-9708-019B960494DF}">
-                <a14:hiddenLine xmlns:a14="http://schemas.microsoft.com/office/drawing/2010/main" xmlns:p14="http://schemas.microsoft.com/office/powerpoint/2010/main" xmlns:a16="http://schemas.microsoft.com/office/drawing/2014/main" xmlns="" w="9525">
+                <a14:hiddenLine xmlns="" xmlns:a16="http://schemas.microsoft.com/office/drawing/2014/main" xmlns:p14="http://schemas.microsoft.com/office/powerpoint/2010/main" xmlns:a14="http://schemas.microsoft.com/office/drawing/2010/main" w="9525">
                   <a:solidFill>
                     <a:srgbClr val="000000"/>
                   </a:solidFill>
@@ -15763,7 +15765,7 @@
             </a:ln>
             <a:extLst>
               <a:ext uri="{91240B29-F687-4f45-9708-019B960494DF}">
-                <a14:hiddenLine xmlns:a14="http://schemas.microsoft.com/office/drawing/2010/main" xmlns:p14="http://schemas.microsoft.com/office/powerpoint/2010/main" xmlns:a16="http://schemas.microsoft.com/office/drawing/2014/main" xmlns="" w="9525">
+                <a14:hiddenLine xmlns="" xmlns:a16="http://schemas.microsoft.com/office/drawing/2014/main" xmlns:p14="http://schemas.microsoft.com/office/powerpoint/2010/main" xmlns:a14="http://schemas.microsoft.com/office/drawing/2010/main" w="9525">
                   <a:solidFill>
                     <a:srgbClr val="000000"/>
                   </a:solidFill>
@@ -15837,7 +15839,7 @@
             </a:ln>
             <a:extLst>
               <a:ext uri="{91240B29-F687-4f45-9708-019B960494DF}">
-                <a14:hiddenLine xmlns:a14="http://schemas.microsoft.com/office/drawing/2010/main" xmlns:p14="http://schemas.microsoft.com/office/powerpoint/2010/main" xmlns:a16="http://schemas.microsoft.com/office/drawing/2014/main" xmlns="" w="9525">
+                <a14:hiddenLine xmlns="" xmlns:a16="http://schemas.microsoft.com/office/drawing/2014/main" xmlns:p14="http://schemas.microsoft.com/office/powerpoint/2010/main" xmlns:a14="http://schemas.microsoft.com/office/drawing/2010/main" w="9525">
                   <a:solidFill>
                     <a:srgbClr val="000000"/>
                   </a:solidFill>
@@ -15939,7 +15941,7 @@
             </a:ln>
             <a:extLst>
               <a:ext uri="{91240B29-F687-4f45-9708-019B960494DF}">
-                <a14:hiddenLine xmlns:a14="http://schemas.microsoft.com/office/drawing/2010/main" xmlns:p14="http://schemas.microsoft.com/office/powerpoint/2010/main" xmlns:a16="http://schemas.microsoft.com/office/drawing/2014/main" xmlns="" w="9525">
+                <a14:hiddenLine xmlns="" xmlns:a16="http://schemas.microsoft.com/office/drawing/2014/main" xmlns:p14="http://schemas.microsoft.com/office/powerpoint/2010/main" xmlns:a14="http://schemas.microsoft.com/office/drawing/2010/main" w="9525">
                   <a:solidFill>
                     <a:srgbClr val="000000"/>
                   </a:solidFill>
@@ -16041,7 +16043,7 @@
             </a:ln>
             <a:extLst>
               <a:ext uri="{91240B29-F687-4f45-9708-019B960494DF}">
-                <a14:hiddenLine xmlns:a14="http://schemas.microsoft.com/office/drawing/2010/main" xmlns:p14="http://schemas.microsoft.com/office/powerpoint/2010/main" xmlns:a16="http://schemas.microsoft.com/office/drawing/2014/main" xmlns="" w="9525">
+                <a14:hiddenLine xmlns="" xmlns:a16="http://schemas.microsoft.com/office/drawing/2014/main" xmlns:p14="http://schemas.microsoft.com/office/powerpoint/2010/main" xmlns:a14="http://schemas.microsoft.com/office/drawing/2010/main" w="9525">
                   <a:solidFill>
                     <a:srgbClr val="000000"/>
                   </a:solidFill>
@@ -16115,7 +16117,7 @@
             </a:ln>
             <a:extLst>
               <a:ext uri="{91240B29-F687-4f45-9708-019B960494DF}">
-                <a14:hiddenLine xmlns:a14="http://schemas.microsoft.com/office/drawing/2010/main" xmlns:p14="http://schemas.microsoft.com/office/powerpoint/2010/main" xmlns:a16="http://schemas.microsoft.com/office/drawing/2014/main" xmlns="" w="9525">
+                <a14:hiddenLine xmlns="" xmlns:a16="http://schemas.microsoft.com/office/drawing/2014/main" xmlns:p14="http://schemas.microsoft.com/office/powerpoint/2010/main" xmlns:a14="http://schemas.microsoft.com/office/drawing/2010/main" w="9525">
                   <a:solidFill>
                     <a:srgbClr val="000000"/>
                   </a:solidFill>
@@ -16237,7 +16239,7 @@
             </a:ln>
             <a:extLst>
               <a:ext uri="{91240B29-F687-4f45-9708-019B960494DF}">
-                <a14:hiddenLine xmlns:a14="http://schemas.microsoft.com/office/drawing/2010/main" xmlns:p14="http://schemas.microsoft.com/office/powerpoint/2010/main" xmlns:a16="http://schemas.microsoft.com/office/drawing/2014/main" xmlns="" w="9525">
+                <a14:hiddenLine xmlns="" xmlns:a16="http://schemas.microsoft.com/office/drawing/2014/main" xmlns:p14="http://schemas.microsoft.com/office/powerpoint/2010/main" xmlns:a14="http://schemas.microsoft.com/office/drawing/2010/main" w="9525">
                   <a:solidFill>
                     <a:srgbClr val="000000"/>
                   </a:solidFill>
@@ -16345,7 +16347,7 @@
             </a:ln>
             <a:extLst>
               <a:ext uri="{91240B29-F687-4f45-9708-019B960494DF}">
-                <a14:hiddenLine xmlns:a14="http://schemas.microsoft.com/office/drawing/2010/main" xmlns:p14="http://schemas.microsoft.com/office/powerpoint/2010/main" xmlns:a16="http://schemas.microsoft.com/office/drawing/2014/main" xmlns="" w="9525">
+                <a14:hiddenLine xmlns="" xmlns:a16="http://schemas.microsoft.com/office/drawing/2014/main" xmlns:p14="http://schemas.microsoft.com/office/powerpoint/2010/main" xmlns:a14="http://schemas.microsoft.com/office/drawing/2010/main" w="9525">
                   <a:solidFill>
                     <a:srgbClr val="000000"/>
                   </a:solidFill>
@@ -16419,7 +16421,7 @@
             </a:ln>
             <a:extLst>
               <a:ext uri="{91240B29-F687-4f45-9708-019B960494DF}">
-                <a14:hiddenLine xmlns:a14="http://schemas.microsoft.com/office/drawing/2010/main" xmlns:p14="http://schemas.microsoft.com/office/powerpoint/2010/main" xmlns:a16="http://schemas.microsoft.com/office/drawing/2014/main" xmlns="" w="9525">
+                <a14:hiddenLine xmlns="" xmlns:a16="http://schemas.microsoft.com/office/drawing/2014/main" xmlns:p14="http://schemas.microsoft.com/office/powerpoint/2010/main" xmlns:a14="http://schemas.microsoft.com/office/drawing/2010/main" w="9525">
                   <a:solidFill>
                     <a:srgbClr val="000000"/>
                   </a:solidFill>
@@ -16493,7 +16495,7 @@
             </a:ln>
             <a:extLst>
               <a:ext uri="{91240B29-F687-4f45-9708-019B960494DF}">
-                <a14:hiddenLine xmlns:a14="http://schemas.microsoft.com/office/drawing/2010/main" xmlns:p14="http://schemas.microsoft.com/office/powerpoint/2010/main" xmlns:a16="http://schemas.microsoft.com/office/drawing/2014/main" xmlns="" w="9525">
+                <a14:hiddenLine xmlns="" xmlns:a16="http://schemas.microsoft.com/office/drawing/2014/main" xmlns:p14="http://schemas.microsoft.com/office/powerpoint/2010/main" xmlns:a14="http://schemas.microsoft.com/office/drawing/2010/main" w="9525">
                   <a:solidFill>
                     <a:srgbClr val="000000"/>
                   </a:solidFill>
@@ -16595,7 +16597,7 @@
             </a:ln>
             <a:extLst>
               <a:ext uri="{91240B29-F687-4f45-9708-019B960494DF}">
-                <a14:hiddenLine xmlns:a14="http://schemas.microsoft.com/office/drawing/2010/main" xmlns:p14="http://schemas.microsoft.com/office/powerpoint/2010/main" xmlns:a16="http://schemas.microsoft.com/office/drawing/2014/main" xmlns="" w="9525">
+                <a14:hiddenLine xmlns="" xmlns:a16="http://schemas.microsoft.com/office/drawing/2014/main" xmlns:p14="http://schemas.microsoft.com/office/powerpoint/2010/main" xmlns:a14="http://schemas.microsoft.com/office/drawing/2010/main" w="9525">
                   <a:solidFill>
                     <a:srgbClr val="000000"/>
                   </a:solidFill>
@@ -16641,7 +16643,7 @@
             </a:ln>
             <a:extLst>
               <a:ext uri="{91240B29-F687-4f45-9708-019B960494DF}">
-                <a14:hiddenLine xmlns:a14="http://schemas.microsoft.com/office/drawing/2010/main" xmlns:p14="http://schemas.microsoft.com/office/powerpoint/2010/main" xmlns:a16="http://schemas.microsoft.com/office/drawing/2014/main" xmlns="" w="9525">
+                <a14:hiddenLine xmlns="" xmlns:a16="http://schemas.microsoft.com/office/drawing/2014/main" xmlns:p14="http://schemas.microsoft.com/office/powerpoint/2010/main" xmlns:a14="http://schemas.microsoft.com/office/drawing/2010/main" w="9525">
                   <a:solidFill>
                     <a:srgbClr val="000000"/>
                   </a:solidFill>
@@ -16718,7 +16720,7 @@
             </a:ln>
             <a:extLst>
               <a:ext uri="{91240B29-F687-4f45-9708-019B960494DF}">
-                <a14:hiddenLine xmlns:a14="http://schemas.microsoft.com/office/drawing/2010/main" xmlns:p14="http://schemas.microsoft.com/office/powerpoint/2010/main" xmlns:a16="http://schemas.microsoft.com/office/drawing/2014/main" xmlns="" w="9525">
+                <a14:hiddenLine xmlns="" xmlns:a16="http://schemas.microsoft.com/office/drawing/2014/main" xmlns:p14="http://schemas.microsoft.com/office/powerpoint/2010/main" xmlns:a14="http://schemas.microsoft.com/office/drawing/2010/main" w="9525">
                   <a:solidFill>
                     <a:srgbClr val="000000"/>
                   </a:solidFill>
@@ -16820,7 +16822,7 @@
             </a:ln>
             <a:extLst>
               <a:ext uri="{91240B29-F687-4f45-9708-019B960494DF}">
-                <a14:hiddenLine xmlns:a14="http://schemas.microsoft.com/office/drawing/2010/main" xmlns:p14="http://schemas.microsoft.com/office/powerpoint/2010/main" xmlns:a16="http://schemas.microsoft.com/office/drawing/2014/main" xmlns="" w="9525">
+                <a14:hiddenLine xmlns="" xmlns:a16="http://schemas.microsoft.com/office/drawing/2014/main" xmlns:p14="http://schemas.microsoft.com/office/powerpoint/2010/main" xmlns:a14="http://schemas.microsoft.com/office/drawing/2010/main" w="9525">
                   <a:solidFill>
                     <a:srgbClr val="000000"/>
                   </a:solidFill>
@@ -16894,7 +16896,7 @@
             </a:ln>
             <a:extLst>
               <a:ext uri="{91240B29-F687-4f45-9708-019B960494DF}">
-                <a14:hiddenLine xmlns:a14="http://schemas.microsoft.com/office/drawing/2010/main" xmlns:p14="http://schemas.microsoft.com/office/powerpoint/2010/main" xmlns:a16="http://schemas.microsoft.com/office/drawing/2014/main" xmlns="" w="9525">
+                <a14:hiddenLine xmlns="" xmlns:a16="http://schemas.microsoft.com/office/drawing/2014/main" xmlns:p14="http://schemas.microsoft.com/office/powerpoint/2010/main" xmlns:a14="http://schemas.microsoft.com/office/drawing/2010/main" w="9525">
                   <a:solidFill>
                     <a:srgbClr val="000000"/>
                   </a:solidFill>
@@ -16996,7 +16998,7 @@
             </a:ln>
             <a:extLst>
               <a:ext uri="{91240B29-F687-4f45-9708-019B960494DF}">
-                <a14:hiddenLine xmlns:a14="http://schemas.microsoft.com/office/drawing/2010/main" xmlns:p14="http://schemas.microsoft.com/office/powerpoint/2010/main" xmlns:a16="http://schemas.microsoft.com/office/drawing/2014/main" xmlns="" w="9525">
+                <a14:hiddenLine xmlns="" xmlns:a16="http://schemas.microsoft.com/office/drawing/2014/main" xmlns:p14="http://schemas.microsoft.com/office/powerpoint/2010/main" xmlns:a14="http://schemas.microsoft.com/office/drawing/2010/main" w="9525">
                   <a:solidFill>
                     <a:srgbClr val="000000"/>
                   </a:solidFill>
@@ -17073,7 +17075,7 @@
             </a:ln>
             <a:extLst>
               <a:ext uri="{91240B29-F687-4f45-9708-019B960494DF}">
-                <a14:hiddenLine xmlns:a14="http://schemas.microsoft.com/office/drawing/2010/main" xmlns:p14="http://schemas.microsoft.com/office/powerpoint/2010/main" xmlns:a16="http://schemas.microsoft.com/office/drawing/2014/main" xmlns="" w="9525">
+                <a14:hiddenLine xmlns="" xmlns:a16="http://schemas.microsoft.com/office/drawing/2014/main" xmlns:p14="http://schemas.microsoft.com/office/powerpoint/2010/main" xmlns:a14="http://schemas.microsoft.com/office/drawing/2010/main" w="9525">
                   <a:solidFill>
                     <a:srgbClr val="000000"/>
                   </a:solidFill>
@@ -17147,7 +17149,7 @@
             </a:ln>
             <a:extLst>
               <a:ext uri="{91240B29-F687-4f45-9708-019B960494DF}">
-                <a14:hiddenLine xmlns:a14="http://schemas.microsoft.com/office/drawing/2010/main" xmlns:p14="http://schemas.microsoft.com/office/powerpoint/2010/main" xmlns:a16="http://schemas.microsoft.com/office/drawing/2014/main" xmlns="" w="9525">
+                <a14:hiddenLine xmlns="" xmlns:a16="http://schemas.microsoft.com/office/drawing/2014/main" xmlns:p14="http://schemas.microsoft.com/office/powerpoint/2010/main" xmlns:a14="http://schemas.microsoft.com/office/drawing/2010/main" w="9525">
                   <a:solidFill>
                     <a:srgbClr val="000000"/>
                   </a:solidFill>
@@ -17249,7 +17251,7 @@
             </a:ln>
             <a:extLst>
               <a:ext uri="{91240B29-F687-4f45-9708-019B960494DF}">
-                <a14:hiddenLine xmlns:a14="http://schemas.microsoft.com/office/drawing/2010/main" xmlns:p14="http://schemas.microsoft.com/office/powerpoint/2010/main" xmlns:a16="http://schemas.microsoft.com/office/drawing/2014/main" xmlns="" w="9525">
+                <a14:hiddenLine xmlns="" xmlns:a16="http://schemas.microsoft.com/office/drawing/2014/main" xmlns:p14="http://schemas.microsoft.com/office/powerpoint/2010/main" xmlns:a14="http://schemas.microsoft.com/office/drawing/2010/main" w="9525">
                   <a:solidFill>
                     <a:srgbClr val="000000"/>
                   </a:solidFill>
@@ -17351,7 +17353,7 @@
             </a:ln>
             <a:extLst>
               <a:ext uri="{91240B29-F687-4f45-9708-019B960494DF}">
-                <a14:hiddenLine xmlns:a14="http://schemas.microsoft.com/office/drawing/2010/main" xmlns:p14="http://schemas.microsoft.com/office/powerpoint/2010/main" xmlns:a16="http://schemas.microsoft.com/office/drawing/2014/main" xmlns="" w="9525">
+                <a14:hiddenLine xmlns="" xmlns:a16="http://schemas.microsoft.com/office/drawing/2014/main" xmlns:p14="http://schemas.microsoft.com/office/powerpoint/2010/main" xmlns:a14="http://schemas.microsoft.com/office/drawing/2010/main" w="9525">
                   <a:solidFill>
                     <a:srgbClr val="000000"/>
                   </a:solidFill>
@@ -17428,7 +17430,7 @@
             </a:ln>
             <a:extLst>
               <a:ext uri="{91240B29-F687-4f45-9708-019B960494DF}">
-                <a14:hiddenLine xmlns:a14="http://schemas.microsoft.com/office/drawing/2010/main" xmlns:p14="http://schemas.microsoft.com/office/powerpoint/2010/main" xmlns:a16="http://schemas.microsoft.com/office/drawing/2014/main" xmlns="" w="9525">
+                <a14:hiddenLine xmlns="" xmlns:a16="http://schemas.microsoft.com/office/drawing/2014/main" xmlns:p14="http://schemas.microsoft.com/office/powerpoint/2010/main" xmlns:a14="http://schemas.microsoft.com/office/drawing/2010/main" w="9525">
                   <a:solidFill>
                     <a:srgbClr val="000000"/>
                   </a:solidFill>
@@ -17560,7 +17562,7 @@
             </a:ln>
             <a:extLst>
               <a:ext uri="{91240B29-F687-4f45-9708-019B960494DF}">
-                <a14:hiddenLine xmlns:a14="http://schemas.microsoft.com/office/drawing/2010/main" xmlns:p14="http://schemas.microsoft.com/office/powerpoint/2010/main" xmlns:a16="http://schemas.microsoft.com/office/drawing/2014/main" xmlns="" w="9525">
+                <a14:hiddenLine xmlns="" xmlns:a16="http://schemas.microsoft.com/office/drawing/2014/main" xmlns:p14="http://schemas.microsoft.com/office/powerpoint/2010/main" xmlns:a14="http://schemas.microsoft.com/office/drawing/2010/main" w="9525">
                   <a:solidFill>
                     <a:srgbClr val="000000"/>
                   </a:solidFill>
@@ -17684,7 +17686,7 @@
             </a:ln>
             <a:extLst>
               <a:ext uri="{91240B29-F687-4f45-9708-019B960494DF}">
-                <a14:hiddenLine xmlns:a14="http://schemas.microsoft.com/office/drawing/2010/main" xmlns:p14="http://schemas.microsoft.com/office/powerpoint/2010/main" xmlns:a16="http://schemas.microsoft.com/office/drawing/2014/main" xmlns="" w="9525">
+                <a14:hiddenLine xmlns="" xmlns:a16="http://schemas.microsoft.com/office/drawing/2014/main" xmlns:p14="http://schemas.microsoft.com/office/powerpoint/2010/main" xmlns:a14="http://schemas.microsoft.com/office/drawing/2010/main" w="9525">
                   <a:solidFill>
                     <a:srgbClr val="000000"/>
                   </a:solidFill>
@@ -17811,7 +17813,7 @@
             </a:ln>
             <a:extLst>
               <a:ext uri="{91240B29-F687-4f45-9708-019B960494DF}">
-                <a14:hiddenLine xmlns:a14="http://schemas.microsoft.com/office/drawing/2010/main" xmlns:p14="http://schemas.microsoft.com/office/powerpoint/2010/main" xmlns:a16="http://schemas.microsoft.com/office/drawing/2014/main" xmlns="" w="9525">
+                <a14:hiddenLine xmlns="" xmlns:a16="http://schemas.microsoft.com/office/drawing/2014/main" xmlns:p14="http://schemas.microsoft.com/office/powerpoint/2010/main" xmlns:a14="http://schemas.microsoft.com/office/drawing/2010/main" w="9525">
                   <a:solidFill>
                     <a:srgbClr val="000000"/>
                   </a:solidFill>
@@ -17913,7 +17915,7 @@
             </a:ln>
             <a:extLst>
               <a:ext uri="{91240B29-F687-4f45-9708-019B960494DF}">
-                <a14:hiddenLine xmlns:a14="http://schemas.microsoft.com/office/drawing/2010/main" xmlns:p14="http://schemas.microsoft.com/office/powerpoint/2010/main" xmlns:a16="http://schemas.microsoft.com/office/drawing/2014/main" xmlns="" w="9525">
+                <a14:hiddenLine xmlns="" xmlns:a16="http://schemas.microsoft.com/office/drawing/2014/main" xmlns:p14="http://schemas.microsoft.com/office/powerpoint/2010/main" xmlns:a14="http://schemas.microsoft.com/office/drawing/2010/main" w="9525">
                   <a:solidFill>
                     <a:srgbClr val="000000"/>
                   </a:solidFill>
@@ -17990,7 +17992,7 @@
             </a:ln>
             <a:extLst>
               <a:ext uri="{91240B29-F687-4f45-9708-019B960494DF}">
-                <a14:hiddenLine xmlns:a14="http://schemas.microsoft.com/office/drawing/2010/main" xmlns:p14="http://schemas.microsoft.com/office/powerpoint/2010/main" xmlns:a16="http://schemas.microsoft.com/office/drawing/2014/main" xmlns="" w="9525">
+                <a14:hiddenLine xmlns="" xmlns:a16="http://schemas.microsoft.com/office/drawing/2014/main" xmlns:p14="http://schemas.microsoft.com/office/powerpoint/2010/main" xmlns:a14="http://schemas.microsoft.com/office/drawing/2010/main" w="9525">
                   <a:solidFill>
                     <a:srgbClr val="000000"/>
                   </a:solidFill>
@@ -18092,7 +18094,7 @@
             </a:ln>
             <a:extLst>
               <a:ext uri="{91240B29-F687-4f45-9708-019B960494DF}">
-                <a14:hiddenLine xmlns:a14="http://schemas.microsoft.com/office/drawing/2010/main" xmlns:p14="http://schemas.microsoft.com/office/powerpoint/2010/main" xmlns:a16="http://schemas.microsoft.com/office/drawing/2014/main" xmlns="" w="9525">
+                <a14:hiddenLine xmlns="" xmlns:a16="http://schemas.microsoft.com/office/drawing/2014/main" xmlns:p14="http://schemas.microsoft.com/office/powerpoint/2010/main" xmlns:a14="http://schemas.microsoft.com/office/drawing/2010/main" w="9525">
                   <a:solidFill>
                     <a:srgbClr val="000000"/>
                   </a:solidFill>
@@ -18172,7 +18174,7 @@
             </a:ln>
             <a:extLst>
               <a:ext uri="{91240B29-F687-4f45-9708-019B960494DF}">
-                <a14:hiddenLine xmlns:a14="http://schemas.microsoft.com/office/drawing/2010/main" xmlns:p14="http://schemas.microsoft.com/office/powerpoint/2010/main" xmlns:a16="http://schemas.microsoft.com/office/drawing/2014/main" xmlns="" w="9525">
+                <a14:hiddenLine xmlns="" xmlns:a16="http://schemas.microsoft.com/office/drawing/2014/main" xmlns:p14="http://schemas.microsoft.com/office/powerpoint/2010/main" xmlns:a14="http://schemas.microsoft.com/office/drawing/2010/main" w="9525">
                   <a:solidFill>
                     <a:srgbClr val="000000"/>
                   </a:solidFill>
@@ -18274,7 +18276,7 @@
             </a:ln>
             <a:extLst>
               <a:ext uri="{91240B29-F687-4f45-9708-019B960494DF}">
-                <a14:hiddenLine xmlns:a14="http://schemas.microsoft.com/office/drawing/2010/main" xmlns:p14="http://schemas.microsoft.com/office/powerpoint/2010/main" xmlns:a16="http://schemas.microsoft.com/office/drawing/2014/main" xmlns="" w="9525">
+                <a14:hiddenLine xmlns="" xmlns:a16="http://schemas.microsoft.com/office/drawing/2014/main" xmlns:p14="http://schemas.microsoft.com/office/powerpoint/2010/main" xmlns:a14="http://schemas.microsoft.com/office/drawing/2010/main" w="9525">
                   <a:solidFill>
                     <a:srgbClr val="000000"/>
                   </a:solidFill>
@@ -18354,7 +18356,7 @@
             </a:ln>
             <a:extLst>
               <a:ext uri="{91240B29-F687-4f45-9708-019B960494DF}">
-                <a14:hiddenLine xmlns:a14="http://schemas.microsoft.com/office/drawing/2010/main" xmlns:p14="http://schemas.microsoft.com/office/powerpoint/2010/main" xmlns:a16="http://schemas.microsoft.com/office/drawing/2014/main" xmlns="" w="9525">
+                <a14:hiddenLine xmlns="" xmlns:a16="http://schemas.microsoft.com/office/drawing/2014/main" xmlns:p14="http://schemas.microsoft.com/office/powerpoint/2010/main" xmlns:a14="http://schemas.microsoft.com/office/drawing/2010/main" w="9525">
                   <a:solidFill>
                     <a:srgbClr val="000000"/>
                   </a:solidFill>
@@ -18456,7 +18458,7 @@
             </a:ln>
             <a:extLst>
               <a:ext uri="{91240B29-F687-4f45-9708-019B960494DF}">
-                <a14:hiddenLine xmlns:a14="http://schemas.microsoft.com/office/drawing/2010/main" xmlns:p14="http://schemas.microsoft.com/office/powerpoint/2010/main" xmlns:a16="http://schemas.microsoft.com/office/drawing/2014/main" xmlns="" w="9525">
+                <a14:hiddenLine xmlns="" xmlns:a16="http://schemas.microsoft.com/office/drawing/2014/main" xmlns:p14="http://schemas.microsoft.com/office/powerpoint/2010/main" xmlns:a14="http://schemas.microsoft.com/office/drawing/2010/main" w="9525">
                   <a:solidFill>
                     <a:srgbClr val="000000"/>
                   </a:solidFill>
@@ -18502,7 +18504,7 @@
             </a:ln>
             <a:extLst>
               <a:ext uri="{91240B29-F687-4f45-9708-019B960494DF}">
-                <a14:hiddenLine xmlns:a14="http://schemas.microsoft.com/office/drawing/2010/main" xmlns:p14="http://schemas.microsoft.com/office/powerpoint/2010/main" xmlns:a16="http://schemas.microsoft.com/office/drawing/2014/main" xmlns="" w="9525">
+                <a14:hiddenLine xmlns="" xmlns:a16="http://schemas.microsoft.com/office/drawing/2014/main" xmlns:p14="http://schemas.microsoft.com/office/powerpoint/2010/main" xmlns:a14="http://schemas.microsoft.com/office/drawing/2010/main" w="9525">
                   <a:solidFill>
                     <a:srgbClr val="000000"/>
                   </a:solidFill>
@@ -18595,6 +18597,4825 @@
     <p:extLst>
       <p:ext uri="{BB962C8B-B14F-4D97-AF65-F5344CB8AC3E}">
         <p14:creationId xmlns:p14="http://schemas.microsoft.com/office/powerpoint/2010/main" val="1799484296"/>
+      </p:ext>
+    </p:extLst>
+  </p:cSld>
+  <p:clrMapOvr>
+    <a:masterClrMapping/>
+  </p:clrMapOvr>
+</p:sld>
+</file>
+
+<file path=ppt/slides/slide4.xml><?xml version="1.0" encoding="utf-8"?>
+<p:sld xmlns:a="http://schemas.openxmlformats.org/drawingml/2006/main" xmlns:r="http://schemas.openxmlformats.org/officeDocument/2006/relationships" xmlns:p="http://schemas.openxmlformats.org/presentationml/2006/main">
+  <p:cSld>
+    <p:bg>
+      <p:bgPr>
+        <a:solidFill>
+          <a:schemeClr val="bg2"/>
+        </a:solidFill>
+        <a:effectLst/>
+      </p:bgPr>
+    </p:bg>
+    <p:spTree>
+      <p:nvGrpSpPr>
+        <p:cNvPr id="1" name=""/>
+        <p:cNvGrpSpPr/>
+        <p:nvPr/>
+      </p:nvGrpSpPr>
+      <p:grpSpPr>
+        <a:xfrm>
+          <a:off x="0" y="0"/>
+          <a:ext cx="0" cy="0"/>
+          <a:chOff x="0" y="0"/>
+          <a:chExt cx="0" cy="0"/>
+        </a:xfrm>
+      </p:grpSpPr>
+      <p:sp useBgFill="1">
+        <p:nvSpPr>
+          <p:cNvPr id="8" name="Rectangle 7">
+            <a:extLst>
+              <a:ext uri="{FF2B5EF4-FFF2-40B4-BE49-F238E27FC236}">
+                <a16:creationId xmlns:a16="http://schemas.microsoft.com/office/drawing/2014/main" id="{B61375F2-60B1-44ED-B60A-019C4BD5A62A}"/>
+              </a:ext>
+            </a:extLst>
+          </p:cNvPr>
+          <p:cNvSpPr>
+            <a:spLocks noGrp="1" noRot="1" noChangeAspect="1" noMove="1" noResize="1" noEditPoints="1" noAdjustHandles="1" noChangeArrowheads="1" noChangeShapeType="1" noTextEdit="1"/>
+          </p:cNvSpPr>
+          <p:nvPr>
+            <p:extLst>
+              <p:ext uri="{386F3935-93C4-4BCD-93E2-E3B085C9AB24}">
+                <p16:designElem xmlns:p16="http://schemas.microsoft.com/office/powerpoint/2015/main" val="1"/>
+              </p:ext>
+            </p:extLst>
+          </p:nvPr>
+        </p:nvSpPr>
+        <p:spPr>
+          <a:xfrm>
+            <a:off x="0" y="0"/>
+            <a:ext cx="12191999" cy="6858001"/>
+          </a:xfrm>
+          <a:prstGeom prst="rect">
+            <a:avLst/>
+          </a:prstGeom>
+          <a:ln>
+            <a:noFill/>
+          </a:ln>
+        </p:spPr>
+        <p:style>
+          <a:lnRef idx="2">
+            <a:schemeClr val="accent1">
+              <a:shade val="50000"/>
+            </a:schemeClr>
+          </a:lnRef>
+          <a:fillRef idx="1">
+            <a:schemeClr val="accent1"/>
+          </a:fillRef>
+          <a:effectRef idx="0">
+            <a:schemeClr val="accent1"/>
+          </a:effectRef>
+          <a:fontRef idx="minor">
+            <a:schemeClr val="lt1"/>
+          </a:fontRef>
+        </p:style>
+        <p:txBody>
+          <a:bodyPr rtlCol="0" anchor="ctr"/>
+          <a:lstStyle/>
+          <a:p>
+            <a:pPr algn="ctr"/>
+            <a:endParaRPr lang="en-US" dirty="0"/>
+          </a:p>
+        </p:txBody>
+      </p:sp>
+      <p:grpSp>
+        <p:nvGrpSpPr>
+          <p:cNvPr id="10" name="Group 9">
+            <a:extLst>
+              <a:ext uri="{FF2B5EF4-FFF2-40B4-BE49-F238E27FC236}">
+                <a16:creationId xmlns:a16="http://schemas.microsoft.com/office/drawing/2014/main" id="{4ADB9295-9645-4BF2-ADFD-75800B7FAD06}"/>
+              </a:ext>
+            </a:extLst>
+          </p:cNvPr>
+          <p:cNvGrpSpPr>
+            <a:grpSpLocks noGrp="1" noUngrp="1" noRot="1" noChangeAspect="1" noMove="1" noResize="1"/>
+          </p:cNvGrpSpPr>
+          <p:nvPr>
+            <p:extLst>
+              <p:ext uri="{386F3935-93C4-4BCD-93E2-E3B085C9AB24}">
+                <p16:designElem xmlns:p16="http://schemas.microsoft.com/office/powerpoint/2015/main" val="1"/>
+              </p:ext>
+            </p:extLst>
+          </p:nvPr>
+        </p:nvGrpSpPr>
+        <p:grpSpPr>
+          <a:xfrm>
+            <a:off x="-14288" y="0"/>
+            <a:ext cx="1220788" cy="6858001"/>
+            <a:chOff x="-14288" y="0"/>
+            <a:chExt cx="1220788" cy="6858001"/>
+          </a:xfrm>
+          <a:gradFill flip="none" rotWithShape="1">
+            <a:gsLst>
+              <a:gs pos="0">
+                <a:schemeClr val="tx2">
+                  <a:alpha val="60000"/>
+                </a:schemeClr>
+              </a:gs>
+              <a:gs pos="100000">
+                <a:schemeClr val="bg2">
+                  <a:lumMod val="60000"/>
+                  <a:lumOff val="40000"/>
+                  <a:alpha val="80000"/>
+                </a:schemeClr>
+              </a:gs>
+            </a:gsLst>
+            <a:lin ang="5400000" scaled="0"/>
+            <a:tileRect/>
+          </a:gradFill>
+        </p:grpSpPr>
+        <p:sp>
+          <p:nvSpPr>
+            <p:cNvPr id="11" name="Rectangle 5">
+              <a:extLst>
+                <a:ext uri="{FF2B5EF4-FFF2-40B4-BE49-F238E27FC236}">
+                  <a16:creationId xmlns:a16="http://schemas.microsoft.com/office/drawing/2014/main" id="{95B061E9-E435-4E1B-B160-96584A116691}"/>
+                </a:ext>
+              </a:extLst>
+            </p:cNvPr>
+            <p:cNvSpPr>
+              <a:spLocks noChangeArrowheads="1"/>
+            </p:cNvSpPr>
+            <p:nvPr>
+              <p:extLst>
+                <p:ext uri="{386F3935-93C4-4BCD-93E2-E3B085C9AB24}">
+                  <p16:designElem xmlns:p16="http://schemas.microsoft.com/office/powerpoint/2015/main" val="1"/>
+                </p:ext>
+              </p:extLst>
+            </p:nvPr>
+          </p:nvSpPr>
+          <p:spPr bwMode="auto">
+            <a:xfrm>
+              <a:off x="114300" y="4763"/>
+              <a:ext cx="23813" cy="2181225"/>
+            </a:xfrm>
+            <a:prstGeom prst="rect">
+              <a:avLst/>
+            </a:prstGeom>
+            <a:grpFill/>
+            <a:ln>
+              <a:noFill/>
+            </a:ln>
+            <a:extLst>
+              <a:ext uri="{91240B29-F687-4f45-9708-019B960494DF}">
+                <a14:hiddenLine xmlns="" xmlns:a16="http://schemas.microsoft.com/office/drawing/2014/main" xmlns:p14="http://schemas.microsoft.com/office/powerpoint/2010/main" xmlns:a14="http://schemas.microsoft.com/office/drawing/2010/main" w="9525">
+                  <a:solidFill>
+                    <a:srgbClr val="000000"/>
+                  </a:solidFill>
+                  <a:miter lim="800000"/>
+                  <a:headEnd/>
+                  <a:tailEnd/>
+                </a14:hiddenLine>
+              </a:ext>
+            </a:extLst>
+          </p:spPr>
+        </p:sp>
+        <p:sp>
+          <p:nvSpPr>
+            <p:cNvPr id="12" name="Freeform 6">
+              <a:extLst>
+                <a:ext uri="{FF2B5EF4-FFF2-40B4-BE49-F238E27FC236}">
+                  <a16:creationId xmlns:a16="http://schemas.microsoft.com/office/drawing/2014/main" id="{3CD7972E-7D38-40EE-A80B-E2A848811EDD}"/>
+                </a:ext>
+              </a:extLst>
+            </p:cNvPr>
+            <p:cNvSpPr>
+              <a:spLocks noEditPoints="1"/>
+            </p:cNvSpPr>
+            <p:nvPr>
+              <p:extLst>
+                <p:ext uri="{386F3935-93C4-4BCD-93E2-E3B085C9AB24}">
+                  <p16:designElem xmlns:p16="http://schemas.microsoft.com/office/powerpoint/2015/main" val="1"/>
+                </p:ext>
+              </p:extLst>
+            </p:nvPr>
+          </p:nvSpPr>
+          <p:spPr bwMode="auto">
+            <a:xfrm>
+              <a:off x="33337" y="2176463"/>
+              <a:ext cx="190500" cy="190500"/>
+            </a:xfrm>
+            <a:custGeom>
+              <a:avLst/>
+              <a:gdLst/>
+              <a:ahLst/>
+              <a:cxnLst/>
+              <a:rect l="0" t="0" r="r" b="b"/>
+              <a:pathLst>
+                <a:path w="40" h="40">
+                  <a:moveTo>
+                    <a:pt x="20" y="40"/>
+                  </a:moveTo>
+                  <a:cubicBezTo>
+                    <a:pt x="9" y="40"/>
+                    <a:pt x="0" y="31"/>
+                    <a:pt x="0" y="20"/>
+                  </a:cubicBezTo>
+                  <a:cubicBezTo>
+                    <a:pt x="0" y="9"/>
+                    <a:pt x="9" y="0"/>
+                    <a:pt x="20" y="0"/>
+                  </a:cubicBezTo>
+                  <a:cubicBezTo>
+                    <a:pt x="31" y="0"/>
+                    <a:pt x="40" y="9"/>
+                    <a:pt x="40" y="20"/>
+                  </a:cubicBezTo>
+                  <a:cubicBezTo>
+                    <a:pt x="40" y="31"/>
+                    <a:pt x="31" y="40"/>
+                    <a:pt x="20" y="40"/>
+                  </a:cubicBezTo>
+                  <a:close/>
+                  <a:moveTo>
+                    <a:pt x="20" y="4"/>
+                  </a:moveTo>
+                  <a:cubicBezTo>
+                    <a:pt x="11" y="4"/>
+                    <a:pt x="4" y="11"/>
+                    <a:pt x="4" y="20"/>
+                  </a:cubicBezTo>
+                  <a:cubicBezTo>
+                    <a:pt x="4" y="29"/>
+                    <a:pt x="11" y="36"/>
+                    <a:pt x="20" y="36"/>
+                  </a:cubicBezTo>
+                  <a:cubicBezTo>
+                    <a:pt x="28" y="36"/>
+                    <a:pt x="36" y="29"/>
+                    <a:pt x="36" y="20"/>
+                  </a:cubicBezTo>
+                  <a:cubicBezTo>
+                    <a:pt x="36" y="11"/>
+                    <a:pt x="28" y="4"/>
+                    <a:pt x="20" y="4"/>
+                  </a:cubicBezTo>
+                  <a:close/>
+                </a:path>
+              </a:pathLst>
+            </a:custGeom>
+            <a:grpFill/>
+            <a:ln>
+              <a:noFill/>
+            </a:ln>
+            <a:extLst>
+              <a:ext uri="{91240B29-F687-4f45-9708-019B960494DF}">
+                <a14:hiddenLine xmlns="" xmlns:a16="http://schemas.microsoft.com/office/drawing/2014/main" xmlns:p14="http://schemas.microsoft.com/office/powerpoint/2010/main" xmlns:a14="http://schemas.microsoft.com/office/drawing/2010/main" w="9525">
+                  <a:solidFill>
+                    <a:srgbClr val="000000"/>
+                  </a:solidFill>
+                  <a:round/>
+                  <a:headEnd/>
+                  <a:tailEnd/>
+                </a14:hiddenLine>
+              </a:ext>
+            </a:extLst>
+          </p:spPr>
+        </p:sp>
+        <p:sp>
+          <p:nvSpPr>
+            <p:cNvPr id="13" name="Freeform 7">
+              <a:extLst>
+                <a:ext uri="{FF2B5EF4-FFF2-40B4-BE49-F238E27FC236}">
+                  <a16:creationId xmlns:a16="http://schemas.microsoft.com/office/drawing/2014/main" id="{524A3B55-746F-419F-8CFF-5F3A4BE14345}"/>
+                </a:ext>
+              </a:extLst>
+            </p:cNvPr>
+            <p:cNvSpPr>
+              <a:spLocks noEditPoints="1"/>
+            </p:cNvSpPr>
+            <p:nvPr>
+              <p:extLst>
+                <p:ext uri="{386F3935-93C4-4BCD-93E2-E3B085C9AB24}">
+                  <p16:designElem xmlns:p16="http://schemas.microsoft.com/office/powerpoint/2015/main" val="1"/>
+                </p:ext>
+              </p:extLst>
+            </p:nvPr>
+          </p:nvSpPr>
+          <p:spPr bwMode="auto">
+            <a:xfrm>
+              <a:off x="28575" y="4021138"/>
+              <a:ext cx="190500" cy="188913"/>
+            </a:xfrm>
+            <a:custGeom>
+              <a:avLst/>
+              <a:gdLst/>
+              <a:ahLst/>
+              <a:cxnLst/>
+              <a:rect l="0" t="0" r="r" b="b"/>
+              <a:pathLst>
+                <a:path w="40" h="40">
+                  <a:moveTo>
+                    <a:pt x="20" y="40"/>
+                  </a:moveTo>
+                  <a:cubicBezTo>
+                    <a:pt x="9" y="40"/>
+                    <a:pt x="0" y="31"/>
+                    <a:pt x="0" y="20"/>
+                  </a:cubicBezTo>
+                  <a:cubicBezTo>
+                    <a:pt x="0" y="9"/>
+                    <a:pt x="9" y="0"/>
+                    <a:pt x="20" y="0"/>
+                  </a:cubicBezTo>
+                  <a:cubicBezTo>
+                    <a:pt x="31" y="0"/>
+                    <a:pt x="40" y="9"/>
+                    <a:pt x="40" y="20"/>
+                  </a:cubicBezTo>
+                  <a:cubicBezTo>
+                    <a:pt x="40" y="31"/>
+                    <a:pt x="31" y="40"/>
+                    <a:pt x="20" y="40"/>
+                  </a:cubicBezTo>
+                  <a:close/>
+                  <a:moveTo>
+                    <a:pt x="20" y="4"/>
+                  </a:moveTo>
+                  <a:cubicBezTo>
+                    <a:pt x="12" y="4"/>
+                    <a:pt x="4" y="11"/>
+                    <a:pt x="4" y="20"/>
+                  </a:cubicBezTo>
+                  <a:cubicBezTo>
+                    <a:pt x="4" y="29"/>
+                    <a:pt x="12" y="36"/>
+                    <a:pt x="20" y="36"/>
+                  </a:cubicBezTo>
+                  <a:cubicBezTo>
+                    <a:pt x="29" y="36"/>
+                    <a:pt x="36" y="29"/>
+                    <a:pt x="36" y="20"/>
+                  </a:cubicBezTo>
+                  <a:cubicBezTo>
+                    <a:pt x="36" y="11"/>
+                    <a:pt x="29" y="4"/>
+                    <a:pt x="20" y="4"/>
+                  </a:cubicBezTo>
+                  <a:close/>
+                </a:path>
+              </a:pathLst>
+            </a:custGeom>
+            <a:grpFill/>
+            <a:ln>
+              <a:noFill/>
+            </a:ln>
+            <a:extLst>
+              <a:ext uri="{91240B29-F687-4f45-9708-019B960494DF}">
+                <a14:hiddenLine xmlns="" xmlns:a16="http://schemas.microsoft.com/office/drawing/2014/main" xmlns:p14="http://schemas.microsoft.com/office/powerpoint/2010/main" xmlns:a14="http://schemas.microsoft.com/office/drawing/2010/main" w="9525">
+                  <a:solidFill>
+                    <a:srgbClr val="000000"/>
+                  </a:solidFill>
+                  <a:round/>
+                  <a:headEnd/>
+                  <a:tailEnd/>
+                </a14:hiddenLine>
+              </a:ext>
+            </a:extLst>
+          </p:spPr>
+        </p:sp>
+        <p:sp>
+          <p:nvSpPr>
+            <p:cNvPr id="14" name="Freeform 8">
+              <a:extLst>
+                <a:ext uri="{FF2B5EF4-FFF2-40B4-BE49-F238E27FC236}">
+                  <a16:creationId xmlns:a16="http://schemas.microsoft.com/office/drawing/2014/main" id="{9C63219B-AD72-4494-935E-F5C70DB5497C}"/>
+                </a:ext>
+              </a:extLst>
+            </p:cNvPr>
+            <p:cNvSpPr/>
+            <p:nvPr>
+              <p:extLst>
+                <p:ext uri="{386F3935-93C4-4BCD-93E2-E3B085C9AB24}">
+                  <p16:designElem xmlns:p16="http://schemas.microsoft.com/office/powerpoint/2015/main" val="1"/>
+                </p:ext>
+              </p:extLst>
+            </p:nvPr>
+          </p:nvSpPr>
+          <p:spPr bwMode="auto">
+            <a:xfrm>
+              <a:off x="200025" y="4763"/>
+              <a:ext cx="369888" cy="1811338"/>
+            </a:xfrm>
+            <a:custGeom>
+              <a:avLst/>
+              <a:gdLst/>
+              <a:ahLst/>
+              <a:cxnLst/>
+              <a:rect l="0" t="0" r="r" b="b"/>
+              <a:pathLst>
+                <a:path w="233" h="1141">
+                  <a:moveTo>
+                    <a:pt x="218" y="1141"/>
+                  </a:moveTo>
+                  <a:lnTo>
+                    <a:pt x="0" y="626"/>
+                  </a:lnTo>
+                  <a:lnTo>
+                    <a:pt x="0" y="0"/>
+                  </a:lnTo>
+                  <a:lnTo>
+                    <a:pt x="15" y="0"/>
+                  </a:lnTo>
+                  <a:lnTo>
+                    <a:pt x="15" y="623"/>
+                  </a:lnTo>
+                  <a:lnTo>
+                    <a:pt x="233" y="1135"/>
+                  </a:lnTo>
+                  <a:lnTo>
+                    <a:pt x="218" y="1141"/>
+                  </a:lnTo>
+                  <a:close/>
+                </a:path>
+              </a:pathLst>
+            </a:custGeom>
+            <a:grpFill/>
+            <a:ln>
+              <a:noFill/>
+            </a:ln>
+            <a:extLst>
+              <a:ext uri="{91240B29-F687-4f45-9708-019B960494DF}">
+                <a14:hiddenLine xmlns="" xmlns:a16="http://schemas.microsoft.com/office/drawing/2014/main" xmlns:p14="http://schemas.microsoft.com/office/powerpoint/2010/main" xmlns:a14="http://schemas.microsoft.com/office/drawing/2010/main" w="9525">
+                  <a:solidFill>
+                    <a:srgbClr val="000000"/>
+                  </a:solidFill>
+                  <a:round/>
+                  <a:headEnd/>
+                  <a:tailEnd/>
+                </a14:hiddenLine>
+              </a:ext>
+            </a:extLst>
+          </p:spPr>
+        </p:sp>
+        <p:sp>
+          <p:nvSpPr>
+            <p:cNvPr id="15" name="Freeform 9">
+              <a:extLst>
+                <a:ext uri="{FF2B5EF4-FFF2-40B4-BE49-F238E27FC236}">
+                  <a16:creationId xmlns:a16="http://schemas.microsoft.com/office/drawing/2014/main" id="{15B41FD2-05E2-44E7-8760-09E65D1C6034}"/>
+                </a:ext>
+              </a:extLst>
+            </p:cNvPr>
+            <p:cNvSpPr>
+              <a:spLocks noEditPoints="1"/>
+            </p:cNvSpPr>
+            <p:nvPr>
+              <p:extLst>
+                <p:ext uri="{386F3935-93C4-4BCD-93E2-E3B085C9AB24}">
+                  <p16:designElem xmlns:p16="http://schemas.microsoft.com/office/powerpoint/2015/main" val="1"/>
+                </p:ext>
+              </p:extLst>
+            </p:nvPr>
+          </p:nvSpPr>
+          <p:spPr bwMode="auto">
+            <a:xfrm>
+              <a:off x="503237" y="1801813"/>
+              <a:ext cx="190500" cy="188913"/>
+            </a:xfrm>
+            <a:custGeom>
+              <a:avLst/>
+              <a:gdLst/>
+              <a:ahLst/>
+              <a:cxnLst/>
+              <a:rect l="0" t="0" r="r" b="b"/>
+              <a:pathLst>
+                <a:path w="40" h="40">
+                  <a:moveTo>
+                    <a:pt x="20" y="40"/>
+                  </a:moveTo>
+                  <a:cubicBezTo>
+                    <a:pt x="9" y="40"/>
+                    <a:pt x="0" y="31"/>
+                    <a:pt x="0" y="20"/>
+                  </a:cubicBezTo>
+                  <a:cubicBezTo>
+                    <a:pt x="0" y="9"/>
+                    <a:pt x="9" y="0"/>
+                    <a:pt x="20" y="0"/>
+                  </a:cubicBezTo>
+                  <a:cubicBezTo>
+                    <a:pt x="33" y="0"/>
+                    <a:pt x="40" y="6"/>
+                    <a:pt x="40" y="20"/>
+                  </a:cubicBezTo>
+                  <a:cubicBezTo>
+                    <a:pt x="40" y="31"/>
+                    <a:pt x="31" y="40"/>
+                    <a:pt x="20" y="40"/>
+                  </a:cubicBezTo>
+                  <a:close/>
+                  <a:moveTo>
+                    <a:pt x="20" y="4"/>
+                  </a:moveTo>
+                  <a:cubicBezTo>
+                    <a:pt x="11" y="4"/>
+                    <a:pt x="4" y="11"/>
+                    <a:pt x="4" y="20"/>
+                  </a:cubicBezTo>
+                  <a:cubicBezTo>
+                    <a:pt x="4" y="29"/>
+                    <a:pt x="11" y="36"/>
+                    <a:pt x="20" y="36"/>
+                  </a:cubicBezTo>
+                  <a:cubicBezTo>
+                    <a:pt x="28" y="36"/>
+                    <a:pt x="36" y="29"/>
+                    <a:pt x="36" y="20"/>
+                  </a:cubicBezTo>
+                  <a:cubicBezTo>
+                    <a:pt x="36" y="9"/>
+                    <a:pt x="31" y="4"/>
+                    <a:pt x="20" y="4"/>
+                  </a:cubicBezTo>
+                  <a:close/>
+                </a:path>
+              </a:pathLst>
+            </a:custGeom>
+            <a:grpFill/>
+            <a:ln>
+              <a:noFill/>
+            </a:ln>
+            <a:extLst>
+              <a:ext uri="{91240B29-F687-4f45-9708-019B960494DF}">
+                <a14:hiddenLine xmlns="" xmlns:a16="http://schemas.microsoft.com/office/drawing/2014/main" xmlns:p14="http://schemas.microsoft.com/office/powerpoint/2010/main" xmlns:a14="http://schemas.microsoft.com/office/drawing/2010/main" w="9525">
+                  <a:solidFill>
+                    <a:srgbClr val="000000"/>
+                  </a:solidFill>
+                  <a:round/>
+                  <a:headEnd/>
+                  <a:tailEnd/>
+                </a14:hiddenLine>
+              </a:ext>
+            </a:extLst>
+          </p:spPr>
+        </p:sp>
+        <p:sp>
+          <p:nvSpPr>
+            <p:cNvPr id="16" name="Freeform 10">
+              <a:extLst>
+                <a:ext uri="{FF2B5EF4-FFF2-40B4-BE49-F238E27FC236}">
+                  <a16:creationId xmlns:a16="http://schemas.microsoft.com/office/drawing/2014/main" id="{FE6D63D0-3347-4EE2-8F65-F1C32168FA22}"/>
+                </a:ext>
+              </a:extLst>
+            </p:cNvPr>
+            <p:cNvSpPr/>
+            <p:nvPr>
+              <p:extLst>
+                <p:ext uri="{386F3935-93C4-4BCD-93E2-E3B085C9AB24}">
+                  <p16:designElem xmlns:p16="http://schemas.microsoft.com/office/powerpoint/2015/main" val="1"/>
+                </p:ext>
+              </p:extLst>
+            </p:nvPr>
+          </p:nvSpPr>
+          <p:spPr bwMode="auto">
+            <a:xfrm>
+              <a:off x="285750" y="4763"/>
+              <a:ext cx="369888" cy="1430338"/>
+            </a:xfrm>
+            <a:custGeom>
+              <a:avLst/>
+              <a:gdLst/>
+              <a:ahLst/>
+              <a:cxnLst/>
+              <a:rect l="0" t="0" r="r" b="b"/>
+              <a:pathLst>
+                <a:path w="233" h="901">
+                  <a:moveTo>
+                    <a:pt x="221" y="901"/>
+                  </a:moveTo>
+                  <a:lnTo>
+                    <a:pt x="0" y="383"/>
+                  </a:lnTo>
+                  <a:lnTo>
+                    <a:pt x="0" y="0"/>
+                  </a:lnTo>
+                  <a:lnTo>
+                    <a:pt x="18" y="0"/>
+                  </a:lnTo>
+                  <a:lnTo>
+                    <a:pt x="18" y="380"/>
+                  </a:lnTo>
+                  <a:lnTo>
+                    <a:pt x="233" y="895"/>
+                  </a:lnTo>
+                  <a:lnTo>
+                    <a:pt x="221" y="901"/>
+                  </a:lnTo>
+                  <a:close/>
+                </a:path>
+              </a:pathLst>
+            </a:custGeom>
+            <a:grpFill/>
+            <a:ln>
+              <a:noFill/>
+            </a:ln>
+            <a:extLst>
+              <a:ext uri="{91240B29-F687-4f45-9708-019B960494DF}">
+                <a14:hiddenLine xmlns="" xmlns:a16="http://schemas.microsoft.com/office/drawing/2014/main" xmlns:p14="http://schemas.microsoft.com/office/powerpoint/2010/main" xmlns:a14="http://schemas.microsoft.com/office/drawing/2010/main" w="9525">
+                  <a:solidFill>
+                    <a:srgbClr val="000000"/>
+                  </a:solidFill>
+                  <a:round/>
+                  <a:headEnd/>
+                  <a:tailEnd/>
+                </a14:hiddenLine>
+              </a:ext>
+            </a:extLst>
+          </p:spPr>
+        </p:sp>
+        <p:sp>
+          <p:nvSpPr>
+            <p:cNvPr id="17" name="Freeform 11">
+              <a:extLst>
+                <a:ext uri="{FF2B5EF4-FFF2-40B4-BE49-F238E27FC236}">
+                  <a16:creationId xmlns:a16="http://schemas.microsoft.com/office/drawing/2014/main" id="{538A46A3-DB16-45D5-B636-03EFE39FE96C}"/>
+                </a:ext>
+              </a:extLst>
+            </p:cNvPr>
+            <p:cNvSpPr/>
+            <p:nvPr>
+              <p:extLst>
+                <p:ext uri="{386F3935-93C4-4BCD-93E2-E3B085C9AB24}">
+                  <p16:designElem xmlns:p16="http://schemas.microsoft.com/office/powerpoint/2015/main" val="1"/>
+                </p:ext>
+              </p:extLst>
+            </p:nvPr>
+          </p:nvSpPr>
+          <p:spPr bwMode="auto">
+            <a:xfrm>
+              <a:off x="546100" y="0"/>
+              <a:ext cx="152400" cy="912813"/>
+            </a:xfrm>
+            <a:custGeom>
+              <a:avLst/>
+              <a:gdLst/>
+              <a:ahLst/>
+              <a:cxnLst/>
+              <a:rect l="0" t="0" r="r" b="b"/>
+              <a:pathLst>
+                <a:path w="96" h="575">
+                  <a:moveTo>
+                    <a:pt x="96" y="575"/>
+                  </a:moveTo>
+                  <a:lnTo>
+                    <a:pt x="78" y="575"/>
+                  </a:lnTo>
+                  <a:lnTo>
+                    <a:pt x="78" y="192"/>
+                  </a:lnTo>
+                  <a:lnTo>
+                    <a:pt x="0" y="6"/>
+                  </a:lnTo>
+                  <a:lnTo>
+                    <a:pt x="15" y="0"/>
+                  </a:lnTo>
+                  <a:lnTo>
+                    <a:pt x="96" y="189"/>
+                  </a:lnTo>
+                  <a:lnTo>
+                    <a:pt x="96" y="575"/>
+                  </a:lnTo>
+                  <a:close/>
+                </a:path>
+              </a:pathLst>
+            </a:custGeom>
+            <a:grpFill/>
+            <a:ln>
+              <a:noFill/>
+            </a:ln>
+            <a:extLst>
+              <a:ext uri="{91240B29-F687-4f45-9708-019B960494DF}">
+                <a14:hiddenLine xmlns="" xmlns:a16="http://schemas.microsoft.com/office/drawing/2014/main" xmlns:p14="http://schemas.microsoft.com/office/powerpoint/2010/main" xmlns:a14="http://schemas.microsoft.com/office/drawing/2010/main" w="9525">
+                  <a:solidFill>
+                    <a:srgbClr val="000000"/>
+                  </a:solidFill>
+                  <a:round/>
+                  <a:headEnd/>
+                  <a:tailEnd/>
+                </a14:hiddenLine>
+              </a:ext>
+            </a:extLst>
+          </p:spPr>
+        </p:sp>
+        <p:sp>
+          <p:nvSpPr>
+            <p:cNvPr id="18" name="Freeform 12">
+              <a:extLst>
+                <a:ext uri="{FF2B5EF4-FFF2-40B4-BE49-F238E27FC236}">
+                  <a16:creationId xmlns:a16="http://schemas.microsoft.com/office/drawing/2014/main" id="{0B8A2B0E-823F-4BE8-9359-45143BB1248E}"/>
+                </a:ext>
+              </a:extLst>
+            </p:cNvPr>
+            <p:cNvSpPr>
+              <a:spLocks noEditPoints="1"/>
+            </p:cNvSpPr>
+            <p:nvPr>
+              <p:extLst>
+                <p:ext uri="{386F3935-93C4-4BCD-93E2-E3B085C9AB24}">
+                  <p16:designElem xmlns:p16="http://schemas.microsoft.com/office/powerpoint/2015/main" val="1"/>
+                </p:ext>
+              </p:extLst>
+            </p:nvPr>
+          </p:nvSpPr>
+          <p:spPr bwMode="auto">
+            <a:xfrm>
+              <a:off x="588962" y="1420813"/>
+              <a:ext cx="190500" cy="190500"/>
+            </a:xfrm>
+            <a:custGeom>
+              <a:avLst/>
+              <a:gdLst/>
+              <a:ahLst/>
+              <a:cxnLst/>
+              <a:rect l="0" t="0" r="r" b="b"/>
+              <a:pathLst>
+                <a:path w="40" h="40">
+                  <a:moveTo>
+                    <a:pt x="20" y="40"/>
+                  </a:moveTo>
+                  <a:cubicBezTo>
+                    <a:pt x="9" y="40"/>
+                    <a:pt x="0" y="31"/>
+                    <a:pt x="0" y="20"/>
+                  </a:cubicBezTo>
+                  <a:cubicBezTo>
+                    <a:pt x="0" y="9"/>
+                    <a:pt x="9" y="0"/>
+                    <a:pt x="20" y="0"/>
+                  </a:cubicBezTo>
+                  <a:cubicBezTo>
+                    <a:pt x="33" y="0"/>
+                    <a:pt x="40" y="7"/>
+                    <a:pt x="40" y="20"/>
+                  </a:cubicBezTo>
+                  <a:cubicBezTo>
+                    <a:pt x="40" y="31"/>
+                    <a:pt x="31" y="40"/>
+                    <a:pt x="20" y="40"/>
+                  </a:cubicBezTo>
+                  <a:close/>
+                  <a:moveTo>
+                    <a:pt x="20" y="4"/>
+                  </a:moveTo>
+                  <a:cubicBezTo>
+                    <a:pt x="11" y="4"/>
+                    <a:pt x="4" y="11"/>
+                    <a:pt x="4" y="20"/>
+                  </a:cubicBezTo>
+                  <a:cubicBezTo>
+                    <a:pt x="4" y="29"/>
+                    <a:pt x="11" y="36"/>
+                    <a:pt x="20" y="36"/>
+                  </a:cubicBezTo>
+                  <a:cubicBezTo>
+                    <a:pt x="29" y="36"/>
+                    <a:pt x="36" y="29"/>
+                    <a:pt x="36" y="20"/>
+                  </a:cubicBezTo>
+                  <a:cubicBezTo>
+                    <a:pt x="36" y="9"/>
+                    <a:pt x="31" y="4"/>
+                    <a:pt x="20" y="4"/>
+                  </a:cubicBezTo>
+                  <a:close/>
+                </a:path>
+              </a:pathLst>
+            </a:custGeom>
+            <a:grpFill/>
+            <a:ln>
+              <a:noFill/>
+            </a:ln>
+            <a:extLst>
+              <a:ext uri="{91240B29-F687-4f45-9708-019B960494DF}">
+                <a14:hiddenLine xmlns="" xmlns:a16="http://schemas.microsoft.com/office/drawing/2014/main" xmlns:p14="http://schemas.microsoft.com/office/powerpoint/2010/main" xmlns:a14="http://schemas.microsoft.com/office/drawing/2010/main" w="9525">
+                  <a:solidFill>
+                    <a:srgbClr val="000000"/>
+                  </a:solidFill>
+                  <a:round/>
+                  <a:headEnd/>
+                  <a:tailEnd/>
+                </a14:hiddenLine>
+              </a:ext>
+            </a:extLst>
+          </p:spPr>
+        </p:sp>
+        <p:sp>
+          <p:nvSpPr>
+            <p:cNvPr id="19" name="Freeform 13">
+              <a:extLst>
+                <a:ext uri="{FF2B5EF4-FFF2-40B4-BE49-F238E27FC236}">
+                  <a16:creationId xmlns:a16="http://schemas.microsoft.com/office/drawing/2014/main" id="{44516B3C-A8BE-46FC-B643-3DFEB7F28386}"/>
+                </a:ext>
+              </a:extLst>
+            </p:cNvPr>
+            <p:cNvSpPr>
+              <a:spLocks noEditPoints="1"/>
+            </p:cNvSpPr>
+            <p:nvPr>
+              <p:extLst>
+                <p:ext uri="{386F3935-93C4-4BCD-93E2-E3B085C9AB24}">
+                  <p16:designElem xmlns:p16="http://schemas.microsoft.com/office/powerpoint/2015/main" val="1"/>
+                </p:ext>
+              </p:extLst>
+            </p:nvPr>
+          </p:nvSpPr>
+          <p:spPr bwMode="auto">
+            <a:xfrm>
+              <a:off x="588962" y="903288"/>
+              <a:ext cx="190500" cy="190500"/>
+            </a:xfrm>
+            <a:custGeom>
+              <a:avLst/>
+              <a:gdLst/>
+              <a:ahLst/>
+              <a:cxnLst/>
+              <a:rect l="0" t="0" r="r" b="b"/>
+              <a:pathLst>
+                <a:path w="40" h="40">
+                  <a:moveTo>
+                    <a:pt x="20" y="40"/>
+                  </a:moveTo>
+                  <a:cubicBezTo>
+                    <a:pt x="9" y="40"/>
+                    <a:pt x="0" y="31"/>
+                    <a:pt x="0" y="20"/>
+                  </a:cubicBezTo>
+                  <a:cubicBezTo>
+                    <a:pt x="0" y="9"/>
+                    <a:pt x="9" y="0"/>
+                    <a:pt x="20" y="0"/>
+                  </a:cubicBezTo>
+                  <a:cubicBezTo>
+                    <a:pt x="31" y="0"/>
+                    <a:pt x="40" y="9"/>
+                    <a:pt x="40" y="20"/>
+                  </a:cubicBezTo>
+                  <a:cubicBezTo>
+                    <a:pt x="40" y="31"/>
+                    <a:pt x="31" y="40"/>
+                    <a:pt x="20" y="40"/>
+                  </a:cubicBezTo>
+                  <a:close/>
+                  <a:moveTo>
+                    <a:pt x="20" y="4"/>
+                  </a:moveTo>
+                  <a:cubicBezTo>
+                    <a:pt x="11" y="4"/>
+                    <a:pt x="4" y="11"/>
+                    <a:pt x="4" y="20"/>
+                  </a:cubicBezTo>
+                  <a:cubicBezTo>
+                    <a:pt x="4" y="29"/>
+                    <a:pt x="11" y="36"/>
+                    <a:pt x="20" y="36"/>
+                  </a:cubicBezTo>
+                  <a:cubicBezTo>
+                    <a:pt x="29" y="36"/>
+                    <a:pt x="36" y="29"/>
+                    <a:pt x="36" y="20"/>
+                  </a:cubicBezTo>
+                  <a:cubicBezTo>
+                    <a:pt x="36" y="11"/>
+                    <a:pt x="29" y="4"/>
+                    <a:pt x="20" y="4"/>
+                  </a:cubicBezTo>
+                  <a:close/>
+                </a:path>
+              </a:pathLst>
+            </a:custGeom>
+            <a:grpFill/>
+            <a:ln>
+              <a:noFill/>
+            </a:ln>
+            <a:extLst>
+              <a:ext uri="{91240B29-F687-4f45-9708-019B960494DF}">
+                <a14:hiddenLine xmlns="" xmlns:a16="http://schemas.microsoft.com/office/drawing/2014/main" xmlns:p14="http://schemas.microsoft.com/office/powerpoint/2010/main" xmlns:a14="http://schemas.microsoft.com/office/drawing/2010/main" w="9525">
+                  <a:solidFill>
+                    <a:srgbClr val="000000"/>
+                  </a:solidFill>
+                  <a:round/>
+                  <a:headEnd/>
+                  <a:tailEnd/>
+                </a14:hiddenLine>
+              </a:ext>
+            </a:extLst>
+          </p:spPr>
+        </p:sp>
+        <p:sp>
+          <p:nvSpPr>
+            <p:cNvPr id="20" name="Freeform 14">
+              <a:extLst>
+                <a:ext uri="{FF2B5EF4-FFF2-40B4-BE49-F238E27FC236}">
+                  <a16:creationId xmlns:a16="http://schemas.microsoft.com/office/drawing/2014/main" id="{59FD699C-3920-4E57-BE27-165A3F036C20}"/>
+                </a:ext>
+              </a:extLst>
+            </p:cNvPr>
+            <p:cNvSpPr/>
+            <p:nvPr>
+              <p:extLst>
+                <p:ext uri="{386F3935-93C4-4BCD-93E2-E3B085C9AB24}">
+                  <p16:designElem xmlns:p16="http://schemas.microsoft.com/office/powerpoint/2015/main" val="1"/>
+                </p:ext>
+              </p:extLst>
+            </p:nvPr>
+          </p:nvSpPr>
+          <p:spPr bwMode="auto">
+            <a:xfrm>
+              <a:off x="641350" y="0"/>
+              <a:ext cx="422275" cy="527050"/>
+            </a:xfrm>
+            <a:custGeom>
+              <a:avLst/>
+              <a:gdLst/>
+              <a:ahLst/>
+              <a:cxnLst/>
+              <a:rect l="0" t="0" r="r" b="b"/>
+              <a:pathLst>
+                <a:path w="266" h="332">
+                  <a:moveTo>
+                    <a:pt x="257" y="332"/>
+                  </a:moveTo>
+                  <a:lnTo>
+                    <a:pt x="48" y="123"/>
+                  </a:lnTo>
+                  <a:lnTo>
+                    <a:pt x="0" y="6"/>
+                  </a:lnTo>
+                  <a:lnTo>
+                    <a:pt x="15" y="0"/>
+                  </a:lnTo>
+                  <a:lnTo>
+                    <a:pt x="63" y="114"/>
+                  </a:lnTo>
+                  <a:lnTo>
+                    <a:pt x="266" y="320"/>
+                  </a:lnTo>
+                  <a:lnTo>
+                    <a:pt x="257" y="332"/>
+                  </a:lnTo>
+                  <a:close/>
+                </a:path>
+              </a:pathLst>
+            </a:custGeom>
+            <a:grpFill/>
+            <a:ln>
+              <a:noFill/>
+            </a:ln>
+            <a:extLst>
+              <a:ext uri="{91240B29-F687-4f45-9708-019B960494DF}">
+                <a14:hiddenLine xmlns="" xmlns:a16="http://schemas.microsoft.com/office/drawing/2014/main" xmlns:p14="http://schemas.microsoft.com/office/powerpoint/2010/main" xmlns:a14="http://schemas.microsoft.com/office/drawing/2010/main" w="9525">
+                  <a:solidFill>
+                    <a:srgbClr val="000000"/>
+                  </a:solidFill>
+                  <a:round/>
+                  <a:headEnd/>
+                  <a:tailEnd/>
+                </a14:hiddenLine>
+              </a:ext>
+            </a:extLst>
+          </p:spPr>
+        </p:sp>
+        <p:sp>
+          <p:nvSpPr>
+            <p:cNvPr id="21" name="Freeform 15">
+              <a:extLst>
+                <a:ext uri="{FF2B5EF4-FFF2-40B4-BE49-F238E27FC236}">
+                  <a16:creationId xmlns:a16="http://schemas.microsoft.com/office/drawing/2014/main" id="{0FB0C02E-3F53-4889-8ADF-80DBC43F693C}"/>
+                </a:ext>
+              </a:extLst>
+            </p:cNvPr>
+            <p:cNvSpPr>
+              <a:spLocks noEditPoints="1"/>
+            </p:cNvSpPr>
+            <p:nvPr>
+              <p:extLst>
+                <p:ext uri="{386F3935-93C4-4BCD-93E2-E3B085C9AB24}">
+                  <p16:designElem xmlns:p16="http://schemas.microsoft.com/office/powerpoint/2015/main" val="1"/>
+                </p:ext>
+              </p:extLst>
+            </p:nvPr>
+          </p:nvSpPr>
+          <p:spPr bwMode="auto">
+            <a:xfrm>
+              <a:off x="1020762" y="488950"/>
+              <a:ext cx="161925" cy="147638"/>
+            </a:xfrm>
+            <a:custGeom>
+              <a:avLst/>
+              <a:gdLst/>
+              <a:ahLst/>
+              <a:cxnLst/>
+              <a:rect l="0" t="0" r="r" b="b"/>
+              <a:pathLst>
+                <a:path w="34" h="31">
+                  <a:moveTo>
+                    <a:pt x="17" y="31"/>
+                  </a:moveTo>
+                  <a:cubicBezTo>
+                    <a:pt x="13" y="31"/>
+                    <a:pt x="9" y="30"/>
+                    <a:pt x="6" y="27"/>
+                  </a:cubicBezTo>
+                  <a:cubicBezTo>
+                    <a:pt x="0" y="20"/>
+                    <a:pt x="0" y="10"/>
+                    <a:pt x="6" y="4"/>
+                  </a:cubicBezTo>
+                  <a:cubicBezTo>
+                    <a:pt x="9" y="1"/>
+                    <a:pt x="13" y="0"/>
+                    <a:pt x="17" y="0"/>
+                  </a:cubicBezTo>
+                  <a:cubicBezTo>
+                    <a:pt x="21" y="0"/>
+                    <a:pt x="25" y="1"/>
+                    <a:pt x="28" y="4"/>
+                  </a:cubicBezTo>
+                  <a:cubicBezTo>
+                    <a:pt x="34" y="10"/>
+                    <a:pt x="34" y="20"/>
+                    <a:pt x="28" y="27"/>
+                  </a:cubicBezTo>
+                  <a:cubicBezTo>
+                    <a:pt x="25" y="30"/>
+                    <a:pt x="21" y="31"/>
+                    <a:pt x="17" y="31"/>
+                  </a:cubicBezTo>
+                  <a:close/>
+                  <a:moveTo>
+                    <a:pt x="17" y="4"/>
+                  </a:moveTo>
+                  <a:cubicBezTo>
+                    <a:pt x="14" y="4"/>
+                    <a:pt x="11" y="5"/>
+                    <a:pt x="9" y="7"/>
+                  </a:cubicBezTo>
+                  <a:cubicBezTo>
+                    <a:pt x="4" y="12"/>
+                    <a:pt x="4" y="19"/>
+                    <a:pt x="9" y="24"/>
+                  </a:cubicBezTo>
+                  <a:cubicBezTo>
+                    <a:pt x="11" y="26"/>
+                    <a:pt x="14" y="27"/>
+                    <a:pt x="17" y="27"/>
+                  </a:cubicBezTo>
+                  <a:cubicBezTo>
+                    <a:pt x="20" y="27"/>
+                    <a:pt x="23" y="26"/>
+                    <a:pt x="25" y="24"/>
+                  </a:cubicBezTo>
+                  <a:cubicBezTo>
+                    <a:pt x="30" y="19"/>
+                    <a:pt x="30" y="12"/>
+                    <a:pt x="25" y="7"/>
+                  </a:cubicBezTo>
+                  <a:cubicBezTo>
+                    <a:pt x="23" y="5"/>
+                    <a:pt x="20" y="4"/>
+                    <a:pt x="17" y="4"/>
+                  </a:cubicBezTo>
+                  <a:close/>
+                </a:path>
+              </a:pathLst>
+            </a:custGeom>
+            <a:grpFill/>
+            <a:ln>
+              <a:noFill/>
+            </a:ln>
+            <a:extLst>
+              <a:ext uri="{91240B29-F687-4f45-9708-019B960494DF}">
+                <a14:hiddenLine xmlns="" xmlns:a16="http://schemas.microsoft.com/office/drawing/2014/main" xmlns:p14="http://schemas.microsoft.com/office/powerpoint/2010/main" xmlns:a14="http://schemas.microsoft.com/office/drawing/2010/main" w="9525">
+                  <a:solidFill>
+                    <a:srgbClr val="000000"/>
+                  </a:solidFill>
+                  <a:round/>
+                  <a:headEnd/>
+                  <a:tailEnd/>
+                </a14:hiddenLine>
+              </a:ext>
+            </a:extLst>
+          </p:spPr>
+        </p:sp>
+        <p:sp>
+          <p:nvSpPr>
+            <p:cNvPr id="22" name="Line 16">
+              <a:extLst>
+                <a:ext uri="{FF2B5EF4-FFF2-40B4-BE49-F238E27FC236}">
+                  <a16:creationId xmlns:a16="http://schemas.microsoft.com/office/drawing/2014/main" id="{F8A0C89C-946F-4BCD-8A27-BB73E37FE525}"/>
+                </a:ext>
+              </a:extLst>
+            </p:cNvPr>
+            <p:cNvSpPr>
+              <a:spLocks noChangeShapeType="1"/>
+            </p:cNvSpPr>
+            <p:nvPr>
+              <p:extLst>
+                <p:ext uri="{386F3935-93C4-4BCD-93E2-E3B085C9AB24}">
+                  <p16:designElem xmlns:p16="http://schemas.microsoft.com/office/powerpoint/2015/main" val="1"/>
+                </p:ext>
+              </p:extLst>
+            </p:nvPr>
+          </p:nvSpPr>
+          <p:spPr bwMode="auto">
+            <a:xfrm>
+              <a:off x="-4763" y="9525"/>
+              <a:ext cx="0" cy="0"/>
+            </a:xfrm>
+            <a:prstGeom prst="line">
+              <a:avLst/>
+            </a:prstGeom>
+            <a:grpFill/>
+            <a:ln w="15" cap="flat">
+              <a:solidFill>
+                <a:srgbClr val="FFFFFF"/>
+              </a:solidFill>
+              <a:prstDash val="solid"/>
+              <a:miter lim="800000"/>
+              <a:headEnd/>
+              <a:tailEnd/>
+            </a:ln>
+          </p:spPr>
+        </p:sp>
+        <p:sp>
+          <p:nvSpPr>
+            <p:cNvPr id="23" name="Freeform 17">
+              <a:extLst>
+                <a:ext uri="{FF2B5EF4-FFF2-40B4-BE49-F238E27FC236}">
+                  <a16:creationId xmlns:a16="http://schemas.microsoft.com/office/drawing/2014/main" id="{70C83EAF-4E92-4849-A240-B257871DC033}"/>
+                </a:ext>
+              </a:extLst>
+            </p:cNvPr>
+            <p:cNvSpPr/>
+            <p:nvPr>
+              <p:extLst>
+                <p:ext uri="{386F3935-93C4-4BCD-93E2-E3B085C9AB24}">
+                  <p16:designElem xmlns:p16="http://schemas.microsoft.com/office/powerpoint/2015/main" val="1"/>
+                </p:ext>
+              </p:extLst>
+            </p:nvPr>
+          </p:nvSpPr>
+          <p:spPr bwMode="auto">
+            <a:xfrm>
+              <a:off x="9525" y="1801813"/>
+              <a:ext cx="123825" cy="127000"/>
+            </a:xfrm>
+            <a:custGeom>
+              <a:avLst/>
+              <a:gdLst/>
+              <a:ahLst/>
+              <a:cxnLst/>
+              <a:rect l="0" t="0" r="r" b="b"/>
+              <a:pathLst>
+                <a:path w="78" h="80">
+                  <a:moveTo>
+                    <a:pt x="6" y="80"/>
+                  </a:moveTo>
+                  <a:lnTo>
+                    <a:pt x="0" y="71"/>
+                  </a:lnTo>
+                  <a:lnTo>
+                    <a:pt x="69" y="0"/>
+                  </a:lnTo>
+                  <a:lnTo>
+                    <a:pt x="78" y="9"/>
+                  </a:lnTo>
+                  <a:lnTo>
+                    <a:pt x="6" y="80"/>
+                  </a:lnTo>
+                  <a:close/>
+                </a:path>
+              </a:pathLst>
+            </a:custGeom>
+            <a:grpFill/>
+            <a:ln>
+              <a:noFill/>
+            </a:ln>
+            <a:extLst>
+              <a:ext uri="{91240B29-F687-4f45-9708-019B960494DF}">
+                <a14:hiddenLine xmlns="" xmlns:a16="http://schemas.microsoft.com/office/drawing/2014/main" xmlns:p14="http://schemas.microsoft.com/office/powerpoint/2010/main" xmlns:a14="http://schemas.microsoft.com/office/drawing/2010/main" w="9525">
+                  <a:solidFill>
+                    <a:srgbClr val="000000"/>
+                  </a:solidFill>
+                  <a:round/>
+                  <a:headEnd/>
+                  <a:tailEnd/>
+                </a14:hiddenLine>
+              </a:ext>
+            </a:extLst>
+          </p:spPr>
+        </p:sp>
+        <p:sp>
+          <p:nvSpPr>
+            <p:cNvPr id="24" name="Freeform 18">
+              <a:extLst>
+                <a:ext uri="{FF2B5EF4-FFF2-40B4-BE49-F238E27FC236}">
+                  <a16:creationId xmlns:a16="http://schemas.microsoft.com/office/drawing/2014/main" id="{320FD164-4D7A-469C-B3F4-B926BFACF53D}"/>
+                </a:ext>
+              </a:extLst>
+            </p:cNvPr>
+            <p:cNvSpPr/>
+            <p:nvPr>
+              <p:extLst>
+                <p:ext uri="{386F3935-93C4-4BCD-93E2-E3B085C9AB24}">
+                  <p16:designElem xmlns:p16="http://schemas.microsoft.com/office/powerpoint/2015/main" val="1"/>
+                </p:ext>
+              </p:extLst>
+            </p:nvPr>
+          </p:nvSpPr>
+          <p:spPr bwMode="auto">
+            <a:xfrm>
+              <a:off x="-9525" y="3549650"/>
+              <a:ext cx="147638" cy="481013"/>
+            </a:xfrm>
+            <a:custGeom>
+              <a:avLst/>
+              <a:gdLst/>
+              <a:ahLst/>
+              <a:cxnLst/>
+              <a:rect l="0" t="0" r="r" b="b"/>
+              <a:pathLst>
+                <a:path w="93" h="303">
+                  <a:moveTo>
+                    <a:pt x="93" y="303"/>
+                  </a:moveTo>
+                  <a:lnTo>
+                    <a:pt x="78" y="303"/>
+                  </a:lnTo>
+                  <a:lnTo>
+                    <a:pt x="78" y="78"/>
+                  </a:lnTo>
+                  <a:lnTo>
+                    <a:pt x="0" y="12"/>
+                  </a:lnTo>
+                  <a:lnTo>
+                    <a:pt x="12" y="0"/>
+                  </a:lnTo>
+                  <a:lnTo>
+                    <a:pt x="93" y="69"/>
+                  </a:lnTo>
+                  <a:lnTo>
+                    <a:pt x="93" y="303"/>
+                  </a:lnTo>
+                  <a:close/>
+                </a:path>
+              </a:pathLst>
+            </a:custGeom>
+            <a:grpFill/>
+            <a:ln>
+              <a:noFill/>
+            </a:ln>
+            <a:extLst>
+              <a:ext uri="{91240B29-F687-4f45-9708-019B960494DF}">
+                <a14:hiddenLine xmlns="" xmlns:a16="http://schemas.microsoft.com/office/drawing/2014/main" xmlns:p14="http://schemas.microsoft.com/office/powerpoint/2010/main" xmlns:a14="http://schemas.microsoft.com/office/drawing/2010/main" w="9525">
+                  <a:solidFill>
+                    <a:srgbClr val="000000"/>
+                  </a:solidFill>
+                  <a:round/>
+                  <a:headEnd/>
+                  <a:tailEnd/>
+                </a14:hiddenLine>
+              </a:ext>
+            </a:extLst>
+          </p:spPr>
+        </p:sp>
+        <p:sp>
+          <p:nvSpPr>
+            <p:cNvPr id="25" name="Freeform 19">
+              <a:extLst>
+                <a:ext uri="{FF2B5EF4-FFF2-40B4-BE49-F238E27FC236}">
+                  <a16:creationId xmlns:a16="http://schemas.microsoft.com/office/drawing/2014/main" id="{F6E14D9A-4E63-48FF-95C5-9E8DDFF86C45}"/>
+                </a:ext>
+              </a:extLst>
+            </p:cNvPr>
+            <p:cNvSpPr/>
+            <p:nvPr>
+              <p:extLst>
+                <p:ext uri="{386F3935-93C4-4BCD-93E2-E3B085C9AB24}">
+                  <p16:designElem xmlns:p16="http://schemas.microsoft.com/office/powerpoint/2015/main" val="1"/>
+                </p:ext>
+              </p:extLst>
+            </p:nvPr>
+          </p:nvSpPr>
+          <p:spPr bwMode="auto">
+            <a:xfrm>
+              <a:off x="128587" y="1382713"/>
+              <a:ext cx="142875" cy="476250"/>
+            </a:xfrm>
+            <a:custGeom>
+              <a:avLst/>
+              <a:gdLst/>
+              <a:ahLst/>
+              <a:cxnLst/>
+              <a:rect l="0" t="0" r="r" b="b"/>
+              <a:pathLst>
+                <a:path w="90" h="300">
+                  <a:moveTo>
+                    <a:pt x="90" y="300"/>
+                  </a:moveTo>
+                  <a:lnTo>
+                    <a:pt x="78" y="300"/>
+                  </a:lnTo>
+                  <a:lnTo>
+                    <a:pt x="78" y="84"/>
+                  </a:lnTo>
+                  <a:lnTo>
+                    <a:pt x="0" y="9"/>
+                  </a:lnTo>
+                  <a:lnTo>
+                    <a:pt x="9" y="0"/>
+                  </a:lnTo>
+                  <a:lnTo>
+                    <a:pt x="90" y="81"/>
+                  </a:lnTo>
+                  <a:lnTo>
+                    <a:pt x="90" y="300"/>
+                  </a:lnTo>
+                  <a:close/>
+                </a:path>
+              </a:pathLst>
+            </a:custGeom>
+            <a:grpFill/>
+            <a:ln>
+              <a:noFill/>
+            </a:ln>
+            <a:extLst>
+              <a:ext uri="{91240B29-F687-4f45-9708-019B960494DF}">
+                <a14:hiddenLine xmlns="" xmlns:a16="http://schemas.microsoft.com/office/drawing/2014/main" xmlns:p14="http://schemas.microsoft.com/office/powerpoint/2010/main" xmlns:a14="http://schemas.microsoft.com/office/drawing/2010/main" w="9525">
+                  <a:solidFill>
+                    <a:srgbClr val="000000"/>
+                  </a:solidFill>
+                  <a:round/>
+                  <a:headEnd/>
+                  <a:tailEnd/>
+                </a14:hiddenLine>
+              </a:ext>
+            </a:extLst>
+          </p:spPr>
+        </p:sp>
+        <p:sp>
+          <p:nvSpPr>
+            <p:cNvPr id="26" name="Freeform 20">
+              <a:extLst>
+                <a:ext uri="{FF2B5EF4-FFF2-40B4-BE49-F238E27FC236}">
+                  <a16:creationId xmlns:a16="http://schemas.microsoft.com/office/drawing/2014/main" id="{F3DCD24F-3CA8-4404-B22C-E4C928995F3B}"/>
+                </a:ext>
+              </a:extLst>
+            </p:cNvPr>
+            <p:cNvSpPr>
+              <a:spLocks noEditPoints="1"/>
+            </p:cNvSpPr>
+            <p:nvPr>
+              <p:extLst>
+                <p:ext uri="{386F3935-93C4-4BCD-93E2-E3B085C9AB24}">
+                  <p16:designElem xmlns:p16="http://schemas.microsoft.com/office/powerpoint/2015/main" val="1"/>
+                </p:ext>
+              </p:extLst>
+            </p:nvPr>
+          </p:nvSpPr>
+          <p:spPr bwMode="auto">
+            <a:xfrm>
+              <a:off x="204787" y="1849438"/>
+              <a:ext cx="114300" cy="107950"/>
+            </a:xfrm>
+            <a:custGeom>
+              <a:avLst/>
+              <a:gdLst/>
+              <a:ahLst/>
+              <a:cxnLst/>
+              <a:rect l="0" t="0" r="r" b="b"/>
+              <a:pathLst>
+                <a:path w="24" h="23">
+                  <a:moveTo>
+                    <a:pt x="12" y="23"/>
+                  </a:moveTo>
+                  <a:cubicBezTo>
+                    <a:pt x="6" y="23"/>
+                    <a:pt x="0" y="18"/>
+                    <a:pt x="0" y="12"/>
+                  </a:cubicBezTo>
+                  <a:cubicBezTo>
+                    <a:pt x="0" y="5"/>
+                    <a:pt x="6" y="0"/>
+                    <a:pt x="12" y="0"/>
+                  </a:cubicBezTo>
+                  <a:cubicBezTo>
+                    <a:pt x="18" y="0"/>
+                    <a:pt x="24" y="5"/>
+                    <a:pt x="24" y="12"/>
+                  </a:cubicBezTo>
+                  <a:cubicBezTo>
+                    <a:pt x="24" y="18"/>
+                    <a:pt x="18" y="23"/>
+                    <a:pt x="12" y="23"/>
+                  </a:cubicBezTo>
+                  <a:close/>
+                  <a:moveTo>
+                    <a:pt x="12" y="4"/>
+                  </a:moveTo>
+                  <a:cubicBezTo>
+                    <a:pt x="8" y="4"/>
+                    <a:pt x="4" y="8"/>
+                    <a:pt x="4" y="12"/>
+                  </a:cubicBezTo>
+                  <a:cubicBezTo>
+                    <a:pt x="4" y="16"/>
+                    <a:pt x="8" y="19"/>
+                    <a:pt x="12" y="19"/>
+                  </a:cubicBezTo>
+                  <a:cubicBezTo>
+                    <a:pt x="16" y="19"/>
+                    <a:pt x="20" y="16"/>
+                    <a:pt x="20" y="12"/>
+                  </a:cubicBezTo>
+                  <a:cubicBezTo>
+                    <a:pt x="20" y="8"/>
+                    <a:pt x="16" y="4"/>
+                    <a:pt x="12" y="4"/>
+                  </a:cubicBezTo>
+                  <a:close/>
+                </a:path>
+              </a:pathLst>
+            </a:custGeom>
+            <a:grpFill/>
+            <a:ln>
+              <a:noFill/>
+            </a:ln>
+            <a:extLst>
+              <a:ext uri="{91240B29-F687-4f45-9708-019B960494DF}">
+                <a14:hiddenLine xmlns="" xmlns:a16="http://schemas.microsoft.com/office/drawing/2014/main" xmlns:p14="http://schemas.microsoft.com/office/powerpoint/2010/main" xmlns:a14="http://schemas.microsoft.com/office/drawing/2010/main" w="9525">
+                  <a:solidFill>
+                    <a:srgbClr val="000000"/>
+                  </a:solidFill>
+                  <a:round/>
+                  <a:headEnd/>
+                  <a:tailEnd/>
+                </a14:hiddenLine>
+              </a:ext>
+            </a:extLst>
+          </p:spPr>
+        </p:sp>
+        <p:sp>
+          <p:nvSpPr>
+            <p:cNvPr id="27" name="Rectangle 21">
+              <a:extLst>
+                <a:ext uri="{FF2B5EF4-FFF2-40B4-BE49-F238E27FC236}">
+                  <a16:creationId xmlns:a16="http://schemas.microsoft.com/office/drawing/2014/main" id="{8AD2E827-32A3-4BE4-9CC6-8315629177AE}"/>
+                </a:ext>
+              </a:extLst>
+            </p:cNvPr>
+            <p:cNvSpPr>
+              <a:spLocks noChangeArrowheads="1"/>
+            </p:cNvSpPr>
+            <p:nvPr>
+              <p:extLst>
+                <p:ext uri="{386F3935-93C4-4BCD-93E2-E3B085C9AB24}">
+                  <p16:designElem xmlns:p16="http://schemas.microsoft.com/office/powerpoint/2015/main" val="1"/>
+                </p:ext>
+              </p:extLst>
+            </p:nvPr>
+          </p:nvSpPr>
+          <p:spPr bwMode="auto">
+            <a:xfrm>
+              <a:off x="133350" y="4662488"/>
+              <a:ext cx="23813" cy="2181225"/>
+            </a:xfrm>
+            <a:prstGeom prst="rect">
+              <a:avLst/>
+            </a:prstGeom>
+            <a:grpFill/>
+            <a:ln>
+              <a:noFill/>
+            </a:ln>
+            <a:extLst>
+              <a:ext uri="{91240B29-F687-4f45-9708-019B960494DF}">
+                <a14:hiddenLine xmlns="" xmlns:a16="http://schemas.microsoft.com/office/drawing/2014/main" xmlns:p14="http://schemas.microsoft.com/office/powerpoint/2010/main" xmlns:a14="http://schemas.microsoft.com/office/drawing/2010/main" w="9525">
+                  <a:solidFill>
+                    <a:srgbClr val="000000"/>
+                  </a:solidFill>
+                  <a:miter lim="800000"/>
+                  <a:headEnd/>
+                  <a:tailEnd/>
+                </a14:hiddenLine>
+              </a:ext>
+            </a:extLst>
+          </p:spPr>
+        </p:sp>
+        <p:sp>
+          <p:nvSpPr>
+            <p:cNvPr id="28" name="Freeform 22">
+              <a:extLst>
+                <a:ext uri="{FF2B5EF4-FFF2-40B4-BE49-F238E27FC236}">
+                  <a16:creationId xmlns:a16="http://schemas.microsoft.com/office/drawing/2014/main" id="{47FB2CCC-1230-494F-B2D1-F05E5B8EDF55}"/>
+                </a:ext>
+              </a:extLst>
+            </p:cNvPr>
+            <p:cNvSpPr/>
+            <p:nvPr>
+              <p:extLst>
+                <p:ext uri="{386F3935-93C4-4BCD-93E2-E3B085C9AB24}">
+                  <p16:designElem xmlns:p16="http://schemas.microsoft.com/office/powerpoint/2015/main" val="1"/>
+                </p:ext>
+              </p:extLst>
+            </p:nvPr>
+          </p:nvSpPr>
+          <p:spPr bwMode="auto">
+            <a:xfrm>
+              <a:off x="223837" y="5041900"/>
+              <a:ext cx="369888" cy="1801813"/>
+            </a:xfrm>
+            <a:custGeom>
+              <a:avLst/>
+              <a:gdLst/>
+              <a:ahLst/>
+              <a:cxnLst/>
+              <a:rect l="0" t="0" r="r" b="b"/>
+              <a:pathLst>
+                <a:path w="233" h="1135">
+                  <a:moveTo>
+                    <a:pt x="15" y="1135"/>
+                  </a:moveTo>
+                  <a:lnTo>
+                    <a:pt x="0" y="1135"/>
+                  </a:lnTo>
+                  <a:lnTo>
+                    <a:pt x="0" y="515"/>
+                  </a:lnTo>
+                  <a:lnTo>
+                    <a:pt x="0" y="512"/>
+                  </a:lnTo>
+                  <a:lnTo>
+                    <a:pt x="218" y="0"/>
+                  </a:lnTo>
+                  <a:lnTo>
+                    <a:pt x="233" y="6"/>
+                  </a:lnTo>
+                  <a:lnTo>
+                    <a:pt x="15" y="518"/>
+                  </a:lnTo>
+                  <a:lnTo>
+                    <a:pt x="15" y="1135"/>
+                  </a:lnTo>
+                  <a:close/>
+                </a:path>
+              </a:pathLst>
+            </a:custGeom>
+            <a:grpFill/>
+            <a:ln>
+              <a:noFill/>
+            </a:ln>
+            <a:extLst>
+              <a:ext uri="{91240B29-F687-4f45-9708-019B960494DF}">
+                <a14:hiddenLine xmlns="" xmlns:a16="http://schemas.microsoft.com/office/drawing/2014/main" xmlns:p14="http://schemas.microsoft.com/office/powerpoint/2010/main" xmlns:a14="http://schemas.microsoft.com/office/drawing/2010/main" w="9525">
+                  <a:solidFill>
+                    <a:srgbClr val="000000"/>
+                  </a:solidFill>
+                  <a:round/>
+                  <a:headEnd/>
+                  <a:tailEnd/>
+                </a14:hiddenLine>
+              </a:ext>
+            </a:extLst>
+          </p:spPr>
+        </p:sp>
+        <p:sp>
+          <p:nvSpPr>
+            <p:cNvPr id="29" name="Freeform 23">
+              <a:extLst>
+                <a:ext uri="{FF2B5EF4-FFF2-40B4-BE49-F238E27FC236}">
+                  <a16:creationId xmlns:a16="http://schemas.microsoft.com/office/drawing/2014/main" id="{A5F44514-9274-47E3-9243-CA9356C166B5}"/>
+                </a:ext>
+              </a:extLst>
+            </p:cNvPr>
+            <p:cNvSpPr>
+              <a:spLocks noEditPoints="1"/>
+            </p:cNvSpPr>
+            <p:nvPr>
+              <p:extLst>
+                <p:ext uri="{386F3935-93C4-4BCD-93E2-E3B085C9AB24}">
+                  <p16:designElem xmlns:p16="http://schemas.microsoft.com/office/powerpoint/2015/main" val="1"/>
+                </p:ext>
+              </p:extLst>
+            </p:nvPr>
+          </p:nvSpPr>
+          <p:spPr bwMode="auto">
+            <a:xfrm>
+              <a:off x="52387" y="4481513"/>
+              <a:ext cx="190500" cy="190500"/>
+            </a:xfrm>
+            <a:custGeom>
+              <a:avLst/>
+              <a:gdLst/>
+              <a:ahLst/>
+              <a:cxnLst/>
+              <a:rect l="0" t="0" r="r" b="b"/>
+              <a:pathLst>
+                <a:path w="40" h="40">
+                  <a:moveTo>
+                    <a:pt x="20" y="40"/>
+                  </a:moveTo>
+                  <a:cubicBezTo>
+                    <a:pt x="9" y="40"/>
+                    <a:pt x="0" y="31"/>
+                    <a:pt x="0" y="20"/>
+                  </a:cubicBezTo>
+                  <a:cubicBezTo>
+                    <a:pt x="0" y="9"/>
+                    <a:pt x="9" y="0"/>
+                    <a:pt x="20" y="0"/>
+                  </a:cubicBezTo>
+                  <a:cubicBezTo>
+                    <a:pt x="31" y="0"/>
+                    <a:pt x="40" y="9"/>
+                    <a:pt x="40" y="20"/>
+                  </a:cubicBezTo>
+                  <a:cubicBezTo>
+                    <a:pt x="40" y="31"/>
+                    <a:pt x="31" y="40"/>
+                    <a:pt x="20" y="40"/>
+                  </a:cubicBezTo>
+                  <a:close/>
+                  <a:moveTo>
+                    <a:pt x="20" y="4"/>
+                  </a:moveTo>
+                  <a:cubicBezTo>
+                    <a:pt x="11" y="4"/>
+                    <a:pt x="4" y="11"/>
+                    <a:pt x="4" y="20"/>
+                  </a:cubicBezTo>
+                  <a:cubicBezTo>
+                    <a:pt x="4" y="29"/>
+                    <a:pt x="11" y="36"/>
+                    <a:pt x="20" y="36"/>
+                  </a:cubicBezTo>
+                  <a:cubicBezTo>
+                    <a:pt x="28" y="36"/>
+                    <a:pt x="36" y="29"/>
+                    <a:pt x="36" y="20"/>
+                  </a:cubicBezTo>
+                  <a:cubicBezTo>
+                    <a:pt x="36" y="11"/>
+                    <a:pt x="28" y="4"/>
+                    <a:pt x="20" y="4"/>
+                  </a:cubicBezTo>
+                  <a:close/>
+                </a:path>
+              </a:pathLst>
+            </a:custGeom>
+            <a:grpFill/>
+            <a:ln>
+              <a:noFill/>
+            </a:ln>
+            <a:extLst>
+              <a:ext uri="{91240B29-F687-4f45-9708-019B960494DF}">
+                <a14:hiddenLine xmlns="" xmlns:a16="http://schemas.microsoft.com/office/drawing/2014/main" xmlns:p14="http://schemas.microsoft.com/office/powerpoint/2010/main" xmlns:a14="http://schemas.microsoft.com/office/drawing/2010/main" w="9525">
+                  <a:solidFill>
+                    <a:srgbClr val="000000"/>
+                  </a:solidFill>
+                  <a:round/>
+                  <a:headEnd/>
+                  <a:tailEnd/>
+                </a14:hiddenLine>
+              </a:ext>
+            </a:extLst>
+          </p:spPr>
+        </p:sp>
+        <p:sp>
+          <p:nvSpPr>
+            <p:cNvPr id="30" name="Freeform 24">
+              <a:extLst>
+                <a:ext uri="{FF2B5EF4-FFF2-40B4-BE49-F238E27FC236}">
+                  <a16:creationId xmlns:a16="http://schemas.microsoft.com/office/drawing/2014/main" id="{D06192CD-AD86-4DCA-8B53-4ACCA46583A9}"/>
+                </a:ext>
+              </a:extLst>
+            </p:cNvPr>
+            <p:cNvSpPr/>
+            <p:nvPr>
+              <p:extLst>
+                <p:ext uri="{386F3935-93C4-4BCD-93E2-E3B085C9AB24}">
+                  <p16:designElem xmlns:p16="http://schemas.microsoft.com/office/powerpoint/2015/main" val="1"/>
+                </p:ext>
+              </p:extLst>
+            </p:nvPr>
+          </p:nvSpPr>
+          <p:spPr bwMode="auto">
+            <a:xfrm>
+              <a:off x="-14288" y="5627688"/>
+              <a:ext cx="85725" cy="1216025"/>
+            </a:xfrm>
+            <a:custGeom>
+              <a:avLst/>
+              <a:gdLst/>
+              <a:ahLst/>
+              <a:cxnLst/>
+              <a:rect l="0" t="0" r="r" b="b"/>
+              <a:pathLst>
+                <a:path w="54" h="766">
+                  <a:moveTo>
+                    <a:pt x="54" y="766"/>
+                  </a:moveTo>
+                  <a:lnTo>
+                    <a:pt x="36" y="766"/>
+                  </a:lnTo>
+                  <a:lnTo>
+                    <a:pt x="36" y="149"/>
+                  </a:lnTo>
+                  <a:lnTo>
+                    <a:pt x="0" y="3"/>
+                  </a:lnTo>
+                  <a:lnTo>
+                    <a:pt x="18" y="0"/>
+                  </a:lnTo>
+                  <a:lnTo>
+                    <a:pt x="54" y="146"/>
+                  </a:lnTo>
+                  <a:lnTo>
+                    <a:pt x="54" y="766"/>
+                  </a:lnTo>
+                  <a:close/>
+                </a:path>
+              </a:pathLst>
+            </a:custGeom>
+            <a:grpFill/>
+            <a:ln>
+              <a:noFill/>
+            </a:ln>
+            <a:extLst>
+              <a:ext uri="{91240B29-F687-4f45-9708-019B960494DF}">
+                <a14:hiddenLine xmlns="" xmlns:a16="http://schemas.microsoft.com/office/drawing/2014/main" xmlns:p14="http://schemas.microsoft.com/office/powerpoint/2010/main" xmlns:a14="http://schemas.microsoft.com/office/drawing/2010/main" w="9525">
+                  <a:solidFill>
+                    <a:srgbClr val="000000"/>
+                  </a:solidFill>
+                  <a:round/>
+                  <a:headEnd/>
+                  <a:tailEnd/>
+                </a14:hiddenLine>
+              </a:ext>
+            </a:extLst>
+          </p:spPr>
+        </p:sp>
+        <p:sp>
+          <p:nvSpPr>
+            <p:cNvPr id="31" name="Freeform 25">
+              <a:extLst>
+                <a:ext uri="{FF2B5EF4-FFF2-40B4-BE49-F238E27FC236}">
+                  <a16:creationId xmlns:a16="http://schemas.microsoft.com/office/drawing/2014/main" id="{99E9203A-21E4-46D8-981A-4B28CA320A69}"/>
+                </a:ext>
+              </a:extLst>
+            </p:cNvPr>
+            <p:cNvSpPr>
+              <a:spLocks noEditPoints="1"/>
+            </p:cNvSpPr>
+            <p:nvPr>
+              <p:extLst>
+                <p:ext uri="{386F3935-93C4-4BCD-93E2-E3B085C9AB24}">
+                  <p16:designElem xmlns:p16="http://schemas.microsoft.com/office/powerpoint/2015/main" val="1"/>
+                </p:ext>
+              </p:extLst>
+            </p:nvPr>
+          </p:nvSpPr>
+          <p:spPr bwMode="auto">
+            <a:xfrm>
+              <a:off x="527050" y="4867275"/>
+              <a:ext cx="190500" cy="188913"/>
+            </a:xfrm>
+            <a:custGeom>
+              <a:avLst/>
+              <a:gdLst/>
+              <a:ahLst/>
+              <a:cxnLst/>
+              <a:rect l="0" t="0" r="r" b="b"/>
+              <a:pathLst>
+                <a:path w="40" h="40">
+                  <a:moveTo>
+                    <a:pt x="20" y="40"/>
+                  </a:moveTo>
+                  <a:cubicBezTo>
+                    <a:pt x="9" y="40"/>
+                    <a:pt x="0" y="31"/>
+                    <a:pt x="0" y="20"/>
+                  </a:cubicBezTo>
+                  <a:cubicBezTo>
+                    <a:pt x="0" y="9"/>
+                    <a:pt x="9" y="0"/>
+                    <a:pt x="20" y="0"/>
+                  </a:cubicBezTo>
+                  <a:cubicBezTo>
+                    <a:pt x="31" y="0"/>
+                    <a:pt x="40" y="9"/>
+                    <a:pt x="40" y="20"/>
+                  </a:cubicBezTo>
+                  <a:cubicBezTo>
+                    <a:pt x="40" y="31"/>
+                    <a:pt x="31" y="40"/>
+                    <a:pt x="20" y="40"/>
+                  </a:cubicBezTo>
+                  <a:close/>
+                  <a:moveTo>
+                    <a:pt x="20" y="4"/>
+                  </a:moveTo>
+                  <a:cubicBezTo>
+                    <a:pt x="11" y="4"/>
+                    <a:pt x="4" y="11"/>
+                    <a:pt x="4" y="20"/>
+                  </a:cubicBezTo>
+                  <a:cubicBezTo>
+                    <a:pt x="4" y="29"/>
+                    <a:pt x="11" y="36"/>
+                    <a:pt x="20" y="36"/>
+                  </a:cubicBezTo>
+                  <a:cubicBezTo>
+                    <a:pt x="29" y="36"/>
+                    <a:pt x="36" y="29"/>
+                    <a:pt x="36" y="20"/>
+                  </a:cubicBezTo>
+                  <a:cubicBezTo>
+                    <a:pt x="36" y="11"/>
+                    <a:pt x="29" y="4"/>
+                    <a:pt x="20" y="4"/>
+                  </a:cubicBezTo>
+                  <a:close/>
+                </a:path>
+              </a:pathLst>
+            </a:custGeom>
+            <a:grpFill/>
+            <a:ln>
+              <a:noFill/>
+            </a:ln>
+            <a:extLst>
+              <a:ext uri="{91240B29-F687-4f45-9708-019B960494DF}">
+                <a14:hiddenLine xmlns="" xmlns:a16="http://schemas.microsoft.com/office/drawing/2014/main" xmlns:p14="http://schemas.microsoft.com/office/powerpoint/2010/main" xmlns:a14="http://schemas.microsoft.com/office/drawing/2010/main" w="9525">
+                  <a:solidFill>
+                    <a:srgbClr val="000000"/>
+                  </a:solidFill>
+                  <a:round/>
+                  <a:headEnd/>
+                  <a:tailEnd/>
+                </a14:hiddenLine>
+              </a:ext>
+            </a:extLst>
+          </p:spPr>
+        </p:sp>
+        <p:sp>
+          <p:nvSpPr>
+            <p:cNvPr id="32" name="Freeform 26">
+              <a:extLst>
+                <a:ext uri="{FF2B5EF4-FFF2-40B4-BE49-F238E27FC236}">
+                  <a16:creationId xmlns:a16="http://schemas.microsoft.com/office/drawing/2014/main" id="{32FCE9B6-FB52-4045-8DCC-E5959B9A403B}"/>
+                </a:ext>
+              </a:extLst>
+            </p:cNvPr>
+            <p:cNvSpPr/>
+            <p:nvPr>
+              <p:extLst>
+                <p:ext uri="{386F3935-93C4-4BCD-93E2-E3B085C9AB24}">
+                  <p16:designElem xmlns:p16="http://schemas.microsoft.com/office/powerpoint/2015/main" val="1"/>
+                </p:ext>
+              </p:extLst>
+            </p:nvPr>
+          </p:nvSpPr>
+          <p:spPr bwMode="auto">
+            <a:xfrm>
+              <a:off x="309562" y="5422900"/>
+              <a:ext cx="374650" cy="1425575"/>
+            </a:xfrm>
+            <a:custGeom>
+              <a:avLst/>
+              <a:gdLst/>
+              <a:ahLst/>
+              <a:cxnLst/>
+              <a:rect l="0" t="0" r="r" b="b"/>
+              <a:pathLst>
+                <a:path w="236" h="898">
+                  <a:moveTo>
+                    <a:pt x="18" y="898"/>
+                  </a:moveTo>
+                  <a:lnTo>
+                    <a:pt x="0" y="898"/>
+                  </a:lnTo>
+                  <a:lnTo>
+                    <a:pt x="0" y="515"/>
+                  </a:lnTo>
+                  <a:lnTo>
+                    <a:pt x="3" y="512"/>
+                  </a:lnTo>
+                  <a:lnTo>
+                    <a:pt x="221" y="0"/>
+                  </a:lnTo>
+                  <a:lnTo>
+                    <a:pt x="236" y="6"/>
+                  </a:lnTo>
+                  <a:lnTo>
+                    <a:pt x="18" y="518"/>
+                  </a:lnTo>
+                  <a:lnTo>
+                    <a:pt x="18" y="898"/>
+                  </a:lnTo>
+                  <a:close/>
+                </a:path>
+              </a:pathLst>
+            </a:custGeom>
+            <a:grpFill/>
+            <a:ln>
+              <a:noFill/>
+            </a:ln>
+            <a:extLst>
+              <a:ext uri="{91240B29-F687-4f45-9708-019B960494DF}">
+                <a14:hiddenLine xmlns="" xmlns:a16="http://schemas.microsoft.com/office/drawing/2014/main" xmlns:p14="http://schemas.microsoft.com/office/powerpoint/2010/main" xmlns:a14="http://schemas.microsoft.com/office/drawing/2010/main" w="9525">
+                  <a:solidFill>
+                    <a:srgbClr val="000000"/>
+                  </a:solidFill>
+                  <a:round/>
+                  <a:headEnd/>
+                  <a:tailEnd/>
+                </a14:hiddenLine>
+              </a:ext>
+            </a:extLst>
+          </p:spPr>
+        </p:sp>
+        <p:sp>
+          <p:nvSpPr>
+            <p:cNvPr id="33" name="Freeform 27">
+              <a:extLst>
+                <a:ext uri="{FF2B5EF4-FFF2-40B4-BE49-F238E27FC236}">
+                  <a16:creationId xmlns:a16="http://schemas.microsoft.com/office/drawing/2014/main" id="{E4A7025C-CDE8-429A-BBB9-E7380C962388}"/>
+                </a:ext>
+              </a:extLst>
+            </p:cNvPr>
+            <p:cNvSpPr/>
+            <p:nvPr>
+              <p:extLst>
+                <p:ext uri="{386F3935-93C4-4BCD-93E2-E3B085C9AB24}">
+                  <p16:designElem xmlns:p16="http://schemas.microsoft.com/office/powerpoint/2015/main" val="1"/>
+                </p:ext>
+              </p:extLst>
+            </p:nvPr>
+          </p:nvSpPr>
+          <p:spPr bwMode="auto">
+            <a:xfrm>
+              <a:off x="569912" y="5945188"/>
+              <a:ext cx="152400" cy="912813"/>
+            </a:xfrm>
+            <a:custGeom>
+              <a:avLst/>
+              <a:gdLst/>
+              <a:ahLst/>
+              <a:cxnLst/>
+              <a:rect l="0" t="0" r="r" b="b"/>
+              <a:pathLst>
+                <a:path w="96" h="575">
+                  <a:moveTo>
+                    <a:pt x="15" y="575"/>
+                  </a:moveTo>
+                  <a:lnTo>
+                    <a:pt x="0" y="569"/>
+                  </a:lnTo>
+                  <a:lnTo>
+                    <a:pt x="81" y="383"/>
+                  </a:lnTo>
+                  <a:lnTo>
+                    <a:pt x="81" y="0"/>
+                  </a:lnTo>
+                  <a:lnTo>
+                    <a:pt x="96" y="0"/>
+                  </a:lnTo>
+                  <a:lnTo>
+                    <a:pt x="96" y="386"/>
+                  </a:lnTo>
+                  <a:lnTo>
+                    <a:pt x="15" y="575"/>
+                  </a:lnTo>
+                  <a:close/>
+                </a:path>
+              </a:pathLst>
+            </a:custGeom>
+            <a:grpFill/>
+            <a:ln>
+              <a:noFill/>
+            </a:ln>
+            <a:extLst>
+              <a:ext uri="{91240B29-F687-4f45-9708-019B960494DF}">
+                <a14:hiddenLine xmlns="" xmlns:a16="http://schemas.microsoft.com/office/drawing/2014/main" xmlns:p14="http://schemas.microsoft.com/office/powerpoint/2010/main" xmlns:a14="http://schemas.microsoft.com/office/drawing/2010/main" w="9525">
+                  <a:solidFill>
+                    <a:srgbClr val="000000"/>
+                  </a:solidFill>
+                  <a:round/>
+                  <a:headEnd/>
+                  <a:tailEnd/>
+                </a14:hiddenLine>
+              </a:ext>
+            </a:extLst>
+          </p:spPr>
+        </p:sp>
+        <p:sp>
+          <p:nvSpPr>
+            <p:cNvPr id="34" name="Freeform 28">
+              <a:extLst>
+                <a:ext uri="{FF2B5EF4-FFF2-40B4-BE49-F238E27FC236}">
+                  <a16:creationId xmlns:a16="http://schemas.microsoft.com/office/drawing/2014/main" id="{A4EA0256-5DF5-437A-98A7-B79F3E6BB89A}"/>
+                </a:ext>
+              </a:extLst>
+            </p:cNvPr>
+            <p:cNvSpPr>
+              <a:spLocks noEditPoints="1"/>
+            </p:cNvSpPr>
+            <p:nvPr>
+              <p:extLst>
+                <p:ext uri="{386F3935-93C4-4BCD-93E2-E3B085C9AB24}">
+                  <p16:designElem xmlns:p16="http://schemas.microsoft.com/office/powerpoint/2015/main" val="1"/>
+                </p:ext>
+              </p:extLst>
+            </p:nvPr>
+          </p:nvSpPr>
+          <p:spPr bwMode="auto">
+            <a:xfrm>
+              <a:off x="612775" y="5246688"/>
+              <a:ext cx="190500" cy="190500"/>
+            </a:xfrm>
+            <a:custGeom>
+              <a:avLst/>
+              <a:gdLst/>
+              <a:ahLst/>
+              <a:cxnLst/>
+              <a:rect l="0" t="0" r="r" b="b"/>
+              <a:pathLst>
+                <a:path w="40" h="40">
+                  <a:moveTo>
+                    <a:pt x="20" y="40"/>
+                  </a:moveTo>
+                  <a:cubicBezTo>
+                    <a:pt x="9" y="40"/>
+                    <a:pt x="0" y="31"/>
+                    <a:pt x="0" y="20"/>
+                  </a:cubicBezTo>
+                  <a:cubicBezTo>
+                    <a:pt x="0" y="9"/>
+                    <a:pt x="9" y="0"/>
+                    <a:pt x="20" y="0"/>
+                  </a:cubicBezTo>
+                  <a:cubicBezTo>
+                    <a:pt x="31" y="0"/>
+                    <a:pt x="40" y="9"/>
+                    <a:pt x="40" y="20"/>
+                  </a:cubicBezTo>
+                  <a:cubicBezTo>
+                    <a:pt x="40" y="31"/>
+                    <a:pt x="31" y="40"/>
+                    <a:pt x="20" y="40"/>
+                  </a:cubicBezTo>
+                  <a:close/>
+                  <a:moveTo>
+                    <a:pt x="20" y="4"/>
+                  </a:moveTo>
+                  <a:cubicBezTo>
+                    <a:pt x="12" y="4"/>
+                    <a:pt x="4" y="11"/>
+                    <a:pt x="4" y="20"/>
+                  </a:cubicBezTo>
+                  <a:cubicBezTo>
+                    <a:pt x="4" y="29"/>
+                    <a:pt x="12" y="36"/>
+                    <a:pt x="20" y="36"/>
+                  </a:cubicBezTo>
+                  <a:cubicBezTo>
+                    <a:pt x="29" y="36"/>
+                    <a:pt x="36" y="29"/>
+                    <a:pt x="36" y="20"/>
+                  </a:cubicBezTo>
+                  <a:cubicBezTo>
+                    <a:pt x="36" y="11"/>
+                    <a:pt x="29" y="4"/>
+                    <a:pt x="20" y="4"/>
+                  </a:cubicBezTo>
+                  <a:close/>
+                </a:path>
+              </a:pathLst>
+            </a:custGeom>
+            <a:grpFill/>
+            <a:ln>
+              <a:noFill/>
+            </a:ln>
+            <a:extLst>
+              <a:ext uri="{91240B29-F687-4f45-9708-019B960494DF}">
+                <a14:hiddenLine xmlns="" xmlns:a16="http://schemas.microsoft.com/office/drawing/2014/main" xmlns:p14="http://schemas.microsoft.com/office/powerpoint/2010/main" xmlns:a14="http://schemas.microsoft.com/office/drawing/2010/main" w="9525">
+                  <a:solidFill>
+                    <a:srgbClr val="000000"/>
+                  </a:solidFill>
+                  <a:round/>
+                  <a:headEnd/>
+                  <a:tailEnd/>
+                </a14:hiddenLine>
+              </a:ext>
+            </a:extLst>
+          </p:spPr>
+        </p:sp>
+        <p:sp>
+          <p:nvSpPr>
+            <p:cNvPr id="35" name="Freeform 29">
+              <a:extLst>
+                <a:ext uri="{FF2B5EF4-FFF2-40B4-BE49-F238E27FC236}">
+                  <a16:creationId xmlns:a16="http://schemas.microsoft.com/office/drawing/2014/main" id="{90C9433D-9E1C-493B-BEBD-C3081FFA328F}"/>
+                </a:ext>
+              </a:extLst>
+            </p:cNvPr>
+            <p:cNvSpPr>
+              <a:spLocks noEditPoints="1"/>
+            </p:cNvSpPr>
+            <p:nvPr>
+              <p:extLst>
+                <p:ext uri="{386F3935-93C4-4BCD-93E2-E3B085C9AB24}">
+                  <p16:designElem xmlns:p16="http://schemas.microsoft.com/office/powerpoint/2015/main" val="1"/>
+                </p:ext>
+              </p:extLst>
+            </p:nvPr>
+          </p:nvSpPr>
+          <p:spPr bwMode="auto">
+            <a:xfrm>
+              <a:off x="612775" y="5764213"/>
+              <a:ext cx="190500" cy="190500"/>
+            </a:xfrm>
+            <a:custGeom>
+              <a:avLst/>
+              <a:gdLst/>
+              <a:ahLst/>
+              <a:cxnLst/>
+              <a:rect l="0" t="0" r="r" b="b"/>
+              <a:pathLst>
+                <a:path w="40" h="40">
+                  <a:moveTo>
+                    <a:pt x="20" y="40"/>
+                  </a:moveTo>
+                  <a:cubicBezTo>
+                    <a:pt x="9" y="40"/>
+                    <a:pt x="0" y="31"/>
+                    <a:pt x="0" y="20"/>
+                  </a:cubicBezTo>
+                  <a:cubicBezTo>
+                    <a:pt x="0" y="9"/>
+                    <a:pt x="9" y="0"/>
+                    <a:pt x="20" y="0"/>
+                  </a:cubicBezTo>
+                  <a:cubicBezTo>
+                    <a:pt x="31" y="0"/>
+                    <a:pt x="40" y="9"/>
+                    <a:pt x="40" y="20"/>
+                  </a:cubicBezTo>
+                  <a:cubicBezTo>
+                    <a:pt x="40" y="31"/>
+                    <a:pt x="31" y="40"/>
+                    <a:pt x="20" y="40"/>
+                  </a:cubicBezTo>
+                  <a:close/>
+                  <a:moveTo>
+                    <a:pt x="20" y="4"/>
+                  </a:moveTo>
+                  <a:cubicBezTo>
+                    <a:pt x="12" y="4"/>
+                    <a:pt x="4" y="11"/>
+                    <a:pt x="4" y="20"/>
+                  </a:cubicBezTo>
+                  <a:cubicBezTo>
+                    <a:pt x="4" y="29"/>
+                    <a:pt x="12" y="36"/>
+                    <a:pt x="20" y="36"/>
+                  </a:cubicBezTo>
+                  <a:cubicBezTo>
+                    <a:pt x="29" y="36"/>
+                    <a:pt x="36" y="29"/>
+                    <a:pt x="36" y="20"/>
+                  </a:cubicBezTo>
+                  <a:cubicBezTo>
+                    <a:pt x="36" y="11"/>
+                    <a:pt x="29" y="4"/>
+                    <a:pt x="20" y="4"/>
+                  </a:cubicBezTo>
+                  <a:close/>
+                </a:path>
+              </a:pathLst>
+            </a:custGeom>
+            <a:grpFill/>
+            <a:ln>
+              <a:noFill/>
+            </a:ln>
+            <a:extLst>
+              <a:ext uri="{91240B29-F687-4f45-9708-019B960494DF}">
+                <a14:hiddenLine xmlns="" xmlns:a16="http://schemas.microsoft.com/office/drawing/2014/main" xmlns:p14="http://schemas.microsoft.com/office/powerpoint/2010/main" xmlns:a14="http://schemas.microsoft.com/office/drawing/2010/main" w="9525">
+                  <a:solidFill>
+                    <a:srgbClr val="000000"/>
+                  </a:solidFill>
+                  <a:round/>
+                  <a:headEnd/>
+                  <a:tailEnd/>
+                </a14:hiddenLine>
+              </a:ext>
+            </a:extLst>
+          </p:spPr>
+        </p:sp>
+        <p:sp>
+          <p:nvSpPr>
+            <p:cNvPr id="36" name="Freeform 30">
+              <a:extLst>
+                <a:ext uri="{FF2B5EF4-FFF2-40B4-BE49-F238E27FC236}">
+                  <a16:creationId xmlns:a16="http://schemas.microsoft.com/office/drawing/2014/main" id="{352B39BB-F298-4285-A709-1FBA0CB722C9}"/>
+                </a:ext>
+              </a:extLst>
+            </p:cNvPr>
+            <p:cNvSpPr/>
+            <p:nvPr>
+              <p:extLst>
+                <p:ext uri="{386F3935-93C4-4BCD-93E2-E3B085C9AB24}">
+                  <p16:designElem xmlns:p16="http://schemas.microsoft.com/office/powerpoint/2015/main" val="1"/>
+                </p:ext>
+              </p:extLst>
+            </p:nvPr>
+          </p:nvSpPr>
+          <p:spPr bwMode="auto">
+            <a:xfrm>
+              <a:off x="669925" y="6330950"/>
+              <a:ext cx="417513" cy="517525"/>
+            </a:xfrm>
+            <a:custGeom>
+              <a:avLst/>
+              <a:gdLst/>
+              <a:ahLst/>
+              <a:cxnLst/>
+              <a:rect l="0" t="0" r="r" b="b"/>
+              <a:pathLst>
+                <a:path w="263" h="326">
+                  <a:moveTo>
+                    <a:pt x="15" y="326"/>
+                  </a:moveTo>
+                  <a:lnTo>
+                    <a:pt x="0" y="320"/>
+                  </a:lnTo>
+                  <a:lnTo>
+                    <a:pt x="45" y="206"/>
+                  </a:lnTo>
+                  <a:lnTo>
+                    <a:pt x="48" y="206"/>
+                  </a:lnTo>
+                  <a:lnTo>
+                    <a:pt x="254" y="0"/>
+                  </a:lnTo>
+                  <a:lnTo>
+                    <a:pt x="263" y="12"/>
+                  </a:lnTo>
+                  <a:lnTo>
+                    <a:pt x="60" y="215"/>
+                  </a:lnTo>
+                  <a:lnTo>
+                    <a:pt x="15" y="326"/>
+                  </a:lnTo>
+                  <a:close/>
+                </a:path>
+              </a:pathLst>
+            </a:custGeom>
+            <a:grpFill/>
+            <a:ln>
+              <a:noFill/>
+            </a:ln>
+            <a:extLst>
+              <a:ext uri="{91240B29-F687-4f45-9708-019B960494DF}">
+                <a14:hiddenLine xmlns="" xmlns:a16="http://schemas.microsoft.com/office/drawing/2014/main" xmlns:p14="http://schemas.microsoft.com/office/powerpoint/2010/main" xmlns:a14="http://schemas.microsoft.com/office/drawing/2010/main" w="9525">
+                  <a:solidFill>
+                    <a:srgbClr val="000000"/>
+                  </a:solidFill>
+                  <a:round/>
+                  <a:headEnd/>
+                  <a:tailEnd/>
+                </a14:hiddenLine>
+              </a:ext>
+            </a:extLst>
+          </p:spPr>
+        </p:sp>
+        <p:sp>
+          <p:nvSpPr>
+            <p:cNvPr id="37" name="Freeform 31">
+              <a:extLst>
+                <a:ext uri="{FF2B5EF4-FFF2-40B4-BE49-F238E27FC236}">
+                  <a16:creationId xmlns:a16="http://schemas.microsoft.com/office/drawing/2014/main" id="{31CAF2A0-CBA0-4E86-AA87-8750EC1AFB2E}"/>
+                </a:ext>
+              </a:extLst>
+            </p:cNvPr>
+            <p:cNvSpPr>
+              <a:spLocks noEditPoints="1"/>
+            </p:cNvSpPr>
+            <p:nvPr>
+              <p:extLst>
+                <p:ext uri="{386F3935-93C4-4BCD-93E2-E3B085C9AB24}">
+                  <p16:designElem xmlns:p16="http://schemas.microsoft.com/office/powerpoint/2015/main" val="1"/>
+                </p:ext>
+              </p:extLst>
+            </p:nvPr>
+          </p:nvSpPr>
+          <p:spPr bwMode="auto">
+            <a:xfrm>
+              <a:off x="1049337" y="6221413"/>
+              <a:ext cx="157163" cy="147638"/>
+            </a:xfrm>
+            <a:custGeom>
+              <a:avLst/>
+              <a:gdLst/>
+              <a:ahLst/>
+              <a:cxnLst/>
+              <a:rect l="0" t="0" r="r" b="b"/>
+              <a:pathLst>
+                <a:path w="33" h="31">
+                  <a:moveTo>
+                    <a:pt x="16" y="31"/>
+                  </a:moveTo>
+                  <a:cubicBezTo>
+                    <a:pt x="12" y="31"/>
+                    <a:pt x="8" y="29"/>
+                    <a:pt x="5" y="26"/>
+                  </a:cubicBezTo>
+                  <a:cubicBezTo>
+                    <a:pt x="2" y="24"/>
+                    <a:pt x="0" y="20"/>
+                    <a:pt x="0" y="15"/>
+                  </a:cubicBezTo>
+                  <a:cubicBezTo>
+                    <a:pt x="0" y="11"/>
+                    <a:pt x="2" y="7"/>
+                    <a:pt x="5" y="4"/>
+                  </a:cubicBezTo>
+                  <a:cubicBezTo>
+                    <a:pt x="8" y="1"/>
+                    <a:pt x="12" y="0"/>
+                    <a:pt x="16" y="0"/>
+                  </a:cubicBezTo>
+                  <a:cubicBezTo>
+                    <a:pt x="20" y="0"/>
+                    <a:pt x="24" y="1"/>
+                    <a:pt x="27" y="4"/>
+                  </a:cubicBezTo>
+                  <a:cubicBezTo>
+                    <a:pt x="33" y="10"/>
+                    <a:pt x="33" y="20"/>
+                    <a:pt x="27" y="26"/>
+                  </a:cubicBezTo>
+                  <a:cubicBezTo>
+                    <a:pt x="24" y="29"/>
+                    <a:pt x="20" y="31"/>
+                    <a:pt x="16" y="31"/>
+                  </a:cubicBezTo>
+                  <a:close/>
+                  <a:moveTo>
+                    <a:pt x="16" y="4"/>
+                  </a:moveTo>
+                  <a:cubicBezTo>
+                    <a:pt x="13" y="4"/>
+                    <a:pt x="10" y="5"/>
+                    <a:pt x="8" y="7"/>
+                  </a:cubicBezTo>
+                  <a:cubicBezTo>
+                    <a:pt x="6" y="9"/>
+                    <a:pt x="4" y="12"/>
+                    <a:pt x="4" y="15"/>
+                  </a:cubicBezTo>
+                  <a:cubicBezTo>
+                    <a:pt x="4" y="19"/>
+                    <a:pt x="6" y="21"/>
+                    <a:pt x="8" y="24"/>
+                  </a:cubicBezTo>
+                  <a:cubicBezTo>
+                    <a:pt x="10" y="26"/>
+                    <a:pt x="13" y="27"/>
+                    <a:pt x="16" y="27"/>
+                  </a:cubicBezTo>
+                  <a:cubicBezTo>
+                    <a:pt x="19" y="27"/>
+                    <a:pt x="22" y="26"/>
+                    <a:pt x="24" y="24"/>
+                  </a:cubicBezTo>
+                  <a:cubicBezTo>
+                    <a:pt x="29" y="19"/>
+                    <a:pt x="29" y="12"/>
+                    <a:pt x="24" y="7"/>
+                  </a:cubicBezTo>
+                  <a:cubicBezTo>
+                    <a:pt x="22" y="5"/>
+                    <a:pt x="19" y="4"/>
+                    <a:pt x="16" y="4"/>
+                  </a:cubicBezTo>
+                  <a:close/>
+                </a:path>
+              </a:pathLst>
+            </a:custGeom>
+            <a:grpFill/>
+            <a:ln>
+              <a:noFill/>
+            </a:ln>
+            <a:extLst>
+              <a:ext uri="{91240B29-F687-4f45-9708-019B960494DF}">
+                <a14:hiddenLine xmlns="" xmlns:a16="http://schemas.microsoft.com/office/drawing/2014/main" xmlns:p14="http://schemas.microsoft.com/office/powerpoint/2010/main" xmlns:a14="http://schemas.microsoft.com/office/drawing/2010/main" w="9525">
+                  <a:solidFill>
+                    <a:srgbClr val="000000"/>
+                  </a:solidFill>
+                  <a:round/>
+                  <a:headEnd/>
+                  <a:tailEnd/>
+                </a14:hiddenLine>
+              </a:ext>
+            </a:extLst>
+          </p:spPr>
+        </p:sp>
+      </p:grpSp>
+      <p:grpSp>
+        <p:nvGrpSpPr>
+          <p:cNvPr id="39" name="Group 38">
+            <a:extLst>
+              <a:ext uri="{FF2B5EF4-FFF2-40B4-BE49-F238E27FC236}">
+                <a16:creationId xmlns:a16="http://schemas.microsoft.com/office/drawing/2014/main" id="{B485B3F6-654D-4842-A2DE-677D12FED460}"/>
+              </a:ext>
+            </a:extLst>
+          </p:cNvPr>
+          <p:cNvGrpSpPr>
+            <a:grpSpLocks noGrp="1" noUngrp="1" noRot="1" noChangeAspect="1" noMove="1" noResize="1"/>
+          </p:cNvGrpSpPr>
+          <p:nvPr>
+            <p:extLst>
+              <p:ext uri="{386F3935-93C4-4BCD-93E2-E3B085C9AB24}">
+                <p16:designElem xmlns:p16="http://schemas.microsoft.com/office/powerpoint/2015/main" val="1"/>
+              </p:ext>
+            </p:extLst>
+          </p:nvPr>
+        </p:nvGrpSpPr>
+        <p:grpSpPr>
+          <a:xfrm>
+            <a:off x="11364912" y="0"/>
+            <a:ext cx="674688" cy="6848476"/>
+            <a:chOff x="11364912" y="0"/>
+            <a:chExt cx="674688" cy="6848476"/>
+          </a:xfrm>
+          <a:gradFill flip="none" rotWithShape="1">
+            <a:gsLst>
+              <a:gs pos="0">
+                <a:schemeClr val="tx2">
+                  <a:alpha val="60000"/>
+                </a:schemeClr>
+              </a:gs>
+              <a:gs pos="100000">
+                <a:schemeClr val="bg2">
+                  <a:lumMod val="60000"/>
+                  <a:lumOff val="40000"/>
+                  <a:alpha val="60000"/>
+                </a:schemeClr>
+              </a:gs>
+            </a:gsLst>
+            <a:lin ang="5400000" scaled="0"/>
+            <a:tileRect/>
+          </a:gradFill>
+        </p:grpSpPr>
+        <p:sp>
+          <p:nvSpPr>
+            <p:cNvPr id="40" name="Freeform 32">
+              <a:extLst>
+                <a:ext uri="{FF2B5EF4-FFF2-40B4-BE49-F238E27FC236}">
+                  <a16:creationId xmlns:a16="http://schemas.microsoft.com/office/drawing/2014/main" id="{BF4365F4-C63C-4FC2-907B-1F7D414B95E7}"/>
+                </a:ext>
+              </a:extLst>
+            </p:cNvPr>
+            <p:cNvSpPr/>
+            <p:nvPr>
+              <p:extLst>
+                <p:ext uri="{386F3935-93C4-4BCD-93E2-E3B085C9AB24}">
+                  <p16:designElem xmlns:p16="http://schemas.microsoft.com/office/powerpoint/2015/main" val="1"/>
+                </p:ext>
+              </p:extLst>
+            </p:nvPr>
+          </p:nvSpPr>
+          <p:spPr bwMode="auto">
+            <a:xfrm>
+              <a:off x="11483975" y="0"/>
+              <a:ext cx="417513" cy="512763"/>
+            </a:xfrm>
+            <a:custGeom>
+              <a:avLst/>
+              <a:gdLst/>
+              <a:ahLst/>
+              <a:cxnLst/>
+              <a:rect l="0" t="0" r="r" b="b"/>
+              <a:pathLst>
+                <a:path w="263" h="323">
+                  <a:moveTo>
+                    <a:pt x="12" y="323"/>
+                  </a:moveTo>
+                  <a:lnTo>
+                    <a:pt x="0" y="314"/>
+                  </a:lnTo>
+                  <a:lnTo>
+                    <a:pt x="203" y="108"/>
+                  </a:lnTo>
+                  <a:lnTo>
+                    <a:pt x="248" y="0"/>
+                  </a:lnTo>
+                  <a:lnTo>
+                    <a:pt x="263" y="6"/>
+                  </a:lnTo>
+                  <a:lnTo>
+                    <a:pt x="218" y="117"/>
+                  </a:lnTo>
+                  <a:lnTo>
+                    <a:pt x="218" y="117"/>
+                  </a:lnTo>
+                  <a:lnTo>
+                    <a:pt x="12" y="323"/>
+                  </a:lnTo>
+                  <a:close/>
+                </a:path>
+              </a:pathLst>
+            </a:custGeom>
+            <a:grpFill/>
+            <a:ln>
+              <a:noFill/>
+            </a:ln>
+            <a:extLst>
+              <a:ext uri="{91240B29-F687-4f45-9708-019B960494DF}">
+                <a14:hiddenLine xmlns="" xmlns:a16="http://schemas.microsoft.com/office/drawing/2014/main" xmlns:p14="http://schemas.microsoft.com/office/powerpoint/2010/main" xmlns:a14="http://schemas.microsoft.com/office/drawing/2010/main" w="9525">
+                  <a:solidFill>
+                    <a:srgbClr val="000000"/>
+                  </a:solidFill>
+                  <a:round/>
+                  <a:headEnd/>
+                  <a:tailEnd/>
+                </a14:hiddenLine>
+              </a:ext>
+            </a:extLst>
+          </p:spPr>
+        </p:sp>
+        <p:sp>
+          <p:nvSpPr>
+            <p:cNvPr id="41" name="Freeform 33">
+              <a:extLst>
+                <a:ext uri="{FF2B5EF4-FFF2-40B4-BE49-F238E27FC236}">
+                  <a16:creationId xmlns:a16="http://schemas.microsoft.com/office/drawing/2014/main" id="{B0538225-01AB-41C4-9A02-FE1BD81D6277}"/>
+                </a:ext>
+              </a:extLst>
+            </p:cNvPr>
+            <p:cNvSpPr>
+              <a:spLocks noEditPoints="1"/>
+            </p:cNvSpPr>
+            <p:nvPr>
+              <p:extLst>
+                <p:ext uri="{386F3935-93C4-4BCD-93E2-E3B085C9AB24}">
+                  <p16:designElem xmlns:p16="http://schemas.microsoft.com/office/powerpoint/2015/main" val="1"/>
+                </p:ext>
+              </p:extLst>
+            </p:nvPr>
+          </p:nvSpPr>
+          <p:spPr bwMode="auto">
+            <a:xfrm>
+              <a:off x="11364912" y="474663"/>
+              <a:ext cx="157163" cy="152400"/>
+            </a:xfrm>
+            <a:custGeom>
+              <a:avLst/>
+              <a:gdLst/>
+              <a:ahLst/>
+              <a:cxnLst/>
+              <a:rect l="0" t="0" r="r" b="b"/>
+              <a:pathLst>
+                <a:path w="33" h="32">
+                  <a:moveTo>
+                    <a:pt x="17" y="32"/>
+                  </a:moveTo>
+                  <a:cubicBezTo>
+                    <a:pt x="13" y="32"/>
+                    <a:pt x="9" y="30"/>
+                    <a:pt x="6" y="27"/>
+                  </a:cubicBezTo>
+                  <a:cubicBezTo>
+                    <a:pt x="0" y="21"/>
+                    <a:pt x="0" y="11"/>
+                    <a:pt x="6" y="5"/>
+                  </a:cubicBezTo>
+                  <a:cubicBezTo>
+                    <a:pt x="9" y="2"/>
+                    <a:pt x="13" y="0"/>
+                    <a:pt x="17" y="0"/>
+                  </a:cubicBezTo>
+                  <a:cubicBezTo>
+                    <a:pt x="21" y="0"/>
+                    <a:pt x="25" y="2"/>
+                    <a:pt x="28" y="5"/>
+                  </a:cubicBezTo>
+                  <a:cubicBezTo>
+                    <a:pt x="31" y="8"/>
+                    <a:pt x="33" y="12"/>
+                    <a:pt x="33" y="16"/>
+                  </a:cubicBezTo>
+                  <a:cubicBezTo>
+                    <a:pt x="33" y="20"/>
+                    <a:pt x="31" y="24"/>
+                    <a:pt x="28" y="27"/>
+                  </a:cubicBezTo>
+                  <a:cubicBezTo>
+                    <a:pt x="25" y="30"/>
+                    <a:pt x="21" y="32"/>
+                    <a:pt x="17" y="32"/>
+                  </a:cubicBezTo>
+                  <a:close/>
+                  <a:moveTo>
+                    <a:pt x="17" y="4"/>
+                  </a:moveTo>
+                  <a:cubicBezTo>
+                    <a:pt x="14" y="4"/>
+                    <a:pt x="11" y="6"/>
+                    <a:pt x="9" y="8"/>
+                  </a:cubicBezTo>
+                  <a:cubicBezTo>
+                    <a:pt x="4" y="12"/>
+                    <a:pt x="4" y="20"/>
+                    <a:pt x="9" y="24"/>
+                  </a:cubicBezTo>
+                  <a:cubicBezTo>
+                    <a:pt x="11" y="27"/>
+                    <a:pt x="14" y="28"/>
+                    <a:pt x="17" y="28"/>
+                  </a:cubicBezTo>
+                  <a:cubicBezTo>
+                    <a:pt x="20" y="28"/>
+                    <a:pt x="23" y="27"/>
+                    <a:pt x="26" y="24"/>
+                  </a:cubicBezTo>
+                  <a:cubicBezTo>
+                    <a:pt x="30" y="20"/>
+                    <a:pt x="30" y="12"/>
+                    <a:pt x="26" y="8"/>
+                  </a:cubicBezTo>
+                  <a:cubicBezTo>
+                    <a:pt x="23" y="6"/>
+                    <a:pt x="20" y="4"/>
+                    <a:pt x="17" y="4"/>
+                  </a:cubicBezTo>
+                  <a:close/>
+                </a:path>
+              </a:pathLst>
+            </a:custGeom>
+            <a:grpFill/>
+            <a:ln>
+              <a:noFill/>
+            </a:ln>
+            <a:extLst>
+              <a:ext uri="{91240B29-F687-4f45-9708-019B960494DF}">
+                <a14:hiddenLine xmlns="" xmlns:a16="http://schemas.microsoft.com/office/drawing/2014/main" xmlns:p14="http://schemas.microsoft.com/office/powerpoint/2010/main" xmlns:a14="http://schemas.microsoft.com/office/drawing/2010/main" w="9525">
+                  <a:solidFill>
+                    <a:srgbClr val="000000"/>
+                  </a:solidFill>
+                  <a:round/>
+                  <a:headEnd/>
+                  <a:tailEnd/>
+                </a14:hiddenLine>
+              </a:ext>
+            </a:extLst>
+          </p:spPr>
+        </p:sp>
+        <p:sp>
+          <p:nvSpPr>
+            <p:cNvPr id="42" name="Freeform 34">
+              <a:extLst>
+                <a:ext uri="{FF2B5EF4-FFF2-40B4-BE49-F238E27FC236}">
+                  <a16:creationId xmlns:a16="http://schemas.microsoft.com/office/drawing/2014/main" id="{66942F07-D7CC-49EB-BF73-8B94D5F4FCB9}"/>
+                </a:ext>
+              </a:extLst>
+            </p:cNvPr>
+            <p:cNvSpPr>
+              <a:spLocks noEditPoints="1"/>
+            </p:cNvSpPr>
+            <p:nvPr>
+              <p:extLst>
+                <p:ext uri="{386F3935-93C4-4BCD-93E2-E3B085C9AB24}">
+                  <p16:designElem xmlns:p16="http://schemas.microsoft.com/office/powerpoint/2015/main" val="1"/>
+                </p:ext>
+              </p:extLst>
+            </p:nvPr>
+          </p:nvSpPr>
+          <p:spPr bwMode="auto">
+            <a:xfrm>
+              <a:off x="11631612" y="1539875"/>
+              <a:ext cx="188913" cy="190500"/>
+            </a:xfrm>
+            <a:custGeom>
+              <a:avLst/>
+              <a:gdLst/>
+              <a:ahLst/>
+              <a:cxnLst/>
+              <a:rect l="0" t="0" r="r" b="b"/>
+              <a:pathLst>
+                <a:path w="40" h="40">
+                  <a:moveTo>
+                    <a:pt x="20" y="40"/>
+                  </a:moveTo>
+                  <a:cubicBezTo>
+                    <a:pt x="9" y="40"/>
+                    <a:pt x="0" y="31"/>
+                    <a:pt x="0" y="20"/>
+                  </a:cubicBezTo>
+                  <a:cubicBezTo>
+                    <a:pt x="0" y="9"/>
+                    <a:pt x="9" y="0"/>
+                    <a:pt x="20" y="0"/>
+                  </a:cubicBezTo>
+                  <a:cubicBezTo>
+                    <a:pt x="31" y="0"/>
+                    <a:pt x="40" y="9"/>
+                    <a:pt x="40" y="20"/>
+                  </a:cubicBezTo>
+                  <a:cubicBezTo>
+                    <a:pt x="40" y="31"/>
+                    <a:pt x="31" y="40"/>
+                    <a:pt x="20" y="40"/>
+                  </a:cubicBezTo>
+                  <a:close/>
+                  <a:moveTo>
+                    <a:pt x="20" y="4"/>
+                  </a:moveTo>
+                  <a:cubicBezTo>
+                    <a:pt x="11" y="4"/>
+                    <a:pt x="4" y="11"/>
+                    <a:pt x="4" y="20"/>
+                  </a:cubicBezTo>
+                  <a:cubicBezTo>
+                    <a:pt x="4" y="29"/>
+                    <a:pt x="11" y="36"/>
+                    <a:pt x="20" y="36"/>
+                  </a:cubicBezTo>
+                  <a:cubicBezTo>
+                    <a:pt x="29" y="36"/>
+                    <a:pt x="36" y="29"/>
+                    <a:pt x="36" y="20"/>
+                  </a:cubicBezTo>
+                  <a:cubicBezTo>
+                    <a:pt x="36" y="11"/>
+                    <a:pt x="29" y="4"/>
+                    <a:pt x="20" y="4"/>
+                  </a:cubicBezTo>
+                  <a:close/>
+                </a:path>
+              </a:pathLst>
+            </a:custGeom>
+            <a:grpFill/>
+            <a:ln>
+              <a:noFill/>
+            </a:ln>
+            <a:extLst>
+              <a:ext uri="{91240B29-F687-4f45-9708-019B960494DF}">
+                <a14:hiddenLine xmlns="" xmlns:a16="http://schemas.microsoft.com/office/drawing/2014/main" xmlns:p14="http://schemas.microsoft.com/office/powerpoint/2010/main" xmlns:a14="http://schemas.microsoft.com/office/drawing/2010/main" w="9525">
+                  <a:solidFill>
+                    <a:srgbClr val="000000"/>
+                  </a:solidFill>
+                  <a:round/>
+                  <a:headEnd/>
+                  <a:tailEnd/>
+                </a14:hiddenLine>
+              </a:ext>
+            </a:extLst>
+          </p:spPr>
+        </p:sp>
+        <p:sp>
+          <p:nvSpPr>
+            <p:cNvPr id="43" name="Freeform 35">
+              <a:extLst>
+                <a:ext uri="{FF2B5EF4-FFF2-40B4-BE49-F238E27FC236}">
+                  <a16:creationId xmlns:a16="http://schemas.microsoft.com/office/drawing/2014/main" id="{4D3CACE0-3AC7-4A9F-9A3F-1694ACCD4795}"/>
+                </a:ext>
+              </a:extLst>
+            </p:cNvPr>
+            <p:cNvSpPr/>
+            <p:nvPr>
+              <p:extLst>
+                <p:ext uri="{386F3935-93C4-4BCD-93E2-E3B085C9AB24}">
+                  <p16:designElem xmlns:p16="http://schemas.microsoft.com/office/powerpoint/2015/main" val="1"/>
+                </p:ext>
+              </p:extLst>
+            </p:nvPr>
+          </p:nvSpPr>
+          <p:spPr bwMode="auto">
+            <a:xfrm>
+              <a:off x="11531600" y="5694363"/>
+              <a:ext cx="298450" cy="1154113"/>
+            </a:xfrm>
+            <a:custGeom>
+              <a:avLst/>
+              <a:gdLst/>
+              <a:ahLst/>
+              <a:cxnLst/>
+              <a:rect l="0" t="0" r="r" b="b"/>
+              <a:pathLst>
+                <a:path w="188" h="727">
+                  <a:moveTo>
+                    <a:pt x="15" y="727"/>
+                  </a:moveTo>
+                  <a:lnTo>
+                    <a:pt x="0" y="727"/>
+                  </a:lnTo>
+                  <a:lnTo>
+                    <a:pt x="0" y="407"/>
+                  </a:lnTo>
+                  <a:lnTo>
+                    <a:pt x="0" y="407"/>
+                  </a:lnTo>
+                  <a:lnTo>
+                    <a:pt x="176" y="0"/>
+                  </a:lnTo>
+                  <a:lnTo>
+                    <a:pt x="188" y="6"/>
+                  </a:lnTo>
+                  <a:lnTo>
+                    <a:pt x="15" y="410"/>
+                  </a:lnTo>
+                  <a:lnTo>
+                    <a:pt x="15" y="727"/>
+                  </a:lnTo>
+                  <a:close/>
+                </a:path>
+              </a:pathLst>
+            </a:custGeom>
+            <a:grpFill/>
+            <a:ln>
+              <a:noFill/>
+            </a:ln>
+            <a:extLst>
+              <a:ext uri="{91240B29-F687-4f45-9708-019B960494DF}">
+                <a14:hiddenLine xmlns="" xmlns:a16="http://schemas.microsoft.com/office/drawing/2014/main" xmlns:p14="http://schemas.microsoft.com/office/powerpoint/2010/main" xmlns:a14="http://schemas.microsoft.com/office/drawing/2010/main" w="9525">
+                  <a:solidFill>
+                    <a:srgbClr val="000000"/>
+                  </a:solidFill>
+                  <a:round/>
+                  <a:headEnd/>
+                  <a:tailEnd/>
+                </a14:hiddenLine>
+              </a:ext>
+            </a:extLst>
+          </p:spPr>
+        </p:sp>
+        <p:sp>
+          <p:nvSpPr>
+            <p:cNvPr id="44" name="Freeform 36">
+              <a:extLst>
+                <a:ext uri="{FF2B5EF4-FFF2-40B4-BE49-F238E27FC236}">
+                  <a16:creationId xmlns:a16="http://schemas.microsoft.com/office/drawing/2014/main" id="{19063B47-FBFB-4EA1-A3FB-BECE005F48B1}"/>
+                </a:ext>
+              </a:extLst>
+            </p:cNvPr>
+            <p:cNvSpPr>
+              <a:spLocks noEditPoints="1"/>
+            </p:cNvSpPr>
+            <p:nvPr>
+              <p:extLst>
+                <p:ext uri="{386F3935-93C4-4BCD-93E2-E3B085C9AB24}">
+                  <p16:designElem xmlns:p16="http://schemas.microsoft.com/office/powerpoint/2015/main" val="1"/>
+                </p:ext>
+              </p:extLst>
+            </p:nvPr>
+          </p:nvSpPr>
+          <p:spPr bwMode="auto">
+            <a:xfrm>
+              <a:off x="11772900" y="5551488"/>
+              <a:ext cx="157163" cy="155575"/>
+            </a:xfrm>
+            <a:custGeom>
+              <a:avLst/>
+              <a:gdLst/>
+              <a:ahLst/>
+              <a:cxnLst/>
+              <a:rect l="0" t="0" r="r" b="b"/>
+              <a:pathLst>
+                <a:path w="33" h="33">
+                  <a:moveTo>
+                    <a:pt x="17" y="33"/>
+                  </a:moveTo>
+                  <a:cubicBezTo>
+                    <a:pt x="8" y="33"/>
+                    <a:pt x="0" y="25"/>
+                    <a:pt x="0" y="16"/>
+                  </a:cubicBezTo>
+                  <a:cubicBezTo>
+                    <a:pt x="0" y="7"/>
+                    <a:pt x="8" y="0"/>
+                    <a:pt x="17" y="0"/>
+                  </a:cubicBezTo>
+                  <a:cubicBezTo>
+                    <a:pt x="26" y="0"/>
+                    <a:pt x="33" y="7"/>
+                    <a:pt x="33" y="16"/>
+                  </a:cubicBezTo>
+                  <a:cubicBezTo>
+                    <a:pt x="33" y="25"/>
+                    <a:pt x="26" y="33"/>
+                    <a:pt x="17" y="33"/>
+                  </a:cubicBezTo>
+                  <a:close/>
+                  <a:moveTo>
+                    <a:pt x="17" y="4"/>
+                  </a:moveTo>
+                  <a:cubicBezTo>
+                    <a:pt x="10" y="4"/>
+                    <a:pt x="4" y="9"/>
+                    <a:pt x="4" y="16"/>
+                  </a:cubicBezTo>
+                  <a:cubicBezTo>
+                    <a:pt x="4" y="23"/>
+                    <a:pt x="10" y="29"/>
+                    <a:pt x="17" y="29"/>
+                  </a:cubicBezTo>
+                  <a:cubicBezTo>
+                    <a:pt x="23" y="29"/>
+                    <a:pt x="29" y="23"/>
+                    <a:pt x="29" y="16"/>
+                  </a:cubicBezTo>
+                  <a:cubicBezTo>
+                    <a:pt x="29" y="9"/>
+                    <a:pt x="23" y="4"/>
+                    <a:pt x="17" y="4"/>
+                  </a:cubicBezTo>
+                  <a:close/>
+                </a:path>
+              </a:pathLst>
+            </a:custGeom>
+            <a:grpFill/>
+            <a:ln>
+              <a:noFill/>
+            </a:ln>
+            <a:extLst>
+              <a:ext uri="{91240B29-F687-4f45-9708-019B960494DF}">
+                <a14:hiddenLine xmlns="" xmlns:a16="http://schemas.microsoft.com/office/drawing/2014/main" xmlns:p14="http://schemas.microsoft.com/office/powerpoint/2010/main" xmlns:a14="http://schemas.microsoft.com/office/drawing/2010/main" w="9525">
+                  <a:solidFill>
+                    <a:srgbClr val="000000"/>
+                  </a:solidFill>
+                  <a:round/>
+                  <a:headEnd/>
+                  <a:tailEnd/>
+                </a14:hiddenLine>
+              </a:ext>
+            </a:extLst>
+          </p:spPr>
+        </p:sp>
+        <p:sp>
+          <p:nvSpPr>
+            <p:cNvPr id="45" name="Freeform 37">
+              <a:extLst>
+                <a:ext uri="{FF2B5EF4-FFF2-40B4-BE49-F238E27FC236}">
+                  <a16:creationId xmlns:a16="http://schemas.microsoft.com/office/drawing/2014/main" id="{B856863B-C809-4C31-94D0-659A9185130E}"/>
+                </a:ext>
+              </a:extLst>
+            </p:cNvPr>
+            <p:cNvSpPr/>
+            <p:nvPr>
+              <p:extLst>
+                <p:ext uri="{386F3935-93C4-4BCD-93E2-E3B085C9AB24}">
+                  <p16:designElem xmlns:p16="http://schemas.microsoft.com/office/powerpoint/2015/main" val="1"/>
+                </p:ext>
+              </p:extLst>
+            </p:nvPr>
+          </p:nvSpPr>
+          <p:spPr bwMode="auto">
+            <a:xfrm>
+              <a:off x="11710987" y="4763"/>
+              <a:ext cx="304800" cy="1544638"/>
+            </a:xfrm>
+            <a:custGeom>
+              <a:avLst/>
+              <a:gdLst/>
+              <a:ahLst/>
+              <a:cxnLst/>
+              <a:rect l="0" t="0" r="r" b="b"/>
+              <a:pathLst>
+                <a:path w="192" h="973">
+                  <a:moveTo>
+                    <a:pt x="15" y="973"/>
+                  </a:moveTo>
+                  <a:lnTo>
+                    <a:pt x="0" y="973"/>
+                  </a:lnTo>
+                  <a:lnTo>
+                    <a:pt x="0" y="790"/>
+                  </a:lnTo>
+                  <a:lnTo>
+                    <a:pt x="174" y="614"/>
+                  </a:lnTo>
+                  <a:lnTo>
+                    <a:pt x="174" y="0"/>
+                  </a:lnTo>
+                  <a:lnTo>
+                    <a:pt x="192" y="0"/>
+                  </a:lnTo>
+                  <a:lnTo>
+                    <a:pt x="192" y="620"/>
+                  </a:lnTo>
+                  <a:lnTo>
+                    <a:pt x="15" y="796"/>
+                  </a:lnTo>
+                  <a:lnTo>
+                    <a:pt x="15" y="973"/>
+                  </a:lnTo>
+                  <a:close/>
+                </a:path>
+              </a:pathLst>
+            </a:custGeom>
+            <a:grpFill/>
+            <a:ln>
+              <a:noFill/>
+            </a:ln>
+            <a:extLst>
+              <a:ext uri="{91240B29-F687-4f45-9708-019B960494DF}">
+                <a14:hiddenLine xmlns="" xmlns:a16="http://schemas.microsoft.com/office/drawing/2014/main" xmlns:p14="http://schemas.microsoft.com/office/powerpoint/2010/main" xmlns:a14="http://schemas.microsoft.com/office/drawing/2010/main" w="9525">
+                  <a:solidFill>
+                    <a:srgbClr val="000000"/>
+                  </a:solidFill>
+                  <a:round/>
+                  <a:headEnd/>
+                  <a:tailEnd/>
+                </a14:hiddenLine>
+              </a:ext>
+            </a:extLst>
+          </p:spPr>
+        </p:sp>
+        <p:sp>
+          <p:nvSpPr>
+            <p:cNvPr id="46" name="Freeform 38">
+              <a:extLst>
+                <a:ext uri="{FF2B5EF4-FFF2-40B4-BE49-F238E27FC236}">
+                  <a16:creationId xmlns:a16="http://schemas.microsoft.com/office/drawing/2014/main" id="{298CB3D7-7373-4AC6-9E2C-4AFDDE28023C}"/>
+                </a:ext>
+              </a:extLst>
+            </p:cNvPr>
+            <p:cNvSpPr>
+              <a:spLocks noEditPoints="1"/>
+            </p:cNvSpPr>
+            <p:nvPr>
+              <p:extLst>
+                <p:ext uri="{386F3935-93C4-4BCD-93E2-E3B085C9AB24}">
+                  <p16:designElem xmlns:p16="http://schemas.microsoft.com/office/powerpoint/2015/main" val="1"/>
+                </p:ext>
+              </p:extLst>
+            </p:nvPr>
+          </p:nvSpPr>
+          <p:spPr bwMode="auto">
+            <a:xfrm>
+              <a:off x="11636375" y="4867275"/>
+              <a:ext cx="188913" cy="188913"/>
+            </a:xfrm>
+            <a:custGeom>
+              <a:avLst/>
+              <a:gdLst/>
+              <a:ahLst/>
+              <a:cxnLst/>
+              <a:rect l="0" t="0" r="r" b="b"/>
+              <a:pathLst>
+                <a:path w="40" h="40">
+                  <a:moveTo>
+                    <a:pt x="20" y="40"/>
+                  </a:moveTo>
+                  <a:cubicBezTo>
+                    <a:pt x="9" y="40"/>
+                    <a:pt x="0" y="31"/>
+                    <a:pt x="0" y="20"/>
+                  </a:cubicBezTo>
+                  <a:cubicBezTo>
+                    <a:pt x="0" y="9"/>
+                    <a:pt x="9" y="0"/>
+                    <a:pt x="20" y="0"/>
+                  </a:cubicBezTo>
+                  <a:cubicBezTo>
+                    <a:pt x="31" y="0"/>
+                    <a:pt x="40" y="9"/>
+                    <a:pt x="40" y="20"/>
+                  </a:cubicBezTo>
+                  <a:cubicBezTo>
+                    <a:pt x="40" y="31"/>
+                    <a:pt x="31" y="40"/>
+                    <a:pt x="20" y="40"/>
+                  </a:cubicBezTo>
+                  <a:close/>
+                  <a:moveTo>
+                    <a:pt x="20" y="4"/>
+                  </a:moveTo>
+                  <a:cubicBezTo>
+                    <a:pt x="11" y="4"/>
+                    <a:pt x="4" y="11"/>
+                    <a:pt x="4" y="20"/>
+                  </a:cubicBezTo>
+                  <a:cubicBezTo>
+                    <a:pt x="4" y="29"/>
+                    <a:pt x="11" y="36"/>
+                    <a:pt x="20" y="36"/>
+                  </a:cubicBezTo>
+                  <a:cubicBezTo>
+                    <a:pt x="29" y="36"/>
+                    <a:pt x="36" y="29"/>
+                    <a:pt x="36" y="20"/>
+                  </a:cubicBezTo>
+                  <a:cubicBezTo>
+                    <a:pt x="36" y="11"/>
+                    <a:pt x="29" y="4"/>
+                    <a:pt x="20" y="4"/>
+                  </a:cubicBezTo>
+                  <a:close/>
+                </a:path>
+              </a:pathLst>
+            </a:custGeom>
+            <a:grpFill/>
+            <a:ln>
+              <a:noFill/>
+            </a:ln>
+            <a:extLst>
+              <a:ext uri="{91240B29-F687-4f45-9708-019B960494DF}">
+                <a14:hiddenLine xmlns="" xmlns:a16="http://schemas.microsoft.com/office/drawing/2014/main" xmlns:p14="http://schemas.microsoft.com/office/powerpoint/2010/main" xmlns:a14="http://schemas.microsoft.com/office/drawing/2010/main" w="9525">
+                  <a:solidFill>
+                    <a:srgbClr val="000000"/>
+                  </a:solidFill>
+                  <a:round/>
+                  <a:headEnd/>
+                  <a:tailEnd/>
+                </a14:hiddenLine>
+              </a:ext>
+            </a:extLst>
+          </p:spPr>
+        </p:sp>
+        <p:sp>
+          <p:nvSpPr>
+            <p:cNvPr id="47" name="Freeform 39">
+              <a:extLst>
+                <a:ext uri="{FF2B5EF4-FFF2-40B4-BE49-F238E27FC236}">
+                  <a16:creationId xmlns:a16="http://schemas.microsoft.com/office/drawing/2014/main" id="{7DE09F1B-2326-4ED3-B63B-A30815DDEC88}"/>
+                </a:ext>
+              </a:extLst>
+            </p:cNvPr>
+            <p:cNvSpPr/>
+            <p:nvPr>
+              <p:extLst>
+                <p:ext uri="{386F3935-93C4-4BCD-93E2-E3B085C9AB24}">
+                  <p16:designElem xmlns:p16="http://schemas.microsoft.com/office/powerpoint/2015/main" val="1"/>
+                </p:ext>
+              </p:extLst>
+            </p:nvPr>
+          </p:nvSpPr>
+          <p:spPr bwMode="auto">
+            <a:xfrm>
+              <a:off x="11441112" y="5046663"/>
+              <a:ext cx="307975" cy="1801813"/>
+            </a:xfrm>
+            <a:custGeom>
+              <a:avLst/>
+              <a:gdLst/>
+              <a:ahLst/>
+              <a:cxnLst/>
+              <a:rect l="0" t="0" r="r" b="b"/>
+              <a:pathLst>
+                <a:path w="194" h="1135">
+                  <a:moveTo>
+                    <a:pt x="18" y="1135"/>
+                  </a:moveTo>
+                  <a:lnTo>
+                    <a:pt x="0" y="1135"/>
+                  </a:lnTo>
+                  <a:lnTo>
+                    <a:pt x="0" y="354"/>
+                  </a:lnTo>
+                  <a:lnTo>
+                    <a:pt x="176" y="177"/>
+                  </a:lnTo>
+                  <a:lnTo>
+                    <a:pt x="176" y="0"/>
+                  </a:lnTo>
+                  <a:lnTo>
+                    <a:pt x="194" y="0"/>
+                  </a:lnTo>
+                  <a:lnTo>
+                    <a:pt x="194" y="183"/>
+                  </a:lnTo>
+                  <a:lnTo>
+                    <a:pt x="18" y="360"/>
+                  </a:lnTo>
+                  <a:lnTo>
+                    <a:pt x="18" y="1135"/>
+                  </a:lnTo>
+                  <a:close/>
+                </a:path>
+              </a:pathLst>
+            </a:custGeom>
+            <a:grpFill/>
+            <a:ln>
+              <a:noFill/>
+            </a:ln>
+            <a:extLst>
+              <a:ext uri="{91240B29-F687-4f45-9708-019B960494DF}">
+                <a14:hiddenLine xmlns="" xmlns:a16="http://schemas.microsoft.com/office/drawing/2014/main" xmlns:p14="http://schemas.microsoft.com/office/powerpoint/2010/main" xmlns:a14="http://schemas.microsoft.com/office/drawing/2010/main" w="9525">
+                  <a:solidFill>
+                    <a:srgbClr val="000000"/>
+                  </a:solidFill>
+                  <a:round/>
+                  <a:headEnd/>
+                  <a:tailEnd/>
+                </a14:hiddenLine>
+              </a:ext>
+            </a:extLst>
+          </p:spPr>
+        </p:sp>
+        <p:sp>
+          <p:nvSpPr>
+            <p:cNvPr id="48" name="Freeform 40">
+              <a:extLst>
+                <a:ext uri="{FF2B5EF4-FFF2-40B4-BE49-F238E27FC236}">
+                  <a16:creationId xmlns:a16="http://schemas.microsoft.com/office/drawing/2014/main" id="{2498F244-3CE6-4D90-B5CF-5189DB17D0D3}"/>
+                </a:ext>
+              </a:extLst>
+            </p:cNvPr>
+            <p:cNvSpPr>
+              <a:spLocks noEditPoints="1"/>
+            </p:cNvSpPr>
+            <p:nvPr>
+              <p:extLst>
+                <p:ext uri="{386F3935-93C4-4BCD-93E2-E3B085C9AB24}">
+                  <p16:designElem xmlns:p16="http://schemas.microsoft.com/office/powerpoint/2015/main" val="1"/>
+                </p:ext>
+              </p:extLst>
+            </p:nvPr>
+          </p:nvSpPr>
+          <p:spPr bwMode="auto">
+            <a:xfrm>
+              <a:off x="11849100" y="6416675"/>
+              <a:ext cx="190500" cy="188913"/>
+            </a:xfrm>
+            <a:custGeom>
+              <a:avLst/>
+              <a:gdLst/>
+              <a:ahLst/>
+              <a:cxnLst/>
+              <a:rect l="0" t="0" r="r" b="b"/>
+              <a:pathLst>
+                <a:path w="40" h="40">
+                  <a:moveTo>
+                    <a:pt x="20" y="40"/>
+                  </a:moveTo>
+                  <a:cubicBezTo>
+                    <a:pt x="9" y="40"/>
+                    <a:pt x="0" y="31"/>
+                    <a:pt x="0" y="20"/>
+                  </a:cubicBezTo>
+                  <a:cubicBezTo>
+                    <a:pt x="0" y="9"/>
+                    <a:pt x="9" y="0"/>
+                    <a:pt x="20" y="0"/>
+                  </a:cubicBezTo>
+                  <a:cubicBezTo>
+                    <a:pt x="31" y="0"/>
+                    <a:pt x="40" y="9"/>
+                    <a:pt x="40" y="20"/>
+                  </a:cubicBezTo>
+                  <a:cubicBezTo>
+                    <a:pt x="40" y="31"/>
+                    <a:pt x="31" y="40"/>
+                    <a:pt x="20" y="40"/>
+                  </a:cubicBezTo>
+                  <a:close/>
+                  <a:moveTo>
+                    <a:pt x="20" y="4"/>
+                  </a:moveTo>
+                  <a:cubicBezTo>
+                    <a:pt x="12" y="4"/>
+                    <a:pt x="4" y="11"/>
+                    <a:pt x="4" y="20"/>
+                  </a:cubicBezTo>
+                  <a:cubicBezTo>
+                    <a:pt x="4" y="29"/>
+                    <a:pt x="12" y="36"/>
+                    <a:pt x="20" y="36"/>
+                  </a:cubicBezTo>
+                  <a:cubicBezTo>
+                    <a:pt x="29" y="36"/>
+                    <a:pt x="36" y="29"/>
+                    <a:pt x="36" y="20"/>
+                  </a:cubicBezTo>
+                  <a:cubicBezTo>
+                    <a:pt x="36" y="11"/>
+                    <a:pt x="29" y="4"/>
+                    <a:pt x="20" y="4"/>
+                  </a:cubicBezTo>
+                  <a:close/>
+                </a:path>
+              </a:pathLst>
+            </a:custGeom>
+            <a:grpFill/>
+            <a:ln>
+              <a:noFill/>
+            </a:ln>
+            <a:extLst>
+              <a:ext uri="{91240B29-F687-4f45-9708-019B960494DF}">
+                <a14:hiddenLine xmlns="" xmlns:a16="http://schemas.microsoft.com/office/drawing/2014/main" xmlns:p14="http://schemas.microsoft.com/office/powerpoint/2010/main" xmlns:a14="http://schemas.microsoft.com/office/drawing/2010/main" w="9525">
+                  <a:solidFill>
+                    <a:srgbClr val="000000"/>
+                  </a:solidFill>
+                  <a:round/>
+                  <a:headEnd/>
+                  <a:tailEnd/>
+                </a14:hiddenLine>
+              </a:ext>
+            </a:extLst>
+          </p:spPr>
+        </p:sp>
+        <p:sp>
+          <p:nvSpPr>
+            <p:cNvPr id="49" name="Rectangle 41">
+              <a:extLst>
+                <a:ext uri="{FF2B5EF4-FFF2-40B4-BE49-F238E27FC236}">
+                  <a16:creationId xmlns:a16="http://schemas.microsoft.com/office/drawing/2014/main" id="{9A30DD13-FA10-4B9F-8B4D-97B7287B82F9}"/>
+                </a:ext>
+              </a:extLst>
+            </p:cNvPr>
+            <p:cNvSpPr>
+              <a:spLocks noChangeArrowheads="1"/>
+            </p:cNvSpPr>
+            <p:nvPr>
+              <p:extLst>
+                <p:ext uri="{386F3935-93C4-4BCD-93E2-E3B085C9AB24}">
+                  <p16:designElem xmlns:p16="http://schemas.microsoft.com/office/powerpoint/2015/main" val="1"/>
+                </p:ext>
+              </p:extLst>
+            </p:nvPr>
+          </p:nvSpPr>
+          <p:spPr bwMode="auto">
+            <a:xfrm>
+              <a:off x="11939587" y="6596063"/>
+              <a:ext cx="23813" cy="252413"/>
+            </a:xfrm>
+            <a:prstGeom prst="rect">
+              <a:avLst/>
+            </a:prstGeom>
+            <a:grpFill/>
+            <a:ln>
+              <a:noFill/>
+            </a:ln>
+            <a:extLst>
+              <a:ext uri="{91240B29-F687-4f45-9708-019B960494DF}">
+                <a14:hiddenLine xmlns="" xmlns:a16="http://schemas.microsoft.com/office/drawing/2014/main" xmlns:p14="http://schemas.microsoft.com/office/powerpoint/2010/main" xmlns:a14="http://schemas.microsoft.com/office/drawing/2010/main" w="9525">
+                  <a:solidFill>
+                    <a:srgbClr val="000000"/>
+                  </a:solidFill>
+                  <a:miter lim="800000"/>
+                  <a:headEnd/>
+                  <a:tailEnd/>
+                </a14:hiddenLine>
+              </a:ext>
+            </a:extLst>
+          </p:spPr>
+        </p:sp>
+      </p:grpSp>
+      <p:sp>
+        <p:nvSpPr>
+          <p:cNvPr id="2" name="Titre 1">
+            <a:extLst>
+              <a:ext uri="{FF2B5EF4-FFF2-40B4-BE49-F238E27FC236}">
+                <a16:creationId xmlns:a16="http://schemas.microsoft.com/office/drawing/2014/main" id="{11E332EA-F726-47F4-809F-E2B408A24FD7}"/>
+              </a:ext>
+            </a:extLst>
+          </p:cNvPr>
+          <p:cNvSpPr>
+            <a:spLocks noGrp="1"/>
+          </p:cNvSpPr>
+          <p:nvPr>
+            <p:ph type="title"/>
+          </p:nvPr>
+        </p:nvSpPr>
+        <p:spPr>
+          <a:xfrm>
+            <a:off x="1141413" y="618518"/>
+            <a:ext cx="9905998" cy="1478570"/>
+          </a:xfrm>
+        </p:spPr>
+        <p:txBody>
+          <a:bodyPr>
+            <a:normAutofit/>
+          </a:bodyPr>
+          <a:lstStyle/>
+          <a:p>
+            <a:r>
+              <a:rPr lang="fr-CA" dirty="0"/>
+              <a:t>Faisabilité du projet</a:t>
+            </a:r>
+          </a:p>
+        </p:txBody>
+      </p:sp>
+      <p:graphicFrame>
+        <p:nvGraphicFramePr>
+          <p:cNvPr id="4" name="Espace réservé du contenu 3">
+            <a:extLst>
+              <a:ext uri="{FF2B5EF4-FFF2-40B4-BE49-F238E27FC236}">
+                <a16:creationId xmlns:a16="http://schemas.microsoft.com/office/drawing/2014/main" id="{FCFBC8B8-E9C6-4D50-BFE6-263ECE5A09C1}"/>
+              </a:ext>
+            </a:extLst>
+          </p:cNvPr>
+          <p:cNvGraphicFramePr>
+            <a:graphicFrameLocks noGrp="1"/>
+          </p:cNvGraphicFramePr>
+          <p:nvPr>
+            <p:ph idx="1"/>
+            <p:extLst>
+              <p:ext uri="{D42A27DB-BD31-4B8C-83A1-F6EECF244321}">
+                <p14:modId xmlns:p14="http://schemas.microsoft.com/office/powerpoint/2010/main" val="120244572"/>
+              </p:ext>
+            </p:extLst>
+          </p:nvPr>
+        </p:nvGraphicFramePr>
+        <p:xfrm>
+          <a:off x="1144589" y="1969438"/>
+          <a:ext cx="9749015" cy="3453462"/>
+        </p:xfrm>
+        <a:graphic>
+          <a:graphicData uri="http://schemas.openxmlformats.org/drawingml/2006/table">
+            <a:tbl>
+              <a:tblPr firstRow="1" firstCol="1" lastRow="1" bandRow="1">
+                <a:tableStyleId>{7DF18680-E054-41AD-8BC1-D1AEF772440D}</a:tableStyleId>
+              </a:tblPr>
+              <a:tblGrid>
+                <a:gridCol w="1651406">
+                  <a:extLst>
+                    <a:ext uri="{9D8B030D-6E8A-4147-A177-3AD203B41FA5}">
+                      <a16:colId xmlns:a16="http://schemas.microsoft.com/office/drawing/2014/main" val="2569714242"/>
+                    </a:ext>
+                  </a:extLst>
+                </a:gridCol>
+                <a:gridCol w="1186180">
+                  <a:extLst>
+                    <a:ext uri="{9D8B030D-6E8A-4147-A177-3AD203B41FA5}">
+                      <a16:colId xmlns:a16="http://schemas.microsoft.com/office/drawing/2014/main" val="2518586074"/>
+                    </a:ext>
+                  </a:extLst>
+                </a:gridCol>
+                <a:gridCol w="1362392">
+                  <a:extLst>
+                    <a:ext uri="{9D8B030D-6E8A-4147-A177-3AD203B41FA5}">
+                      <a16:colId xmlns:a16="http://schemas.microsoft.com/office/drawing/2014/main" val="2166400702"/>
+                    </a:ext>
+                  </a:extLst>
+                </a:gridCol>
+                <a:gridCol w="1362392">
+                  <a:extLst>
+                    <a:ext uri="{9D8B030D-6E8A-4147-A177-3AD203B41FA5}">
+                      <a16:colId xmlns:a16="http://schemas.microsoft.com/office/drawing/2014/main" val="3133113144"/>
+                    </a:ext>
+                  </a:extLst>
+                </a:gridCol>
+                <a:gridCol w="1362392">
+                  <a:extLst>
+                    <a:ext uri="{9D8B030D-6E8A-4147-A177-3AD203B41FA5}">
+                      <a16:colId xmlns:a16="http://schemas.microsoft.com/office/drawing/2014/main" val="3671851425"/>
+                    </a:ext>
+                  </a:extLst>
+                </a:gridCol>
+                <a:gridCol w="1362392">
+                  <a:extLst>
+                    <a:ext uri="{9D8B030D-6E8A-4147-A177-3AD203B41FA5}">
+                      <a16:colId xmlns:a16="http://schemas.microsoft.com/office/drawing/2014/main" val="1046674825"/>
+                    </a:ext>
+                  </a:extLst>
+                </a:gridCol>
+                <a:gridCol w="1461861">
+                  <a:extLst>
+                    <a:ext uri="{9D8B030D-6E8A-4147-A177-3AD203B41FA5}">
+                      <a16:colId xmlns:a16="http://schemas.microsoft.com/office/drawing/2014/main" val="3932371107"/>
+                    </a:ext>
+                  </a:extLst>
+                </a:gridCol>
+              </a:tblGrid>
+              <a:tr h="370840">
+                <a:tc gridSpan="7">
+                  <a:txBody>
+                    <a:bodyPr/>
+                    <a:lstStyle/>
+                    <a:p>
+                      <a:r>
+                        <a:rPr lang="fr-CA" dirty="0"/>
+                        <a:t>Analyse coûts-avantages</a:t>
+                      </a:r>
+                    </a:p>
+                  </a:txBody>
+                  <a:tcPr>
+                    <a:solidFill>
+                      <a:schemeClr val="bg2">
+                        <a:lumMod val="60000"/>
+                        <a:lumOff val="40000"/>
+                      </a:schemeClr>
+                    </a:solidFill>
+                  </a:tcPr>
+                </a:tc>
+                <a:tc hMerge="1">
+                  <a:txBody>
+                    <a:bodyPr/>
+                    <a:lstStyle/>
+                    <a:p>
+                      <a:endParaRPr lang="fr-CA" dirty="0"/>
+                    </a:p>
+                  </a:txBody>
+                  <a:tcPr/>
+                </a:tc>
+                <a:tc hMerge="1">
+                  <a:txBody>
+                    <a:bodyPr/>
+                    <a:lstStyle/>
+                    <a:p>
+                      <a:endParaRPr lang="fr-CA" dirty="0"/>
+                    </a:p>
+                  </a:txBody>
+                  <a:tcPr/>
+                </a:tc>
+                <a:tc hMerge="1">
+                  <a:txBody>
+                    <a:bodyPr/>
+                    <a:lstStyle/>
+                    <a:p>
+                      <a:endParaRPr lang="fr-CA" dirty="0"/>
+                    </a:p>
+                  </a:txBody>
+                  <a:tcPr/>
+                </a:tc>
+                <a:tc hMerge="1">
+                  <a:txBody>
+                    <a:bodyPr/>
+                    <a:lstStyle/>
+                    <a:p>
+                      <a:endParaRPr lang="fr-CA" dirty="0"/>
+                    </a:p>
+                  </a:txBody>
+                  <a:tcPr/>
+                </a:tc>
+                <a:tc hMerge="1">
+                  <a:txBody>
+                    <a:bodyPr/>
+                    <a:lstStyle/>
+                    <a:p>
+                      <a:endParaRPr lang="fr-CA" dirty="0"/>
+                    </a:p>
+                  </a:txBody>
+                  <a:tcPr/>
+                </a:tc>
+                <a:tc hMerge="1">
+                  <a:txBody>
+                    <a:bodyPr/>
+                    <a:lstStyle/>
+                    <a:p>
+                      <a:endParaRPr lang="fr-CA" dirty="0"/>
+                    </a:p>
+                  </a:txBody>
+                  <a:tcPr/>
+                </a:tc>
+                <a:extLst>
+                  <a:ext uri="{0D108BD9-81ED-4DB2-BD59-A6C34878D82A}">
+                    <a16:rowId xmlns:a16="http://schemas.microsoft.com/office/drawing/2014/main" val="831966057"/>
+                  </a:ext>
+                </a:extLst>
+              </a:tr>
+              <a:tr h="420702">
+                <a:tc>
+                  <a:txBody>
+                    <a:bodyPr/>
+                    <a:lstStyle/>
+                    <a:p>
+                      <a:r>
+                        <a:rPr lang="fr-CA" b="1" dirty="0"/>
+                        <a:t>Années</a:t>
+                      </a:r>
+                    </a:p>
+                  </a:txBody>
+                  <a:tcPr>
+                    <a:solidFill>
+                      <a:schemeClr val="bg2">
+                        <a:lumMod val="60000"/>
+                        <a:lumOff val="40000"/>
+                      </a:schemeClr>
+                    </a:solidFill>
+                  </a:tcPr>
+                </a:tc>
+                <a:tc>
+                  <a:txBody>
+                    <a:bodyPr/>
+                    <a:lstStyle/>
+                    <a:p>
+                      <a:pPr algn="r"/>
+                      <a:r>
+                        <a:rPr lang="fr-CA" dirty="0">
+                          <a:solidFill>
+                            <a:schemeClr val="tx1"/>
+                          </a:solidFill>
+                        </a:rPr>
+                        <a:t>0</a:t>
+                      </a:r>
+                    </a:p>
+                  </a:txBody>
+                  <a:tcPr>
+                    <a:solidFill>
+                      <a:schemeClr val="bg2">
+                        <a:lumMod val="60000"/>
+                        <a:lumOff val="40000"/>
+                      </a:schemeClr>
+                    </a:solidFill>
+                  </a:tcPr>
+                </a:tc>
+                <a:tc>
+                  <a:txBody>
+                    <a:bodyPr/>
+                    <a:lstStyle/>
+                    <a:p>
+                      <a:pPr algn="r"/>
+                      <a:r>
+                        <a:rPr lang="fr-CA" dirty="0">
+                          <a:solidFill>
+                            <a:schemeClr val="tx1"/>
+                          </a:solidFill>
+                        </a:rPr>
+                        <a:t>1</a:t>
+                      </a:r>
+                    </a:p>
+                  </a:txBody>
+                  <a:tcPr>
+                    <a:solidFill>
+                      <a:schemeClr val="bg2">
+                        <a:lumMod val="60000"/>
+                        <a:lumOff val="40000"/>
+                      </a:schemeClr>
+                    </a:solidFill>
+                  </a:tcPr>
+                </a:tc>
+                <a:tc>
+                  <a:txBody>
+                    <a:bodyPr/>
+                    <a:lstStyle/>
+                    <a:p>
+                      <a:pPr algn="r"/>
+                      <a:r>
+                        <a:rPr lang="fr-CA" dirty="0">
+                          <a:solidFill>
+                            <a:schemeClr val="tx1"/>
+                          </a:solidFill>
+                        </a:rPr>
+                        <a:t>2</a:t>
+                      </a:r>
+                    </a:p>
+                  </a:txBody>
+                  <a:tcPr>
+                    <a:solidFill>
+                      <a:schemeClr val="bg2">
+                        <a:lumMod val="60000"/>
+                        <a:lumOff val="40000"/>
+                      </a:schemeClr>
+                    </a:solidFill>
+                  </a:tcPr>
+                </a:tc>
+                <a:tc>
+                  <a:txBody>
+                    <a:bodyPr/>
+                    <a:lstStyle/>
+                    <a:p>
+                      <a:pPr algn="r"/>
+                      <a:r>
+                        <a:rPr lang="fr-CA" dirty="0">
+                          <a:solidFill>
+                            <a:schemeClr val="tx1"/>
+                          </a:solidFill>
+                        </a:rPr>
+                        <a:t>3</a:t>
+                      </a:r>
+                    </a:p>
+                  </a:txBody>
+                  <a:tcPr>
+                    <a:solidFill>
+                      <a:schemeClr val="bg2">
+                        <a:lumMod val="60000"/>
+                        <a:lumOff val="40000"/>
+                      </a:schemeClr>
+                    </a:solidFill>
+                  </a:tcPr>
+                </a:tc>
+                <a:tc>
+                  <a:txBody>
+                    <a:bodyPr/>
+                    <a:lstStyle/>
+                    <a:p>
+                      <a:pPr algn="r"/>
+                      <a:r>
+                        <a:rPr lang="fr-CA" dirty="0">
+                          <a:solidFill>
+                            <a:schemeClr val="tx1"/>
+                          </a:solidFill>
+                        </a:rPr>
+                        <a:t>4</a:t>
+                      </a:r>
+                    </a:p>
+                  </a:txBody>
+                  <a:tcPr>
+                    <a:solidFill>
+                      <a:schemeClr val="bg2">
+                        <a:lumMod val="60000"/>
+                        <a:lumOff val="40000"/>
+                      </a:schemeClr>
+                    </a:solidFill>
+                  </a:tcPr>
+                </a:tc>
+                <a:tc>
+                  <a:txBody>
+                    <a:bodyPr/>
+                    <a:lstStyle/>
+                    <a:p>
+                      <a:pPr algn="r"/>
+                      <a:r>
+                        <a:rPr lang="fr-CA" dirty="0">
+                          <a:solidFill>
+                            <a:schemeClr val="tx1"/>
+                          </a:solidFill>
+                        </a:rPr>
+                        <a:t>5</a:t>
+                      </a:r>
+                    </a:p>
+                  </a:txBody>
+                  <a:tcPr>
+                    <a:solidFill>
+                      <a:schemeClr val="bg2">
+                        <a:lumMod val="60000"/>
+                        <a:lumOff val="40000"/>
+                      </a:schemeClr>
+                    </a:solidFill>
+                  </a:tcPr>
+                </a:tc>
+                <a:extLst>
+                  <a:ext uri="{0D108BD9-81ED-4DB2-BD59-A6C34878D82A}">
+                    <a16:rowId xmlns:a16="http://schemas.microsoft.com/office/drawing/2014/main" val="2297147207"/>
+                  </a:ext>
+                </a:extLst>
+              </a:tr>
+              <a:tr h="370840">
+                <a:tc>
+                  <a:txBody>
+                    <a:bodyPr/>
+                    <a:lstStyle/>
+                    <a:p>
+                      <a:r>
+                        <a:rPr lang="fr-CA" dirty="0"/>
+                        <a:t>Avantages</a:t>
+                      </a:r>
+                    </a:p>
+                  </a:txBody>
+                  <a:tcPr>
+                    <a:solidFill>
+                      <a:schemeClr val="bg2">
+                        <a:lumMod val="60000"/>
+                        <a:lumOff val="40000"/>
+                      </a:schemeClr>
+                    </a:solidFill>
+                  </a:tcPr>
+                </a:tc>
+                <a:tc>
+                  <a:txBody>
+                    <a:bodyPr/>
+                    <a:lstStyle/>
+                    <a:p>
+                      <a:pPr algn="r"/>
+                      <a:r>
+                        <a:rPr lang="fr-CA" dirty="0"/>
+                        <a:t>11 000$</a:t>
+                      </a:r>
+                    </a:p>
+                  </a:txBody>
+                  <a:tcPr/>
+                </a:tc>
+                <a:tc>
+                  <a:txBody>
+                    <a:bodyPr/>
+                    <a:lstStyle/>
+                    <a:p>
+                      <a:pPr algn="r"/>
+                      <a:r>
+                        <a:rPr lang="fr-CA" dirty="0"/>
+                        <a:t>28 964$</a:t>
+                      </a:r>
+                    </a:p>
+                  </a:txBody>
+                  <a:tcPr/>
+                </a:tc>
+                <a:tc>
+                  <a:txBody>
+                    <a:bodyPr/>
+                    <a:lstStyle/>
+                    <a:p>
+                      <a:pPr algn="r"/>
+                      <a:r>
+                        <a:rPr lang="fr-CA" dirty="0"/>
+                        <a:t>28 964$</a:t>
+                      </a:r>
+                    </a:p>
+                  </a:txBody>
+                  <a:tcPr/>
+                </a:tc>
+                <a:tc>
+                  <a:txBody>
+                    <a:bodyPr/>
+                    <a:lstStyle/>
+                    <a:p>
+                      <a:pPr algn="r"/>
+                      <a:r>
+                        <a:rPr lang="fr-CA" dirty="0"/>
+                        <a:t>28 964$</a:t>
+                      </a:r>
+                    </a:p>
+                  </a:txBody>
+                  <a:tcPr/>
+                </a:tc>
+                <a:tc>
+                  <a:txBody>
+                    <a:bodyPr/>
+                    <a:lstStyle/>
+                    <a:p>
+                      <a:pPr algn="r"/>
+                      <a:r>
+                        <a:rPr lang="fr-CA" dirty="0"/>
+                        <a:t>28 964$</a:t>
+                      </a:r>
+                    </a:p>
+                  </a:txBody>
+                  <a:tcPr/>
+                </a:tc>
+                <a:tc>
+                  <a:txBody>
+                    <a:bodyPr/>
+                    <a:lstStyle/>
+                    <a:p>
+                      <a:pPr algn="r"/>
+                      <a:r>
+                        <a:rPr lang="fr-CA" dirty="0"/>
+                        <a:t>28 964$</a:t>
+                      </a:r>
+                    </a:p>
+                  </a:txBody>
+                  <a:tcPr/>
+                </a:tc>
+                <a:extLst>
+                  <a:ext uri="{0D108BD9-81ED-4DB2-BD59-A6C34878D82A}">
+                    <a16:rowId xmlns:a16="http://schemas.microsoft.com/office/drawing/2014/main" val="719047337"/>
+                  </a:ext>
+                </a:extLst>
+              </a:tr>
+              <a:tr h="370840">
+                <a:tc>
+                  <a:txBody>
+                    <a:bodyPr/>
+                    <a:lstStyle/>
+                    <a:p>
+                      <a:r>
+                        <a:rPr lang="fr-CA" dirty="0"/>
+                        <a:t>Coûts de </a:t>
+                      </a:r>
+                      <a:br>
+                        <a:rPr lang="fr-CA" dirty="0"/>
+                      </a:br>
+                      <a:r>
+                        <a:rPr lang="fr-CA" dirty="0"/>
+                        <a:t>développement</a:t>
+                      </a:r>
+                    </a:p>
+                  </a:txBody>
+                  <a:tcPr>
+                    <a:solidFill>
+                      <a:schemeClr val="bg2">
+                        <a:lumMod val="60000"/>
+                        <a:lumOff val="40000"/>
+                      </a:schemeClr>
+                    </a:solidFill>
+                  </a:tcPr>
+                </a:tc>
+                <a:tc>
+                  <a:txBody>
+                    <a:bodyPr/>
+                    <a:lstStyle/>
+                    <a:p>
+                      <a:pPr algn="r"/>
+                      <a:r>
+                        <a:rPr lang="fr-CA" dirty="0">
+                          <a:solidFill>
+                            <a:srgbClr val="FF0000"/>
+                          </a:solidFill>
+                        </a:rPr>
+                        <a:t>(31 847)$</a:t>
+                      </a:r>
+                    </a:p>
+                  </a:txBody>
+                  <a:tcPr/>
+                </a:tc>
+                <a:tc>
+                  <a:txBody>
+                    <a:bodyPr/>
+                    <a:lstStyle/>
+                    <a:p>
+                      <a:pPr algn="r"/>
+                      <a:endParaRPr lang="fr-CA" dirty="0"/>
+                    </a:p>
+                  </a:txBody>
+                  <a:tcPr/>
+                </a:tc>
+                <a:tc>
+                  <a:txBody>
+                    <a:bodyPr/>
+                    <a:lstStyle/>
+                    <a:p>
+                      <a:pPr algn="r"/>
+                      <a:endParaRPr lang="fr-CA" dirty="0"/>
+                    </a:p>
+                  </a:txBody>
+                  <a:tcPr/>
+                </a:tc>
+                <a:tc>
+                  <a:txBody>
+                    <a:bodyPr/>
+                    <a:lstStyle/>
+                    <a:p>
+                      <a:pPr algn="r"/>
+                      <a:endParaRPr lang="fr-CA" dirty="0"/>
+                    </a:p>
+                  </a:txBody>
+                  <a:tcPr/>
+                </a:tc>
+                <a:tc>
+                  <a:txBody>
+                    <a:bodyPr/>
+                    <a:lstStyle/>
+                    <a:p>
+                      <a:pPr algn="r"/>
+                      <a:endParaRPr lang="fr-CA" dirty="0"/>
+                    </a:p>
+                  </a:txBody>
+                  <a:tcPr/>
+                </a:tc>
+                <a:tc>
+                  <a:txBody>
+                    <a:bodyPr/>
+                    <a:lstStyle/>
+                    <a:p>
+                      <a:pPr algn="r"/>
+                      <a:endParaRPr lang="fr-CA" dirty="0"/>
+                    </a:p>
+                  </a:txBody>
+                  <a:tcPr/>
+                </a:tc>
+                <a:extLst>
+                  <a:ext uri="{0D108BD9-81ED-4DB2-BD59-A6C34878D82A}">
+                    <a16:rowId xmlns:a16="http://schemas.microsoft.com/office/drawing/2014/main" val="3466470480"/>
+                  </a:ext>
+                </a:extLst>
+              </a:tr>
+              <a:tr h="370840">
+                <a:tc>
+                  <a:txBody>
+                    <a:bodyPr/>
+                    <a:lstStyle/>
+                    <a:p>
+                      <a:r>
+                        <a:rPr lang="fr-CA" dirty="0"/>
+                        <a:t>Frais </a:t>
+                      </a:r>
+                    </a:p>
+                    <a:p>
+                      <a:r>
+                        <a:rPr lang="fr-CA" dirty="0"/>
+                        <a:t>d’exploitation</a:t>
+                      </a:r>
+                    </a:p>
+                  </a:txBody>
+                  <a:tcPr>
+                    <a:solidFill>
+                      <a:schemeClr val="bg2">
+                        <a:lumMod val="60000"/>
+                        <a:lumOff val="40000"/>
+                      </a:schemeClr>
+                    </a:solidFill>
+                  </a:tcPr>
+                </a:tc>
+                <a:tc>
+                  <a:txBody>
+                    <a:bodyPr/>
+                    <a:lstStyle/>
+                    <a:p>
+                      <a:pPr algn="r"/>
+                      <a:endParaRPr lang="fr-CA" dirty="0"/>
+                    </a:p>
+                  </a:txBody>
+                  <a:tcPr/>
+                </a:tc>
+                <a:tc>
+                  <a:txBody>
+                    <a:bodyPr/>
+                    <a:lstStyle/>
+                    <a:p>
+                      <a:pPr algn="r"/>
+                      <a:r>
+                        <a:rPr lang="fr-CA" dirty="0">
+                          <a:solidFill>
+                            <a:srgbClr val="FF0000"/>
+                          </a:solidFill>
+                        </a:rPr>
+                        <a:t>(7 784,99)$</a:t>
+                      </a:r>
+                    </a:p>
+                  </a:txBody>
+                  <a:tcPr/>
+                </a:tc>
+                <a:tc>
+                  <a:txBody>
+                    <a:bodyPr/>
+                    <a:lstStyle/>
+                    <a:p>
+                      <a:pPr marL="0" marR="0" lvl="0" indent="0" algn="r" defTabSz="914400" rtl="0" eaLnBrk="1" fontAlgn="auto" latinLnBrk="0" hangingPunct="1">
+                        <a:lnSpc>
+                          <a:spcPct val="100000"/>
+                        </a:lnSpc>
+                        <a:spcBef>
+                          <a:spcPts val="0"/>
+                        </a:spcBef>
+                        <a:spcAft>
+                          <a:spcPts val="0"/>
+                        </a:spcAft>
+                        <a:buClrTx/>
+                        <a:buSzTx/>
+                        <a:buFontTx/>
+                        <a:buNone/>
+                        <a:tabLst/>
+                        <a:defRPr/>
+                      </a:pPr>
+                      <a:r>
+                        <a:rPr lang="fr-CA" dirty="0">
+                          <a:solidFill>
+                            <a:srgbClr val="FF0000"/>
+                          </a:solidFill>
+                        </a:rPr>
+                        <a:t>(7 784,99)$</a:t>
+                      </a:r>
+                    </a:p>
+                    <a:p>
+                      <a:pPr algn="r"/>
+                      <a:endParaRPr lang="fr-CA" dirty="0">
+                        <a:solidFill>
+                          <a:srgbClr val="FF0000"/>
+                        </a:solidFill>
+                      </a:endParaRPr>
+                    </a:p>
+                  </a:txBody>
+                  <a:tcPr/>
+                </a:tc>
+                <a:tc>
+                  <a:txBody>
+                    <a:bodyPr/>
+                    <a:lstStyle/>
+                    <a:p>
+                      <a:pPr marL="0" marR="0" lvl="0" indent="0" algn="r" defTabSz="914400" rtl="0" eaLnBrk="1" fontAlgn="auto" latinLnBrk="0" hangingPunct="1">
+                        <a:lnSpc>
+                          <a:spcPct val="100000"/>
+                        </a:lnSpc>
+                        <a:spcBef>
+                          <a:spcPts val="0"/>
+                        </a:spcBef>
+                        <a:spcAft>
+                          <a:spcPts val="0"/>
+                        </a:spcAft>
+                        <a:buClrTx/>
+                        <a:buSzTx/>
+                        <a:buFontTx/>
+                        <a:buNone/>
+                        <a:tabLst/>
+                        <a:defRPr/>
+                      </a:pPr>
+                      <a:r>
+                        <a:rPr lang="fr-CA" dirty="0">
+                          <a:solidFill>
+                            <a:srgbClr val="FF0000"/>
+                          </a:solidFill>
+                        </a:rPr>
+                        <a:t>(7 784,99)$</a:t>
+                      </a:r>
+                    </a:p>
+                    <a:p>
+                      <a:pPr algn="r"/>
+                      <a:endParaRPr lang="fr-CA" dirty="0">
+                        <a:solidFill>
+                          <a:srgbClr val="FF0000"/>
+                        </a:solidFill>
+                      </a:endParaRPr>
+                    </a:p>
+                  </a:txBody>
+                  <a:tcPr/>
+                </a:tc>
+                <a:tc>
+                  <a:txBody>
+                    <a:bodyPr/>
+                    <a:lstStyle/>
+                    <a:p>
+                      <a:pPr marL="0" marR="0" lvl="0" indent="0" algn="r" defTabSz="914400" rtl="0" eaLnBrk="1" fontAlgn="auto" latinLnBrk="0" hangingPunct="1">
+                        <a:lnSpc>
+                          <a:spcPct val="100000"/>
+                        </a:lnSpc>
+                        <a:spcBef>
+                          <a:spcPts val="0"/>
+                        </a:spcBef>
+                        <a:spcAft>
+                          <a:spcPts val="0"/>
+                        </a:spcAft>
+                        <a:buClrTx/>
+                        <a:buSzTx/>
+                        <a:buFontTx/>
+                        <a:buNone/>
+                        <a:tabLst/>
+                        <a:defRPr/>
+                      </a:pPr>
+                      <a:r>
+                        <a:rPr lang="fr-CA" dirty="0">
+                          <a:solidFill>
+                            <a:srgbClr val="FF0000"/>
+                          </a:solidFill>
+                        </a:rPr>
+                        <a:t>(7 784,99)$</a:t>
+                      </a:r>
+                    </a:p>
+                    <a:p>
+                      <a:pPr algn="r"/>
+                      <a:endParaRPr lang="fr-CA" dirty="0">
+                        <a:solidFill>
+                          <a:srgbClr val="FF0000"/>
+                        </a:solidFill>
+                      </a:endParaRPr>
+                    </a:p>
+                  </a:txBody>
+                  <a:tcPr/>
+                </a:tc>
+                <a:tc>
+                  <a:txBody>
+                    <a:bodyPr/>
+                    <a:lstStyle/>
+                    <a:p>
+                      <a:pPr marL="0" marR="0" lvl="0" indent="0" algn="r" defTabSz="914400" rtl="0" eaLnBrk="1" fontAlgn="auto" latinLnBrk="0" hangingPunct="1">
+                        <a:lnSpc>
+                          <a:spcPct val="100000"/>
+                        </a:lnSpc>
+                        <a:spcBef>
+                          <a:spcPts val="0"/>
+                        </a:spcBef>
+                        <a:spcAft>
+                          <a:spcPts val="0"/>
+                        </a:spcAft>
+                        <a:buClrTx/>
+                        <a:buSzTx/>
+                        <a:buFontTx/>
+                        <a:buNone/>
+                        <a:tabLst/>
+                        <a:defRPr/>
+                      </a:pPr>
+                      <a:r>
+                        <a:rPr lang="fr-CA" dirty="0">
+                          <a:solidFill>
+                            <a:srgbClr val="FF0000"/>
+                          </a:solidFill>
+                        </a:rPr>
+                        <a:t>(7 784,99)$</a:t>
+                      </a:r>
+                    </a:p>
+                    <a:p>
+                      <a:pPr algn="r"/>
+                      <a:endParaRPr lang="fr-CA" dirty="0">
+                        <a:solidFill>
+                          <a:srgbClr val="FF0000"/>
+                        </a:solidFill>
+                      </a:endParaRPr>
+                    </a:p>
+                  </a:txBody>
+                  <a:tcPr/>
+                </a:tc>
+                <a:extLst>
+                  <a:ext uri="{0D108BD9-81ED-4DB2-BD59-A6C34878D82A}">
+                    <a16:rowId xmlns:a16="http://schemas.microsoft.com/office/drawing/2014/main" val="3737590427"/>
+                  </a:ext>
+                </a:extLst>
+              </a:tr>
+              <a:tr h="370840">
+                <a:tc>
+                  <a:txBody>
+                    <a:bodyPr/>
+                    <a:lstStyle/>
+                    <a:p>
+                      <a:r>
+                        <a:rPr lang="fr-CA" dirty="0"/>
+                        <a:t>Valeur nette</a:t>
+                      </a:r>
+                    </a:p>
+                  </a:txBody>
+                  <a:tcPr>
+                    <a:solidFill>
+                      <a:schemeClr val="bg2">
+                        <a:lumMod val="60000"/>
+                        <a:lumOff val="40000"/>
+                      </a:schemeClr>
+                    </a:solidFill>
+                  </a:tcPr>
+                </a:tc>
+                <a:tc>
+                  <a:txBody>
+                    <a:bodyPr/>
+                    <a:lstStyle/>
+                    <a:p>
+                      <a:pPr algn="r"/>
+                      <a:r>
+                        <a:rPr lang="fr-CA" dirty="0">
+                          <a:solidFill>
+                            <a:srgbClr val="FF0000"/>
+                          </a:solidFill>
+                        </a:rPr>
+                        <a:t>(20 847)$</a:t>
+                      </a:r>
+                    </a:p>
+                  </a:txBody>
+                  <a:tcPr>
+                    <a:lnB w="12700" cap="flat" cmpd="sng" algn="ctr">
+                      <a:solidFill>
+                        <a:schemeClr val="tx1"/>
+                      </a:solidFill>
+                      <a:prstDash val="solid"/>
+                      <a:round/>
+                      <a:headEnd type="none" w="med" len="med"/>
+                      <a:tailEnd type="none" w="med" len="med"/>
+                    </a:lnB>
+                  </a:tcPr>
+                </a:tc>
+                <a:tc>
+                  <a:txBody>
+                    <a:bodyPr/>
+                    <a:lstStyle/>
+                    <a:p>
+                      <a:pPr algn="r"/>
+                      <a:r>
+                        <a:rPr lang="fr-CA" dirty="0"/>
+                        <a:t>21 179,01$</a:t>
+                      </a:r>
+                    </a:p>
+                  </a:txBody>
+                  <a:tcPr>
+                    <a:lnB w="12700" cap="flat" cmpd="sng" algn="ctr">
+                      <a:solidFill>
+                        <a:schemeClr val="tx1"/>
+                      </a:solidFill>
+                      <a:prstDash val="solid"/>
+                      <a:round/>
+                      <a:headEnd type="none" w="med" len="med"/>
+                      <a:tailEnd type="none" w="med" len="med"/>
+                    </a:lnB>
+                  </a:tcPr>
+                </a:tc>
+                <a:tc>
+                  <a:txBody>
+                    <a:bodyPr/>
+                    <a:lstStyle/>
+                    <a:p>
+                      <a:pPr marL="0" marR="0" lvl="0" indent="0" algn="r" defTabSz="914400" rtl="0" eaLnBrk="1" fontAlgn="auto" latinLnBrk="0" hangingPunct="1">
+                        <a:lnSpc>
+                          <a:spcPct val="100000"/>
+                        </a:lnSpc>
+                        <a:spcBef>
+                          <a:spcPts val="0"/>
+                        </a:spcBef>
+                        <a:spcAft>
+                          <a:spcPts val="0"/>
+                        </a:spcAft>
+                        <a:buClrTx/>
+                        <a:buSzTx/>
+                        <a:buFontTx/>
+                        <a:buNone/>
+                        <a:tabLst/>
+                        <a:defRPr/>
+                      </a:pPr>
+                      <a:r>
+                        <a:rPr kumimoji="0" lang="fr-CA" sz="1800" b="0" i="0" u="none" strike="noStrike" kern="1200" cap="none" spc="0" normalizeH="0" baseline="0" noProof="0">
+                          <a:ln>
+                            <a:noFill/>
+                          </a:ln>
+                          <a:solidFill>
+                            <a:prstClr val="black"/>
+                          </a:solidFill>
+                          <a:effectLst/>
+                          <a:uLnTx/>
+                          <a:uFillTx/>
+                          <a:latin typeface="Tw Cen MT" panose="020B0602020104020603"/>
+                          <a:ea typeface="+mn-ea"/>
+                          <a:cs typeface="+mn-cs"/>
+                        </a:rPr>
+                        <a:t>21 179,01$</a:t>
+                      </a:r>
+                      <a:endParaRPr kumimoji="0" lang="fr-CA" sz="1800" b="0" i="0" u="none" strike="noStrike" kern="1200" cap="none" spc="0" normalizeH="0" baseline="0" noProof="0" dirty="0">
+                        <a:ln>
+                          <a:noFill/>
+                        </a:ln>
+                        <a:solidFill>
+                          <a:prstClr val="black"/>
+                        </a:solidFill>
+                        <a:effectLst/>
+                        <a:uLnTx/>
+                        <a:uFillTx/>
+                        <a:latin typeface="Tw Cen MT" panose="020B0602020104020603"/>
+                        <a:ea typeface="+mn-ea"/>
+                        <a:cs typeface="+mn-cs"/>
+                      </a:endParaRPr>
+                    </a:p>
+                  </a:txBody>
+                  <a:tcPr>
+                    <a:lnB w="12700" cap="flat" cmpd="sng" algn="ctr">
+                      <a:solidFill>
+                        <a:schemeClr val="tx1"/>
+                      </a:solidFill>
+                      <a:prstDash val="solid"/>
+                      <a:round/>
+                      <a:headEnd type="none" w="med" len="med"/>
+                      <a:tailEnd type="none" w="med" len="med"/>
+                    </a:lnB>
+                  </a:tcPr>
+                </a:tc>
+                <a:tc>
+                  <a:txBody>
+                    <a:bodyPr/>
+                    <a:lstStyle/>
+                    <a:p>
+                      <a:pPr marL="0" marR="0" lvl="0" indent="0" algn="r" defTabSz="914400" rtl="0" eaLnBrk="1" fontAlgn="auto" latinLnBrk="0" hangingPunct="1">
+                        <a:lnSpc>
+                          <a:spcPct val="100000"/>
+                        </a:lnSpc>
+                        <a:spcBef>
+                          <a:spcPts val="0"/>
+                        </a:spcBef>
+                        <a:spcAft>
+                          <a:spcPts val="0"/>
+                        </a:spcAft>
+                        <a:buClrTx/>
+                        <a:buSzTx/>
+                        <a:buFontTx/>
+                        <a:buNone/>
+                        <a:tabLst/>
+                        <a:defRPr/>
+                      </a:pPr>
+                      <a:r>
+                        <a:rPr kumimoji="0" lang="fr-CA" sz="1800" b="0" i="0" u="none" strike="noStrike" kern="1200" cap="none" spc="0" normalizeH="0" baseline="0" noProof="0">
+                          <a:ln>
+                            <a:noFill/>
+                          </a:ln>
+                          <a:solidFill>
+                            <a:prstClr val="black"/>
+                          </a:solidFill>
+                          <a:effectLst/>
+                          <a:uLnTx/>
+                          <a:uFillTx/>
+                          <a:latin typeface="Tw Cen MT" panose="020B0602020104020603"/>
+                          <a:ea typeface="+mn-ea"/>
+                          <a:cs typeface="+mn-cs"/>
+                        </a:rPr>
+                        <a:t>21 179,01$</a:t>
+                      </a:r>
+                      <a:endParaRPr kumimoji="0" lang="fr-CA" sz="1800" b="0" i="0" u="none" strike="noStrike" kern="1200" cap="none" spc="0" normalizeH="0" baseline="0" noProof="0" dirty="0">
+                        <a:ln>
+                          <a:noFill/>
+                        </a:ln>
+                        <a:solidFill>
+                          <a:prstClr val="black"/>
+                        </a:solidFill>
+                        <a:effectLst/>
+                        <a:uLnTx/>
+                        <a:uFillTx/>
+                        <a:latin typeface="Tw Cen MT" panose="020B0602020104020603"/>
+                        <a:ea typeface="+mn-ea"/>
+                        <a:cs typeface="+mn-cs"/>
+                      </a:endParaRPr>
+                    </a:p>
+                  </a:txBody>
+                  <a:tcPr>
+                    <a:lnB w="12700" cap="flat" cmpd="sng" algn="ctr">
+                      <a:solidFill>
+                        <a:schemeClr val="tx1"/>
+                      </a:solidFill>
+                      <a:prstDash val="solid"/>
+                      <a:round/>
+                      <a:headEnd type="none" w="med" len="med"/>
+                      <a:tailEnd type="none" w="med" len="med"/>
+                    </a:lnB>
+                  </a:tcPr>
+                </a:tc>
+                <a:tc>
+                  <a:txBody>
+                    <a:bodyPr/>
+                    <a:lstStyle/>
+                    <a:p>
+                      <a:pPr marL="0" marR="0" lvl="0" indent="0" algn="r" defTabSz="914400" rtl="0" eaLnBrk="1" fontAlgn="auto" latinLnBrk="0" hangingPunct="1">
+                        <a:lnSpc>
+                          <a:spcPct val="100000"/>
+                        </a:lnSpc>
+                        <a:spcBef>
+                          <a:spcPts val="0"/>
+                        </a:spcBef>
+                        <a:spcAft>
+                          <a:spcPts val="0"/>
+                        </a:spcAft>
+                        <a:buClrTx/>
+                        <a:buSzTx/>
+                        <a:buFontTx/>
+                        <a:buNone/>
+                        <a:tabLst/>
+                        <a:defRPr/>
+                      </a:pPr>
+                      <a:r>
+                        <a:rPr kumimoji="0" lang="fr-CA" sz="1800" b="0" i="0" u="none" strike="noStrike" kern="1200" cap="none" spc="0" normalizeH="0" baseline="0" noProof="0">
+                          <a:ln>
+                            <a:noFill/>
+                          </a:ln>
+                          <a:solidFill>
+                            <a:prstClr val="black"/>
+                          </a:solidFill>
+                          <a:effectLst/>
+                          <a:uLnTx/>
+                          <a:uFillTx/>
+                          <a:latin typeface="Tw Cen MT" panose="020B0602020104020603"/>
+                          <a:ea typeface="+mn-ea"/>
+                          <a:cs typeface="+mn-cs"/>
+                        </a:rPr>
+                        <a:t>21 179,01$</a:t>
+                      </a:r>
+                      <a:endParaRPr kumimoji="0" lang="fr-CA" sz="1800" b="0" i="0" u="none" strike="noStrike" kern="1200" cap="none" spc="0" normalizeH="0" baseline="0" noProof="0" dirty="0">
+                        <a:ln>
+                          <a:noFill/>
+                        </a:ln>
+                        <a:solidFill>
+                          <a:prstClr val="black"/>
+                        </a:solidFill>
+                        <a:effectLst/>
+                        <a:uLnTx/>
+                        <a:uFillTx/>
+                        <a:latin typeface="Tw Cen MT" panose="020B0602020104020603"/>
+                        <a:ea typeface="+mn-ea"/>
+                        <a:cs typeface="+mn-cs"/>
+                      </a:endParaRPr>
+                    </a:p>
+                  </a:txBody>
+                  <a:tcPr>
+                    <a:lnB w="12700" cap="flat" cmpd="sng" algn="ctr">
+                      <a:solidFill>
+                        <a:schemeClr val="tx1"/>
+                      </a:solidFill>
+                      <a:prstDash val="solid"/>
+                      <a:round/>
+                      <a:headEnd type="none" w="med" len="med"/>
+                      <a:tailEnd type="none" w="med" len="med"/>
+                    </a:lnB>
+                  </a:tcPr>
+                </a:tc>
+                <a:tc>
+                  <a:txBody>
+                    <a:bodyPr/>
+                    <a:lstStyle/>
+                    <a:p>
+                      <a:pPr marL="0" marR="0" lvl="0" indent="0" algn="r" defTabSz="914400" rtl="0" eaLnBrk="1" fontAlgn="auto" latinLnBrk="0" hangingPunct="1">
+                        <a:lnSpc>
+                          <a:spcPct val="100000"/>
+                        </a:lnSpc>
+                        <a:spcBef>
+                          <a:spcPts val="0"/>
+                        </a:spcBef>
+                        <a:spcAft>
+                          <a:spcPts val="0"/>
+                        </a:spcAft>
+                        <a:buClrTx/>
+                        <a:buSzTx/>
+                        <a:buFontTx/>
+                        <a:buNone/>
+                        <a:tabLst/>
+                        <a:defRPr/>
+                      </a:pPr>
+                      <a:r>
+                        <a:rPr kumimoji="0" lang="fr-CA" sz="1800" b="0" i="0" u="none" strike="noStrike" kern="1200" cap="none" spc="0" normalizeH="0" baseline="0" noProof="0" dirty="0">
+                          <a:ln>
+                            <a:noFill/>
+                          </a:ln>
+                          <a:solidFill>
+                            <a:prstClr val="black"/>
+                          </a:solidFill>
+                          <a:effectLst/>
+                          <a:uLnTx/>
+                          <a:uFillTx/>
+                          <a:latin typeface="Tw Cen MT" panose="020B0602020104020603"/>
+                          <a:ea typeface="+mn-ea"/>
+                          <a:cs typeface="+mn-cs"/>
+                        </a:rPr>
+                        <a:t>21 179,01$</a:t>
+                      </a:r>
+                    </a:p>
+                  </a:txBody>
+                  <a:tcPr>
+                    <a:lnB w="12700" cap="flat" cmpd="sng" algn="ctr">
+                      <a:solidFill>
+                        <a:schemeClr val="tx1"/>
+                      </a:solidFill>
+                      <a:prstDash val="solid"/>
+                      <a:round/>
+                      <a:headEnd type="none" w="med" len="med"/>
+                      <a:tailEnd type="none" w="med" len="med"/>
+                    </a:lnB>
+                  </a:tcPr>
+                </a:tc>
+                <a:extLst>
+                  <a:ext uri="{0D108BD9-81ED-4DB2-BD59-A6C34878D82A}">
+                    <a16:rowId xmlns:a16="http://schemas.microsoft.com/office/drawing/2014/main" val="2711259512"/>
+                  </a:ext>
+                </a:extLst>
+              </a:tr>
+              <a:tr h="370840">
+                <a:tc>
+                  <a:txBody>
+                    <a:bodyPr/>
+                    <a:lstStyle/>
+                    <a:p>
+                      <a:r>
+                        <a:rPr lang="fr-CA" dirty="0"/>
+                        <a:t>Valeur nette </a:t>
+                      </a:r>
+                    </a:p>
+                    <a:p>
+                      <a:r>
+                        <a:rPr lang="fr-CA" dirty="0"/>
+                        <a:t>cumulée</a:t>
+                      </a:r>
+                    </a:p>
+                  </a:txBody>
+                  <a:tcPr>
+                    <a:solidFill>
+                      <a:schemeClr val="bg2">
+                        <a:lumMod val="60000"/>
+                        <a:lumOff val="40000"/>
+                      </a:schemeClr>
+                    </a:solidFill>
+                  </a:tcPr>
+                </a:tc>
+                <a:tc>
+                  <a:txBody>
+                    <a:bodyPr/>
+                    <a:lstStyle/>
+                    <a:p>
+                      <a:pPr marL="0" marR="0" lvl="0" indent="0" algn="r" defTabSz="914400" rtl="0" eaLnBrk="1" fontAlgn="auto" latinLnBrk="0" hangingPunct="1">
+                        <a:lnSpc>
+                          <a:spcPct val="100000"/>
+                        </a:lnSpc>
+                        <a:spcBef>
+                          <a:spcPts val="0"/>
+                        </a:spcBef>
+                        <a:spcAft>
+                          <a:spcPts val="0"/>
+                        </a:spcAft>
+                        <a:buClrTx/>
+                        <a:buSzTx/>
+                        <a:buFontTx/>
+                        <a:buNone/>
+                        <a:tabLst/>
+                        <a:defRPr/>
+                      </a:pPr>
+                      <a:r>
+                        <a:rPr lang="fr-CA" dirty="0">
+                          <a:solidFill>
+                            <a:srgbClr val="FF0000"/>
+                          </a:solidFill>
+                        </a:rPr>
+                        <a:t>(20 847)$</a:t>
+                      </a:r>
+                    </a:p>
+                    <a:p>
+                      <a:pPr algn="r"/>
+                      <a:endParaRPr lang="fr-CA" dirty="0"/>
+                    </a:p>
+                  </a:txBody>
+                  <a:tcPr>
+                    <a:lnT w="12700" cap="flat" cmpd="sng" algn="ctr">
+                      <a:solidFill>
+                        <a:schemeClr val="tx1"/>
+                      </a:solidFill>
+                      <a:prstDash val="solid"/>
+                      <a:round/>
+                      <a:headEnd type="none" w="med" len="med"/>
+                      <a:tailEnd type="none" w="med" len="med"/>
+                    </a:lnT>
+                    <a:solidFill>
+                      <a:schemeClr val="bg2">
+                        <a:lumMod val="40000"/>
+                        <a:lumOff val="60000"/>
+                      </a:schemeClr>
+                    </a:solidFill>
+                  </a:tcPr>
+                </a:tc>
+                <a:tc>
+                  <a:txBody>
+                    <a:bodyPr/>
+                    <a:lstStyle/>
+                    <a:p>
+                      <a:pPr algn="r"/>
+                      <a:r>
+                        <a:rPr lang="fr-CA" dirty="0"/>
+                        <a:t>332,01$</a:t>
+                      </a:r>
+                    </a:p>
+                  </a:txBody>
+                  <a:tcPr>
+                    <a:lnT w="12700" cap="flat" cmpd="sng" algn="ctr">
+                      <a:solidFill>
+                        <a:schemeClr val="tx1"/>
+                      </a:solidFill>
+                      <a:prstDash val="solid"/>
+                      <a:round/>
+                      <a:headEnd type="none" w="med" len="med"/>
+                      <a:tailEnd type="none" w="med" len="med"/>
+                    </a:lnT>
+                    <a:solidFill>
+                      <a:schemeClr val="bg2">
+                        <a:lumMod val="40000"/>
+                        <a:lumOff val="60000"/>
+                      </a:schemeClr>
+                    </a:solidFill>
+                  </a:tcPr>
+                </a:tc>
+                <a:tc>
+                  <a:txBody>
+                    <a:bodyPr/>
+                    <a:lstStyle/>
+                    <a:p>
+                      <a:pPr algn="r"/>
+                      <a:r>
+                        <a:rPr lang="fr-CA" dirty="0"/>
+                        <a:t>21 511,02$</a:t>
+                      </a:r>
+                    </a:p>
+                  </a:txBody>
+                  <a:tcPr>
+                    <a:lnT w="12700" cap="flat" cmpd="sng" algn="ctr">
+                      <a:solidFill>
+                        <a:schemeClr val="tx1"/>
+                      </a:solidFill>
+                      <a:prstDash val="solid"/>
+                      <a:round/>
+                      <a:headEnd type="none" w="med" len="med"/>
+                      <a:tailEnd type="none" w="med" len="med"/>
+                    </a:lnT>
+                    <a:solidFill>
+                      <a:schemeClr val="bg2">
+                        <a:lumMod val="40000"/>
+                        <a:lumOff val="60000"/>
+                      </a:schemeClr>
+                    </a:solidFill>
+                  </a:tcPr>
+                </a:tc>
+                <a:tc>
+                  <a:txBody>
+                    <a:bodyPr/>
+                    <a:lstStyle/>
+                    <a:p>
+                      <a:pPr algn="r"/>
+                      <a:r>
+                        <a:rPr lang="fr-CA" dirty="0"/>
+                        <a:t>42 690,03$</a:t>
+                      </a:r>
+                    </a:p>
+                  </a:txBody>
+                  <a:tcPr>
+                    <a:lnT w="12700" cap="flat" cmpd="sng" algn="ctr">
+                      <a:solidFill>
+                        <a:schemeClr val="tx1"/>
+                      </a:solidFill>
+                      <a:prstDash val="solid"/>
+                      <a:round/>
+                      <a:headEnd type="none" w="med" len="med"/>
+                      <a:tailEnd type="none" w="med" len="med"/>
+                    </a:lnT>
+                    <a:solidFill>
+                      <a:schemeClr val="bg2">
+                        <a:lumMod val="40000"/>
+                        <a:lumOff val="60000"/>
+                      </a:schemeClr>
+                    </a:solidFill>
+                  </a:tcPr>
+                </a:tc>
+                <a:tc>
+                  <a:txBody>
+                    <a:bodyPr/>
+                    <a:lstStyle/>
+                    <a:p>
+                      <a:pPr algn="r"/>
+                      <a:r>
+                        <a:rPr lang="fr-CA" dirty="0"/>
+                        <a:t>63 896,04$</a:t>
+                      </a:r>
+                    </a:p>
+                  </a:txBody>
+                  <a:tcPr>
+                    <a:lnT w="12700" cap="flat" cmpd="sng" algn="ctr">
+                      <a:solidFill>
+                        <a:schemeClr val="tx1"/>
+                      </a:solidFill>
+                      <a:prstDash val="solid"/>
+                      <a:round/>
+                      <a:headEnd type="none" w="med" len="med"/>
+                      <a:tailEnd type="none" w="med" len="med"/>
+                    </a:lnT>
+                    <a:solidFill>
+                      <a:schemeClr val="bg2">
+                        <a:lumMod val="40000"/>
+                        <a:lumOff val="60000"/>
+                      </a:schemeClr>
+                    </a:solidFill>
+                  </a:tcPr>
+                </a:tc>
+                <a:tc>
+                  <a:txBody>
+                    <a:bodyPr/>
+                    <a:lstStyle/>
+                    <a:p>
+                      <a:pPr algn="r"/>
+                      <a:r>
+                        <a:rPr lang="fr-CA" dirty="0"/>
+                        <a:t>85 048,05$</a:t>
+                      </a:r>
+                    </a:p>
+                  </a:txBody>
+                  <a:tcPr>
+                    <a:lnT w="12700" cap="flat" cmpd="sng" algn="ctr">
+                      <a:solidFill>
+                        <a:schemeClr val="tx1"/>
+                      </a:solidFill>
+                      <a:prstDash val="solid"/>
+                      <a:round/>
+                      <a:headEnd type="none" w="med" len="med"/>
+                      <a:tailEnd type="none" w="med" len="med"/>
+                    </a:lnT>
+                    <a:solidFill>
+                      <a:schemeClr val="bg2">
+                        <a:lumMod val="40000"/>
+                        <a:lumOff val="60000"/>
+                      </a:schemeClr>
+                    </a:solidFill>
+                  </a:tcPr>
+                </a:tc>
+                <a:extLst>
+                  <a:ext uri="{0D108BD9-81ED-4DB2-BD59-A6C34878D82A}">
+                    <a16:rowId xmlns:a16="http://schemas.microsoft.com/office/drawing/2014/main" val="2991848521"/>
+                  </a:ext>
+                </a:extLst>
+              </a:tr>
+            </a:tbl>
+          </a:graphicData>
+        </a:graphic>
+      </p:graphicFrame>
+      <p:sp>
+        <p:nvSpPr>
+          <p:cNvPr id="6" name="ZoneTexte 5">
+            <a:extLst>
+              <a:ext uri="{FF2B5EF4-FFF2-40B4-BE49-F238E27FC236}">
+                <a16:creationId xmlns:a16="http://schemas.microsoft.com/office/drawing/2014/main" id="{094B1422-82B8-4F4F-BFA5-C992A502DF3F}"/>
+              </a:ext>
+            </a:extLst>
+          </p:cNvPr>
+          <p:cNvSpPr txBox="1"/>
+          <p:nvPr/>
+        </p:nvSpPr>
+        <p:spPr>
+          <a:xfrm>
+            <a:off x="3719235" y="5694363"/>
+            <a:ext cx="4805916" cy="369332"/>
+          </a:xfrm>
+          <a:prstGeom prst="rect">
+            <a:avLst/>
+          </a:prstGeom>
+          <a:noFill/>
+        </p:spPr>
+        <p:txBody>
+          <a:bodyPr wrap="square" rtlCol="0">
+            <a:spAutoFit/>
+          </a:bodyPr>
+          <a:lstStyle/>
+          <a:p>
+            <a:r>
+              <a:rPr lang="fr-CA" dirty="0"/>
+              <a:t>Rendement du capital investi sur 5 ans = 120,17%</a:t>
+            </a:r>
+          </a:p>
+        </p:txBody>
+      </p:sp>
+    </p:spTree>
+    <p:extLst>
+      <p:ext uri="{BB962C8B-B14F-4D97-AF65-F5344CB8AC3E}">
+        <p14:creationId xmlns:p14="http://schemas.microsoft.com/office/powerpoint/2010/main" val="3644820647"/>
       </p:ext>
     </p:extLst>
   </p:cSld>

--- a/SLAP.pptx
+++ b/SLAP.pptx
@@ -8,7 +8,9 @@
     <p:sldId id="256" r:id="rId2"/>
     <p:sldId id="257" r:id="rId3"/>
     <p:sldId id="258" r:id="rId4"/>
-    <p:sldId id="260" r:id="rId5"/>
+    <p:sldId id="262" r:id="rId5"/>
+    <p:sldId id="261" r:id="rId6"/>
+    <p:sldId id="260" r:id="rId7"/>
   </p:sldIdLst>
   <p:sldSz cx="12192000" cy="6858000"/>
   <p:notesSz cx="6858000" cy="9144000"/>
@@ -115,6 +117,8 @@
             <p14:sldId id="256"/>
             <p14:sldId id="257"/>
             <p14:sldId id="258"/>
+            <p14:sldId id="262"/>
+            <p14:sldId id="261"/>
             <p14:sldId id="260"/>
           </p14:sldIdLst>
         </p14:section>
@@ -181,7 +185,7 @@
           <a:noFill/>
           <a:extLst>
             <a:ext uri="{909E8E84-426E-40dd-AFC4-6F175D3DCCD1}">
-              <a14:hiddenFill xmlns:a14="http://schemas.microsoft.com/office/drawing/2010/main" xmlns="">
+              <a14:hiddenFill xmlns="" xmlns:a14="http://schemas.microsoft.com/office/drawing/2010/main">
                 <a:solidFill>
                   <a:srgbClr val="FFFFFF"/>
                 </a:solidFill>
@@ -241,7 +245,7 @@
             </a:ln>
             <a:extLst>
               <a:ext uri="{91240B29-F687-4f45-9708-019B960494DF}">
-                <a14:hiddenLine xmlns:a14="http://schemas.microsoft.com/office/drawing/2010/main" xmlns="" w="9525">
+                <a14:hiddenLine xmlns="" xmlns:a14="http://schemas.microsoft.com/office/drawing/2010/main" w="9525">
                   <a:solidFill>
                     <a:srgbClr val="000000"/>
                   </a:solidFill>
@@ -331,7 +335,7 @@
             </a:ln>
             <a:extLst>
               <a:ext uri="{91240B29-F687-4f45-9708-019B960494DF}">
-                <a14:hiddenLine xmlns:a14="http://schemas.microsoft.com/office/drawing/2010/main" xmlns="" w="9525">
+                <a14:hiddenLine xmlns="" xmlns:a14="http://schemas.microsoft.com/office/drawing/2010/main" w="9525">
                   <a:solidFill>
                     <a:srgbClr val="000000"/>
                   </a:solidFill>
@@ -421,7 +425,7 @@
             </a:ln>
             <a:extLst>
               <a:ext uri="{91240B29-F687-4f45-9708-019B960494DF}">
-                <a14:hiddenLine xmlns:a14="http://schemas.microsoft.com/office/drawing/2010/main" xmlns="" w="9525">
+                <a14:hiddenLine xmlns="" xmlns:a14="http://schemas.microsoft.com/office/drawing/2010/main" w="9525">
                   <a:solidFill>
                     <a:srgbClr val="000000"/>
                   </a:solidFill>
@@ -455,7 +459,7 @@
             </a:ln>
             <a:extLst>
               <a:ext uri="{91240B29-F687-4f45-9708-019B960494DF}">
-                <a14:hiddenLine xmlns:a14="http://schemas.microsoft.com/office/drawing/2010/main" xmlns="" w="9525">
+                <a14:hiddenLine xmlns="" xmlns:a14="http://schemas.microsoft.com/office/drawing/2010/main" w="9525">
                   <a:solidFill>
                     <a:srgbClr val="000000"/>
                   </a:solidFill>
@@ -545,7 +549,7 @@
             </a:ln>
             <a:extLst>
               <a:ext uri="{91240B29-F687-4f45-9708-019B960494DF}">
-                <a14:hiddenLine xmlns:a14="http://schemas.microsoft.com/office/drawing/2010/main" xmlns="" w="9525">
+                <a14:hiddenLine xmlns="" xmlns:a14="http://schemas.microsoft.com/office/drawing/2010/main" w="9525">
                   <a:solidFill>
                     <a:srgbClr val="000000"/>
                   </a:solidFill>
@@ -607,7 +611,7 @@
             </a:ln>
             <a:extLst>
               <a:ext uri="{91240B29-F687-4f45-9708-019B960494DF}">
-                <a14:hiddenLine xmlns:a14="http://schemas.microsoft.com/office/drawing/2010/main" xmlns="" w="9525">
+                <a14:hiddenLine xmlns="" xmlns:a14="http://schemas.microsoft.com/office/drawing/2010/main" w="9525">
                   <a:solidFill>
                     <a:srgbClr val="000000"/>
                   </a:solidFill>
@@ -669,7 +673,7 @@
             </a:ln>
             <a:extLst>
               <a:ext uri="{91240B29-F687-4f45-9708-019B960494DF}">
-                <a14:hiddenLine xmlns:a14="http://schemas.microsoft.com/office/drawing/2010/main" xmlns="" w="9525">
+                <a14:hiddenLine xmlns="" xmlns:a14="http://schemas.microsoft.com/office/drawing/2010/main" w="9525">
                   <a:solidFill>
                     <a:srgbClr val="000000"/>
                   </a:solidFill>
@@ -759,7 +763,7 @@
             </a:ln>
             <a:extLst>
               <a:ext uri="{91240B29-F687-4f45-9708-019B960494DF}">
-                <a14:hiddenLine xmlns:a14="http://schemas.microsoft.com/office/drawing/2010/main" xmlns="" w="9525">
+                <a14:hiddenLine xmlns="" xmlns:a14="http://schemas.microsoft.com/office/drawing/2010/main" w="9525">
                   <a:solidFill>
                     <a:srgbClr val="000000"/>
                   </a:solidFill>
@@ -821,7 +825,7 @@
             </a:ln>
             <a:extLst>
               <a:ext uri="{91240B29-F687-4f45-9708-019B960494DF}">
-                <a14:hiddenLine xmlns:a14="http://schemas.microsoft.com/office/drawing/2010/main" xmlns="" w="9525">
+                <a14:hiddenLine xmlns="" xmlns:a14="http://schemas.microsoft.com/office/drawing/2010/main" w="9525">
                   <a:solidFill>
                     <a:srgbClr val="000000"/>
                   </a:solidFill>
@@ -883,7 +887,7 @@
             </a:ln>
             <a:extLst>
               <a:ext uri="{91240B29-F687-4f45-9708-019B960494DF}">
-                <a14:hiddenLine xmlns:a14="http://schemas.microsoft.com/office/drawing/2010/main" xmlns="" w="9525">
+                <a14:hiddenLine xmlns="" xmlns:a14="http://schemas.microsoft.com/office/drawing/2010/main" w="9525">
                   <a:solidFill>
                     <a:srgbClr val="000000"/>
                   </a:solidFill>
@@ -973,7 +977,7 @@
             </a:ln>
             <a:extLst>
               <a:ext uri="{91240B29-F687-4f45-9708-019B960494DF}">
-                <a14:hiddenLine xmlns:a14="http://schemas.microsoft.com/office/drawing/2010/main" xmlns="" w="9525">
+                <a14:hiddenLine xmlns="" xmlns:a14="http://schemas.microsoft.com/office/drawing/2010/main" w="9525">
                   <a:solidFill>
                     <a:srgbClr val="000000"/>
                   </a:solidFill>
@@ -1063,7 +1067,7 @@
             </a:ln>
             <a:extLst>
               <a:ext uri="{91240B29-F687-4f45-9708-019B960494DF}">
-                <a14:hiddenLine xmlns:a14="http://schemas.microsoft.com/office/drawing/2010/main" xmlns="" w="9525">
+                <a14:hiddenLine xmlns="" xmlns:a14="http://schemas.microsoft.com/office/drawing/2010/main" w="9525">
                   <a:solidFill>
                     <a:srgbClr val="000000"/>
                   </a:solidFill>
@@ -1125,7 +1129,7 @@
             </a:ln>
             <a:extLst>
               <a:ext uri="{91240B29-F687-4f45-9708-019B960494DF}">
-                <a14:hiddenLine xmlns:a14="http://schemas.microsoft.com/office/drawing/2010/main" xmlns="" w="9525">
+                <a14:hiddenLine xmlns="" xmlns:a14="http://schemas.microsoft.com/office/drawing/2010/main" w="9525">
                   <a:solidFill>
                     <a:srgbClr val="000000"/>
                   </a:solidFill>
@@ -1235,7 +1239,7 @@
             </a:ln>
             <a:extLst>
               <a:ext uri="{91240B29-F687-4f45-9708-019B960494DF}">
-                <a14:hiddenLine xmlns:a14="http://schemas.microsoft.com/office/drawing/2010/main" xmlns="" w="9525">
+                <a14:hiddenLine xmlns="" xmlns:a14="http://schemas.microsoft.com/office/drawing/2010/main" w="9525">
                   <a:solidFill>
                     <a:srgbClr val="000000"/>
                   </a:solidFill>
@@ -1297,7 +1301,7 @@
             </a:ln>
             <a:extLst>
               <a:ext uri="{91240B29-F687-4f45-9708-019B960494DF}">
-                <a14:hiddenLine xmlns:a14="http://schemas.microsoft.com/office/drawing/2010/main" xmlns="" w="9525">
+                <a14:hiddenLine xmlns="" xmlns:a14="http://schemas.microsoft.com/office/drawing/2010/main" w="9525">
                   <a:solidFill>
                     <a:srgbClr val="000000"/>
                   </a:solidFill>
@@ -1387,7 +1391,7 @@
             </a:ln>
             <a:extLst>
               <a:ext uri="{91240B29-F687-4f45-9708-019B960494DF}">
-                <a14:hiddenLine xmlns:a14="http://schemas.microsoft.com/office/drawing/2010/main" xmlns="" w="9525">
+                <a14:hiddenLine xmlns="" xmlns:a14="http://schemas.microsoft.com/office/drawing/2010/main" w="9525">
                   <a:solidFill>
                     <a:srgbClr val="000000"/>
                   </a:solidFill>
@@ -1477,7 +1481,7 @@
             </a:ln>
             <a:extLst>
               <a:ext uri="{91240B29-F687-4f45-9708-019B960494DF}">
-                <a14:hiddenLine xmlns:a14="http://schemas.microsoft.com/office/drawing/2010/main" xmlns="" w="9525">
+                <a14:hiddenLine xmlns="" xmlns:a14="http://schemas.microsoft.com/office/drawing/2010/main" w="9525">
                   <a:solidFill>
                     <a:srgbClr val="000000"/>
                   </a:solidFill>
@@ -1539,7 +1543,7 @@
             </a:ln>
             <a:extLst>
               <a:ext uri="{91240B29-F687-4f45-9708-019B960494DF}">
-                <a14:hiddenLine xmlns:a14="http://schemas.microsoft.com/office/drawing/2010/main" xmlns="" w="9525">
+                <a14:hiddenLine xmlns="" xmlns:a14="http://schemas.microsoft.com/office/drawing/2010/main" w="9525">
                   <a:solidFill>
                     <a:srgbClr val="000000"/>
                   </a:solidFill>
@@ -1629,7 +1633,7 @@
             </a:ln>
             <a:extLst>
               <a:ext uri="{91240B29-F687-4f45-9708-019B960494DF}">
-                <a14:hiddenLine xmlns:a14="http://schemas.microsoft.com/office/drawing/2010/main" xmlns="" w="9525">
+                <a14:hiddenLine xmlns="" xmlns:a14="http://schemas.microsoft.com/office/drawing/2010/main" w="9525">
                   <a:solidFill>
                     <a:srgbClr val="000000"/>
                   </a:solidFill>
@@ -1719,7 +1723,7 @@
             </a:ln>
             <a:extLst>
               <a:ext uri="{91240B29-F687-4f45-9708-019B960494DF}">
-                <a14:hiddenLine xmlns:a14="http://schemas.microsoft.com/office/drawing/2010/main" xmlns="" w="9525">
+                <a14:hiddenLine xmlns="" xmlns:a14="http://schemas.microsoft.com/office/drawing/2010/main" w="9525">
                   <a:solidFill>
                     <a:srgbClr val="000000"/>
                   </a:solidFill>
@@ -1775,7 +1779,7 @@
             </a:ln>
             <a:extLst>
               <a:ext uri="{91240B29-F687-4f45-9708-019B960494DF}">
-                <a14:hiddenLine xmlns:a14="http://schemas.microsoft.com/office/drawing/2010/main" xmlns="" w="9525">
+                <a14:hiddenLine xmlns="" xmlns:a14="http://schemas.microsoft.com/office/drawing/2010/main" w="9525">
                   <a:solidFill>
                     <a:srgbClr val="000000"/>
                   </a:solidFill>
@@ -1865,7 +1869,7 @@
             </a:ln>
             <a:extLst>
               <a:ext uri="{91240B29-F687-4f45-9708-019B960494DF}">
-                <a14:hiddenLine xmlns:a14="http://schemas.microsoft.com/office/drawing/2010/main" xmlns="" w="9525">
+                <a14:hiddenLine xmlns="" xmlns:a14="http://schemas.microsoft.com/office/drawing/2010/main" w="9525">
                   <a:solidFill>
                     <a:srgbClr val="000000"/>
                   </a:solidFill>
@@ -1921,7 +1925,7 @@
             </a:ln>
             <a:extLst>
               <a:ext uri="{91240B29-F687-4f45-9708-019B960494DF}">
-                <a14:hiddenLine xmlns:a14="http://schemas.microsoft.com/office/drawing/2010/main" xmlns="" w="9525">
+                <a14:hiddenLine xmlns="" xmlns:a14="http://schemas.microsoft.com/office/drawing/2010/main" w="9525">
                   <a:solidFill>
                     <a:srgbClr val="000000"/>
                   </a:solidFill>
@@ -2011,7 +2015,7 @@
             </a:ln>
             <a:extLst>
               <a:ext uri="{91240B29-F687-4f45-9708-019B960494DF}">
-                <a14:hiddenLine xmlns:a14="http://schemas.microsoft.com/office/drawing/2010/main" xmlns="" w="9525">
+                <a14:hiddenLine xmlns="" xmlns:a14="http://schemas.microsoft.com/office/drawing/2010/main" w="9525">
                   <a:solidFill>
                     <a:srgbClr val="000000"/>
                   </a:solidFill>
@@ -2079,7 +2083,7 @@
             </a:ln>
             <a:extLst>
               <a:ext uri="{91240B29-F687-4f45-9708-019B960494DF}">
-                <a14:hiddenLine xmlns:a14="http://schemas.microsoft.com/office/drawing/2010/main" xmlns="" w="9525">
+                <a14:hiddenLine xmlns="" xmlns:a14="http://schemas.microsoft.com/office/drawing/2010/main" w="9525">
                   <a:solidFill>
                     <a:srgbClr val="000000"/>
                   </a:solidFill>
@@ -2169,7 +2173,7 @@
             </a:ln>
             <a:extLst>
               <a:ext uri="{91240B29-F687-4f45-9708-019B960494DF}">
-                <a14:hiddenLine xmlns:a14="http://schemas.microsoft.com/office/drawing/2010/main" xmlns="" w="9525">
+                <a14:hiddenLine xmlns="" xmlns:a14="http://schemas.microsoft.com/office/drawing/2010/main" w="9525">
                   <a:solidFill>
                     <a:srgbClr val="000000"/>
                   </a:solidFill>
@@ -2237,7 +2241,7 @@
             </a:ln>
             <a:extLst>
               <a:ext uri="{91240B29-F687-4f45-9708-019B960494DF}">
-                <a14:hiddenLine xmlns:a14="http://schemas.microsoft.com/office/drawing/2010/main" xmlns="" w="9525">
+                <a14:hiddenLine xmlns="" xmlns:a14="http://schemas.microsoft.com/office/drawing/2010/main" w="9525">
                   <a:solidFill>
                     <a:srgbClr val="000000"/>
                   </a:solidFill>
@@ -2327,7 +2331,7 @@
             </a:ln>
             <a:extLst>
               <a:ext uri="{91240B29-F687-4f45-9708-019B960494DF}">
-                <a14:hiddenLine xmlns:a14="http://schemas.microsoft.com/office/drawing/2010/main" xmlns="" w="9525">
+                <a14:hiddenLine xmlns="" xmlns:a14="http://schemas.microsoft.com/office/drawing/2010/main" w="9525">
                   <a:solidFill>
                     <a:srgbClr val="000000"/>
                   </a:solidFill>
@@ -2361,7 +2365,7 @@
             </a:ln>
             <a:extLst>
               <a:ext uri="{91240B29-F687-4f45-9708-019B960494DF}">
-                <a14:hiddenLine xmlns:a14="http://schemas.microsoft.com/office/drawing/2010/main" xmlns="" w="9525">
+                <a14:hiddenLine xmlns="" xmlns:a14="http://schemas.microsoft.com/office/drawing/2010/main" w="9525">
                   <a:solidFill>
                     <a:srgbClr val="000000"/>
                   </a:solidFill>
@@ -2451,7 +2455,7 @@
             </a:ln>
             <a:extLst>
               <a:ext uri="{91240B29-F687-4f45-9708-019B960494DF}">
-                <a14:hiddenLine xmlns:a14="http://schemas.microsoft.com/office/drawing/2010/main" xmlns="" w="9525">
+                <a14:hiddenLine xmlns="" xmlns:a14="http://schemas.microsoft.com/office/drawing/2010/main" w="9525">
                   <a:solidFill>
                     <a:srgbClr val="000000"/>
                   </a:solidFill>
@@ -2513,7 +2517,7 @@
             </a:ln>
             <a:extLst>
               <a:ext uri="{91240B29-F687-4f45-9708-019B960494DF}">
-                <a14:hiddenLine xmlns:a14="http://schemas.microsoft.com/office/drawing/2010/main" xmlns="" w="9525">
+                <a14:hiddenLine xmlns="" xmlns:a14="http://schemas.microsoft.com/office/drawing/2010/main" w="9525">
                   <a:solidFill>
                     <a:srgbClr val="000000"/>
                   </a:solidFill>
@@ -2575,7 +2579,7 @@
             </a:ln>
             <a:extLst>
               <a:ext uri="{91240B29-F687-4f45-9708-019B960494DF}">
-                <a14:hiddenLine xmlns:a14="http://schemas.microsoft.com/office/drawing/2010/main" xmlns="" w="9525">
+                <a14:hiddenLine xmlns="" xmlns:a14="http://schemas.microsoft.com/office/drawing/2010/main" w="9525">
                   <a:solidFill>
                     <a:srgbClr val="000000"/>
                   </a:solidFill>
@@ -2665,7 +2669,7 @@
             </a:ln>
             <a:extLst>
               <a:ext uri="{91240B29-F687-4f45-9708-019B960494DF}">
-                <a14:hiddenLine xmlns:a14="http://schemas.microsoft.com/office/drawing/2010/main" xmlns="" w="9525">
+                <a14:hiddenLine xmlns="" xmlns:a14="http://schemas.microsoft.com/office/drawing/2010/main" w="9525">
                   <a:solidFill>
                     <a:srgbClr val="000000"/>
                   </a:solidFill>
@@ -2733,7 +2737,7 @@
             </a:ln>
             <a:extLst>
               <a:ext uri="{91240B29-F687-4f45-9708-019B960494DF}">
-                <a14:hiddenLine xmlns:a14="http://schemas.microsoft.com/office/drawing/2010/main" xmlns="" w="9525">
+                <a14:hiddenLine xmlns="" xmlns:a14="http://schemas.microsoft.com/office/drawing/2010/main" w="9525">
                   <a:solidFill>
                     <a:srgbClr val="000000"/>
                   </a:solidFill>
@@ -2795,7 +2799,7 @@
             </a:ln>
             <a:extLst>
               <a:ext uri="{91240B29-F687-4f45-9708-019B960494DF}">
-                <a14:hiddenLine xmlns:a14="http://schemas.microsoft.com/office/drawing/2010/main" xmlns="" w="9525">
+                <a14:hiddenLine xmlns="" xmlns:a14="http://schemas.microsoft.com/office/drawing/2010/main" w="9525">
                   <a:solidFill>
                     <a:srgbClr val="000000"/>
                   </a:solidFill>
@@ -2885,7 +2889,7 @@
             </a:ln>
             <a:extLst>
               <a:ext uri="{91240B29-F687-4f45-9708-019B960494DF}">
-                <a14:hiddenLine xmlns:a14="http://schemas.microsoft.com/office/drawing/2010/main" xmlns="" w="9525">
+                <a14:hiddenLine xmlns="" xmlns:a14="http://schemas.microsoft.com/office/drawing/2010/main" w="9525">
                   <a:solidFill>
                     <a:srgbClr val="000000"/>
                   </a:solidFill>
@@ -2947,7 +2951,7 @@
             </a:ln>
             <a:extLst>
               <a:ext uri="{91240B29-F687-4f45-9708-019B960494DF}">
-                <a14:hiddenLine xmlns:a14="http://schemas.microsoft.com/office/drawing/2010/main" xmlns="" w="9525">
+                <a14:hiddenLine xmlns="" xmlns:a14="http://schemas.microsoft.com/office/drawing/2010/main" w="9525">
                   <a:solidFill>
                     <a:srgbClr val="000000"/>
                   </a:solidFill>
@@ -3037,7 +3041,7 @@
             </a:ln>
             <a:extLst>
               <a:ext uri="{91240B29-F687-4f45-9708-019B960494DF}">
-                <a14:hiddenLine xmlns:a14="http://schemas.microsoft.com/office/drawing/2010/main" xmlns="" w="9525">
+                <a14:hiddenLine xmlns="" xmlns:a14="http://schemas.microsoft.com/office/drawing/2010/main" w="9525">
                   <a:solidFill>
                     <a:srgbClr val="000000"/>
                   </a:solidFill>
@@ -3099,7 +3103,7 @@
             </a:ln>
             <a:extLst>
               <a:ext uri="{91240B29-F687-4f45-9708-019B960494DF}">
-                <a14:hiddenLine xmlns:a14="http://schemas.microsoft.com/office/drawing/2010/main" xmlns="" w="9525">
+                <a14:hiddenLine xmlns="" xmlns:a14="http://schemas.microsoft.com/office/drawing/2010/main" w="9525">
                   <a:solidFill>
                     <a:srgbClr val="000000"/>
                   </a:solidFill>
@@ -3189,7 +3193,7 @@
             </a:ln>
             <a:extLst>
               <a:ext uri="{91240B29-F687-4f45-9708-019B960494DF}">
-                <a14:hiddenLine xmlns:a14="http://schemas.microsoft.com/office/drawing/2010/main" xmlns="" w="9525">
+                <a14:hiddenLine xmlns="" xmlns:a14="http://schemas.microsoft.com/office/drawing/2010/main" w="9525">
                   <a:solidFill>
                     <a:srgbClr val="000000"/>
                   </a:solidFill>
@@ -3223,7 +3227,7 @@
             </a:ln>
             <a:extLst>
               <a:ext uri="{91240B29-F687-4f45-9708-019B960494DF}">
-                <a14:hiddenLine xmlns:a14="http://schemas.microsoft.com/office/drawing/2010/main" xmlns="" w="9525">
+                <a14:hiddenLine xmlns="" xmlns:a14="http://schemas.microsoft.com/office/drawing/2010/main" w="9525">
                   <a:solidFill>
                     <a:srgbClr val="000000"/>
                   </a:solidFill>
@@ -3288,7 +3292,7 @@
             </a:ln>
             <a:extLst>
               <a:ext uri="{91240B29-F687-4f45-9708-019B960494DF}">
-                <a14:hiddenLine xmlns:a14="http://schemas.microsoft.com/office/drawing/2010/main" xmlns="" w="9525">
+                <a14:hiddenLine xmlns="" xmlns:a14="http://schemas.microsoft.com/office/drawing/2010/main" w="9525">
                   <a:solidFill>
                     <a:srgbClr val="000000"/>
                   </a:solidFill>
@@ -3378,7 +3382,7 @@
             </a:ln>
             <a:extLst>
               <a:ext uri="{91240B29-F687-4f45-9708-019B960494DF}">
-                <a14:hiddenLine xmlns:a14="http://schemas.microsoft.com/office/drawing/2010/main" xmlns="" w="9525">
+                <a14:hiddenLine xmlns="" xmlns:a14="http://schemas.microsoft.com/office/drawing/2010/main" w="9525">
                   <a:solidFill>
                     <a:srgbClr val="000000"/>
                   </a:solidFill>
@@ -3440,7 +3444,7 @@
             </a:ln>
             <a:extLst>
               <a:ext uri="{91240B29-F687-4f45-9708-019B960494DF}">
-                <a14:hiddenLine xmlns:a14="http://schemas.microsoft.com/office/drawing/2010/main" xmlns="" w="9525">
+                <a14:hiddenLine xmlns="" xmlns:a14="http://schemas.microsoft.com/office/drawing/2010/main" w="9525">
                   <a:solidFill>
                     <a:srgbClr val="000000"/>
                   </a:solidFill>
@@ -3530,7 +3534,7 @@
             </a:ln>
             <a:extLst>
               <a:ext uri="{91240B29-F687-4f45-9708-019B960494DF}">
-                <a14:hiddenLine xmlns:a14="http://schemas.microsoft.com/office/drawing/2010/main" xmlns="" w="9525">
+                <a14:hiddenLine xmlns="" xmlns:a14="http://schemas.microsoft.com/office/drawing/2010/main" w="9525">
                   <a:solidFill>
                     <a:srgbClr val="000000"/>
                   </a:solidFill>
@@ -3620,7 +3624,7 @@
             </a:ln>
             <a:extLst>
               <a:ext uri="{91240B29-F687-4f45-9708-019B960494DF}">
-                <a14:hiddenLine xmlns:a14="http://schemas.microsoft.com/office/drawing/2010/main" xmlns="" w="9525">
+                <a14:hiddenLine xmlns="" xmlns:a14="http://schemas.microsoft.com/office/drawing/2010/main" w="9525">
                   <a:solidFill>
                     <a:srgbClr val="000000"/>
                   </a:solidFill>
@@ -3685,7 +3689,7 @@
             </a:ln>
             <a:extLst>
               <a:ext uri="{91240B29-F687-4f45-9708-019B960494DF}">
-                <a14:hiddenLine xmlns:a14="http://schemas.microsoft.com/office/drawing/2010/main" xmlns="" w="9525">
+                <a14:hiddenLine xmlns="" xmlns:a14="http://schemas.microsoft.com/office/drawing/2010/main" w="9525">
                   <a:solidFill>
                     <a:srgbClr val="000000"/>
                   </a:solidFill>
@@ -3747,7 +3751,7 @@
             </a:ln>
             <a:extLst>
               <a:ext uri="{91240B29-F687-4f45-9708-019B960494DF}">
-                <a14:hiddenLine xmlns:a14="http://schemas.microsoft.com/office/drawing/2010/main" xmlns="" w="9525">
+                <a14:hiddenLine xmlns="" xmlns:a14="http://schemas.microsoft.com/office/drawing/2010/main" w="9525">
                   <a:solidFill>
                     <a:srgbClr val="000000"/>
                   </a:solidFill>
@@ -3837,7 +3841,7 @@
             </a:ln>
             <a:extLst>
               <a:ext uri="{91240B29-F687-4f45-9708-019B960494DF}">
-                <a14:hiddenLine xmlns:a14="http://schemas.microsoft.com/office/drawing/2010/main" xmlns="" w="9525">
+                <a14:hiddenLine xmlns="" xmlns:a14="http://schemas.microsoft.com/office/drawing/2010/main" w="9525">
                   <a:solidFill>
                     <a:srgbClr val="000000"/>
                   </a:solidFill>
@@ -3927,7 +3931,7 @@
             </a:ln>
             <a:extLst>
               <a:ext uri="{91240B29-F687-4f45-9708-019B960494DF}">
-                <a14:hiddenLine xmlns:a14="http://schemas.microsoft.com/office/drawing/2010/main" xmlns="" w="9525">
+                <a14:hiddenLine xmlns="" xmlns:a14="http://schemas.microsoft.com/office/drawing/2010/main" w="9525">
                   <a:solidFill>
                     <a:srgbClr val="000000"/>
                   </a:solidFill>
@@ -3989,7 +3993,7 @@
             </a:ln>
             <a:extLst>
               <a:ext uri="{91240B29-F687-4f45-9708-019B960494DF}">
-                <a14:hiddenLine xmlns:a14="http://schemas.microsoft.com/office/drawing/2010/main" xmlns="" w="9525">
+                <a14:hiddenLine xmlns="" xmlns:a14="http://schemas.microsoft.com/office/drawing/2010/main" w="9525">
                   <a:solidFill>
                     <a:srgbClr val="000000"/>
                   </a:solidFill>
@@ -4109,7 +4113,7 @@
             </a:ln>
             <a:extLst>
               <a:ext uri="{91240B29-F687-4f45-9708-019B960494DF}">
-                <a14:hiddenLine xmlns:a14="http://schemas.microsoft.com/office/drawing/2010/main" xmlns="" w="9525">
+                <a14:hiddenLine xmlns="" xmlns:a14="http://schemas.microsoft.com/office/drawing/2010/main" w="9525">
                   <a:solidFill>
                     <a:srgbClr val="000000"/>
                   </a:solidFill>
@@ -4177,7 +4181,7 @@
             </a:ln>
             <a:extLst>
               <a:ext uri="{91240B29-F687-4f45-9708-019B960494DF}">
-                <a14:hiddenLine xmlns:a14="http://schemas.microsoft.com/office/drawing/2010/main" xmlns="" w="9525">
+                <a14:hiddenLine xmlns="" xmlns:a14="http://schemas.microsoft.com/office/drawing/2010/main" w="9525">
                   <a:solidFill>
                     <a:srgbClr val="000000"/>
                   </a:solidFill>
@@ -4267,7 +4271,7 @@
             </a:ln>
             <a:extLst>
               <a:ext uri="{91240B29-F687-4f45-9708-019B960494DF}">
-                <a14:hiddenLine xmlns:a14="http://schemas.microsoft.com/office/drawing/2010/main" xmlns="" w="9525">
+                <a14:hiddenLine xmlns="" xmlns:a14="http://schemas.microsoft.com/office/drawing/2010/main" w="9525">
                   <a:solidFill>
                     <a:srgbClr val="000000"/>
                   </a:solidFill>
@@ -4407,7 +4411,7 @@
           <a:p>
             <a:fld id="{A79F242A-E88C-47E4-8C58-35E6FB715C93}" type="datetimeFigureOut">
               <a:rPr lang="fr-CA" smtClean="0"/>
-              <a:t>2017-11-14</a:t>
+              <a:t>2017-11-20</a:t>
             </a:fld>
             <a:endParaRPr lang="fr-CA"/>
           </a:p>
@@ -4674,7 +4678,7 @@
           <a:p>
             <a:fld id="{A79F242A-E88C-47E4-8C58-35E6FB715C93}" type="datetimeFigureOut">
               <a:rPr lang="fr-CA" smtClean="0"/>
-              <a:t>2017-11-14</a:t>
+              <a:t>2017-11-20</a:t>
             </a:fld>
             <a:endParaRPr lang="fr-CA"/>
           </a:p>
@@ -4870,7 +4874,7 @@
           <a:p>
             <a:fld id="{A79F242A-E88C-47E4-8C58-35E6FB715C93}" type="datetimeFigureOut">
               <a:rPr lang="fr-CA" smtClean="0"/>
-              <a:t>2017-11-14</a:t>
+              <a:t>2017-11-20</a:t>
             </a:fld>
             <a:endParaRPr lang="fr-CA"/>
           </a:p>
@@ -5133,7 +5137,7 @@
           <a:p>
             <a:fld id="{A79F242A-E88C-47E4-8C58-35E6FB715C93}" type="datetimeFigureOut">
               <a:rPr lang="fr-CA" smtClean="0"/>
-              <a:t>2017-11-14</a:t>
+              <a:t>2017-11-20</a:t>
             </a:fld>
             <a:endParaRPr lang="fr-CA"/>
           </a:p>
@@ -5567,7 +5571,7 @@
           <a:p>
             <a:fld id="{A79F242A-E88C-47E4-8C58-35E6FB715C93}" type="datetimeFigureOut">
               <a:rPr lang="fr-CA" smtClean="0"/>
-              <a:t>2017-11-14</a:t>
+              <a:t>2017-11-20</a:t>
             </a:fld>
             <a:endParaRPr lang="fr-CA"/>
           </a:p>
@@ -6113,7 +6117,7 @@
           <a:p>
             <a:fld id="{A79F242A-E88C-47E4-8C58-35E6FB715C93}" type="datetimeFigureOut">
               <a:rPr lang="fr-CA" smtClean="0"/>
-              <a:t>2017-11-14</a:t>
+              <a:t>2017-11-20</a:t>
             </a:fld>
             <a:endParaRPr lang="fr-CA"/>
           </a:p>
@@ -6833,7 +6837,7 @@
           <a:p>
             <a:fld id="{A79F242A-E88C-47E4-8C58-35E6FB715C93}" type="datetimeFigureOut">
               <a:rPr lang="fr-CA" smtClean="0"/>
-              <a:t>2017-11-14</a:t>
+              <a:t>2017-11-20</a:t>
             </a:fld>
             <a:endParaRPr lang="fr-CA"/>
           </a:p>
@@ -7003,7 +7007,7 @@
           <a:p>
             <a:fld id="{A79F242A-E88C-47E4-8C58-35E6FB715C93}" type="datetimeFigureOut">
               <a:rPr lang="fr-CA" smtClean="0"/>
-              <a:t>2017-11-14</a:t>
+              <a:t>2017-11-20</a:t>
             </a:fld>
             <a:endParaRPr lang="fr-CA"/>
           </a:p>
@@ -7183,7 +7187,7 @@
           <a:p>
             <a:fld id="{A79F242A-E88C-47E4-8C58-35E6FB715C93}" type="datetimeFigureOut">
               <a:rPr lang="fr-CA" smtClean="0"/>
-              <a:t>2017-11-14</a:t>
+              <a:t>2017-11-20</a:t>
             </a:fld>
             <a:endParaRPr lang="fr-CA"/>
           </a:p>
@@ -7353,7 +7357,7 @@
           <a:p>
             <a:fld id="{A79F242A-E88C-47E4-8C58-35E6FB715C93}" type="datetimeFigureOut">
               <a:rPr lang="fr-CA" smtClean="0"/>
-              <a:t>2017-11-14</a:t>
+              <a:t>2017-11-20</a:t>
             </a:fld>
             <a:endParaRPr lang="fr-CA"/>
           </a:p>
@@ -7603,7 +7607,7 @@
           <a:p>
             <a:fld id="{A79F242A-E88C-47E4-8C58-35E6FB715C93}" type="datetimeFigureOut">
               <a:rPr lang="fr-CA" smtClean="0"/>
-              <a:t>2017-11-14</a:t>
+              <a:t>2017-11-20</a:t>
             </a:fld>
             <a:endParaRPr lang="fr-CA"/>
           </a:p>
@@ -7835,7 +7839,7 @@
           <a:p>
             <a:fld id="{A79F242A-E88C-47E4-8C58-35E6FB715C93}" type="datetimeFigureOut">
               <a:rPr lang="fr-CA" smtClean="0"/>
-              <a:t>2017-11-14</a:t>
+              <a:t>2017-11-20</a:t>
             </a:fld>
             <a:endParaRPr lang="fr-CA"/>
           </a:p>
@@ -8216,7 +8220,7 @@
           <a:p>
             <a:fld id="{A79F242A-E88C-47E4-8C58-35E6FB715C93}" type="datetimeFigureOut">
               <a:rPr lang="fr-CA" smtClean="0"/>
-              <a:t>2017-11-14</a:t>
+              <a:t>2017-11-20</a:t>
             </a:fld>
             <a:endParaRPr lang="fr-CA"/>
           </a:p>
@@ -8334,7 +8338,7 @@
           <a:p>
             <a:fld id="{A79F242A-E88C-47E4-8C58-35E6FB715C93}" type="datetimeFigureOut">
               <a:rPr lang="fr-CA" smtClean="0"/>
-              <a:t>2017-11-14</a:t>
+              <a:t>2017-11-20</a:t>
             </a:fld>
             <a:endParaRPr lang="fr-CA"/>
           </a:p>
@@ -8429,7 +8433,7 @@
           <a:p>
             <a:fld id="{A79F242A-E88C-47E4-8C58-35E6FB715C93}" type="datetimeFigureOut">
               <a:rPr lang="fr-CA" smtClean="0"/>
-              <a:t>2017-11-14</a:t>
+              <a:t>2017-11-20</a:t>
             </a:fld>
             <a:endParaRPr lang="fr-CA"/>
           </a:p>
@@ -8678,7 +8682,7 @@
           <a:p>
             <a:fld id="{A79F242A-E88C-47E4-8C58-35E6FB715C93}" type="datetimeFigureOut">
               <a:rPr lang="fr-CA" smtClean="0"/>
-              <a:t>2017-11-14</a:t>
+              <a:t>2017-11-20</a:t>
             </a:fld>
             <a:endParaRPr lang="fr-CA"/>
           </a:p>
@@ -8958,7 +8962,7 @@
           <a:p>
             <a:fld id="{A79F242A-E88C-47E4-8C58-35E6FB715C93}" type="datetimeFigureOut">
               <a:rPr lang="fr-CA" smtClean="0"/>
-              <a:t>2017-11-14</a:t>
+              <a:t>2017-11-20</a:t>
             </a:fld>
             <a:endParaRPr lang="fr-CA"/>
           </a:p>
@@ -9074,7 +9078,7 @@
           <a:noFill/>
           <a:extLst>
             <a:ext uri="{909E8E84-426E-40dd-AFC4-6F175D3DCCD1}">
-              <a14:hiddenFill xmlns:a14="http://schemas.microsoft.com/office/drawing/2010/main" xmlns="">
+              <a14:hiddenFill xmlns="" xmlns:a14="http://schemas.microsoft.com/office/drawing/2010/main">
                 <a:solidFill>
                   <a:srgbClr val="FFFFFF"/>
                 </a:solidFill>
@@ -9148,7 +9152,7 @@
               </a:ln>
               <a:extLst>
                 <a:ext uri="{91240B29-F687-4f45-9708-019B960494DF}">
-                  <a14:hiddenLine xmlns:a14="http://schemas.microsoft.com/office/drawing/2010/main" xmlns="" w="9525">
+                  <a14:hiddenLine xmlns="" xmlns:a14="http://schemas.microsoft.com/office/drawing/2010/main" w="9525">
                     <a:solidFill>
                       <a:srgbClr val="000000"/>
                     </a:solidFill>
@@ -9238,7 +9242,7 @@
               </a:ln>
               <a:extLst>
                 <a:ext uri="{91240B29-F687-4f45-9708-019B960494DF}">
-                  <a14:hiddenLine xmlns:a14="http://schemas.microsoft.com/office/drawing/2010/main" xmlns="" w="9525">
+                  <a14:hiddenLine xmlns="" xmlns:a14="http://schemas.microsoft.com/office/drawing/2010/main" w="9525">
                     <a:solidFill>
                       <a:srgbClr val="000000"/>
                     </a:solidFill>
@@ -9328,7 +9332,7 @@
               </a:ln>
               <a:extLst>
                 <a:ext uri="{91240B29-F687-4f45-9708-019B960494DF}">
-                  <a14:hiddenLine xmlns:a14="http://schemas.microsoft.com/office/drawing/2010/main" xmlns="" w="9525">
+                  <a14:hiddenLine xmlns="" xmlns:a14="http://schemas.microsoft.com/office/drawing/2010/main" w="9525">
                     <a:solidFill>
                       <a:srgbClr val="000000"/>
                     </a:solidFill>
@@ -9390,7 +9394,7 @@
               </a:ln>
               <a:extLst>
                 <a:ext uri="{91240B29-F687-4f45-9708-019B960494DF}">
-                  <a14:hiddenLine xmlns:a14="http://schemas.microsoft.com/office/drawing/2010/main" xmlns="" w="9525">
+                  <a14:hiddenLine xmlns="" xmlns:a14="http://schemas.microsoft.com/office/drawing/2010/main" w="9525">
                     <a:solidFill>
                       <a:srgbClr val="000000"/>
                     </a:solidFill>
@@ -9480,7 +9484,7 @@
               </a:ln>
               <a:extLst>
                 <a:ext uri="{91240B29-F687-4f45-9708-019B960494DF}">
-                  <a14:hiddenLine xmlns:a14="http://schemas.microsoft.com/office/drawing/2010/main" xmlns="" w="9525">
+                  <a14:hiddenLine xmlns="" xmlns:a14="http://schemas.microsoft.com/office/drawing/2010/main" w="9525">
                     <a:solidFill>
                       <a:srgbClr val="000000"/>
                     </a:solidFill>
@@ -9542,7 +9546,7 @@
               </a:ln>
               <a:extLst>
                 <a:ext uri="{91240B29-F687-4f45-9708-019B960494DF}">
-                  <a14:hiddenLine xmlns:a14="http://schemas.microsoft.com/office/drawing/2010/main" xmlns="" w="9525">
+                  <a14:hiddenLine xmlns="" xmlns:a14="http://schemas.microsoft.com/office/drawing/2010/main" w="9525">
                     <a:solidFill>
                       <a:srgbClr val="000000"/>
                     </a:solidFill>
@@ -9604,7 +9608,7 @@
               </a:ln>
               <a:extLst>
                 <a:ext uri="{91240B29-F687-4f45-9708-019B960494DF}">
-                  <a14:hiddenLine xmlns:a14="http://schemas.microsoft.com/office/drawing/2010/main" xmlns="" w="9525">
+                  <a14:hiddenLine xmlns="" xmlns:a14="http://schemas.microsoft.com/office/drawing/2010/main" w="9525">
                     <a:solidFill>
                       <a:srgbClr val="000000"/>
                     </a:solidFill>
@@ -9694,7 +9698,7 @@
               </a:ln>
               <a:extLst>
                 <a:ext uri="{91240B29-F687-4f45-9708-019B960494DF}">
-                  <a14:hiddenLine xmlns:a14="http://schemas.microsoft.com/office/drawing/2010/main" xmlns="" w="9525">
+                  <a14:hiddenLine xmlns="" xmlns:a14="http://schemas.microsoft.com/office/drawing/2010/main" w="9525">
                     <a:solidFill>
                       <a:srgbClr val="000000"/>
                     </a:solidFill>
@@ -9784,7 +9788,7 @@
               </a:ln>
               <a:extLst>
                 <a:ext uri="{91240B29-F687-4f45-9708-019B960494DF}">
-                  <a14:hiddenLine xmlns:a14="http://schemas.microsoft.com/office/drawing/2010/main" xmlns="" w="9525">
+                  <a14:hiddenLine xmlns="" xmlns:a14="http://schemas.microsoft.com/office/drawing/2010/main" w="9525">
                     <a:solidFill>
                       <a:srgbClr val="000000"/>
                     </a:solidFill>
@@ -9846,7 +9850,7 @@
               </a:ln>
               <a:extLst>
                 <a:ext uri="{91240B29-F687-4f45-9708-019B960494DF}">
-                  <a14:hiddenLine xmlns:a14="http://schemas.microsoft.com/office/drawing/2010/main" xmlns="" w="9525">
+                  <a14:hiddenLine xmlns="" xmlns:a14="http://schemas.microsoft.com/office/drawing/2010/main" w="9525">
                     <a:solidFill>
                       <a:srgbClr val="000000"/>
                     </a:solidFill>
@@ -9956,7 +9960,7 @@
               </a:ln>
               <a:extLst>
                 <a:ext uri="{91240B29-F687-4f45-9708-019B960494DF}">
-                  <a14:hiddenLine xmlns:a14="http://schemas.microsoft.com/office/drawing/2010/main" xmlns="" w="9525">
+                  <a14:hiddenLine xmlns="" xmlns:a14="http://schemas.microsoft.com/office/drawing/2010/main" w="9525">
                     <a:solidFill>
                       <a:srgbClr val="000000"/>
                     </a:solidFill>
@@ -10040,7 +10044,7 @@
               </a:ln>
               <a:extLst>
                 <a:ext uri="{91240B29-F687-4f45-9708-019B960494DF}">
-                  <a14:hiddenLine xmlns:a14="http://schemas.microsoft.com/office/drawing/2010/main" xmlns="" w="9525">
+                  <a14:hiddenLine xmlns="" xmlns:a14="http://schemas.microsoft.com/office/drawing/2010/main" w="9525">
                     <a:solidFill>
                       <a:srgbClr val="000000"/>
                     </a:solidFill>
@@ -10102,7 +10106,7 @@
               </a:ln>
               <a:extLst>
                 <a:ext uri="{91240B29-F687-4f45-9708-019B960494DF}">
-                  <a14:hiddenLine xmlns:a14="http://schemas.microsoft.com/office/drawing/2010/main" xmlns="" w="9525">
+                  <a14:hiddenLine xmlns="" xmlns:a14="http://schemas.microsoft.com/office/drawing/2010/main" w="9525">
                     <a:solidFill>
                       <a:srgbClr val="000000"/>
                     </a:solidFill>
@@ -10164,7 +10168,7 @@
               </a:ln>
               <a:extLst>
                 <a:ext uri="{91240B29-F687-4f45-9708-019B960494DF}">
-                  <a14:hiddenLine xmlns:a14="http://schemas.microsoft.com/office/drawing/2010/main" xmlns="" w="9525">
+                  <a14:hiddenLine xmlns="" xmlns:a14="http://schemas.microsoft.com/office/drawing/2010/main" w="9525">
                     <a:solidFill>
                       <a:srgbClr val="000000"/>
                     </a:solidFill>
@@ -10254,7 +10258,7 @@
               </a:ln>
               <a:extLst>
                 <a:ext uri="{91240B29-F687-4f45-9708-019B960494DF}">
-                  <a14:hiddenLine xmlns:a14="http://schemas.microsoft.com/office/drawing/2010/main" xmlns="" w="9525">
+                  <a14:hiddenLine xmlns="" xmlns:a14="http://schemas.microsoft.com/office/drawing/2010/main" w="9525">
                     <a:solidFill>
                       <a:srgbClr val="000000"/>
                     </a:solidFill>
@@ -10288,7 +10292,7 @@
               </a:ln>
               <a:extLst>
                 <a:ext uri="{91240B29-F687-4f45-9708-019B960494DF}">
-                  <a14:hiddenLine xmlns:a14="http://schemas.microsoft.com/office/drawing/2010/main" xmlns="" w="9525">
+                  <a14:hiddenLine xmlns="" xmlns:a14="http://schemas.microsoft.com/office/drawing/2010/main" w="9525">
                     <a:solidFill>
                       <a:srgbClr val="000000"/>
                     </a:solidFill>
@@ -10353,7 +10357,7 @@
               </a:ln>
               <a:extLst>
                 <a:ext uri="{91240B29-F687-4f45-9708-019B960494DF}">
-                  <a14:hiddenLine xmlns:a14="http://schemas.microsoft.com/office/drawing/2010/main" xmlns="" w="9525">
+                  <a14:hiddenLine xmlns="" xmlns:a14="http://schemas.microsoft.com/office/drawing/2010/main" w="9525">
                     <a:solidFill>
                       <a:srgbClr val="000000"/>
                     </a:solidFill>
@@ -10443,7 +10447,7 @@
               </a:ln>
               <a:extLst>
                 <a:ext uri="{91240B29-F687-4f45-9708-019B960494DF}">
-                  <a14:hiddenLine xmlns:a14="http://schemas.microsoft.com/office/drawing/2010/main" xmlns="" w="9525">
+                  <a14:hiddenLine xmlns="" xmlns:a14="http://schemas.microsoft.com/office/drawing/2010/main" w="9525">
                     <a:solidFill>
                       <a:srgbClr val="000000"/>
                     </a:solidFill>
@@ -10505,7 +10509,7 @@
               </a:ln>
               <a:extLst>
                 <a:ext uri="{91240B29-F687-4f45-9708-019B960494DF}">
-                  <a14:hiddenLine xmlns:a14="http://schemas.microsoft.com/office/drawing/2010/main" xmlns="" w="9525">
+                  <a14:hiddenLine xmlns="" xmlns:a14="http://schemas.microsoft.com/office/drawing/2010/main" w="9525">
                     <a:solidFill>
                       <a:srgbClr val="000000"/>
                     </a:solidFill>
@@ -10595,7 +10599,7 @@
               </a:ln>
               <a:extLst>
                 <a:ext uri="{91240B29-F687-4f45-9708-019B960494DF}">
-                  <a14:hiddenLine xmlns:a14="http://schemas.microsoft.com/office/drawing/2010/main" xmlns="" w="9525">
+                  <a14:hiddenLine xmlns="" xmlns:a14="http://schemas.microsoft.com/office/drawing/2010/main" w="9525">
                     <a:solidFill>
                       <a:srgbClr val="000000"/>
                     </a:solidFill>
@@ -10660,7 +10664,7 @@
               </a:ln>
               <a:extLst>
                 <a:ext uri="{91240B29-F687-4f45-9708-019B960494DF}">
-                  <a14:hiddenLine xmlns:a14="http://schemas.microsoft.com/office/drawing/2010/main" xmlns="" w="9525">
+                  <a14:hiddenLine xmlns="" xmlns:a14="http://schemas.microsoft.com/office/drawing/2010/main" w="9525">
                     <a:solidFill>
                       <a:srgbClr val="000000"/>
                     </a:solidFill>
@@ -10722,7 +10726,7 @@
               </a:ln>
               <a:extLst>
                 <a:ext uri="{91240B29-F687-4f45-9708-019B960494DF}">
-                  <a14:hiddenLine xmlns:a14="http://schemas.microsoft.com/office/drawing/2010/main" xmlns="" w="9525">
+                  <a14:hiddenLine xmlns="" xmlns:a14="http://schemas.microsoft.com/office/drawing/2010/main" w="9525">
                     <a:solidFill>
                       <a:srgbClr val="000000"/>
                     </a:solidFill>
@@ -10812,7 +10816,7 @@
               </a:ln>
               <a:extLst>
                 <a:ext uri="{91240B29-F687-4f45-9708-019B960494DF}">
-                  <a14:hiddenLine xmlns:a14="http://schemas.microsoft.com/office/drawing/2010/main" xmlns="" w="9525">
+                  <a14:hiddenLine xmlns="" xmlns:a14="http://schemas.microsoft.com/office/drawing/2010/main" w="9525">
                     <a:solidFill>
                       <a:srgbClr val="000000"/>
                     </a:solidFill>
@@ -10902,7 +10906,7 @@
               </a:ln>
               <a:extLst>
                 <a:ext uri="{91240B29-F687-4f45-9708-019B960494DF}">
-                  <a14:hiddenLine xmlns:a14="http://schemas.microsoft.com/office/drawing/2010/main" xmlns="" w="9525">
+                  <a14:hiddenLine xmlns="" xmlns:a14="http://schemas.microsoft.com/office/drawing/2010/main" w="9525">
                     <a:solidFill>
                       <a:srgbClr val="000000"/>
                     </a:solidFill>
@@ -10967,7 +10971,7 @@
               </a:ln>
               <a:extLst>
                 <a:ext uri="{91240B29-F687-4f45-9708-019B960494DF}">
-                  <a14:hiddenLine xmlns:a14="http://schemas.microsoft.com/office/drawing/2010/main" xmlns="" w="9525">
+                  <a14:hiddenLine xmlns="" xmlns:a14="http://schemas.microsoft.com/office/drawing/2010/main" w="9525">
                     <a:solidFill>
                       <a:srgbClr val="000000"/>
                     </a:solidFill>
@@ -11087,7 +11091,7 @@
               </a:ln>
               <a:extLst>
                 <a:ext uri="{91240B29-F687-4f45-9708-019B960494DF}">
-                  <a14:hiddenLine xmlns:a14="http://schemas.microsoft.com/office/drawing/2010/main" xmlns="" w="9525">
+                  <a14:hiddenLine xmlns="" xmlns:a14="http://schemas.microsoft.com/office/drawing/2010/main" w="9525">
                     <a:solidFill>
                       <a:srgbClr val="000000"/>
                     </a:solidFill>
@@ -11185,7 +11189,7 @@
               </a:ln>
               <a:extLst>
                 <a:ext uri="{91240B29-F687-4f45-9708-019B960494DF}">
-                  <a14:hiddenLine xmlns:a14="http://schemas.microsoft.com/office/drawing/2010/main" xmlns="" w="9525">
+                  <a14:hiddenLine xmlns="" xmlns:a14="http://schemas.microsoft.com/office/drawing/2010/main" w="9525">
                     <a:solidFill>
                       <a:srgbClr val="000000"/>
                     </a:solidFill>
@@ -11300,7 +11304,7 @@
               </a:ln>
               <a:extLst>
                 <a:ext uri="{91240B29-F687-4f45-9708-019B960494DF}">
-                  <a14:hiddenLine xmlns:a14="http://schemas.microsoft.com/office/drawing/2010/main" xmlns="" w="9525">
+                  <a14:hiddenLine xmlns="" xmlns:a14="http://schemas.microsoft.com/office/drawing/2010/main" w="9525">
                     <a:solidFill>
                       <a:srgbClr val="000000"/>
                     </a:solidFill>
@@ -11390,7 +11394,7 @@
               </a:ln>
               <a:extLst>
                 <a:ext uri="{91240B29-F687-4f45-9708-019B960494DF}">
-                  <a14:hiddenLine xmlns:a14="http://schemas.microsoft.com/office/drawing/2010/main" xmlns="" w="9525">
+                  <a14:hiddenLine xmlns="" xmlns:a14="http://schemas.microsoft.com/office/drawing/2010/main" w="9525">
                     <a:solidFill>
                       <a:srgbClr val="000000"/>
                     </a:solidFill>
@@ -11455,7 +11459,7 @@
               </a:ln>
               <a:extLst>
                 <a:ext uri="{91240B29-F687-4f45-9708-019B960494DF}">
-                  <a14:hiddenLine xmlns:a14="http://schemas.microsoft.com/office/drawing/2010/main" xmlns="" w="9525">
+                  <a14:hiddenLine xmlns="" xmlns:a14="http://schemas.microsoft.com/office/drawing/2010/main" w="9525">
                     <a:solidFill>
                       <a:srgbClr val="000000"/>
                     </a:solidFill>
@@ -11545,7 +11549,7 @@
               </a:ln>
               <a:extLst>
                 <a:ext uri="{91240B29-F687-4f45-9708-019B960494DF}">
-                  <a14:hiddenLine xmlns:a14="http://schemas.microsoft.com/office/drawing/2010/main" xmlns="" w="9525">
+                  <a14:hiddenLine xmlns="" xmlns:a14="http://schemas.microsoft.com/office/drawing/2010/main" w="9525">
                     <a:solidFill>
                       <a:srgbClr val="000000"/>
                     </a:solidFill>
@@ -11613,7 +11617,7 @@
               </a:ln>
               <a:extLst>
                 <a:ext uri="{91240B29-F687-4f45-9708-019B960494DF}">
-                  <a14:hiddenLine xmlns:a14="http://schemas.microsoft.com/office/drawing/2010/main" xmlns="" w="9525">
+                  <a14:hiddenLine xmlns="" xmlns:a14="http://schemas.microsoft.com/office/drawing/2010/main" w="9525">
                     <a:solidFill>
                       <a:srgbClr val="000000"/>
                     </a:solidFill>
@@ -11703,7 +11707,7 @@
               </a:ln>
               <a:extLst>
                 <a:ext uri="{91240B29-F687-4f45-9708-019B960494DF}">
-                  <a14:hiddenLine xmlns:a14="http://schemas.microsoft.com/office/drawing/2010/main" xmlns="" w="9525">
+                  <a14:hiddenLine xmlns="" xmlns:a14="http://schemas.microsoft.com/office/drawing/2010/main" w="9525">
                     <a:solidFill>
                       <a:srgbClr val="000000"/>
                     </a:solidFill>
@@ -11771,7 +11775,7 @@
               </a:ln>
               <a:extLst>
                 <a:ext uri="{91240B29-F687-4f45-9708-019B960494DF}">
-                  <a14:hiddenLine xmlns:a14="http://schemas.microsoft.com/office/drawing/2010/main" xmlns="" w="9525">
+                  <a14:hiddenLine xmlns="" xmlns:a14="http://schemas.microsoft.com/office/drawing/2010/main" w="9525">
                     <a:solidFill>
                       <a:srgbClr val="000000"/>
                     </a:solidFill>
@@ -11861,7 +11865,7 @@
               </a:ln>
               <a:extLst>
                 <a:ext uri="{91240B29-F687-4f45-9708-019B960494DF}">
-                  <a14:hiddenLine xmlns:a14="http://schemas.microsoft.com/office/drawing/2010/main" xmlns="" w="9525">
+                  <a14:hiddenLine xmlns="" xmlns:a14="http://schemas.microsoft.com/office/drawing/2010/main" w="9525">
                     <a:solidFill>
                       <a:srgbClr val="000000"/>
                     </a:solidFill>
@@ -11895,7 +11899,7 @@
               </a:ln>
               <a:extLst>
                 <a:ext uri="{91240B29-F687-4f45-9708-019B960494DF}">
-                  <a14:hiddenLine xmlns:a14="http://schemas.microsoft.com/office/drawing/2010/main" xmlns="" w="9525">
+                  <a14:hiddenLine xmlns="" xmlns:a14="http://schemas.microsoft.com/office/drawing/2010/main" w="9525">
                     <a:solidFill>
                       <a:srgbClr val="000000"/>
                     </a:solidFill>
@@ -12035,7 +12039,7 @@
           <a:p>
             <a:fld id="{A79F242A-E88C-47E4-8C58-35E6FB715C93}" type="datetimeFigureOut">
               <a:rPr lang="fr-CA" smtClean="0"/>
-              <a:t>2017-11-14</a:t>
+              <a:t>2017-11-20</a:t>
             </a:fld>
             <a:endParaRPr lang="fr-CA"/>
           </a:p>
@@ -12784,7 +12788,7 @@
             </a:ln>
             <a:extLst>
               <a:ext uri="{91240B29-F687-4f45-9708-019B960494DF}">
-                <a14:hiddenLine xmlns:a14="http://schemas.microsoft.com/office/drawing/2010/main" xmlns:p14="http://schemas.microsoft.com/office/powerpoint/2010/main" xmlns:a16="http://schemas.microsoft.com/office/drawing/2014/main" xmlns="" w="9525">
+                <a14:hiddenLine xmlns="" xmlns:a16="http://schemas.microsoft.com/office/drawing/2014/main" xmlns:p14="http://schemas.microsoft.com/office/powerpoint/2010/main" xmlns:a14="http://schemas.microsoft.com/office/drawing/2010/main" w="9525">
                   <a:solidFill>
                     <a:srgbClr val="000000"/>
                   </a:solidFill>
@@ -12886,7 +12890,7 @@
             </a:ln>
             <a:extLst>
               <a:ext uri="{91240B29-F687-4f45-9708-019B960494DF}">
-                <a14:hiddenLine xmlns:a14="http://schemas.microsoft.com/office/drawing/2010/main" xmlns:p14="http://schemas.microsoft.com/office/powerpoint/2010/main" xmlns:a16="http://schemas.microsoft.com/office/drawing/2014/main" xmlns="" w="9525">
+                <a14:hiddenLine xmlns="" xmlns:a16="http://schemas.microsoft.com/office/drawing/2014/main" xmlns:p14="http://schemas.microsoft.com/office/powerpoint/2010/main" xmlns:a14="http://schemas.microsoft.com/office/drawing/2010/main" w="9525">
                   <a:solidFill>
                     <a:srgbClr val="000000"/>
                   </a:solidFill>
@@ -12988,7 +12992,7 @@
             </a:ln>
             <a:extLst>
               <a:ext uri="{91240B29-F687-4f45-9708-019B960494DF}">
-                <a14:hiddenLine xmlns:a14="http://schemas.microsoft.com/office/drawing/2010/main" xmlns:p14="http://schemas.microsoft.com/office/powerpoint/2010/main" xmlns:a16="http://schemas.microsoft.com/office/drawing/2014/main" xmlns="" w="9525">
+                <a14:hiddenLine xmlns="" xmlns:a16="http://schemas.microsoft.com/office/drawing/2014/main" xmlns:p14="http://schemas.microsoft.com/office/powerpoint/2010/main" xmlns:a14="http://schemas.microsoft.com/office/drawing/2010/main" w="9525">
                   <a:solidFill>
                     <a:srgbClr val="000000"/>
                   </a:solidFill>
@@ -13062,7 +13066,7 @@
             </a:ln>
             <a:extLst>
               <a:ext uri="{91240B29-F687-4f45-9708-019B960494DF}">
-                <a14:hiddenLine xmlns:a14="http://schemas.microsoft.com/office/drawing/2010/main" xmlns:p14="http://schemas.microsoft.com/office/powerpoint/2010/main" xmlns:a16="http://schemas.microsoft.com/office/drawing/2014/main" xmlns="" w="9525">
+                <a14:hiddenLine xmlns="" xmlns:a16="http://schemas.microsoft.com/office/drawing/2014/main" xmlns:p14="http://schemas.microsoft.com/office/powerpoint/2010/main" xmlns:a14="http://schemas.microsoft.com/office/drawing/2010/main" w="9525">
                   <a:solidFill>
                     <a:srgbClr val="000000"/>
                   </a:solidFill>
@@ -13164,7 +13168,7 @@
             </a:ln>
             <a:extLst>
               <a:ext uri="{91240B29-F687-4f45-9708-019B960494DF}">
-                <a14:hiddenLine xmlns:a14="http://schemas.microsoft.com/office/drawing/2010/main" xmlns:p14="http://schemas.microsoft.com/office/powerpoint/2010/main" xmlns:a16="http://schemas.microsoft.com/office/drawing/2014/main" xmlns="" w="9525">
+                <a14:hiddenLine xmlns="" xmlns:a16="http://schemas.microsoft.com/office/drawing/2014/main" xmlns:p14="http://schemas.microsoft.com/office/powerpoint/2010/main" xmlns:a14="http://schemas.microsoft.com/office/drawing/2010/main" w="9525">
                   <a:solidFill>
                     <a:srgbClr val="000000"/>
                   </a:solidFill>
@@ -13238,7 +13242,7 @@
             </a:ln>
             <a:extLst>
               <a:ext uri="{91240B29-F687-4f45-9708-019B960494DF}">
-                <a14:hiddenLine xmlns:a14="http://schemas.microsoft.com/office/drawing/2010/main" xmlns:p14="http://schemas.microsoft.com/office/powerpoint/2010/main" xmlns:a16="http://schemas.microsoft.com/office/drawing/2014/main" xmlns="" w="9525">
+                <a14:hiddenLine xmlns="" xmlns:a16="http://schemas.microsoft.com/office/drawing/2014/main" xmlns:p14="http://schemas.microsoft.com/office/powerpoint/2010/main" xmlns:a14="http://schemas.microsoft.com/office/drawing/2010/main" w="9525">
                   <a:solidFill>
                     <a:srgbClr val="000000"/>
                   </a:solidFill>
@@ -13312,7 +13316,7 @@
             </a:ln>
             <a:extLst>
               <a:ext uri="{91240B29-F687-4f45-9708-019B960494DF}">
-                <a14:hiddenLine xmlns:a14="http://schemas.microsoft.com/office/drawing/2010/main" xmlns:p14="http://schemas.microsoft.com/office/powerpoint/2010/main" xmlns:a16="http://schemas.microsoft.com/office/drawing/2014/main" xmlns="" w="9525">
+                <a14:hiddenLine xmlns="" xmlns:a16="http://schemas.microsoft.com/office/drawing/2014/main" xmlns:p14="http://schemas.microsoft.com/office/powerpoint/2010/main" xmlns:a14="http://schemas.microsoft.com/office/drawing/2010/main" w="9525">
                   <a:solidFill>
                     <a:srgbClr val="000000"/>
                   </a:solidFill>
@@ -13414,7 +13418,7 @@
             </a:ln>
             <a:extLst>
               <a:ext uri="{91240B29-F687-4f45-9708-019B960494DF}">
-                <a14:hiddenLine xmlns:a14="http://schemas.microsoft.com/office/drawing/2010/main" xmlns:p14="http://schemas.microsoft.com/office/powerpoint/2010/main" xmlns:a16="http://schemas.microsoft.com/office/drawing/2014/main" xmlns="" w="9525">
+                <a14:hiddenLine xmlns="" xmlns:a16="http://schemas.microsoft.com/office/drawing/2014/main" xmlns:p14="http://schemas.microsoft.com/office/powerpoint/2010/main" xmlns:a14="http://schemas.microsoft.com/office/drawing/2010/main" w="9525">
                   <a:solidFill>
                     <a:srgbClr val="000000"/>
                   </a:solidFill>
@@ -13516,7 +13520,7 @@
             </a:ln>
             <a:extLst>
               <a:ext uri="{91240B29-F687-4f45-9708-019B960494DF}">
-                <a14:hiddenLine xmlns:a14="http://schemas.microsoft.com/office/drawing/2010/main" xmlns:p14="http://schemas.microsoft.com/office/powerpoint/2010/main" xmlns:a16="http://schemas.microsoft.com/office/drawing/2014/main" xmlns="" w="9525">
+                <a14:hiddenLine xmlns="" xmlns:a16="http://schemas.microsoft.com/office/drawing/2014/main" xmlns:p14="http://schemas.microsoft.com/office/powerpoint/2010/main" xmlns:a14="http://schemas.microsoft.com/office/drawing/2010/main" w="9525">
                   <a:solidFill>
                     <a:srgbClr val="000000"/>
                   </a:solidFill>
@@ -13590,7 +13594,7 @@
             </a:ln>
             <a:extLst>
               <a:ext uri="{91240B29-F687-4f45-9708-019B960494DF}">
-                <a14:hiddenLine xmlns:a14="http://schemas.microsoft.com/office/drawing/2010/main" xmlns:p14="http://schemas.microsoft.com/office/powerpoint/2010/main" xmlns:a16="http://schemas.microsoft.com/office/drawing/2014/main" xmlns="" w="9525">
+                <a14:hiddenLine xmlns="" xmlns:a16="http://schemas.microsoft.com/office/drawing/2014/main" xmlns:p14="http://schemas.microsoft.com/office/powerpoint/2010/main" xmlns:a14="http://schemas.microsoft.com/office/drawing/2010/main" w="9525">
                   <a:solidFill>
                     <a:srgbClr val="000000"/>
                   </a:solidFill>
@@ -13712,7 +13716,7 @@
             </a:ln>
             <a:extLst>
               <a:ext uri="{91240B29-F687-4f45-9708-019B960494DF}">
-                <a14:hiddenLine xmlns:a14="http://schemas.microsoft.com/office/drawing/2010/main" xmlns:p14="http://schemas.microsoft.com/office/powerpoint/2010/main" xmlns:a16="http://schemas.microsoft.com/office/drawing/2014/main" xmlns="" w="9525">
+                <a14:hiddenLine xmlns="" xmlns:a16="http://schemas.microsoft.com/office/drawing/2014/main" xmlns:p14="http://schemas.microsoft.com/office/powerpoint/2010/main" xmlns:a14="http://schemas.microsoft.com/office/drawing/2010/main" w="9525">
                   <a:solidFill>
                     <a:srgbClr val="000000"/>
                   </a:solidFill>
@@ -13820,7 +13824,7 @@
             </a:ln>
             <a:extLst>
               <a:ext uri="{91240B29-F687-4f45-9708-019B960494DF}">
-                <a14:hiddenLine xmlns:a14="http://schemas.microsoft.com/office/drawing/2010/main" xmlns:p14="http://schemas.microsoft.com/office/powerpoint/2010/main" xmlns:a16="http://schemas.microsoft.com/office/drawing/2014/main" xmlns="" w="9525">
+                <a14:hiddenLine xmlns="" xmlns:a16="http://schemas.microsoft.com/office/drawing/2014/main" xmlns:p14="http://schemas.microsoft.com/office/powerpoint/2010/main" xmlns:a14="http://schemas.microsoft.com/office/drawing/2010/main" w="9525">
                   <a:solidFill>
                     <a:srgbClr val="000000"/>
                   </a:solidFill>
@@ -13894,7 +13898,7 @@
             </a:ln>
             <a:extLst>
               <a:ext uri="{91240B29-F687-4f45-9708-019B960494DF}">
-                <a14:hiddenLine xmlns:a14="http://schemas.microsoft.com/office/drawing/2010/main" xmlns:p14="http://schemas.microsoft.com/office/powerpoint/2010/main" xmlns:a16="http://schemas.microsoft.com/office/drawing/2014/main" xmlns="" w="9525">
+                <a14:hiddenLine xmlns="" xmlns:a16="http://schemas.microsoft.com/office/drawing/2014/main" xmlns:p14="http://schemas.microsoft.com/office/powerpoint/2010/main" xmlns:a14="http://schemas.microsoft.com/office/drawing/2010/main" w="9525">
                   <a:solidFill>
                     <a:srgbClr val="000000"/>
                   </a:solidFill>
@@ -13968,7 +13972,7 @@
             </a:ln>
             <a:extLst>
               <a:ext uri="{91240B29-F687-4f45-9708-019B960494DF}">
-                <a14:hiddenLine xmlns:a14="http://schemas.microsoft.com/office/drawing/2010/main" xmlns:p14="http://schemas.microsoft.com/office/powerpoint/2010/main" xmlns:a16="http://schemas.microsoft.com/office/drawing/2014/main" xmlns="" w="9525">
+                <a14:hiddenLine xmlns="" xmlns:a16="http://schemas.microsoft.com/office/drawing/2014/main" xmlns:p14="http://schemas.microsoft.com/office/powerpoint/2010/main" xmlns:a14="http://schemas.microsoft.com/office/drawing/2010/main" w="9525">
                   <a:solidFill>
                     <a:srgbClr val="000000"/>
                   </a:solidFill>
@@ -14070,7 +14074,7 @@
             </a:ln>
             <a:extLst>
               <a:ext uri="{91240B29-F687-4f45-9708-019B960494DF}">
-                <a14:hiddenLine xmlns:a14="http://schemas.microsoft.com/office/drawing/2010/main" xmlns:p14="http://schemas.microsoft.com/office/powerpoint/2010/main" xmlns:a16="http://schemas.microsoft.com/office/drawing/2014/main" xmlns="" w="9525">
+                <a14:hiddenLine xmlns="" xmlns:a16="http://schemas.microsoft.com/office/drawing/2014/main" xmlns:p14="http://schemas.microsoft.com/office/powerpoint/2010/main" xmlns:a14="http://schemas.microsoft.com/office/drawing/2010/main" w="9525">
                   <a:solidFill>
                     <a:srgbClr val="000000"/>
                   </a:solidFill>
@@ -14116,7 +14120,7 @@
             </a:ln>
             <a:extLst>
               <a:ext uri="{91240B29-F687-4f45-9708-019B960494DF}">
-                <a14:hiddenLine xmlns:a14="http://schemas.microsoft.com/office/drawing/2010/main" xmlns:p14="http://schemas.microsoft.com/office/powerpoint/2010/main" xmlns:a16="http://schemas.microsoft.com/office/drawing/2014/main" xmlns="" w="9525">
+                <a14:hiddenLine xmlns="" xmlns:a16="http://schemas.microsoft.com/office/drawing/2014/main" xmlns:p14="http://schemas.microsoft.com/office/powerpoint/2010/main" xmlns:a14="http://schemas.microsoft.com/office/drawing/2010/main" w="9525">
                   <a:solidFill>
                     <a:srgbClr val="000000"/>
                   </a:solidFill>
@@ -14193,7 +14197,7 @@
             </a:ln>
             <a:extLst>
               <a:ext uri="{91240B29-F687-4f45-9708-019B960494DF}">
-                <a14:hiddenLine xmlns:a14="http://schemas.microsoft.com/office/drawing/2010/main" xmlns:p14="http://schemas.microsoft.com/office/powerpoint/2010/main" xmlns:a16="http://schemas.microsoft.com/office/drawing/2014/main" xmlns="" w="9525">
+                <a14:hiddenLine xmlns="" xmlns:a16="http://schemas.microsoft.com/office/drawing/2014/main" xmlns:p14="http://schemas.microsoft.com/office/powerpoint/2010/main" xmlns:a14="http://schemas.microsoft.com/office/drawing/2010/main" w="9525">
                   <a:solidFill>
                     <a:srgbClr val="000000"/>
                   </a:solidFill>
@@ -14295,7 +14299,7 @@
             </a:ln>
             <a:extLst>
               <a:ext uri="{91240B29-F687-4f45-9708-019B960494DF}">
-                <a14:hiddenLine xmlns:a14="http://schemas.microsoft.com/office/drawing/2010/main" xmlns:p14="http://schemas.microsoft.com/office/powerpoint/2010/main" xmlns:a16="http://schemas.microsoft.com/office/drawing/2014/main" xmlns="" w="9525">
+                <a14:hiddenLine xmlns="" xmlns:a16="http://schemas.microsoft.com/office/drawing/2014/main" xmlns:p14="http://schemas.microsoft.com/office/powerpoint/2010/main" xmlns:a14="http://schemas.microsoft.com/office/drawing/2010/main" w="9525">
                   <a:solidFill>
                     <a:srgbClr val="000000"/>
                   </a:solidFill>
@@ -14369,7 +14373,7 @@
             </a:ln>
             <a:extLst>
               <a:ext uri="{91240B29-F687-4f45-9708-019B960494DF}">
-                <a14:hiddenLine xmlns:a14="http://schemas.microsoft.com/office/drawing/2010/main" xmlns:p14="http://schemas.microsoft.com/office/powerpoint/2010/main" xmlns:a16="http://schemas.microsoft.com/office/drawing/2014/main" xmlns="" w="9525">
+                <a14:hiddenLine xmlns="" xmlns:a16="http://schemas.microsoft.com/office/drawing/2014/main" xmlns:p14="http://schemas.microsoft.com/office/powerpoint/2010/main" xmlns:a14="http://schemas.microsoft.com/office/drawing/2010/main" w="9525">
                   <a:solidFill>
                     <a:srgbClr val="000000"/>
                   </a:solidFill>
@@ -14471,7 +14475,7 @@
             </a:ln>
             <a:extLst>
               <a:ext uri="{91240B29-F687-4f45-9708-019B960494DF}">
-                <a14:hiddenLine xmlns:a14="http://schemas.microsoft.com/office/drawing/2010/main" xmlns:p14="http://schemas.microsoft.com/office/powerpoint/2010/main" xmlns:a16="http://schemas.microsoft.com/office/drawing/2014/main" xmlns="" w="9525">
+                <a14:hiddenLine xmlns="" xmlns:a16="http://schemas.microsoft.com/office/drawing/2014/main" xmlns:p14="http://schemas.microsoft.com/office/powerpoint/2010/main" xmlns:a14="http://schemas.microsoft.com/office/drawing/2010/main" w="9525">
                   <a:solidFill>
                     <a:srgbClr val="000000"/>
                   </a:solidFill>
@@ -14548,7 +14552,7 @@
             </a:ln>
             <a:extLst>
               <a:ext uri="{91240B29-F687-4f45-9708-019B960494DF}">
-                <a14:hiddenLine xmlns:a14="http://schemas.microsoft.com/office/drawing/2010/main" xmlns:p14="http://schemas.microsoft.com/office/powerpoint/2010/main" xmlns:a16="http://schemas.microsoft.com/office/drawing/2014/main" xmlns="" w="9525">
+                <a14:hiddenLine xmlns="" xmlns:a16="http://schemas.microsoft.com/office/drawing/2014/main" xmlns:p14="http://schemas.microsoft.com/office/powerpoint/2010/main" xmlns:a14="http://schemas.microsoft.com/office/drawing/2010/main" w="9525">
                   <a:solidFill>
                     <a:srgbClr val="000000"/>
                   </a:solidFill>
@@ -14622,7 +14626,7 @@
             </a:ln>
             <a:extLst>
               <a:ext uri="{91240B29-F687-4f45-9708-019B960494DF}">
-                <a14:hiddenLine xmlns:a14="http://schemas.microsoft.com/office/drawing/2010/main" xmlns:p14="http://schemas.microsoft.com/office/powerpoint/2010/main" xmlns:a16="http://schemas.microsoft.com/office/drawing/2014/main" xmlns="" w="9525">
+                <a14:hiddenLine xmlns="" xmlns:a16="http://schemas.microsoft.com/office/drawing/2014/main" xmlns:p14="http://schemas.microsoft.com/office/powerpoint/2010/main" xmlns:a14="http://schemas.microsoft.com/office/drawing/2010/main" w="9525">
                   <a:solidFill>
                     <a:srgbClr val="000000"/>
                   </a:solidFill>
@@ -14724,7 +14728,7 @@
             </a:ln>
             <a:extLst>
               <a:ext uri="{91240B29-F687-4f45-9708-019B960494DF}">
-                <a14:hiddenLine xmlns:a14="http://schemas.microsoft.com/office/drawing/2010/main" xmlns:p14="http://schemas.microsoft.com/office/powerpoint/2010/main" xmlns:a16="http://schemas.microsoft.com/office/drawing/2014/main" xmlns="" w="9525">
+                <a14:hiddenLine xmlns="" xmlns:a16="http://schemas.microsoft.com/office/drawing/2014/main" xmlns:p14="http://schemas.microsoft.com/office/powerpoint/2010/main" xmlns:a14="http://schemas.microsoft.com/office/drawing/2010/main" w="9525">
                   <a:solidFill>
                     <a:srgbClr val="000000"/>
                   </a:solidFill>
@@ -14826,7 +14830,7 @@
             </a:ln>
             <a:extLst>
               <a:ext uri="{91240B29-F687-4f45-9708-019B960494DF}">
-                <a14:hiddenLine xmlns:a14="http://schemas.microsoft.com/office/drawing/2010/main" xmlns:p14="http://schemas.microsoft.com/office/powerpoint/2010/main" xmlns:a16="http://schemas.microsoft.com/office/drawing/2014/main" xmlns="" w="9525">
+                <a14:hiddenLine xmlns="" xmlns:a16="http://schemas.microsoft.com/office/drawing/2014/main" xmlns:p14="http://schemas.microsoft.com/office/powerpoint/2010/main" xmlns:a14="http://schemas.microsoft.com/office/drawing/2010/main" w="9525">
                   <a:solidFill>
                     <a:srgbClr val="000000"/>
                   </a:solidFill>
@@ -14903,7 +14907,7 @@
             </a:ln>
             <a:extLst>
               <a:ext uri="{91240B29-F687-4f45-9708-019B960494DF}">
-                <a14:hiddenLine xmlns:a14="http://schemas.microsoft.com/office/drawing/2010/main" xmlns:p14="http://schemas.microsoft.com/office/powerpoint/2010/main" xmlns:a16="http://schemas.microsoft.com/office/drawing/2014/main" xmlns="" w="9525">
+                <a14:hiddenLine xmlns="" xmlns:a16="http://schemas.microsoft.com/office/drawing/2014/main" xmlns:p14="http://schemas.microsoft.com/office/powerpoint/2010/main" xmlns:a14="http://schemas.microsoft.com/office/drawing/2010/main" w="9525">
                   <a:solidFill>
                     <a:srgbClr val="000000"/>
                   </a:solidFill>
@@ -15035,7 +15039,7 @@
             </a:ln>
             <a:extLst>
               <a:ext uri="{91240B29-F687-4f45-9708-019B960494DF}">
-                <a14:hiddenLine xmlns:a14="http://schemas.microsoft.com/office/drawing/2010/main" xmlns:p14="http://schemas.microsoft.com/office/powerpoint/2010/main" xmlns:a16="http://schemas.microsoft.com/office/drawing/2014/main" xmlns="" w="9525">
+                <a14:hiddenLine xmlns="" xmlns:a16="http://schemas.microsoft.com/office/drawing/2014/main" xmlns:p14="http://schemas.microsoft.com/office/powerpoint/2010/main" xmlns:a14="http://schemas.microsoft.com/office/drawing/2010/main" w="9525">
                   <a:solidFill>
                     <a:srgbClr val="000000"/>
                   </a:solidFill>
@@ -15311,7 +15315,7 @@
             </a:ln>
             <a:extLst>
               <a:ext uri="{91240B29-F687-4f45-9708-019B960494DF}">
-                <a14:hiddenLine xmlns="" xmlns:a16="http://schemas.microsoft.com/office/drawing/2014/main" xmlns:p14="http://schemas.microsoft.com/office/powerpoint/2010/main" xmlns:a14="http://schemas.microsoft.com/office/drawing/2010/main" w="9525">
+                <a14:hiddenLine xmlns:a14="http://schemas.microsoft.com/office/drawing/2010/main" xmlns:p14="http://schemas.microsoft.com/office/powerpoint/2010/main" xmlns:a16="http://schemas.microsoft.com/office/drawing/2014/main" xmlns="" w="9525">
                   <a:solidFill>
                     <a:srgbClr val="000000"/>
                   </a:solidFill>
@@ -15413,7 +15417,7 @@
             </a:ln>
             <a:extLst>
               <a:ext uri="{91240B29-F687-4f45-9708-019B960494DF}">
-                <a14:hiddenLine xmlns="" xmlns:a16="http://schemas.microsoft.com/office/drawing/2014/main" xmlns:p14="http://schemas.microsoft.com/office/powerpoint/2010/main" xmlns:a14="http://schemas.microsoft.com/office/drawing/2010/main" w="9525">
+                <a14:hiddenLine xmlns:a14="http://schemas.microsoft.com/office/drawing/2010/main" xmlns:p14="http://schemas.microsoft.com/office/powerpoint/2010/main" xmlns:a16="http://schemas.microsoft.com/office/drawing/2014/main" xmlns="" w="9525">
                   <a:solidFill>
                     <a:srgbClr val="000000"/>
                   </a:solidFill>
@@ -15515,7 +15519,7 @@
             </a:ln>
             <a:extLst>
               <a:ext uri="{91240B29-F687-4f45-9708-019B960494DF}">
-                <a14:hiddenLine xmlns="" xmlns:a16="http://schemas.microsoft.com/office/drawing/2014/main" xmlns:p14="http://schemas.microsoft.com/office/powerpoint/2010/main" xmlns:a14="http://schemas.microsoft.com/office/drawing/2010/main" w="9525">
+                <a14:hiddenLine xmlns:a14="http://schemas.microsoft.com/office/drawing/2010/main" xmlns:p14="http://schemas.microsoft.com/office/powerpoint/2010/main" xmlns:a16="http://schemas.microsoft.com/office/drawing/2014/main" xmlns="" w="9525">
                   <a:solidFill>
                     <a:srgbClr val="000000"/>
                   </a:solidFill>
@@ -15589,7 +15593,7 @@
             </a:ln>
             <a:extLst>
               <a:ext uri="{91240B29-F687-4f45-9708-019B960494DF}">
-                <a14:hiddenLine xmlns="" xmlns:a16="http://schemas.microsoft.com/office/drawing/2014/main" xmlns:p14="http://schemas.microsoft.com/office/powerpoint/2010/main" xmlns:a14="http://schemas.microsoft.com/office/drawing/2010/main" w="9525">
+                <a14:hiddenLine xmlns:a14="http://schemas.microsoft.com/office/drawing/2010/main" xmlns:p14="http://schemas.microsoft.com/office/powerpoint/2010/main" xmlns:a16="http://schemas.microsoft.com/office/drawing/2014/main" xmlns="" w="9525">
                   <a:solidFill>
                     <a:srgbClr val="000000"/>
                   </a:solidFill>
@@ -15691,7 +15695,7 @@
             </a:ln>
             <a:extLst>
               <a:ext uri="{91240B29-F687-4f45-9708-019B960494DF}">
-                <a14:hiddenLine xmlns="" xmlns:a16="http://schemas.microsoft.com/office/drawing/2014/main" xmlns:p14="http://schemas.microsoft.com/office/powerpoint/2010/main" xmlns:a14="http://schemas.microsoft.com/office/drawing/2010/main" w="9525">
+                <a14:hiddenLine xmlns:a14="http://schemas.microsoft.com/office/drawing/2010/main" xmlns:p14="http://schemas.microsoft.com/office/powerpoint/2010/main" xmlns:a16="http://schemas.microsoft.com/office/drawing/2014/main" xmlns="" w="9525">
                   <a:solidFill>
                     <a:srgbClr val="000000"/>
                   </a:solidFill>
@@ -15765,7 +15769,7 @@
             </a:ln>
             <a:extLst>
               <a:ext uri="{91240B29-F687-4f45-9708-019B960494DF}">
-                <a14:hiddenLine xmlns="" xmlns:a16="http://schemas.microsoft.com/office/drawing/2014/main" xmlns:p14="http://schemas.microsoft.com/office/powerpoint/2010/main" xmlns:a14="http://schemas.microsoft.com/office/drawing/2010/main" w="9525">
+                <a14:hiddenLine xmlns:a14="http://schemas.microsoft.com/office/drawing/2010/main" xmlns:p14="http://schemas.microsoft.com/office/powerpoint/2010/main" xmlns:a16="http://schemas.microsoft.com/office/drawing/2014/main" xmlns="" w="9525">
                   <a:solidFill>
                     <a:srgbClr val="000000"/>
                   </a:solidFill>
@@ -15839,7 +15843,7 @@
             </a:ln>
             <a:extLst>
               <a:ext uri="{91240B29-F687-4f45-9708-019B960494DF}">
-                <a14:hiddenLine xmlns="" xmlns:a16="http://schemas.microsoft.com/office/drawing/2014/main" xmlns:p14="http://schemas.microsoft.com/office/powerpoint/2010/main" xmlns:a14="http://schemas.microsoft.com/office/drawing/2010/main" w="9525">
+                <a14:hiddenLine xmlns:a14="http://schemas.microsoft.com/office/drawing/2010/main" xmlns:p14="http://schemas.microsoft.com/office/powerpoint/2010/main" xmlns:a16="http://schemas.microsoft.com/office/drawing/2014/main" xmlns="" w="9525">
                   <a:solidFill>
                     <a:srgbClr val="000000"/>
                   </a:solidFill>
@@ -15941,7 +15945,7 @@
             </a:ln>
             <a:extLst>
               <a:ext uri="{91240B29-F687-4f45-9708-019B960494DF}">
-                <a14:hiddenLine xmlns="" xmlns:a16="http://schemas.microsoft.com/office/drawing/2014/main" xmlns:p14="http://schemas.microsoft.com/office/powerpoint/2010/main" xmlns:a14="http://schemas.microsoft.com/office/drawing/2010/main" w="9525">
+                <a14:hiddenLine xmlns:a14="http://schemas.microsoft.com/office/drawing/2010/main" xmlns:p14="http://schemas.microsoft.com/office/powerpoint/2010/main" xmlns:a16="http://schemas.microsoft.com/office/drawing/2014/main" xmlns="" w="9525">
                   <a:solidFill>
                     <a:srgbClr val="000000"/>
                   </a:solidFill>
@@ -16043,7 +16047,7 @@
             </a:ln>
             <a:extLst>
               <a:ext uri="{91240B29-F687-4f45-9708-019B960494DF}">
-                <a14:hiddenLine xmlns="" xmlns:a16="http://schemas.microsoft.com/office/drawing/2014/main" xmlns:p14="http://schemas.microsoft.com/office/powerpoint/2010/main" xmlns:a14="http://schemas.microsoft.com/office/drawing/2010/main" w="9525">
+                <a14:hiddenLine xmlns:a14="http://schemas.microsoft.com/office/drawing/2010/main" xmlns:p14="http://schemas.microsoft.com/office/powerpoint/2010/main" xmlns:a16="http://schemas.microsoft.com/office/drawing/2014/main" xmlns="" w="9525">
                   <a:solidFill>
                     <a:srgbClr val="000000"/>
                   </a:solidFill>
@@ -16117,7 +16121,7 @@
             </a:ln>
             <a:extLst>
               <a:ext uri="{91240B29-F687-4f45-9708-019B960494DF}">
-                <a14:hiddenLine xmlns="" xmlns:a16="http://schemas.microsoft.com/office/drawing/2014/main" xmlns:p14="http://schemas.microsoft.com/office/powerpoint/2010/main" xmlns:a14="http://schemas.microsoft.com/office/drawing/2010/main" w="9525">
+                <a14:hiddenLine xmlns:a14="http://schemas.microsoft.com/office/drawing/2010/main" xmlns:p14="http://schemas.microsoft.com/office/powerpoint/2010/main" xmlns:a16="http://schemas.microsoft.com/office/drawing/2014/main" xmlns="" w="9525">
                   <a:solidFill>
                     <a:srgbClr val="000000"/>
                   </a:solidFill>
@@ -16239,7 +16243,7 @@
             </a:ln>
             <a:extLst>
               <a:ext uri="{91240B29-F687-4f45-9708-019B960494DF}">
-                <a14:hiddenLine xmlns="" xmlns:a16="http://schemas.microsoft.com/office/drawing/2014/main" xmlns:p14="http://schemas.microsoft.com/office/powerpoint/2010/main" xmlns:a14="http://schemas.microsoft.com/office/drawing/2010/main" w="9525">
+                <a14:hiddenLine xmlns:a14="http://schemas.microsoft.com/office/drawing/2010/main" xmlns:p14="http://schemas.microsoft.com/office/powerpoint/2010/main" xmlns:a16="http://schemas.microsoft.com/office/drawing/2014/main" xmlns="" w="9525">
                   <a:solidFill>
                     <a:srgbClr val="000000"/>
                   </a:solidFill>
@@ -16347,7 +16351,7 @@
             </a:ln>
             <a:extLst>
               <a:ext uri="{91240B29-F687-4f45-9708-019B960494DF}">
-                <a14:hiddenLine xmlns="" xmlns:a16="http://schemas.microsoft.com/office/drawing/2014/main" xmlns:p14="http://schemas.microsoft.com/office/powerpoint/2010/main" xmlns:a14="http://schemas.microsoft.com/office/drawing/2010/main" w="9525">
+                <a14:hiddenLine xmlns:a14="http://schemas.microsoft.com/office/drawing/2010/main" xmlns:p14="http://schemas.microsoft.com/office/powerpoint/2010/main" xmlns:a16="http://schemas.microsoft.com/office/drawing/2014/main" xmlns="" w="9525">
                   <a:solidFill>
                     <a:srgbClr val="000000"/>
                   </a:solidFill>
@@ -16421,7 +16425,7 @@
             </a:ln>
             <a:extLst>
               <a:ext uri="{91240B29-F687-4f45-9708-019B960494DF}">
-                <a14:hiddenLine xmlns="" xmlns:a16="http://schemas.microsoft.com/office/drawing/2014/main" xmlns:p14="http://schemas.microsoft.com/office/powerpoint/2010/main" xmlns:a14="http://schemas.microsoft.com/office/drawing/2010/main" w="9525">
+                <a14:hiddenLine xmlns:a14="http://schemas.microsoft.com/office/drawing/2010/main" xmlns:p14="http://schemas.microsoft.com/office/powerpoint/2010/main" xmlns:a16="http://schemas.microsoft.com/office/drawing/2014/main" xmlns="" w="9525">
                   <a:solidFill>
                     <a:srgbClr val="000000"/>
                   </a:solidFill>
@@ -16495,7 +16499,7 @@
             </a:ln>
             <a:extLst>
               <a:ext uri="{91240B29-F687-4f45-9708-019B960494DF}">
-                <a14:hiddenLine xmlns="" xmlns:a16="http://schemas.microsoft.com/office/drawing/2014/main" xmlns:p14="http://schemas.microsoft.com/office/powerpoint/2010/main" xmlns:a14="http://schemas.microsoft.com/office/drawing/2010/main" w="9525">
+                <a14:hiddenLine xmlns:a14="http://schemas.microsoft.com/office/drawing/2010/main" xmlns:p14="http://schemas.microsoft.com/office/powerpoint/2010/main" xmlns:a16="http://schemas.microsoft.com/office/drawing/2014/main" xmlns="" w="9525">
                   <a:solidFill>
                     <a:srgbClr val="000000"/>
                   </a:solidFill>
@@ -16597,7 +16601,7 @@
             </a:ln>
             <a:extLst>
               <a:ext uri="{91240B29-F687-4f45-9708-019B960494DF}">
-                <a14:hiddenLine xmlns="" xmlns:a16="http://schemas.microsoft.com/office/drawing/2014/main" xmlns:p14="http://schemas.microsoft.com/office/powerpoint/2010/main" xmlns:a14="http://schemas.microsoft.com/office/drawing/2010/main" w="9525">
+                <a14:hiddenLine xmlns:a14="http://schemas.microsoft.com/office/drawing/2010/main" xmlns:p14="http://schemas.microsoft.com/office/powerpoint/2010/main" xmlns:a16="http://schemas.microsoft.com/office/drawing/2014/main" xmlns="" w="9525">
                   <a:solidFill>
                     <a:srgbClr val="000000"/>
                   </a:solidFill>
@@ -16643,7 +16647,7 @@
             </a:ln>
             <a:extLst>
               <a:ext uri="{91240B29-F687-4f45-9708-019B960494DF}">
-                <a14:hiddenLine xmlns="" xmlns:a16="http://schemas.microsoft.com/office/drawing/2014/main" xmlns:p14="http://schemas.microsoft.com/office/powerpoint/2010/main" xmlns:a14="http://schemas.microsoft.com/office/drawing/2010/main" w="9525">
+                <a14:hiddenLine xmlns:a14="http://schemas.microsoft.com/office/drawing/2010/main" xmlns:p14="http://schemas.microsoft.com/office/powerpoint/2010/main" xmlns:a16="http://schemas.microsoft.com/office/drawing/2014/main" xmlns="" w="9525">
                   <a:solidFill>
                     <a:srgbClr val="000000"/>
                   </a:solidFill>
@@ -16720,7 +16724,7 @@
             </a:ln>
             <a:extLst>
               <a:ext uri="{91240B29-F687-4f45-9708-019B960494DF}">
-                <a14:hiddenLine xmlns="" xmlns:a16="http://schemas.microsoft.com/office/drawing/2014/main" xmlns:p14="http://schemas.microsoft.com/office/powerpoint/2010/main" xmlns:a14="http://schemas.microsoft.com/office/drawing/2010/main" w="9525">
+                <a14:hiddenLine xmlns:a14="http://schemas.microsoft.com/office/drawing/2010/main" xmlns:p14="http://schemas.microsoft.com/office/powerpoint/2010/main" xmlns:a16="http://schemas.microsoft.com/office/drawing/2014/main" xmlns="" w="9525">
                   <a:solidFill>
                     <a:srgbClr val="000000"/>
                   </a:solidFill>
@@ -16822,7 +16826,7 @@
             </a:ln>
             <a:extLst>
               <a:ext uri="{91240B29-F687-4f45-9708-019B960494DF}">
-                <a14:hiddenLine xmlns="" xmlns:a16="http://schemas.microsoft.com/office/drawing/2014/main" xmlns:p14="http://schemas.microsoft.com/office/powerpoint/2010/main" xmlns:a14="http://schemas.microsoft.com/office/drawing/2010/main" w="9525">
+                <a14:hiddenLine xmlns:a14="http://schemas.microsoft.com/office/drawing/2010/main" xmlns:p14="http://schemas.microsoft.com/office/powerpoint/2010/main" xmlns:a16="http://schemas.microsoft.com/office/drawing/2014/main" xmlns="" w="9525">
                   <a:solidFill>
                     <a:srgbClr val="000000"/>
                   </a:solidFill>
@@ -16896,7 +16900,7 @@
             </a:ln>
             <a:extLst>
               <a:ext uri="{91240B29-F687-4f45-9708-019B960494DF}">
-                <a14:hiddenLine xmlns="" xmlns:a16="http://schemas.microsoft.com/office/drawing/2014/main" xmlns:p14="http://schemas.microsoft.com/office/powerpoint/2010/main" xmlns:a14="http://schemas.microsoft.com/office/drawing/2010/main" w="9525">
+                <a14:hiddenLine xmlns:a14="http://schemas.microsoft.com/office/drawing/2010/main" xmlns:p14="http://schemas.microsoft.com/office/powerpoint/2010/main" xmlns:a16="http://schemas.microsoft.com/office/drawing/2014/main" xmlns="" w="9525">
                   <a:solidFill>
                     <a:srgbClr val="000000"/>
                   </a:solidFill>
@@ -16998,7 +17002,7 @@
             </a:ln>
             <a:extLst>
               <a:ext uri="{91240B29-F687-4f45-9708-019B960494DF}">
-                <a14:hiddenLine xmlns="" xmlns:a16="http://schemas.microsoft.com/office/drawing/2014/main" xmlns:p14="http://schemas.microsoft.com/office/powerpoint/2010/main" xmlns:a14="http://schemas.microsoft.com/office/drawing/2010/main" w="9525">
+                <a14:hiddenLine xmlns:a14="http://schemas.microsoft.com/office/drawing/2010/main" xmlns:p14="http://schemas.microsoft.com/office/powerpoint/2010/main" xmlns:a16="http://schemas.microsoft.com/office/drawing/2014/main" xmlns="" w="9525">
                   <a:solidFill>
                     <a:srgbClr val="000000"/>
                   </a:solidFill>
@@ -17075,7 +17079,7 @@
             </a:ln>
             <a:extLst>
               <a:ext uri="{91240B29-F687-4f45-9708-019B960494DF}">
-                <a14:hiddenLine xmlns="" xmlns:a16="http://schemas.microsoft.com/office/drawing/2014/main" xmlns:p14="http://schemas.microsoft.com/office/powerpoint/2010/main" xmlns:a14="http://schemas.microsoft.com/office/drawing/2010/main" w="9525">
+                <a14:hiddenLine xmlns:a14="http://schemas.microsoft.com/office/drawing/2010/main" xmlns:p14="http://schemas.microsoft.com/office/powerpoint/2010/main" xmlns:a16="http://schemas.microsoft.com/office/drawing/2014/main" xmlns="" w="9525">
                   <a:solidFill>
                     <a:srgbClr val="000000"/>
                   </a:solidFill>
@@ -17149,7 +17153,7 @@
             </a:ln>
             <a:extLst>
               <a:ext uri="{91240B29-F687-4f45-9708-019B960494DF}">
-                <a14:hiddenLine xmlns="" xmlns:a16="http://schemas.microsoft.com/office/drawing/2014/main" xmlns:p14="http://schemas.microsoft.com/office/powerpoint/2010/main" xmlns:a14="http://schemas.microsoft.com/office/drawing/2010/main" w="9525">
+                <a14:hiddenLine xmlns:a14="http://schemas.microsoft.com/office/drawing/2010/main" xmlns:p14="http://schemas.microsoft.com/office/powerpoint/2010/main" xmlns:a16="http://schemas.microsoft.com/office/drawing/2014/main" xmlns="" w="9525">
                   <a:solidFill>
                     <a:srgbClr val="000000"/>
                   </a:solidFill>
@@ -17251,7 +17255,7 @@
             </a:ln>
             <a:extLst>
               <a:ext uri="{91240B29-F687-4f45-9708-019B960494DF}">
-                <a14:hiddenLine xmlns="" xmlns:a16="http://schemas.microsoft.com/office/drawing/2014/main" xmlns:p14="http://schemas.microsoft.com/office/powerpoint/2010/main" xmlns:a14="http://schemas.microsoft.com/office/drawing/2010/main" w="9525">
+                <a14:hiddenLine xmlns:a14="http://schemas.microsoft.com/office/drawing/2010/main" xmlns:p14="http://schemas.microsoft.com/office/powerpoint/2010/main" xmlns:a16="http://schemas.microsoft.com/office/drawing/2014/main" xmlns="" w="9525">
                   <a:solidFill>
                     <a:srgbClr val="000000"/>
                   </a:solidFill>
@@ -17353,7 +17357,7 @@
             </a:ln>
             <a:extLst>
               <a:ext uri="{91240B29-F687-4f45-9708-019B960494DF}">
-                <a14:hiddenLine xmlns="" xmlns:a16="http://schemas.microsoft.com/office/drawing/2014/main" xmlns:p14="http://schemas.microsoft.com/office/powerpoint/2010/main" xmlns:a14="http://schemas.microsoft.com/office/drawing/2010/main" w="9525">
+                <a14:hiddenLine xmlns:a14="http://schemas.microsoft.com/office/drawing/2010/main" xmlns:p14="http://schemas.microsoft.com/office/powerpoint/2010/main" xmlns:a16="http://schemas.microsoft.com/office/drawing/2014/main" xmlns="" w="9525">
                   <a:solidFill>
                     <a:srgbClr val="000000"/>
                   </a:solidFill>
@@ -17430,7 +17434,7 @@
             </a:ln>
             <a:extLst>
               <a:ext uri="{91240B29-F687-4f45-9708-019B960494DF}">
-                <a14:hiddenLine xmlns="" xmlns:a16="http://schemas.microsoft.com/office/drawing/2014/main" xmlns:p14="http://schemas.microsoft.com/office/powerpoint/2010/main" xmlns:a14="http://schemas.microsoft.com/office/drawing/2010/main" w="9525">
+                <a14:hiddenLine xmlns:a14="http://schemas.microsoft.com/office/drawing/2010/main" xmlns:p14="http://schemas.microsoft.com/office/powerpoint/2010/main" xmlns:a16="http://schemas.microsoft.com/office/drawing/2014/main" xmlns="" w="9525">
                   <a:solidFill>
                     <a:srgbClr val="000000"/>
                   </a:solidFill>
@@ -17562,7 +17566,7 @@
             </a:ln>
             <a:extLst>
               <a:ext uri="{91240B29-F687-4f45-9708-019B960494DF}">
-                <a14:hiddenLine xmlns="" xmlns:a16="http://schemas.microsoft.com/office/drawing/2014/main" xmlns:p14="http://schemas.microsoft.com/office/powerpoint/2010/main" xmlns:a14="http://schemas.microsoft.com/office/drawing/2010/main" w="9525">
+                <a14:hiddenLine xmlns:a14="http://schemas.microsoft.com/office/drawing/2010/main" xmlns:p14="http://schemas.microsoft.com/office/powerpoint/2010/main" xmlns:a16="http://schemas.microsoft.com/office/drawing/2014/main" xmlns="" w="9525">
                   <a:solidFill>
                     <a:srgbClr val="000000"/>
                   </a:solidFill>
@@ -17686,7 +17690,7 @@
             </a:ln>
             <a:extLst>
               <a:ext uri="{91240B29-F687-4f45-9708-019B960494DF}">
-                <a14:hiddenLine xmlns="" xmlns:a16="http://schemas.microsoft.com/office/drawing/2014/main" xmlns:p14="http://schemas.microsoft.com/office/powerpoint/2010/main" xmlns:a14="http://schemas.microsoft.com/office/drawing/2010/main" w="9525">
+                <a14:hiddenLine xmlns:a14="http://schemas.microsoft.com/office/drawing/2010/main" xmlns:p14="http://schemas.microsoft.com/office/powerpoint/2010/main" xmlns:a16="http://schemas.microsoft.com/office/drawing/2014/main" xmlns="" w="9525">
                   <a:solidFill>
                     <a:srgbClr val="000000"/>
                   </a:solidFill>
@@ -17813,7 +17817,7 @@
             </a:ln>
             <a:extLst>
               <a:ext uri="{91240B29-F687-4f45-9708-019B960494DF}">
-                <a14:hiddenLine xmlns="" xmlns:a16="http://schemas.microsoft.com/office/drawing/2014/main" xmlns:p14="http://schemas.microsoft.com/office/powerpoint/2010/main" xmlns:a14="http://schemas.microsoft.com/office/drawing/2010/main" w="9525">
+                <a14:hiddenLine xmlns:a14="http://schemas.microsoft.com/office/drawing/2010/main" xmlns:p14="http://schemas.microsoft.com/office/powerpoint/2010/main" xmlns:a16="http://schemas.microsoft.com/office/drawing/2014/main" xmlns="" w="9525">
                   <a:solidFill>
                     <a:srgbClr val="000000"/>
                   </a:solidFill>
@@ -17915,7 +17919,7 @@
             </a:ln>
             <a:extLst>
               <a:ext uri="{91240B29-F687-4f45-9708-019B960494DF}">
-                <a14:hiddenLine xmlns="" xmlns:a16="http://schemas.microsoft.com/office/drawing/2014/main" xmlns:p14="http://schemas.microsoft.com/office/powerpoint/2010/main" xmlns:a14="http://schemas.microsoft.com/office/drawing/2010/main" w="9525">
+                <a14:hiddenLine xmlns:a14="http://schemas.microsoft.com/office/drawing/2010/main" xmlns:p14="http://schemas.microsoft.com/office/powerpoint/2010/main" xmlns:a16="http://schemas.microsoft.com/office/drawing/2014/main" xmlns="" w="9525">
                   <a:solidFill>
                     <a:srgbClr val="000000"/>
                   </a:solidFill>
@@ -17992,7 +17996,7 @@
             </a:ln>
             <a:extLst>
               <a:ext uri="{91240B29-F687-4f45-9708-019B960494DF}">
-                <a14:hiddenLine xmlns="" xmlns:a16="http://schemas.microsoft.com/office/drawing/2014/main" xmlns:p14="http://schemas.microsoft.com/office/powerpoint/2010/main" xmlns:a14="http://schemas.microsoft.com/office/drawing/2010/main" w="9525">
+                <a14:hiddenLine xmlns:a14="http://schemas.microsoft.com/office/drawing/2010/main" xmlns:p14="http://schemas.microsoft.com/office/powerpoint/2010/main" xmlns:a16="http://schemas.microsoft.com/office/drawing/2014/main" xmlns="" w="9525">
                   <a:solidFill>
                     <a:srgbClr val="000000"/>
                   </a:solidFill>
@@ -18094,7 +18098,7 @@
             </a:ln>
             <a:extLst>
               <a:ext uri="{91240B29-F687-4f45-9708-019B960494DF}">
-                <a14:hiddenLine xmlns="" xmlns:a16="http://schemas.microsoft.com/office/drawing/2014/main" xmlns:p14="http://schemas.microsoft.com/office/powerpoint/2010/main" xmlns:a14="http://schemas.microsoft.com/office/drawing/2010/main" w="9525">
+                <a14:hiddenLine xmlns:a14="http://schemas.microsoft.com/office/drawing/2010/main" xmlns:p14="http://schemas.microsoft.com/office/powerpoint/2010/main" xmlns:a16="http://schemas.microsoft.com/office/drawing/2014/main" xmlns="" w="9525">
                   <a:solidFill>
                     <a:srgbClr val="000000"/>
                   </a:solidFill>
@@ -18174,7 +18178,7 @@
             </a:ln>
             <a:extLst>
               <a:ext uri="{91240B29-F687-4f45-9708-019B960494DF}">
-                <a14:hiddenLine xmlns="" xmlns:a16="http://schemas.microsoft.com/office/drawing/2014/main" xmlns:p14="http://schemas.microsoft.com/office/powerpoint/2010/main" xmlns:a14="http://schemas.microsoft.com/office/drawing/2010/main" w="9525">
+                <a14:hiddenLine xmlns:a14="http://schemas.microsoft.com/office/drawing/2010/main" xmlns:p14="http://schemas.microsoft.com/office/powerpoint/2010/main" xmlns:a16="http://schemas.microsoft.com/office/drawing/2014/main" xmlns="" w="9525">
                   <a:solidFill>
                     <a:srgbClr val="000000"/>
                   </a:solidFill>
@@ -18276,7 +18280,7 @@
             </a:ln>
             <a:extLst>
               <a:ext uri="{91240B29-F687-4f45-9708-019B960494DF}">
-                <a14:hiddenLine xmlns="" xmlns:a16="http://schemas.microsoft.com/office/drawing/2014/main" xmlns:p14="http://schemas.microsoft.com/office/powerpoint/2010/main" xmlns:a14="http://schemas.microsoft.com/office/drawing/2010/main" w="9525">
+                <a14:hiddenLine xmlns:a14="http://schemas.microsoft.com/office/drawing/2010/main" xmlns:p14="http://schemas.microsoft.com/office/powerpoint/2010/main" xmlns:a16="http://schemas.microsoft.com/office/drawing/2014/main" xmlns="" w="9525">
                   <a:solidFill>
                     <a:srgbClr val="000000"/>
                   </a:solidFill>
@@ -18356,7 +18360,7 @@
             </a:ln>
             <a:extLst>
               <a:ext uri="{91240B29-F687-4f45-9708-019B960494DF}">
-                <a14:hiddenLine xmlns="" xmlns:a16="http://schemas.microsoft.com/office/drawing/2014/main" xmlns:p14="http://schemas.microsoft.com/office/powerpoint/2010/main" xmlns:a14="http://schemas.microsoft.com/office/drawing/2010/main" w="9525">
+                <a14:hiddenLine xmlns:a14="http://schemas.microsoft.com/office/drawing/2010/main" xmlns:p14="http://schemas.microsoft.com/office/powerpoint/2010/main" xmlns:a16="http://schemas.microsoft.com/office/drawing/2014/main" xmlns="" w="9525">
                   <a:solidFill>
                     <a:srgbClr val="000000"/>
                   </a:solidFill>
@@ -18458,7 +18462,7 @@
             </a:ln>
             <a:extLst>
               <a:ext uri="{91240B29-F687-4f45-9708-019B960494DF}">
-                <a14:hiddenLine xmlns="" xmlns:a16="http://schemas.microsoft.com/office/drawing/2014/main" xmlns:p14="http://schemas.microsoft.com/office/powerpoint/2010/main" xmlns:a14="http://schemas.microsoft.com/office/drawing/2010/main" w="9525">
+                <a14:hiddenLine xmlns:a14="http://schemas.microsoft.com/office/drawing/2010/main" xmlns:p14="http://schemas.microsoft.com/office/powerpoint/2010/main" xmlns:a16="http://schemas.microsoft.com/office/drawing/2014/main" xmlns="" w="9525">
                   <a:solidFill>
                     <a:srgbClr val="000000"/>
                   </a:solidFill>
@@ -18504,7 +18508,7 @@
             </a:ln>
             <a:extLst>
               <a:ext uri="{91240B29-F687-4f45-9708-019B960494DF}">
-                <a14:hiddenLine xmlns="" xmlns:a16="http://schemas.microsoft.com/office/drawing/2014/main" xmlns:p14="http://schemas.microsoft.com/office/powerpoint/2010/main" xmlns:a14="http://schemas.microsoft.com/office/drawing/2010/main" w="9525">
+                <a14:hiddenLine xmlns:a14="http://schemas.microsoft.com/office/drawing/2010/main" xmlns:p14="http://schemas.microsoft.com/office/powerpoint/2010/main" xmlns:a16="http://schemas.microsoft.com/office/drawing/2014/main" xmlns="" w="9525">
                   <a:solidFill>
                     <a:srgbClr val="000000"/>
                   </a:solidFill>
@@ -18607,6 +18611,2630 @@
 </file>
 
 <file path=ppt/slides/slide4.xml><?xml version="1.0" encoding="utf-8"?>
+<p:sld xmlns:a="http://schemas.openxmlformats.org/drawingml/2006/main" xmlns:r="http://schemas.openxmlformats.org/officeDocument/2006/relationships" xmlns:p="http://schemas.openxmlformats.org/presentationml/2006/main">
+  <p:cSld>
+    <p:bg>
+      <p:bgPr>
+        <a:blipFill>
+          <a:blip r:embed="rId2">
+            <a:duotone>
+              <a:schemeClr val="bg2">
+                <a:shade val="88000"/>
+                <a:hueMod val="106000"/>
+                <a:satMod val="140000"/>
+                <a:lumMod val="54000"/>
+              </a:schemeClr>
+              <a:schemeClr val="bg2">
+                <a:tint val="98000"/>
+                <a:hueMod val="90000"/>
+                <a:satMod val="150000"/>
+                <a:lumMod val="160000"/>
+              </a:schemeClr>
+            </a:duotone>
+            <a:extLst/>
+          </a:blip>
+          <a:stretch/>
+        </a:blipFill>
+        <a:effectLst/>
+      </p:bgPr>
+    </p:bg>
+    <p:spTree>
+      <p:nvGrpSpPr>
+        <p:cNvPr id="1" name=""/>
+        <p:cNvGrpSpPr/>
+        <p:nvPr/>
+      </p:nvGrpSpPr>
+      <p:grpSpPr>
+        <a:xfrm>
+          <a:off x="0" y="0"/>
+          <a:ext cx="0" cy="0"/>
+          <a:chOff x="0" y="0"/>
+          <a:chExt cx="0" cy="0"/>
+        </a:xfrm>
+      </p:grpSpPr>
+      <p:sp useBgFill="1">
+        <p:nvSpPr>
+          <p:cNvPr id="57" name="Rectangle 56">
+            <a:extLst>
+              <a:ext uri="{FF2B5EF4-FFF2-40B4-BE49-F238E27FC236}">
+                <a16:creationId xmlns:a16="http://schemas.microsoft.com/office/drawing/2014/main" id="{C2E4E997-8672-4FFD-B8EC-9932A8E4714B}"/>
+              </a:ext>
+            </a:extLst>
+          </p:cNvPr>
+          <p:cNvSpPr>
+            <a:spLocks noGrp="1" noRot="1" noChangeAspect="1" noMove="1" noResize="1" noEditPoints="1" noAdjustHandles="1" noChangeArrowheads="1" noChangeShapeType="1" noTextEdit="1"/>
+          </p:cNvSpPr>
+          <p:nvPr>
+            <p:extLst>
+              <p:ext uri="{386F3935-93C4-4BCD-93E2-E3B085C9AB24}">
+                <p16:designElem xmlns:p16="http://schemas.microsoft.com/office/powerpoint/2015/main" val="1"/>
+              </p:ext>
+            </p:extLst>
+          </p:nvPr>
+        </p:nvSpPr>
+        <p:spPr>
+          <a:xfrm>
+            <a:off x="0" y="0"/>
+            <a:ext cx="12192000" cy="6858000"/>
+          </a:xfrm>
+          <a:prstGeom prst="rect">
+            <a:avLst/>
+          </a:prstGeom>
+          <a:ln>
+            <a:noFill/>
+          </a:ln>
+        </p:spPr>
+        <p:style>
+          <a:lnRef idx="2">
+            <a:schemeClr val="accent1">
+              <a:shade val="50000"/>
+            </a:schemeClr>
+          </a:lnRef>
+          <a:fillRef idx="1003">
+            <a:schemeClr val="dk2"/>
+          </a:fillRef>
+          <a:effectRef idx="0">
+            <a:schemeClr val="accent1"/>
+          </a:effectRef>
+          <a:fontRef idx="minor">
+            <a:schemeClr val="lt1"/>
+          </a:fontRef>
+        </p:style>
+        <p:txBody>
+          <a:bodyPr rtlCol="0" anchor="ctr"/>
+          <a:lstStyle/>
+          <a:p>
+            <a:pPr algn="ctr"/>
+            <a:endParaRPr lang="en-US"/>
+          </a:p>
+        </p:txBody>
+      </p:sp>
+      <p:pic>
+        <p:nvPicPr>
+          <p:cNvPr id="59" name="Picture 2" descr="Une image contenant équipement électronique&#10;&#10;Description générée avec un niveau de confiance élevé">
+            <a:extLst>
+              <a:ext uri="{FF2B5EF4-FFF2-40B4-BE49-F238E27FC236}">
+                <a16:creationId xmlns:a16="http://schemas.microsoft.com/office/drawing/2014/main" id="{FE6BA9E6-1D9E-4D30-B528-D49FA1342E4E}"/>
+              </a:ext>
+            </a:extLst>
+          </p:cNvPr>
+          <p:cNvPicPr>
+            <a:picLocks noGrp="1" noRot="1" noChangeAspect="1" noMove="1" noResize="1" noEditPoints="1" noAdjustHandles="1" noChangeArrowheads="1" noChangeShapeType="1" noCrop="1"/>
+          </p:cNvPicPr>
+          <p:nvPr>
+            <p:extLst>
+              <p:ext uri="{386F3935-93C4-4BCD-93E2-E3B085C9AB24}">
+                <p16:designElem xmlns:p16="http://schemas.microsoft.com/office/powerpoint/2015/main" val="1"/>
+              </p:ext>
+            </p:extLst>
+          </p:nvPr>
+        </p:nvPicPr>
+        <p:blipFill>
+          <a:blip r:embed="rId3">
+            <a:alphaModFix amt="30000"/>
+            <a:extLst>
+              <a:ext uri="{28A0092B-C50C-407E-A947-70E740481C1C}">
+                <a14:useLocalDpi xmlns:a14="http://schemas.microsoft.com/office/drawing/2010/main" val="0"/>
+              </a:ext>
+            </a:extLst>
+          </a:blip>
+          <a:srcRect/>
+          <a:stretch>
+            <a:fillRect/>
+          </a:stretch>
+        </p:blipFill>
+        <p:spPr bwMode="auto">
+          <a:xfrm>
+            <a:off x="0" y="0"/>
+            <a:ext cx="12192003" cy="6858001"/>
+          </a:xfrm>
+          <a:prstGeom prst="rect">
+            <a:avLst/>
+          </a:prstGeom>
+          <a:noFill/>
+          <a:extLst>
+            <a:ext uri="{909E8E84-426E-40dd-AFC4-6F175D3DCCD1}">
+              <a14:hiddenFill xmlns:a14="http://schemas.microsoft.com/office/drawing/2010/main" xmlns:p14="http://schemas.microsoft.com/office/powerpoint/2010/main" xmlns="">
+                <a:solidFill>
+                  <a:srgbClr val="FFFFFF"/>
+                </a:solidFill>
+              </a14:hiddenFill>
+            </a:ext>
+          </a:extLst>
+        </p:spPr>
+      </p:pic>
+      <p:pic>
+        <p:nvPicPr>
+          <p:cNvPr id="52" name="Espace réservé du contenu 4" descr="Une image contenant ciel&#10;&#10;Description générée avec un niveau de confiance très élevé">
+            <a:extLst>
+              <a:ext uri="{FF2B5EF4-FFF2-40B4-BE49-F238E27FC236}">
+                <a16:creationId xmlns:a16="http://schemas.microsoft.com/office/drawing/2014/main" id="{4E63EDE3-92DA-4568-94E3-185AAF68B4A5}"/>
+              </a:ext>
+            </a:extLst>
+          </p:cNvPr>
+          <p:cNvPicPr>
+            <a:picLocks noChangeAspect="1"/>
+          </p:cNvPicPr>
+          <p:nvPr/>
+        </p:nvPicPr>
+        <p:blipFill>
+          <a:blip r:embed="rId4">
+            <a:extLst>
+              <a:ext uri="{28A0092B-C50C-407E-A947-70E740481C1C}">
+                <a14:useLocalDpi xmlns:a14="http://schemas.microsoft.com/office/drawing/2010/main" val="0"/>
+              </a:ext>
+            </a:extLst>
+          </a:blip>
+          <a:stretch>
+            <a:fillRect/>
+          </a:stretch>
+        </p:blipFill>
+        <p:spPr>
+          <a:xfrm>
+            <a:off x="6096000" y="1663696"/>
+            <a:ext cx="5456279" cy="3505659"/>
+          </a:xfrm>
+          <a:prstGeom prst="round2DiagRect">
+            <a:avLst>
+              <a:gd name="adj1" fmla="val 5608"/>
+              <a:gd name="adj2" fmla="val 0"/>
+            </a:avLst>
+          </a:prstGeom>
+          <a:ln w="19050" cap="sq">
+            <a:solidFill>
+              <a:schemeClr val="tx2">
+                <a:lumMod val="60000"/>
+                <a:lumOff val="40000"/>
+                <a:alpha val="60000"/>
+              </a:schemeClr>
+            </a:solidFill>
+            <a:miter lim="800000"/>
+          </a:ln>
+          <a:effectLst>
+            <a:outerShdw blurRad="88900" dist="38100" dir="5400000" algn="t" rotWithShape="0">
+              <a:prstClr val="black">
+                <a:alpha val="40000"/>
+              </a:prstClr>
+            </a:outerShdw>
+          </a:effectLst>
+        </p:spPr>
+      </p:pic>
+      <p:grpSp>
+        <p:nvGrpSpPr>
+          <p:cNvPr id="61" name="Group 60">
+            <a:extLst>
+              <a:ext uri="{FF2B5EF4-FFF2-40B4-BE49-F238E27FC236}">
+                <a16:creationId xmlns:a16="http://schemas.microsoft.com/office/drawing/2014/main" id="{453E4DEE-E996-40F8-8635-0FF43D7348F9}"/>
+              </a:ext>
+            </a:extLst>
+          </p:cNvPr>
+          <p:cNvGrpSpPr>
+            <a:grpSpLocks noGrp="1" noUngrp="1" noRot="1" noChangeAspect="1" noMove="1" noResize="1"/>
+          </p:cNvGrpSpPr>
+          <p:nvPr>
+            <p:extLst>
+              <p:ext uri="{386F3935-93C4-4BCD-93E2-E3B085C9AB24}">
+                <p16:designElem xmlns:p16="http://schemas.microsoft.com/office/powerpoint/2015/main" val="1"/>
+              </p:ext>
+            </p:extLst>
+          </p:nvPr>
+        </p:nvGrpSpPr>
+        <p:grpSpPr>
+          <a:xfrm>
+            <a:off x="0" y="0"/>
+            <a:ext cx="1220788" cy="6858001"/>
+            <a:chOff x="-14288" y="0"/>
+            <a:chExt cx="1220788" cy="6858001"/>
+          </a:xfrm>
+          <a:gradFill flip="none" rotWithShape="1">
+            <a:gsLst>
+              <a:gs pos="0">
+                <a:schemeClr val="tx2"/>
+              </a:gs>
+              <a:gs pos="100000">
+                <a:schemeClr val="bg2">
+                  <a:lumMod val="60000"/>
+                  <a:lumOff val="40000"/>
+                </a:schemeClr>
+              </a:gs>
+            </a:gsLst>
+            <a:lin ang="5400000" scaled="0"/>
+            <a:tileRect/>
+          </a:gradFill>
+        </p:grpSpPr>
+        <p:sp>
+          <p:nvSpPr>
+            <p:cNvPr id="62" name="Rectangle 5">
+              <a:extLst>
+                <a:ext uri="{FF2B5EF4-FFF2-40B4-BE49-F238E27FC236}">
+                  <a16:creationId xmlns:a16="http://schemas.microsoft.com/office/drawing/2014/main" id="{08BD1D3E-43CE-49EB-A424-0738950C6424}"/>
+                </a:ext>
+              </a:extLst>
+            </p:cNvPr>
+            <p:cNvSpPr>
+              <a:spLocks noChangeArrowheads="1"/>
+            </p:cNvSpPr>
+            <p:nvPr>
+              <p:extLst>
+                <p:ext uri="{386F3935-93C4-4BCD-93E2-E3B085C9AB24}">
+                  <p16:designElem xmlns:p16="http://schemas.microsoft.com/office/powerpoint/2015/main" val="1"/>
+                </p:ext>
+              </p:extLst>
+            </p:nvPr>
+          </p:nvSpPr>
+          <p:spPr bwMode="auto">
+            <a:xfrm>
+              <a:off x="114300" y="4763"/>
+              <a:ext cx="23813" cy="2181225"/>
+            </a:xfrm>
+            <a:prstGeom prst="rect">
+              <a:avLst/>
+            </a:prstGeom>
+            <a:grpFill/>
+            <a:ln>
+              <a:noFill/>
+            </a:ln>
+            <a:extLst>
+              <a:ext uri="{91240B29-F687-4f45-9708-019B960494DF}">
+                <a14:hiddenLine xmlns:a14="http://schemas.microsoft.com/office/drawing/2010/main" xmlns:p14="http://schemas.microsoft.com/office/powerpoint/2010/main" xmlns="" w="9525">
+                  <a:solidFill>
+                    <a:srgbClr val="000000"/>
+                  </a:solidFill>
+                  <a:miter lim="800000"/>
+                  <a:headEnd/>
+                  <a:tailEnd/>
+                </a14:hiddenLine>
+              </a:ext>
+            </a:extLst>
+          </p:spPr>
+        </p:sp>
+        <p:sp>
+          <p:nvSpPr>
+            <p:cNvPr id="63" name="Freeform 6">
+              <a:extLst>
+                <a:ext uri="{FF2B5EF4-FFF2-40B4-BE49-F238E27FC236}">
+                  <a16:creationId xmlns:a16="http://schemas.microsoft.com/office/drawing/2014/main" id="{E9182037-E3FA-489A-95D5-29E4248420D8}"/>
+                </a:ext>
+              </a:extLst>
+            </p:cNvPr>
+            <p:cNvSpPr>
+              <a:spLocks noEditPoints="1"/>
+            </p:cNvSpPr>
+            <p:nvPr>
+              <p:extLst>
+                <p:ext uri="{386F3935-93C4-4BCD-93E2-E3B085C9AB24}">
+                  <p16:designElem xmlns:p16="http://schemas.microsoft.com/office/powerpoint/2015/main" val="1"/>
+                </p:ext>
+              </p:extLst>
+            </p:nvPr>
+          </p:nvSpPr>
+          <p:spPr bwMode="auto">
+            <a:xfrm>
+              <a:off x="33337" y="2176463"/>
+              <a:ext cx="190500" cy="190500"/>
+            </a:xfrm>
+            <a:custGeom>
+              <a:avLst/>
+              <a:gdLst/>
+              <a:ahLst/>
+              <a:cxnLst/>
+              <a:rect l="0" t="0" r="r" b="b"/>
+              <a:pathLst>
+                <a:path w="40" h="40">
+                  <a:moveTo>
+                    <a:pt x="20" y="40"/>
+                  </a:moveTo>
+                  <a:cubicBezTo>
+                    <a:pt x="9" y="40"/>
+                    <a:pt x="0" y="31"/>
+                    <a:pt x="0" y="20"/>
+                  </a:cubicBezTo>
+                  <a:cubicBezTo>
+                    <a:pt x="0" y="9"/>
+                    <a:pt x="9" y="0"/>
+                    <a:pt x="20" y="0"/>
+                  </a:cubicBezTo>
+                  <a:cubicBezTo>
+                    <a:pt x="31" y="0"/>
+                    <a:pt x="40" y="9"/>
+                    <a:pt x="40" y="20"/>
+                  </a:cubicBezTo>
+                  <a:cubicBezTo>
+                    <a:pt x="40" y="31"/>
+                    <a:pt x="31" y="40"/>
+                    <a:pt x="20" y="40"/>
+                  </a:cubicBezTo>
+                  <a:close/>
+                  <a:moveTo>
+                    <a:pt x="20" y="4"/>
+                  </a:moveTo>
+                  <a:cubicBezTo>
+                    <a:pt x="11" y="4"/>
+                    <a:pt x="4" y="11"/>
+                    <a:pt x="4" y="20"/>
+                  </a:cubicBezTo>
+                  <a:cubicBezTo>
+                    <a:pt x="4" y="29"/>
+                    <a:pt x="11" y="36"/>
+                    <a:pt x="20" y="36"/>
+                  </a:cubicBezTo>
+                  <a:cubicBezTo>
+                    <a:pt x="28" y="36"/>
+                    <a:pt x="36" y="29"/>
+                    <a:pt x="36" y="20"/>
+                  </a:cubicBezTo>
+                  <a:cubicBezTo>
+                    <a:pt x="36" y="11"/>
+                    <a:pt x="28" y="4"/>
+                    <a:pt x="20" y="4"/>
+                  </a:cubicBezTo>
+                  <a:close/>
+                </a:path>
+              </a:pathLst>
+            </a:custGeom>
+            <a:grpFill/>
+            <a:ln>
+              <a:noFill/>
+            </a:ln>
+            <a:extLst>
+              <a:ext uri="{91240B29-F687-4f45-9708-019B960494DF}">
+                <a14:hiddenLine xmlns:a14="http://schemas.microsoft.com/office/drawing/2010/main" xmlns:p14="http://schemas.microsoft.com/office/powerpoint/2010/main" xmlns="" w="9525">
+                  <a:solidFill>
+                    <a:srgbClr val="000000"/>
+                  </a:solidFill>
+                  <a:round/>
+                  <a:headEnd/>
+                  <a:tailEnd/>
+                </a14:hiddenLine>
+              </a:ext>
+            </a:extLst>
+          </p:spPr>
+        </p:sp>
+        <p:sp>
+          <p:nvSpPr>
+            <p:cNvPr id="64" name="Freeform 7">
+              <a:extLst>
+                <a:ext uri="{FF2B5EF4-FFF2-40B4-BE49-F238E27FC236}">
+                  <a16:creationId xmlns:a16="http://schemas.microsoft.com/office/drawing/2014/main" id="{E8864E76-AD7F-4BEE-B3F6-A78FA42AEFAC}"/>
+                </a:ext>
+              </a:extLst>
+            </p:cNvPr>
+            <p:cNvSpPr>
+              <a:spLocks noEditPoints="1"/>
+            </p:cNvSpPr>
+            <p:nvPr>
+              <p:extLst>
+                <p:ext uri="{386F3935-93C4-4BCD-93E2-E3B085C9AB24}">
+                  <p16:designElem xmlns:p16="http://schemas.microsoft.com/office/powerpoint/2015/main" val="1"/>
+                </p:ext>
+              </p:extLst>
+            </p:nvPr>
+          </p:nvSpPr>
+          <p:spPr bwMode="auto">
+            <a:xfrm>
+              <a:off x="28575" y="4021138"/>
+              <a:ext cx="190500" cy="188913"/>
+            </a:xfrm>
+            <a:custGeom>
+              <a:avLst/>
+              <a:gdLst/>
+              <a:ahLst/>
+              <a:cxnLst/>
+              <a:rect l="0" t="0" r="r" b="b"/>
+              <a:pathLst>
+                <a:path w="40" h="40">
+                  <a:moveTo>
+                    <a:pt x="20" y="40"/>
+                  </a:moveTo>
+                  <a:cubicBezTo>
+                    <a:pt x="9" y="40"/>
+                    <a:pt x="0" y="31"/>
+                    <a:pt x="0" y="20"/>
+                  </a:cubicBezTo>
+                  <a:cubicBezTo>
+                    <a:pt x="0" y="9"/>
+                    <a:pt x="9" y="0"/>
+                    <a:pt x="20" y="0"/>
+                  </a:cubicBezTo>
+                  <a:cubicBezTo>
+                    <a:pt x="31" y="0"/>
+                    <a:pt x="40" y="9"/>
+                    <a:pt x="40" y="20"/>
+                  </a:cubicBezTo>
+                  <a:cubicBezTo>
+                    <a:pt x="40" y="31"/>
+                    <a:pt x="31" y="40"/>
+                    <a:pt x="20" y="40"/>
+                  </a:cubicBezTo>
+                  <a:close/>
+                  <a:moveTo>
+                    <a:pt x="20" y="4"/>
+                  </a:moveTo>
+                  <a:cubicBezTo>
+                    <a:pt x="12" y="4"/>
+                    <a:pt x="4" y="11"/>
+                    <a:pt x="4" y="20"/>
+                  </a:cubicBezTo>
+                  <a:cubicBezTo>
+                    <a:pt x="4" y="29"/>
+                    <a:pt x="12" y="36"/>
+                    <a:pt x="20" y="36"/>
+                  </a:cubicBezTo>
+                  <a:cubicBezTo>
+                    <a:pt x="29" y="36"/>
+                    <a:pt x="36" y="29"/>
+                    <a:pt x="36" y="20"/>
+                  </a:cubicBezTo>
+                  <a:cubicBezTo>
+                    <a:pt x="36" y="11"/>
+                    <a:pt x="29" y="4"/>
+                    <a:pt x="20" y="4"/>
+                  </a:cubicBezTo>
+                  <a:close/>
+                </a:path>
+              </a:pathLst>
+            </a:custGeom>
+            <a:grpFill/>
+            <a:ln>
+              <a:noFill/>
+            </a:ln>
+            <a:extLst>
+              <a:ext uri="{91240B29-F687-4f45-9708-019B960494DF}">
+                <a14:hiddenLine xmlns:a14="http://schemas.microsoft.com/office/drawing/2010/main" xmlns:p14="http://schemas.microsoft.com/office/powerpoint/2010/main" xmlns="" w="9525">
+                  <a:solidFill>
+                    <a:srgbClr val="000000"/>
+                  </a:solidFill>
+                  <a:round/>
+                  <a:headEnd/>
+                  <a:tailEnd/>
+                </a14:hiddenLine>
+              </a:ext>
+            </a:extLst>
+          </p:spPr>
+        </p:sp>
+        <p:sp>
+          <p:nvSpPr>
+            <p:cNvPr id="65" name="Freeform 8">
+              <a:extLst>
+                <a:ext uri="{FF2B5EF4-FFF2-40B4-BE49-F238E27FC236}">
+                  <a16:creationId xmlns:a16="http://schemas.microsoft.com/office/drawing/2014/main" id="{8AD071B3-046D-4479-91FE-01E9AD7C8AAB}"/>
+                </a:ext>
+              </a:extLst>
+            </p:cNvPr>
+            <p:cNvSpPr/>
+            <p:nvPr>
+              <p:extLst>
+                <p:ext uri="{386F3935-93C4-4BCD-93E2-E3B085C9AB24}">
+                  <p16:designElem xmlns:p16="http://schemas.microsoft.com/office/powerpoint/2015/main" val="1"/>
+                </p:ext>
+              </p:extLst>
+            </p:nvPr>
+          </p:nvSpPr>
+          <p:spPr bwMode="auto">
+            <a:xfrm>
+              <a:off x="200025" y="4763"/>
+              <a:ext cx="369888" cy="1811338"/>
+            </a:xfrm>
+            <a:custGeom>
+              <a:avLst/>
+              <a:gdLst/>
+              <a:ahLst/>
+              <a:cxnLst/>
+              <a:rect l="0" t="0" r="r" b="b"/>
+              <a:pathLst>
+                <a:path w="233" h="1141">
+                  <a:moveTo>
+                    <a:pt x="218" y="1141"/>
+                  </a:moveTo>
+                  <a:lnTo>
+                    <a:pt x="0" y="626"/>
+                  </a:lnTo>
+                  <a:lnTo>
+                    <a:pt x="0" y="0"/>
+                  </a:lnTo>
+                  <a:lnTo>
+                    <a:pt x="15" y="0"/>
+                  </a:lnTo>
+                  <a:lnTo>
+                    <a:pt x="15" y="623"/>
+                  </a:lnTo>
+                  <a:lnTo>
+                    <a:pt x="233" y="1135"/>
+                  </a:lnTo>
+                  <a:lnTo>
+                    <a:pt x="218" y="1141"/>
+                  </a:lnTo>
+                  <a:close/>
+                </a:path>
+              </a:pathLst>
+            </a:custGeom>
+            <a:grpFill/>
+            <a:ln>
+              <a:noFill/>
+            </a:ln>
+            <a:extLst>
+              <a:ext uri="{91240B29-F687-4f45-9708-019B960494DF}">
+                <a14:hiddenLine xmlns:a14="http://schemas.microsoft.com/office/drawing/2010/main" xmlns:p14="http://schemas.microsoft.com/office/powerpoint/2010/main" xmlns="" w="9525">
+                  <a:solidFill>
+                    <a:srgbClr val="000000"/>
+                  </a:solidFill>
+                  <a:round/>
+                  <a:headEnd/>
+                  <a:tailEnd/>
+                </a14:hiddenLine>
+              </a:ext>
+            </a:extLst>
+          </p:spPr>
+        </p:sp>
+        <p:sp>
+          <p:nvSpPr>
+            <p:cNvPr id="66" name="Freeform 9">
+              <a:extLst>
+                <a:ext uri="{FF2B5EF4-FFF2-40B4-BE49-F238E27FC236}">
+                  <a16:creationId xmlns:a16="http://schemas.microsoft.com/office/drawing/2014/main" id="{91D776F5-E902-4A4D-A75D-A46E063C9F38}"/>
+                </a:ext>
+              </a:extLst>
+            </p:cNvPr>
+            <p:cNvSpPr>
+              <a:spLocks noEditPoints="1"/>
+            </p:cNvSpPr>
+            <p:nvPr>
+              <p:extLst>
+                <p:ext uri="{386F3935-93C4-4BCD-93E2-E3B085C9AB24}">
+                  <p16:designElem xmlns:p16="http://schemas.microsoft.com/office/powerpoint/2015/main" val="1"/>
+                </p:ext>
+              </p:extLst>
+            </p:nvPr>
+          </p:nvSpPr>
+          <p:spPr bwMode="auto">
+            <a:xfrm>
+              <a:off x="503237" y="1801813"/>
+              <a:ext cx="190500" cy="188913"/>
+            </a:xfrm>
+            <a:custGeom>
+              <a:avLst/>
+              <a:gdLst/>
+              <a:ahLst/>
+              <a:cxnLst/>
+              <a:rect l="0" t="0" r="r" b="b"/>
+              <a:pathLst>
+                <a:path w="40" h="40">
+                  <a:moveTo>
+                    <a:pt x="20" y="40"/>
+                  </a:moveTo>
+                  <a:cubicBezTo>
+                    <a:pt x="9" y="40"/>
+                    <a:pt x="0" y="31"/>
+                    <a:pt x="0" y="20"/>
+                  </a:cubicBezTo>
+                  <a:cubicBezTo>
+                    <a:pt x="0" y="9"/>
+                    <a:pt x="9" y="0"/>
+                    <a:pt x="20" y="0"/>
+                  </a:cubicBezTo>
+                  <a:cubicBezTo>
+                    <a:pt x="33" y="0"/>
+                    <a:pt x="40" y="6"/>
+                    <a:pt x="40" y="20"/>
+                  </a:cubicBezTo>
+                  <a:cubicBezTo>
+                    <a:pt x="40" y="31"/>
+                    <a:pt x="31" y="40"/>
+                    <a:pt x="20" y="40"/>
+                  </a:cubicBezTo>
+                  <a:close/>
+                  <a:moveTo>
+                    <a:pt x="20" y="4"/>
+                  </a:moveTo>
+                  <a:cubicBezTo>
+                    <a:pt x="11" y="4"/>
+                    <a:pt x="4" y="11"/>
+                    <a:pt x="4" y="20"/>
+                  </a:cubicBezTo>
+                  <a:cubicBezTo>
+                    <a:pt x="4" y="29"/>
+                    <a:pt x="11" y="36"/>
+                    <a:pt x="20" y="36"/>
+                  </a:cubicBezTo>
+                  <a:cubicBezTo>
+                    <a:pt x="28" y="36"/>
+                    <a:pt x="36" y="29"/>
+                    <a:pt x="36" y="20"/>
+                  </a:cubicBezTo>
+                  <a:cubicBezTo>
+                    <a:pt x="36" y="9"/>
+                    <a:pt x="31" y="4"/>
+                    <a:pt x="20" y="4"/>
+                  </a:cubicBezTo>
+                  <a:close/>
+                </a:path>
+              </a:pathLst>
+            </a:custGeom>
+            <a:grpFill/>
+            <a:ln>
+              <a:noFill/>
+            </a:ln>
+            <a:extLst>
+              <a:ext uri="{91240B29-F687-4f45-9708-019B960494DF}">
+                <a14:hiddenLine xmlns:a14="http://schemas.microsoft.com/office/drawing/2010/main" xmlns:p14="http://schemas.microsoft.com/office/powerpoint/2010/main" xmlns="" w="9525">
+                  <a:solidFill>
+                    <a:srgbClr val="000000"/>
+                  </a:solidFill>
+                  <a:round/>
+                  <a:headEnd/>
+                  <a:tailEnd/>
+                </a14:hiddenLine>
+              </a:ext>
+            </a:extLst>
+          </p:spPr>
+        </p:sp>
+        <p:sp>
+          <p:nvSpPr>
+            <p:cNvPr id="67" name="Freeform 10">
+              <a:extLst>
+                <a:ext uri="{FF2B5EF4-FFF2-40B4-BE49-F238E27FC236}">
+                  <a16:creationId xmlns:a16="http://schemas.microsoft.com/office/drawing/2014/main" id="{EBED8F24-A998-4952-AB68-E2074F0746FE}"/>
+                </a:ext>
+              </a:extLst>
+            </p:cNvPr>
+            <p:cNvSpPr/>
+            <p:nvPr>
+              <p:extLst>
+                <p:ext uri="{386F3935-93C4-4BCD-93E2-E3B085C9AB24}">
+                  <p16:designElem xmlns:p16="http://schemas.microsoft.com/office/powerpoint/2015/main" val="1"/>
+                </p:ext>
+              </p:extLst>
+            </p:nvPr>
+          </p:nvSpPr>
+          <p:spPr bwMode="auto">
+            <a:xfrm>
+              <a:off x="285750" y="4763"/>
+              <a:ext cx="369888" cy="1430338"/>
+            </a:xfrm>
+            <a:custGeom>
+              <a:avLst/>
+              <a:gdLst/>
+              <a:ahLst/>
+              <a:cxnLst/>
+              <a:rect l="0" t="0" r="r" b="b"/>
+              <a:pathLst>
+                <a:path w="233" h="901">
+                  <a:moveTo>
+                    <a:pt x="221" y="901"/>
+                  </a:moveTo>
+                  <a:lnTo>
+                    <a:pt x="0" y="383"/>
+                  </a:lnTo>
+                  <a:lnTo>
+                    <a:pt x="0" y="0"/>
+                  </a:lnTo>
+                  <a:lnTo>
+                    <a:pt x="18" y="0"/>
+                  </a:lnTo>
+                  <a:lnTo>
+                    <a:pt x="18" y="380"/>
+                  </a:lnTo>
+                  <a:lnTo>
+                    <a:pt x="233" y="895"/>
+                  </a:lnTo>
+                  <a:lnTo>
+                    <a:pt x="221" y="901"/>
+                  </a:lnTo>
+                  <a:close/>
+                </a:path>
+              </a:pathLst>
+            </a:custGeom>
+            <a:grpFill/>
+            <a:ln>
+              <a:noFill/>
+            </a:ln>
+            <a:extLst>
+              <a:ext uri="{91240B29-F687-4f45-9708-019B960494DF}">
+                <a14:hiddenLine xmlns:a14="http://schemas.microsoft.com/office/drawing/2010/main" xmlns:p14="http://schemas.microsoft.com/office/powerpoint/2010/main" xmlns="" w="9525">
+                  <a:solidFill>
+                    <a:srgbClr val="000000"/>
+                  </a:solidFill>
+                  <a:round/>
+                  <a:headEnd/>
+                  <a:tailEnd/>
+                </a14:hiddenLine>
+              </a:ext>
+            </a:extLst>
+          </p:spPr>
+        </p:sp>
+        <p:sp>
+          <p:nvSpPr>
+            <p:cNvPr id="68" name="Freeform 11">
+              <a:extLst>
+                <a:ext uri="{FF2B5EF4-FFF2-40B4-BE49-F238E27FC236}">
+                  <a16:creationId xmlns:a16="http://schemas.microsoft.com/office/drawing/2014/main" id="{74D7A646-8CDC-49B3-9C44-3EF38DB4264C}"/>
+                </a:ext>
+              </a:extLst>
+            </p:cNvPr>
+            <p:cNvSpPr/>
+            <p:nvPr>
+              <p:extLst>
+                <p:ext uri="{386F3935-93C4-4BCD-93E2-E3B085C9AB24}">
+                  <p16:designElem xmlns:p16="http://schemas.microsoft.com/office/powerpoint/2015/main" val="1"/>
+                </p:ext>
+              </p:extLst>
+            </p:nvPr>
+          </p:nvSpPr>
+          <p:spPr bwMode="auto">
+            <a:xfrm>
+              <a:off x="546100" y="0"/>
+              <a:ext cx="152400" cy="912813"/>
+            </a:xfrm>
+            <a:custGeom>
+              <a:avLst/>
+              <a:gdLst/>
+              <a:ahLst/>
+              <a:cxnLst/>
+              <a:rect l="0" t="0" r="r" b="b"/>
+              <a:pathLst>
+                <a:path w="96" h="575">
+                  <a:moveTo>
+                    <a:pt x="96" y="575"/>
+                  </a:moveTo>
+                  <a:lnTo>
+                    <a:pt x="78" y="575"/>
+                  </a:lnTo>
+                  <a:lnTo>
+                    <a:pt x="78" y="192"/>
+                  </a:lnTo>
+                  <a:lnTo>
+                    <a:pt x="0" y="6"/>
+                  </a:lnTo>
+                  <a:lnTo>
+                    <a:pt x="15" y="0"/>
+                  </a:lnTo>
+                  <a:lnTo>
+                    <a:pt x="96" y="189"/>
+                  </a:lnTo>
+                  <a:lnTo>
+                    <a:pt x="96" y="575"/>
+                  </a:lnTo>
+                  <a:close/>
+                </a:path>
+              </a:pathLst>
+            </a:custGeom>
+            <a:grpFill/>
+            <a:ln>
+              <a:noFill/>
+            </a:ln>
+            <a:extLst>
+              <a:ext uri="{91240B29-F687-4f45-9708-019B960494DF}">
+                <a14:hiddenLine xmlns:a14="http://schemas.microsoft.com/office/drawing/2010/main" xmlns:p14="http://schemas.microsoft.com/office/powerpoint/2010/main" xmlns="" w="9525">
+                  <a:solidFill>
+                    <a:srgbClr val="000000"/>
+                  </a:solidFill>
+                  <a:round/>
+                  <a:headEnd/>
+                  <a:tailEnd/>
+                </a14:hiddenLine>
+              </a:ext>
+            </a:extLst>
+          </p:spPr>
+        </p:sp>
+        <p:sp>
+          <p:nvSpPr>
+            <p:cNvPr id="69" name="Freeform 12">
+              <a:extLst>
+                <a:ext uri="{FF2B5EF4-FFF2-40B4-BE49-F238E27FC236}">
+                  <a16:creationId xmlns:a16="http://schemas.microsoft.com/office/drawing/2014/main" id="{D4E99D14-E4F4-419B-9AAF-8D1CEAB28A2D}"/>
+                </a:ext>
+              </a:extLst>
+            </p:cNvPr>
+            <p:cNvSpPr>
+              <a:spLocks noEditPoints="1"/>
+            </p:cNvSpPr>
+            <p:nvPr>
+              <p:extLst>
+                <p:ext uri="{386F3935-93C4-4BCD-93E2-E3B085C9AB24}">
+                  <p16:designElem xmlns:p16="http://schemas.microsoft.com/office/powerpoint/2015/main" val="1"/>
+                </p:ext>
+              </p:extLst>
+            </p:nvPr>
+          </p:nvSpPr>
+          <p:spPr bwMode="auto">
+            <a:xfrm>
+              <a:off x="588962" y="1420813"/>
+              <a:ext cx="190500" cy="190500"/>
+            </a:xfrm>
+            <a:custGeom>
+              <a:avLst/>
+              <a:gdLst/>
+              <a:ahLst/>
+              <a:cxnLst/>
+              <a:rect l="0" t="0" r="r" b="b"/>
+              <a:pathLst>
+                <a:path w="40" h="40">
+                  <a:moveTo>
+                    <a:pt x="20" y="40"/>
+                  </a:moveTo>
+                  <a:cubicBezTo>
+                    <a:pt x="9" y="40"/>
+                    <a:pt x="0" y="31"/>
+                    <a:pt x="0" y="20"/>
+                  </a:cubicBezTo>
+                  <a:cubicBezTo>
+                    <a:pt x="0" y="9"/>
+                    <a:pt x="9" y="0"/>
+                    <a:pt x="20" y="0"/>
+                  </a:cubicBezTo>
+                  <a:cubicBezTo>
+                    <a:pt x="33" y="0"/>
+                    <a:pt x="40" y="7"/>
+                    <a:pt x="40" y="20"/>
+                  </a:cubicBezTo>
+                  <a:cubicBezTo>
+                    <a:pt x="40" y="31"/>
+                    <a:pt x="31" y="40"/>
+                    <a:pt x="20" y="40"/>
+                  </a:cubicBezTo>
+                  <a:close/>
+                  <a:moveTo>
+                    <a:pt x="20" y="4"/>
+                  </a:moveTo>
+                  <a:cubicBezTo>
+                    <a:pt x="11" y="4"/>
+                    <a:pt x="4" y="11"/>
+                    <a:pt x="4" y="20"/>
+                  </a:cubicBezTo>
+                  <a:cubicBezTo>
+                    <a:pt x="4" y="29"/>
+                    <a:pt x="11" y="36"/>
+                    <a:pt x="20" y="36"/>
+                  </a:cubicBezTo>
+                  <a:cubicBezTo>
+                    <a:pt x="29" y="36"/>
+                    <a:pt x="36" y="29"/>
+                    <a:pt x="36" y="20"/>
+                  </a:cubicBezTo>
+                  <a:cubicBezTo>
+                    <a:pt x="36" y="9"/>
+                    <a:pt x="31" y="4"/>
+                    <a:pt x="20" y="4"/>
+                  </a:cubicBezTo>
+                  <a:close/>
+                </a:path>
+              </a:pathLst>
+            </a:custGeom>
+            <a:grpFill/>
+            <a:ln>
+              <a:noFill/>
+            </a:ln>
+            <a:extLst>
+              <a:ext uri="{91240B29-F687-4f45-9708-019B960494DF}">
+                <a14:hiddenLine xmlns:a14="http://schemas.microsoft.com/office/drawing/2010/main" xmlns:p14="http://schemas.microsoft.com/office/powerpoint/2010/main" xmlns="" w="9525">
+                  <a:solidFill>
+                    <a:srgbClr val="000000"/>
+                  </a:solidFill>
+                  <a:round/>
+                  <a:headEnd/>
+                  <a:tailEnd/>
+                </a14:hiddenLine>
+              </a:ext>
+            </a:extLst>
+          </p:spPr>
+        </p:sp>
+        <p:sp>
+          <p:nvSpPr>
+            <p:cNvPr id="70" name="Freeform 13">
+              <a:extLst>
+                <a:ext uri="{FF2B5EF4-FFF2-40B4-BE49-F238E27FC236}">
+                  <a16:creationId xmlns:a16="http://schemas.microsoft.com/office/drawing/2014/main" id="{377E106C-5445-4A52-9F7E-DA1738744291}"/>
+                </a:ext>
+              </a:extLst>
+            </p:cNvPr>
+            <p:cNvSpPr>
+              <a:spLocks noEditPoints="1"/>
+            </p:cNvSpPr>
+            <p:nvPr>
+              <p:extLst>
+                <p:ext uri="{386F3935-93C4-4BCD-93E2-E3B085C9AB24}">
+                  <p16:designElem xmlns:p16="http://schemas.microsoft.com/office/powerpoint/2015/main" val="1"/>
+                </p:ext>
+              </p:extLst>
+            </p:nvPr>
+          </p:nvSpPr>
+          <p:spPr bwMode="auto">
+            <a:xfrm>
+              <a:off x="588962" y="903288"/>
+              <a:ext cx="190500" cy="190500"/>
+            </a:xfrm>
+            <a:custGeom>
+              <a:avLst/>
+              <a:gdLst/>
+              <a:ahLst/>
+              <a:cxnLst/>
+              <a:rect l="0" t="0" r="r" b="b"/>
+              <a:pathLst>
+                <a:path w="40" h="40">
+                  <a:moveTo>
+                    <a:pt x="20" y="40"/>
+                  </a:moveTo>
+                  <a:cubicBezTo>
+                    <a:pt x="9" y="40"/>
+                    <a:pt x="0" y="31"/>
+                    <a:pt x="0" y="20"/>
+                  </a:cubicBezTo>
+                  <a:cubicBezTo>
+                    <a:pt x="0" y="9"/>
+                    <a:pt x="9" y="0"/>
+                    <a:pt x="20" y="0"/>
+                  </a:cubicBezTo>
+                  <a:cubicBezTo>
+                    <a:pt x="31" y="0"/>
+                    <a:pt x="40" y="9"/>
+                    <a:pt x="40" y="20"/>
+                  </a:cubicBezTo>
+                  <a:cubicBezTo>
+                    <a:pt x="40" y="31"/>
+                    <a:pt x="31" y="40"/>
+                    <a:pt x="20" y="40"/>
+                  </a:cubicBezTo>
+                  <a:close/>
+                  <a:moveTo>
+                    <a:pt x="20" y="4"/>
+                  </a:moveTo>
+                  <a:cubicBezTo>
+                    <a:pt x="11" y="4"/>
+                    <a:pt x="4" y="11"/>
+                    <a:pt x="4" y="20"/>
+                  </a:cubicBezTo>
+                  <a:cubicBezTo>
+                    <a:pt x="4" y="29"/>
+                    <a:pt x="11" y="36"/>
+                    <a:pt x="20" y="36"/>
+                  </a:cubicBezTo>
+                  <a:cubicBezTo>
+                    <a:pt x="29" y="36"/>
+                    <a:pt x="36" y="29"/>
+                    <a:pt x="36" y="20"/>
+                  </a:cubicBezTo>
+                  <a:cubicBezTo>
+                    <a:pt x="36" y="11"/>
+                    <a:pt x="29" y="4"/>
+                    <a:pt x="20" y="4"/>
+                  </a:cubicBezTo>
+                  <a:close/>
+                </a:path>
+              </a:pathLst>
+            </a:custGeom>
+            <a:grpFill/>
+            <a:ln>
+              <a:noFill/>
+            </a:ln>
+            <a:extLst>
+              <a:ext uri="{91240B29-F687-4f45-9708-019B960494DF}">
+                <a14:hiddenLine xmlns:a14="http://schemas.microsoft.com/office/drawing/2010/main" xmlns:p14="http://schemas.microsoft.com/office/powerpoint/2010/main" xmlns="" w="9525">
+                  <a:solidFill>
+                    <a:srgbClr val="000000"/>
+                  </a:solidFill>
+                  <a:round/>
+                  <a:headEnd/>
+                  <a:tailEnd/>
+                </a14:hiddenLine>
+              </a:ext>
+            </a:extLst>
+          </p:spPr>
+        </p:sp>
+        <p:sp>
+          <p:nvSpPr>
+            <p:cNvPr id="71" name="Freeform 14">
+              <a:extLst>
+                <a:ext uri="{FF2B5EF4-FFF2-40B4-BE49-F238E27FC236}">
+                  <a16:creationId xmlns:a16="http://schemas.microsoft.com/office/drawing/2014/main" id="{752BFE96-D378-4BAE-A64B-F851A34C4770}"/>
+                </a:ext>
+              </a:extLst>
+            </p:cNvPr>
+            <p:cNvSpPr/>
+            <p:nvPr>
+              <p:extLst>
+                <p:ext uri="{386F3935-93C4-4BCD-93E2-E3B085C9AB24}">
+                  <p16:designElem xmlns:p16="http://schemas.microsoft.com/office/powerpoint/2015/main" val="1"/>
+                </p:ext>
+              </p:extLst>
+            </p:nvPr>
+          </p:nvSpPr>
+          <p:spPr bwMode="auto">
+            <a:xfrm>
+              <a:off x="641350" y="0"/>
+              <a:ext cx="422275" cy="527050"/>
+            </a:xfrm>
+            <a:custGeom>
+              <a:avLst/>
+              <a:gdLst/>
+              <a:ahLst/>
+              <a:cxnLst/>
+              <a:rect l="0" t="0" r="r" b="b"/>
+              <a:pathLst>
+                <a:path w="266" h="332">
+                  <a:moveTo>
+                    <a:pt x="257" y="332"/>
+                  </a:moveTo>
+                  <a:lnTo>
+                    <a:pt x="48" y="123"/>
+                  </a:lnTo>
+                  <a:lnTo>
+                    <a:pt x="0" y="6"/>
+                  </a:lnTo>
+                  <a:lnTo>
+                    <a:pt x="15" y="0"/>
+                  </a:lnTo>
+                  <a:lnTo>
+                    <a:pt x="63" y="114"/>
+                  </a:lnTo>
+                  <a:lnTo>
+                    <a:pt x="266" y="320"/>
+                  </a:lnTo>
+                  <a:lnTo>
+                    <a:pt x="257" y="332"/>
+                  </a:lnTo>
+                  <a:close/>
+                </a:path>
+              </a:pathLst>
+            </a:custGeom>
+            <a:grpFill/>
+            <a:ln>
+              <a:noFill/>
+            </a:ln>
+            <a:extLst>
+              <a:ext uri="{91240B29-F687-4f45-9708-019B960494DF}">
+                <a14:hiddenLine xmlns:a14="http://schemas.microsoft.com/office/drawing/2010/main" xmlns:p14="http://schemas.microsoft.com/office/powerpoint/2010/main" xmlns="" w="9525">
+                  <a:solidFill>
+                    <a:srgbClr val="000000"/>
+                  </a:solidFill>
+                  <a:round/>
+                  <a:headEnd/>
+                  <a:tailEnd/>
+                </a14:hiddenLine>
+              </a:ext>
+            </a:extLst>
+          </p:spPr>
+        </p:sp>
+        <p:sp>
+          <p:nvSpPr>
+            <p:cNvPr id="72" name="Freeform 15">
+              <a:extLst>
+                <a:ext uri="{FF2B5EF4-FFF2-40B4-BE49-F238E27FC236}">
+                  <a16:creationId xmlns:a16="http://schemas.microsoft.com/office/drawing/2014/main" id="{B88FFB19-5A5E-4078-B467-9D4ABD21BD9A}"/>
+                </a:ext>
+              </a:extLst>
+            </p:cNvPr>
+            <p:cNvSpPr>
+              <a:spLocks noEditPoints="1"/>
+            </p:cNvSpPr>
+            <p:nvPr>
+              <p:extLst>
+                <p:ext uri="{386F3935-93C4-4BCD-93E2-E3B085C9AB24}">
+                  <p16:designElem xmlns:p16="http://schemas.microsoft.com/office/powerpoint/2015/main" val="1"/>
+                </p:ext>
+              </p:extLst>
+            </p:nvPr>
+          </p:nvSpPr>
+          <p:spPr bwMode="auto">
+            <a:xfrm>
+              <a:off x="1020762" y="488950"/>
+              <a:ext cx="161925" cy="147638"/>
+            </a:xfrm>
+            <a:custGeom>
+              <a:avLst/>
+              <a:gdLst/>
+              <a:ahLst/>
+              <a:cxnLst/>
+              <a:rect l="0" t="0" r="r" b="b"/>
+              <a:pathLst>
+                <a:path w="34" h="31">
+                  <a:moveTo>
+                    <a:pt x="17" y="31"/>
+                  </a:moveTo>
+                  <a:cubicBezTo>
+                    <a:pt x="13" y="31"/>
+                    <a:pt x="9" y="30"/>
+                    <a:pt x="6" y="27"/>
+                  </a:cubicBezTo>
+                  <a:cubicBezTo>
+                    <a:pt x="0" y="20"/>
+                    <a:pt x="0" y="10"/>
+                    <a:pt x="6" y="4"/>
+                  </a:cubicBezTo>
+                  <a:cubicBezTo>
+                    <a:pt x="9" y="1"/>
+                    <a:pt x="13" y="0"/>
+                    <a:pt x="17" y="0"/>
+                  </a:cubicBezTo>
+                  <a:cubicBezTo>
+                    <a:pt x="21" y="0"/>
+                    <a:pt x="25" y="1"/>
+                    <a:pt x="28" y="4"/>
+                  </a:cubicBezTo>
+                  <a:cubicBezTo>
+                    <a:pt x="34" y="10"/>
+                    <a:pt x="34" y="20"/>
+                    <a:pt x="28" y="27"/>
+                  </a:cubicBezTo>
+                  <a:cubicBezTo>
+                    <a:pt x="25" y="30"/>
+                    <a:pt x="21" y="31"/>
+                    <a:pt x="17" y="31"/>
+                  </a:cubicBezTo>
+                  <a:close/>
+                  <a:moveTo>
+                    <a:pt x="17" y="4"/>
+                  </a:moveTo>
+                  <a:cubicBezTo>
+                    <a:pt x="14" y="4"/>
+                    <a:pt x="11" y="5"/>
+                    <a:pt x="9" y="7"/>
+                  </a:cubicBezTo>
+                  <a:cubicBezTo>
+                    <a:pt x="4" y="12"/>
+                    <a:pt x="4" y="19"/>
+                    <a:pt x="9" y="24"/>
+                  </a:cubicBezTo>
+                  <a:cubicBezTo>
+                    <a:pt x="11" y="26"/>
+                    <a:pt x="14" y="27"/>
+                    <a:pt x="17" y="27"/>
+                  </a:cubicBezTo>
+                  <a:cubicBezTo>
+                    <a:pt x="20" y="27"/>
+                    <a:pt x="23" y="26"/>
+                    <a:pt x="25" y="24"/>
+                  </a:cubicBezTo>
+                  <a:cubicBezTo>
+                    <a:pt x="30" y="19"/>
+                    <a:pt x="30" y="12"/>
+                    <a:pt x="25" y="7"/>
+                  </a:cubicBezTo>
+                  <a:cubicBezTo>
+                    <a:pt x="23" y="5"/>
+                    <a:pt x="20" y="4"/>
+                    <a:pt x="17" y="4"/>
+                  </a:cubicBezTo>
+                  <a:close/>
+                </a:path>
+              </a:pathLst>
+            </a:custGeom>
+            <a:grpFill/>
+            <a:ln>
+              <a:noFill/>
+            </a:ln>
+            <a:extLst>
+              <a:ext uri="{91240B29-F687-4f45-9708-019B960494DF}">
+                <a14:hiddenLine xmlns:a14="http://schemas.microsoft.com/office/drawing/2010/main" xmlns:p14="http://schemas.microsoft.com/office/powerpoint/2010/main" xmlns="" w="9525">
+                  <a:solidFill>
+                    <a:srgbClr val="000000"/>
+                  </a:solidFill>
+                  <a:round/>
+                  <a:headEnd/>
+                  <a:tailEnd/>
+                </a14:hiddenLine>
+              </a:ext>
+            </a:extLst>
+          </p:spPr>
+        </p:sp>
+        <p:sp>
+          <p:nvSpPr>
+            <p:cNvPr id="73" name="Line 16">
+              <a:extLst>
+                <a:ext uri="{FF2B5EF4-FFF2-40B4-BE49-F238E27FC236}">
+                  <a16:creationId xmlns:a16="http://schemas.microsoft.com/office/drawing/2014/main" id="{11042975-3D19-4728-BCDA-D3F5CD633EDB}"/>
+                </a:ext>
+              </a:extLst>
+            </p:cNvPr>
+            <p:cNvSpPr>
+              <a:spLocks noChangeShapeType="1"/>
+            </p:cNvSpPr>
+            <p:nvPr>
+              <p:extLst>
+                <p:ext uri="{386F3935-93C4-4BCD-93E2-E3B085C9AB24}">
+                  <p16:designElem xmlns:p16="http://schemas.microsoft.com/office/powerpoint/2015/main" val="1"/>
+                </p:ext>
+              </p:extLst>
+            </p:nvPr>
+          </p:nvSpPr>
+          <p:spPr bwMode="auto">
+            <a:xfrm>
+              <a:off x="-4763" y="9525"/>
+              <a:ext cx="0" cy="0"/>
+            </a:xfrm>
+            <a:prstGeom prst="line">
+              <a:avLst/>
+            </a:prstGeom>
+            <a:grpFill/>
+            <a:ln w="15" cap="flat">
+              <a:solidFill>
+                <a:srgbClr val="FFFFFF"/>
+              </a:solidFill>
+              <a:prstDash val="solid"/>
+              <a:miter lim="800000"/>
+              <a:headEnd/>
+              <a:tailEnd/>
+            </a:ln>
+          </p:spPr>
+        </p:sp>
+        <p:sp>
+          <p:nvSpPr>
+            <p:cNvPr id="74" name="Freeform 17">
+              <a:extLst>
+                <a:ext uri="{FF2B5EF4-FFF2-40B4-BE49-F238E27FC236}">
+                  <a16:creationId xmlns:a16="http://schemas.microsoft.com/office/drawing/2014/main" id="{A28972BD-D2E1-4DCA-A907-2E3B6F606649}"/>
+                </a:ext>
+              </a:extLst>
+            </p:cNvPr>
+            <p:cNvSpPr/>
+            <p:nvPr>
+              <p:extLst>
+                <p:ext uri="{386F3935-93C4-4BCD-93E2-E3B085C9AB24}">
+                  <p16:designElem xmlns:p16="http://schemas.microsoft.com/office/powerpoint/2015/main" val="1"/>
+                </p:ext>
+              </p:extLst>
+            </p:nvPr>
+          </p:nvSpPr>
+          <p:spPr bwMode="auto">
+            <a:xfrm>
+              <a:off x="9525" y="1801813"/>
+              <a:ext cx="123825" cy="127000"/>
+            </a:xfrm>
+            <a:custGeom>
+              <a:avLst/>
+              <a:gdLst/>
+              <a:ahLst/>
+              <a:cxnLst/>
+              <a:rect l="0" t="0" r="r" b="b"/>
+              <a:pathLst>
+                <a:path w="78" h="80">
+                  <a:moveTo>
+                    <a:pt x="6" y="80"/>
+                  </a:moveTo>
+                  <a:lnTo>
+                    <a:pt x="0" y="71"/>
+                  </a:lnTo>
+                  <a:lnTo>
+                    <a:pt x="69" y="0"/>
+                  </a:lnTo>
+                  <a:lnTo>
+                    <a:pt x="78" y="9"/>
+                  </a:lnTo>
+                  <a:lnTo>
+                    <a:pt x="6" y="80"/>
+                  </a:lnTo>
+                  <a:close/>
+                </a:path>
+              </a:pathLst>
+            </a:custGeom>
+            <a:grpFill/>
+            <a:ln>
+              <a:noFill/>
+            </a:ln>
+            <a:extLst>
+              <a:ext uri="{91240B29-F687-4f45-9708-019B960494DF}">
+                <a14:hiddenLine xmlns:a14="http://schemas.microsoft.com/office/drawing/2010/main" xmlns:p14="http://schemas.microsoft.com/office/powerpoint/2010/main" xmlns="" w="9525">
+                  <a:solidFill>
+                    <a:srgbClr val="000000"/>
+                  </a:solidFill>
+                  <a:round/>
+                  <a:headEnd/>
+                  <a:tailEnd/>
+                </a14:hiddenLine>
+              </a:ext>
+            </a:extLst>
+          </p:spPr>
+        </p:sp>
+        <p:sp>
+          <p:nvSpPr>
+            <p:cNvPr id="75" name="Freeform 18">
+              <a:extLst>
+                <a:ext uri="{FF2B5EF4-FFF2-40B4-BE49-F238E27FC236}">
+                  <a16:creationId xmlns:a16="http://schemas.microsoft.com/office/drawing/2014/main" id="{1C806824-5C2D-4747-B038-69EE4074B366}"/>
+                </a:ext>
+              </a:extLst>
+            </p:cNvPr>
+            <p:cNvSpPr/>
+            <p:nvPr>
+              <p:extLst>
+                <p:ext uri="{386F3935-93C4-4BCD-93E2-E3B085C9AB24}">
+                  <p16:designElem xmlns:p16="http://schemas.microsoft.com/office/powerpoint/2015/main" val="1"/>
+                </p:ext>
+              </p:extLst>
+            </p:nvPr>
+          </p:nvSpPr>
+          <p:spPr bwMode="auto">
+            <a:xfrm>
+              <a:off x="-9525" y="3549650"/>
+              <a:ext cx="147638" cy="481013"/>
+            </a:xfrm>
+            <a:custGeom>
+              <a:avLst/>
+              <a:gdLst/>
+              <a:ahLst/>
+              <a:cxnLst/>
+              <a:rect l="0" t="0" r="r" b="b"/>
+              <a:pathLst>
+                <a:path w="93" h="303">
+                  <a:moveTo>
+                    <a:pt x="93" y="303"/>
+                  </a:moveTo>
+                  <a:lnTo>
+                    <a:pt x="78" y="303"/>
+                  </a:lnTo>
+                  <a:lnTo>
+                    <a:pt x="78" y="78"/>
+                  </a:lnTo>
+                  <a:lnTo>
+                    <a:pt x="0" y="12"/>
+                  </a:lnTo>
+                  <a:lnTo>
+                    <a:pt x="12" y="0"/>
+                  </a:lnTo>
+                  <a:lnTo>
+                    <a:pt x="93" y="69"/>
+                  </a:lnTo>
+                  <a:lnTo>
+                    <a:pt x="93" y="303"/>
+                  </a:lnTo>
+                  <a:close/>
+                </a:path>
+              </a:pathLst>
+            </a:custGeom>
+            <a:grpFill/>
+            <a:ln>
+              <a:noFill/>
+            </a:ln>
+            <a:extLst>
+              <a:ext uri="{91240B29-F687-4f45-9708-019B960494DF}">
+                <a14:hiddenLine xmlns:a14="http://schemas.microsoft.com/office/drawing/2010/main" xmlns:p14="http://schemas.microsoft.com/office/powerpoint/2010/main" xmlns="" w="9525">
+                  <a:solidFill>
+                    <a:srgbClr val="000000"/>
+                  </a:solidFill>
+                  <a:round/>
+                  <a:headEnd/>
+                  <a:tailEnd/>
+                </a14:hiddenLine>
+              </a:ext>
+            </a:extLst>
+          </p:spPr>
+        </p:sp>
+        <p:sp>
+          <p:nvSpPr>
+            <p:cNvPr id="76" name="Freeform 19">
+              <a:extLst>
+                <a:ext uri="{FF2B5EF4-FFF2-40B4-BE49-F238E27FC236}">
+                  <a16:creationId xmlns:a16="http://schemas.microsoft.com/office/drawing/2014/main" id="{3B33F710-16D7-4F48-BFCA-66C9CA2352CB}"/>
+                </a:ext>
+              </a:extLst>
+            </p:cNvPr>
+            <p:cNvSpPr/>
+            <p:nvPr>
+              <p:extLst>
+                <p:ext uri="{386F3935-93C4-4BCD-93E2-E3B085C9AB24}">
+                  <p16:designElem xmlns:p16="http://schemas.microsoft.com/office/powerpoint/2015/main" val="1"/>
+                </p:ext>
+              </p:extLst>
+            </p:nvPr>
+          </p:nvSpPr>
+          <p:spPr bwMode="auto">
+            <a:xfrm>
+              <a:off x="128587" y="1382713"/>
+              <a:ext cx="142875" cy="476250"/>
+            </a:xfrm>
+            <a:custGeom>
+              <a:avLst/>
+              <a:gdLst/>
+              <a:ahLst/>
+              <a:cxnLst/>
+              <a:rect l="0" t="0" r="r" b="b"/>
+              <a:pathLst>
+                <a:path w="90" h="300">
+                  <a:moveTo>
+                    <a:pt x="90" y="300"/>
+                  </a:moveTo>
+                  <a:lnTo>
+                    <a:pt x="78" y="300"/>
+                  </a:lnTo>
+                  <a:lnTo>
+                    <a:pt x="78" y="84"/>
+                  </a:lnTo>
+                  <a:lnTo>
+                    <a:pt x="0" y="9"/>
+                  </a:lnTo>
+                  <a:lnTo>
+                    <a:pt x="9" y="0"/>
+                  </a:lnTo>
+                  <a:lnTo>
+                    <a:pt x="90" y="81"/>
+                  </a:lnTo>
+                  <a:lnTo>
+                    <a:pt x="90" y="300"/>
+                  </a:lnTo>
+                  <a:close/>
+                </a:path>
+              </a:pathLst>
+            </a:custGeom>
+            <a:grpFill/>
+            <a:ln>
+              <a:noFill/>
+            </a:ln>
+            <a:extLst>
+              <a:ext uri="{91240B29-F687-4f45-9708-019B960494DF}">
+                <a14:hiddenLine xmlns:a14="http://schemas.microsoft.com/office/drawing/2010/main" xmlns:p14="http://schemas.microsoft.com/office/powerpoint/2010/main" xmlns="" w="9525">
+                  <a:solidFill>
+                    <a:srgbClr val="000000"/>
+                  </a:solidFill>
+                  <a:round/>
+                  <a:headEnd/>
+                  <a:tailEnd/>
+                </a14:hiddenLine>
+              </a:ext>
+            </a:extLst>
+          </p:spPr>
+        </p:sp>
+        <p:sp>
+          <p:nvSpPr>
+            <p:cNvPr id="77" name="Freeform 20">
+              <a:extLst>
+                <a:ext uri="{FF2B5EF4-FFF2-40B4-BE49-F238E27FC236}">
+                  <a16:creationId xmlns:a16="http://schemas.microsoft.com/office/drawing/2014/main" id="{6C8C8ED4-90FA-4E97-AAF0-D5D51E6A935E}"/>
+                </a:ext>
+              </a:extLst>
+            </p:cNvPr>
+            <p:cNvSpPr>
+              <a:spLocks noEditPoints="1"/>
+            </p:cNvSpPr>
+            <p:nvPr>
+              <p:extLst>
+                <p:ext uri="{386F3935-93C4-4BCD-93E2-E3B085C9AB24}">
+                  <p16:designElem xmlns:p16="http://schemas.microsoft.com/office/powerpoint/2015/main" val="1"/>
+                </p:ext>
+              </p:extLst>
+            </p:nvPr>
+          </p:nvSpPr>
+          <p:spPr bwMode="auto">
+            <a:xfrm>
+              <a:off x="204787" y="1849438"/>
+              <a:ext cx="114300" cy="107950"/>
+            </a:xfrm>
+            <a:custGeom>
+              <a:avLst/>
+              <a:gdLst/>
+              <a:ahLst/>
+              <a:cxnLst/>
+              <a:rect l="0" t="0" r="r" b="b"/>
+              <a:pathLst>
+                <a:path w="24" h="23">
+                  <a:moveTo>
+                    <a:pt x="12" y="23"/>
+                  </a:moveTo>
+                  <a:cubicBezTo>
+                    <a:pt x="6" y="23"/>
+                    <a:pt x="0" y="18"/>
+                    <a:pt x="0" y="12"/>
+                  </a:cubicBezTo>
+                  <a:cubicBezTo>
+                    <a:pt x="0" y="5"/>
+                    <a:pt x="6" y="0"/>
+                    <a:pt x="12" y="0"/>
+                  </a:cubicBezTo>
+                  <a:cubicBezTo>
+                    <a:pt x="18" y="0"/>
+                    <a:pt x="24" y="5"/>
+                    <a:pt x="24" y="12"/>
+                  </a:cubicBezTo>
+                  <a:cubicBezTo>
+                    <a:pt x="24" y="18"/>
+                    <a:pt x="18" y="23"/>
+                    <a:pt x="12" y="23"/>
+                  </a:cubicBezTo>
+                  <a:close/>
+                  <a:moveTo>
+                    <a:pt x="12" y="4"/>
+                  </a:moveTo>
+                  <a:cubicBezTo>
+                    <a:pt x="8" y="4"/>
+                    <a:pt x="4" y="8"/>
+                    <a:pt x="4" y="12"/>
+                  </a:cubicBezTo>
+                  <a:cubicBezTo>
+                    <a:pt x="4" y="16"/>
+                    <a:pt x="8" y="19"/>
+                    <a:pt x="12" y="19"/>
+                  </a:cubicBezTo>
+                  <a:cubicBezTo>
+                    <a:pt x="16" y="19"/>
+                    <a:pt x="20" y="16"/>
+                    <a:pt x="20" y="12"/>
+                  </a:cubicBezTo>
+                  <a:cubicBezTo>
+                    <a:pt x="20" y="8"/>
+                    <a:pt x="16" y="4"/>
+                    <a:pt x="12" y="4"/>
+                  </a:cubicBezTo>
+                  <a:close/>
+                </a:path>
+              </a:pathLst>
+            </a:custGeom>
+            <a:grpFill/>
+            <a:ln>
+              <a:noFill/>
+            </a:ln>
+            <a:extLst>
+              <a:ext uri="{91240B29-F687-4f45-9708-019B960494DF}">
+                <a14:hiddenLine xmlns:a14="http://schemas.microsoft.com/office/drawing/2010/main" xmlns:p14="http://schemas.microsoft.com/office/powerpoint/2010/main" xmlns="" w="9525">
+                  <a:solidFill>
+                    <a:srgbClr val="000000"/>
+                  </a:solidFill>
+                  <a:round/>
+                  <a:headEnd/>
+                  <a:tailEnd/>
+                </a14:hiddenLine>
+              </a:ext>
+            </a:extLst>
+          </p:spPr>
+        </p:sp>
+        <p:sp>
+          <p:nvSpPr>
+            <p:cNvPr id="78" name="Rectangle 21">
+              <a:extLst>
+                <a:ext uri="{FF2B5EF4-FFF2-40B4-BE49-F238E27FC236}">
+                  <a16:creationId xmlns:a16="http://schemas.microsoft.com/office/drawing/2014/main" id="{6C5EB9C1-B25F-4172-8A96-5950ECC828FC}"/>
+                </a:ext>
+              </a:extLst>
+            </p:cNvPr>
+            <p:cNvSpPr>
+              <a:spLocks noChangeArrowheads="1"/>
+            </p:cNvSpPr>
+            <p:nvPr>
+              <p:extLst>
+                <p:ext uri="{386F3935-93C4-4BCD-93E2-E3B085C9AB24}">
+                  <p16:designElem xmlns:p16="http://schemas.microsoft.com/office/powerpoint/2015/main" val="1"/>
+                </p:ext>
+              </p:extLst>
+            </p:nvPr>
+          </p:nvSpPr>
+          <p:spPr bwMode="auto">
+            <a:xfrm>
+              <a:off x="133350" y="4662488"/>
+              <a:ext cx="23813" cy="2181225"/>
+            </a:xfrm>
+            <a:prstGeom prst="rect">
+              <a:avLst/>
+            </a:prstGeom>
+            <a:grpFill/>
+            <a:ln>
+              <a:noFill/>
+            </a:ln>
+            <a:extLst>
+              <a:ext uri="{91240B29-F687-4f45-9708-019B960494DF}">
+                <a14:hiddenLine xmlns:a14="http://schemas.microsoft.com/office/drawing/2010/main" xmlns:p14="http://schemas.microsoft.com/office/powerpoint/2010/main" xmlns="" w="9525">
+                  <a:solidFill>
+                    <a:srgbClr val="000000"/>
+                  </a:solidFill>
+                  <a:miter lim="800000"/>
+                  <a:headEnd/>
+                  <a:tailEnd/>
+                </a14:hiddenLine>
+              </a:ext>
+            </a:extLst>
+          </p:spPr>
+        </p:sp>
+        <p:sp>
+          <p:nvSpPr>
+            <p:cNvPr id="79" name="Freeform 22">
+              <a:extLst>
+                <a:ext uri="{FF2B5EF4-FFF2-40B4-BE49-F238E27FC236}">
+                  <a16:creationId xmlns:a16="http://schemas.microsoft.com/office/drawing/2014/main" id="{097E6E8A-9373-4655-882B-21715CCE97EE}"/>
+                </a:ext>
+              </a:extLst>
+            </p:cNvPr>
+            <p:cNvSpPr/>
+            <p:nvPr>
+              <p:extLst>
+                <p:ext uri="{386F3935-93C4-4BCD-93E2-E3B085C9AB24}">
+                  <p16:designElem xmlns:p16="http://schemas.microsoft.com/office/powerpoint/2015/main" val="1"/>
+                </p:ext>
+              </p:extLst>
+            </p:nvPr>
+          </p:nvSpPr>
+          <p:spPr bwMode="auto">
+            <a:xfrm>
+              <a:off x="223837" y="5041900"/>
+              <a:ext cx="369888" cy="1801813"/>
+            </a:xfrm>
+            <a:custGeom>
+              <a:avLst/>
+              <a:gdLst/>
+              <a:ahLst/>
+              <a:cxnLst/>
+              <a:rect l="0" t="0" r="r" b="b"/>
+              <a:pathLst>
+                <a:path w="233" h="1135">
+                  <a:moveTo>
+                    <a:pt x="15" y="1135"/>
+                  </a:moveTo>
+                  <a:lnTo>
+                    <a:pt x="0" y="1135"/>
+                  </a:lnTo>
+                  <a:lnTo>
+                    <a:pt x="0" y="515"/>
+                  </a:lnTo>
+                  <a:lnTo>
+                    <a:pt x="0" y="512"/>
+                  </a:lnTo>
+                  <a:lnTo>
+                    <a:pt x="218" y="0"/>
+                  </a:lnTo>
+                  <a:lnTo>
+                    <a:pt x="233" y="6"/>
+                  </a:lnTo>
+                  <a:lnTo>
+                    <a:pt x="15" y="518"/>
+                  </a:lnTo>
+                  <a:lnTo>
+                    <a:pt x="15" y="1135"/>
+                  </a:lnTo>
+                  <a:close/>
+                </a:path>
+              </a:pathLst>
+            </a:custGeom>
+            <a:grpFill/>
+            <a:ln>
+              <a:noFill/>
+            </a:ln>
+            <a:extLst>
+              <a:ext uri="{91240B29-F687-4f45-9708-019B960494DF}">
+                <a14:hiddenLine xmlns:a14="http://schemas.microsoft.com/office/drawing/2010/main" xmlns:p14="http://schemas.microsoft.com/office/powerpoint/2010/main" xmlns="" w="9525">
+                  <a:solidFill>
+                    <a:srgbClr val="000000"/>
+                  </a:solidFill>
+                  <a:round/>
+                  <a:headEnd/>
+                  <a:tailEnd/>
+                </a14:hiddenLine>
+              </a:ext>
+            </a:extLst>
+          </p:spPr>
+        </p:sp>
+        <p:sp>
+          <p:nvSpPr>
+            <p:cNvPr id="80" name="Freeform 23">
+              <a:extLst>
+                <a:ext uri="{FF2B5EF4-FFF2-40B4-BE49-F238E27FC236}">
+                  <a16:creationId xmlns:a16="http://schemas.microsoft.com/office/drawing/2014/main" id="{EB8CC766-1206-4372-ACAF-8230AF4D5421}"/>
+                </a:ext>
+              </a:extLst>
+            </p:cNvPr>
+            <p:cNvSpPr>
+              <a:spLocks noEditPoints="1"/>
+            </p:cNvSpPr>
+            <p:nvPr>
+              <p:extLst>
+                <p:ext uri="{386F3935-93C4-4BCD-93E2-E3B085C9AB24}">
+                  <p16:designElem xmlns:p16="http://schemas.microsoft.com/office/powerpoint/2015/main" val="1"/>
+                </p:ext>
+              </p:extLst>
+            </p:nvPr>
+          </p:nvSpPr>
+          <p:spPr bwMode="auto">
+            <a:xfrm>
+              <a:off x="52387" y="4481513"/>
+              <a:ext cx="190500" cy="190500"/>
+            </a:xfrm>
+            <a:custGeom>
+              <a:avLst/>
+              <a:gdLst/>
+              <a:ahLst/>
+              <a:cxnLst/>
+              <a:rect l="0" t="0" r="r" b="b"/>
+              <a:pathLst>
+                <a:path w="40" h="40">
+                  <a:moveTo>
+                    <a:pt x="20" y="40"/>
+                  </a:moveTo>
+                  <a:cubicBezTo>
+                    <a:pt x="9" y="40"/>
+                    <a:pt x="0" y="31"/>
+                    <a:pt x="0" y="20"/>
+                  </a:cubicBezTo>
+                  <a:cubicBezTo>
+                    <a:pt x="0" y="9"/>
+                    <a:pt x="9" y="0"/>
+                    <a:pt x="20" y="0"/>
+                  </a:cubicBezTo>
+                  <a:cubicBezTo>
+                    <a:pt x="31" y="0"/>
+                    <a:pt x="40" y="9"/>
+                    <a:pt x="40" y="20"/>
+                  </a:cubicBezTo>
+                  <a:cubicBezTo>
+                    <a:pt x="40" y="31"/>
+                    <a:pt x="31" y="40"/>
+                    <a:pt x="20" y="40"/>
+                  </a:cubicBezTo>
+                  <a:close/>
+                  <a:moveTo>
+                    <a:pt x="20" y="4"/>
+                  </a:moveTo>
+                  <a:cubicBezTo>
+                    <a:pt x="11" y="4"/>
+                    <a:pt x="4" y="11"/>
+                    <a:pt x="4" y="20"/>
+                  </a:cubicBezTo>
+                  <a:cubicBezTo>
+                    <a:pt x="4" y="29"/>
+                    <a:pt x="11" y="36"/>
+                    <a:pt x="20" y="36"/>
+                  </a:cubicBezTo>
+                  <a:cubicBezTo>
+                    <a:pt x="28" y="36"/>
+                    <a:pt x="36" y="29"/>
+                    <a:pt x="36" y="20"/>
+                  </a:cubicBezTo>
+                  <a:cubicBezTo>
+                    <a:pt x="36" y="11"/>
+                    <a:pt x="28" y="4"/>
+                    <a:pt x="20" y="4"/>
+                  </a:cubicBezTo>
+                  <a:close/>
+                </a:path>
+              </a:pathLst>
+            </a:custGeom>
+            <a:grpFill/>
+            <a:ln>
+              <a:noFill/>
+            </a:ln>
+            <a:extLst>
+              <a:ext uri="{91240B29-F687-4f45-9708-019B960494DF}">
+                <a14:hiddenLine xmlns:a14="http://schemas.microsoft.com/office/drawing/2010/main" xmlns:p14="http://schemas.microsoft.com/office/powerpoint/2010/main" xmlns="" w="9525">
+                  <a:solidFill>
+                    <a:srgbClr val="000000"/>
+                  </a:solidFill>
+                  <a:round/>
+                  <a:headEnd/>
+                  <a:tailEnd/>
+                </a14:hiddenLine>
+              </a:ext>
+            </a:extLst>
+          </p:spPr>
+        </p:sp>
+        <p:sp>
+          <p:nvSpPr>
+            <p:cNvPr id="81" name="Freeform 24">
+              <a:extLst>
+                <a:ext uri="{FF2B5EF4-FFF2-40B4-BE49-F238E27FC236}">
+                  <a16:creationId xmlns:a16="http://schemas.microsoft.com/office/drawing/2014/main" id="{1C8E2511-2489-47B2-9C19-C410910DD901}"/>
+                </a:ext>
+              </a:extLst>
+            </p:cNvPr>
+            <p:cNvSpPr/>
+            <p:nvPr>
+              <p:extLst>
+                <p:ext uri="{386F3935-93C4-4BCD-93E2-E3B085C9AB24}">
+                  <p16:designElem xmlns:p16="http://schemas.microsoft.com/office/powerpoint/2015/main" val="1"/>
+                </p:ext>
+              </p:extLst>
+            </p:nvPr>
+          </p:nvSpPr>
+          <p:spPr bwMode="auto">
+            <a:xfrm>
+              <a:off x="-14288" y="5627688"/>
+              <a:ext cx="85725" cy="1216025"/>
+            </a:xfrm>
+            <a:custGeom>
+              <a:avLst/>
+              <a:gdLst/>
+              <a:ahLst/>
+              <a:cxnLst/>
+              <a:rect l="0" t="0" r="r" b="b"/>
+              <a:pathLst>
+                <a:path w="54" h="766">
+                  <a:moveTo>
+                    <a:pt x="54" y="766"/>
+                  </a:moveTo>
+                  <a:lnTo>
+                    <a:pt x="36" y="766"/>
+                  </a:lnTo>
+                  <a:lnTo>
+                    <a:pt x="36" y="149"/>
+                  </a:lnTo>
+                  <a:lnTo>
+                    <a:pt x="0" y="3"/>
+                  </a:lnTo>
+                  <a:lnTo>
+                    <a:pt x="18" y="0"/>
+                  </a:lnTo>
+                  <a:lnTo>
+                    <a:pt x="54" y="146"/>
+                  </a:lnTo>
+                  <a:lnTo>
+                    <a:pt x="54" y="766"/>
+                  </a:lnTo>
+                  <a:close/>
+                </a:path>
+              </a:pathLst>
+            </a:custGeom>
+            <a:grpFill/>
+            <a:ln>
+              <a:noFill/>
+            </a:ln>
+            <a:extLst>
+              <a:ext uri="{91240B29-F687-4f45-9708-019B960494DF}">
+                <a14:hiddenLine xmlns:a14="http://schemas.microsoft.com/office/drawing/2010/main" xmlns:p14="http://schemas.microsoft.com/office/powerpoint/2010/main" xmlns="" w="9525">
+                  <a:solidFill>
+                    <a:srgbClr val="000000"/>
+                  </a:solidFill>
+                  <a:round/>
+                  <a:headEnd/>
+                  <a:tailEnd/>
+                </a14:hiddenLine>
+              </a:ext>
+            </a:extLst>
+          </p:spPr>
+        </p:sp>
+        <p:sp>
+          <p:nvSpPr>
+            <p:cNvPr id="82" name="Freeform 25">
+              <a:extLst>
+                <a:ext uri="{FF2B5EF4-FFF2-40B4-BE49-F238E27FC236}">
+                  <a16:creationId xmlns:a16="http://schemas.microsoft.com/office/drawing/2014/main" id="{D7820196-0A47-47EF-832C-A688E8977D60}"/>
+                </a:ext>
+              </a:extLst>
+            </p:cNvPr>
+            <p:cNvSpPr>
+              <a:spLocks noEditPoints="1"/>
+            </p:cNvSpPr>
+            <p:nvPr>
+              <p:extLst>
+                <p:ext uri="{386F3935-93C4-4BCD-93E2-E3B085C9AB24}">
+                  <p16:designElem xmlns:p16="http://schemas.microsoft.com/office/powerpoint/2015/main" val="1"/>
+                </p:ext>
+              </p:extLst>
+            </p:nvPr>
+          </p:nvSpPr>
+          <p:spPr bwMode="auto">
+            <a:xfrm>
+              <a:off x="527050" y="4867275"/>
+              <a:ext cx="190500" cy="188913"/>
+            </a:xfrm>
+            <a:custGeom>
+              <a:avLst/>
+              <a:gdLst/>
+              <a:ahLst/>
+              <a:cxnLst/>
+              <a:rect l="0" t="0" r="r" b="b"/>
+              <a:pathLst>
+                <a:path w="40" h="40">
+                  <a:moveTo>
+                    <a:pt x="20" y="40"/>
+                  </a:moveTo>
+                  <a:cubicBezTo>
+                    <a:pt x="9" y="40"/>
+                    <a:pt x="0" y="31"/>
+                    <a:pt x="0" y="20"/>
+                  </a:cubicBezTo>
+                  <a:cubicBezTo>
+                    <a:pt x="0" y="9"/>
+                    <a:pt x="9" y="0"/>
+                    <a:pt x="20" y="0"/>
+                  </a:cubicBezTo>
+                  <a:cubicBezTo>
+                    <a:pt x="31" y="0"/>
+                    <a:pt x="40" y="9"/>
+                    <a:pt x="40" y="20"/>
+                  </a:cubicBezTo>
+                  <a:cubicBezTo>
+                    <a:pt x="40" y="31"/>
+                    <a:pt x="31" y="40"/>
+                    <a:pt x="20" y="40"/>
+                  </a:cubicBezTo>
+                  <a:close/>
+                  <a:moveTo>
+                    <a:pt x="20" y="4"/>
+                  </a:moveTo>
+                  <a:cubicBezTo>
+                    <a:pt x="11" y="4"/>
+                    <a:pt x="4" y="11"/>
+                    <a:pt x="4" y="20"/>
+                  </a:cubicBezTo>
+                  <a:cubicBezTo>
+                    <a:pt x="4" y="29"/>
+                    <a:pt x="11" y="36"/>
+                    <a:pt x="20" y="36"/>
+                  </a:cubicBezTo>
+                  <a:cubicBezTo>
+                    <a:pt x="29" y="36"/>
+                    <a:pt x="36" y="29"/>
+                    <a:pt x="36" y="20"/>
+                  </a:cubicBezTo>
+                  <a:cubicBezTo>
+                    <a:pt x="36" y="11"/>
+                    <a:pt x="29" y="4"/>
+                    <a:pt x="20" y="4"/>
+                  </a:cubicBezTo>
+                  <a:close/>
+                </a:path>
+              </a:pathLst>
+            </a:custGeom>
+            <a:grpFill/>
+            <a:ln>
+              <a:noFill/>
+            </a:ln>
+            <a:extLst>
+              <a:ext uri="{91240B29-F687-4f45-9708-019B960494DF}">
+                <a14:hiddenLine xmlns:a14="http://schemas.microsoft.com/office/drawing/2010/main" xmlns:p14="http://schemas.microsoft.com/office/powerpoint/2010/main" xmlns="" w="9525">
+                  <a:solidFill>
+                    <a:srgbClr val="000000"/>
+                  </a:solidFill>
+                  <a:round/>
+                  <a:headEnd/>
+                  <a:tailEnd/>
+                </a14:hiddenLine>
+              </a:ext>
+            </a:extLst>
+          </p:spPr>
+        </p:sp>
+        <p:sp>
+          <p:nvSpPr>
+            <p:cNvPr id="83" name="Freeform 26">
+              <a:extLst>
+                <a:ext uri="{FF2B5EF4-FFF2-40B4-BE49-F238E27FC236}">
+                  <a16:creationId xmlns:a16="http://schemas.microsoft.com/office/drawing/2014/main" id="{4982E0BF-34AE-48A3-AD6B-E0F3CD05DB34}"/>
+                </a:ext>
+              </a:extLst>
+            </p:cNvPr>
+            <p:cNvSpPr/>
+            <p:nvPr>
+              <p:extLst>
+                <p:ext uri="{386F3935-93C4-4BCD-93E2-E3B085C9AB24}">
+                  <p16:designElem xmlns:p16="http://schemas.microsoft.com/office/powerpoint/2015/main" val="1"/>
+                </p:ext>
+              </p:extLst>
+            </p:nvPr>
+          </p:nvSpPr>
+          <p:spPr bwMode="auto">
+            <a:xfrm>
+              <a:off x="309562" y="5422900"/>
+              <a:ext cx="374650" cy="1425575"/>
+            </a:xfrm>
+            <a:custGeom>
+              <a:avLst/>
+              <a:gdLst/>
+              <a:ahLst/>
+              <a:cxnLst/>
+              <a:rect l="0" t="0" r="r" b="b"/>
+              <a:pathLst>
+                <a:path w="236" h="898">
+                  <a:moveTo>
+                    <a:pt x="18" y="898"/>
+                  </a:moveTo>
+                  <a:lnTo>
+                    <a:pt x="0" y="898"/>
+                  </a:lnTo>
+                  <a:lnTo>
+                    <a:pt x="0" y="515"/>
+                  </a:lnTo>
+                  <a:lnTo>
+                    <a:pt x="3" y="512"/>
+                  </a:lnTo>
+                  <a:lnTo>
+                    <a:pt x="221" y="0"/>
+                  </a:lnTo>
+                  <a:lnTo>
+                    <a:pt x="236" y="6"/>
+                  </a:lnTo>
+                  <a:lnTo>
+                    <a:pt x="18" y="518"/>
+                  </a:lnTo>
+                  <a:lnTo>
+                    <a:pt x="18" y="898"/>
+                  </a:lnTo>
+                  <a:close/>
+                </a:path>
+              </a:pathLst>
+            </a:custGeom>
+            <a:grpFill/>
+            <a:ln>
+              <a:noFill/>
+            </a:ln>
+            <a:extLst>
+              <a:ext uri="{91240B29-F687-4f45-9708-019B960494DF}">
+                <a14:hiddenLine xmlns:a14="http://schemas.microsoft.com/office/drawing/2010/main" xmlns:p14="http://schemas.microsoft.com/office/powerpoint/2010/main" xmlns="" w="9525">
+                  <a:solidFill>
+                    <a:srgbClr val="000000"/>
+                  </a:solidFill>
+                  <a:round/>
+                  <a:headEnd/>
+                  <a:tailEnd/>
+                </a14:hiddenLine>
+              </a:ext>
+            </a:extLst>
+          </p:spPr>
+        </p:sp>
+        <p:sp>
+          <p:nvSpPr>
+            <p:cNvPr id="84" name="Freeform 27">
+              <a:extLst>
+                <a:ext uri="{FF2B5EF4-FFF2-40B4-BE49-F238E27FC236}">
+                  <a16:creationId xmlns:a16="http://schemas.microsoft.com/office/drawing/2014/main" id="{CD34643B-9DF2-4310-8868-48252C3393F0}"/>
+                </a:ext>
+              </a:extLst>
+            </p:cNvPr>
+            <p:cNvSpPr/>
+            <p:nvPr>
+              <p:extLst>
+                <p:ext uri="{386F3935-93C4-4BCD-93E2-E3B085C9AB24}">
+                  <p16:designElem xmlns:p16="http://schemas.microsoft.com/office/powerpoint/2015/main" val="1"/>
+                </p:ext>
+              </p:extLst>
+            </p:nvPr>
+          </p:nvSpPr>
+          <p:spPr bwMode="auto">
+            <a:xfrm>
+              <a:off x="569912" y="5945188"/>
+              <a:ext cx="152400" cy="912813"/>
+            </a:xfrm>
+            <a:custGeom>
+              <a:avLst/>
+              <a:gdLst/>
+              <a:ahLst/>
+              <a:cxnLst/>
+              <a:rect l="0" t="0" r="r" b="b"/>
+              <a:pathLst>
+                <a:path w="96" h="575">
+                  <a:moveTo>
+                    <a:pt x="15" y="575"/>
+                  </a:moveTo>
+                  <a:lnTo>
+                    <a:pt x="0" y="569"/>
+                  </a:lnTo>
+                  <a:lnTo>
+                    <a:pt x="81" y="383"/>
+                  </a:lnTo>
+                  <a:lnTo>
+                    <a:pt x="81" y="0"/>
+                  </a:lnTo>
+                  <a:lnTo>
+                    <a:pt x="96" y="0"/>
+                  </a:lnTo>
+                  <a:lnTo>
+                    <a:pt x="96" y="386"/>
+                  </a:lnTo>
+                  <a:lnTo>
+                    <a:pt x="15" y="575"/>
+                  </a:lnTo>
+                  <a:close/>
+                </a:path>
+              </a:pathLst>
+            </a:custGeom>
+            <a:grpFill/>
+            <a:ln>
+              <a:noFill/>
+            </a:ln>
+            <a:extLst>
+              <a:ext uri="{91240B29-F687-4f45-9708-019B960494DF}">
+                <a14:hiddenLine xmlns:a14="http://schemas.microsoft.com/office/drawing/2010/main" xmlns:p14="http://schemas.microsoft.com/office/powerpoint/2010/main" xmlns="" w="9525">
+                  <a:solidFill>
+                    <a:srgbClr val="000000"/>
+                  </a:solidFill>
+                  <a:round/>
+                  <a:headEnd/>
+                  <a:tailEnd/>
+                </a14:hiddenLine>
+              </a:ext>
+            </a:extLst>
+          </p:spPr>
+        </p:sp>
+        <p:sp>
+          <p:nvSpPr>
+            <p:cNvPr id="85" name="Freeform 28">
+              <a:extLst>
+                <a:ext uri="{FF2B5EF4-FFF2-40B4-BE49-F238E27FC236}">
+                  <a16:creationId xmlns:a16="http://schemas.microsoft.com/office/drawing/2014/main" id="{4E020C4E-AF64-44A8-B830-779541D8D549}"/>
+                </a:ext>
+              </a:extLst>
+            </p:cNvPr>
+            <p:cNvSpPr>
+              <a:spLocks noEditPoints="1"/>
+            </p:cNvSpPr>
+            <p:nvPr>
+              <p:extLst>
+                <p:ext uri="{386F3935-93C4-4BCD-93E2-E3B085C9AB24}">
+                  <p16:designElem xmlns:p16="http://schemas.microsoft.com/office/powerpoint/2015/main" val="1"/>
+                </p:ext>
+              </p:extLst>
+            </p:nvPr>
+          </p:nvSpPr>
+          <p:spPr bwMode="auto">
+            <a:xfrm>
+              <a:off x="612775" y="5246688"/>
+              <a:ext cx="190500" cy="190500"/>
+            </a:xfrm>
+            <a:custGeom>
+              <a:avLst/>
+              <a:gdLst/>
+              <a:ahLst/>
+              <a:cxnLst/>
+              <a:rect l="0" t="0" r="r" b="b"/>
+              <a:pathLst>
+                <a:path w="40" h="40">
+                  <a:moveTo>
+                    <a:pt x="20" y="40"/>
+                  </a:moveTo>
+                  <a:cubicBezTo>
+                    <a:pt x="9" y="40"/>
+                    <a:pt x="0" y="31"/>
+                    <a:pt x="0" y="20"/>
+                  </a:cubicBezTo>
+                  <a:cubicBezTo>
+                    <a:pt x="0" y="9"/>
+                    <a:pt x="9" y="0"/>
+                    <a:pt x="20" y="0"/>
+                  </a:cubicBezTo>
+                  <a:cubicBezTo>
+                    <a:pt x="31" y="0"/>
+                    <a:pt x="40" y="9"/>
+                    <a:pt x="40" y="20"/>
+                  </a:cubicBezTo>
+                  <a:cubicBezTo>
+                    <a:pt x="40" y="31"/>
+                    <a:pt x="31" y="40"/>
+                    <a:pt x="20" y="40"/>
+                  </a:cubicBezTo>
+                  <a:close/>
+                  <a:moveTo>
+                    <a:pt x="20" y="4"/>
+                  </a:moveTo>
+                  <a:cubicBezTo>
+                    <a:pt x="12" y="4"/>
+                    <a:pt x="4" y="11"/>
+                    <a:pt x="4" y="20"/>
+                  </a:cubicBezTo>
+                  <a:cubicBezTo>
+                    <a:pt x="4" y="29"/>
+                    <a:pt x="12" y="36"/>
+                    <a:pt x="20" y="36"/>
+                  </a:cubicBezTo>
+                  <a:cubicBezTo>
+                    <a:pt x="29" y="36"/>
+                    <a:pt x="36" y="29"/>
+                    <a:pt x="36" y="20"/>
+                  </a:cubicBezTo>
+                  <a:cubicBezTo>
+                    <a:pt x="36" y="11"/>
+                    <a:pt x="29" y="4"/>
+                    <a:pt x="20" y="4"/>
+                  </a:cubicBezTo>
+                  <a:close/>
+                </a:path>
+              </a:pathLst>
+            </a:custGeom>
+            <a:grpFill/>
+            <a:ln>
+              <a:noFill/>
+            </a:ln>
+            <a:extLst>
+              <a:ext uri="{91240B29-F687-4f45-9708-019B960494DF}">
+                <a14:hiddenLine xmlns:a14="http://schemas.microsoft.com/office/drawing/2010/main" xmlns:p14="http://schemas.microsoft.com/office/powerpoint/2010/main" xmlns="" w="9525">
+                  <a:solidFill>
+                    <a:srgbClr val="000000"/>
+                  </a:solidFill>
+                  <a:round/>
+                  <a:headEnd/>
+                  <a:tailEnd/>
+                </a14:hiddenLine>
+              </a:ext>
+            </a:extLst>
+          </p:spPr>
+        </p:sp>
+        <p:sp>
+          <p:nvSpPr>
+            <p:cNvPr id="86" name="Freeform 29">
+              <a:extLst>
+                <a:ext uri="{FF2B5EF4-FFF2-40B4-BE49-F238E27FC236}">
+                  <a16:creationId xmlns:a16="http://schemas.microsoft.com/office/drawing/2014/main" id="{D97BC3D3-B1B3-4825-9169-BBEF1DBCF055}"/>
+                </a:ext>
+              </a:extLst>
+            </p:cNvPr>
+            <p:cNvSpPr>
+              <a:spLocks noEditPoints="1"/>
+            </p:cNvSpPr>
+            <p:nvPr>
+              <p:extLst>
+                <p:ext uri="{386F3935-93C4-4BCD-93E2-E3B085C9AB24}">
+                  <p16:designElem xmlns:p16="http://schemas.microsoft.com/office/powerpoint/2015/main" val="1"/>
+                </p:ext>
+              </p:extLst>
+            </p:nvPr>
+          </p:nvSpPr>
+          <p:spPr bwMode="auto">
+            <a:xfrm>
+              <a:off x="612775" y="5764213"/>
+              <a:ext cx="190500" cy="190500"/>
+            </a:xfrm>
+            <a:custGeom>
+              <a:avLst/>
+              <a:gdLst/>
+              <a:ahLst/>
+              <a:cxnLst/>
+              <a:rect l="0" t="0" r="r" b="b"/>
+              <a:pathLst>
+                <a:path w="40" h="40">
+                  <a:moveTo>
+                    <a:pt x="20" y="40"/>
+                  </a:moveTo>
+                  <a:cubicBezTo>
+                    <a:pt x="9" y="40"/>
+                    <a:pt x="0" y="31"/>
+                    <a:pt x="0" y="20"/>
+                  </a:cubicBezTo>
+                  <a:cubicBezTo>
+                    <a:pt x="0" y="9"/>
+                    <a:pt x="9" y="0"/>
+                    <a:pt x="20" y="0"/>
+                  </a:cubicBezTo>
+                  <a:cubicBezTo>
+                    <a:pt x="31" y="0"/>
+                    <a:pt x="40" y="9"/>
+                    <a:pt x="40" y="20"/>
+                  </a:cubicBezTo>
+                  <a:cubicBezTo>
+                    <a:pt x="40" y="31"/>
+                    <a:pt x="31" y="40"/>
+                    <a:pt x="20" y="40"/>
+                  </a:cubicBezTo>
+                  <a:close/>
+                  <a:moveTo>
+                    <a:pt x="20" y="4"/>
+                  </a:moveTo>
+                  <a:cubicBezTo>
+                    <a:pt x="12" y="4"/>
+                    <a:pt x="4" y="11"/>
+                    <a:pt x="4" y="20"/>
+                  </a:cubicBezTo>
+                  <a:cubicBezTo>
+                    <a:pt x="4" y="29"/>
+                    <a:pt x="12" y="36"/>
+                    <a:pt x="20" y="36"/>
+                  </a:cubicBezTo>
+                  <a:cubicBezTo>
+                    <a:pt x="29" y="36"/>
+                    <a:pt x="36" y="29"/>
+                    <a:pt x="36" y="20"/>
+                  </a:cubicBezTo>
+                  <a:cubicBezTo>
+                    <a:pt x="36" y="11"/>
+                    <a:pt x="29" y="4"/>
+                    <a:pt x="20" y="4"/>
+                  </a:cubicBezTo>
+                  <a:close/>
+                </a:path>
+              </a:pathLst>
+            </a:custGeom>
+            <a:grpFill/>
+            <a:ln>
+              <a:noFill/>
+            </a:ln>
+            <a:extLst>
+              <a:ext uri="{91240B29-F687-4f45-9708-019B960494DF}">
+                <a14:hiddenLine xmlns:a14="http://schemas.microsoft.com/office/drawing/2010/main" xmlns:p14="http://schemas.microsoft.com/office/powerpoint/2010/main" xmlns="" w="9525">
+                  <a:solidFill>
+                    <a:srgbClr val="000000"/>
+                  </a:solidFill>
+                  <a:round/>
+                  <a:headEnd/>
+                  <a:tailEnd/>
+                </a14:hiddenLine>
+              </a:ext>
+            </a:extLst>
+          </p:spPr>
+        </p:sp>
+        <p:sp>
+          <p:nvSpPr>
+            <p:cNvPr id="87" name="Freeform 30">
+              <a:extLst>
+                <a:ext uri="{FF2B5EF4-FFF2-40B4-BE49-F238E27FC236}">
+                  <a16:creationId xmlns:a16="http://schemas.microsoft.com/office/drawing/2014/main" id="{A750DC4F-1DAF-470E-98C6-6C68DEB93363}"/>
+                </a:ext>
+              </a:extLst>
+            </p:cNvPr>
+            <p:cNvSpPr/>
+            <p:nvPr>
+              <p:extLst>
+                <p:ext uri="{386F3935-93C4-4BCD-93E2-E3B085C9AB24}">
+                  <p16:designElem xmlns:p16="http://schemas.microsoft.com/office/powerpoint/2015/main" val="1"/>
+                </p:ext>
+              </p:extLst>
+            </p:nvPr>
+          </p:nvSpPr>
+          <p:spPr bwMode="auto">
+            <a:xfrm>
+              <a:off x="669925" y="6330950"/>
+              <a:ext cx="417513" cy="517525"/>
+            </a:xfrm>
+            <a:custGeom>
+              <a:avLst/>
+              <a:gdLst/>
+              <a:ahLst/>
+              <a:cxnLst/>
+              <a:rect l="0" t="0" r="r" b="b"/>
+              <a:pathLst>
+                <a:path w="263" h="326">
+                  <a:moveTo>
+                    <a:pt x="15" y="326"/>
+                  </a:moveTo>
+                  <a:lnTo>
+                    <a:pt x="0" y="320"/>
+                  </a:lnTo>
+                  <a:lnTo>
+                    <a:pt x="45" y="206"/>
+                  </a:lnTo>
+                  <a:lnTo>
+                    <a:pt x="48" y="206"/>
+                  </a:lnTo>
+                  <a:lnTo>
+                    <a:pt x="254" y="0"/>
+                  </a:lnTo>
+                  <a:lnTo>
+                    <a:pt x="263" y="12"/>
+                  </a:lnTo>
+                  <a:lnTo>
+                    <a:pt x="60" y="215"/>
+                  </a:lnTo>
+                  <a:lnTo>
+                    <a:pt x="15" y="326"/>
+                  </a:lnTo>
+                  <a:close/>
+                </a:path>
+              </a:pathLst>
+            </a:custGeom>
+            <a:grpFill/>
+            <a:ln>
+              <a:noFill/>
+            </a:ln>
+            <a:extLst>
+              <a:ext uri="{91240B29-F687-4f45-9708-019B960494DF}">
+                <a14:hiddenLine xmlns:a14="http://schemas.microsoft.com/office/drawing/2010/main" xmlns:p14="http://schemas.microsoft.com/office/powerpoint/2010/main" xmlns="" w="9525">
+                  <a:solidFill>
+                    <a:srgbClr val="000000"/>
+                  </a:solidFill>
+                  <a:round/>
+                  <a:headEnd/>
+                  <a:tailEnd/>
+                </a14:hiddenLine>
+              </a:ext>
+            </a:extLst>
+          </p:spPr>
+        </p:sp>
+        <p:sp>
+          <p:nvSpPr>
+            <p:cNvPr id="88" name="Freeform 31">
+              <a:extLst>
+                <a:ext uri="{FF2B5EF4-FFF2-40B4-BE49-F238E27FC236}">
+                  <a16:creationId xmlns:a16="http://schemas.microsoft.com/office/drawing/2014/main" id="{2F99594A-5BBD-4E10-A818-8BE52B7D952C}"/>
+                </a:ext>
+              </a:extLst>
+            </p:cNvPr>
+            <p:cNvSpPr>
+              <a:spLocks noEditPoints="1"/>
+            </p:cNvSpPr>
+            <p:nvPr>
+              <p:extLst>
+                <p:ext uri="{386F3935-93C4-4BCD-93E2-E3B085C9AB24}">
+                  <p16:designElem xmlns:p16="http://schemas.microsoft.com/office/powerpoint/2015/main" val="1"/>
+                </p:ext>
+              </p:extLst>
+            </p:nvPr>
+          </p:nvSpPr>
+          <p:spPr bwMode="auto">
+            <a:xfrm>
+              <a:off x="1049337" y="6221413"/>
+              <a:ext cx="157163" cy="147638"/>
+            </a:xfrm>
+            <a:custGeom>
+              <a:avLst/>
+              <a:gdLst/>
+              <a:ahLst/>
+              <a:cxnLst/>
+              <a:rect l="0" t="0" r="r" b="b"/>
+              <a:pathLst>
+                <a:path w="33" h="31">
+                  <a:moveTo>
+                    <a:pt x="16" y="31"/>
+                  </a:moveTo>
+                  <a:cubicBezTo>
+                    <a:pt x="12" y="31"/>
+                    <a:pt x="8" y="29"/>
+                    <a:pt x="5" y="26"/>
+                  </a:cubicBezTo>
+                  <a:cubicBezTo>
+                    <a:pt x="2" y="24"/>
+                    <a:pt x="0" y="20"/>
+                    <a:pt x="0" y="15"/>
+                  </a:cubicBezTo>
+                  <a:cubicBezTo>
+                    <a:pt x="0" y="11"/>
+                    <a:pt x="2" y="7"/>
+                    <a:pt x="5" y="4"/>
+                  </a:cubicBezTo>
+                  <a:cubicBezTo>
+                    <a:pt x="8" y="1"/>
+                    <a:pt x="12" y="0"/>
+                    <a:pt x="16" y="0"/>
+                  </a:cubicBezTo>
+                  <a:cubicBezTo>
+                    <a:pt x="20" y="0"/>
+                    <a:pt x="24" y="1"/>
+                    <a:pt x="27" y="4"/>
+                  </a:cubicBezTo>
+                  <a:cubicBezTo>
+                    <a:pt x="33" y="10"/>
+                    <a:pt x="33" y="20"/>
+                    <a:pt x="27" y="26"/>
+                  </a:cubicBezTo>
+                  <a:cubicBezTo>
+                    <a:pt x="24" y="29"/>
+                    <a:pt x="20" y="31"/>
+                    <a:pt x="16" y="31"/>
+                  </a:cubicBezTo>
+                  <a:close/>
+                  <a:moveTo>
+                    <a:pt x="16" y="4"/>
+                  </a:moveTo>
+                  <a:cubicBezTo>
+                    <a:pt x="13" y="4"/>
+                    <a:pt x="10" y="5"/>
+                    <a:pt x="8" y="7"/>
+                  </a:cubicBezTo>
+                  <a:cubicBezTo>
+                    <a:pt x="6" y="9"/>
+                    <a:pt x="4" y="12"/>
+                    <a:pt x="4" y="15"/>
+                  </a:cubicBezTo>
+                  <a:cubicBezTo>
+                    <a:pt x="4" y="19"/>
+                    <a:pt x="6" y="21"/>
+                    <a:pt x="8" y="24"/>
+                  </a:cubicBezTo>
+                  <a:cubicBezTo>
+                    <a:pt x="10" y="26"/>
+                    <a:pt x="13" y="27"/>
+                    <a:pt x="16" y="27"/>
+                  </a:cubicBezTo>
+                  <a:cubicBezTo>
+                    <a:pt x="19" y="27"/>
+                    <a:pt x="22" y="26"/>
+                    <a:pt x="24" y="24"/>
+                  </a:cubicBezTo>
+                  <a:cubicBezTo>
+                    <a:pt x="29" y="19"/>
+                    <a:pt x="29" y="12"/>
+                    <a:pt x="24" y="7"/>
+                  </a:cubicBezTo>
+                  <a:cubicBezTo>
+                    <a:pt x="22" y="5"/>
+                    <a:pt x="19" y="4"/>
+                    <a:pt x="16" y="4"/>
+                  </a:cubicBezTo>
+                  <a:close/>
+                </a:path>
+              </a:pathLst>
+            </a:custGeom>
+            <a:grpFill/>
+            <a:ln>
+              <a:noFill/>
+            </a:ln>
+            <a:extLst>
+              <a:ext uri="{91240B29-F687-4f45-9708-019B960494DF}">
+                <a14:hiddenLine xmlns:a14="http://schemas.microsoft.com/office/drawing/2010/main" xmlns:p14="http://schemas.microsoft.com/office/powerpoint/2010/main" xmlns="" w="9525">
+                  <a:solidFill>
+                    <a:srgbClr val="000000"/>
+                  </a:solidFill>
+                  <a:round/>
+                  <a:headEnd/>
+                  <a:tailEnd/>
+                </a14:hiddenLine>
+              </a:ext>
+            </a:extLst>
+          </p:spPr>
+        </p:sp>
+      </p:grpSp>
+      <p:sp>
+        <p:nvSpPr>
+          <p:cNvPr id="2" name="Titre 1">
+            <a:extLst>
+              <a:ext uri="{FF2B5EF4-FFF2-40B4-BE49-F238E27FC236}">
+                <a16:creationId xmlns:a16="http://schemas.microsoft.com/office/drawing/2014/main" id="{69B26F90-CFC7-4C1F-A509-F2223DF0CD9C}"/>
+              </a:ext>
+            </a:extLst>
+          </p:cNvPr>
+          <p:cNvSpPr>
+            <a:spLocks noGrp="1"/>
+          </p:cNvSpPr>
+          <p:nvPr>
+            <p:ph type="title"/>
+          </p:nvPr>
+        </p:nvSpPr>
+        <p:spPr>
+          <a:xfrm>
+            <a:off x="1141413" y="618518"/>
+            <a:ext cx="4459286" cy="1478570"/>
+          </a:xfrm>
+        </p:spPr>
+        <p:txBody>
+          <a:bodyPr>
+            <a:normAutofit/>
+          </a:bodyPr>
+          <a:lstStyle/>
+          <a:p>
+            <a:r>
+              <a:rPr lang="fr-CA" sz="3200"/>
+              <a:t>Les drones</a:t>
+            </a:r>
+          </a:p>
+        </p:txBody>
+      </p:sp>
+      <p:sp>
+        <p:nvSpPr>
+          <p:cNvPr id="54" name="Content Placeholder 53"/>
+          <p:cNvSpPr>
+            <a:spLocks noGrp="1"/>
+          </p:cNvSpPr>
+          <p:nvPr>
+            <p:ph idx="1"/>
+          </p:nvPr>
+        </p:nvSpPr>
+        <p:spPr>
+          <a:xfrm>
+            <a:off x="1141412" y="2249487"/>
+            <a:ext cx="4459287" cy="3965046"/>
+          </a:xfrm>
+        </p:spPr>
+        <p:txBody>
+          <a:bodyPr>
+            <a:normAutofit/>
+          </a:bodyPr>
+          <a:lstStyle/>
+          <a:p>
+            <a:endParaRPr lang="en-US" sz="2000" dirty="0"/>
+          </a:p>
+        </p:txBody>
+      </p:sp>
+    </p:spTree>
+    <p:extLst>
+      <p:ext uri="{BB962C8B-B14F-4D97-AF65-F5344CB8AC3E}">
+        <p14:creationId xmlns:p14="http://schemas.microsoft.com/office/powerpoint/2010/main" val="3897256376"/>
+      </p:ext>
+    </p:extLst>
+  </p:cSld>
+  <p:clrMapOvr>
+    <a:masterClrMapping/>
+  </p:clrMapOvr>
+</p:sld>
+</file>
+
+<file path=ppt/slides/slide5.xml><?xml version="1.0" encoding="utf-8"?>
 <p:sld xmlns:a="http://schemas.openxmlformats.org/drawingml/2006/main" xmlns:r="http://schemas.openxmlformats.org/officeDocument/2006/relationships" xmlns:p="http://schemas.openxmlformats.org/presentationml/2006/main">
   <p:cSld>
     <p:bg>
@@ -18768,7 +21396,7 @@
             </a:ln>
             <a:extLst>
               <a:ext uri="{91240B29-F687-4f45-9708-019B960494DF}">
-                <a14:hiddenLine xmlns="" xmlns:a16="http://schemas.microsoft.com/office/drawing/2014/main" xmlns:p14="http://schemas.microsoft.com/office/powerpoint/2010/main" xmlns:a14="http://schemas.microsoft.com/office/drawing/2010/main" w="9525">
+                <a14:hiddenLine xmlns:a14="http://schemas.microsoft.com/office/drawing/2010/main" xmlns:p14="http://schemas.microsoft.com/office/powerpoint/2010/main" xmlns:a16="http://schemas.microsoft.com/office/drawing/2014/main" xmlns="" w="9525">
                   <a:solidFill>
                     <a:srgbClr val="000000"/>
                   </a:solidFill>
@@ -18870,7 +21498,7 @@
             </a:ln>
             <a:extLst>
               <a:ext uri="{91240B29-F687-4f45-9708-019B960494DF}">
-                <a14:hiddenLine xmlns="" xmlns:a16="http://schemas.microsoft.com/office/drawing/2014/main" xmlns:p14="http://schemas.microsoft.com/office/powerpoint/2010/main" xmlns:a14="http://schemas.microsoft.com/office/drawing/2010/main" w="9525">
+                <a14:hiddenLine xmlns:a14="http://schemas.microsoft.com/office/drawing/2010/main" xmlns:p14="http://schemas.microsoft.com/office/powerpoint/2010/main" xmlns:a16="http://schemas.microsoft.com/office/drawing/2014/main" xmlns="" w="9525">
                   <a:solidFill>
                     <a:srgbClr val="000000"/>
                   </a:solidFill>
@@ -18972,7 +21600,7 @@
             </a:ln>
             <a:extLst>
               <a:ext uri="{91240B29-F687-4f45-9708-019B960494DF}">
-                <a14:hiddenLine xmlns="" xmlns:a16="http://schemas.microsoft.com/office/drawing/2014/main" xmlns:p14="http://schemas.microsoft.com/office/powerpoint/2010/main" xmlns:a14="http://schemas.microsoft.com/office/drawing/2010/main" w="9525">
+                <a14:hiddenLine xmlns:a14="http://schemas.microsoft.com/office/drawing/2010/main" xmlns:p14="http://schemas.microsoft.com/office/powerpoint/2010/main" xmlns:a16="http://schemas.microsoft.com/office/drawing/2014/main" xmlns="" w="9525">
                   <a:solidFill>
                     <a:srgbClr val="000000"/>
                   </a:solidFill>
@@ -19046,7 +21674,7 @@
             </a:ln>
             <a:extLst>
               <a:ext uri="{91240B29-F687-4f45-9708-019B960494DF}">
-                <a14:hiddenLine xmlns="" xmlns:a16="http://schemas.microsoft.com/office/drawing/2014/main" xmlns:p14="http://schemas.microsoft.com/office/powerpoint/2010/main" xmlns:a14="http://schemas.microsoft.com/office/drawing/2010/main" w="9525">
+                <a14:hiddenLine xmlns:a14="http://schemas.microsoft.com/office/drawing/2010/main" xmlns:p14="http://schemas.microsoft.com/office/powerpoint/2010/main" xmlns:a16="http://schemas.microsoft.com/office/drawing/2014/main" xmlns="" w="9525">
                   <a:solidFill>
                     <a:srgbClr val="000000"/>
                   </a:solidFill>
@@ -19148,7 +21776,7 @@
             </a:ln>
             <a:extLst>
               <a:ext uri="{91240B29-F687-4f45-9708-019B960494DF}">
-                <a14:hiddenLine xmlns="" xmlns:a16="http://schemas.microsoft.com/office/drawing/2014/main" xmlns:p14="http://schemas.microsoft.com/office/powerpoint/2010/main" xmlns:a14="http://schemas.microsoft.com/office/drawing/2010/main" w="9525">
+                <a14:hiddenLine xmlns:a14="http://schemas.microsoft.com/office/drawing/2010/main" xmlns:p14="http://schemas.microsoft.com/office/powerpoint/2010/main" xmlns:a16="http://schemas.microsoft.com/office/drawing/2014/main" xmlns="" w="9525">
                   <a:solidFill>
                     <a:srgbClr val="000000"/>
                   </a:solidFill>
@@ -19222,7 +21850,7 @@
             </a:ln>
             <a:extLst>
               <a:ext uri="{91240B29-F687-4f45-9708-019B960494DF}">
-                <a14:hiddenLine xmlns="" xmlns:a16="http://schemas.microsoft.com/office/drawing/2014/main" xmlns:p14="http://schemas.microsoft.com/office/powerpoint/2010/main" xmlns:a14="http://schemas.microsoft.com/office/drawing/2010/main" w="9525">
+                <a14:hiddenLine xmlns:a14="http://schemas.microsoft.com/office/drawing/2010/main" xmlns:p14="http://schemas.microsoft.com/office/powerpoint/2010/main" xmlns:a16="http://schemas.microsoft.com/office/drawing/2014/main" xmlns="" w="9525">
                   <a:solidFill>
                     <a:srgbClr val="000000"/>
                   </a:solidFill>
@@ -19296,7 +21924,7 @@
             </a:ln>
             <a:extLst>
               <a:ext uri="{91240B29-F687-4f45-9708-019B960494DF}">
-                <a14:hiddenLine xmlns="" xmlns:a16="http://schemas.microsoft.com/office/drawing/2014/main" xmlns:p14="http://schemas.microsoft.com/office/powerpoint/2010/main" xmlns:a14="http://schemas.microsoft.com/office/drawing/2010/main" w="9525">
+                <a14:hiddenLine xmlns:a14="http://schemas.microsoft.com/office/drawing/2010/main" xmlns:p14="http://schemas.microsoft.com/office/powerpoint/2010/main" xmlns:a16="http://schemas.microsoft.com/office/drawing/2014/main" xmlns="" w="9525">
                   <a:solidFill>
                     <a:srgbClr val="000000"/>
                   </a:solidFill>
@@ -19398,7 +22026,7 @@
             </a:ln>
             <a:extLst>
               <a:ext uri="{91240B29-F687-4f45-9708-019B960494DF}">
-                <a14:hiddenLine xmlns="" xmlns:a16="http://schemas.microsoft.com/office/drawing/2014/main" xmlns:p14="http://schemas.microsoft.com/office/powerpoint/2010/main" xmlns:a14="http://schemas.microsoft.com/office/drawing/2010/main" w="9525">
+                <a14:hiddenLine xmlns:a14="http://schemas.microsoft.com/office/drawing/2010/main" xmlns:p14="http://schemas.microsoft.com/office/powerpoint/2010/main" xmlns:a16="http://schemas.microsoft.com/office/drawing/2014/main" xmlns="" w="9525">
                   <a:solidFill>
                     <a:srgbClr val="000000"/>
                   </a:solidFill>
@@ -19500,7 +22128,7 @@
             </a:ln>
             <a:extLst>
               <a:ext uri="{91240B29-F687-4f45-9708-019B960494DF}">
-                <a14:hiddenLine xmlns="" xmlns:a16="http://schemas.microsoft.com/office/drawing/2014/main" xmlns:p14="http://schemas.microsoft.com/office/powerpoint/2010/main" xmlns:a14="http://schemas.microsoft.com/office/drawing/2010/main" w="9525">
+                <a14:hiddenLine xmlns:a14="http://schemas.microsoft.com/office/drawing/2010/main" xmlns:p14="http://schemas.microsoft.com/office/powerpoint/2010/main" xmlns:a16="http://schemas.microsoft.com/office/drawing/2014/main" xmlns="" w="9525">
                   <a:solidFill>
                     <a:srgbClr val="000000"/>
                   </a:solidFill>
@@ -19574,7 +22202,7 @@
             </a:ln>
             <a:extLst>
               <a:ext uri="{91240B29-F687-4f45-9708-019B960494DF}">
-                <a14:hiddenLine xmlns="" xmlns:a16="http://schemas.microsoft.com/office/drawing/2014/main" xmlns:p14="http://schemas.microsoft.com/office/powerpoint/2010/main" xmlns:a14="http://schemas.microsoft.com/office/drawing/2010/main" w="9525">
+                <a14:hiddenLine xmlns:a14="http://schemas.microsoft.com/office/drawing/2010/main" xmlns:p14="http://schemas.microsoft.com/office/powerpoint/2010/main" xmlns:a16="http://schemas.microsoft.com/office/drawing/2014/main" xmlns="" w="9525">
                   <a:solidFill>
                     <a:srgbClr val="000000"/>
                   </a:solidFill>
@@ -19696,7 +22324,7 @@
             </a:ln>
             <a:extLst>
               <a:ext uri="{91240B29-F687-4f45-9708-019B960494DF}">
-                <a14:hiddenLine xmlns="" xmlns:a16="http://schemas.microsoft.com/office/drawing/2014/main" xmlns:p14="http://schemas.microsoft.com/office/powerpoint/2010/main" xmlns:a14="http://schemas.microsoft.com/office/drawing/2010/main" w="9525">
+                <a14:hiddenLine xmlns:a14="http://schemas.microsoft.com/office/drawing/2010/main" xmlns:p14="http://schemas.microsoft.com/office/powerpoint/2010/main" xmlns:a16="http://schemas.microsoft.com/office/drawing/2014/main" xmlns="" w="9525">
                   <a:solidFill>
                     <a:srgbClr val="000000"/>
                   </a:solidFill>
@@ -19804,7 +22432,7 @@
             </a:ln>
             <a:extLst>
               <a:ext uri="{91240B29-F687-4f45-9708-019B960494DF}">
-                <a14:hiddenLine xmlns="" xmlns:a16="http://schemas.microsoft.com/office/drawing/2014/main" xmlns:p14="http://schemas.microsoft.com/office/powerpoint/2010/main" xmlns:a14="http://schemas.microsoft.com/office/drawing/2010/main" w="9525">
+                <a14:hiddenLine xmlns:a14="http://schemas.microsoft.com/office/drawing/2010/main" xmlns:p14="http://schemas.microsoft.com/office/powerpoint/2010/main" xmlns:a16="http://schemas.microsoft.com/office/drawing/2014/main" xmlns="" w="9525">
                   <a:solidFill>
                     <a:srgbClr val="000000"/>
                   </a:solidFill>
@@ -19878,7 +22506,7 @@
             </a:ln>
             <a:extLst>
               <a:ext uri="{91240B29-F687-4f45-9708-019B960494DF}">
-                <a14:hiddenLine xmlns="" xmlns:a16="http://schemas.microsoft.com/office/drawing/2014/main" xmlns:p14="http://schemas.microsoft.com/office/powerpoint/2010/main" xmlns:a14="http://schemas.microsoft.com/office/drawing/2010/main" w="9525">
+                <a14:hiddenLine xmlns:a14="http://schemas.microsoft.com/office/drawing/2010/main" xmlns:p14="http://schemas.microsoft.com/office/powerpoint/2010/main" xmlns:a16="http://schemas.microsoft.com/office/drawing/2014/main" xmlns="" w="9525">
                   <a:solidFill>
                     <a:srgbClr val="000000"/>
                   </a:solidFill>
@@ -19952,7 +22580,7 @@
             </a:ln>
             <a:extLst>
               <a:ext uri="{91240B29-F687-4f45-9708-019B960494DF}">
-                <a14:hiddenLine xmlns="" xmlns:a16="http://schemas.microsoft.com/office/drawing/2014/main" xmlns:p14="http://schemas.microsoft.com/office/powerpoint/2010/main" xmlns:a14="http://schemas.microsoft.com/office/drawing/2010/main" w="9525">
+                <a14:hiddenLine xmlns:a14="http://schemas.microsoft.com/office/drawing/2010/main" xmlns:p14="http://schemas.microsoft.com/office/powerpoint/2010/main" xmlns:a16="http://schemas.microsoft.com/office/drawing/2014/main" xmlns="" w="9525">
                   <a:solidFill>
                     <a:srgbClr val="000000"/>
                   </a:solidFill>
@@ -20054,7 +22682,7 @@
             </a:ln>
             <a:extLst>
               <a:ext uri="{91240B29-F687-4f45-9708-019B960494DF}">
-                <a14:hiddenLine xmlns="" xmlns:a16="http://schemas.microsoft.com/office/drawing/2014/main" xmlns:p14="http://schemas.microsoft.com/office/powerpoint/2010/main" xmlns:a14="http://schemas.microsoft.com/office/drawing/2010/main" w="9525">
+                <a14:hiddenLine xmlns:a14="http://schemas.microsoft.com/office/drawing/2010/main" xmlns:p14="http://schemas.microsoft.com/office/powerpoint/2010/main" xmlns:a16="http://schemas.microsoft.com/office/drawing/2014/main" xmlns="" w="9525">
                   <a:solidFill>
                     <a:srgbClr val="000000"/>
                   </a:solidFill>
@@ -20100,7 +22728,7 @@
             </a:ln>
             <a:extLst>
               <a:ext uri="{91240B29-F687-4f45-9708-019B960494DF}">
-                <a14:hiddenLine xmlns="" xmlns:a16="http://schemas.microsoft.com/office/drawing/2014/main" xmlns:p14="http://schemas.microsoft.com/office/powerpoint/2010/main" xmlns:a14="http://schemas.microsoft.com/office/drawing/2010/main" w="9525">
+                <a14:hiddenLine xmlns:a14="http://schemas.microsoft.com/office/drawing/2010/main" xmlns:p14="http://schemas.microsoft.com/office/powerpoint/2010/main" xmlns:a16="http://schemas.microsoft.com/office/drawing/2014/main" xmlns="" w="9525">
                   <a:solidFill>
                     <a:srgbClr val="000000"/>
                   </a:solidFill>
@@ -20177,7 +22805,7 @@
             </a:ln>
             <a:extLst>
               <a:ext uri="{91240B29-F687-4f45-9708-019B960494DF}">
-                <a14:hiddenLine xmlns="" xmlns:a16="http://schemas.microsoft.com/office/drawing/2014/main" xmlns:p14="http://schemas.microsoft.com/office/powerpoint/2010/main" xmlns:a14="http://schemas.microsoft.com/office/drawing/2010/main" w="9525">
+                <a14:hiddenLine xmlns:a14="http://schemas.microsoft.com/office/drawing/2010/main" xmlns:p14="http://schemas.microsoft.com/office/powerpoint/2010/main" xmlns:a16="http://schemas.microsoft.com/office/drawing/2014/main" xmlns="" w="9525">
                   <a:solidFill>
                     <a:srgbClr val="000000"/>
                   </a:solidFill>
@@ -20279,7 +22907,7 @@
             </a:ln>
             <a:extLst>
               <a:ext uri="{91240B29-F687-4f45-9708-019B960494DF}">
-                <a14:hiddenLine xmlns="" xmlns:a16="http://schemas.microsoft.com/office/drawing/2014/main" xmlns:p14="http://schemas.microsoft.com/office/powerpoint/2010/main" xmlns:a14="http://schemas.microsoft.com/office/drawing/2010/main" w="9525">
+                <a14:hiddenLine xmlns:a14="http://schemas.microsoft.com/office/drawing/2010/main" xmlns:p14="http://schemas.microsoft.com/office/powerpoint/2010/main" xmlns:a16="http://schemas.microsoft.com/office/drawing/2014/main" xmlns="" w="9525">
                   <a:solidFill>
                     <a:srgbClr val="000000"/>
                   </a:solidFill>
@@ -20353,7 +22981,7 @@
             </a:ln>
             <a:extLst>
               <a:ext uri="{91240B29-F687-4f45-9708-019B960494DF}">
-                <a14:hiddenLine xmlns="" xmlns:a16="http://schemas.microsoft.com/office/drawing/2014/main" xmlns:p14="http://schemas.microsoft.com/office/powerpoint/2010/main" xmlns:a14="http://schemas.microsoft.com/office/drawing/2010/main" w="9525">
+                <a14:hiddenLine xmlns:a14="http://schemas.microsoft.com/office/drawing/2010/main" xmlns:p14="http://schemas.microsoft.com/office/powerpoint/2010/main" xmlns:a16="http://schemas.microsoft.com/office/drawing/2014/main" xmlns="" w="9525">
                   <a:solidFill>
                     <a:srgbClr val="000000"/>
                   </a:solidFill>
@@ -20455,7 +23083,7 @@
             </a:ln>
             <a:extLst>
               <a:ext uri="{91240B29-F687-4f45-9708-019B960494DF}">
-                <a14:hiddenLine xmlns="" xmlns:a16="http://schemas.microsoft.com/office/drawing/2014/main" xmlns:p14="http://schemas.microsoft.com/office/powerpoint/2010/main" xmlns:a14="http://schemas.microsoft.com/office/drawing/2010/main" w="9525">
+                <a14:hiddenLine xmlns:a14="http://schemas.microsoft.com/office/drawing/2010/main" xmlns:p14="http://schemas.microsoft.com/office/powerpoint/2010/main" xmlns:a16="http://schemas.microsoft.com/office/drawing/2014/main" xmlns="" w="9525">
                   <a:solidFill>
                     <a:srgbClr val="000000"/>
                   </a:solidFill>
@@ -20532,7 +23160,7 @@
             </a:ln>
             <a:extLst>
               <a:ext uri="{91240B29-F687-4f45-9708-019B960494DF}">
-                <a14:hiddenLine xmlns="" xmlns:a16="http://schemas.microsoft.com/office/drawing/2014/main" xmlns:p14="http://schemas.microsoft.com/office/powerpoint/2010/main" xmlns:a14="http://schemas.microsoft.com/office/drawing/2010/main" w="9525">
+                <a14:hiddenLine xmlns:a14="http://schemas.microsoft.com/office/drawing/2010/main" xmlns:p14="http://schemas.microsoft.com/office/powerpoint/2010/main" xmlns:a16="http://schemas.microsoft.com/office/drawing/2014/main" xmlns="" w="9525">
                   <a:solidFill>
                     <a:srgbClr val="000000"/>
                   </a:solidFill>
@@ -20606,7 +23234,7 @@
             </a:ln>
             <a:extLst>
               <a:ext uri="{91240B29-F687-4f45-9708-019B960494DF}">
-                <a14:hiddenLine xmlns="" xmlns:a16="http://schemas.microsoft.com/office/drawing/2014/main" xmlns:p14="http://schemas.microsoft.com/office/powerpoint/2010/main" xmlns:a14="http://schemas.microsoft.com/office/drawing/2010/main" w="9525">
+                <a14:hiddenLine xmlns:a14="http://schemas.microsoft.com/office/drawing/2010/main" xmlns:p14="http://schemas.microsoft.com/office/powerpoint/2010/main" xmlns:a16="http://schemas.microsoft.com/office/drawing/2014/main" xmlns="" w="9525">
                   <a:solidFill>
                     <a:srgbClr val="000000"/>
                   </a:solidFill>
@@ -20708,7 +23336,7 @@
             </a:ln>
             <a:extLst>
               <a:ext uri="{91240B29-F687-4f45-9708-019B960494DF}">
-                <a14:hiddenLine xmlns="" xmlns:a16="http://schemas.microsoft.com/office/drawing/2014/main" xmlns:p14="http://schemas.microsoft.com/office/powerpoint/2010/main" xmlns:a14="http://schemas.microsoft.com/office/drawing/2010/main" w="9525">
+                <a14:hiddenLine xmlns:a14="http://schemas.microsoft.com/office/drawing/2010/main" xmlns:p14="http://schemas.microsoft.com/office/powerpoint/2010/main" xmlns:a16="http://schemas.microsoft.com/office/drawing/2014/main" xmlns="" w="9525">
                   <a:solidFill>
                     <a:srgbClr val="000000"/>
                   </a:solidFill>
@@ -20810,7 +23438,7 @@
             </a:ln>
             <a:extLst>
               <a:ext uri="{91240B29-F687-4f45-9708-019B960494DF}">
-                <a14:hiddenLine xmlns="" xmlns:a16="http://schemas.microsoft.com/office/drawing/2014/main" xmlns:p14="http://schemas.microsoft.com/office/powerpoint/2010/main" xmlns:a14="http://schemas.microsoft.com/office/drawing/2010/main" w="9525">
+                <a14:hiddenLine xmlns:a14="http://schemas.microsoft.com/office/drawing/2010/main" xmlns:p14="http://schemas.microsoft.com/office/powerpoint/2010/main" xmlns:a16="http://schemas.microsoft.com/office/drawing/2014/main" xmlns="" w="9525">
                   <a:solidFill>
                     <a:srgbClr val="000000"/>
                   </a:solidFill>
@@ -20887,7 +23515,7 @@
             </a:ln>
             <a:extLst>
               <a:ext uri="{91240B29-F687-4f45-9708-019B960494DF}">
-                <a14:hiddenLine xmlns="" xmlns:a16="http://schemas.microsoft.com/office/drawing/2014/main" xmlns:p14="http://schemas.microsoft.com/office/powerpoint/2010/main" xmlns:a14="http://schemas.microsoft.com/office/drawing/2010/main" w="9525">
+                <a14:hiddenLine xmlns:a14="http://schemas.microsoft.com/office/drawing/2010/main" xmlns:p14="http://schemas.microsoft.com/office/powerpoint/2010/main" xmlns:a16="http://schemas.microsoft.com/office/drawing/2014/main" xmlns="" w="9525">
                   <a:solidFill>
                     <a:srgbClr val="000000"/>
                   </a:solidFill>
@@ -21019,7 +23647,7 @@
             </a:ln>
             <a:extLst>
               <a:ext uri="{91240B29-F687-4f45-9708-019B960494DF}">
-                <a14:hiddenLine xmlns="" xmlns:a16="http://schemas.microsoft.com/office/drawing/2014/main" xmlns:p14="http://schemas.microsoft.com/office/powerpoint/2010/main" xmlns:a14="http://schemas.microsoft.com/office/drawing/2010/main" w="9525">
+                <a14:hiddenLine xmlns:a14="http://schemas.microsoft.com/office/drawing/2010/main" xmlns:p14="http://schemas.microsoft.com/office/powerpoint/2010/main" xmlns:a16="http://schemas.microsoft.com/office/drawing/2014/main" xmlns="" w="9525">
                   <a:solidFill>
                     <a:srgbClr val="000000"/>
                   </a:solidFill>
@@ -21143,7 +23771,7 @@
             </a:ln>
             <a:extLst>
               <a:ext uri="{91240B29-F687-4f45-9708-019B960494DF}">
-                <a14:hiddenLine xmlns="" xmlns:a16="http://schemas.microsoft.com/office/drawing/2014/main" xmlns:p14="http://schemas.microsoft.com/office/powerpoint/2010/main" xmlns:a14="http://schemas.microsoft.com/office/drawing/2010/main" w="9525">
+                <a14:hiddenLine xmlns:a14="http://schemas.microsoft.com/office/drawing/2010/main" xmlns:p14="http://schemas.microsoft.com/office/powerpoint/2010/main" xmlns:a16="http://schemas.microsoft.com/office/drawing/2014/main" xmlns="" w="9525">
                   <a:solidFill>
                     <a:srgbClr val="000000"/>
                   </a:solidFill>
@@ -21270,7 +23898,7 @@
             </a:ln>
             <a:extLst>
               <a:ext uri="{91240B29-F687-4f45-9708-019B960494DF}">
-                <a14:hiddenLine xmlns="" xmlns:a16="http://schemas.microsoft.com/office/drawing/2014/main" xmlns:p14="http://schemas.microsoft.com/office/powerpoint/2010/main" xmlns:a14="http://schemas.microsoft.com/office/drawing/2010/main" w="9525">
+                <a14:hiddenLine xmlns:a14="http://schemas.microsoft.com/office/drawing/2010/main" xmlns:p14="http://schemas.microsoft.com/office/powerpoint/2010/main" xmlns:a16="http://schemas.microsoft.com/office/drawing/2014/main" xmlns="" w="9525">
                   <a:solidFill>
                     <a:srgbClr val="000000"/>
                   </a:solidFill>
@@ -21372,7 +24000,7 @@
             </a:ln>
             <a:extLst>
               <a:ext uri="{91240B29-F687-4f45-9708-019B960494DF}">
-                <a14:hiddenLine xmlns="" xmlns:a16="http://schemas.microsoft.com/office/drawing/2014/main" xmlns:p14="http://schemas.microsoft.com/office/powerpoint/2010/main" xmlns:a14="http://schemas.microsoft.com/office/drawing/2010/main" w="9525">
+                <a14:hiddenLine xmlns:a14="http://schemas.microsoft.com/office/drawing/2010/main" xmlns:p14="http://schemas.microsoft.com/office/powerpoint/2010/main" xmlns:a16="http://schemas.microsoft.com/office/drawing/2014/main" xmlns="" w="9525">
                   <a:solidFill>
                     <a:srgbClr val="000000"/>
                   </a:solidFill>
@@ -21449,7 +24077,7 @@
             </a:ln>
             <a:extLst>
               <a:ext uri="{91240B29-F687-4f45-9708-019B960494DF}">
-                <a14:hiddenLine xmlns="" xmlns:a16="http://schemas.microsoft.com/office/drawing/2014/main" xmlns:p14="http://schemas.microsoft.com/office/powerpoint/2010/main" xmlns:a14="http://schemas.microsoft.com/office/drawing/2010/main" w="9525">
+                <a14:hiddenLine xmlns:a14="http://schemas.microsoft.com/office/drawing/2010/main" xmlns:p14="http://schemas.microsoft.com/office/powerpoint/2010/main" xmlns:a16="http://schemas.microsoft.com/office/drawing/2014/main" xmlns="" w="9525">
                   <a:solidFill>
                     <a:srgbClr val="000000"/>
                   </a:solidFill>
@@ -21551,7 +24179,7 @@
             </a:ln>
             <a:extLst>
               <a:ext uri="{91240B29-F687-4f45-9708-019B960494DF}">
-                <a14:hiddenLine xmlns="" xmlns:a16="http://schemas.microsoft.com/office/drawing/2014/main" xmlns:p14="http://schemas.microsoft.com/office/powerpoint/2010/main" xmlns:a14="http://schemas.microsoft.com/office/drawing/2010/main" w="9525">
+                <a14:hiddenLine xmlns:a14="http://schemas.microsoft.com/office/drawing/2010/main" xmlns:p14="http://schemas.microsoft.com/office/powerpoint/2010/main" xmlns:a16="http://schemas.microsoft.com/office/drawing/2014/main" xmlns="" w="9525">
                   <a:solidFill>
                     <a:srgbClr val="000000"/>
                   </a:solidFill>
@@ -21631,7 +24259,7 @@
             </a:ln>
             <a:extLst>
               <a:ext uri="{91240B29-F687-4f45-9708-019B960494DF}">
-                <a14:hiddenLine xmlns="" xmlns:a16="http://schemas.microsoft.com/office/drawing/2014/main" xmlns:p14="http://schemas.microsoft.com/office/powerpoint/2010/main" xmlns:a14="http://schemas.microsoft.com/office/drawing/2010/main" w="9525">
+                <a14:hiddenLine xmlns:a14="http://schemas.microsoft.com/office/drawing/2010/main" xmlns:p14="http://schemas.microsoft.com/office/powerpoint/2010/main" xmlns:a16="http://schemas.microsoft.com/office/drawing/2014/main" xmlns="" w="9525">
                   <a:solidFill>
                     <a:srgbClr val="000000"/>
                   </a:solidFill>
@@ -21733,7 +24361,7 @@
             </a:ln>
             <a:extLst>
               <a:ext uri="{91240B29-F687-4f45-9708-019B960494DF}">
-                <a14:hiddenLine xmlns="" xmlns:a16="http://schemas.microsoft.com/office/drawing/2014/main" xmlns:p14="http://schemas.microsoft.com/office/powerpoint/2010/main" xmlns:a14="http://schemas.microsoft.com/office/drawing/2010/main" w="9525">
+                <a14:hiddenLine xmlns:a14="http://schemas.microsoft.com/office/drawing/2010/main" xmlns:p14="http://schemas.microsoft.com/office/powerpoint/2010/main" xmlns:a16="http://schemas.microsoft.com/office/drawing/2014/main" xmlns="" w="9525">
                   <a:solidFill>
                     <a:srgbClr val="000000"/>
                   </a:solidFill>
@@ -21813,7 +24441,7 @@
             </a:ln>
             <a:extLst>
               <a:ext uri="{91240B29-F687-4f45-9708-019B960494DF}">
-                <a14:hiddenLine xmlns="" xmlns:a16="http://schemas.microsoft.com/office/drawing/2014/main" xmlns:p14="http://schemas.microsoft.com/office/powerpoint/2010/main" xmlns:a14="http://schemas.microsoft.com/office/drawing/2010/main" w="9525">
+                <a14:hiddenLine xmlns:a14="http://schemas.microsoft.com/office/drawing/2010/main" xmlns:p14="http://schemas.microsoft.com/office/powerpoint/2010/main" xmlns:a16="http://schemas.microsoft.com/office/drawing/2014/main" xmlns="" w="9525">
                   <a:solidFill>
                     <a:srgbClr val="000000"/>
                   </a:solidFill>
@@ -21915,7 +24543,7 @@
             </a:ln>
             <a:extLst>
               <a:ext uri="{91240B29-F687-4f45-9708-019B960494DF}">
-                <a14:hiddenLine xmlns="" xmlns:a16="http://schemas.microsoft.com/office/drawing/2014/main" xmlns:p14="http://schemas.microsoft.com/office/powerpoint/2010/main" xmlns:a14="http://schemas.microsoft.com/office/drawing/2010/main" w="9525">
+                <a14:hiddenLine xmlns:a14="http://schemas.microsoft.com/office/drawing/2010/main" xmlns:p14="http://schemas.microsoft.com/office/powerpoint/2010/main" xmlns:a16="http://schemas.microsoft.com/office/drawing/2014/main" xmlns="" w="9525">
                   <a:solidFill>
                     <a:srgbClr val="000000"/>
                   </a:solidFill>
@@ -21961,7 +24589,3458 @@
             </a:ln>
             <a:extLst>
               <a:ext uri="{91240B29-F687-4f45-9708-019B960494DF}">
-                <a14:hiddenLine xmlns="" xmlns:a16="http://schemas.microsoft.com/office/drawing/2014/main" xmlns:p14="http://schemas.microsoft.com/office/powerpoint/2010/main" xmlns:a14="http://schemas.microsoft.com/office/drawing/2010/main" w="9525">
+                <a14:hiddenLine xmlns:a14="http://schemas.microsoft.com/office/drawing/2010/main" xmlns:p14="http://schemas.microsoft.com/office/powerpoint/2010/main" xmlns:a16="http://schemas.microsoft.com/office/drawing/2014/main" xmlns="" w="9525">
+                  <a:solidFill>
+                    <a:srgbClr val="000000"/>
+                  </a:solidFill>
+                  <a:miter lim="800000"/>
+                  <a:headEnd/>
+                  <a:tailEnd/>
+                </a14:hiddenLine>
+              </a:ext>
+            </a:extLst>
+          </p:spPr>
+        </p:sp>
+      </p:grpSp>
+      <p:sp>
+        <p:nvSpPr>
+          <p:cNvPr id="2" name="Titre 1">
+            <a:extLst>
+              <a:ext uri="{FF2B5EF4-FFF2-40B4-BE49-F238E27FC236}">
+                <a16:creationId xmlns:a16="http://schemas.microsoft.com/office/drawing/2014/main" id="{11E332EA-F726-47F4-809F-E2B408A24FD7}"/>
+              </a:ext>
+            </a:extLst>
+          </p:cNvPr>
+          <p:cNvSpPr>
+            <a:spLocks noGrp="1"/>
+          </p:cNvSpPr>
+          <p:nvPr>
+            <p:ph type="title"/>
+          </p:nvPr>
+        </p:nvSpPr>
+        <p:spPr>
+          <a:xfrm>
+            <a:off x="1141413" y="618518"/>
+            <a:ext cx="9905998" cy="1478570"/>
+          </a:xfrm>
+        </p:spPr>
+        <p:txBody>
+          <a:bodyPr>
+            <a:normAutofit/>
+          </a:bodyPr>
+          <a:lstStyle/>
+          <a:p>
+            <a:r>
+              <a:rPr lang="fr-CA" dirty="0"/>
+              <a:t>Définition du problème</a:t>
+            </a:r>
+          </a:p>
+        </p:txBody>
+      </p:sp>
+      <p:pic>
+        <p:nvPicPr>
+          <p:cNvPr id="5" name="Espace réservé du contenu 4" descr="Une image contenant capture d’écran&#10;&#10;Description générée avec un niveau de confiance très élevé">
+            <a:extLst>
+              <a:ext uri="{FF2B5EF4-FFF2-40B4-BE49-F238E27FC236}">
+                <a16:creationId xmlns:a16="http://schemas.microsoft.com/office/drawing/2014/main" id="{4A9E3731-9EC9-41CA-A735-70636EBBF0D0}"/>
+              </a:ext>
+            </a:extLst>
+          </p:cNvPr>
+          <p:cNvPicPr>
+            <a:picLocks noGrp="1" noChangeAspect="1"/>
+          </p:cNvPicPr>
+          <p:nvPr>
+            <p:ph idx="1"/>
+          </p:nvPr>
+        </p:nvPicPr>
+        <p:blipFill>
+          <a:blip r:embed="rId2">
+            <a:extLst>
+              <a:ext uri="{28A0092B-C50C-407E-A947-70E740481C1C}">
+                <a14:useLocalDpi xmlns:a14="http://schemas.microsoft.com/office/drawing/2010/main" val="0"/>
+              </a:ext>
+            </a:extLst>
+          </a:blip>
+          <a:stretch>
+            <a:fillRect/>
+          </a:stretch>
+        </p:blipFill>
+        <p:spPr>
+          <a:xfrm>
+            <a:off x="1087437" y="1801813"/>
+            <a:ext cx="10018656" cy="3697764"/>
+          </a:xfrm>
+        </p:spPr>
+      </p:pic>
+    </p:spTree>
+    <p:extLst>
+      <p:ext uri="{BB962C8B-B14F-4D97-AF65-F5344CB8AC3E}">
+        <p14:creationId xmlns:p14="http://schemas.microsoft.com/office/powerpoint/2010/main" val="1927064934"/>
+      </p:ext>
+    </p:extLst>
+  </p:cSld>
+  <p:clrMapOvr>
+    <a:masterClrMapping/>
+  </p:clrMapOvr>
+</p:sld>
+</file>
+
+<file path=ppt/slides/slide6.xml><?xml version="1.0" encoding="utf-8"?>
+<p:sld xmlns:a="http://schemas.openxmlformats.org/drawingml/2006/main" xmlns:r="http://schemas.openxmlformats.org/officeDocument/2006/relationships" xmlns:p="http://schemas.openxmlformats.org/presentationml/2006/main">
+  <p:cSld>
+    <p:bg>
+      <p:bgPr>
+        <a:solidFill>
+          <a:schemeClr val="bg2"/>
+        </a:solidFill>
+        <a:effectLst/>
+      </p:bgPr>
+    </p:bg>
+    <p:spTree>
+      <p:nvGrpSpPr>
+        <p:cNvPr id="1" name=""/>
+        <p:cNvGrpSpPr/>
+        <p:nvPr/>
+      </p:nvGrpSpPr>
+      <p:grpSpPr>
+        <a:xfrm>
+          <a:off x="0" y="0"/>
+          <a:ext cx="0" cy="0"/>
+          <a:chOff x="0" y="0"/>
+          <a:chExt cx="0" cy="0"/>
+        </a:xfrm>
+      </p:grpSpPr>
+      <p:sp useBgFill="1">
+        <p:nvSpPr>
+          <p:cNvPr id="8" name="Rectangle 7">
+            <a:extLst>
+              <a:ext uri="{FF2B5EF4-FFF2-40B4-BE49-F238E27FC236}">
+                <a16:creationId xmlns:a16="http://schemas.microsoft.com/office/drawing/2014/main" id="{B61375F2-60B1-44ED-B60A-019C4BD5A62A}"/>
+              </a:ext>
+            </a:extLst>
+          </p:cNvPr>
+          <p:cNvSpPr>
+            <a:spLocks noGrp="1" noRot="1" noChangeAspect="1" noMove="1" noResize="1" noEditPoints="1" noAdjustHandles="1" noChangeArrowheads="1" noChangeShapeType="1" noTextEdit="1"/>
+          </p:cNvSpPr>
+          <p:nvPr>
+            <p:extLst>
+              <p:ext uri="{386F3935-93C4-4BCD-93E2-E3B085C9AB24}">
+                <p16:designElem xmlns:p16="http://schemas.microsoft.com/office/powerpoint/2015/main" val="1"/>
+              </p:ext>
+            </p:extLst>
+          </p:nvPr>
+        </p:nvSpPr>
+        <p:spPr>
+          <a:xfrm>
+            <a:off x="0" y="0"/>
+            <a:ext cx="12191999" cy="6858001"/>
+          </a:xfrm>
+          <a:prstGeom prst="rect">
+            <a:avLst/>
+          </a:prstGeom>
+          <a:ln>
+            <a:noFill/>
+          </a:ln>
+        </p:spPr>
+        <p:style>
+          <a:lnRef idx="2">
+            <a:schemeClr val="accent1">
+              <a:shade val="50000"/>
+            </a:schemeClr>
+          </a:lnRef>
+          <a:fillRef idx="1">
+            <a:schemeClr val="accent1"/>
+          </a:fillRef>
+          <a:effectRef idx="0">
+            <a:schemeClr val="accent1"/>
+          </a:effectRef>
+          <a:fontRef idx="minor">
+            <a:schemeClr val="lt1"/>
+          </a:fontRef>
+        </p:style>
+        <p:txBody>
+          <a:bodyPr rtlCol="0" anchor="ctr"/>
+          <a:lstStyle/>
+          <a:p>
+            <a:pPr algn="ctr"/>
+            <a:endParaRPr lang="en-US" dirty="0"/>
+          </a:p>
+        </p:txBody>
+      </p:sp>
+      <p:grpSp>
+        <p:nvGrpSpPr>
+          <p:cNvPr id="10" name="Group 9">
+            <a:extLst>
+              <a:ext uri="{FF2B5EF4-FFF2-40B4-BE49-F238E27FC236}">
+                <a16:creationId xmlns:a16="http://schemas.microsoft.com/office/drawing/2014/main" id="{4ADB9295-9645-4BF2-ADFD-75800B7FAD06}"/>
+              </a:ext>
+            </a:extLst>
+          </p:cNvPr>
+          <p:cNvGrpSpPr>
+            <a:grpSpLocks noGrp="1" noUngrp="1" noRot="1" noChangeAspect="1" noMove="1" noResize="1"/>
+          </p:cNvGrpSpPr>
+          <p:nvPr>
+            <p:extLst>
+              <p:ext uri="{386F3935-93C4-4BCD-93E2-E3B085C9AB24}">
+                <p16:designElem xmlns:p16="http://schemas.microsoft.com/office/powerpoint/2015/main" val="1"/>
+              </p:ext>
+            </p:extLst>
+          </p:nvPr>
+        </p:nvGrpSpPr>
+        <p:grpSpPr>
+          <a:xfrm>
+            <a:off x="-14288" y="0"/>
+            <a:ext cx="1220788" cy="6858001"/>
+            <a:chOff x="-14288" y="0"/>
+            <a:chExt cx="1220788" cy="6858001"/>
+          </a:xfrm>
+          <a:gradFill flip="none" rotWithShape="1">
+            <a:gsLst>
+              <a:gs pos="0">
+                <a:schemeClr val="tx2">
+                  <a:alpha val="60000"/>
+                </a:schemeClr>
+              </a:gs>
+              <a:gs pos="100000">
+                <a:schemeClr val="bg2">
+                  <a:lumMod val="60000"/>
+                  <a:lumOff val="40000"/>
+                  <a:alpha val="80000"/>
+                </a:schemeClr>
+              </a:gs>
+            </a:gsLst>
+            <a:lin ang="5400000" scaled="0"/>
+            <a:tileRect/>
+          </a:gradFill>
+        </p:grpSpPr>
+        <p:sp>
+          <p:nvSpPr>
+            <p:cNvPr id="11" name="Rectangle 5">
+              <a:extLst>
+                <a:ext uri="{FF2B5EF4-FFF2-40B4-BE49-F238E27FC236}">
+                  <a16:creationId xmlns:a16="http://schemas.microsoft.com/office/drawing/2014/main" id="{95B061E9-E435-4E1B-B160-96584A116691}"/>
+                </a:ext>
+              </a:extLst>
+            </p:cNvPr>
+            <p:cNvSpPr>
+              <a:spLocks noChangeArrowheads="1"/>
+            </p:cNvSpPr>
+            <p:nvPr>
+              <p:extLst>
+                <p:ext uri="{386F3935-93C4-4BCD-93E2-E3B085C9AB24}">
+                  <p16:designElem xmlns:p16="http://schemas.microsoft.com/office/powerpoint/2015/main" val="1"/>
+                </p:ext>
+              </p:extLst>
+            </p:nvPr>
+          </p:nvSpPr>
+          <p:spPr bwMode="auto">
+            <a:xfrm>
+              <a:off x="114300" y="4763"/>
+              <a:ext cx="23813" cy="2181225"/>
+            </a:xfrm>
+            <a:prstGeom prst="rect">
+              <a:avLst/>
+            </a:prstGeom>
+            <a:grpFill/>
+            <a:ln>
+              <a:noFill/>
+            </a:ln>
+            <a:extLst>
+              <a:ext uri="{91240B29-F687-4f45-9708-019B960494DF}">
+                <a14:hiddenLine xmlns:a14="http://schemas.microsoft.com/office/drawing/2010/main" xmlns:p14="http://schemas.microsoft.com/office/powerpoint/2010/main" xmlns:a16="http://schemas.microsoft.com/office/drawing/2014/main" xmlns="" w="9525">
+                  <a:solidFill>
+                    <a:srgbClr val="000000"/>
+                  </a:solidFill>
+                  <a:miter lim="800000"/>
+                  <a:headEnd/>
+                  <a:tailEnd/>
+                </a14:hiddenLine>
+              </a:ext>
+            </a:extLst>
+          </p:spPr>
+        </p:sp>
+        <p:sp>
+          <p:nvSpPr>
+            <p:cNvPr id="12" name="Freeform 6">
+              <a:extLst>
+                <a:ext uri="{FF2B5EF4-FFF2-40B4-BE49-F238E27FC236}">
+                  <a16:creationId xmlns:a16="http://schemas.microsoft.com/office/drawing/2014/main" id="{3CD7972E-7D38-40EE-A80B-E2A848811EDD}"/>
+                </a:ext>
+              </a:extLst>
+            </p:cNvPr>
+            <p:cNvSpPr>
+              <a:spLocks noEditPoints="1"/>
+            </p:cNvSpPr>
+            <p:nvPr>
+              <p:extLst>
+                <p:ext uri="{386F3935-93C4-4BCD-93E2-E3B085C9AB24}">
+                  <p16:designElem xmlns:p16="http://schemas.microsoft.com/office/powerpoint/2015/main" val="1"/>
+                </p:ext>
+              </p:extLst>
+            </p:nvPr>
+          </p:nvSpPr>
+          <p:spPr bwMode="auto">
+            <a:xfrm>
+              <a:off x="33337" y="2176463"/>
+              <a:ext cx="190500" cy="190500"/>
+            </a:xfrm>
+            <a:custGeom>
+              <a:avLst/>
+              <a:gdLst/>
+              <a:ahLst/>
+              <a:cxnLst/>
+              <a:rect l="0" t="0" r="r" b="b"/>
+              <a:pathLst>
+                <a:path w="40" h="40">
+                  <a:moveTo>
+                    <a:pt x="20" y="40"/>
+                  </a:moveTo>
+                  <a:cubicBezTo>
+                    <a:pt x="9" y="40"/>
+                    <a:pt x="0" y="31"/>
+                    <a:pt x="0" y="20"/>
+                  </a:cubicBezTo>
+                  <a:cubicBezTo>
+                    <a:pt x="0" y="9"/>
+                    <a:pt x="9" y="0"/>
+                    <a:pt x="20" y="0"/>
+                  </a:cubicBezTo>
+                  <a:cubicBezTo>
+                    <a:pt x="31" y="0"/>
+                    <a:pt x="40" y="9"/>
+                    <a:pt x="40" y="20"/>
+                  </a:cubicBezTo>
+                  <a:cubicBezTo>
+                    <a:pt x="40" y="31"/>
+                    <a:pt x="31" y="40"/>
+                    <a:pt x="20" y="40"/>
+                  </a:cubicBezTo>
+                  <a:close/>
+                  <a:moveTo>
+                    <a:pt x="20" y="4"/>
+                  </a:moveTo>
+                  <a:cubicBezTo>
+                    <a:pt x="11" y="4"/>
+                    <a:pt x="4" y="11"/>
+                    <a:pt x="4" y="20"/>
+                  </a:cubicBezTo>
+                  <a:cubicBezTo>
+                    <a:pt x="4" y="29"/>
+                    <a:pt x="11" y="36"/>
+                    <a:pt x="20" y="36"/>
+                  </a:cubicBezTo>
+                  <a:cubicBezTo>
+                    <a:pt x="28" y="36"/>
+                    <a:pt x="36" y="29"/>
+                    <a:pt x="36" y="20"/>
+                  </a:cubicBezTo>
+                  <a:cubicBezTo>
+                    <a:pt x="36" y="11"/>
+                    <a:pt x="28" y="4"/>
+                    <a:pt x="20" y="4"/>
+                  </a:cubicBezTo>
+                  <a:close/>
+                </a:path>
+              </a:pathLst>
+            </a:custGeom>
+            <a:grpFill/>
+            <a:ln>
+              <a:noFill/>
+            </a:ln>
+            <a:extLst>
+              <a:ext uri="{91240B29-F687-4f45-9708-019B960494DF}">
+                <a14:hiddenLine xmlns:a14="http://schemas.microsoft.com/office/drawing/2010/main" xmlns:p14="http://schemas.microsoft.com/office/powerpoint/2010/main" xmlns:a16="http://schemas.microsoft.com/office/drawing/2014/main" xmlns="" w="9525">
+                  <a:solidFill>
+                    <a:srgbClr val="000000"/>
+                  </a:solidFill>
+                  <a:round/>
+                  <a:headEnd/>
+                  <a:tailEnd/>
+                </a14:hiddenLine>
+              </a:ext>
+            </a:extLst>
+          </p:spPr>
+        </p:sp>
+        <p:sp>
+          <p:nvSpPr>
+            <p:cNvPr id="13" name="Freeform 7">
+              <a:extLst>
+                <a:ext uri="{FF2B5EF4-FFF2-40B4-BE49-F238E27FC236}">
+                  <a16:creationId xmlns:a16="http://schemas.microsoft.com/office/drawing/2014/main" id="{524A3B55-746F-419F-8CFF-5F3A4BE14345}"/>
+                </a:ext>
+              </a:extLst>
+            </p:cNvPr>
+            <p:cNvSpPr>
+              <a:spLocks noEditPoints="1"/>
+            </p:cNvSpPr>
+            <p:nvPr>
+              <p:extLst>
+                <p:ext uri="{386F3935-93C4-4BCD-93E2-E3B085C9AB24}">
+                  <p16:designElem xmlns:p16="http://schemas.microsoft.com/office/powerpoint/2015/main" val="1"/>
+                </p:ext>
+              </p:extLst>
+            </p:nvPr>
+          </p:nvSpPr>
+          <p:spPr bwMode="auto">
+            <a:xfrm>
+              <a:off x="28575" y="4021138"/>
+              <a:ext cx="190500" cy="188913"/>
+            </a:xfrm>
+            <a:custGeom>
+              <a:avLst/>
+              <a:gdLst/>
+              <a:ahLst/>
+              <a:cxnLst/>
+              <a:rect l="0" t="0" r="r" b="b"/>
+              <a:pathLst>
+                <a:path w="40" h="40">
+                  <a:moveTo>
+                    <a:pt x="20" y="40"/>
+                  </a:moveTo>
+                  <a:cubicBezTo>
+                    <a:pt x="9" y="40"/>
+                    <a:pt x="0" y="31"/>
+                    <a:pt x="0" y="20"/>
+                  </a:cubicBezTo>
+                  <a:cubicBezTo>
+                    <a:pt x="0" y="9"/>
+                    <a:pt x="9" y="0"/>
+                    <a:pt x="20" y="0"/>
+                  </a:cubicBezTo>
+                  <a:cubicBezTo>
+                    <a:pt x="31" y="0"/>
+                    <a:pt x="40" y="9"/>
+                    <a:pt x="40" y="20"/>
+                  </a:cubicBezTo>
+                  <a:cubicBezTo>
+                    <a:pt x="40" y="31"/>
+                    <a:pt x="31" y="40"/>
+                    <a:pt x="20" y="40"/>
+                  </a:cubicBezTo>
+                  <a:close/>
+                  <a:moveTo>
+                    <a:pt x="20" y="4"/>
+                  </a:moveTo>
+                  <a:cubicBezTo>
+                    <a:pt x="12" y="4"/>
+                    <a:pt x="4" y="11"/>
+                    <a:pt x="4" y="20"/>
+                  </a:cubicBezTo>
+                  <a:cubicBezTo>
+                    <a:pt x="4" y="29"/>
+                    <a:pt x="12" y="36"/>
+                    <a:pt x="20" y="36"/>
+                  </a:cubicBezTo>
+                  <a:cubicBezTo>
+                    <a:pt x="29" y="36"/>
+                    <a:pt x="36" y="29"/>
+                    <a:pt x="36" y="20"/>
+                  </a:cubicBezTo>
+                  <a:cubicBezTo>
+                    <a:pt x="36" y="11"/>
+                    <a:pt x="29" y="4"/>
+                    <a:pt x="20" y="4"/>
+                  </a:cubicBezTo>
+                  <a:close/>
+                </a:path>
+              </a:pathLst>
+            </a:custGeom>
+            <a:grpFill/>
+            <a:ln>
+              <a:noFill/>
+            </a:ln>
+            <a:extLst>
+              <a:ext uri="{91240B29-F687-4f45-9708-019B960494DF}">
+                <a14:hiddenLine xmlns:a14="http://schemas.microsoft.com/office/drawing/2010/main" xmlns:p14="http://schemas.microsoft.com/office/powerpoint/2010/main" xmlns:a16="http://schemas.microsoft.com/office/drawing/2014/main" xmlns="" w="9525">
+                  <a:solidFill>
+                    <a:srgbClr val="000000"/>
+                  </a:solidFill>
+                  <a:round/>
+                  <a:headEnd/>
+                  <a:tailEnd/>
+                </a14:hiddenLine>
+              </a:ext>
+            </a:extLst>
+          </p:spPr>
+        </p:sp>
+        <p:sp>
+          <p:nvSpPr>
+            <p:cNvPr id="14" name="Freeform 8">
+              <a:extLst>
+                <a:ext uri="{FF2B5EF4-FFF2-40B4-BE49-F238E27FC236}">
+                  <a16:creationId xmlns:a16="http://schemas.microsoft.com/office/drawing/2014/main" id="{9C63219B-AD72-4494-935E-F5C70DB5497C}"/>
+                </a:ext>
+              </a:extLst>
+            </p:cNvPr>
+            <p:cNvSpPr/>
+            <p:nvPr>
+              <p:extLst>
+                <p:ext uri="{386F3935-93C4-4BCD-93E2-E3B085C9AB24}">
+                  <p16:designElem xmlns:p16="http://schemas.microsoft.com/office/powerpoint/2015/main" val="1"/>
+                </p:ext>
+              </p:extLst>
+            </p:nvPr>
+          </p:nvSpPr>
+          <p:spPr bwMode="auto">
+            <a:xfrm>
+              <a:off x="200025" y="4763"/>
+              <a:ext cx="369888" cy="1811338"/>
+            </a:xfrm>
+            <a:custGeom>
+              <a:avLst/>
+              <a:gdLst/>
+              <a:ahLst/>
+              <a:cxnLst/>
+              <a:rect l="0" t="0" r="r" b="b"/>
+              <a:pathLst>
+                <a:path w="233" h="1141">
+                  <a:moveTo>
+                    <a:pt x="218" y="1141"/>
+                  </a:moveTo>
+                  <a:lnTo>
+                    <a:pt x="0" y="626"/>
+                  </a:lnTo>
+                  <a:lnTo>
+                    <a:pt x="0" y="0"/>
+                  </a:lnTo>
+                  <a:lnTo>
+                    <a:pt x="15" y="0"/>
+                  </a:lnTo>
+                  <a:lnTo>
+                    <a:pt x="15" y="623"/>
+                  </a:lnTo>
+                  <a:lnTo>
+                    <a:pt x="233" y="1135"/>
+                  </a:lnTo>
+                  <a:lnTo>
+                    <a:pt x="218" y="1141"/>
+                  </a:lnTo>
+                  <a:close/>
+                </a:path>
+              </a:pathLst>
+            </a:custGeom>
+            <a:grpFill/>
+            <a:ln>
+              <a:noFill/>
+            </a:ln>
+            <a:extLst>
+              <a:ext uri="{91240B29-F687-4f45-9708-019B960494DF}">
+                <a14:hiddenLine xmlns:a14="http://schemas.microsoft.com/office/drawing/2010/main" xmlns:p14="http://schemas.microsoft.com/office/powerpoint/2010/main" xmlns:a16="http://schemas.microsoft.com/office/drawing/2014/main" xmlns="" w="9525">
+                  <a:solidFill>
+                    <a:srgbClr val="000000"/>
+                  </a:solidFill>
+                  <a:round/>
+                  <a:headEnd/>
+                  <a:tailEnd/>
+                </a14:hiddenLine>
+              </a:ext>
+            </a:extLst>
+          </p:spPr>
+        </p:sp>
+        <p:sp>
+          <p:nvSpPr>
+            <p:cNvPr id="15" name="Freeform 9">
+              <a:extLst>
+                <a:ext uri="{FF2B5EF4-FFF2-40B4-BE49-F238E27FC236}">
+                  <a16:creationId xmlns:a16="http://schemas.microsoft.com/office/drawing/2014/main" id="{15B41FD2-05E2-44E7-8760-09E65D1C6034}"/>
+                </a:ext>
+              </a:extLst>
+            </p:cNvPr>
+            <p:cNvSpPr>
+              <a:spLocks noEditPoints="1"/>
+            </p:cNvSpPr>
+            <p:nvPr>
+              <p:extLst>
+                <p:ext uri="{386F3935-93C4-4BCD-93E2-E3B085C9AB24}">
+                  <p16:designElem xmlns:p16="http://schemas.microsoft.com/office/powerpoint/2015/main" val="1"/>
+                </p:ext>
+              </p:extLst>
+            </p:nvPr>
+          </p:nvSpPr>
+          <p:spPr bwMode="auto">
+            <a:xfrm>
+              <a:off x="503237" y="1801813"/>
+              <a:ext cx="190500" cy="188913"/>
+            </a:xfrm>
+            <a:custGeom>
+              <a:avLst/>
+              <a:gdLst/>
+              <a:ahLst/>
+              <a:cxnLst/>
+              <a:rect l="0" t="0" r="r" b="b"/>
+              <a:pathLst>
+                <a:path w="40" h="40">
+                  <a:moveTo>
+                    <a:pt x="20" y="40"/>
+                  </a:moveTo>
+                  <a:cubicBezTo>
+                    <a:pt x="9" y="40"/>
+                    <a:pt x="0" y="31"/>
+                    <a:pt x="0" y="20"/>
+                  </a:cubicBezTo>
+                  <a:cubicBezTo>
+                    <a:pt x="0" y="9"/>
+                    <a:pt x="9" y="0"/>
+                    <a:pt x="20" y="0"/>
+                  </a:cubicBezTo>
+                  <a:cubicBezTo>
+                    <a:pt x="33" y="0"/>
+                    <a:pt x="40" y="6"/>
+                    <a:pt x="40" y="20"/>
+                  </a:cubicBezTo>
+                  <a:cubicBezTo>
+                    <a:pt x="40" y="31"/>
+                    <a:pt x="31" y="40"/>
+                    <a:pt x="20" y="40"/>
+                  </a:cubicBezTo>
+                  <a:close/>
+                  <a:moveTo>
+                    <a:pt x="20" y="4"/>
+                  </a:moveTo>
+                  <a:cubicBezTo>
+                    <a:pt x="11" y="4"/>
+                    <a:pt x="4" y="11"/>
+                    <a:pt x="4" y="20"/>
+                  </a:cubicBezTo>
+                  <a:cubicBezTo>
+                    <a:pt x="4" y="29"/>
+                    <a:pt x="11" y="36"/>
+                    <a:pt x="20" y="36"/>
+                  </a:cubicBezTo>
+                  <a:cubicBezTo>
+                    <a:pt x="28" y="36"/>
+                    <a:pt x="36" y="29"/>
+                    <a:pt x="36" y="20"/>
+                  </a:cubicBezTo>
+                  <a:cubicBezTo>
+                    <a:pt x="36" y="9"/>
+                    <a:pt x="31" y="4"/>
+                    <a:pt x="20" y="4"/>
+                  </a:cubicBezTo>
+                  <a:close/>
+                </a:path>
+              </a:pathLst>
+            </a:custGeom>
+            <a:grpFill/>
+            <a:ln>
+              <a:noFill/>
+            </a:ln>
+            <a:extLst>
+              <a:ext uri="{91240B29-F687-4f45-9708-019B960494DF}">
+                <a14:hiddenLine xmlns:a14="http://schemas.microsoft.com/office/drawing/2010/main" xmlns:p14="http://schemas.microsoft.com/office/powerpoint/2010/main" xmlns:a16="http://schemas.microsoft.com/office/drawing/2014/main" xmlns="" w="9525">
+                  <a:solidFill>
+                    <a:srgbClr val="000000"/>
+                  </a:solidFill>
+                  <a:round/>
+                  <a:headEnd/>
+                  <a:tailEnd/>
+                </a14:hiddenLine>
+              </a:ext>
+            </a:extLst>
+          </p:spPr>
+        </p:sp>
+        <p:sp>
+          <p:nvSpPr>
+            <p:cNvPr id="16" name="Freeform 10">
+              <a:extLst>
+                <a:ext uri="{FF2B5EF4-FFF2-40B4-BE49-F238E27FC236}">
+                  <a16:creationId xmlns:a16="http://schemas.microsoft.com/office/drawing/2014/main" id="{FE6D63D0-3347-4EE2-8F65-F1C32168FA22}"/>
+                </a:ext>
+              </a:extLst>
+            </p:cNvPr>
+            <p:cNvSpPr/>
+            <p:nvPr>
+              <p:extLst>
+                <p:ext uri="{386F3935-93C4-4BCD-93E2-E3B085C9AB24}">
+                  <p16:designElem xmlns:p16="http://schemas.microsoft.com/office/powerpoint/2015/main" val="1"/>
+                </p:ext>
+              </p:extLst>
+            </p:nvPr>
+          </p:nvSpPr>
+          <p:spPr bwMode="auto">
+            <a:xfrm>
+              <a:off x="285750" y="4763"/>
+              <a:ext cx="369888" cy="1430338"/>
+            </a:xfrm>
+            <a:custGeom>
+              <a:avLst/>
+              <a:gdLst/>
+              <a:ahLst/>
+              <a:cxnLst/>
+              <a:rect l="0" t="0" r="r" b="b"/>
+              <a:pathLst>
+                <a:path w="233" h="901">
+                  <a:moveTo>
+                    <a:pt x="221" y="901"/>
+                  </a:moveTo>
+                  <a:lnTo>
+                    <a:pt x="0" y="383"/>
+                  </a:lnTo>
+                  <a:lnTo>
+                    <a:pt x="0" y="0"/>
+                  </a:lnTo>
+                  <a:lnTo>
+                    <a:pt x="18" y="0"/>
+                  </a:lnTo>
+                  <a:lnTo>
+                    <a:pt x="18" y="380"/>
+                  </a:lnTo>
+                  <a:lnTo>
+                    <a:pt x="233" y="895"/>
+                  </a:lnTo>
+                  <a:lnTo>
+                    <a:pt x="221" y="901"/>
+                  </a:lnTo>
+                  <a:close/>
+                </a:path>
+              </a:pathLst>
+            </a:custGeom>
+            <a:grpFill/>
+            <a:ln>
+              <a:noFill/>
+            </a:ln>
+            <a:extLst>
+              <a:ext uri="{91240B29-F687-4f45-9708-019B960494DF}">
+                <a14:hiddenLine xmlns:a14="http://schemas.microsoft.com/office/drawing/2010/main" xmlns:p14="http://schemas.microsoft.com/office/powerpoint/2010/main" xmlns:a16="http://schemas.microsoft.com/office/drawing/2014/main" xmlns="" w="9525">
+                  <a:solidFill>
+                    <a:srgbClr val="000000"/>
+                  </a:solidFill>
+                  <a:round/>
+                  <a:headEnd/>
+                  <a:tailEnd/>
+                </a14:hiddenLine>
+              </a:ext>
+            </a:extLst>
+          </p:spPr>
+        </p:sp>
+        <p:sp>
+          <p:nvSpPr>
+            <p:cNvPr id="17" name="Freeform 11">
+              <a:extLst>
+                <a:ext uri="{FF2B5EF4-FFF2-40B4-BE49-F238E27FC236}">
+                  <a16:creationId xmlns:a16="http://schemas.microsoft.com/office/drawing/2014/main" id="{538A46A3-DB16-45D5-B636-03EFE39FE96C}"/>
+                </a:ext>
+              </a:extLst>
+            </p:cNvPr>
+            <p:cNvSpPr/>
+            <p:nvPr>
+              <p:extLst>
+                <p:ext uri="{386F3935-93C4-4BCD-93E2-E3B085C9AB24}">
+                  <p16:designElem xmlns:p16="http://schemas.microsoft.com/office/powerpoint/2015/main" val="1"/>
+                </p:ext>
+              </p:extLst>
+            </p:nvPr>
+          </p:nvSpPr>
+          <p:spPr bwMode="auto">
+            <a:xfrm>
+              <a:off x="546100" y="0"/>
+              <a:ext cx="152400" cy="912813"/>
+            </a:xfrm>
+            <a:custGeom>
+              <a:avLst/>
+              <a:gdLst/>
+              <a:ahLst/>
+              <a:cxnLst/>
+              <a:rect l="0" t="0" r="r" b="b"/>
+              <a:pathLst>
+                <a:path w="96" h="575">
+                  <a:moveTo>
+                    <a:pt x="96" y="575"/>
+                  </a:moveTo>
+                  <a:lnTo>
+                    <a:pt x="78" y="575"/>
+                  </a:lnTo>
+                  <a:lnTo>
+                    <a:pt x="78" y="192"/>
+                  </a:lnTo>
+                  <a:lnTo>
+                    <a:pt x="0" y="6"/>
+                  </a:lnTo>
+                  <a:lnTo>
+                    <a:pt x="15" y="0"/>
+                  </a:lnTo>
+                  <a:lnTo>
+                    <a:pt x="96" y="189"/>
+                  </a:lnTo>
+                  <a:lnTo>
+                    <a:pt x="96" y="575"/>
+                  </a:lnTo>
+                  <a:close/>
+                </a:path>
+              </a:pathLst>
+            </a:custGeom>
+            <a:grpFill/>
+            <a:ln>
+              <a:noFill/>
+            </a:ln>
+            <a:extLst>
+              <a:ext uri="{91240B29-F687-4f45-9708-019B960494DF}">
+                <a14:hiddenLine xmlns:a14="http://schemas.microsoft.com/office/drawing/2010/main" xmlns:p14="http://schemas.microsoft.com/office/powerpoint/2010/main" xmlns:a16="http://schemas.microsoft.com/office/drawing/2014/main" xmlns="" w="9525">
+                  <a:solidFill>
+                    <a:srgbClr val="000000"/>
+                  </a:solidFill>
+                  <a:round/>
+                  <a:headEnd/>
+                  <a:tailEnd/>
+                </a14:hiddenLine>
+              </a:ext>
+            </a:extLst>
+          </p:spPr>
+        </p:sp>
+        <p:sp>
+          <p:nvSpPr>
+            <p:cNvPr id="18" name="Freeform 12">
+              <a:extLst>
+                <a:ext uri="{FF2B5EF4-FFF2-40B4-BE49-F238E27FC236}">
+                  <a16:creationId xmlns:a16="http://schemas.microsoft.com/office/drawing/2014/main" id="{0B8A2B0E-823F-4BE8-9359-45143BB1248E}"/>
+                </a:ext>
+              </a:extLst>
+            </p:cNvPr>
+            <p:cNvSpPr>
+              <a:spLocks noEditPoints="1"/>
+            </p:cNvSpPr>
+            <p:nvPr>
+              <p:extLst>
+                <p:ext uri="{386F3935-93C4-4BCD-93E2-E3B085C9AB24}">
+                  <p16:designElem xmlns:p16="http://schemas.microsoft.com/office/powerpoint/2015/main" val="1"/>
+                </p:ext>
+              </p:extLst>
+            </p:nvPr>
+          </p:nvSpPr>
+          <p:spPr bwMode="auto">
+            <a:xfrm>
+              <a:off x="588962" y="1420813"/>
+              <a:ext cx="190500" cy="190500"/>
+            </a:xfrm>
+            <a:custGeom>
+              <a:avLst/>
+              <a:gdLst/>
+              <a:ahLst/>
+              <a:cxnLst/>
+              <a:rect l="0" t="0" r="r" b="b"/>
+              <a:pathLst>
+                <a:path w="40" h="40">
+                  <a:moveTo>
+                    <a:pt x="20" y="40"/>
+                  </a:moveTo>
+                  <a:cubicBezTo>
+                    <a:pt x="9" y="40"/>
+                    <a:pt x="0" y="31"/>
+                    <a:pt x="0" y="20"/>
+                  </a:cubicBezTo>
+                  <a:cubicBezTo>
+                    <a:pt x="0" y="9"/>
+                    <a:pt x="9" y="0"/>
+                    <a:pt x="20" y="0"/>
+                  </a:cubicBezTo>
+                  <a:cubicBezTo>
+                    <a:pt x="33" y="0"/>
+                    <a:pt x="40" y="7"/>
+                    <a:pt x="40" y="20"/>
+                  </a:cubicBezTo>
+                  <a:cubicBezTo>
+                    <a:pt x="40" y="31"/>
+                    <a:pt x="31" y="40"/>
+                    <a:pt x="20" y="40"/>
+                  </a:cubicBezTo>
+                  <a:close/>
+                  <a:moveTo>
+                    <a:pt x="20" y="4"/>
+                  </a:moveTo>
+                  <a:cubicBezTo>
+                    <a:pt x="11" y="4"/>
+                    <a:pt x="4" y="11"/>
+                    <a:pt x="4" y="20"/>
+                  </a:cubicBezTo>
+                  <a:cubicBezTo>
+                    <a:pt x="4" y="29"/>
+                    <a:pt x="11" y="36"/>
+                    <a:pt x="20" y="36"/>
+                  </a:cubicBezTo>
+                  <a:cubicBezTo>
+                    <a:pt x="29" y="36"/>
+                    <a:pt x="36" y="29"/>
+                    <a:pt x="36" y="20"/>
+                  </a:cubicBezTo>
+                  <a:cubicBezTo>
+                    <a:pt x="36" y="9"/>
+                    <a:pt x="31" y="4"/>
+                    <a:pt x="20" y="4"/>
+                  </a:cubicBezTo>
+                  <a:close/>
+                </a:path>
+              </a:pathLst>
+            </a:custGeom>
+            <a:grpFill/>
+            <a:ln>
+              <a:noFill/>
+            </a:ln>
+            <a:extLst>
+              <a:ext uri="{91240B29-F687-4f45-9708-019B960494DF}">
+                <a14:hiddenLine xmlns:a14="http://schemas.microsoft.com/office/drawing/2010/main" xmlns:p14="http://schemas.microsoft.com/office/powerpoint/2010/main" xmlns:a16="http://schemas.microsoft.com/office/drawing/2014/main" xmlns="" w="9525">
+                  <a:solidFill>
+                    <a:srgbClr val="000000"/>
+                  </a:solidFill>
+                  <a:round/>
+                  <a:headEnd/>
+                  <a:tailEnd/>
+                </a14:hiddenLine>
+              </a:ext>
+            </a:extLst>
+          </p:spPr>
+        </p:sp>
+        <p:sp>
+          <p:nvSpPr>
+            <p:cNvPr id="19" name="Freeform 13">
+              <a:extLst>
+                <a:ext uri="{FF2B5EF4-FFF2-40B4-BE49-F238E27FC236}">
+                  <a16:creationId xmlns:a16="http://schemas.microsoft.com/office/drawing/2014/main" id="{44516B3C-A8BE-46FC-B643-3DFEB7F28386}"/>
+                </a:ext>
+              </a:extLst>
+            </p:cNvPr>
+            <p:cNvSpPr>
+              <a:spLocks noEditPoints="1"/>
+            </p:cNvSpPr>
+            <p:nvPr>
+              <p:extLst>
+                <p:ext uri="{386F3935-93C4-4BCD-93E2-E3B085C9AB24}">
+                  <p16:designElem xmlns:p16="http://schemas.microsoft.com/office/powerpoint/2015/main" val="1"/>
+                </p:ext>
+              </p:extLst>
+            </p:nvPr>
+          </p:nvSpPr>
+          <p:spPr bwMode="auto">
+            <a:xfrm>
+              <a:off x="588962" y="903288"/>
+              <a:ext cx="190500" cy="190500"/>
+            </a:xfrm>
+            <a:custGeom>
+              <a:avLst/>
+              <a:gdLst/>
+              <a:ahLst/>
+              <a:cxnLst/>
+              <a:rect l="0" t="0" r="r" b="b"/>
+              <a:pathLst>
+                <a:path w="40" h="40">
+                  <a:moveTo>
+                    <a:pt x="20" y="40"/>
+                  </a:moveTo>
+                  <a:cubicBezTo>
+                    <a:pt x="9" y="40"/>
+                    <a:pt x="0" y="31"/>
+                    <a:pt x="0" y="20"/>
+                  </a:cubicBezTo>
+                  <a:cubicBezTo>
+                    <a:pt x="0" y="9"/>
+                    <a:pt x="9" y="0"/>
+                    <a:pt x="20" y="0"/>
+                  </a:cubicBezTo>
+                  <a:cubicBezTo>
+                    <a:pt x="31" y="0"/>
+                    <a:pt x="40" y="9"/>
+                    <a:pt x="40" y="20"/>
+                  </a:cubicBezTo>
+                  <a:cubicBezTo>
+                    <a:pt x="40" y="31"/>
+                    <a:pt x="31" y="40"/>
+                    <a:pt x="20" y="40"/>
+                  </a:cubicBezTo>
+                  <a:close/>
+                  <a:moveTo>
+                    <a:pt x="20" y="4"/>
+                  </a:moveTo>
+                  <a:cubicBezTo>
+                    <a:pt x="11" y="4"/>
+                    <a:pt x="4" y="11"/>
+                    <a:pt x="4" y="20"/>
+                  </a:cubicBezTo>
+                  <a:cubicBezTo>
+                    <a:pt x="4" y="29"/>
+                    <a:pt x="11" y="36"/>
+                    <a:pt x="20" y="36"/>
+                  </a:cubicBezTo>
+                  <a:cubicBezTo>
+                    <a:pt x="29" y="36"/>
+                    <a:pt x="36" y="29"/>
+                    <a:pt x="36" y="20"/>
+                  </a:cubicBezTo>
+                  <a:cubicBezTo>
+                    <a:pt x="36" y="11"/>
+                    <a:pt x="29" y="4"/>
+                    <a:pt x="20" y="4"/>
+                  </a:cubicBezTo>
+                  <a:close/>
+                </a:path>
+              </a:pathLst>
+            </a:custGeom>
+            <a:grpFill/>
+            <a:ln>
+              <a:noFill/>
+            </a:ln>
+            <a:extLst>
+              <a:ext uri="{91240B29-F687-4f45-9708-019B960494DF}">
+                <a14:hiddenLine xmlns:a14="http://schemas.microsoft.com/office/drawing/2010/main" xmlns:p14="http://schemas.microsoft.com/office/powerpoint/2010/main" xmlns:a16="http://schemas.microsoft.com/office/drawing/2014/main" xmlns="" w="9525">
+                  <a:solidFill>
+                    <a:srgbClr val="000000"/>
+                  </a:solidFill>
+                  <a:round/>
+                  <a:headEnd/>
+                  <a:tailEnd/>
+                </a14:hiddenLine>
+              </a:ext>
+            </a:extLst>
+          </p:spPr>
+        </p:sp>
+        <p:sp>
+          <p:nvSpPr>
+            <p:cNvPr id="20" name="Freeform 14">
+              <a:extLst>
+                <a:ext uri="{FF2B5EF4-FFF2-40B4-BE49-F238E27FC236}">
+                  <a16:creationId xmlns:a16="http://schemas.microsoft.com/office/drawing/2014/main" id="{59FD699C-3920-4E57-BE27-165A3F036C20}"/>
+                </a:ext>
+              </a:extLst>
+            </p:cNvPr>
+            <p:cNvSpPr/>
+            <p:nvPr>
+              <p:extLst>
+                <p:ext uri="{386F3935-93C4-4BCD-93E2-E3B085C9AB24}">
+                  <p16:designElem xmlns:p16="http://schemas.microsoft.com/office/powerpoint/2015/main" val="1"/>
+                </p:ext>
+              </p:extLst>
+            </p:nvPr>
+          </p:nvSpPr>
+          <p:spPr bwMode="auto">
+            <a:xfrm>
+              <a:off x="641350" y="0"/>
+              <a:ext cx="422275" cy="527050"/>
+            </a:xfrm>
+            <a:custGeom>
+              <a:avLst/>
+              <a:gdLst/>
+              <a:ahLst/>
+              <a:cxnLst/>
+              <a:rect l="0" t="0" r="r" b="b"/>
+              <a:pathLst>
+                <a:path w="266" h="332">
+                  <a:moveTo>
+                    <a:pt x="257" y="332"/>
+                  </a:moveTo>
+                  <a:lnTo>
+                    <a:pt x="48" y="123"/>
+                  </a:lnTo>
+                  <a:lnTo>
+                    <a:pt x="0" y="6"/>
+                  </a:lnTo>
+                  <a:lnTo>
+                    <a:pt x="15" y="0"/>
+                  </a:lnTo>
+                  <a:lnTo>
+                    <a:pt x="63" y="114"/>
+                  </a:lnTo>
+                  <a:lnTo>
+                    <a:pt x="266" y="320"/>
+                  </a:lnTo>
+                  <a:lnTo>
+                    <a:pt x="257" y="332"/>
+                  </a:lnTo>
+                  <a:close/>
+                </a:path>
+              </a:pathLst>
+            </a:custGeom>
+            <a:grpFill/>
+            <a:ln>
+              <a:noFill/>
+            </a:ln>
+            <a:extLst>
+              <a:ext uri="{91240B29-F687-4f45-9708-019B960494DF}">
+                <a14:hiddenLine xmlns:a14="http://schemas.microsoft.com/office/drawing/2010/main" xmlns:p14="http://schemas.microsoft.com/office/powerpoint/2010/main" xmlns:a16="http://schemas.microsoft.com/office/drawing/2014/main" xmlns="" w="9525">
+                  <a:solidFill>
+                    <a:srgbClr val="000000"/>
+                  </a:solidFill>
+                  <a:round/>
+                  <a:headEnd/>
+                  <a:tailEnd/>
+                </a14:hiddenLine>
+              </a:ext>
+            </a:extLst>
+          </p:spPr>
+        </p:sp>
+        <p:sp>
+          <p:nvSpPr>
+            <p:cNvPr id="21" name="Freeform 15">
+              <a:extLst>
+                <a:ext uri="{FF2B5EF4-FFF2-40B4-BE49-F238E27FC236}">
+                  <a16:creationId xmlns:a16="http://schemas.microsoft.com/office/drawing/2014/main" id="{0FB0C02E-3F53-4889-8ADF-80DBC43F693C}"/>
+                </a:ext>
+              </a:extLst>
+            </p:cNvPr>
+            <p:cNvSpPr>
+              <a:spLocks noEditPoints="1"/>
+            </p:cNvSpPr>
+            <p:nvPr>
+              <p:extLst>
+                <p:ext uri="{386F3935-93C4-4BCD-93E2-E3B085C9AB24}">
+                  <p16:designElem xmlns:p16="http://schemas.microsoft.com/office/powerpoint/2015/main" val="1"/>
+                </p:ext>
+              </p:extLst>
+            </p:nvPr>
+          </p:nvSpPr>
+          <p:spPr bwMode="auto">
+            <a:xfrm>
+              <a:off x="1020762" y="488950"/>
+              <a:ext cx="161925" cy="147638"/>
+            </a:xfrm>
+            <a:custGeom>
+              <a:avLst/>
+              <a:gdLst/>
+              <a:ahLst/>
+              <a:cxnLst/>
+              <a:rect l="0" t="0" r="r" b="b"/>
+              <a:pathLst>
+                <a:path w="34" h="31">
+                  <a:moveTo>
+                    <a:pt x="17" y="31"/>
+                  </a:moveTo>
+                  <a:cubicBezTo>
+                    <a:pt x="13" y="31"/>
+                    <a:pt x="9" y="30"/>
+                    <a:pt x="6" y="27"/>
+                  </a:cubicBezTo>
+                  <a:cubicBezTo>
+                    <a:pt x="0" y="20"/>
+                    <a:pt x="0" y="10"/>
+                    <a:pt x="6" y="4"/>
+                  </a:cubicBezTo>
+                  <a:cubicBezTo>
+                    <a:pt x="9" y="1"/>
+                    <a:pt x="13" y="0"/>
+                    <a:pt x="17" y="0"/>
+                  </a:cubicBezTo>
+                  <a:cubicBezTo>
+                    <a:pt x="21" y="0"/>
+                    <a:pt x="25" y="1"/>
+                    <a:pt x="28" y="4"/>
+                  </a:cubicBezTo>
+                  <a:cubicBezTo>
+                    <a:pt x="34" y="10"/>
+                    <a:pt x="34" y="20"/>
+                    <a:pt x="28" y="27"/>
+                  </a:cubicBezTo>
+                  <a:cubicBezTo>
+                    <a:pt x="25" y="30"/>
+                    <a:pt x="21" y="31"/>
+                    <a:pt x="17" y="31"/>
+                  </a:cubicBezTo>
+                  <a:close/>
+                  <a:moveTo>
+                    <a:pt x="17" y="4"/>
+                  </a:moveTo>
+                  <a:cubicBezTo>
+                    <a:pt x="14" y="4"/>
+                    <a:pt x="11" y="5"/>
+                    <a:pt x="9" y="7"/>
+                  </a:cubicBezTo>
+                  <a:cubicBezTo>
+                    <a:pt x="4" y="12"/>
+                    <a:pt x="4" y="19"/>
+                    <a:pt x="9" y="24"/>
+                  </a:cubicBezTo>
+                  <a:cubicBezTo>
+                    <a:pt x="11" y="26"/>
+                    <a:pt x="14" y="27"/>
+                    <a:pt x="17" y="27"/>
+                  </a:cubicBezTo>
+                  <a:cubicBezTo>
+                    <a:pt x="20" y="27"/>
+                    <a:pt x="23" y="26"/>
+                    <a:pt x="25" y="24"/>
+                  </a:cubicBezTo>
+                  <a:cubicBezTo>
+                    <a:pt x="30" y="19"/>
+                    <a:pt x="30" y="12"/>
+                    <a:pt x="25" y="7"/>
+                  </a:cubicBezTo>
+                  <a:cubicBezTo>
+                    <a:pt x="23" y="5"/>
+                    <a:pt x="20" y="4"/>
+                    <a:pt x="17" y="4"/>
+                  </a:cubicBezTo>
+                  <a:close/>
+                </a:path>
+              </a:pathLst>
+            </a:custGeom>
+            <a:grpFill/>
+            <a:ln>
+              <a:noFill/>
+            </a:ln>
+            <a:extLst>
+              <a:ext uri="{91240B29-F687-4f45-9708-019B960494DF}">
+                <a14:hiddenLine xmlns:a14="http://schemas.microsoft.com/office/drawing/2010/main" xmlns:p14="http://schemas.microsoft.com/office/powerpoint/2010/main" xmlns:a16="http://schemas.microsoft.com/office/drawing/2014/main" xmlns="" w="9525">
+                  <a:solidFill>
+                    <a:srgbClr val="000000"/>
+                  </a:solidFill>
+                  <a:round/>
+                  <a:headEnd/>
+                  <a:tailEnd/>
+                </a14:hiddenLine>
+              </a:ext>
+            </a:extLst>
+          </p:spPr>
+        </p:sp>
+        <p:sp>
+          <p:nvSpPr>
+            <p:cNvPr id="22" name="Line 16">
+              <a:extLst>
+                <a:ext uri="{FF2B5EF4-FFF2-40B4-BE49-F238E27FC236}">
+                  <a16:creationId xmlns:a16="http://schemas.microsoft.com/office/drawing/2014/main" id="{F8A0C89C-946F-4BCD-8A27-BB73E37FE525}"/>
+                </a:ext>
+              </a:extLst>
+            </p:cNvPr>
+            <p:cNvSpPr>
+              <a:spLocks noChangeShapeType="1"/>
+            </p:cNvSpPr>
+            <p:nvPr>
+              <p:extLst>
+                <p:ext uri="{386F3935-93C4-4BCD-93E2-E3B085C9AB24}">
+                  <p16:designElem xmlns:p16="http://schemas.microsoft.com/office/powerpoint/2015/main" val="1"/>
+                </p:ext>
+              </p:extLst>
+            </p:nvPr>
+          </p:nvSpPr>
+          <p:spPr bwMode="auto">
+            <a:xfrm>
+              <a:off x="-4763" y="9525"/>
+              <a:ext cx="0" cy="0"/>
+            </a:xfrm>
+            <a:prstGeom prst="line">
+              <a:avLst/>
+            </a:prstGeom>
+            <a:grpFill/>
+            <a:ln w="15" cap="flat">
+              <a:solidFill>
+                <a:srgbClr val="FFFFFF"/>
+              </a:solidFill>
+              <a:prstDash val="solid"/>
+              <a:miter lim="800000"/>
+              <a:headEnd/>
+              <a:tailEnd/>
+            </a:ln>
+          </p:spPr>
+        </p:sp>
+        <p:sp>
+          <p:nvSpPr>
+            <p:cNvPr id="23" name="Freeform 17">
+              <a:extLst>
+                <a:ext uri="{FF2B5EF4-FFF2-40B4-BE49-F238E27FC236}">
+                  <a16:creationId xmlns:a16="http://schemas.microsoft.com/office/drawing/2014/main" id="{70C83EAF-4E92-4849-A240-B257871DC033}"/>
+                </a:ext>
+              </a:extLst>
+            </p:cNvPr>
+            <p:cNvSpPr/>
+            <p:nvPr>
+              <p:extLst>
+                <p:ext uri="{386F3935-93C4-4BCD-93E2-E3B085C9AB24}">
+                  <p16:designElem xmlns:p16="http://schemas.microsoft.com/office/powerpoint/2015/main" val="1"/>
+                </p:ext>
+              </p:extLst>
+            </p:nvPr>
+          </p:nvSpPr>
+          <p:spPr bwMode="auto">
+            <a:xfrm>
+              <a:off x="9525" y="1801813"/>
+              <a:ext cx="123825" cy="127000"/>
+            </a:xfrm>
+            <a:custGeom>
+              <a:avLst/>
+              <a:gdLst/>
+              <a:ahLst/>
+              <a:cxnLst/>
+              <a:rect l="0" t="0" r="r" b="b"/>
+              <a:pathLst>
+                <a:path w="78" h="80">
+                  <a:moveTo>
+                    <a:pt x="6" y="80"/>
+                  </a:moveTo>
+                  <a:lnTo>
+                    <a:pt x="0" y="71"/>
+                  </a:lnTo>
+                  <a:lnTo>
+                    <a:pt x="69" y="0"/>
+                  </a:lnTo>
+                  <a:lnTo>
+                    <a:pt x="78" y="9"/>
+                  </a:lnTo>
+                  <a:lnTo>
+                    <a:pt x="6" y="80"/>
+                  </a:lnTo>
+                  <a:close/>
+                </a:path>
+              </a:pathLst>
+            </a:custGeom>
+            <a:grpFill/>
+            <a:ln>
+              <a:noFill/>
+            </a:ln>
+            <a:extLst>
+              <a:ext uri="{91240B29-F687-4f45-9708-019B960494DF}">
+                <a14:hiddenLine xmlns:a14="http://schemas.microsoft.com/office/drawing/2010/main" xmlns:p14="http://schemas.microsoft.com/office/powerpoint/2010/main" xmlns:a16="http://schemas.microsoft.com/office/drawing/2014/main" xmlns="" w="9525">
+                  <a:solidFill>
+                    <a:srgbClr val="000000"/>
+                  </a:solidFill>
+                  <a:round/>
+                  <a:headEnd/>
+                  <a:tailEnd/>
+                </a14:hiddenLine>
+              </a:ext>
+            </a:extLst>
+          </p:spPr>
+        </p:sp>
+        <p:sp>
+          <p:nvSpPr>
+            <p:cNvPr id="24" name="Freeform 18">
+              <a:extLst>
+                <a:ext uri="{FF2B5EF4-FFF2-40B4-BE49-F238E27FC236}">
+                  <a16:creationId xmlns:a16="http://schemas.microsoft.com/office/drawing/2014/main" id="{320FD164-4D7A-469C-B3F4-B926BFACF53D}"/>
+                </a:ext>
+              </a:extLst>
+            </p:cNvPr>
+            <p:cNvSpPr/>
+            <p:nvPr>
+              <p:extLst>
+                <p:ext uri="{386F3935-93C4-4BCD-93E2-E3B085C9AB24}">
+                  <p16:designElem xmlns:p16="http://schemas.microsoft.com/office/powerpoint/2015/main" val="1"/>
+                </p:ext>
+              </p:extLst>
+            </p:nvPr>
+          </p:nvSpPr>
+          <p:spPr bwMode="auto">
+            <a:xfrm>
+              <a:off x="-9525" y="3549650"/>
+              <a:ext cx="147638" cy="481013"/>
+            </a:xfrm>
+            <a:custGeom>
+              <a:avLst/>
+              <a:gdLst/>
+              <a:ahLst/>
+              <a:cxnLst/>
+              <a:rect l="0" t="0" r="r" b="b"/>
+              <a:pathLst>
+                <a:path w="93" h="303">
+                  <a:moveTo>
+                    <a:pt x="93" y="303"/>
+                  </a:moveTo>
+                  <a:lnTo>
+                    <a:pt x="78" y="303"/>
+                  </a:lnTo>
+                  <a:lnTo>
+                    <a:pt x="78" y="78"/>
+                  </a:lnTo>
+                  <a:lnTo>
+                    <a:pt x="0" y="12"/>
+                  </a:lnTo>
+                  <a:lnTo>
+                    <a:pt x="12" y="0"/>
+                  </a:lnTo>
+                  <a:lnTo>
+                    <a:pt x="93" y="69"/>
+                  </a:lnTo>
+                  <a:lnTo>
+                    <a:pt x="93" y="303"/>
+                  </a:lnTo>
+                  <a:close/>
+                </a:path>
+              </a:pathLst>
+            </a:custGeom>
+            <a:grpFill/>
+            <a:ln>
+              <a:noFill/>
+            </a:ln>
+            <a:extLst>
+              <a:ext uri="{91240B29-F687-4f45-9708-019B960494DF}">
+                <a14:hiddenLine xmlns:a14="http://schemas.microsoft.com/office/drawing/2010/main" xmlns:p14="http://schemas.microsoft.com/office/powerpoint/2010/main" xmlns:a16="http://schemas.microsoft.com/office/drawing/2014/main" xmlns="" w="9525">
+                  <a:solidFill>
+                    <a:srgbClr val="000000"/>
+                  </a:solidFill>
+                  <a:round/>
+                  <a:headEnd/>
+                  <a:tailEnd/>
+                </a14:hiddenLine>
+              </a:ext>
+            </a:extLst>
+          </p:spPr>
+        </p:sp>
+        <p:sp>
+          <p:nvSpPr>
+            <p:cNvPr id="25" name="Freeform 19">
+              <a:extLst>
+                <a:ext uri="{FF2B5EF4-FFF2-40B4-BE49-F238E27FC236}">
+                  <a16:creationId xmlns:a16="http://schemas.microsoft.com/office/drawing/2014/main" id="{F6E14D9A-4E63-48FF-95C5-9E8DDFF86C45}"/>
+                </a:ext>
+              </a:extLst>
+            </p:cNvPr>
+            <p:cNvSpPr/>
+            <p:nvPr>
+              <p:extLst>
+                <p:ext uri="{386F3935-93C4-4BCD-93E2-E3B085C9AB24}">
+                  <p16:designElem xmlns:p16="http://schemas.microsoft.com/office/powerpoint/2015/main" val="1"/>
+                </p:ext>
+              </p:extLst>
+            </p:nvPr>
+          </p:nvSpPr>
+          <p:spPr bwMode="auto">
+            <a:xfrm>
+              <a:off x="128587" y="1382713"/>
+              <a:ext cx="142875" cy="476250"/>
+            </a:xfrm>
+            <a:custGeom>
+              <a:avLst/>
+              <a:gdLst/>
+              <a:ahLst/>
+              <a:cxnLst/>
+              <a:rect l="0" t="0" r="r" b="b"/>
+              <a:pathLst>
+                <a:path w="90" h="300">
+                  <a:moveTo>
+                    <a:pt x="90" y="300"/>
+                  </a:moveTo>
+                  <a:lnTo>
+                    <a:pt x="78" y="300"/>
+                  </a:lnTo>
+                  <a:lnTo>
+                    <a:pt x="78" y="84"/>
+                  </a:lnTo>
+                  <a:lnTo>
+                    <a:pt x="0" y="9"/>
+                  </a:lnTo>
+                  <a:lnTo>
+                    <a:pt x="9" y="0"/>
+                  </a:lnTo>
+                  <a:lnTo>
+                    <a:pt x="90" y="81"/>
+                  </a:lnTo>
+                  <a:lnTo>
+                    <a:pt x="90" y="300"/>
+                  </a:lnTo>
+                  <a:close/>
+                </a:path>
+              </a:pathLst>
+            </a:custGeom>
+            <a:grpFill/>
+            <a:ln>
+              <a:noFill/>
+            </a:ln>
+            <a:extLst>
+              <a:ext uri="{91240B29-F687-4f45-9708-019B960494DF}">
+                <a14:hiddenLine xmlns:a14="http://schemas.microsoft.com/office/drawing/2010/main" xmlns:p14="http://schemas.microsoft.com/office/powerpoint/2010/main" xmlns:a16="http://schemas.microsoft.com/office/drawing/2014/main" xmlns="" w="9525">
+                  <a:solidFill>
+                    <a:srgbClr val="000000"/>
+                  </a:solidFill>
+                  <a:round/>
+                  <a:headEnd/>
+                  <a:tailEnd/>
+                </a14:hiddenLine>
+              </a:ext>
+            </a:extLst>
+          </p:spPr>
+        </p:sp>
+        <p:sp>
+          <p:nvSpPr>
+            <p:cNvPr id="26" name="Freeform 20">
+              <a:extLst>
+                <a:ext uri="{FF2B5EF4-FFF2-40B4-BE49-F238E27FC236}">
+                  <a16:creationId xmlns:a16="http://schemas.microsoft.com/office/drawing/2014/main" id="{F3DCD24F-3CA8-4404-B22C-E4C928995F3B}"/>
+                </a:ext>
+              </a:extLst>
+            </p:cNvPr>
+            <p:cNvSpPr>
+              <a:spLocks noEditPoints="1"/>
+            </p:cNvSpPr>
+            <p:nvPr>
+              <p:extLst>
+                <p:ext uri="{386F3935-93C4-4BCD-93E2-E3B085C9AB24}">
+                  <p16:designElem xmlns:p16="http://schemas.microsoft.com/office/powerpoint/2015/main" val="1"/>
+                </p:ext>
+              </p:extLst>
+            </p:nvPr>
+          </p:nvSpPr>
+          <p:spPr bwMode="auto">
+            <a:xfrm>
+              <a:off x="204787" y="1849438"/>
+              <a:ext cx="114300" cy="107950"/>
+            </a:xfrm>
+            <a:custGeom>
+              <a:avLst/>
+              <a:gdLst/>
+              <a:ahLst/>
+              <a:cxnLst/>
+              <a:rect l="0" t="0" r="r" b="b"/>
+              <a:pathLst>
+                <a:path w="24" h="23">
+                  <a:moveTo>
+                    <a:pt x="12" y="23"/>
+                  </a:moveTo>
+                  <a:cubicBezTo>
+                    <a:pt x="6" y="23"/>
+                    <a:pt x="0" y="18"/>
+                    <a:pt x="0" y="12"/>
+                  </a:cubicBezTo>
+                  <a:cubicBezTo>
+                    <a:pt x="0" y="5"/>
+                    <a:pt x="6" y="0"/>
+                    <a:pt x="12" y="0"/>
+                  </a:cubicBezTo>
+                  <a:cubicBezTo>
+                    <a:pt x="18" y="0"/>
+                    <a:pt x="24" y="5"/>
+                    <a:pt x="24" y="12"/>
+                  </a:cubicBezTo>
+                  <a:cubicBezTo>
+                    <a:pt x="24" y="18"/>
+                    <a:pt x="18" y="23"/>
+                    <a:pt x="12" y="23"/>
+                  </a:cubicBezTo>
+                  <a:close/>
+                  <a:moveTo>
+                    <a:pt x="12" y="4"/>
+                  </a:moveTo>
+                  <a:cubicBezTo>
+                    <a:pt x="8" y="4"/>
+                    <a:pt x="4" y="8"/>
+                    <a:pt x="4" y="12"/>
+                  </a:cubicBezTo>
+                  <a:cubicBezTo>
+                    <a:pt x="4" y="16"/>
+                    <a:pt x="8" y="19"/>
+                    <a:pt x="12" y="19"/>
+                  </a:cubicBezTo>
+                  <a:cubicBezTo>
+                    <a:pt x="16" y="19"/>
+                    <a:pt x="20" y="16"/>
+                    <a:pt x="20" y="12"/>
+                  </a:cubicBezTo>
+                  <a:cubicBezTo>
+                    <a:pt x="20" y="8"/>
+                    <a:pt x="16" y="4"/>
+                    <a:pt x="12" y="4"/>
+                  </a:cubicBezTo>
+                  <a:close/>
+                </a:path>
+              </a:pathLst>
+            </a:custGeom>
+            <a:grpFill/>
+            <a:ln>
+              <a:noFill/>
+            </a:ln>
+            <a:extLst>
+              <a:ext uri="{91240B29-F687-4f45-9708-019B960494DF}">
+                <a14:hiddenLine xmlns:a14="http://schemas.microsoft.com/office/drawing/2010/main" xmlns:p14="http://schemas.microsoft.com/office/powerpoint/2010/main" xmlns:a16="http://schemas.microsoft.com/office/drawing/2014/main" xmlns="" w="9525">
+                  <a:solidFill>
+                    <a:srgbClr val="000000"/>
+                  </a:solidFill>
+                  <a:round/>
+                  <a:headEnd/>
+                  <a:tailEnd/>
+                </a14:hiddenLine>
+              </a:ext>
+            </a:extLst>
+          </p:spPr>
+        </p:sp>
+        <p:sp>
+          <p:nvSpPr>
+            <p:cNvPr id="27" name="Rectangle 21">
+              <a:extLst>
+                <a:ext uri="{FF2B5EF4-FFF2-40B4-BE49-F238E27FC236}">
+                  <a16:creationId xmlns:a16="http://schemas.microsoft.com/office/drawing/2014/main" id="{8AD2E827-32A3-4BE4-9CC6-8315629177AE}"/>
+                </a:ext>
+              </a:extLst>
+            </p:cNvPr>
+            <p:cNvSpPr>
+              <a:spLocks noChangeArrowheads="1"/>
+            </p:cNvSpPr>
+            <p:nvPr>
+              <p:extLst>
+                <p:ext uri="{386F3935-93C4-4BCD-93E2-E3B085C9AB24}">
+                  <p16:designElem xmlns:p16="http://schemas.microsoft.com/office/powerpoint/2015/main" val="1"/>
+                </p:ext>
+              </p:extLst>
+            </p:nvPr>
+          </p:nvSpPr>
+          <p:spPr bwMode="auto">
+            <a:xfrm>
+              <a:off x="133350" y="4662488"/>
+              <a:ext cx="23813" cy="2181225"/>
+            </a:xfrm>
+            <a:prstGeom prst="rect">
+              <a:avLst/>
+            </a:prstGeom>
+            <a:grpFill/>
+            <a:ln>
+              <a:noFill/>
+            </a:ln>
+            <a:extLst>
+              <a:ext uri="{91240B29-F687-4f45-9708-019B960494DF}">
+                <a14:hiddenLine xmlns:a14="http://schemas.microsoft.com/office/drawing/2010/main" xmlns:p14="http://schemas.microsoft.com/office/powerpoint/2010/main" xmlns:a16="http://schemas.microsoft.com/office/drawing/2014/main" xmlns="" w="9525">
+                  <a:solidFill>
+                    <a:srgbClr val="000000"/>
+                  </a:solidFill>
+                  <a:miter lim="800000"/>
+                  <a:headEnd/>
+                  <a:tailEnd/>
+                </a14:hiddenLine>
+              </a:ext>
+            </a:extLst>
+          </p:spPr>
+        </p:sp>
+        <p:sp>
+          <p:nvSpPr>
+            <p:cNvPr id="28" name="Freeform 22">
+              <a:extLst>
+                <a:ext uri="{FF2B5EF4-FFF2-40B4-BE49-F238E27FC236}">
+                  <a16:creationId xmlns:a16="http://schemas.microsoft.com/office/drawing/2014/main" id="{47FB2CCC-1230-494F-B2D1-F05E5B8EDF55}"/>
+                </a:ext>
+              </a:extLst>
+            </p:cNvPr>
+            <p:cNvSpPr/>
+            <p:nvPr>
+              <p:extLst>
+                <p:ext uri="{386F3935-93C4-4BCD-93E2-E3B085C9AB24}">
+                  <p16:designElem xmlns:p16="http://schemas.microsoft.com/office/powerpoint/2015/main" val="1"/>
+                </p:ext>
+              </p:extLst>
+            </p:nvPr>
+          </p:nvSpPr>
+          <p:spPr bwMode="auto">
+            <a:xfrm>
+              <a:off x="223837" y="5041900"/>
+              <a:ext cx="369888" cy="1801813"/>
+            </a:xfrm>
+            <a:custGeom>
+              <a:avLst/>
+              <a:gdLst/>
+              <a:ahLst/>
+              <a:cxnLst/>
+              <a:rect l="0" t="0" r="r" b="b"/>
+              <a:pathLst>
+                <a:path w="233" h="1135">
+                  <a:moveTo>
+                    <a:pt x="15" y="1135"/>
+                  </a:moveTo>
+                  <a:lnTo>
+                    <a:pt x="0" y="1135"/>
+                  </a:lnTo>
+                  <a:lnTo>
+                    <a:pt x="0" y="515"/>
+                  </a:lnTo>
+                  <a:lnTo>
+                    <a:pt x="0" y="512"/>
+                  </a:lnTo>
+                  <a:lnTo>
+                    <a:pt x="218" y="0"/>
+                  </a:lnTo>
+                  <a:lnTo>
+                    <a:pt x="233" y="6"/>
+                  </a:lnTo>
+                  <a:lnTo>
+                    <a:pt x="15" y="518"/>
+                  </a:lnTo>
+                  <a:lnTo>
+                    <a:pt x="15" y="1135"/>
+                  </a:lnTo>
+                  <a:close/>
+                </a:path>
+              </a:pathLst>
+            </a:custGeom>
+            <a:grpFill/>
+            <a:ln>
+              <a:noFill/>
+            </a:ln>
+            <a:extLst>
+              <a:ext uri="{91240B29-F687-4f45-9708-019B960494DF}">
+                <a14:hiddenLine xmlns:a14="http://schemas.microsoft.com/office/drawing/2010/main" xmlns:p14="http://schemas.microsoft.com/office/powerpoint/2010/main" xmlns:a16="http://schemas.microsoft.com/office/drawing/2014/main" xmlns="" w="9525">
+                  <a:solidFill>
+                    <a:srgbClr val="000000"/>
+                  </a:solidFill>
+                  <a:round/>
+                  <a:headEnd/>
+                  <a:tailEnd/>
+                </a14:hiddenLine>
+              </a:ext>
+            </a:extLst>
+          </p:spPr>
+        </p:sp>
+        <p:sp>
+          <p:nvSpPr>
+            <p:cNvPr id="29" name="Freeform 23">
+              <a:extLst>
+                <a:ext uri="{FF2B5EF4-FFF2-40B4-BE49-F238E27FC236}">
+                  <a16:creationId xmlns:a16="http://schemas.microsoft.com/office/drawing/2014/main" id="{A5F44514-9274-47E3-9243-CA9356C166B5}"/>
+                </a:ext>
+              </a:extLst>
+            </p:cNvPr>
+            <p:cNvSpPr>
+              <a:spLocks noEditPoints="1"/>
+            </p:cNvSpPr>
+            <p:nvPr>
+              <p:extLst>
+                <p:ext uri="{386F3935-93C4-4BCD-93E2-E3B085C9AB24}">
+                  <p16:designElem xmlns:p16="http://schemas.microsoft.com/office/powerpoint/2015/main" val="1"/>
+                </p:ext>
+              </p:extLst>
+            </p:nvPr>
+          </p:nvSpPr>
+          <p:spPr bwMode="auto">
+            <a:xfrm>
+              <a:off x="52387" y="4481513"/>
+              <a:ext cx="190500" cy="190500"/>
+            </a:xfrm>
+            <a:custGeom>
+              <a:avLst/>
+              <a:gdLst/>
+              <a:ahLst/>
+              <a:cxnLst/>
+              <a:rect l="0" t="0" r="r" b="b"/>
+              <a:pathLst>
+                <a:path w="40" h="40">
+                  <a:moveTo>
+                    <a:pt x="20" y="40"/>
+                  </a:moveTo>
+                  <a:cubicBezTo>
+                    <a:pt x="9" y="40"/>
+                    <a:pt x="0" y="31"/>
+                    <a:pt x="0" y="20"/>
+                  </a:cubicBezTo>
+                  <a:cubicBezTo>
+                    <a:pt x="0" y="9"/>
+                    <a:pt x="9" y="0"/>
+                    <a:pt x="20" y="0"/>
+                  </a:cubicBezTo>
+                  <a:cubicBezTo>
+                    <a:pt x="31" y="0"/>
+                    <a:pt x="40" y="9"/>
+                    <a:pt x="40" y="20"/>
+                  </a:cubicBezTo>
+                  <a:cubicBezTo>
+                    <a:pt x="40" y="31"/>
+                    <a:pt x="31" y="40"/>
+                    <a:pt x="20" y="40"/>
+                  </a:cubicBezTo>
+                  <a:close/>
+                  <a:moveTo>
+                    <a:pt x="20" y="4"/>
+                  </a:moveTo>
+                  <a:cubicBezTo>
+                    <a:pt x="11" y="4"/>
+                    <a:pt x="4" y="11"/>
+                    <a:pt x="4" y="20"/>
+                  </a:cubicBezTo>
+                  <a:cubicBezTo>
+                    <a:pt x="4" y="29"/>
+                    <a:pt x="11" y="36"/>
+                    <a:pt x="20" y="36"/>
+                  </a:cubicBezTo>
+                  <a:cubicBezTo>
+                    <a:pt x="28" y="36"/>
+                    <a:pt x="36" y="29"/>
+                    <a:pt x="36" y="20"/>
+                  </a:cubicBezTo>
+                  <a:cubicBezTo>
+                    <a:pt x="36" y="11"/>
+                    <a:pt x="28" y="4"/>
+                    <a:pt x="20" y="4"/>
+                  </a:cubicBezTo>
+                  <a:close/>
+                </a:path>
+              </a:pathLst>
+            </a:custGeom>
+            <a:grpFill/>
+            <a:ln>
+              <a:noFill/>
+            </a:ln>
+            <a:extLst>
+              <a:ext uri="{91240B29-F687-4f45-9708-019B960494DF}">
+                <a14:hiddenLine xmlns:a14="http://schemas.microsoft.com/office/drawing/2010/main" xmlns:p14="http://schemas.microsoft.com/office/powerpoint/2010/main" xmlns:a16="http://schemas.microsoft.com/office/drawing/2014/main" xmlns="" w="9525">
+                  <a:solidFill>
+                    <a:srgbClr val="000000"/>
+                  </a:solidFill>
+                  <a:round/>
+                  <a:headEnd/>
+                  <a:tailEnd/>
+                </a14:hiddenLine>
+              </a:ext>
+            </a:extLst>
+          </p:spPr>
+        </p:sp>
+        <p:sp>
+          <p:nvSpPr>
+            <p:cNvPr id="30" name="Freeform 24">
+              <a:extLst>
+                <a:ext uri="{FF2B5EF4-FFF2-40B4-BE49-F238E27FC236}">
+                  <a16:creationId xmlns:a16="http://schemas.microsoft.com/office/drawing/2014/main" id="{D06192CD-AD86-4DCA-8B53-4ACCA46583A9}"/>
+                </a:ext>
+              </a:extLst>
+            </p:cNvPr>
+            <p:cNvSpPr/>
+            <p:nvPr>
+              <p:extLst>
+                <p:ext uri="{386F3935-93C4-4BCD-93E2-E3B085C9AB24}">
+                  <p16:designElem xmlns:p16="http://schemas.microsoft.com/office/powerpoint/2015/main" val="1"/>
+                </p:ext>
+              </p:extLst>
+            </p:nvPr>
+          </p:nvSpPr>
+          <p:spPr bwMode="auto">
+            <a:xfrm>
+              <a:off x="-14288" y="5627688"/>
+              <a:ext cx="85725" cy="1216025"/>
+            </a:xfrm>
+            <a:custGeom>
+              <a:avLst/>
+              <a:gdLst/>
+              <a:ahLst/>
+              <a:cxnLst/>
+              <a:rect l="0" t="0" r="r" b="b"/>
+              <a:pathLst>
+                <a:path w="54" h="766">
+                  <a:moveTo>
+                    <a:pt x="54" y="766"/>
+                  </a:moveTo>
+                  <a:lnTo>
+                    <a:pt x="36" y="766"/>
+                  </a:lnTo>
+                  <a:lnTo>
+                    <a:pt x="36" y="149"/>
+                  </a:lnTo>
+                  <a:lnTo>
+                    <a:pt x="0" y="3"/>
+                  </a:lnTo>
+                  <a:lnTo>
+                    <a:pt x="18" y="0"/>
+                  </a:lnTo>
+                  <a:lnTo>
+                    <a:pt x="54" y="146"/>
+                  </a:lnTo>
+                  <a:lnTo>
+                    <a:pt x="54" y="766"/>
+                  </a:lnTo>
+                  <a:close/>
+                </a:path>
+              </a:pathLst>
+            </a:custGeom>
+            <a:grpFill/>
+            <a:ln>
+              <a:noFill/>
+            </a:ln>
+            <a:extLst>
+              <a:ext uri="{91240B29-F687-4f45-9708-019B960494DF}">
+                <a14:hiddenLine xmlns:a14="http://schemas.microsoft.com/office/drawing/2010/main" xmlns:p14="http://schemas.microsoft.com/office/powerpoint/2010/main" xmlns:a16="http://schemas.microsoft.com/office/drawing/2014/main" xmlns="" w="9525">
+                  <a:solidFill>
+                    <a:srgbClr val="000000"/>
+                  </a:solidFill>
+                  <a:round/>
+                  <a:headEnd/>
+                  <a:tailEnd/>
+                </a14:hiddenLine>
+              </a:ext>
+            </a:extLst>
+          </p:spPr>
+        </p:sp>
+        <p:sp>
+          <p:nvSpPr>
+            <p:cNvPr id="31" name="Freeform 25">
+              <a:extLst>
+                <a:ext uri="{FF2B5EF4-FFF2-40B4-BE49-F238E27FC236}">
+                  <a16:creationId xmlns:a16="http://schemas.microsoft.com/office/drawing/2014/main" id="{99E9203A-21E4-46D8-981A-4B28CA320A69}"/>
+                </a:ext>
+              </a:extLst>
+            </p:cNvPr>
+            <p:cNvSpPr>
+              <a:spLocks noEditPoints="1"/>
+            </p:cNvSpPr>
+            <p:nvPr>
+              <p:extLst>
+                <p:ext uri="{386F3935-93C4-4BCD-93E2-E3B085C9AB24}">
+                  <p16:designElem xmlns:p16="http://schemas.microsoft.com/office/powerpoint/2015/main" val="1"/>
+                </p:ext>
+              </p:extLst>
+            </p:nvPr>
+          </p:nvSpPr>
+          <p:spPr bwMode="auto">
+            <a:xfrm>
+              <a:off x="527050" y="4867275"/>
+              <a:ext cx="190500" cy="188913"/>
+            </a:xfrm>
+            <a:custGeom>
+              <a:avLst/>
+              <a:gdLst/>
+              <a:ahLst/>
+              <a:cxnLst/>
+              <a:rect l="0" t="0" r="r" b="b"/>
+              <a:pathLst>
+                <a:path w="40" h="40">
+                  <a:moveTo>
+                    <a:pt x="20" y="40"/>
+                  </a:moveTo>
+                  <a:cubicBezTo>
+                    <a:pt x="9" y="40"/>
+                    <a:pt x="0" y="31"/>
+                    <a:pt x="0" y="20"/>
+                  </a:cubicBezTo>
+                  <a:cubicBezTo>
+                    <a:pt x="0" y="9"/>
+                    <a:pt x="9" y="0"/>
+                    <a:pt x="20" y="0"/>
+                  </a:cubicBezTo>
+                  <a:cubicBezTo>
+                    <a:pt x="31" y="0"/>
+                    <a:pt x="40" y="9"/>
+                    <a:pt x="40" y="20"/>
+                  </a:cubicBezTo>
+                  <a:cubicBezTo>
+                    <a:pt x="40" y="31"/>
+                    <a:pt x="31" y="40"/>
+                    <a:pt x="20" y="40"/>
+                  </a:cubicBezTo>
+                  <a:close/>
+                  <a:moveTo>
+                    <a:pt x="20" y="4"/>
+                  </a:moveTo>
+                  <a:cubicBezTo>
+                    <a:pt x="11" y="4"/>
+                    <a:pt x="4" y="11"/>
+                    <a:pt x="4" y="20"/>
+                  </a:cubicBezTo>
+                  <a:cubicBezTo>
+                    <a:pt x="4" y="29"/>
+                    <a:pt x="11" y="36"/>
+                    <a:pt x="20" y="36"/>
+                  </a:cubicBezTo>
+                  <a:cubicBezTo>
+                    <a:pt x="29" y="36"/>
+                    <a:pt x="36" y="29"/>
+                    <a:pt x="36" y="20"/>
+                  </a:cubicBezTo>
+                  <a:cubicBezTo>
+                    <a:pt x="36" y="11"/>
+                    <a:pt x="29" y="4"/>
+                    <a:pt x="20" y="4"/>
+                  </a:cubicBezTo>
+                  <a:close/>
+                </a:path>
+              </a:pathLst>
+            </a:custGeom>
+            <a:grpFill/>
+            <a:ln>
+              <a:noFill/>
+            </a:ln>
+            <a:extLst>
+              <a:ext uri="{91240B29-F687-4f45-9708-019B960494DF}">
+                <a14:hiddenLine xmlns:a14="http://schemas.microsoft.com/office/drawing/2010/main" xmlns:p14="http://schemas.microsoft.com/office/powerpoint/2010/main" xmlns:a16="http://schemas.microsoft.com/office/drawing/2014/main" xmlns="" w="9525">
+                  <a:solidFill>
+                    <a:srgbClr val="000000"/>
+                  </a:solidFill>
+                  <a:round/>
+                  <a:headEnd/>
+                  <a:tailEnd/>
+                </a14:hiddenLine>
+              </a:ext>
+            </a:extLst>
+          </p:spPr>
+        </p:sp>
+        <p:sp>
+          <p:nvSpPr>
+            <p:cNvPr id="32" name="Freeform 26">
+              <a:extLst>
+                <a:ext uri="{FF2B5EF4-FFF2-40B4-BE49-F238E27FC236}">
+                  <a16:creationId xmlns:a16="http://schemas.microsoft.com/office/drawing/2014/main" id="{32FCE9B6-FB52-4045-8DCC-E5959B9A403B}"/>
+                </a:ext>
+              </a:extLst>
+            </p:cNvPr>
+            <p:cNvSpPr/>
+            <p:nvPr>
+              <p:extLst>
+                <p:ext uri="{386F3935-93C4-4BCD-93E2-E3B085C9AB24}">
+                  <p16:designElem xmlns:p16="http://schemas.microsoft.com/office/powerpoint/2015/main" val="1"/>
+                </p:ext>
+              </p:extLst>
+            </p:nvPr>
+          </p:nvSpPr>
+          <p:spPr bwMode="auto">
+            <a:xfrm>
+              <a:off x="309562" y="5422900"/>
+              <a:ext cx="374650" cy="1425575"/>
+            </a:xfrm>
+            <a:custGeom>
+              <a:avLst/>
+              <a:gdLst/>
+              <a:ahLst/>
+              <a:cxnLst/>
+              <a:rect l="0" t="0" r="r" b="b"/>
+              <a:pathLst>
+                <a:path w="236" h="898">
+                  <a:moveTo>
+                    <a:pt x="18" y="898"/>
+                  </a:moveTo>
+                  <a:lnTo>
+                    <a:pt x="0" y="898"/>
+                  </a:lnTo>
+                  <a:lnTo>
+                    <a:pt x="0" y="515"/>
+                  </a:lnTo>
+                  <a:lnTo>
+                    <a:pt x="3" y="512"/>
+                  </a:lnTo>
+                  <a:lnTo>
+                    <a:pt x="221" y="0"/>
+                  </a:lnTo>
+                  <a:lnTo>
+                    <a:pt x="236" y="6"/>
+                  </a:lnTo>
+                  <a:lnTo>
+                    <a:pt x="18" y="518"/>
+                  </a:lnTo>
+                  <a:lnTo>
+                    <a:pt x="18" y="898"/>
+                  </a:lnTo>
+                  <a:close/>
+                </a:path>
+              </a:pathLst>
+            </a:custGeom>
+            <a:grpFill/>
+            <a:ln>
+              <a:noFill/>
+            </a:ln>
+            <a:extLst>
+              <a:ext uri="{91240B29-F687-4f45-9708-019B960494DF}">
+                <a14:hiddenLine xmlns:a14="http://schemas.microsoft.com/office/drawing/2010/main" xmlns:p14="http://schemas.microsoft.com/office/powerpoint/2010/main" xmlns:a16="http://schemas.microsoft.com/office/drawing/2014/main" xmlns="" w="9525">
+                  <a:solidFill>
+                    <a:srgbClr val="000000"/>
+                  </a:solidFill>
+                  <a:round/>
+                  <a:headEnd/>
+                  <a:tailEnd/>
+                </a14:hiddenLine>
+              </a:ext>
+            </a:extLst>
+          </p:spPr>
+        </p:sp>
+        <p:sp>
+          <p:nvSpPr>
+            <p:cNvPr id="33" name="Freeform 27">
+              <a:extLst>
+                <a:ext uri="{FF2B5EF4-FFF2-40B4-BE49-F238E27FC236}">
+                  <a16:creationId xmlns:a16="http://schemas.microsoft.com/office/drawing/2014/main" id="{E4A7025C-CDE8-429A-BBB9-E7380C962388}"/>
+                </a:ext>
+              </a:extLst>
+            </p:cNvPr>
+            <p:cNvSpPr/>
+            <p:nvPr>
+              <p:extLst>
+                <p:ext uri="{386F3935-93C4-4BCD-93E2-E3B085C9AB24}">
+                  <p16:designElem xmlns:p16="http://schemas.microsoft.com/office/powerpoint/2015/main" val="1"/>
+                </p:ext>
+              </p:extLst>
+            </p:nvPr>
+          </p:nvSpPr>
+          <p:spPr bwMode="auto">
+            <a:xfrm>
+              <a:off x="569912" y="5945188"/>
+              <a:ext cx="152400" cy="912813"/>
+            </a:xfrm>
+            <a:custGeom>
+              <a:avLst/>
+              <a:gdLst/>
+              <a:ahLst/>
+              <a:cxnLst/>
+              <a:rect l="0" t="0" r="r" b="b"/>
+              <a:pathLst>
+                <a:path w="96" h="575">
+                  <a:moveTo>
+                    <a:pt x="15" y="575"/>
+                  </a:moveTo>
+                  <a:lnTo>
+                    <a:pt x="0" y="569"/>
+                  </a:lnTo>
+                  <a:lnTo>
+                    <a:pt x="81" y="383"/>
+                  </a:lnTo>
+                  <a:lnTo>
+                    <a:pt x="81" y="0"/>
+                  </a:lnTo>
+                  <a:lnTo>
+                    <a:pt x="96" y="0"/>
+                  </a:lnTo>
+                  <a:lnTo>
+                    <a:pt x="96" y="386"/>
+                  </a:lnTo>
+                  <a:lnTo>
+                    <a:pt x="15" y="575"/>
+                  </a:lnTo>
+                  <a:close/>
+                </a:path>
+              </a:pathLst>
+            </a:custGeom>
+            <a:grpFill/>
+            <a:ln>
+              <a:noFill/>
+            </a:ln>
+            <a:extLst>
+              <a:ext uri="{91240B29-F687-4f45-9708-019B960494DF}">
+                <a14:hiddenLine xmlns:a14="http://schemas.microsoft.com/office/drawing/2010/main" xmlns:p14="http://schemas.microsoft.com/office/powerpoint/2010/main" xmlns:a16="http://schemas.microsoft.com/office/drawing/2014/main" xmlns="" w="9525">
+                  <a:solidFill>
+                    <a:srgbClr val="000000"/>
+                  </a:solidFill>
+                  <a:round/>
+                  <a:headEnd/>
+                  <a:tailEnd/>
+                </a14:hiddenLine>
+              </a:ext>
+            </a:extLst>
+          </p:spPr>
+        </p:sp>
+        <p:sp>
+          <p:nvSpPr>
+            <p:cNvPr id="34" name="Freeform 28">
+              <a:extLst>
+                <a:ext uri="{FF2B5EF4-FFF2-40B4-BE49-F238E27FC236}">
+                  <a16:creationId xmlns:a16="http://schemas.microsoft.com/office/drawing/2014/main" id="{A4EA0256-5DF5-437A-98A7-B79F3E6BB89A}"/>
+                </a:ext>
+              </a:extLst>
+            </p:cNvPr>
+            <p:cNvSpPr>
+              <a:spLocks noEditPoints="1"/>
+            </p:cNvSpPr>
+            <p:nvPr>
+              <p:extLst>
+                <p:ext uri="{386F3935-93C4-4BCD-93E2-E3B085C9AB24}">
+                  <p16:designElem xmlns:p16="http://schemas.microsoft.com/office/powerpoint/2015/main" val="1"/>
+                </p:ext>
+              </p:extLst>
+            </p:nvPr>
+          </p:nvSpPr>
+          <p:spPr bwMode="auto">
+            <a:xfrm>
+              <a:off x="612775" y="5246688"/>
+              <a:ext cx="190500" cy="190500"/>
+            </a:xfrm>
+            <a:custGeom>
+              <a:avLst/>
+              <a:gdLst/>
+              <a:ahLst/>
+              <a:cxnLst/>
+              <a:rect l="0" t="0" r="r" b="b"/>
+              <a:pathLst>
+                <a:path w="40" h="40">
+                  <a:moveTo>
+                    <a:pt x="20" y="40"/>
+                  </a:moveTo>
+                  <a:cubicBezTo>
+                    <a:pt x="9" y="40"/>
+                    <a:pt x="0" y="31"/>
+                    <a:pt x="0" y="20"/>
+                  </a:cubicBezTo>
+                  <a:cubicBezTo>
+                    <a:pt x="0" y="9"/>
+                    <a:pt x="9" y="0"/>
+                    <a:pt x="20" y="0"/>
+                  </a:cubicBezTo>
+                  <a:cubicBezTo>
+                    <a:pt x="31" y="0"/>
+                    <a:pt x="40" y="9"/>
+                    <a:pt x="40" y="20"/>
+                  </a:cubicBezTo>
+                  <a:cubicBezTo>
+                    <a:pt x="40" y="31"/>
+                    <a:pt x="31" y="40"/>
+                    <a:pt x="20" y="40"/>
+                  </a:cubicBezTo>
+                  <a:close/>
+                  <a:moveTo>
+                    <a:pt x="20" y="4"/>
+                  </a:moveTo>
+                  <a:cubicBezTo>
+                    <a:pt x="12" y="4"/>
+                    <a:pt x="4" y="11"/>
+                    <a:pt x="4" y="20"/>
+                  </a:cubicBezTo>
+                  <a:cubicBezTo>
+                    <a:pt x="4" y="29"/>
+                    <a:pt x="12" y="36"/>
+                    <a:pt x="20" y="36"/>
+                  </a:cubicBezTo>
+                  <a:cubicBezTo>
+                    <a:pt x="29" y="36"/>
+                    <a:pt x="36" y="29"/>
+                    <a:pt x="36" y="20"/>
+                  </a:cubicBezTo>
+                  <a:cubicBezTo>
+                    <a:pt x="36" y="11"/>
+                    <a:pt x="29" y="4"/>
+                    <a:pt x="20" y="4"/>
+                  </a:cubicBezTo>
+                  <a:close/>
+                </a:path>
+              </a:pathLst>
+            </a:custGeom>
+            <a:grpFill/>
+            <a:ln>
+              <a:noFill/>
+            </a:ln>
+            <a:extLst>
+              <a:ext uri="{91240B29-F687-4f45-9708-019B960494DF}">
+                <a14:hiddenLine xmlns:a14="http://schemas.microsoft.com/office/drawing/2010/main" xmlns:p14="http://schemas.microsoft.com/office/powerpoint/2010/main" xmlns:a16="http://schemas.microsoft.com/office/drawing/2014/main" xmlns="" w="9525">
+                  <a:solidFill>
+                    <a:srgbClr val="000000"/>
+                  </a:solidFill>
+                  <a:round/>
+                  <a:headEnd/>
+                  <a:tailEnd/>
+                </a14:hiddenLine>
+              </a:ext>
+            </a:extLst>
+          </p:spPr>
+        </p:sp>
+        <p:sp>
+          <p:nvSpPr>
+            <p:cNvPr id="35" name="Freeform 29">
+              <a:extLst>
+                <a:ext uri="{FF2B5EF4-FFF2-40B4-BE49-F238E27FC236}">
+                  <a16:creationId xmlns:a16="http://schemas.microsoft.com/office/drawing/2014/main" id="{90C9433D-9E1C-493B-BEBD-C3081FFA328F}"/>
+                </a:ext>
+              </a:extLst>
+            </p:cNvPr>
+            <p:cNvSpPr>
+              <a:spLocks noEditPoints="1"/>
+            </p:cNvSpPr>
+            <p:nvPr>
+              <p:extLst>
+                <p:ext uri="{386F3935-93C4-4BCD-93E2-E3B085C9AB24}">
+                  <p16:designElem xmlns:p16="http://schemas.microsoft.com/office/powerpoint/2015/main" val="1"/>
+                </p:ext>
+              </p:extLst>
+            </p:nvPr>
+          </p:nvSpPr>
+          <p:spPr bwMode="auto">
+            <a:xfrm>
+              <a:off x="612775" y="5764213"/>
+              <a:ext cx="190500" cy="190500"/>
+            </a:xfrm>
+            <a:custGeom>
+              <a:avLst/>
+              <a:gdLst/>
+              <a:ahLst/>
+              <a:cxnLst/>
+              <a:rect l="0" t="0" r="r" b="b"/>
+              <a:pathLst>
+                <a:path w="40" h="40">
+                  <a:moveTo>
+                    <a:pt x="20" y="40"/>
+                  </a:moveTo>
+                  <a:cubicBezTo>
+                    <a:pt x="9" y="40"/>
+                    <a:pt x="0" y="31"/>
+                    <a:pt x="0" y="20"/>
+                  </a:cubicBezTo>
+                  <a:cubicBezTo>
+                    <a:pt x="0" y="9"/>
+                    <a:pt x="9" y="0"/>
+                    <a:pt x="20" y="0"/>
+                  </a:cubicBezTo>
+                  <a:cubicBezTo>
+                    <a:pt x="31" y="0"/>
+                    <a:pt x="40" y="9"/>
+                    <a:pt x="40" y="20"/>
+                  </a:cubicBezTo>
+                  <a:cubicBezTo>
+                    <a:pt x="40" y="31"/>
+                    <a:pt x="31" y="40"/>
+                    <a:pt x="20" y="40"/>
+                  </a:cubicBezTo>
+                  <a:close/>
+                  <a:moveTo>
+                    <a:pt x="20" y="4"/>
+                  </a:moveTo>
+                  <a:cubicBezTo>
+                    <a:pt x="12" y="4"/>
+                    <a:pt x="4" y="11"/>
+                    <a:pt x="4" y="20"/>
+                  </a:cubicBezTo>
+                  <a:cubicBezTo>
+                    <a:pt x="4" y="29"/>
+                    <a:pt x="12" y="36"/>
+                    <a:pt x="20" y="36"/>
+                  </a:cubicBezTo>
+                  <a:cubicBezTo>
+                    <a:pt x="29" y="36"/>
+                    <a:pt x="36" y="29"/>
+                    <a:pt x="36" y="20"/>
+                  </a:cubicBezTo>
+                  <a:cubicBezTo>
+                    <a:pt x="36" y="11"/>
+                    <a:pt x="29" y="4"/>
+                    <a:pt x="20" y="4"/>
+                  </a:cubicBezTo>
+                  <a:close/>
+                </a:path>
+              </a:pathLst>
+            </a:custGeom>
+            <a:grpFill/>
+            <a:ln>
+              <a:noFill/>
+            </a:ln>
+            <a:extLst>
+              <a:ext uri="{91240B29-F687-4f45-9708-019B960494DF}">
+                <a14:hiddenLine xmlns:a14="http://schemas.microsoft.com/office/drawing/2010/main" xmlns:p14="http://schemas.microsoft.com/office/powerpoint/2010/main" xmlns:a16="http://schemas.microsoft.com/office/drawing/2014/main" xmlns="" w="9525">
+                  <a:solidFill>
+                    <a:srgbClr val="000000"/>
+                  </a:solidFill>
+                  <a:round/>
+                  <a:headEnd/>
+                  <a:tailEnd/>
+                </a14:hiddenLine>
+              </a:ext>
+            </a:extLst>
+          </p:spPr>
+        </p:sp>
+        <p:sp>
+          <p:nvSpPr>
+            <p:cNvPr id="36" name="Freeform 30">
+              <a:extLst>
+                <a:ext uri="{FF2B5EF4-FFF2-40B4-BE49-F238E27FC236}">
+                  <a16:creationId xmlns:a16="http://schemas.microsoft.com/office/drawing/2014/main" id="{352B39BB-F298-4285-A709-1FBA0CB722C9}"/>
+                </a:ext>
+              </a:extLst>
+            </p:cNvPr>
+            <p:cNvSpPr/>
+            <p:nvPr>
+              <p:extLst>
+                <p:ext uri="{386F3935-93C4-4BCD-93E2-E3B085C9AB24}">
+                  <p16:designElem xmlns:p16="http://schemas.microsoft.com/office/powerpoint/2015/main" val="1"/>
+                </p:ext>
+              </p:extLst>
+            </p:nvPr>
+          </p:nvSpPr>
+          <p:spPr bwMode="auto">
+            <a:xfrm>
+              <a:off x="669925" y="6330950"/>
+              <a:ext cx="417513" cy="517525"/>
+            </a:xfrm>
+            <a:custGeom>
+              <a:avLst/>
+              <a:gdLst/>
+              <a:ahLst/>
+              <a:cxnLst/>
+              <a:rect l="0" t="0" r="r" b="b"/>
+              <a:pathLst>
+                <a:path w="263" h="326">
+                  <a:moveTo>
+                    <a:pt x="15" y="326"/>
+                  </a:moveTo>
+                  <a:lnTo>
+                    <a:pt x="0" y="320"/>
+                  </a:lnTo>
+                  <a:lnTo>
+                    <a:pt x="45" y="206"/>
+                  </a:lnTo>
+                  <a:lnTo>
+                    <a:pt x="48" y="206"/>
+                  </a:lnTo>
+                  <a:lnTo>
+                    <a:pt x="254" y="0"/>
+                  </a:lnTo>
+                  <a:lnTo>
+                    <a:pt x="263" y="12"/>
+                  </a:lnTo>
+                  <a:lnTo>
+                    <a:pt x="60" y="215"/>
+                  </a:lnTo>
+                  <a:lnTo>
+                    <a:pt x="15" y="326"/>
+                  </a:lnTo>
+                  <a:close/>
+                </a:path>
+              </a:pathLst>
+            </a:custGeom>
+            <a:grpFill/>
+            <a:ln>
+              <a:noFill/>
+            </a:ln>
+            <a:extLst>
+              <a:ext uri="{91240B29-F687-4f45-9708-019B960494DF}">
+                <a14:hiddenLine xmlns:a14="http://schemas.microsoft.com/office/drawing/2010/main" xmlns:p14="http://schemas.microsoft.com/office/powerpoint/2010/main" xmlns:a16="http://schemas.microsoft.com/office/drawing/2014/main" xmlns="" w="9525">
+                  <a:solidFill>
+                    <a:srgbClr val="000000"/>
+                  </a:solidFill>
+                  <a:round/>
+                  <a:headEnd/>
+                  <a:tailEnd/>
+                </a14:hiddenLine>
+              </a:ext>
+            </a:extLst>
+          </p:spPr>
+        </p:sp>
+        <p:sp>
+          <p:nvSpPr>
+            <p:cNvPr id="37" name="Freeform 31">
+              <a:extLst>
+                <a:ext uri="{FF2B5EF4-FFF2-40B4-BE49-F238E27FC236}">
+                  <a16:creationId xmlns:a16="http://schemas.microsoft.com/office/drawing/2014/main" id="{31CAF2A0-CBA0-4E86-AA87-8750EC1AFB2E}"/>
+                </a:ext>
+              </a:extLst>
+            </p:cNvPr>
+            <p:cNvSpPr>
+              <a:spLocks noEditPoints="1"/>
+            </p:cNvSpPr>
+            <p:nvPr>
+              <p:extLst>
+                <p:ext uri="{386F3935-93C4-4BCD-93E2-E3B085C9AB24}">
+                  <p16:designElem xmlns:p16="http://schemas.microsoft.com/office/powerpoint/2015/main" val="1"/>
+                </p:ext>
+              </p:extLst>
+            </p:nvPr>
+          </p:nvSpPr>
+          <p:spPr bwMode="auto">
+            <a:xfrm>
+              <a:off x="1049337" y="6221413"/>
+              <a:ext cx="157163" cy="147638"/>
+            </a:xfrm>
+            <a:custGeom>
+              <a:avLst/>
+              <a:gdLst/>
+              <a:ahLst/>
+              <a:cxnLst/>
+              <a:rect l="0" t="0" r="r" b="b"/>
+              <a:pathLst>
+                <a:path w="33" h="31">
+                  <a:moveTo>
+                    <a:pt x="16" y="31"/>
+                  </a:moveTo>
+                  <a:cubicBezTo>
+                    <a:pt x="12" y="31"/>
+                    <a:pt x="8" y="29"/>
+                    <a:pt x="5" y="26"/>
+                  </a:cubicBezTo>
+                  <a:cubicBezTo>
+                    <a:pt x="2" y="24"/>
+                    <a:pt x="0" y="20"/>
+                    <a:pt x="0" y="15"/>
+                  </a:cubicBezTo>
+                  <a:cubicBezTo>
+                    <a:pt x="0" y="11"/>
+                    <a:pt x="2" y="7"/>
+                    <a:pt x="5" y="4"/>
+                  </a:cubicBezTo>
+                  <a:cubicBezTo>
+                    <a:pt x="8" y="1"/>
+                    <a:pt x="12" y="0"/>
+                    <a:pt x="16" y="0"/>
+                  </a:cubicBezTo>
+                  <a:cubicBezTo>
+                    <a:pt x="20" y="0"/>
+                    <a:pt x="24" y="1"/>
+                    <a:pt x="27" y="4"/>
+                  </a:cubicBezTo>
+                  <a:cubicBezTo>
+                    <a:pt x="33" y="10"/>
+                    <a:pt x="33" y="20"/>
+                    <a:pt x="27" y="26"/>
+                  </a:cubicBezTo>
+                  <a:cubicBezTo>
+                    <a:pt x="24" y="29"/>
+                    <a:pt x="20" y="31"/>
+                    <a:pt x="16" y="31"/>
+                  </a:cubicBezTo>
+                  <a:close/>
+                  <a:moveTo>
+                    <a:pt x="16" y="4"/>
+                  </a:moveTo>
+                  <a:cubicBezTo>
+                    <a:pt x="13" y="4"/>
+                    <a:pt x="10" y="5"/>
+                    <a:pt x="8" y="7"/>
+                  </a:cubicBezTo>
+                  <a:cubicBezTo>
+                    <a:pt x="6" y="9"/>
+                    <a:pt x="4" y="12"/>
+                    <a:pt x="4" y="15"/>
+                  </a:cubicBezTo>
+                  <a:cubicBezTo>
+                    <a:pt x="4" y="19"/>
+                    <a:pt x="6" y="21"/>
+                    <a:pt x="8" y="24"/>
+                  </a:cubicBezTo>
+                  <a:cubicBezTo>
+                    <a:pt x="10" y="26"/>
+                    <a:pt x="13" y="27"/>
+                    <a:pt x="16" y="27"/>
+                  </a:cubicBezTo>
+                  <a:cubicBezTo>
+                    <a:pt x="19" y="27"/>
+                    <a:pt x="22" y="26"/>
+                    <a:pt x="24" y="24"/>
+                  </a:cubicBezTo>
+                  <a:cubicBezTo>
+                    <a:pt x="29" y="19"/>
+                    <a:pt x="29" y="12"/>
+                    <a:pt x="24" y="7"/>
+                  </a:cubicBezTo>
+                  <a:cubicBezTo>
+                    <a:pt x="22" y="5"/>
+                    <a:pt x="19" y="4"/>
+                    <a:pt x="16" y="4"/>
+                  </a:cubicBezTo>
+                  <a:close/>
+                </a:path>
+              </a:pathLst>
+            </a:custGeom>
+            <a:grpFill/>
+            <a:ln>
+              <a:noFill/>
+            </a:ln>
+            <a:extLst>
+              <a:ext uri="{91240B29-F687-4f45-9708-019B960494DF}">
+                <a14:hiddenLine xmlns:a14="http://schemas.microsoft.com/office/drawing/2010/main" xmlns:p14="http://schemas.microsoft.com/office/powerpoint/2010/main" xmlns:a16="http://schemas.microsoft.com/office/drawing/2014/main" xmlns="" w="9525">
+                  <a:solidFill>
+                    <a:srgbClr val="000000"/>
+                  </a:solidFill>
+                  <a:round/>
+                  <a:headEnd/>
+                  <a:tailEnd/>
+                </a14:hiddenLine>
+              </a:ext>
+            </a:extLst>
+          </p:spPr>
+        </p:sp>
+      </p:grpSp>
+      <p:grpSp>
+        <p:nvGrpSpPr>
+          <p:cNvPr id="39" name="Group 38">
+            <a:extLst>
+              <a:ext uri="{FF2B5EF4-FFF2-40B4-BE49-F238E27FC236}">
+                <a16:creationId xmlns:a16="http://schemas.microsoft.com/office/drawing/2014/main" id="{B485B3F6-654D-4842-A2DE-677D12FED460}"/>
+              </a:ext>
+            </a:extLst>
+          </p:cNvPr>
+          <p:cNvGrpSpPr>
+            <a:grpSpLocks noGrp="1" noUngrp="1" noRot="1" noChangeAspect="1" noMove="1" noResize="1"/>
+          </p:cNvGrpSpPr>
+          <p:nvPr>
+            <p:extLst>
+              <p:ext uri="{386F3935-93C4-4BCD-93E2-E3B085C9AB24}">
+                <p16:designElem xmlns:p16="http://schemas.microsoft.com/office/powerpoint/2015/main" val="1"/>
+              </p:ext>
+            </p:extLst>
+          </p:nvPr>
+        </p:nvGrpSpPr>
+        <p:grpSpPr>
+          <a:xfrm>
+            <a:off x="11364912" y="0"/>
+            <a:ext cx="674688" cy="6848476"/>
+            <a:chOff x="11364912" y="0"/>
+            <a:chExt cx="674688" cy="6848476"/>
+          </a:xfrm>
+          <a:gradFill flip="none" rotWithShape="1">
+            <a:gsLst>
+              <a:gs pos="0">
+                <a:schemeClr val="tx2">
+                  <a:alpha val="60000"/>
+                </a:schemeClr>
+              </a:gs>
+              <a:gs pos="100000">
+                <a:schemeClr val="bg2">
+                  <a:lumMod val="60000"/>
+                  <a:lumOff val="40000"/>
+                  <a:alpha val="60000"/>
+                </a:schemeClr>
+              </a:gs>
+            </a:gsLst>
+            <a:lin ang="5400000" scaled="0"/>
+            <a:tileRect/>
+          </a:gradFill>
+        </p:grpSpPr>
+        <p:sp>
+          <p:nvSpPr>
+            <p:cNvPr id="40" name="Freeform 32">
+              <a:extLst>
+                <a:ext uri="{FF2B5EF4-FFF2-40B4-BE49-F238E27FC236}">
+                  <a16:creationId xmlns:a16="http://schemas.microsoft.com/office/drawing/2014/main" id="{BF4365F4-C63C-4FC2-907B-1F7D414B95E7}"/>
+                </a:ext>
+              </a:extLst>
+            </p:cNvPr>
+            <p:cNvSpPr/>
+            <p:nvPr>
+              <p:extLst>
+                <p:ext uri="{386F3935-93C4-4BCD-93E2-E3B085C9AB24}">
+                  <p16:designElem xmlns:p16="http://schemas.microsoft.com/office/powerpoint/2015/main" val="1"/>
+                </p:ext>
+              </p:extLst>
+            </p:nvPr>
+          </p:nvSpPr>
+          <p:spPr bwMode="auto">
+            <a:xfrm>
+              <a:off x="11483975" y="0"/>
+              <a:ext cx="417513" cy="512763"/>
+            </a:xfrm>
+            <a:custGeom>
+              <a:avLst/>
+              <a:gdLst/>
+              <a:ahLst/>
+              <a:cxnLst/>
+              <a:rect l="0" t="0" r="r" b="b"/>
+              <a:pathLst>
+                <a:path w="263" h="323">
+                  <a:moveTo>
+                    <a:pt x="12" y="323"/>
+                  </a:moveTo>
+                  <a:lnTo>
+                    <a:pt x="0" y="314"/>
+                  </a:lnTo>
+                  <a:lnTo>
+                    <a:pt x="203" y="108"/>
+                  </a:lnTo>
+                  <a:lnTo>
+                    <a:pt x="248" y="0"/>
+                  </a:lnTo>
+                  <a:lnTo>
+                    <a:pt x="263" y="6"/>
+                  </a:lnTo>
+                  <a:lnTo>
+                    <a:pt x="218" y="117"/>
+                  </a:lnTo>
+                  <a:lnTo>
+                    <a:pt x="218" y="117"/>
+                  </a:lnTo>
+                  <a:lnTo>
+                    <a:pt x="12" y="323"/>
+                  </a:lnTo>
+                  <a:close/>
+                </a:path>
+              </a:pathLst>
+            </a:custGeom>
+            <a:grpFill/>
+            <a:ln>
+              <a:noFill/>
+            </a:ln>
+            <a:extLst>
+              <a:ext uri="{91240B29-F687-4f45-9708-019B960494DF}">
+                <a14:hiddenLine xmlns:a14="http://schemas.microsoft.com/office/drawing/2010/main" xmlns:p14="http://schemas.microsoft.com/office/powerpoint/2010/main" xmlns:a16="http://schemas.microsoft.com/office/drawing/2014/main" xmlns="" w="9525">
+                  <a:solidFill>
+                    <a:srgbClr val="000000"/>
+                  </a:solidFill>
+                  <a:round/>
+                  <a:headEnd/>
+                  <a:tailEnd/>
+                </a14:hiddenLine>
+              </a:ext>
+            </a:extLst>
+          </p:spPr>
+        </p:sp>
+        <p:sp>
+          <p:nvSpPr>
+            <p:cNvPr id="41" name="Freeform 33">
+              <a:extLst>
+                <a:ext uri="{FF2B5EF4-FFF2-40B4-BE49-F238E27FC236}">
+                  <a16:creationId xmlns:a16="http://schemas.microsoft.com/office/drawing/2014/main" id="{B0538225-01AB-41C4-9A02-FE1BD81D6277}"/>
+                </a:ext>
+              </a:extLst>
+            </p:cNvPr>
+            <p:cNvSpPr>
+              <a:spLocks noEditPoints="1"/>
+            </p:cNvSpPr>
+            <p:nvPr>
+              <p:extLst>
+                <p:ext uri="{386F3935-93C4-4BCD-93E2-E3B085C9AB24}">
+                  <p16:designElem xmlns:p16="http://schemas.microsoft.com/office/powerpoint/2015/main" val="1"/>
+                </p:ext>
+              </p:extLst>
+            </p:nvPr>
+          </p:nvSpPr>
+          <p:spPr bwMode="auto">
+            <a:xfrm>
+              <a:off x="11364912" y="474663"/>
+              <a:ext cx="157163" cy="152400"/>
+            </a:xfrm>
+            <a:custGeom>
+              <a:avLst/>
+              <a:gdLst/>
+              <a:ahLst/>
+              <a:cxnLst/>
+              <a:rect l="0" t="0" r="r" b="b"/>
+              <a:pathLst>
+                <a:path w="33" h="32">
+                  <a:moveTo>
+                    <a:pt x="17" y="32"/>
+                  </a:moveTo>
+                  <a:cubicBezTo>
+                    <a:pt x="13" y="32"/>
+                    <a:pt x="9" y="30"/>
+                    <a:pt x="6" y="27"/>
+                  </a:cubicBezTo>
+                  <a:cubicBezTo>
+                    <a:pt x="0" y="21"/>
+                    <a:pt x="0" y="11"/>
+                    <a:pt x="6" y="5"/>
+                  </a:cubicBezTo>
+                  <a:cubicBezTo>
+                    <a:pt x="9" y="2"/>
+                    <a:pt x="13" y="0"/>
+                    <a:pt x="17" y="0"/>
+                  </a:cubicBezTo>
+                  <a:cubicBezTo>
+                    <a:pt x="21" y="0"/>
+                    <a:pt x="25" y="2"/>
+                    <a:pt x="28" y="5"/>
+                  </a:cubicBezTo>
+                  <a:cubicBezTo>
+                    <a:pt x="31" y="8"/>
+                    <a:pt x="33" y="12"/>
+                    <a:pt x="33" y="16"/>
+                  </a:cubicBezTo>
+                  <a:cubicBezTo>
+                    <a:pt x="33" y="20"/>
+                    <a:pt x="31" y="24"/>
+                    <a:pt x="28" y="27"/>
+                  </a:cubicBezTo>
+                  <a:cubicBezTo>
+                    <a:pt x="25" y="30"/>
+                    <a:pt x="21" y="32"/>
+                    <a:pt x="17" y="32"/>
+                  </a:cubicBezTo>
+                  <a:close/>
+                  <a:moveTo>
+                    <a:pt x="17" y="4"/>
+                  </a:moveTo>
+                  <a:cubicBezTo>
+                    <a:pt x="14" y="4"/>
+                    <a:pt x="11" y="6"/>
+                    <a:pt x="9" y="8"/>
+                  </a:cubicBezTo>
+                  <a:cubicBezTo>
+                    <a:pt x="4" y="12"/>
+                    <a:pt x="4" y="20"/>
+                    <a:pt x="9" y="24"/>
+                  </a:cubicBezTo>
+                  <a:cubicBezTo>
+                    <a:pt x="11" y="27"/>
+                    <a:pt x="14" y="28"/>
+                    <a:pt x="17" y="28"/>
+                  </a:cubicBezTo>
+                  <a:cubicBezTo>
+                    <a:pt x="20" y="28"/>
+                    <a:pt x="23" y="27"/>
+                    <a:pt x="26" y="24"/>
+                  </a:cubicBezTo>
+                  <a:cubicBezTo>
+                    <a:pt x="30" y="20"/>
+                    <a:pt x="30" y="12"/>
+                    <a:pt x="26" y="8"/>
+                  </a:cubicBezTo>
+                  <a:cubicBezTo>
+                    <a:pt x="23" y="6"/>
+                    <a:pt x="20" y="4"/>
+                    <a:pt x="17" y="4"/>
+                  </a:cubicBezTo>
+                  <a:close/>
+                </a:path>
+              </a:pathLst>
+            </a:custGeom>
+            <a:grpFill/>
+            <a:ln>
+              <a:noFill/>
+            </a:ln>
+            <a:extLst>
+              <a:ext uri="{91240B29-F687-4f45-9708-019B960494DF}">
+                <a14:hiddenLine xmlns:a14="http://schemas.microsoft.com/office/drawing/2010/main" xmlns:p14="http://schemas.microsoft.com/office/powerpoint/2010/main" xmlns:a16="http://schemas.microsoft.com/office/drawing/2014/main" xmlns="" w="9525">
+                  <a:solidFill>
+                    <a:srgbClr val="000000"/>
+                  </a:solidFill>
+                  <a:round/>
+                  <a:headEnd/>
+                  <a:tailEnd/>
+                </a14:hiddenLine>
+              </a:ext>
+            </a:extLst>
+          </p:spPr>
+        </p:sp>
+        <p:sp>
+          <p:nvSpPr>
+            <p:cNvPr id="42" name="Freeform 34">
+              <a:extLst>
+                <a:ext uri="{FF2B5EF4-FFF2-40B4-BE49-F238E27FC236}">
+                  <a16:creationId xmlns:a16="http://schemas.microsoft.com/office/drawing/2014/main" id="{66942F07-D7CC-49EB-BF73-8B94D5F4FCB9}"/>
+                </a:ext>
+              </a:extLst>
+            </p:cNvPr>
+            <p:cNvSpPr>
+              <a:spLocks noEditPoints="1"/>
+            </p:cNvSpPr>
+            <p:nvPr>
+              <p:extLst>
+                <p:ext uri="{386F3935-93C4-4BCD-93E2-E3B085C9AB24}">
+                  <p16:designElem xmlns:p16="http://schemas.microsoft.com/office/powerpoint/2015/main" val="1"/>
+                </p:ext>
+              </p:extLst>
+            </p:nvPr>
+          </p:nvSpPr>
+          <p:spPr bwMode="auto">
+            <a:xfrm>
+              <a:off x="11631612" y="1539875"/>
+              <a:ext cx="188913" cy="190500"/>
+            </a:xfrm>
+            <a:custGeom>
+              <a:avLst/>
+              <a:gdLst/>
+              <a:ahLst/>
+              <a:cxnLst/>
+              <a:rect l="0" t="0" r="r" b="b"/>
+              <a:pathLst>
+                <a:path w="40" h="40">
+                  <a:moveTo>
+                    <a:pt x="20" y="40"/>
+                  </a:moveTo>
+                  <a:cubicBezTo>
+                    <a:pt x="9" y="40"/>
+                    <a:pt x="0" y="31"/>
+                    <a:pt x="0" y="20"/>
+                  </a:cubicBezTo>
+                  <a:cubicBezTo>
+                    <a:pt x="0" y="9"/>
+                    <a:pt x="9" y="0"/>
+                    <a:pt x="20" y="0"/>
+                  </a:cubicBezTo>
+                  <a:cubicBezTo>
+                    <a:pt x="31" y="0"/>
+                    <a:pt x="40" y="9"/>
+                    <a:pt x="40" y="20"/>
+                  </a:cubicBezTo>
+                  <a:cubicBezTo>
+                    <a:pt x="40" y="31"/>
+                    <a:pt x="31" y="40"/>
+                    <a:pt x="20" y="40"/>
+                  </a:cubicBezTo>
+                  <a:close/>
+                  <a:moveTo>
+                    <a:pt x="20" y="4"/>
+                  </a:moveTo>
+                  <a:cubicBezTo>
+                    <a:pt x="11" y="4"/>
+                    <a:pt x="4" y="11"/>
+                    <a:pt x="4" y="20"/>
+                  </a:cubicBezTo>
+                  <a:cubicBezTo>
+                    <a:pt x="4" y="29"/>
+                    <a:pt x="11" y="36"/>
+                    <a:pt x="20" y="36"/>
+                  </a:cubicBezTo>
+                  <a:cubicBezTo>
+                    <a:pt x="29" y="36"/>
+                    <a:pt x="36" y="29"/>
+                    <a:pt x="36" y="20"/>
+                  </a:cubicBezTo>
+                  <a:cubicBezTo>
+                    <a:pt x="36" y="11"/>
+                    <a:pt x="29" y="4"/>
+                    <a:pt x="20" y="4"/>
+                  </a:cubicBezTo>
+                  <a:close/>
+                </a:path>
+              </a:pathLst>
+            </a:custGeom>
+            <a:grpFill/>
+            <a:ln>
+              <a:noFill/>
+            </a:ln>
+            <a:extLst>
+              <a:ext uri="{91240B29-F687-4f45-9708-019B960494DF}">
+                <a14:hiddenLine xmlns:a14="http://schemas.microsoft.com/office/drawing/2010/main" xmlns:p14="http://schemas.microsoft.com/office/powerpoint/2010/main" xmlns:a16="http://schemas.microsoft.com/office/drawing/2014/main" xmlns="" w="9525">
+                  <a:solidFill>
+                    <a:srgbClr val="000000"/>
+                  </a:solidFill>
+                  <a:round/>
+                  <a:headEnd/>
+                  <a:tailEnd/>
+                </a14:hiddenLine>
+              </a:ext>
+            </a:extLst>
+          </p:spPr>
+        </p:sp>
+        <p:sp>
+          <p:nvSpPr>
+            <p:cNvPr id="43" name="Freeform 35">
+              <a:extLst>
+                <a:ext uri="{FF2B5EF4-FFF2-40B4-BE49-F238E27FC236}">
+                  <a16:creationId xmlns:a16="http://schemas.microsoft.com/office/drawing/2014/main" id="{4D3CACE0-3AC7-4A9F-9A3F-1694ACCD4795}"/>
+                </a:ext>
+              </a:extLst>
+            </p:cNvPr>
+            <p:cNvSpPr/>
+            <p:nvPr>
+              <p:extLst>
+                <p:ext uri="{386F3935-93C4-4BCD-93E2-E3B085C9AB24}">
+                  <p16:designElem xmlns:p16="http://schemas.microsoft.com/office/powerpoint/2015/main" val="1"/>
+                </p:ext>
+              </p:extLst>
+            </p:nvPr>
+          </p:nvSpPr>
+          <p:spPr bwMode="auto">
+            <a:xfrm>
+              <a:off x="11531600" y="5694363"/>
+              <a:ext cx="298450" cy="1154113"/>
+            </a:xfrm>
+            <a:custGeom>
+              <a:avLst/>
+              <a:gdLst/>
+              <a:ahLst/>
+              <a:cxnLst/>
+              <a:rect l="0" t="0" r="r" b="b"/>
+              <a:pathLst>
+                <a:path w="188" h="727">
+                  <a:moveTo>
+                    <a:pt x="15" y="727"/>
+                  </a:moveTo>
+                  <a:lnTo>
+                    <a:pt x="0" y="727"/>
+                  </a:lnTo>
+                  <a:lnTo>
+                    <a:pt x="0" y="407"/>
+                  </a:lnTo>
+                  <a:lnTo>
+                    <a:pt x="0" y="407"/>
+                  </a:lnTo>
+                  <a:lnTo>
+                    <a:pt x="176" y="0"/>
+                  </a:lnTo>
+                  <a:lnTo>
+                    <a:pt x="188" y="6"/>
+                  </a:lnTo>
+                  <a:lnTo>
+                    <a:pt x="15" y="410"/>
+                  </a:lnTo>
+                  <a:lnTo>
+                    <a:pt x="15" y="727"/>
+                  </a:lnTo>
+                  <a:close/>
+                </a:path>
+              </a:pathLst>
+            </a:custGeom>
+            <a:grpFill/>
+            <a:ln>
+              <a:noFill/>
+            </a:ln>
+            <a:extLst>
+              <a:ext uri="{91240B29-F687-4f45-9708-019B960494DF}">
+                <a14:hiddenLine xmlns:a14="http://schemas.microsoft.com/office/drawing/2010/main" xmlns:p14="http://schemas.microsoft.com/office/powerpoint/2010/main" xmlns:a16="http://schemas.microsoft.com/office/drawing/2014/main" xmlns="" w="9525">
+                  <a:solidFill>
+                    <a:srgbClr val="000000"/>
+                  </a:solidFill>
+                  <a:round/>
+                  <a:headEnd/>
+                  <a:tailEnd/>
+                </a14:hiddenLine>
+              </a:ext>
+            </a:extLst>
+          </p:spPr>
+        </p:sp>
+        <p:sp>
+          <p:nvSpPr>
+            <p:cNvPr id="44" name="Freeform 36">
+              <a:extLst>
+                <a:ext uri="{FF2B5EF4-FFF2-40B4-BE49-F238E27FC236}">
+                  <a16:creationId xmlns:a16="http://schemas.microsoft.com/office/drawing/2014/main" id="{19063B47-FBFB-4EA1-A3FB-BECE005F48B1}"/>
+                </a:ext>
+              </a:extLst>
+            </p:cNvPr>
+            <p:cNvSpPr>
+              <a:spLocks noEditPoints="1"/>
+            </p:cNvSpPr>
+            <p:nvPr>
+              <p:extLst>
+                <p:ext uri="{386F3935-93C4-4BCD-93E2-E3B085C9AB24}">
+                  <p16:designElem xmlns:p16="http://schemas.microsoft.com/office/powerpoint/2015/main" val="1"/>
+                </p:ext>
+              </p:extLst>
+            </p:nvPr>
+          </p:nvSpPr>
+          <p:spPr bwMode="auto">
+            <a:xfrm>
+              <a:off x="11772900" y="5551488"/>
+              <a:ext cx="157163" cy="155575"/>
+            </a:xfrm>
+            <a:custGeom>
+              <a:avLst/>
+              <a:gdLst/>
+              <a:ahLst/>
+              <a:cxnLst/>
+              <a:rect l="0" t="0" r="r" b="b"/>
+              <a:pathLst>
+                <a:path w="33" h="33">
+                  <a:moveTo>
+                    <a:pt x="17" y="33"/>
+                  </a:moveTo>
+                  <a:cubicBezTo>
+                    <a:pt x="8" y="33"/>
+                    <a:pt x="0" y="25"/>
+                    <a:pt x="0" y="16"/>
+                  </a:cubicBezTo>
+                  <a:cubicBezTo>
+                    <a:pt x="0" y="7"/>
+                    <a:pt x="8" y="0"/>
+                    <a:pt x="17" y="0"/>
+                  </a:cubicBezTo>
+                  <a:cubicBezTo>
+                    <a:pt x="26" y="0"/>
+                    <a:pt x="33" y="7"/>
+                    <a:pt x="33" y="16"/>
+                  </a:cubicBezTo>
+                  <a:cubicBezTo>
+                    <a:pt x="33" y="25"/>
+                    <a:pt x="26" y="33"/>
+                    <a:pt x="17" y="33"/>
+                  </a:cubicBezTo>
+                  <a:close/>
+                  <a:moveTo>
+                    <a:pt x="17" y="4"/>
+                  </a:moveTo>
+                  <a:cubicBezTo>
+                    <a:pt x="10" y="4"/>
+                    <a:pt x="4" y="9"/>
+                    <a:pt x="4" y="16"/>
+                  </a:cubicBezTo>
+                  <a:cubicBezTo>
+                    <a:pt x="4" y="23"/>
+                    <a:pt x="10" y="29"/>
+                    <a:pt x="17" y="29"/>
+                  </a:cubicBezTo>
+                  <a:cubicBezTo>
+                    <a:pt x="23" y="29"/>
+                    <a:pt x="29" y="23"/>
+                    <a:pt x="29" y="16"/>
+                  </a:cubicBezTo>
+                  <a:cubicBezTo>
+                    <a:pt x="29" y="9"/>
+                    <a:pt x="23" y="4"/>
+                    <a:pt x="17" y="4"/>
+                  </a:cubicBezTo>
+                  <a:close/>
+                </a:path>
+              </a:pathLst>
+            </a:custGeom>
+            <a:grpFill/>
+            <a:ln>
+              <a:noFill/>
+            </a:ln>
+            <a:extLst>
+              <a:ext uri="{91240B29-F687-4f45-9708-019B960494DF}">
+                <a14:hiddenLine xmlns:a14="http://schemas.microsoft.com/office/drawing/2010/main" xmlns:p14="http://schemas.microsoft.com/office/powerpoint/2010/main" xmlns:a16="http://schemas.microsoft.com/office/drawing/2014/main" xmlns="" w="9525">
+                  <a:solidFill>
+                    <a:srgbClr val="000000"/>
+                  </a:solidFill>
+                  <a:round/>
+                  <a:headEnd/>
+                  <a:tailEnd/>
+                </a14:hiddenLine>
+              </a:ext>
+            </a:extLst>
+          </p:spPr>
+        </p:sp>
+        <p:sp>
+          <p:nvSpPr>
+            <p:cNvPr id="45" name="Freeform 37">
+              <a:extLst>
+                <a:ext uri="{FF2B5EF4-FFF2-40B4-BE49-F238E27FC236}">
+                  <a16:creationId xmlns:a16="http://schemas.microsoft.com/office/drawing/2014/main" id="{B856863B-C809-4C31-94D0-659A9185130E}"/>
+                </a:ext>
+              </a:extLst>
+            </p:cNvPr>
+            <p:cNvSpPr/>
+            <p:nvPr>
+              <p:extLst>
+                <p:ext uri="{386F3935-93C4-4BCD-93E2-E3B085C9AB24}">
+                  <p16:designElem xmlns:p16="http://schemas.microsoft.com/office/powerpoint/2015/main" val="1"/>
+                </p:ext>
+              </p:extLst>
+            </p:nvPr>
+          </p:nvSpPr>
+          <p:spPr bwMode="auto">
+            <a:xfrm>
+              <a:off x="11710987" y="4763"/>
+              <a:ext cx="304800" cy="1544638"/>
+            </a:xfrm>
+            <a:custGeom>
+              <a:avLst/>
+              <a:gdLst/>
+              <a:ahLst/>
+              <a:cxnLst/>
+              <a:rect l="0" t="0" r="r" b="b"/>
+              <a:pathLst>
+                <a:path w="192" h="973">
+                  <a:moveTo>
+                    <a:pt x="15" y="973"/>
+                  </a:moveTo>
+                  <a:lnTo>
+                    <a:pt x="0" y="973"/>
+                  </a:lnTo>
+                  <a:lnTo>
+                    <a:pt x="0" y="790"/>
+                  </a:lnTo>
+                  <a:lnTo>
+                    <a:pt x="174" y="614"/>
+                  </a:lnTo>
+                  <a:lnTo>
+                    <a:pt x="174" y="0"/>
+                  </a:lnTo>
+                  <a:lnTo>
+                    <a:pt x="192" y="0"/>
+                  </a:lnTo>
+                  <a:lnTo>
+                    <a:pt x="192" y="620"/>
+                  </a:lnTo>
+                  <a:lnTo>
+                    <a:pt x="15" y="796"/>
+                  </a:lnTo>
+                  <a:lnTo>
+                    <a:pt x="15" y="973"/>
+                  </a:lnTo>
+                  <a:close/>
+                </a:path>
+              </a:pathLst>
+            </a:custGeom>
+            <a:grpFill/>
+            <a:ln>
+              <a:noFill/>
+            </a:ln>
+            <a:extLst>
+              <a:ext uri="{91240B29-F687-4f45-9708-019B960494DF}">
+                <a14:hiddenLine xmlns:a14="http://schemas.microsoft.com/office/drawing/2010/main" xmlns:p14="http://schemas.microsoft.com/office/powerpoint/2010/main" xmlns:a16="http://schemas.microsoft.com/office/drawing/2014/main" xmlns="" w="9525">
+                  <a:solidFill>
+                    <a:srgbClr val="000000"/>
+                  </a:solidFill>
+                  <a:round/>
+                  <a:headEnd/>
+                  <a:tailEnd/>
+                </a14:hiddenLine>
+              </a:ext>
+            </a:extLst>
+          </p:spPr>
+        </p:sp>
+        <p:sp>
+          <p:nvSpPr>
+            <p:cNvPr id="46" name="Freeform 38">
+              <a:extLst>
+                <a:ext uri="{FF2B5EF4-FFF2-40B4-BE49-F238E27FC236}">
+                  <a16:creationId xmlns:a16="http://schemas.microsoft.com/office/drawing/2014/main" id="{298CB3D7-7373-4AC6-9E2C-4AFDDE28023C}"/>
+                </a:ext>
+              </a:extLst>
+            </p:cNvPr>
+            <p:cNvSpPr>
+              <a:spLocks noEditPoints="1"/>
+            </p:cNvSpPr>
+            <p:nvPr>
+              <p:extLst>
+                <p:ext uri="{386F3935-93C4-4BCD-93E2-E3B085C9AB24}">
+                  <p16:designElem xmlns:p16="http://schemas.microsoft.com/office/powerpoint/2015/main" val="1"/>
+                </p:ext>
+              </p:extLst>
+            </p:nvPr>
+          </p:nvSpPr>
+          <p:spPr bwMode="auto">
+            <a:xfrm>
+              <a:off x="11636375" y="4867275"/>
+              <a:ext cx="188913" cy="188913"/>
+            </a:xfrm>
+            <a:custGeom>
+              <a:avLst/>
+              <a:gdLst/>
+              <a:ahLst/>
+              <a:cxnLst/>
+              <a:rect l="0" t="0" r="r" b="b"/>
+              <a:pathLst>
+                <a:path w="40" h="40">
+                  <a:moveTo>
+                    <a:pt x="20" y="40"/>
+                  </a:moveTo>
+                  <a:cubicBezTo>
+                    <a:pt x="9" y="40"/>
+                    <a:pt x="0" y="31"/>
+                    <a:pt x="0" y="20"/>
+                  </a:cubicBezTo>
+                  <a:cubicBezTo>
+                    <a:pt x="0" y="9"/>
+                    <a:pt x="9" y="0"/>
+                    <a:pt x="20" y="0"/>
+                  </a:cubicBezTo>
+                  <a:cubicBezTo>
+                    <a:pt x="31" y="0"/>
+                    <a:pt x="40" y="9"/>
+                    <a:pt x="40" y="20"/>
+                  </a:cubicBezTo>
+                  <a:cubicBezTo>
+                    <a:pt x="40" y="31"/>
+                    <a:pt x="31" y="40"/>
+                    <a:pt x="20" y="40"/>
+                  </a:cubicBezTo>
+                  <a:close/>
+                  <a:moveTo>
+                    <a:pt x="20" y="4"/>
+                  </a:moveTo>
+                  <a:cubicBezTo>
+                    <a:pt x="11" y="4"/>
+                    <a:pt x="4" y="11"/>
+                    <a:pt x="4" y="20"/>
+                  </a:cubicBezTo>
+                  <a:cubicBezTo>
+                    <a:pt x="4" y="29"/>
+                    <a:pt x="11" y="36"/>
+                    <a:pt x="20" y="36"/>
+                  </a:cubicBezTo>
+                  <a:cubicBezTo>
+                    <a:pt x="29" y="36"/>
+                    <a:pt x="36" y="29"/>
+                    <a:pt x="36" y="20"/>
+                  </a:cubicBezTo>
+                  <a:cubicBezTo>
+                    <a:pt x="36" y="11"/>
+                    <a:pt x="29" y="4"/>
+                    <a:pt x="20" y="4"/>
+                  </a:cubicBezTo>
+                  <a:close/>
+                </a:path>
+              </a:pathLst>
+            </a:custGeom>
+            <a:grpFill/>
+            <a:ln>
+              <a:noFill/>
+            </a:ln>
+            <a:extLst>
+              <a:ext uri="{91240B29-F687-4f45-9708-019B960494DF}">
+                <a14:hiddenLine xmlns:a14="http://schemas.microsoft.com/office/drawing/2010/main" xmlns:p14="http://schemas.microsoft.com/office/powerpoint/2010/main" xmlns:a16="http://schemas.microsoft.com/office/drawing/2014/main" xmlns="" w="9525">
+                  <a:solidFill>
+                    <a:srgbClr val="000000"/>
+                  </a:solidFill>
+                  <a:round/>
+                  <a:headEnd/>
+                  <a:tailEnd/>
+                </a14:hiddenLine>
+              </a:ext>
+            </a:extLst>
+          </p:spPr>
+        </p:sp>
+        <p:sp>
+          <p:nvSpPr>
+            <p:cNvPr id="47" name="Freeform 39">
+              <a:extLst>
+                <a:ext uri="{FF2B5EF4-FFF2-40B4-BE49-F238E27FC236}">
+                  <a16:creationId xmlns:a16="http://schemas.microsoft.com/office/drawing/2014/main" id="{7DE09F1B-2326-4ED3-B63B-A30815DDEC88}"/>
+                </a:ext>
+              </a:extLst>
+            </p:cNvPr>
+            <p:cNvSpPr/>
+            <p:nvPr>
+              <p:extLst>
+                <p:ext uri="{386F3935-93C4-4BCD-93E2-E3B085C9AB24}">
+                  <p16:designElem xmlns:p16="http://schemas.microsoft.com/office/powerpoint/2015/main" val="1"/>
+                </p:ext>
+              </p:extLst>
+            </p:nvPr>
+          </p:nvSpPr>
+          <p:spPr bwMode="auto">
+            <a:xfrm>
+              <a:off x="11441112" y="5046663"/>
+              <a:ext cx="307975" cy="1801813"/>
+            </a:xfrm>
+            <a:custGeom>
+              <a:avLst/>
+              <a:gdLst/>
+              <a:ahLst/>
+              <a:cxnLst/>
+              <a:rect l="0" t="0" r="r" b="b"/>
+              <a:pathLst>
+                <a:path w="194" h="1135">
+                  <a:moveTo>
+                    <a:pt x="18" y="1135"/>
+                  </a:moveTo>
+                  <a:lnTo>
+                    <a:pt x="0" y="1135"/>
+                  </a:lnTo>
+                  <a:lnTo>
+                    <a:pt x="0" y="354"/>
+                  </a:lnTo>
+                  <a:lnTo>
+                    <a:pt x="176" y="177"/>
+                  </a:lnTo>
+                  <a:lnTo>
+                    <a:pt x="176" y="0"/>
+                  </a:lnTo>
+                  <a:lnTo>
+                    <a:pt x="194" y="0"/>
+                  </a:lnTo>
+                  <a:lnTo>
+                    <a:pt x="194" y="183"/>
+                  </a:lnTo>
+                  <a:lnTo>
+                    <a:pt x="18" y="360"/>
+                  </a:lnTo>
+                  <a:lnTo>
+                    <a:pt x="18" y="1135"/>
+                  </a:lnTo>
+                  <a:close/>
+                </a:path>
+              </a:pathLst>
+            </a:custGeom>
+            <a:grpFill/>
+            <a:ln>
+              <a:noFill/>
+            </a:ln>
+            <a:extLst>
+              <a:ext uri="{91240B29-F687-4f45-9708-019B960494DF}">
+                <a14:hiddenLine xmlns:a14="http://schemas.microsoft.com/office/drawing/2010/main" xmlns:p14="http://schemas.microsoft.com/office/powerpoint/2010/main" xmlns:a16="http://schemas.microsoft.com/office/drawing/2014/main" xmlns="" w="9525">
+                  <a:solidFill>
+                    <a:srgbClr val="000000"/>
+                  </a:solidFill>
+                  <a:round/>
+                  <a:headEnd/>
+                  <a:tailEnd/>
+                </a14:hiddenLine>
+              </a:ext>
+            </a:extLst>
+          </p:spPr>
+        </p:sp>
+        <p:sp>
+          <p:nvSpPr>
+            <p:cNvPr id="48" name="Freeform 40">
+              <a:extLst>
+                <a:ext uri="{FF2B5EF4-FFF2-40B4-BE49-F238E27FC236}">
+                  <a16:creationId xmlns:a16="http://schemas.microsoft.com/office/drawing/2014/main" id="{2498F244-3CE6-4D90-B5CF-5189DB17D0D3}"/>
+                </a:ext>
+              </a:extLst>
+            </p:cNvPr>
+            <p:cNvSpPr>
+              <a:spLocks noEditPoints="1"/>
+            </p:cNvSpPr>
+            <p:nvPr>
+              <p:extLst>
+                <p:ext uri="{386F3935-93C4-4BCD-93E2-E3B085C9AB24}">
+                  <p16:designElem xmlns:p16="http://schemas.microsoft.com/office/powerpoint/2015/main" val="1"/>
+                </p:ext>
+              </p:extLst>
+            </p:nvPr>
+          </p:nvSpPr>
+          <p:spPr bwMode="auto">
+            <a:xfrm>
+              <a:off x="11849100" y="6416675"/>
+              <a:ext cx="190500" cy="188913"/>
+            </a:xfrm>
+            <a:custGeom>
+              <a:avLst/>
+              <a:gdLst/>
+              <a:ahLst/>
+              <a:cxnLst/>
+              <a:rect l="0" t="0" r="r" b="b"/>
+              <a:pathLst>
+                <a:path w="40" h="40">
+                  <a:moveTo>
+                    <a:pt x="20" y="40"/>
+                  </a:moveTo>
+                  <a:cubicBezTo>
+                    <a:pt x="9" y="40"/>
+                    <a:pt x="0" y="31"/>
+                    <a:pt x="0" y="20"/>
+                  </a:cubicBezTo>
+                  <a:cubicBezTo>
+                    <a:pt x="0" y="9"/>
+                    <a:pt x="9" y="0"/>
+                    <a:pt x="20" y="0"/>
+                  </a:cubicBezTo>
+                  <a:cubicBezTo>
+                    <a:pt x="31" y="0"/>
+                    <a:pt x="40" y="9"/>
+                    <a:pt x="40" y="20"/>
+                  </a:cubicBezTo>
+                  <a:cubicBezTo>
+                    <a:pt x="40" y="31"/>
+                    <a:pt x="31" y="40"/>
+                    <a:pt x="20" y="40"/>
+                  </a:cubicBezTo>
+                  <a:close/>
+                  <a:moveTo>
+                    <a:pt x="20" y="4"/>
+                  </a:moveTo>
+                  <a:cubicBezTo>
+                    <a:pt x="12" y="4"/>
+                    <a:pt x="4" y="11"/>
+                    <a:pt x="4" y="20"/>
+                  </a:cubicBezTo>
+                  <a:cubicBezTo>
+                    <a:pt x="4" y="29"/>
+                    <a:pt x="12" y="36"/>
+                    <a:pt x="20" y="36"/>
+                  </a:cubicBezTo>
+                  <a:cubicBezTo>
+                    <a:pt x="29" y="36"/>
+                    <a:pt x="36" y="29"/>
+                    <a:pt x="36" y="20"/>
+                  </a:cubicBezTo>
+                  <a:cubicBezTo>
+                    <a:pt x="36" y="11"/>
+                    <a:pt x="29" y="4"/>
+                    <a:pt x="20" y="4"/>
+                  </a:cubicBezTo>
+                  <a:close/>
+                </a:path>
+              </a:pathLst>
+            </a:custGeom>
+            <a:grpFill/>
+            <a:ln>
+              <a:noFill/>
+            </a:ln>
+            <a:extLst>
+              <a:ext uri="{91240B29-F687-4f45-9708-019B960494DF}">
+                <a14:hiddenLine xmlns:a14="http://schemas.microsoft.com/office/drawing/2010/main" xmlns:p14="http://schemas.microsoft.com/office/powerpoint/2010/main" xmlns:a16="http://schemas.microsoft.com/office/drawing/2014/main" xmlns="" w="9525">
+                  <a:solidFill>
+                    <a:srgbClr val="000000"/>
+                  </a:solidFill>
+                  <a:round/>
+                  <a:headEnd/>
+                  <a:tailEnd/>
+                </a14:hiddenLine>
+              </a:ext>
+            </a:extLst>
+          </p:spPr>
+        </p:sp>
+        <p:sp>
+          <p:nvSpPr>
+            <p:cNvPr id="49" name="Rectangle 41">
+              <a:extLst>
+                <a:ext uri="{FF2B5EF4-FFF2-40B4-BE49-F238E27FC236}">
+                  <a16:creationId xmlns:a16="http://schemas.microsoft.com/office/drawing/2014/main" id="{9A30DD13-FA10-4B9F-8B4D-97B7287B82F9}"/>
+                </a:ext>
+              </a:extLst>
+            </p:cNvPr>
+            <p:cNvSpPr>
+              <a:spLocks noChangeArrowheads="1"/>
+            </p:cNvSpPr>
+            <p:nvPr>
+              <p:extLst>
+                <p:ext uri="{386F3935-93C4-4BCD-93E2-E3B085C9AB24}">
+                  <p16:designElem xmlns:p16="http://schemas.microsoft.com/office/powerpoint/2015/main" val="1"/>
+                </p:ext>
+              </p:extLst>
+            </p:nvPr>
+          </p:nvSpPr>
+          <p:spPr bwMode="auto">
+            <a:xfrm>
+              <a:off x="11939587" y="6596063"/>
+              <a:ext cx="23813" cy="252413"/>
+            </a:xfrm>
+            <a:prstGeom prst="rect">
+              <a:avLst/>
+            </a:prstGeom>
+            <a:grpFill/>
+            <a:ln>
+              <a:noFill/>
+            </a:ln>
+            <a:extLst>
+              <a:ext uri="{91240B29-F687-4f45-9708-019B960494DF}">
+                <a14:hiddenLine xmlns:a14="http://schemas.microsoft.com/office/drawing/2010/main" xmlns:p14="http://schemas.microsoft.com/office/powerpoint/2010/main" xmlns:a16="http://schemas.microsoft.com/office/drawing/2014/main" xmlns="" w="9525">
                   <a:solidFill>
                     <a:srgbClr val="000000"/>
                   </a:solidFill>

--- a/SLAP.pptx
+++ b/SLAP.pptx
@@ -185,7 +185,7 @@
           <a:noFill/>
           <a:extLst>
             <a:ext uri="{909E8E84-426E-40dd-AFC4-6F175D3DCCD1}">
-              <a14:hiddenFill xmlns="" xmlns:a14="http://schemas.microsoft.com/office/drawing/2010/main">
+              <a14:hiddenFill xmlns:a14="http://schemas.microsoft.com/office/drawing/2010/main" xmlns="">
                 <a:solidFill>
                   <a:srgbClr val="FFFFFF"/>
                 </a:solidFill>
@@ -245,7 +245,7 @@
             </a:ln>
             <a:extLst>
               <a:ext uri="{91240B29-F687-4f45-9708-019B960494DF}">
-                <a14:hiddenLine xmlns="" xmlns:a14="http://schemas.microsoft.com/office/drawing/2010/main" w="9525">
+                <a14:hiddenLine xmlns:a14="http://schemas.microsoft.com/office/drawing/2010/main" xmlns="" w="9525">
                   <a:solidFill>
                     <a:srgbClr val="000000"/>
                   </a:solidFill>
@@ -335,7 +335,7 @@
             </a:ln>
             <a:extLst>
               <a:ext uri="{91240B29-F687-4f45-9708-019B960494DF}">
-                <a14:hiddenLine xmlns="" xmlns:a14="http://schemas.microsoft.com/office/drawing/2010/main" w="9525">
+                <a14:hiddenLine xmlns:a14="http://schemas.microsoft.com/office/drawing/2010/main" xmlns="" w="9525">
                   <a:solidFill>
                     <a:srgbClr val="000000"/>
                   </a:solidFill>
@@ -425,7 +425,7 @@
             </a:ln>
             <a:extLst>
               <a:ext uri="{91240B29-F687-4f45-9708-019B960494DF}">
-                <a14:hiddenLine xmlns="" xmlns:a14="http://schemas.microsoft.com/office/drawing/2010/main" w="9525">
+                <a14:hiddenLine xmlns:a14="http://schemas.microsoft.com/office/drawing/2010/main" xmlns="" w="9525">
                   <a:solidFill>
                     <a:srgbClr val="000000"/>
                   </a:solidFill>
@@ -459,7 +459,7 @@
             </a:ln>
             <a:extLst>
               <a:ext uri="{91240B29-F687-4f45-9708-019B960494DF}">
-                <a14:hiddenLine xmlns="" xmlns:a14="http://schemas.microsoft.com/office/drawing/2010/main" w="9525">
+                <a14:hiddenLine xmlns:a14="http://schemas.microsoft.com/office/drawing/2010/main" xmlns="" w="9525">
                   <a:solidFill>
                     <a:srgbClr val="000000"/>
                   </a:solidFill>
@@ -549,7 +549,7 @@
             </a:ln>
             <a:extLst>
               <a:ext uri="{91240B29-F687-4f45-9708-019B960494DF}">
-                <a14:hiddenLine xmlns="" xmlns:a14="http://schemas.microsoft.com/office/drawing/2010/main" w="9525">
+                <a14:hiddenLine xmlns:a14="http://schemas.microsoft.com/office/drawing/2010/main" xmlns="" w="9525">
                   <a:solidFill>
                     <a:srgbClr val="000000"/>
                   </a:solidFill>
@@ -611,7 +611,7 @@
             </a:ln>
             <a:extLst>
               <a:ext uri="{91240B29-F687-4f45-9708-019B960494DF}">
-                <a14:hiddenLine xmlns="" xmlns:a14="http://schemas.microsoft.com/office/drawing/2010/main" w="9525">
+                <a14:hiddenLine xmlns:a14="http://schemas.microsoft.com/office/drawing/2010/main" xmlns="" w="9525">
                   <a:solidFill>
                     <a:srgbClr val="000000"/>
                   </a:solidFill>
@@ -673,7 +673,7 @@
             </a:ln>
             <a:extLst>
               <a:ext uri="{91240B29-F687-4f45-9708-019B960494DF}">
-                <a14:hiddenLine xmlns="" xmlns:a14="http://schemas.microsoft.com/office/drawing/2010/main" w="9525">
+                <a14:hiddenLine xmlns:a14="http://schemas.microsoft.com/office/drawing/2010/main" xmlns="" w="9525">
                   <a:solidFill>
                     <a:srgbClr val="000000"/>
                   </a:solidFill>
@@ -763,7 +763,7 @@
             </a:ln>
             <a:extLst>
               <a:ext uri="{91240B29-F687-4f45-9708-019B960494DF}">
-                <a14:hiddenLine xmlns="" xmlns:a14="http://schemas.microsoft.com/office/drawing/2010/main" w="9525">
+                <a14:hiddenLine xmlns:a14="http://schemas.microsoft.com/office/drawing/2010/main" xmlns="" w="9525">
                   <a:solidFill>
                     <a:srgbClr val="000000"/>
                   </a:solidFill>
@@ -825,7 +825,7 @@
             </a:ln>
             <a:extLst>
               <a:ext uri="{91240B29-F687-4f45-9708-019B960494DF}">
-                <a14:hiddenLine xmlns="" xmlns:a14="http://schemas.microsoft.com/office/drawing/2010/main" w="9525">
+                <a14:hiddenLine xmlns:a14="http://schemas.microsoft.com/office/drawing/2010/main" xmlns="" w="9525">
                   <a:solidFill>
                     <a:srgbClr val="000000"/>
                   </a:solidFill>
@@ -887,7 +887,7 @@
             </a:ln>
             <a:extLst>
               <a:ext uri="{91240B29-F687-4f45-9708-019B960494DF}">
-                <a14:hiddenLine xmlns="" xmlns:a14="http://schemas.microsoft.com/office/drawing/2010/main" w="9525">
+                <a14:hiddenLine xmlns:a14="http://schemas.microsoft.com/office/drawing/2010/main" xmlns="" w="9525">
                   <a:solidFill>
                     <a:srgbClr val="000000"/>
                   </a:solidFill>
@@ -977,7 +977,7 @@
             </a:ln>
             <a:extLst>
               <a:ext uri="{91240B29-F687-4f45-9708-019B960494DF}">
-                <a14:hiddenLine xmlns="" xmlns:a14="http://schemas.microsoft.com/office/drawing/2010/main" w="9525">
+                <a14:hiddenLine xmlns:a14="http://schemas.microsoft.com/office/drawing/2010/main" xmlns="" w="9525">
                   <a:solidFill>
                     <a:srgbClr val="000000"/>
                   </a:solidFill>
@@ -1067,7 +1067,7 @@
             </a:ln>
             <a:extLst>
               <a:ext uri="{91240B29-F687-4f45-9708-019B960494DF}">
-                <a14:hiddenLine xmlns="" xmlns:a14="http://schemas.microsoft.com/office/drawing/2010/main" w="9525">
+                <a14:hiddenLine xmlns:a14="http://schemas.microsoft.com/office/drawing/2010/main" xmlns="" w="9525">
                   <a:solidFill>
                     <a:srgbClr val="000000"/>
                   </a:solidFill>
@@ -1129,7 +1129,7 @@
             </a:ln>
             <a:extLst>
               <a:ext uri="{91240B29-F687-4f45-9708-019B960494DF}">
-                <a14:hiddenLine xmlns="" xmlns:a14="http://schemas.microsoft.com/office/drawing/2010/main" w="9525">
+                <a14:hiddenLine xmlns:a14="http://schemas.microsoft.com/office/drawing/2010/main" xmlns="" w="9525">
                   <a:solidFill>
                     <a:srgbClr val="000000"/>
                   </a:solidFill>
@@ -1239,7 +1239,7 @@
             </a:ln>
             <a:extLst>
               <a:ext uri="{91240B29-F687-4f45-9708-019B960494DF}">
-                <a14:hiddenLine xmlns="" xmlns:a14="http://schemas.microsoft.com/office/drawing/2010/main" w="9525">
+                <a14:hiddenLine xmlns:a14="http://schemas.microsoft.com/office/drawing/2010/main" xmlns="" w="9525">
                   <a:solidFill>
                     <a:srgbClr val="000000"/>
                   </a:solidFill>
@@ -1301,7 +1301,7 @@
             </a:ln>
             <a:extLst>
               <a:ext uri="{91240B29-F687-4f45-9708-019B960494DF}">
-                <a14:hiddenLine xmlns="" xmlns:a14="http://schemas.microsoft.com/office/drawing/2010/main" w="9525">
+                <a14:hiddenLine xmlns:a14="http://schemas.microsoft.com/office/drawing/2010/main" xmlns="" w="9525">
                   <a:solidFill>
                     <a:srgbClr val="000000"/>
                   </a:solidFill>
@@ -1391,7 +1391,7 @@
             </a:ln>
             <a:extLst>
               <a:ext uri="{91240B29-F687-4f45-9708-019B960494DF}">
-                <a14:hiddenLine xmlns="" xmlns:a14="http://schemas.microsoft.com/office/drawing/2010/main" w="9525">
+                <a14:hiddenLine xmlns:a14="http://schemas.microsoft.com/office/drawing/2010/main" xmlns="" w="9525">
                   <a:solidFill>
                     <a:srgbClr val="000000"/>
                   </a:solidFill>
@@ -1481,7 +1481,7 @@
             </a:ln>
             <a:extLst>
               <a:ext uri="{91240B29-F687-4f45-9708-019B960494DF}">
-                <a14:hiddenLine xmlns="" xmlns:a14="http://schemas.microsoft.com/office/drawing/2010/main" w="9525">
+                <a14:hiddenLine xmlns:a14="http://schemas.microsoft.com/office/drawing/2010/main" xmlns="" w="9525">
                   <a:solidFill>
                     <a:srgbClr val="000000"/>
                   </a:solidFill>
@@ -1543,7 +1543,7 @@
             </a:ln>
             <a:extLst>
               <a:ext uri="{91240B29-F687-4f45-9708-019B960494DF}">
-                <a14:hiddenLine xmlns="" xmlns:a14="http://schemas.microsoft.com/office/drawing/2010/main" w="9525">
+                <a14:hiddenLine xmlns:a14="http://schemas.microsoft.com/office/drawing/2010/main" xmlns="" w="9525">
                   <a:solidFill>
                     <a:srgbClr val="000000"/>
                   </a:solidFill>
@@ -1633,7 +1633,7 @@
             </a:ln>
             <a:extLst>
               <a:ext uri="{91240B29-F687-4f45-9708-019B960494DF}">
-                <a14:hiddenLine xmlns="" xmlns:a14="http://schemas.microsoft.com/office/drawing/2010/main" w="9525">
+                <a14:hiddenLine xmlns:a14="http://schemas.microsoft.com/office/drawing/2010/main" xmlns="" w="9525">
                   <a:solidFill>
                     <a:srgbClr val="000000"/>
                   </a:solidFill>
@@ -1723,7 +1723,7 @@
             </a:ln>
             <a:extLst>
               <a:ext uri="{91240B29-F687-4f45-9708-019B960494DF}">
-                <a14:hiddenLine xmlns="" xmlns:a14="http://schemas.microsoft.com/office/drawing/2010/main" w="9525">
+                <a14:hiddenLine xmlns:a14="http://schemas.microsoft.com/office/drawing/2010/main" xmlns="" w="9525">
                   <a:solidFill>
                     <a:srgbClr val="000000"/>
                   </a:solidFill>
@@ -1779,7 +1779,7 @@
             </a:ln>
             <a:extLst>
               <a:ext uri="{91240B29-F687-4f45-9708-019B960494DF}">
-                <a14:hiddenLine xmlns="" xmlns:a14="http://schemas.microsoft.com/office/drawing/2010/main" w="9525">
+                <a14:hiddenLine xmlns:a14="http://schemas.microsoft.com/office/drawing/2010/main" xmlns="" w="9525">
                   <a:solidFill>
                     <a:srgbClr val="000000"/>
                   </a:solidFill>
@@ -1869,7 +1869,7 @@
             </a:ln>
             <a:extLst>
               <a:ext uri="{91240B29-F687-4f45-9708-019B960494DF}">
-                <a14:hiddenLine xmlns="" xmlns:a14="http://schemas.microsoft.com/office/drawing/2010/main" w="9525">
+                <a14:hiddenLine xmlns:a14="http://schemas.microsoft.com/office/drawing/2010/main" xmlns="" w="9525">
                   <a:solidFill>
                     <a:srgbClr val="000000"/>
                   </a:solidFill>
@@ -1925,7 +1925,7 @@
             </a:ln>
             <a:extLst>
               <a:ext uri="{91240B29-F687-4f45-9708-019B960494DF}">
-                <a14:hiddenLine xmlns="" xmlns:a14="http://schemas.microsoft.com/office/drawing/2010/main" w="9525">
+                <a14:hiddenLine xmlns:a14="http://schemas.microsoft.com/office/drawing/2010/main" xmlns="" w="9525">
                   <a:solidFill>
                     <a:srgbClr val="000000"/>
                   </a:solidFill>
@@ -2015,7 +2015,7 @@
             </a:ln>
             <a:extLst>
               <a:ext uri="{91240B29-F687-4f45-9708-019B960494DF}">
-                <a14:hiddenLine xmlns="" xmlns:a14="http://schemas.microsoft.com/office/drawing/2010/main" w="9525">
+                <a14:hiddenLine xmlns:a14="http://schemas.microsoft.com/office/drawing/2010/main" xmlns="" w="9525">
                   <a:solidFill>
                     <a:srgbClr val="000000"/>
                   </a:solidFill>
@@ -2083,7 +2083,7 @@
             </a:ln>
             <a:extLst>
               <a:ext uri="{91240B29-F687-4f45-9708-019B960494DF}">
-                <a14:hiddenLine xmlns="" xmlns:a14="http://schemas.microsoft.com/office/drawing/2010/main" w="9525">
+                <a14:hiddenLine xmlns:a14="http://schemas.microsoft.com/office/drawing/2010/main" xmlns="" w="9525">
                   <a:solidFill>
                     <a:srgbClr val="000000"/>
                   </a:solidFill>
@@ -2173,7 +2173,7 @@
             </a:ln>
             <a:extLst>
               <a:ext uri="{91240B29-F687-4f45-9708-019B960494DF}">
-                <a14:hiddenLine xmlns="" xmlns:a14="http://schemas.microsoft.com/office/drawing/2010/main" w="9525">
+                <a14:hiddenLine xmlns:a14="http://schemas.microsoft.com/office/drawing/2010/main" xmlns="" w="9525">
                   <a:solidFill>
                     <a:srgbClr val="000000"/>
                   </a:solidFill>
@@ -2241,7 +2241,7 @@
             </a:ln>
             <a:extLst>
               <a:ext uri="{91240B29-F687-4f45-9708-019B960494DF}">
-                <a14:hiddenLine xmlns="" xmlns:a14="http://schemas.microsoft.com/office/drawing/2010/main" w="9525">
+                <a14:hiddenLine xmlns:a14="http://schemas.microsoft.com/office/drawing/2010/main" xmlns="" w="9525">
                   <a:solidFill>
                     <a:srgbClr val="000000"/>
                   </a:solidFill>
@@ -2331,7 +2331,7 @@
             </a:ln>
             <a:extLst>
               <a:ext uri="{91240B29-F687-4f45-9708-019B960494DF}">
-                <a14:hiddenLine xmlns="" xmlns:a14="http://schemas.microsoft.com/office/drawing/2010/main" w="9525">
+                <a14:hiddenLine xmlns:a14="http://schemas.microsoft.com/office/drawing/2010/main" xmlns="" w="9525">
                   <a:solidFill>
                     <a:srgbClr val="000000"/>
                   </a:solidFill>
@@ -2365,7 +2365,7 @@
             </a:ln>
             <a:extLst>
               <a:ext uri="{91240B29-F687-4f45-9708-019B960494DF}">
-                <a14:hiddenLine xmlns="" xmlns:a14="http://schemas.microsoft.com/office/drawing/2010/main" w="9525">
+                <a14:hiddenLine xmlns:a14="http://schemas.microsoft.com/office/drawing/2010/main" xmlns="" w="9525">
                   <a:solidFill>
                     <a:srgbClr val="000000"/>
                   </a:solidFill>
@@ -2455,7 +2455,7 @@
             </a:ln>
             <a:extLst>
               <a:ext uri="{91240B29-F687-4f45-9708-019B960494DF}">
-                <a14:hiddenLine xmlns="" xmlns:a14="http://schemas.microsoft.com/office/drawing/2010/main" w="9525">
+                <a14:hiddenLine xmlns:a14="http://schemas.microsoft.com/office/drawing/2010/main" xmlns="" w="9525">
                   <a:solidFill>
                     <a:srgbClr val="000000"/>
                   </a:solidFill>
@@ -2517,7 +2517,7 @@
             </a:ln>
             <a:extLst>
               <a:ext uri="{91240B29-F687-4f45-9708-019B960494DF}">
-                <a14:hiddenLine xmlns="" xmlns:a14="http://schemas.microsoft.com/office/drawing/2010/main" w="9525">
+                <a14:hiddenLine xmlns:a14="http://schemas.microsoft.com/office/drawing/2010/main" xmlns="" w="9525">
                   <a:solidFill>
                     <a:srgbClr val="000000"/>
                   </a:solidFill>
@@ -2579,7 +2579,7 @@
             </a:ln>
             <a:extLst>
               <a:ext uri="{91240B29-F687-4f45-9708-019B960494DF}">
-                <a14:hiddenLine xmlns="" xmlns:a14="http://schemas.microsoft.com/office/drawing/2010/main" w="9525">
+                <a14:hiddenLine xmlns:a14="http://schemas.microsoft.com/office/drawing/2010/main" xmlns="" w="9525">
                   <a:solidFill>
                     <a:srgbClr val="000000"/>
                   </a:solidFill>
@@ -2669,7 +2669,7 @@
             </a:ln>
             <a:extLst>
               <a:ext uri="{91240B29-F687-4f45-9708-019B960494DF}">
-                <a14:hiddenLine xmlns="" xmlns:a14="http://schemas.microsoft.com/office/drawing/2010/main" w="9525">
+                <a14:hiddenLine xmlns:a14="http://schemas.microsoft.com/office/drawing/2010/main" xmlns="" w="9525">
                   <a:solidFill>
                     <a:srgbClr val="000000"/>
                   </a:solidFill>
@@ -2737,7 +2737,7 @@
             </a:ln>
             <a:extLst>
               <a:ext uri="{91240B29-F687-4f45-9708-019B960494DF}">
-                <a14:hiddenLine xmlns="" xmlns:a14="http://schemas.microsoft.com/office/drawing/2010/main" w="9525">
+                <a14:hiddenLine xmlns:a14="http://schemas.microsoft.com/office/drawing/2010/main" xmlns="" w="9525">
                   <a:solidFill>
                     <a:srgbClr val="000000"/>
                   </a:solidFill>
@@ -2799,7 +2799,7 @@
             </a:ln>
             <a:extLst>
               <a:ext uri="{91240B29-F687-4f45-9708-019B960494DF}">
-                <a14:hiddenLine xmlns="" xmlns:a14="http://schemas.microsoft.com/office/drawing/2010/main" w="9525">
+                <a14:hiddenLine xmlns:a14="http://schemas.microsoft.com/office/drawing/2010/main" xmlns="" w="9525">
                   <a:solidFill>
                     <a:srgbClr val="000000"/>
                   </a:solidFill>
@@ -2889,7 +2889,7 @@
             </a:ln>
             <a:extLst>
               <a:ext uri="{91240B29-F687-4f45-9708-019B960494DF}">
-                <a14:hiddenLine xmlns="" xmlns:a14="http://schemas.microsoft.com/office/drawing/2010/main" w="9525">
+                <a14:hiddenLine xmlns:a14="http://schemas.microsoft.com/office/drawing/2010/main" xmlns="" w="9525">
                   <a:solidFill>
                     <a:srgbClr val="000000"/>
                   </a:solidFill>
@@ -2951,7 +2951,7 @@
             </a:ln>
             <a:extLst>
               <a:ext uri="{91240B29-F687-4f45-9708-019B960494DF}">
-                <a14:hiddenLine xmlns="" xmlns:a14="http://schemas.microsoft.com/office/drawing/2010/main" w="9525">
+                <a14:hiddenLine xmlns:a14="http://schemas.microsoft.com/office/drawing/2010/main" xmlns="" w="9525">
                   <a:solidFill>
                     <a:srgbClr val="000000"/>
                   </a:solidFill>
@@ -3041,7 +3041,7 @@
             </a:ln>
             <a:extLst>
               <a:ext uri="{91240B29-F687-4f45-9708-019B960494DF}">
-                <a14:hiddenLine xmlns="" xmlns:a14="http://schemas.microsoft.com/office/drawing/2010/main" w="9525">
+                <a14:hiddenLine xmlns:a14="http://schemas.microsoft.com/office/drawing/2010/main" xmlns="" w="9525">
                   <a:solidFill>
                     <a:srgbClr val="000000"/>
                   </a:solidFill>
@@ -3103,7 +3103,7 @@
             </a:ln>
             <a:extLst>
               <a:ext uri="{91240B29-F687-4f45-9708-019B960494DF}">
-                <a14:hiddenLine xmlns="" xmlns:a14="http://schemas.microsoft.com/office/drawing/2010/main" w="9525">
+                <a14:hiddenLine xmlns:a14="http://schemas.microsoft.com/office/drawing/2010/main" xmlns="" w="9525">
                   <a:solidFill>
                     <a:srgbClr val="000000"/>
                   </a:solidFill>
@@ -3193,7 +3193,7 @@
             </a:ln>
             <a:extLst>
               <a:ext uri="{91240B29-F687-4f45-9708-019B960494DF}">
-                <a14:hiddenLine xmlns="" xmlns:a14="http://schemas.microsoft.com/office/drawing/2010/main" w="9525">
+                <a14:hiddenLine xmlns:a14="http://schemas.microsoft.com/office/drawing/2010/main" xmlns="" w="9525">
                   <a:solidFill>
                     <a:srgbClr val="000000"/>
                   </a:solidFill>
@@ -3227,7 +3227,7 @@
             </a:ln>
             <a:extLst>
               <a:ext uri="{91240B29-F687-4f45-9708-019B960494DF}">
-                <a14:hiddenLine xmlns="" xmlns:a14="http://schemas.microsoft.com/office/drawing/2010/main" w="9525">
+                <a14:hiddenLine xmlns:a14="http://schemas.microsoft.com/office/drawing/2010/main" xmlns="" w="9525">
                   <a:solidFill>
                     <a:srgbClr val="000000"/>
                   </a:solidFill>
@@ -3292,7 +3292,7 @@
             </a:ln>
             <a:extLst>
               <a:ext uri="{91240B29-F687-4f45-9708-019B960494DF}">
-                <a14:hiddenLine xmlns="" xmlns:a14="http://schemas.microsoft.com/office/drawing/2010/main" w="9525">
+                <a14:hiddenLine xmlns:a14="http://schemas.microsoft.com/office/drawing/2010/main" xmlns="" w="9525">
                   <a:solidFill>
                     <a:srgbClr val="000000"/>
                   </a:solidFill>
@@ -3382,7 +3382,7 @@
             </a:ln>
             <a:extLst>
               <a:ext uri="{91240B29-F687-4f45-9708-019B960494DF}">
-                <a14:hiddenLine xmlns="" xmlns:a14="http://schemas.microsoft.com/office/drawing/2010/main" w="9525">
+                <a14:hiddenLine xmlns:a14="http://schemas.microsoft.com/office/drawing/2010/main" xmlns="" w="9525">
                   <a:solidFill>
                     <a:srgbClr val="000000"/>
                   </a:solidFill>
@@ -3444,7 +3444,7 @@
             </a:ln>
             <a:extLst>
               <a:ext uri="{91240B29-F687-4f45-9708-019B960494DF}">
-                <a14:hiddenLine xmlns="" xmlns:a14="http://schemas.microsoft.com/office/drawing/2010/main" w="9525">
+                <a14:hiddenLine xmlns:a14="http://schemas.microsoft.com/office/drawing/2010/main" xmlns="" w="9525">
                   <a:solidFill>
                     <a:srgbClr val="000000"/>
                   </a:solidFill>
@@ -3534,7 +3534,7 @@
             </a:ln>
             <a:extLst>
               <a:ext uri="{91240B29-F687-4f45-9708-019B960494DF}">
-                <a14:hiddenLine xmlns="" xmlns:a14="http://schemas.microsoft.com/office/drawing/2010/main" w="9525">
+                <a14:hiddenLine xmlns:a14="http://schemas.microsoft.com/office/drawing/2010/main" xmlns="" w="9525">
                   <a:solidFill>
                     <a:srgbClr val="000000"/>
                   </a:solidFill>
@@ -3624,7 +3624,7 @@
             </a:ln>
             <a:extLst>
               <a:ext uri="{91240B29-F687-4f45-9708-019B960494DF}">
-                <a14:hiddenLine xmlns="" xmlns:a14="http://schemas.microsoft.com/office/drawing/2010/main" w="9525">
+                <a14:hiddenLine xmlns:a14="http://schemas.microsoft.com/office/drawing/2010/main" xmlns="" w="9525">
                   <a:solidFill>
                     <a:srgbClr val="000000"/>
                   </a:solidFill>
@@ -3689,7 +3689,7 @@
             </a:ln>
             <a:extLst>
               <a:ext uri="{91240B29-F687-4f45-9708-019B960494DF}">
-                <a14:hiddenLine xmlns="" xmlns:a14="http://schemas.microsoft.com/office/drawing/2010/main" w="9525">
+                <a14:hiddenLine xmlns:a14="http://schemas.microsoft.com/office/drawing/2010/main" xmlns="" w="9525">
                   <a:solidFill>
                     <a:srgbClr val="000000"/>
                   </a:solidFill>
@@ -3751,7 +3751,7 @@
             </a:ln>
             <a:extLst>
               <a:ext uri="{91240B29-F687-4f45-9708-019B960494DF}">
-                <a14:hiddenLine xmlns="" xmlns:a14="http://schemas.microsoft.com/office/drawing/2010/main" w="9525">
+                <a14:hiddenLine xmlns:a14="http://schemas.microsoft.com/office/drawing/2010/main" xmlns="" w="9525">
                   <a:solidFill>
                     <a:srgbClr val="000000"/>
                   </a:solidFill>
@@ -3841,7 +3841,7 @@
             </a:ln>
             <a:extLst>
               <a:ext uri="{91240B29-F687-4f45-9708-019B960494DF}">
-                <a14:hiddenLine xmlns="" xmlns:a14="http://schemas.microsoft.com/office/drawing/2010/main" w="9525">
+                <a14:hiddenLine xmlns:a14="http://schemas.microsoft.com/office/drawing/2010/main" xmlns="" w="9525">
                   <a:solidFill>
                     <a:srgbClr val="000000"/>
                   </a:solidFill>
@@ -3931,7 +3931,7 @@
             </a:ln>
             <a:extLst>
               <a:ext uri="{91240B29-F687-4f45-9708-019B960494DF}">
-                <a14:hiddenLine xmlns="" xmlns:a14="http://schemas.microsoft.com/office/drawing/2010/main" w="9525">
+                <a14:hiddenLine xmlns:a14="http://schemas.microsoft.com/office/drawing/2010/main" xmlns="" w="9525">
                   <a:solidFill>
                     <a:srgbClr val="000000"/>
                   </a:solidFill>
@@ -3993,7 +3993,7 @@
             </a:ln>
             <a:extLst>
               <a:ext uri="{91240B29-F687-4f45-9708-019B960494DF}">
-                <a14:hiddenLine xmlns="" xmlns:a14="http://schemas.microsoft.com/office/drawing/2010/main" w="9525">
+                <a14:hiddenLine xmlns:a14="http://schemas.microsoft.com/office/drawing/2010/main" xmlns="" w="9525">
                   <a:solidFill>
                     <a:srgbClr val="000000"/>
                   </a:solidFill>
@@ -4113,7 +4113,7 @@
             </a:ln>
             <a:extLst>
               <a:ext uri="{91240B29-F687-4f45-9708-019B960494DF}">
-                <a14:hiddenLine xmlns="" xmlns:a14="http://schemas.microsoft.com/office/drawing/2010/main" w="9525">
+                <a14:hiddenLine xmlns:a14="http://schemas.microsoft.com/office/drawing/2010/main" xmlns="" w="9525">
                   <a:solidFill>
                     <a:srgbClr val="000000"/>
                   </a:solidFill>
@@ -4181,7 +4181,7 @@
             </a:ln>
             <a:extLst>
               <a:ext uri="{91240B29-F687-4f45-9708-019B960494DF}">
-                <a14:hiddenLine xmlns="" xmlns:a14="http://schemas.microsoft.com/office/drawing/2010/main" w="9525">
+                <a14:hiddenLine xmlns:a14="http://schemas.microsoft.com/office/drawing/2010/main" xmlns="" w="9525">
                   <a:solidFill>
                     <a:srgbClr val="000000"/>
                   </a:solidFill>
@@ -4271,7 +4271,7 @@
             </a:ln>
             <a:extLst>
               <a:ext uri="{91240B29-F687-4f45-9708-019B960494DF}">
-                <a14:hiddenLine xmlns="" xmlns:a14="http://schemas.microsoft.com/office/drawing/2010/main" w="9525">
+                <a14:hiddenLine xmlns:a14="http://schemas.microsoft.com/office/drawing/2010/main" xmlns="" w="9525">
                   <a:solidFill>
                     <a:srgbClr val="000000"/>
                   </a:solidFill>
@@ -9078,7 +9078,7 @@
           <a:noFill/>
           <a:extLst>
             <a:ext uri="{909E8E84-426E-40dd-AFC4-6F175D3DCCD1}">
-              <a14:hiddenFill xmlns="" xmlns:a14="http://schemas.microsoft.com/office/drawing/2010/main">
+              <a14:hiddenFill xmlns:a14="http://schemas.microsoft.com/office/drawing/2010/main" xmlns="">
                 <a:solidFill>
                   <a:srgbClr val="FFFFFF"/>
                 </a:solidFill>
@@ -9152,7 +9152,7 @@
               </a:ln>
               <a:extLst>
                 <a:ext uri="{91240B29-F687-4f45-9708-019B960494DF}">
-                  <a14:hiddenLine xmlns="" xmlns:a14="http://schemas.microsoft.com/office/drawing/2010/main" w="9525">
+                  <a14:hiddenLine xmlns:a14="http://schemas.microsoft.com/office/drawing/2010/main" xmlns="" w="9525">
                     <a:solidFill>
                       <a:srgbClr val="000000"/>
                     </a:solidFill>
@@ -9242,7 +9242,7 @@
               </a:ln>
               <a:extLst>
                 <a:ext uri="{91240B29-F687-4f45-9708-019B960494DF}">
-                  <a14:hiddenLine xmlns="" xmlns:a14="http://schemas.microsoft.com/office/drawing/2010/main" w="9525">
+                  <a14:hiddenLine xmlns:a14="http://schemas.microsoft.com/office/drawing/2010/main" xmlns="" w="9525">
                     <a:solidFill>
                       <a:srgbClr val="000000"/>
                     </a:solidFill>
@@ -9332,7 +9332,7 @@
               </a:ln>
               <a:extLst>
                 <a:ext uri="{91240B29-F687-4f45-9708-019B960494DF}">
-                  <a14:hiddenLine xmlns="" xmlns:a14="http://schemas.microsoft.com/office/drawing/2010/main" w="9525">
+                  <a14:hiddenLine xmlns:a14="http://schemas.microsoft.com/office/drawing/2010/main" xmlns="" w="9525">
                     <a:solidFill>
                       <a:srgbClr val="000000"/>
                     </a:solidFill>
@@ -9394,7 +9394,7 @@
               </a:ln>
               <a:extLst>
                 <a:ext uri="{91240B29-F687-4f45-9708-019B960494DF}">
-                  <a14:hiddenLine xmlns="" xmlns:a14="http://schemas.microsoft.com/office/drawing/2010/main" w="9525">
+                  <a14:hiddenLine xmlns:a14="http://schemas.microsoft.com/office/drawing/2010/main" xmlns="" w="9525">
                     <a:solidFill>
                       <a:srgbClr val="000000"/>
                     </a:solidFill>
@@ -9484,7 +9484,7 @@
               </a:ln>
               <a:extLst>
                 <a:ext uri="{91240B29-F687-4f45-9708-019B960494DF}">
-                  <a14:hiddenLine xmlns="" xmlns:a14="http://schemas.microsoft.com/office/drawing/2010/main" w="9525">
+                  <a14:hiddenLine xmlns:a14="http://schemas.microsoft.com/office/drawing/2010/main" xmlns="" w="9525">
                     <a:solidFill>
                       <a:srgbClr val="000000"/>
                     </a:solidFill>
@@ -9546,7 +9546,7 @@
               </a:ln>
               <a:extLst>
                 <a:ext uri="{91240B29-F687-4f45-9708-019B960494DF}">
-                  <a14:hiddenLine xmlns="" xmlns:a14="http://schemas.microsoft.com/office/drawing/2010/main" w="9525">
+                  <a14:hiddenLine xmlns:a14="http://schemas.microsoft.com/office/drawing/2010/main" xmlns="" w="9525">
                     <a:solidFill>
                       <a:srgbClr val="000000"/>
                     </a:solidFill>
@@ -9608,7 +9608,7 @@
               </a:ln>
               <a:extLst>
                 <a:ext uri="{91240B29-F687-4f45-9708-019B960494DF}">
-                  <a14:hiddenLine xmlns="" xmlns:a14="http://schemas.microsoft.com/office/drawing/2010/main" w="9525">
+                  <a14:hiddenLine xmlns:a14="http://schemas.microsoft.com/office/drawing/2010/main" xmlns="" w="9525">
                     <a:solidFill>
                       <a:srgbClr val="000000"/>
                     </a:solidFill>
@@ -9698,7 +9698,7 @@
               </a:ln>
               <a:extLst>
                 <a:ext uri="{91240B29-F687-4f45-9708-019B960494DF}">
-                  <a14:hiddenLine xmlns="" xmlns:a14="http://schemas.microsoft.com/office/drawing/2010/main" w="9525">
+                  <a14:hiddenLine xmlns:a14="http://schemas.microsoft.com/office/drawing/2010/main" xmlns="" w="9525">
                     <a:solidFill>
                       <a:srgbClr val="000000"/>
                     </a:solidFill>
@@ -9788,7 +9788,7 @@
               </a:ln>
               <a:extLst>
                 <a:ext uri="{91240B29-F687-4f45-9708-019B960494DF}">
-                  <a14:hiddenLine xmlns="" xmlns:a14="http://schemas.microsoft.com/office/drawing/2010/main" w="9525">
+                  <a14:hiddenLine xmlns:a14="http://schemas.microsoft.com/office/drawing/2010/main" xmlns="" w="9525">
                     <a:solidFill>
                       <a:srgbClr val="000000"/>
                     </a:solidFill>
@@ -9850,7 +9850,7 @@
               </a:ln>
               <a:extLst>
                 <a:ext uri="{91240B29-F687-4f45-9708-019B960494DF}">
-                  <a14:hiddenLine xmlns="" xmlns:a14="http://schemas.microsoft.com/office/drawing/2010/main" w="9525">
+                  <a14:hiddenLine xmlns:a14="http://schemas.microsoft.com/office/drawing/2010/main" xmlns="" w="9525">
                     <a:solidFill>
                       <a:srgbClr val="000000"/>
                     </a:solidFill>
@@ -9960,7 +9960,7 @@
               </a:ln>
               <a:extLst>
                 <a:ext uri="{91240B29-F687-4f45-9708-019B960494DF}">
-                  <a14:hiddenLine xmlns="" xmlns:a14="http://schemas.microsoft.com/office/drawing/2010/main" w="9525">
+                  <a14:hiddenLine xmlns:a14="http://schemas.microsoft.com/office/drawing/2010/main" xmlns="" w="9525">
                     <a:solidFill>
                       <a:srgbClr val="000000"/>
                     </a:solidFill>
@@ -10044,7 +10044,7 @@
               </a:ln>
               <a:extLst>
                 <a:ext uri="{91240B29-F687-4f45-9708-019B960494DF}">
-                  <a14:hiddenLine xmlns="" xmlns:a14="http://schemas.microsoft.com/office/drawing/2010/main" w="9525">
+                  <a14:hiddenLine xmlns:a14="http://schemas.microsoft.com/office/drawing/2010/main" xmlns="" w="9525">
                     <a:solidFill>
                       <a:srgbClr val="000000"/>
                     </a:solidFill>
@@ -10106,7 +10106,7 @@
               </a:ln>
               <a:extLst>
                 <a:ext uri="{91240B29-F687-4f45-9708-019B960494DF}">
-                  <a14:hiddenLine xmlns="" xmlns:a14="http://schemas.microsoft.com/office/drawing/2010/main" w="9525">
+                  <a14:hiddenLine xmlns:a14="http://schemas.microsoft.com/office/drawing/2010/main" xmlns="" w="9525">
                     <a:solidFill>
                       <a:srgbClr val="000000"/>
                     </a:solidFill>
@@ -10168,7 +10168,7 @@
               </a:ln>
               <a:extLst>
                 <a:ext uri="{91240B29-F687-4f45-9708-019B960494DF}">
-                  <a14:hiddenLine xmlns="" xmlns:a14="http://schemas.microsoft.com/office/drawing/2010/main" w="9525">
+                  <a14:hiddenLine xmlns:a14="http://schemas.microsoft.com/office/drawing/2010/main" xmlns="" w="9525">
                     <a:solidFill>
                       <a:srgbClr val="000000"/>
                     </a:solidFill>
@@ -10258,7 +10258,7 @@
               </a:ln>
               <a:extLst>
                 <a:ext uri="{91240B29-F687-4f45-9708-019B960494DF}">
-                  <a14:hiddenLine xmlns="" xmlns:a14="http://schemas.microsoft.com/office/drawing/2010/main" w="9525">
+                  <a14:hiddenLine xmlns:a14="http://schemas.microsoft.com/office/drawing/2010/main" xmlns="" w="9525">
                     <a:solidFill>
                       <a:srgbClr val="000000"/>
                     </a:solidFill>
@@ -10292,7 +10292,7 @@
               </a:ln>
               <a:extLst>
                 <a:ext uri="{91240B29-F687-4f45-9708-019B960494DF}">
-                  <a14:hiddenLine xmlns="" xmlns:a14="http://schemas.microsoft.com/office/drawing/2010/main" w="9525">
+                  <a14:hiddenLine xmlns:a14="http://schemas.microsoft.com/office/drawing/2010/main" xmlns="" w="9525">
                     <a:solidFill>
                       <a:srgbClr val="000000"/>
                     </a:solidFill>
@@ -10357,7 +10357,7 @@
               </a:ln>
               <a:extLst>
                 <a:ext uri="{91240B29-F687-4f45-9708-019B960494DF}">
-                  <a14:hiddenLine xmlns="" xmlns:a14="http://schemas.microsoft.com/office/drawing/2010/main" w="9525">
+                  <a14:hiddenLine xmlns:a14="http://schemas.microsoft.com/office/drawing/2010/main" xmlns="" w="9525">
                     <a:solidFill>
                       <a:srgbClr val="000000"/>
                     </a:solidFill>
@@ -10447,7 +10447,7 @@
               </a:ln>
               <a:extLst>
                 <a:ext uri="{91240B29-F687-4f45-9708-019B960494DF}">
-                  <a14:hiddenLine xmlns="" xmlns:a14="http://schemas.microsoft.com/office/drawing/2010/main" w="9525">
+                  <a14:hiddenLine xmlns:a14="http://schemas.microsoft.com/office/drawing/2010/main" xmlns="" w="9525">
                     <a:solidFill>
                       <a:srgbClr val="000000"/>
                     </a:solidFill>
@@ -10509,7 +10509,7 @@
               </a:ln>
               <a:extLst>
                 <a:ext uri="{91240B29-F687-4f45-9708-019B960494DF}">
-                  <a14:hiddenLine xmlns="" xmlns:a14="http://schemas.microsoft.com/office/drawing/2010/main" w="9525">
+                  <a14:hiddenLine xmlns:a14="http://schemas.microsoft.com/office/drawing/2010/main" xmlns="" w="9525">
                     <a:solidFill>
                       <a:srgbClr val="000000"/>
                     </a:solidFill>
@@ -10599,7 +10599,7 @@
               </a:ln>
               <a:extLst>
                 <a:ext uri="{91240B29-F687-4f45-9708-019B960494DF}">
-                  <a14:hiddenLine xmlns="" xmlns:a14="http://schemas.microsoft.com/office/drawing/2010/main" w="9525">
+                  <a14:hiddenLine xmlns:a14="http://schemas.microsoft.com/office/drawing/2010/main" xmlns="" w="9525">
                     <a:solidFill>
                       <a:srgbClr val="000000"/>
                     </a:solidFill>
@@ -10664,7 +10664,7 @@
               </a:ln>
               <a:extLst>
                 <a:ext uri="{91240B29-F687-4f45-9708-019B960494DF}">
-                  <a14:hiddenLine xmlns="" xmlns:a14="http://schemas.microsoft.com/office/drawing/2010/main" w="9525">
+                  <a14:hiddenLine xmlns:a14="http://schemas.microsoft.com/office/drawing/2010/main" xmlns="" w="9525">
                     <a:solidFill>
                       <a:srgbClr val="000000"/>
                     </a:solidFill>
@@ -10726,7 +10726,7 @@
               </a:ln>
               <a:extLst>
                 <a:ext uri="{91240B29-F687-4f45-9708-019B960494DF}">
-                  <a14:hiddenLine xmlns="" xmlns:a14="http://schemas.microsoft.com/office/drawing/2010/main" w="9525">
+                  <a14:hiddenLine xmlns:a14="http://schemas.microsoft.com/office/drawing/2010/main" xmlns="" w="9525">
                     <a:solidFill>
                       <a:srgbClr val="000000"/>
                     </a:solidFill>
@@ -10816,7 +10816,7 @@
               </a:ln>
               <a:extLst>
                 <a:ext uri="{91240B29-F687-4f45-9708-019B960494DF}">
-                  <a14:hiddenLine xmlns="" xmlns:a14="http://schemas.microsoft.com/office/drawing/2010/main" w="9525">
+                  <a14:hiddenLine xmlns:a14="http://schemas.microsoft.com/office/drawing/2010/main" xmlns="" w="9525">
                     <a:solidFill>
                       <a:srgbClr val="000000"/>
                     </a:solidFill>
@@ -10906,7 +10906,7 @@
               </a:ln>
               <a:extLst>
                 <a:ext uri="{91240B29-F687-4f45-9708-019B960494DF}">
-                  <a14:hiddenLine xmlns="" xmlns:a14="http://schemas.microsoft.com/office/drawing/2010/main" w="9525">
+                  <a14:hiddenLine xmlns:a14="http://schemas.microsoft.com/office/drawing/2010/main" xmlns="" w="9525">
                     <a:solidFill>
                       <a:srgbClr val="000000"/>
                     </a:solidFill>
@@ -10971,7 +10971,7 @@
               </a:ln>
               <a:extLst>
                 <a:ext uri="{91240B29-F687-4f45-9708-019B960494DF}">
-                  <a14:hiddenLine xmlns="" xmlns:a14="http://schemas.microsoft.com/office/drawing/2010/main" w="9525">
+                  <a14:hiddenLine xmlns:a14="http://schemas.microsoft.com/office/drawing/2010/main" xmlns="" w="9525">
                     <a:solidFill>
                       <a:srgbClr val="000000"/>
                     </a:solidFill>
@@ -11091,7 +11091,7 @@
               </a:ln>
               <a:extLst>
                 <a:ext uri="{91240B29-F687-4f45-9708-019B960494DF}">
-                  <a14:hiddenLine xmlns="" xmlns:a14="http://schemas.microsoft.com/office/drawing/2010/main" w="9525">
+                  <a14:hiddenLine xmlns:a14="http://schemas.microsoft.com/office/drawing/2010/main" xmlns="" w="9525">
                     <a:solidFill>
                       <a:srgbClr val="000000"/>
                     </a:solidFill>
@@ -11189,7 +11189,7 @@
               </a:ln>
               <a:extLst>
                 <a:ext uri="{91240B29-F687-4f45-9708-019B960494DF}">
-                  <a14:hiddenLine xmlns="" xmlns:a14="http://schemas.microsoft.com/office/drawing/2010/main" w="9525">
+                  <a14:hiddenLine xmlns:a14="http://schemas.microsoft.com/office/drawing/2010/main" xmlns="" w="9525">
                     <a:solidFill>
                       <a:srgbClr val="000000"/>
                     </a:solidFill>
@@ -11304,7 +11304,7 @@
               </a:ln>
               <a:extLst>
                 <a:ext uri="{91240B29-F687-4f45-9708-019B960494DF}">
-                  <a14:hiddenLine xmlns="" xmlns:a14="http://schemas.microsoft.com/office/drawing/2010/main" w="9525">
+                  <a14:hiddenLine xmlns:a14="http://schemas.microsoft.com/office/drawing/2010/main" xmlns="" w="9525">
                     <a:solidFill>
                       <a:srgbClr val="000000"/>
                     </a:solidFill>
@@ -11394,7 +11394,7 @@
               </a:ln>
               <a:extLst>
                 <a:ext uri="{91240B29-F687-4f45-9708-019B960494DF}">
-                  <a14:hiddenLine xmlns="" xmlns:a14="http://schemas.microsoft.com/office/drawing/2010/main" w="9525">
+                  <a14:hiddenLine xmlns:a14="http://schemas.microsoft.com/office/drawing/2010/main" xmlns="" w="9525">
                     <a:solidFill>
                       <a:srgbClr val="000000"/>
                     </a:solidFill>
@@ -11459,7 +11459,7 @@
               </a:ln>
               <a:extLst>
                 <a:ext uri="{91240B29-F687-4f45-9708-019B960494DF}">
-                  <a14:hiddenLine xmlns="" xmlns:a14="http://schemas.microsoft.com/office/drawing/2010/main" w="9525">
+                  <a14:hiddenLine xmlns:a14="http://schemas.microsoft.com/office/drawing/2010/main" xmlns="" w="9525">
                     <a:solidFill>
                       <a:srgbClr val="000000"/>
                     </a:solidFill>
@@ -11549,7 +11549,7 @@
               </a:ln>
               <a:extLst>
                 <a:ext uri="{91240B29-F687-4f45-9708-019B960494DF}">
-                  <a14:hiddenLine xmlns="" xmlns:a14="http://schemas.microsoft.com/office/drawing/2010/main" w="9525">
+                  <a14:hiddenLine xmlns:a14="http://schemas.microsoft.com/office/drawing/2010/main" xmlns="" w="9525">
                     <a:solidFill>
                       <a:srgbClr val="000000"/>
                     </a:solidFill>
@@ -11617,7 +11617,7 @@
               </a:ln>
               <a:extLst>
                 <a:ext uri="{91240B29-F687-4f45-9708-019B960494DF}">
-                  <a14:hiddenLine xmlns="" xmlns:a14="http://schemas.microsoft.com/office/drawing/2010/main" w="9525">
+                  <a14:hiddenLine xmlns:a14="http://schemas.microsoft.com/office/drawing/2010/main" xmlns="" w="9525">
                     <a:solidFill>
                       <a:srgbClr val="000000"/>
                     </a:solidFill>
@@ -11707,7 +11707,7 @@
               </a:ln>
               <a:extLst>
                 <a:ext uri="{91240B29-F687-4f45-9708-019B960494DF}">
-                  <a14:hiddenLine xmlns="" xmlns:a14="http://schemas.microsoft.com/office/drawing/2010/main" w="9525">
+                  <a14:hiddenLine xmlns:a14="http://schemas.microsoft.com/office/drawing/2010/main" xmlns="" w="9525">
                     <a:solidFill>
                       <a:srgbClr val="000000"/>
                     </a:solidFill>
@@ -11775,7 +11775,7 @@
               </a:ln>
               <a:extLst>
                 <a:ext uri="{91240B29-F687-4f45-9708-019B960494DF}">
-                  <a14:hiddenLine xmlns="" xmlns:a14="http://schemas.microsoft.com/office/drawing/2010/main" w="9525">
+                  <a14:hiddenLine xmlns:a14="http://schemas.microsoft.com/office/drawing/2010/main" xmlns="" w="9525">
                     <a:solidFill>
                       <a:srgbClr val="000000"/>
                     </a:solidFill>
@@ -11865,7 +11865,7 @@
               </a:ln>
               <a:extLst>
                 <a:ext uri="{91240B29-F687-4f45-9708-019B960494DF}">
-                  <a14:hiddenLine xmlns="" xmlns:a14="http://schemas.microsoft.com/office/drawing/2010/main" w="9525">
+                  <a14:hiddenLine xmlns:a14="http://schemas.microsoft.com/office/drawing/2010/main" xmlns="" w="9525">
                     <a:solidFill>
                       <a:srgbClr val="000000"/>
                     </a:solidFill>
@@ -11899,7 +11899,7 @@
               </a:ln>
               <a:extLst>
                 <a:ext uri="{91240B29-F687-4f45-9708-019B960494DF}">
-                  <a14:hiddenLine xmlns="" xmlns:a14="http://schemas.microsoft.com/office/drawing/2010/main" w="9525">
+                  <a14:hiddenLine xmlns:a14="http://schemas.microsoft.com/office/drawing/2010/main" xmlns="" w="9525">
                     <a:solidFill>
                       <a:srgbClr val="000000"/>
                     </a:solidFill>
@@ -12788,7 +12788,7 @@
             </a:ln>
             <a:extLst>
               <a:ext uri="{91240B29-F687-4f45-9708-019B960494DF}">
-                <a14:hiddenLine xmlns="" xmlns:a16="http://schemas.microsoft.com/office/drawing/2014/main" xmlns:p14="http://schemas.microsoft.com/office/powerpoint/2010/main" xmlns:a14="http://schemas.microsoft.com/office/drawing/2010/main" w="9525">
+                <a14:hiddenLine xmlns:a14="http://schemas.microsoft.com/office/drawing/2010/main" xmlns:p14="http://schemas.microsoft.com/office/powerpoint/2010/main" xmlns:a16="http://schemas.microsoft.com/office/drawing/2014/main" xmlns="" w="9525">
                   <a:solidFill>
                     <a:srgbClr val="000000"/>
                   </a:solidFill>
@@ -12890,7 +12890,7 @@
             </a:ln>
             <a:extLst>
               <a:ext uri="{91240B29-F687-4f45-9708-019B960494DF}">
-                <a14:hiddenLine xmlns="" xmlns:a16="http://schemas.microsoft.com/office/drawing/2014/main" xmlns:p14="http://schemas.microsoft.com/office/powerpoint/2010/main" xmlns:a14="http://schemas.microsoft.com/office/drawing/2010/main" w="9525">
+                <a14:hiddenLine xmlns:a14="http://schemas.microsoft.com/office/drawing/2010/main" xmlns:p14="http://schemas.microsoft.com/office/powerpoint/2010/main" xmlns:a16="http://schemas.microsoft.com/office/drawing/2014/main" xmlns="" w="9525">
                   <a:solidFill>
                     <a:srgbClr val="000000"/>
                   </a:solidFill>
@@ -12992,7 +12992,7 @@
             </a:ln>
             <a:extLst>
               <a:ext uri="{91240B29-F687-4f45-9708-019B960494DF}">
-                <a14:hiddenLine xmlns="" xmlns:a16="http://schemas.microsoft.com/office/drawing/2014/main" xmlns:p14="http://schemas.microsoft.com/office/powerpoint/2010/main" xmlns:a14="http://schemas.microsoft.com/office/drawing/2010/main" w="9525">
+                <a14:hiddenLine xmlns:a14="http://schemas.microsoft.com/office/drawing/2010/main" xmlns:p14="http://schemas.microsoft.com/office/powerpoint/2010/main" xmlns:a16="http://schemas.microsoft.com/office/drawing/2014/main" xmlns="" w="9525">
                   <a:solidFill>
                     <a:srgbClr val="000000"/>
                   </a:solidFill>
@@ -13066,7 +13066,7 @@
             </a:ln>
             <a:extLst>
               <a:ext uri="{91240B29-F687-4f45-9708-019B960494DF}">
-                <a14:hiddenLine xmlns="" xmlns:a16="http://schemas.microsoft.com/office/drawing/2014/main" xmlns:p14="http://schemas.microsoft.com/office/powerpoint/2010/main" xmlns:a14="http://schemas.microsoft.com/office/drawing/2010/main" w="9525">
+                <a14:hiddenLine xmlns:a14="http://schemas.microsoft.com/office/drawing/2010/main" xmlns:p14="http://schemas.microsoft.com/office/powerpoint/2010/main" xmlns:a16="http://schemas.microsoft.com/office/drawing/2014/main" xmlns="" w="9525">
                   <a:solidFill>
                     <a:srgbClr val="000000"/>
                   </a:solidFill>
@@ -13168,7 +13168,7 @@
             </a:ln>
             <a:extLst>
               <a:ext uri="{91240B29-F687-4f45-9708-019B960494DF}">
-                <a14:hiddenLine xmlns="" xmlns:a16="http://schemas.microsoft.com/office/drawing/2014/main" xmlns:p14="http://schemas.microsoft.com/office/powerpoint/2010/main" xmlns:a14="http://schemas.microsoft.com/office/drawing/2010/main" w="9525">
+                <a14:hiddenLine xmlns:a14="http://schemas.microsoft.com/office/drawing/2010/main" xmlns:p14="http://schemas.microsoft.com/office/powerpoint/2010/main" xmlns:a16="http://schemas.microsoft.com/office/drawing/2014/main" xmlns="" w="9525">
                   <a:solidFill>
                     <a:srgbClr val="000000"/>
                   </a:solidFill>
@@ -13242,7 +13242,7 @@
             </a:ln>
             <a:extLst>
               <a:ext uri="{91240B29-F687-4f45-9708-019B960494DF}">
-                <a14:hiddenLine xmlns="" xmlns:a16="http://schemas.microsoft.com/office/drawing/2014/main" xmlns:p14="http://schemas.microsoft.com/office/powerpoint/2010/main" xmlns:a14="http://schemas.microsoft.com/office/drawing/2010/main" w="9525">
+                <a14:hiddenLine xmlns:a14="http://schemas.microsoft.com/office/drawing/2010/main" xmlns:p14="http://schemas.microsoft.com/office/powerpoint/2010/main" xmlns:a16="http://schemas.microsoft.com/office/drawing/2014/main" xmlns="" w="9525">
                   <a:solidFill>
                     <a:srgbClr val="000000"/>
                   </a:solidFill>
@@ -13316,7 +13316,7 @@
             </a:ln>
             <a:extLst>
               <a:ext uri="{91240B29-F687-4f45-9708-019B960494DF}">
-                <a14:hiddenLine xmlns="" xmlns:a16="http://schemas.microsoft.com/office/drawing/2014/main" xmlns:p14="http://schemas.microsoft.com/office/powerpoint/2010/main" xmlns:a14="http://schemas.microsoft.com/office/drawing/2010/main" w="9525">
+                <a14:hiddenLine xmlns:a14="http://schemas.microsoft.com/office/drawing/2010/main" xmlns:p14="http://schemas.microsoft.com/office/powerpoint/2010/main" xmlns:a16="http://schemas.microsoft.com/office/drawing/2014/main" xmlns="" w="9525">
                   <a:solidFill>
                     <a:srgbClr val="000000"/>
                   </a:solidFill>
@@ -13418,7 +13418,7 @@
             </a:ln>
             <a:extLst>
               <a:ext uri="{91240B29-F687-4f45-9708-019B960494DF}">
-                <a14:hiddenLine xmlns="" xmlns:a16="http://schemas.microsoft.com/office/drawing/2014/main" xmlns:p14="http://schemas.microsoft.com/office/powerpoint/2010/main" xmlns:a14="http://schemas.microsoft.com/office/drawing/2010/main" w="9525">
+                <a14:hiddenLine xmlns:a14="http://schemas.microsoft.com/office/drawing/2010/main" xmlns:p14="http://schemas.microsoft.com/office/powerpoint/2010/main" xmlns:a16="http://schemas.microsoft.com/office/drawing/2014/main" xmlns="" w="9525">
                   <a:solidFill>
                     <a:srgbClr val="000000"/>
                   </a:solidFill>
@@ -13520,7 +13520,7 @@
             </a:ln>
             <a:extLst>
               <a:ext uri="{91240B29-F687-4f45-9708-019B960494DF}">
-                <a14:hiddenLine xmlns="" xmlns:a16="http://schemas.microsoft.com/office/drawing/2014/main" xmlns:p14="http://schemas.microsoft.com/office/powerpoint/2010/main" xmlns:a14="http://schemas.microsoft.com/office/drawing/2010/main" w="9525">
+                <a14:hiddenLine xmlns:a14="http://schemas.microsoft.com/office/drawing/2010/main" xmlns:p14="http://schemas.microsoft.com/office/powerpoint/2010/main" xmlns:a16="http://schemas.microsoft.com/office/drawing/2014/main" xmlns="" w="9525">
                   <a:solidFill>
                     <a:srgbClr val="000000"/>
                   </a:solidFill>
@@ -13594,7 +13594,7 @@
             </a:ln>
             <a:extLst>
               <a:ext uri="{91240B29-F687-4f45-9708-019B960494DF}">
-                <a14:hiddenLine xmlns="" xmlns:a16="http://schemas.microsoft.com/office/drawing/2014/main" xmlns:p14="http://schemas.microsoft.com/office/powerpoint/2010/main" xmlns:a14="http://schemas.microsoft.com/office/drawing/2010/main" w="9525">
+                <a14:hiddenLine xmlns:a14="http://schemas.microsoft.com/office/drawing/2010/main" xmlns:p14="http://schemas.microsoft.com/office/powerpoint/2010/main" xmlns:a16="http://schemas.microsoft.com/office/drawing/2014/main" xmlns="" w="9525">
                   <a:solidFill>
                     <a:srgbClr val="000000"/>
                   </a:solidFill>
@@ -13716,7 +13716,7 @@
             </a:ln>
             <a:extLst>
               <a:ext uri="{91240B29-F687-4f45-9708-019B960494DF}">
-                <a14:hiddenLine xmlns="" xmlns:a16="http://schemas.microsoft.com/office/drawing/2014/main" xmlns:p14="http://schemas.microsoft.com/office/powerpoint/2010/main" xmlns:a14="http://schemas.microsoft.com/office/drawing/2010/main" w="9525">
+                <a14:hiddenLine xmlns:a14="http://schemas.microsoft.com/office/drawing/2010/main" xmlns:p14="http://schemas.microsoft.com/office/powerpoint/2010/main" xmlns:a16="http://schemas.microsoft.com/office/drawing/2014/main" xmlns="" w="9525">
                   <a:solidFill>
                     <a:srgbClr val="000000"/>
                   </a:solidFill>
@@ -13824,7 +13824,7 @@
             </a:ln>
             <a:extLst>
               <a:ext uri="{91240B29-F687-4f45-9708-019B960494DF}">
-                <a14:hiddenLine xmlns="" xmlns:a16="http://schemas.microsoft.com/office/drawing/2014/main" xmlns:p14="http://schemas.microsoft.com/office/powerpoint/2010/main" xmlns:a14="http://schemas.microsoft.com/office/drawing/2010/main" w="9525">
+                <a14:hiddenLine xmlns:a14="http://schemas.microsoft.com/office/drawing/2010/main" xmlns:p14="http://schemas.microsoft.com/office/powerpoint/2010/main" xmlns:a16="http://schemas.microsoft.com/office/drawing/2014/main" xmlns="" w="9525">
                   <a:solidFill>
                     <a:srgbClr val="000000"/>
                   </a:solidFill>
@@ -13898,7 +13898,7 @@
             </a:ln>
             <a:extLst>
               <a:ext uri="{91240B29-F687-4f45-9708-019B960494DF}">
-                <a14:hiddenLine xmlns="" xmlns:a16="http://schemas.microsoft.com/office/drawing/2014/main" xmlns:p14="http://schemas.microsoft.com/office/powerpoint/2010/main" xmlns:a14="http://schemas.microsoft.com/office/drawing/2010/main" w="9525">
+                <a14:hiddenLine xmlns:a14="http://schemas.microsoft.com/office/drawing/2010/main" xmlns:p14="http://schemas.microsoft.com/office/powerpoint/2010/main" xmlns:a16="http://schemas.microsoft.com/office/drawing/2014/main" xmlns="" w="9525">
                   <a:solidFill>
                     <a:srgbClr val="000000"/>
                   </a:solidFill>
@@ -13972,7 +13972,7 @@
             </a:ln>
             <a:extLst>
               <a:ext uri="{91240B29-F687-4f45-9708-019B960494DF}">
-                <a14:hiddenLine xmlns="" xmlns:a16="http://schemas.microsoft.com/office/drawing/2014/main" xmlns:p14="http://schemas.microsoft.com/office/powerpoint/2010/main" xmlns:a14="http://schemas.microsoft.com/office/drawing/2010/main" w="9525">
+                <a14:hiddenLine xmlns:a14="http://schemas.microsoft.com/office/drawing/2010/main" xmlns:p14="http://schemas.microsoft.com/office/powerpoint/2010/main" xmlns:a16="http://schemas.microsoft.com/office/drawing/2014/main" xmlns="" w="9525">
                   <a:solidFill>
                     <a:srgbClr val="000000"/>
                   </a:solidFill>
@@ -14074,7 +14074,7 @@
             </a:ln>
             <a:extLst>
               <a:ext uri="{91240B29-F687-4f45-9708-019B960494DF}">
-                <a14:hiddenLine xmlns="" xmlns:a16="http://schemas.microsoft.com/office/drawing/2014/main" xmlns:p14="http://schemas.microsoft.com/office/powerpoint/2010/main" xmlns:a14="http://schemas.microsoft.com/office/drawing/2010/main" w="9525">
+                <a14:hiddenLine xmlns:a14="http://schemas.microsoft.com/office/drawing/2010/main" xmlns:p14="http://schemas.microsoft.com/office/powerpoint/2010/main" xmlns:a16="http://schemas.microsoft.com/office/drawing/2014/main" xmlns="" w="9525">
                   <a:solidFill>
                     <a:srgbClr val="000000"/>
                   </a:solidFill>
@@ -14120,7 +14120,7 @@
             </a:ln>
             <a:extLst>
               <a:ext uri="{91240B29-F687-4f45-9708-019B960494DF}">
-                <a14:hiddenLine xmlns="" xmlns:a16="http://schemas.microsoft.com/office/drawing/2014/main" xmlns:p14="http://schemas.microsoft.com/office/powerpoint/2010/main" xmlns:a14="http://schemas.microsoft.com/office/drawing/2010/main" w="9525">
+                <a14:hiddenLine xmlns:a14="http://schemas.microsoft.com/office/drawing/2010/main" xmlns:p14="http://schemas.microsoft.com/office/powerpoint/2010/main" xmlns:a16="http://schemas.microsoft.com/office/drawing/2014/main" xmlns="" w="9525">
                   <a:solidFill>
                     <a:srgbClr val="000000"/>
                   </a:solidFill>
@@ -14197,7 +14197,7 @@
             </a:ln>
             <a:extLst>
               <a:ext uri="{91240B29-F687-4f45-9708-019B960494DF}">
-                <a14:hiddenLine xmlns="" xmlns:a16="http://schemas.microsoft.com/office/drawing/2014/main" xmlns:p14="http://schemas.microsoft.com/office/powerpoint/2010/main" xmlns:a14="http://schemas.microsoft.com/office/drawing/2010/main" w="9525">
+                <a14:hiddenLine xmlns:a14="http://schemas.microsoft.com/office/drawing/2010/main" xmlns:p14="http://schemas.microsoft.com/office/powerpoint/2010/main" xmlns:a16="http://schemas.microsoft.com/office/drawing/2014/main" xmlns="" w="9525">
                   <a:solidFill>
                     <a:srgbClr val="000000"/>
                   </a:solidFill>
@@ -14299,7 +14299,7 @@
             </a:ln>
             <a:extLst>
               <a:ext uri="{91240B29-F687-4f45-9708-019B960494DF}">
-                <a14:hiddenLine xmlns="" xmlns:a16="http://schemas.microsoft.com/office/drawing/2014/main" xmlns:p14="http://schemas.microsoft.com/office/powerpoint/2010/main" xmlns:a14="http://schemas.microsoft.com/office/drawing/2010/main" w="9525">
+                <a14:hiddenLine xmlns:a14="http://schemas.microsoft.com/office/drawing/2010/main" xmlns:p14="http://schemas.microsoft.com/office/powerpoint/2010/main" xmlns:a16="http://schemas.microsoft.com/office/drawing/2014/main" xmlns="" w="9525">
                   <a:solidFill>
                     <a:srgbClr val="000000"/>
                   </a:solidFill>
@@ -14373,7 +14373,7 @@
             </a:ln>
             <a:extLst>
               <a:ext uri="{91240B29-F687-4f45-9708-019B960494DF}">
-                <a14:hiddenLine xmlns="" xmlns:a16="http://schemas.microsoft.com/office/drawing/2014/main" xmlns:p14="http://schemas.microsoft.com/office/powerpoint/2010/main" xmlns:a14="http://schemas.microsoft.com/office/drawing/2010/main" w="9525">
+                <a14:hiddenLine xmlns:a14="http://schemas.microsoft.com/office/drawing/2010/main" xmlns:p14="http://schemas.microsoft.com/office/powerpoint/2010/main" xmlns:a16="http://schemas.microsoft.com/office/drawing/2014/main" xmlns="" w="9525">
                   <a:solidFill>
                     <a:srgbClr val="000000"/>
                   </a:solidFill>
@@ -14475,7 +14475,7 @@
             </a:ln>
             <a:extLst>
               <a:ext uri="{91240B29-F687-4f45-9708-019B960494DF}">
-                <a14:hiddenLine xmlns="" xmlns:a16="http://schemas.microsoft.com/office/drawing/2014/main" xmlns:p14="http://schemas.microsoft.com/office/powerpoint/2010/main" xmlns:a14="http://schemas.microsoft.com/office/drawing/2010/main" w="9525">
+                <a14:hiddenLine xmlns:a14="http://schemas.microsoft.com/office/drawing/2010/main" xmlns:p14="http://schemas.microsoft.com/office/powerpoint/2010/main" xmlns:a16="http://schemas.microsoft.com/office/drawing/2014/main" xmlns="" w="9525">
                   <a:solidFill>
                     <a:srgbClr val="000000"/>
                   </a:solidFill>
@@ -14552,7 +14552,7 @@
             </a:ln>
             <a:extLst>
               <a:ext uri="{91240B29-F687-4f45-9708-019B960494DF}">
-                <a14:hiddenLine xmlns="" xmlns:a16="http://schemas.microsoft.com/office/drawing/2014/main" xmlns:p14="http://schemas.microsoft.com/office/powerpoint/2010/main" xmlns:a14="http://schemas.microsoft.com/office/drawing/2010/main" w="9525">
+                <a14:hiddenLine xmlns:a14="http://schemas.microsoft.com/office/drawing/2010/main" xmlns:p14="http://schemas.microsoft.com/office/powerpoint/2010/main" xmlns:a16="http://schemas.microsoft.com/office/drawing/2014/main" xmlns="" w="9525">
                   <a:solidFill>
                     <a:srgbClr val="000000"/>
                   </a:solidFill>
@@ -14626,7 +14626,7 @@
             </a:ln>
             <a:extLst>
               <a:ext uri="{91240B29-F687-4f45-9708-019B960494DF}">
-                <a14:hiddenLine xmlns="" xmlns:a16="http://schemas.microsoft.com/office/drawing/2014/main" xmlns:p14="http://schemas.microsoft.com/office/powerpoint/2010/main" xmlns:a14="http://schemas.microsoft.com/office/drawing/2010/main" w="9525">
+                <a14:hiddenLine xmlns:a14="http://schemas.microsoft.com/office/drawing/2010/main" xmlns:p14="http://schemas.microsoft.com/office/powerpoint/2010/main" xmlns:a16="http://schemas.microsoft.com/office/drawing/2014/main" xmlns="" w="9525">
                   <a:solidFill>
                     <a:srgbClr val="000000"/>
                   </a:solidFill>
@@ -14728,7 +14728,7 @@
             </a:ln>
             <a:extLst>
               <a:ext uri="{91240B29-F687-4f45-9708-019B960494DF}">
-                <a14:hiddenLine xmlns="" xmlns:a16="http://schemas.microsoft.com/office/drawing/2014/main" xmlns:p14="http://schemas.microsoft.com/office/powerpoint/2010/main" xmlns:a14="http://schemas.microsoft.com/office/drawing/2010/main" w="9525">
+                <a14:hiddenLine xmlns:a14="http://schemas.microsoft.com/office/drawing/2010/main" xmlns:p14="http://schemas.microsoft.com/office/powerpoint/2010/main" xmlns:a16="http://schemas.microsoft.com/office/drawing/2014/main" xmlns="" w="9525">
                   <a:solidFill>
                     <a:srgbClr val="000000"/>
                   </a:solidFill>
@@ -14830,7 +14830,7 @@
             </a:ln>
             <a:extLst>
               <a:ext uri="{91240B29-F687-4f45-9708-019B960494DF}">
-                <a14:hiddenLine xmlns="" xmlns:a16="http://schemas.microsoft.com/office/drawing/2014/main" xmlns:p14="http://schemas.microsoft.com/office/powerpoint/2010/main" xmlns:a14="http://schemas.microsoft.com/office/drawing/2010/main" w="9525">
+                <a14:hiddenLine xmlns:a14="http://schemas.microsoft.com/office/drawing/2010/main" xmlns:p14="http://schemas.microsoft.com/office/powerpoint/2010/main" xmlns:a16="http://schemas.microsoft.com/office/drawing/2014/main" xmlns="" w="9525">
                   <a:solidFill>
                     <a:srgbClr val="000000"/>
                   </a:solidFill>
@@ -14907,7 +14907,7 @@
             </a:ln>
             <a:extLst>
               <a:ext uri="{91240B29-F687-4f45-9708-019B960494DF}">
-                <a14:hiddenLine xmlns="" xmlns:a16="http://schemas.microsoft.com/office/drawing/2014/main" xmlns:p14="http://schemas.microsoft.com/office/powerpoint/2010/main" xmlns:a14="http://schemas.microsoft.com/office/drawing/2010/main" w="9525">
+                <a14:hiddenLine xmlns:a14="http://schemas.microsoft.com/office/drawing/2010/main" xmlns:p14="http://schemas.microsoft.com/office/powerpoint/2010/main" xmlns:a16="http://schemas.microsoft.com/office/drawing/2014/main" xmlns="" w="9525">
                   <a:solidFill>
                     <a:srgbClr val="000000"/>
                   </a:solidFill>
@@ -15039,7 +15039,7 @@
             </a:ln>
             <a:extLst>
               <a:ext uri="{91240B29-F687-4f45-9708-019B960494DF}">
-                <a14:hiddenLine xmlns="" xmlns:a16="http://schemas.microsoft.com/office/drawing/2014/main" xmlns:p14="http://schemas.microsoft.com/office/powerpoint/2010/main" xmlns:a14="http://schemas.microsoft.com/office/drawing/2010/main" w="9525">
+                <a14:hiddenLine xmlns:a14="http://schemas.microsoft.com/office/drawing/2010/main" xmlns:p14="http://schemas.microsoft.com/office/powerpoint/2010/main" xmlns:a16="http://schemas.microsoft.com/office/drawing/2014/main" xmlns="" w="9525">
                   <a:solidFill>
                     <a:srgbClr val="000000"/>
                   </a:solidFill>
@@ -15315,7 +15315,7 @@
             </a:ln>
             <a:extLst>
               <a:ext uri="{91240B29-F687-4f45-9708-019B960494DF}">
-                <a14:hiddenLine xmlns:a14="http://schemas.microsoft.com/office/drawing/2010/main" xmlns:p14="http://schemas.microsoft.com/office/powerpoint/2010/main" xmlns:a16="http://schemas.microsoft.com/office/drawing/2014/main" xmlns="" w="9525">
+                <a14:hiddenLine xmlns="" xmlns:a16="http://schemas.microsoft.com/office/drawing/2014/main" xmlns:p14="http://schemas.microsoft.com/office/powerpoint/2010/main" xmlns:a14="http://schemas.microsoft.com/office/drawing/2010/main" w="9525">
                   <a:solidFill>
                     <a:srgbClr val="000000"/>
                   </a:solidFill>
@@ -15417,7 +15417,7 @@
             </a:ln>
             <a:extLst>
               <a:ext uri="{91240B29-F687-4f45-9708-019B960494DF}">
-                <a14:hiddenLine xmlns:a14="http://schemas.microsoft.com/office/drawing/2010/main" xmlns:p14="http://schemas.microsoft.com/office/powerpoint/2010/main" xmlns:a16="http://schemas.microsoft.com/office/drawing/2014/main" xmlns="" w="9525">
+                <a14:hiddenLine xmlns="" xmlns:a16="http://schemas.microsoft.com/office/drawing/2014/main" xmlns:p14="http://schemas.microsoft.com/office/powerpoint/2010/main" xmlns:a14="http://schemas.microsoft.com/office/drawing/2010/main" w="9525">
                   <a:solidFill>
                     <a:srgbClr val="000000"/>
                   </a:solidFill>
@@ -15519,7 +15519,7 @@
             </a:ln>
             <a:extLst>
               <a:ext uri="{91240B29-F687-4f45-9708-019B960494DF}">
-                <a14:hiddenLine xmlns:a14="http://schemas.microsoft.com/office/drawing/2010/main" xmlns:p14="http://schemas.microsoft.com/office/powerpoint/2010/main" xmlns:a16="http://schemas.microsoft.com/office/drawing/2014/main" xmlns="" w="9525">
+                <a14:hiddenLine xmlns="" xmlns:a16="http://schemas.microsoft.com/office/drawing/2014/main" xmlns:p14="http://schemas.microsoft.com/office/powerpoint/2010/main" xmlns:a14="http://schemas.microsoft.com/office/drawing/2010/main" w="9525">
                   <a:solidFill>
                     <a:srgbClr val="000000"/>
                   </a:solidFill>
@@ -15593,7 +15593,7 @@
             </a:ln>
             <a:extLst>
               <a:ext uri="{91240B29-F687-4f45-9708-019B960494DF}">
-                <a14:hiddenLine xmlns:a14="http://schemas.microsoft.com/office/drawing/2010/main" xmlns:p14="http://schemas.microsoft.com/office/powerpoint/2010/main" xmlns:a16="http://schemas.microsoft.com/office/drawing/2014/main" xmlns="" w="9525">
+                <a14:hiddenLine xmlns="" xmlns:a16="http://schemas.microsoft.com/office/drawing/2014/main" xmlns:p14="http://schemas.microsoft.com/office/powerpoint/2010/main" xmlns:a14="http://schemas.microsoft.com/office/drawing/2010/main" w="9525">
                   <a:solidFill>
                     <a:srgbClr val="000000"/>
                   </a:solidFill>
@@ -15695,7 +15695,7 @@
             </a:ln>
             <a:extLst>
               <a:ext uri="{91240B29-F687-4f45-9708-019B960494DF}">
-                <a14:hiddenLine xmlns:a14="http://schemas.microsoft.com/office/drawing/2010/main" xmlns:p14="http://schemas.microsoft.com/office/powerpoint/2010/main" xmlns:a16="http://schemas.microsoft.com/office/drawing/2014/main" xmlns="" w="9525">
+                <a14:hiddenLine xmlns="" xmlns:a16="http://schemas.microsoft.com/office/drawing/2014/main" xmlns:p14="http://schemas.microsoft.com/office/powerpoint/2010/main" xmlns:a14="http://schemas.microsoft.com/office/drawing/2010/main" w="9525">
                   <a:solidFill>
                     <a:srgbClr val="000000"/>
                   </a:solidFill>
@@ -15769,7 +15769,7 @@
             </a:ln>
             <a:extLst>
               <a:ext uri="{91240B29-F687-4f45-9708-019B960494DF}">
-                <a14:hiddenLine xmlns:a14="http://schemas.microsoft.com/office/drawing/2010/main" xmlns:p14="http://schemas.microsoft.com/office/powerpoint/2010/main" xmlns:a16="http://schemas.microsoft.com/office/drawing/2014/main" xmlns="" w="9525">
+                <a14:hiddenLine xmlns="" xmlns:a16="http://schemas.microsoft.com/office/drawing/2014/main" xmlns:p14="http://schemas.microsoft.com/office/powerpoint/2010/main" xmlns:a14="http://schemas.microsoft.com/office/drawing/2010/main" w="9525">
                   <a:solidFill>
                     <a:srgbClr val="000000"/>
                   </a:solidFill>
@@ -15843,7 +15843,7 @@
             </a:ln>
             <a:extLst>
               <a:ext uri="{91240B29-F687-4f45-9708-019B960494DF}">
-                <a14:hiddenLine xmlns:a14="http://schemas.microsoft.com/office/drawing/2010/main" xmlns:p14="http://schemas.microsoft.com/office/powerpoint/2010/main" xmlns:a16="http://schemas.microsoft.com/office/drawing/2014/main" xmlns="" w="9525">
+                <a14:hiddenLine xmlns="" xmlns:a16="http://schemas.microsoft.com/office/drawing/2014/main" xmlns:p14="http://schemas.microsoft.com/office/powerpoint/2010/main" xmlns:a14="http://schemas.microsoft.com/office/drawing/2010/main" w="9525">
                   <a:solidFill>
                     <a:srgbClr val="000000"/>
                   </a:solidFill>
@@ -15945,7 +15945,7 @@
             </a:ln>
             <a:extLst>
               <a:ext uri="{91240B29-F687-4f45-9708-019B960494DF}">
-                <a14:hiddenLine xmlns:a14="http://schemas.microsoft.com/office/drawing/2010/main" xmlns:p14="http://schemas.microsoft.com/office/powerpoint/2010/main" xmlns:a16="http://schemas.microsoft.com/office/drawing/2014/main" xmlns="" w="9525">
+                <a14:hiddenLine xmlns="" xmlns:a16="http://schemas.microsoft.com/office/drawing/2014/main" xmlns:p14="http://schemas.microsoft.com/office/powerpoint/2010/main" xmlns:a14="http://schemas.microsoft.com/office/drawing/2010/main" w="9525">
                   <a:solidFill>
                     <a:srgbClr val="000000"/>
                   </a:solidFill>
@@ -16047,7 +16047,7 @@
             </a:ln>
             <a:extLst>
               <a:ext uri="{91240B29-F687-4f45-9708-019B960494DF}">
-                <a14:hiddenLine xmlns:a14="http://schemas.microsoft.com/office/drawing/2010/main" xmlns:p14="http://schemas.microsoft.com/office/powerpoint/2010/main" xmlns:a16="http://schemas.microsoft.com/office/drawing/2014/main" xmlns="" w="9525">
+                <a14:hiddenLine xmlns="" xmlns:a16="http://schemas.microsoft.com/office/drawing/2014/main" xmlns:p14="http://schemas.microsoft.com/office/powerpoint/2010/main" xmlns:a14="http://schemas.microsoft.com/office/drawing/2010/main" w="9525">
                   <a:solidFill>
                     <a:srgbClr val="000000"/>
                   </a:solidFill>
@@ -16121,7 +16121,7 @@
             </a:ln>
             <a:extLst>
               <a:ext uri="{91240B29-F687-4f45-9708-019B960494DF}">
-                <a14:hiddenLine xmlns:a14="http://schemas.microsoft.com/office/drawing/2010/main" xmlns:p14="http://schemas.microsoft.com/office/powerpoint/2010/main" xmlns:a16="http://schemas.microsoft.com/office/drawing/2014/main" xmlns="" w="9525">
+                <a14:hiddenLine xmlns="" xmlns:a16="http://schemas.microsoft.com/office/drawing/2014/main" xmlns:p14="http://schemas.microsoft.com/office/powerpoint/2010/main" xmlns:a14="http://schemas.microsoft.com/office/drawing/2010/main" w="9525">
                   <a:solidFill>
                     <a:srgbClr val="000000"/>
                   </a:solidFill>
@@ -16243,7 +16243,7 @@
             </a:ln>
             <a:extLst>
               <a:ext uri="{91240B29-F687-4f45-9708-019B960494DF}">
-                <a14:hiddenLine xmlns:a14="http://schemas.microsoft.com/office/drawing/2010/main" xmlns:p14="http://schemas.microsoft.com/office/powerpoint/2010/main" xmlns:a16="http://schemas.microsoft.com/office/drawing/2014/main" xmlns="" w="9525">
+                <a14:hiddenLine xmlns="" xmlns:a16="http://schemas.microsoft.com/office/drawing/2014/main" xmlns:p14="http://schemas.microsoft.com/office/powerpoint/2010/main" xmlns:a14="http://schemas.microsoft.com/office/drawing/2010/main" w="9525">
                   <a:solidFill>
                     <a:srgbClr val="000000"/>
                   </a:solidFill>
@@ -16351,7 +16351,7 @@
             </a:ln>
             <a:extLst>
               <a:ext uri="{91240B29-F687-4f45-9708-019B960494DF}">
-                <a14:hiddenLine xmlns:a14="http://schemas.microsoft.com/office/drawing/2010/main" xmlns:p14="http://schemas.microsoft.com/office/powerpoint/2010/main" xmlns:a16="http://schemas.microsoft.com/office/drawing/2014/main" xmlns="" w="9525">
+                <a14:hiddenLine xmlns="" xmlns:a16="http://schemas.microsoft.com/office/drawing/2014/main" xmlns:p14="http://schemas.microsoft.com/office/powerpoint/2010/main" xmlns:a14="http://schemas.microsoft.com/office/drawing/2010/main" w="9525">
                   <a:solidFill>
                     <a:srgbClr val="000000"/>
                   </a:solidFill>
@@ -16425,7 +16425,7 @@
             </a:ln>
             <a:extLst>
               <a:ext uri="{91240B29-F687-4f45-9708-019B960494DF}">
-                <a14:hiddenLine xmlns:a14="http://schemas.microsoft.com/office/drawing/2010/main" xmlns:p14="http://schemas.microsoft.com/office/powerpoint/2010/main" xmlns:a16="http://schemas.microsoft.com/office/drawing/2014/main" xmlns="" w="9525">
+                <a14:hiddenLine xmlns="" xmlns:a16="http://schemas.microsoft.com/office/drawing/2014/main" xmlns:p14="http://schemas.microsoft.com/office/powerpoint/2010/main" xmlns:a14="http://schemas.microsoft.com/office/drawing/2010/main" w="9525">
                   <a:solidFill>
                     <a:srgbClr val="000000"/>
                   </a:solidFill>
@@ -16499,7 +16499,7 @@
             </a:ln>
             <a:extLst>
               <a:ext uri="{91240B29-F687-4f45-9708-019B960494DF}">
-                <a14:hiddenLine xmlns:a14="http://schemas.microsoft.com/office/drawing/2010/main" xmlns:p14="http://schemas.microsoft.com/office/powerpoint/2010/main" xmlns:a16="http://schemas.microsoft.com/office/drawing/2014/main" xmlns="" w="9525">
+                <a14:hiddenLine xmlns="" xmlns:a16="http://schemas.microsoft.com/office/drawing/2014/main" xmlns:p14="http://schemas.microsoft.com/office/powerpoint/2010/main" xmlns:a14="http://schemas.microsoft.com/office/drawing/2010/main" w="9525">
                   <a:solidFill>
                     <a:srgbClr val="000000"/>
                   </a:solidFill>
@@ -16601,7 +16601,7 @@
             </a:ln>
             <a:extLst>
               <a:ext uri="{91240B29-F687-4f45-9708-019B960494DF}">
-                <a14:hiddenLine xmlns:a14="http://schemas.microsoft.com/office/drawing/2010/main" xmlns:p14="http://schemas.microsoft.com/office/powerpoint/2010/main" xmlns:a16="http://schemas.microsoft.com/office/drawing/2014/main" xmlns="" w="9525">
+                <a14:hiddenLine xmlns="" xmlns:a16="http://schemas.microsoft.com/office/drawing/2014/main" xmlns:p14="http://schemas.microsoft.com/office/powerpoint/2010/main" xmlns:a14="http://schemas.microsoft.com/office/drawing/2010/main" w="9525">
                   <a:solidFill>
                     <a:srgbClr val="000000"/>
                   </a:solidFill>
@@ -16647,7 +16647,7 @@
             </a:ln>
             <a:extLst>
               <a:ext uri="{91240B29-F687-4f45-9708-019B960494DF}">
-                <a14:hiddenLine xmlns:a14="http://schemas.microsoft.com/office/drawing/2010/main" xmlns:p14="http://schemas.microsoft.com/office/powerpoint/2010/main" xmlns:a16="http://schemas.microsoft.com/office/drawing/2014/main" xmlns="" w="9525">
+                <a14:hiddenLine xmlns="" xmlns:a16="http://schemas.microsoft.com/office/drawing/2014/main" xmlns:p14="http://schemas.microsoft.com/office/powerpoint/2010/main" xmlns:a14="http://schemas.microsoft.com/office/drawing/2010/main" w="9525">
                   <a:solidFill>
                     <a:srgbClr val="000000"/>
                   </a:solidFill>
@@ -16724,7 +16724,7 @@
             </a:ln>
             <a:extLst>
               <a:ext uri="{91240B29-F687-4f45-9708-019B960494DF}">
-                <a14:hiddenLine xmlns:a14="http://schemas.microsoft.com/office/drawing/2010/main" xmlns:p14="http://schemas.microsoft.com/office/powerpoint/2010/main" xmlns:a16="http://schemas.microsoft.com/office/drawing/2014/main" xmlns="" w="9525">
+                <a14:hiddenLine xmlns="" xmlns:a16="http://schemas.microsoft.com/office/drawing/2014/main" xmlns:p14="http://schemas.microsoft.com/office/powerpoint/2010/main" xmlns:a14="http://schemas.microsoft.com/office/drawing/2010/main" w="9525">
                   <a:solidFill>
                     <a:srgbClr val="000000"/>
                   </a:solidFill>
@@ -16826,7 +16826,7 @@
             </a:ln>
             <a:extLst>
               <a:ext uri="{91240B29-F687-4f45-9708-019B960494DF}">
-                <a14:hiddenLine xmlns:a14="http://schemas.microsoft.com/office/drawing/2010/main" xmlns:p14="http://schemas.microsoft.com/office/powerpoint/2010/main" xmlns:a16="http://schemas.microsoft.com/office/drawing/2014/main" xmlns="" w="9525">
+                <a14:hiddenLine xmlns="" xmlns:a16="http://schemas.microsoft.com/office/drawing/2014/main" xmlns:p14="http://schemas.microsoft.com/office/powerpoint/2010/main" xmlns:a14="http://schemas.microsoft.com/office/drawing/2010/main" w="9525">
                   <a:solidFill>
                     <a:srgbClr val="000000"/>
                   </a:solidFill>
@@ -16900,7 +16900,7 @@
             </a:ln>
             <a:extLst>
               <a:ext uri="{91240B29-F687-4f45-9708-019B960494DF}">
-                <a14:hiddenLine xmlns:a14="http://schemas.microsoft.com/office/drawing/2010/main" xmlns:p14="http://schemas.microsoft.com/office/powerpoint/2010/main" xmlns:a16="http://schemas.microsoft.com/office/drawing/2014/main" xmlns="" w="9525">
+                <a14:hiddenLine xmlns="" xmlns:a16="http://schemas.microsoft.com/office/drawing/2014/main" xmlns:p14="http://schemas.microsoft.com/office/powerpoint/2010/main" xmlns:a14="http://schemas.microsoft.com/office/drawing/2010/main" w="9525">
                   <a:solidFill>
                     <a:srgbClr val="000000"/>
                   </a:solidFill>
@@ -17002,7 +17002,7 @@
             </a:ln>
             <a:extLst>
               <a:ext uri="{91240B29-F687-4f45-9708-019B960494DF}">
-                <a14:hiddenLine xmlns:a14="http://schemas.microsoft.com/office/drawing/2010/main" xmlns:p14="http://schemas.microsoft.com/office/powerpoint/2010/main" xmlns:a16="http://schemas.microsoft.com/office/drawing/2014/main" xmlns="" w="9525">
+                <a14:hiddenLine xmlns="" xmlns:a16="http://schemas.microsoft.com/office/drawing/2014/main" xmlns:p14="http://schemas.microsoft.com/office/powerpoint/2010/main" xmlns:a14="http://schemas.microsoft.com/office/drawing/2010/main" w="9525">
                   <a:solidFill>
                     <a:srgbClr val="000000"/>
                   </a:solidFill>
@@ -17079,7 +17079,7 @@
             </a:ln>
             <a:extLst>
               <a:ext uri="{91240B29-F687-4f45-9708-019B960494DF}">
-                <a14:hiddenLine xmlns:a14="http://schemas.microsoft.com/office/drawing/2010/main" xmlns:p14="http://schemas.microsoft.com/office/powerpoint/2010/main" xmlns:a16="http://schemas.microsoft.com/office/drawing/2014/main" xmlns="" w="9525">
+                <a14:hiddenLine xmlns="" xmlns:a16="http://schemas.microsoft.com/office/drawing/2014/main" xmlns:p14="http://schemas.microsoft.com/office/powerpoint/2010/main" xmlns:a14="http://schemas.microsoft.com/office/drawing/2010/main" w="9525">
                   <a:solidFill>
                     <a:srgbClr val="000000"/>
                   </a:solidFill>
@@ -17153,7 +17153,7 @@
             </a:ln>
             <a:extLst>
               <a:ext uri="{91240B29-F687-4f45-9708-019B960494DF}">
-                <a14:hiddenLine xmlns:a14="http://schemas.microsoft.com/office/drawing/2010/main" xmlns:p14="http://schemas.microsoft.com/office/powerpoint/2010/main" xmlns:a16="http://schemas.microsoft.com/office/drawing/2014/main" xmlns="" w="9525">
+                <a14:hiddenLine xmlns="" xmlns:a16="http://schemas.microsoft.com/office/drawing/2014/main" xmlns:p14="http://schemas.microsoft.com/office/powerpoint/2010/main" xmlns:a14="http://schemas.microsoft.com/office/drawing/2010/main" w="9525">
                   <a:solidFill>
                     <a:srgbClr val="000000"/>
                   </a:solidFill>
@@ -17255,7 +17255,7 @@
             </a:ln>
             <a:extLst>
               <a:ext uri="{91240B29-F687-4f45-9708-019B960494DF}">
-                <a14:hiddenLine xmlns:a14="http://schemas.microsoft.com/office/drawing/2010/main" xmlns:p14="http://schemas.microsoft.com/office/powerpoint/2010/main" xmlns:a16="http://schemas.microsoft.com/office/drawing/2014/main" xmlns="" w="9525">
+                <a14:hiddenLine xmlns="" xmlns:a16="http://schemas.microsoft.com/office/drawing/2014/main" xmlns:p14="http://schemas.microsoft.com/office/powerpoint/2010/main" xmlns:a14="http://schemas.microsoft.com/office/drawing/2010/main" w="9525">
                   <a:solidFill>
                     <a:srgbClr val="000000"/>
                   </a:solidFill>
@@ -17357,7 +17357,7 @@
             </a:ln>
             <a:extLst>
               <a:ext uri="{91240B29-F687-4f45-9708-019B960494DF}">
-                <a14:hiddenLine xmlns:a14="http://schemas.microsoft.com/office/drawing/2010/main" xmlns:p14="http://schemas.microsoft.com/office/powerpoint/2010/main" xmlns:a16="http://schemas.microsoft.com/office/drawing/2014/main" xmlns="" w="9525">
+                <a14:hiddenLine xmlns="" xmlns:a16="http://schemas.microsoft.com/office/drawing/2014/main" xmlns:p14="http://schemas.microsoft.com/office/powerpoint/2010/main" xmlns:a14="http://schemas.microsoft.com/office/drawing/2010/main" w="9525">
                   <a:solidFill>
                     <a:srgbClr val="000000"/>
                   </a:solidFill>
@@ -17434,7 +17434,7 @@
             </a:ln>
             <a:extLst>
               <a:ext uri="{91240B29-F687-4f45-9708-019B960494DF}">
-                <a14:hiddenLine xmlns:a14="http://schemas.microsoft.com/office/drawing/2010/main" xmlns:p14="http://schemas.microsoft.com/office/powerpoint/2010/main" xmlns:a16="http://schemas.microsoft.com/office/drawing/2014/main" xmlns="" w="9525">
+                <a14:hiddenLine xmlns="" xmlns:a16="http://schemas.microsoft.com/office/drawing/2014/main" xmlns:p14="http://schemas.microsoft.com/office/powerpoint/2010/main" xmlns:a14="http://schemas.microsoft.com/office/drawing/2010/main" w="9525">
                   <a:solidFill>
                     <a:srgbClr val="000000"/>
                   </a:solidFill>
@@ -17566,7 +17566,7 @@
             </a:ln>
             <a:extLst>
               <a:ext uri="{91240B29-F687-4f45-9708-019B960494DF}">
-                <a14:hiddenLine xmlns:a14="http://schemas.microsoft.com/office/drawing/2010/main" xmlns:p14="http://schemas.microsoft.com/office/powerpoint/2010/main" xmlns:a16="http://schemas.microsoft.com/office/drawing/2014/main" xmlns="" w="9525">
+                <a14:hiddenLine xmlns="" xmlns:a16="http://schemas.microsoft.com/office/drawing/2014/main" xmlns:p14="http://schemas.microsoft.com/office/powerpoint/2010/main" xmlns:a14="http://schemas.microsoft.com/office/drawing/2010/main" w="9525">
                   <a:solidFill>
                     <a:srgbClr val="000000"/>
                   </a:solidFill>
@@ -17690,7 +17690,7 @@
             </a:ln>
             <a:extLst>
               <a:ext uri="{91240B29-F687-4f45-9708-019B960494DF}">
-                <a14:hiddenLine xmlns:a14="http://schemas.microsoft.com/office/drawing/2010/main" xmlns:p14="http://schemas.microsoft.com/office/powerpoint/2010/main" xmlns:a16="http://schemas.microsoft.com/office/drawing/2014/main" xmlns="" w="9525">
+                <a14:hiddenLine xmlns="" xmlns:a16="http://schemas.microsoft.com/office/drawing/2014/main" xmlns:p14="http://schemas.microsoft.com/office/powerpoint/2010/main" xmlns:a14="http://schemas.microsoft.com/office/drawing/2010/main" w="9525">
                   <a:solidFill>
                     <a:srgbClr val="000000"/>
                   </a:solidFill>
@@ -17817,7 +17817,7 @@
             </a:ln>
             <a:extLst>
               <a:ext uri="{91240B29-F687-4f45-9708-019B960494DF}">
-                <a14:hiddenLine xmlns:a14="http://schemas.microsoft.com/office/drawing/2010/main" xmlns:p14="http://schemas.microsoft.com/office/powerpoint/2010/main" xmlns:a16="http://schemas.microsoft.com/office/drawing/2014/main" xmlns="" w="9525">
+                <a14:hiddenLine xmlns="" xmlns:a16="http://schemas.microsoft.com/office/drawing/2014/main" xmlns:p14="http://schemas.microsoft.com/office/powerpoint/2010/main" xmlns:a14="http://schemas.microsoft.com/office/drawing/2010/main" w="9525">
                   <a:solidFill>
                     <a:srgbClr val="000000"/>
                   </a:solidFill>
@@ -17919,7 +17919,7 @@
             </a:ln>
             <a:extLst>
               <a:ext uri="{91240B29-F687-4f45-9708-019B960494DF}">
-                <a14:hiddenLine xmlns:a14="http://schemas.microsoft.com/office/drawing/2010/main" xmlns:p14="http://schemas.microsoft.com/office/powerpoint/2010/main" xmlns:a16="http://schemas.microsoft.com/office/drawing/2014/main" xmlns="" w="9525">
+                <a14:hiddenLine xmlns="" xmlns:a16="http://schemas.microsoft.com/office/drawing/2014/main" xmlns:p14="http://schemas.microsoft.com/office/powerpoint/2010/main" xmlns:a14="http://schemas.microsoft.com/office/drawing/2010/main" w="9525">
                   <a:solidFill>
                     <a:srgbClr val="000000"/>
                   </a:solidFill>
@@ -17996,7 +17996,7 @@
             </a:ln>
             <a:extLst>
               <a:ext uri="{91240B29-F687-4f45-9708-019B960494DF}">
-                <a14:hiddenLine xmlns:a14="http://schemas.microsoft.com/office/drawing/2010/main" xmlns:p14="http://schemas.microsoft.com/office/powerpoint/2010/main" xmlns:a16="http://schemas.microsoft.com/office/drawing/2014/main" xmlns="" w="9525">
+                <a14:hiddenLine xmlns="" xmlns:a16="http://schemas.microsoft.com/office/drawing/2014/main" xmlns:p14="http://schemas.microsoft.com/office/powerpoint/2010/main" xmlns:a14="http://schemas.microsoft.com/office/drawing/2010/main" w="9525">
                   <a:solidFill>
                     <a:srgbClr val="000000"/>
                   </a:solidFill>
@@ -18098,7 +18098,7 @@
             </a:ln>
             <a:extLst>
               <a:ext uri="{91240B29-F687-4f45-9708-019B960494DF}">
-                <a14:hiddenLine xmlns:a14="http://schemas.microsoft.com/office/drawing/2010/main" xmlns:p14="http://schemas.microsoft.com/office/powerpoint/2010/main" xmlns:a16="http://schemas.microsoft.com/office/drawing/2014/main" xmlns="" w="9525">
+                <a14:hiddenLine xmlns="" xmlns:a16="http://schemas.microsoft.com/office/drawing/2014/main" xmlns:p14="http://schemas.microsoft.com/office/powerpoint/2010/main" xmlns:a14="http://schemas.microsoft.com/office/drawing/2010/main" w="9525">
                   <a:solidFill>
                     <a:srgbClr val="000000"/>
                   </a:solidFill>
@@ -18178,7 +18178,7 @@
             </a:ln>
             <a:extLst>
               <a:ext uri="{91240B29-F687-4f45-9708-019B960494DF}">
-                <a14:hiddenLine xmlns:a14="http://schemas.microsoft.com/office/drawing/2010/main" xmlns:p14="http://schemas.microsoft.com/office/powerpoint/2010/main" xmlns:a16="http://schemas.microsoft.com/office/drawing/2014/main" xmlns="" w="9525">
+                <a14:hiddenLine xmlns="" xmlns:a16="http://schemas.microsoft.com/office/drawing/2014/main" xmlns:p14="http://schemas.microsoft.com/office/powerpoint/2010/main" xmlns:a14="http://schemas.microsoft.com/office/drawing/2010/main" w="9525">
                   <a:solidFill>
                     <a:srgbClr val="000000"/>
                   </a:solidFill>
@@ -18280,7 +18280,7 @@
             </a:ln>
             <a:extLst>
               <a:ext uri="{91240B29-F687-4f45-9708-019B960494DF}">
-                <a14:hiddenLine xmlns:a14="http://schemas.microsoft.com/office/drawing/2010/main" xmlns:p14="http://schemas.microsoft.com/office/powerpoint/2010/main" xmlns:a16="http://schemas.microsoft.com/office/drawing/2014/main" xmlns="" w="9525">
+                <a14:hiddenLine xmlns="" xmlns:a16="http://schemas.microsoft.com/office/drawing/2014/main" xmlns:p14="http://schemas.microsoft.com/office/powerpoint/2010/main" xmlns:a14="http://schemas.microsoft.com/office/drawing/2010/main" w="9525">
                   <a:solidFill>
                     <a:srgbClr val="000000"/>
                   </a:solidFill>
@@ -18360,7 +18360,7 @@
             </a:ln>
             <a:extLst>
               <a:ext uri="{91240B29-F687-4f45-9708-019B960494DF}">
-                <a14:hiddenLine xmlns:a14="http://schemas.microsoft.com/office/drawing/2010/main" xmlns:p14="http://schemas.microsoft.com/office/powerpoint/2010/main" xmlns:a16="http://schemas.microsoft.com/office/drawing/2014/main" xmlns="" w="9525">
+                <a14:hiddenLine xmlns="" xmlns:a16="http://schemas.microsoft.com/office/drawing/2014/main" xmlns:p14="http://schemas.microsoft.com/office/powerpoint/2010/main" xmlns:a14="http://schemas.microsoft.com/office/drawing/2010/main" w="9525">
                   <a:solidFill>
                     <a:srgbClr val="000000"/>
                   </a:solidFill>
@@ -18462,7 +18462,7 @@
             </a:ln>
             <a:extLst>
               <a:ext uri="{91240B29-F687-4f45-9708-019B960494DF}">
-                <a14:hiddenLine xmlns:a14="http://schemas.microsoft.com/office/drawing/2010/main" xmlns:p14="http://schemas.microsoft.com/office/powerpoint/2010/main" xmlns:a16="http://schemas.microsoft.com/office/drawing/2014/main" xmlns="" w="9525">
+                <a14:hiddenLine xmlns="" xmlns:a16="http://schemas.microsoft.com/office/drawing/2014/main" xmlns:p14="http://schemas.microsoft.com/office/powerpoint/2010/main" xmlns:a14="http://schemas.microsoft.com/office/drawing/2010/main" w="9525">
                   <a:solidFill>
                     <a:srgbClr val="000000"/>
                   </a:solidFill>
@@ -18508,7 +18508,7 @@
             </a:ln>
             <a:extLst>
               <a:ext uri="{91240B29-F687-4f45-9708-019B960494DF}">
-                <a14:hiddenLine xmlns:a14="http://schemas.microsoft.com/office/drawing/2010/main" xmlns:p14="http://schemas.microsoft.com/office/powerpoint/2010/main" xmlns:a16="http://schemas.microsoft.com/office/drawing/2014/main" xmlns="" w="9525">
+                <a14:hiddenLine xmlns="" xmlns:a16="http://schemas.microsoft.com/office/drawing/2014/main" xmlns:p14="http://schemas.microsoft.com/office/powerpoint/2010/main" xmlns:a14="http://schemas.microsoft.com/office/drawing/2010/main" w="9525">
                   <a:solidFill>
                     <a:srgbClr val="000000"/>
                   </a:solidFill>
@@ -18615,26 +18615,9 @@
   <p:cSld>
     <p:bg>
       <p:bgPr>
-        <a:blipFill>
-          <a:blip r:embed="rId2">
-            <a:duotone>
-              <a:schemeClr val="bg2">
-                <a:shade val="88000"/>
-                <a:hueMod val="106000"/>
-                <a:satMod val="140000"/>
-                <a:lumMod val="54000"/>
-              </a:schemeClr>
-              <a:schemeClr val="bg2">
-                <a:tint val="98000"/>
-                <a:hueMod val="90000"/>
-                <a:satMod val="150000"/>
-                <a:lumMod val="160000"/>
-              </a:schemeClr>
-            </a:duotone>
-            <a:extLst/>
-          </a:blip>
-          <a:stretch/>
-        </a:blipFill>
+        <a:solidFill>
+          <a:schemeClr val="bg1"/>
+        </a:solidFill>
         <a:effectLst/>
       </p:bgPr>
     </p:bg>
@@ -18652,12 +18635,12 @@
           <a:chExt cx="0" cy="0"/>
         </a:xfrm>
       </p:grpSpPr>
-      <p:sp useBgFill="1">
+      <p:sp>
         <p:nvSpPr>
-          <p:cNvPr id="57" name="Rectangle 56">
+          <p:cNvPr id="144" name="Rectangle 92">
             <a:extLst>
               <a:ext uri="{FF2B5EF4-FFF2-40B4-BE49-F238E27FC236}">
-                <a16:creationId xmlns:a16="http://schemas.microsoft.com/office/drawing/2014/main" id="{C2E4E997-8672-4FFD-B8EC-9932A8E4714B}"/>
+                <a16:creationId xmlns:a16="http://schemas.microsoft.com/office/drawing/2014/main" id="{9775AF3B-5284-4B97-9BB7-55C6FB3699C2}"/>
               </a:ext>
             </a:extLst>
           </p:cNvPr>
@@ -18709,12 +18692,3317 @@
           </a:p>
         </p:txBody>
       </p:sp>
+      <p:grpSp>
+        <p:nvGrpSpPr>
+          <p:cNvPr id="145" name="Group 94">
+            <a:extLst>
+              <a:ext uri="{FF2B5EF4-FFF2-40B4-BE49-F238E27FC236}">
+                <a16:creationId xmlns:a16="http://schemas.microsoft.com/office/drawing/2014/main" id="{A0F1F7ED-DA39-478F-85DA-317DE08941E8}"/>
+              </a:ext>
+            </a:extLst>
+          </p:cNvPr>
+          <p:cNvGrpSpPr>
+            <a:grpSpLocks noGrp="1" noUngrp="1" noRot="1" noChangeAspect="1" noMove="1" noResize="1"/>
+          </p:cNvGrpSpPr>
+          <p:nvPr>
+            <p:extLst>
+              <p:ext uri="{386F3935-93C4-4BCD-93E2-E3B085C9AB24}">
+                <p16:designElem xmlns:p16="http://schemas.microsoft.com/office/powerpoint/2015/main" val="1"/>
+              </p:ext>
+            </p:extLst>
+          </p:nvPr>
+        </p:nvGrpSpPr>
+        <p:grpSpPr>
+          <a:xfrm>
+            <a:off x="0" y="0"/>
+            <a:ext cx="11902285" cy="6858001"/>
+            <a:chOff x="0" y="0"/>
+            <a:chExt cx="11902285" cy="6858001"/>
+          </a:xfrm>
+        </p:grpSpPr>
+        <p:grpSp>
+          <p:nvGrpSpPr>
+            <p:cNvPr id="96" name="Group 95">
+              <a:extLst>
+                <a:ext uri="{FF2B5EF4-FFF2-40B4-BE49-F238E27FC236}">
+                  <a16:creationId xmlns:a16="http://schemas.microsoft.com/office/drawing/2014/main" id="{1DAE5903-52E8-4F25-8473-93EF4837763C}"/>
+                </a:ext>
+              </a:extLst>
+            </p:cNvPr>
+            <p:cNvGrpSpPr/>
+            <p:nvPr>
+              <p:extLst>
+                <p:ext uri="{386F3935-93C4-4BCD-93E2-E3B085C9AB24}">
+                  <p16:designElem xmlns:p16="http://schemas.microsoft.com/office/powerpoint/2015/main" val="1"/>
+                </p:ext>
+              </p:extLst>
+            </p:nvPr>
+          </p:nvGrpSpPr>
+          <p:grpSpPr>
+            <a:xfrm>
+              <a:off x="0" y="0"/>
+              <a:ext cx="1220788" cy="6858001"/>
+              <a:chOff x="-14288" y="0"/>
+              <a:chExt cx="1220788" cy="6858001"/>
+            </a:xfrm>
+            <a:gradFill flip="none" rotWithShape="1">
+              <a:gsLst>
+                <a:gs pos="0">
+                  <a:schemeClr val="bg2"/>
+                </a:gs>
+                <a:gs pos="100000">
+                  <a:schemeClr val="tx2">
+                    <a:lumMod val="60000"/>
+                    <a:lumOff val="40000"/>
+                  </a:schemeClr>
+                </a:gs>
+              </a:gsLst>
+              <a:lin ang="5400000" scaled="0"/>
+              <a:tileRect/>
+            </a:gradFill>
+          </p:grpSpPr>
+          <p:sp>
+            <p:nvSpPr>
+              <p:cNvPr id="108" name="Rectangle 5">
+                <a:extLst>
+                  <a:ext uri="{FF2B5EF4-FFF2-40B4-BE49-F238E27FC236}">
+                    <a16:creationId xmlns:a16="http://schemas.microsoft.com/office/drawing/2014/main" id="{894835C1-32DE-4571-AD10-28D58CB8CFD1}"/>
+                  </a:ext>
+                </a:extLst>
+              </p:cNvPr>
+              <p:cNvSpPr>
+                <a:spLocks noChangeArrowheads="1"/>
+              </p:cNvSpPr>
+              <p:nvPr>
+                <p:extLst>
+                  <p:ext uri="{386F3935-93C4-4BCD-93E2-E3B085C9AB24}">
+                    <p16:designElem xmlns:p16="http://schemas.microsoft.com/office/powerpoint/2015/main" val="1"/>
+                  </p:ext>
+                </p:extLst>
+              </p:nvPr>
+            </p:nvSpPr>
+            <p:spPr bwMode="auto">
+              <a:xfrm>
+                <a:off x="114300" y="4763"/>
+                <a:ext cx="23813" cy="2181225"/>
+              </a:xfrm>
+              <a:prstGeom prst="rect">
+                <a:avLst/>
+              </a:prstGeom>
+              <a:grpFill/>
+              <a:ln>
+                <a:noFill/>
+              </a:ln>
+              <a:extLst>
+                <a:ext uri="{91240B29-F687-4f45-9708-019B960494DF}">
+                  <a14:hiddenLine xmlns:a14="http://schemas.microsoft.com/office/drawing/2010/main" xmlns:p14="http://schemas.microsoft.com/office/powerpoint/2010/main" xmlns="" w="9525">
+                    <a:solidFill>
+                      <a:srgbClr val="000000"/>
+                    </a:solidFill>
+                    <a:miter lim="800000"/>
+                    <a:headEnd/>
+                    <a:tailEnd/>
+                  </a14:hiddenLine>
+                </a:ext>
+              </a:extLst>
+            </p:spPr>
+          </p:sp>
+          <p:sp>
+            <p:nvSpPr>
+              <p:cNvPr id="109" name="Freeform 6">
+                <a:extLst>
+                  <a:ext uri="{FF2B5EF4-FFF2-40B4-BE49-F238E27FC236}">
+                    <a16:creationId xmlns:a16="http://schemas.microsoft.com/office/drawing/2014/main" id="{097A5B92-0B48-4251-9764-D34DF889207C}"/>
+                  </a:ext>
+                </a:extLst>
+              </p:cNvPr>
+              <p:cNvSpPr>
+                <a:spLocks noEditPoints="1"/>
+              </p:cNvSpPr>
+              <p:nvPr>
+                <p:extLst>
+                  <p:ext uri="{386F3935-93C4-4BCD-93E2-E3B085C9AB24}">
+                    <p16:designElem xmlns:p16="http://schemas.microsoft.com/office/powerpoint/2015/main" val="1"/>
+                  </p:ext>
+                </p:extLst>
+              </p:nvPr>
+            </p:nvSpPr>
+            <p:spPr bwMode="auto">
+              <a:xfrm>
+                <a:off x="33337" y="2176463"/>
+                <a:ext cx="190500" cy="190500"/>
+              </a:xfrm>
+              <a:custGeom>
+                <a:avLst/>
+                <a:gdLst/>
+                <a:ahLst/>
+                <a:cxnLst/>
+                <a:rect l="0" t="0" r="r" b="b"/>
+                <a:pathLst>
+                  <a:path w="40" h="40">
+                    <a:moveTo>
+                      <a:pt x="20" y="40"/>
+                    </a:moveTo>
+                    <a:cubicBezTo>
+                      <a:pt x="9" y="40"/>
+                      <a:pt x="0" y="31"/>
+                      <a:pt x="0" y="20"/>
+                    </a:cubicBezTo>
+                    <a:cubicBezTo>
+                      <a:pt x="0" y="9"/>
+                      <a:pt x="9" y="0"/>
+                      <a:pt x="20" y="0"/>
+                    </a:cubicBezTo>
+                    <a:cubicBezTo>
+                      <a:pt x="31" y="0"/>
+                      <a:pt x="40" y="9"/>
+                      <a:pt x="40" y="20"/>
+                    </a:cubicBezTo>
+                    <a:cubicBezTo>
+                      <a:pt x="40" y="31"/>
+                      <a:pt x="31" y="40"/>
+                      <a:pt x="20" y="40"/>
+                    </a:cubicBezTo>
+                    <a:close/>
+                    <a:moveTo>
+                      <a:pt x="20" y="4"/>
+                    </a:moveTo>
+                    <a:cubicBezTo>
+                      <a:pt x="11" y="4"/>
+                      <a:pt x="4" y="11"/>
+                      <a:pt x="4" y="20"/>
+                    </a:cubicBezTo>
+                    <a:cubicBezTo>
+                      <a:pt x="4" y="29"/>
+                      <a:pt x="11" y="36"/>
+                      <a:pt x="20" y="36"/>
+                    </a:cubicBezTo>
+                    <a:cubicBezTo>
+                      <a:pt x="28" y="36"/>
+                      <a:pt x="36" y="29"/>
+                      <a:pt x="36" y="20"/>
+                    </a:cubicBezTo>
+                    <a:cubicBezTo>
+                      <a:pt x="36" y="11"/>
+                      <a:pt x="28" y="4"/>
+                      <a:pt x="20" y="4"/>
+                    </a:cubicBezTo>
+                    <a:close/>
+                  </a:path>
+                </a:pathLst>
+              </a:custGeom>
+              <a:grpFill/>
+              <a:ln>
+                <a:noFill/>
+              </a:ln>
+              <a:extLst>
+                <a:ext uri="{91240B29-F687-4f45-9708-019B960494DF}">
+                  <a14:hiddenLine xmlns:a14="http://schemas.microsoft.com/office/drawing/2010/main" xmlns:p14="http://schemas.microsoft.com/office/powerpoint/2010/main" xmlns="" w="9525">
+                    <a:solidFill>
+                      <a:srgbClr val="000000"/>
+                    </a:solidFill>
+                    <a:round/>
+                    <a:headEnd/>
+                    <a:tailEnd/>
+                  </a14:hiddenLine>
+                </a:ext>
+              </a:extLst>
+            </p:spPr>
+          </p:sp>
+          <p:sp>
+            <p:nvSpPr>
+              <p:cNvPr id="110" name="Freeform 7">
+                <a:extLst>
+                  <a:ext uri="{FF2B5EF4-FFF2-40B4-BE49-F238E27FC236}">
+                    <a16:creationId xmlns:a16="http://schemas.microsoft.com/office/drawing/2014/main" id="{E222BF19-57E7-43F3-A2B9-2398BEF966D4}"/>
+                  </a:ext>
+                </a:extLst>
+              </p:cNvPr>
+              <p:cNvSpPr>
+                <a:spLocks noEditPoints="1"/>
+              </p:cNvSpPr>
+              <p:nvPr>
+                <p:extLst>
+                  <p:ext uri="{386F3935-93C4-4BCD-93E2-E3B085C9AB24}">
+                    <p16:designElem xmlns:p16="http://schemas.microsoft.com/office/powerpoint/2015/main" val="1"/>
+                  </p:ext>
+                </p:extLst>
+              </p:nvPr>
+            </p:nvSpPr>
+            <p:spPr bwMode="auto">
+              <a:xfrm>
+                <a:off x="28575" y="4021138"/>
+                <a:ext cx="190500" cy="188913"/>
+              </a:xfrm>
+              <a:custGeom>
+                <a:avLst/>
+                <a:gdLst/>
+                <a:ahLst/>
+                <a:cxnLst/>
+                <a:rect l="0" t="0" r="r" b="b"/>
+                <a:pathLst>
+                  <a:path w="40" h="40">
+                    <a:moveTo>
+                      <a:pt x="20" y="40"/>
+                    </a:moveTo>
+                    <a:cubicBezTo>
+                      <a:pt x="9" y="40"/>
+                      <a:pt x="0" y="31"/>
+                      <a:pt x="0" y="20"/>
+                    </a:cubicBezTo>
+                    <a:cubicBezTo>
+                      <a:pt x="0" y="9"/>
+                      <a:pt x="9" y="0"/>
+                      <a:pt x="20" y="0"/>
+                    </a:cubicBezTo>
+                    <a:cubicBezTo>
+                      <a:pt x="31" y="0"/>
+                      <a:pt x="40" y="9"/>
+                      <a:pt x="40" y="20"/>
+                    </a:cubicBezTo>
+                    <a:cubicBezTo>
+                      <a:pt x="40" y="31"/>
+                      <a:pt x="31" y="40"/>
+                      <a:pt x="20" y="40"/>
+                    </a:cubicBezTo>
+                    <a:close/>
+                    <a:moveTo>
+                      <a:pt x="20" y="4"/>
+                    </a:moveTo>
+                    <a:cubicBezTo>
+                      <a:pt x="12" y="4"/>
+                      <a:pt x="4" y="11"/>
+                      <a:pt x="4" y="20"/>
+                    </a:cubicBezTo>
+                    <a:cubicBezTo>
+                      <a:pt x="4" y="29"/>
+                      <a:pt x="12" y="36"/>
+                      <a:pt x="20" y="36"/>
+                    </a:cubicBezTo>
+                    <a:cubicBezTo>
+                      <a:pt x="29" y="36"/>
+                      <a:pt x="36" y="29"/>
+                      <a:pt x="36" y="20"/>
+                    </a:cubicBezTo>
+                    <a:cubicBezTo>
+                      <a:pt x="36" y="11"/>
+                      <a:pt x="29" y="4"/>
+                      <a:pt x="20" y="4"/>
+                    </a:cubicBezTo>
+                    <a:close/>
+                  </a:path>
+                </a:pathLst>
+              </a:custGeom>
+              <a:grpFill/>
+              <a:ln>
+                <a:noFill/>
+              </a:ln>
+              <a:extLst>
+                <a:ext uri="{91240B29-F687-4f45-9708-019B960494DF}">
+                  <a14:hiddenLine xmlns:a14="http://schemas.microsoft.com/office/drawing/2010/main" xmlns:p14="http://schemas.microsoft.com/office/powerpoint/2010/main" xmlns="" w="9525">
+                    <a:solidFill>
+                      <a:srgbClr val="000000"/>
+                    </a:solidFill>
+                    <a:round/>
+                    <a:headEnd/>
+                    <a:tailEnd/>
+                  </a14:hiddenLine>
+                </a:ext>
+              </a:extLst>
+            </p:spPr>
+          </p:sp>
+          <p:sp>
+            <p:nvSpPr>
+              <p:cNvPr id="111" name="Freeform 8">
+                <a:extLst>
+                  <a:ext uri="{FF2B5EF4-FFF2-40B4-BE49-F238E27FC236}">
+                    <a16:creationId xmlns:a16="http://schemas.microsoft.com/office/drawing/2014/main" id="{60C8836E-B7D9-48A9-8FD9-4CC52AF44D24}"/>
+                  </a:ext>
+                </a:extLst>
+              </p:cNvPr>
+              <p:cNvSpPr/>
+              <p:nvPr>
+                <p:extLst>
+                  <p:ext uri="{386F3935-93C4-4BCD-93E2-E3B085C9AB24}">
+                    <p16:designElem xmlns:p16="http://schemas.microsoft.com/office/powerpoint/2015/main" val="1"/>
+                  </p:ext>
+                </p:extLst>
+              </p:nvPr>
+            </p:nvSpPr>
+            <p:spPr bwMode="auto">
+              <a:xfrm>
+                <a:off x="200025" y="4763"/>
+                <a:ext cx="369888" cy="1811338"/>
+              </a:xfrm>
+              <a:custGeom>
+                <a:avLst/>
+                <a:gdLst/>
+                <a:ahLst/>
+                <a:cxnLst/>
+                <a:rect l="0" t="0" r="r" b="b"/>
+                <a:pathLst>
+                  <a:path w="233" h="1141">
+                    <a:moveTo>
+                      <a:pt x="218" y="1141"/>
+                    </a:moveTo>
+                    <a:lnTo>
+                      <a:pt x="0" y="626"/>
+                    </a:lnTo>
+                    <a:lnTo>
+                      <a:pt x="0" y="0"/>
+                    </a:lnTo>
+                    <a:lnTo>
+                      <a:pt x="15" y="0"/>
+                    </a:lnTo>
+                    <a:lnTo>
+                      <a:pt x="15" y="623"/>
+                    </a:lnTo>
+                    <a:lnTo>
+                      <a:pt x="233" y="1135"/>
+                    </a:lnTo>
+                    <a:lnTo>
+                      <a:pt x="218" y="1141"/>
+                    </a:lnTo>
+                    <a:close/>
+                  </a:path>
+                </a:pathLst>
+              </a:custGeom>
+              <a:grpFill/>
+              <a:ln>
+                <a:noFill/>
+              </a:ln>
+              <a:extLst>
+                <a:ext uri="{91240B29-F687-4f45-9708-019B960494DF}">
+                  <a14:hiddenLine xmlns:a14="http://schemas.microsoft.com/office/drawing/2010/main" xmlns:p14="http://schemas.microsoft.com/office/powerpoint/2010/main" xmlns="" w="9525">
+                    <a:solidFill>
+                      <a:srgbClr val="000000"/>
+                    </a:solidFill>
+                    <a:round/>
+                    <a:headEnd/>
+                    <a:tailEnd/>
+                  </a14:hiddenLine>
+                </a:ext>
+              </a:extLst>
+            </p:spPr>
+          </p:sp>
+          <p:sp>
+            <p:nvSpPr>
+              <p:cNvPr id="112" name="Freeform 9">
+                <a:extLst>
+                  <a:ext uri="{FF2B5EF4-FFF2-40B4-BE49-F238E27FC236}">
+                    <a16:creationId xmlns:a16="http://schemas.microsoft.com/office/drawing/2014/main" id="{8504740E-456D-4FB9-9520-4317CCFA71B1}"/>
+                  </a:ext>
+                </a:extLst>
+              </p:cNvPr>
+              <p:cNvSpPr>
+                <a:spLocks noEditPoints="1"/>
+              </p:cNvSpPr>
+              <p:nvPr>
+                <p:extLst>
+                  <p:ext uri="{386F3935-93C4-4BCD-93E2-E3B085C9AB24}">
+                    <p16:designElem xmlns:p16="http://schemas.microsoft.com/office/powerpoint/2015/main" val="1"/>
+                  </p:ext>
+                </p:extLst>
+              </p:nvPr>
+            </p:nvSpPr>
+            <p:spPr bwMode="auto">
+              <a:xfrm>
+                <a:off x="503237" y="1801813"/>
+                <a:ext cx="190500" cy="188913"/>
+              </a:xfrm>
+              <a:custGeom>
+                <a:avLst/>
+                <a:gdLst/>
+                <a:ahLst/>
+                <a:cxnLst/>
+                <a:rect l="0" t="0" r="r" b="b"/>
+                <a:pathLst>
+                  <a:path w="40" h="40">
+                    <a:moveTo>
+                      <a:pt x="20" y="40"/>
+                    </a:moveTo>
+                    <a:cubicBezTo>
+                      <a:pt x="9" y="40"/>
+                      <a:pt x="0" y="31"/>
+                      <a:pt x="0" y="20"/>
+                    </a:cubicBezTo>
+                    <a:cubicBezTo>
+                      <a:pt x="0" y="9"/>
+                      <a:pt x="9" y="0"/>
+                      <a:pt x="20" y="0"/>
+                    </a:cubicBezTo>
+                    <a:cubicBezTo>
+                      <a:pt x="33" y="0"/>
+                      <a:pt x="40" y="6"/>
+                      <a:pt x="40" y="20"/>
+                    </a:cubicBezTo>
+                    <a:cubicBezTo>
+                      <a:pt x="40" y="31"/>
+                      <a:pt x="31" y="40"/>
+                      <a:pt x="20" y="40"/>
+                    </a:cubicBezTo>
+                    <a:close/>
+                    <a:moveTo>
+                      <a:pt x="20" y="4"/>
+                    </a:moveTo>
+                    <a:cubicBezTo>
+                      <a:pt x="11" y="4"/>
+                      <a:pt x="4" y="11"/>
+                      <a:pt x="4" y="20"/>
+                    </a:cubicBezTo>
+                    <a:cubicBezTo>
+                      <a:pt x="4" y="29"/>
+                      <a:pt x="11" y="36"/>
+                      <a:pt x="20" y="36"/>
+                    </a:cubicBezTo>
+                    <a:cubicBezTo>
+                      <a:pt x="28" y="36"/>
+                      <a:pt x="36" y="29"/>
+                      <a:pt x="36" y="20"/>
+                    </a:cubicBezTo>
+                    <a:cubicBezTo>
+                      <a:pt x="36" y="9"/>
+                      <a:pt x="31" y="4"/>
+                      <a:pt x="20" y="4"/>
+                    </a:cubicBezTo>
+                    <a:close/>
+                  </a:path>
+                </a:pathLst>
+              </a:custGeom>
+              <a:grpFill/>
+              <a:ln>
+                <a:noFill/>
+              </a:ln>
+              <a:extLst>
+                <a:ext uri="{91240B29-F687-4f45-9708-019B960494DF}">
+                  <a14:hiddenLine xmlns:a14="http://schemas.microsoft.com/office/drawing/2010/main" xmlns:p14="http://schemas.microsoft.com/office/powerpoint/2010/main" xmlns="" w="9525">
+                    <a:solidFill>
+                      <a:srgbClr val="000000"/>
+                    </a:solidFill>
+                    <a:round/>
+                    <a:headEnd/>
+                    <a:tailEnd/>
+                  </a14:hiddenLine>
+                </a:ext>
+              </a:extLst>
+            </p:spPr>
+          </p:sp>
+          <p:sp>
+            <p:nvSpPr>
+              <p:cNvPr id="113" name="Freeform 10">
+                <a:extLst>
+                  <a:ext uri="{FF2B5EF4-FFF2-40B4-BE49-F238E27FC236}">
+                    <a16:creationId xmlns:a16="http://schemas.microsoft.com/office/drawing/2014/main" id="{1563A7B4-B1D5-4F93-AFF9-2EB78655FC56}"/>
+                  </a:ext>
+                </a:extLst>
+              </p:cNvPr>
+              <p:cNvSpPr/>
+              <p:nvPr>
+                <p:extLst>
+                  <p:ext uri="{386F3935-93C4-4BCD-93E2-E3B085C9AB24}">
+                    <p16:designElem xmlns:p16="http://schemas.microsoft.com/office/powerpoint/2015/main" val="1"/>
+                  </p:ext>
+                </p:extLst>
+              </p:nvPr>
+            </p:nvSpPr>
+            <p:spPr bwMode="auto">
+              <a:xfrm>
+                <a:off x="285750" y="4763"/>
+                <a:ext cx="369888" cy="1430338"/>
+              </a:xfrm>
+              <a:custGeom>
+                <a:avLst/>
+                <a:gdLst/>
+                <a:ahLst/>
+                <a:cxnLst/>
+                <a:rect l="0" t="0" r="r" b="b"/>
+                <a:pathLst>
+                  <a:path w="233" h="901">
+                    <a:moveTo>
+                      <a:pt x="221" y="901"/>
+                    </a:moveTo>
+                    <a:lnTo>
+                      <a:pt x="0" y="383"/>
+                    </a:lnTo>
+                    <a:lnTo>
+                      <a:pt x="0" y="0"/>
+                    </a:lnTo>
+                    <a:lnTo>
+                      <a:pt x="18" y="0"/>
+                    </a:lnTo>
+                    <a:lnTo>
+                      <a:pt x="18" y="380"/>
+                    </a:lnTo>
+                    <a:lnTo>
+                      <a:pt x="233" y="895"/>
+                    </a:lnTo>
+                    <a:lnTo>
+                      <a:pt x="221" y="901"/>
+                    </a:lnTo>
+                    <a:close/>
+                  </a:path>
+                </a:pathLst>
+              </a:custGeom>
+              <a:grpFill/>
+              <a:ln>
+                <a:noFill/>
+              </a:ln>
+              <a:extLst>
+                <a:ext uri="{91240B29-F687-4f45-9708-019B960494DF}">
+                  <a14:hiddenLine xmlns:a14="http://schemas.microsoft.com/office/drawing/2010/main" xmlns:p14="http://schemas.microsoft.com/office/powerpoint/2010/main" xmlns="" w="9525">
+                    <a:solidFill>
+                      <a:srgbClr val="000000"/>
+                    </a:solidFill>
+                    <a:round/>
+                    <a:headEnd/>
+                    <a:tailEnd/>
+                  </a14:hiddenLine>
+                </a:ext>
+              </a:extLst>
+            </p:spPr>
+          </p:sp>
+          <p:sp>
+            <p:nvSpPr>
+              <p:cNvPr id="114" name="Freeform 11">
+                <a:extLst>
+                  <a:ext uri="{FF2B5EF4-FFF2-40B4-BE49-F238E27FC236}">
+                    <a16:creationId xmlns:a16="http://schemas.microsoft.com/office/drawing/2014/main" id="{D139ED24-FA37-4470-8B42-D0D00EDE14FB}"/>
+                  </a:ext>
+                </a:extLst>
+              </p:cNvPr>
+              <p:cNvSpPr/>
+              <p:nvPr>
+                <p:extLst>
+                  <p:ext uri="{386F3935-93C4-4BCD-93E2-E3B085C9AB24}">
+                    <p16:designElem xmlns:p16="http://schemas.microsoft.com/office/powerpoint/2015/main" val="1"/>
+                  </p:ext>
+                </p:extLst>
+              </p:nvPr>
+            </p:nvSpPr>
+            <p:spPr bwMode="auto">
+              <a:xfrm>
+                <a:off x="546100" y="0"/>
+                <a:ext cx="152400" cy="912813"/>
+              </a:xfrm>
+              <a:custGeom>
+                <a:avLst/>
+                <a:gdLst/>
+                <a:ahLst/>
+                <a:cxnLst/>
+                <a:rect l="0" t="0" r="r" b="b"/>
+                <a:pathLst>
+                  <a:path w="96" h="575">
+                    <a:moveTo>
+                      <a:pt x="96" y="575"/>
+                    </a:moveTo>
+                    <a:lnTo>
+                      <a:pt x="78" y="575"/>
+                    </a:lnTo>
+                    <a:lnTo>
+                      <a:pt x="78" y="192"/>
+                    </a:lnTo>
+                    <a:lnTo>
+                      <a:pt x="0" y="6"/>
+                    </a:lnTo>
+                    <a:lnTo>
+                      <a:pt x="15" y="0"/>
+                    </a:lnTo>
+                    <a:lnTo>
+                      <a:pt x="96" y="189"/>
+                    </a:lnTo>
+                    <a:lnTo>
+                      <a:pt x="96" y="575"/>
+                    </a:lnTo>
+                    <a:close/>
+                  </a:path>
+                </a:pathLst>
+              </a:custGeom>
+              <a:grpFill/>
+              <a:ln>
+                <a:noFill/>
+              </a:ln>
+              <a:extLst>
+                <a:ext uri="{91240B29-F687-4f45-9708-019B960494DF}">
+                  <a14:hiddenLine xmlns:a14="http://schemas.microsoft.com/office/drawing/2010/main" xmlns:p14="http://schemas.microsoft.com/office/powerpoint/2010/main" xmlns="" w="9525">
+                    <a:solidFill>
+                      <a:srgbClr val="000000"/>
+                    </a:solidFill>
+                    <a:round/>
+                    <a:headEnd/>
+                    <a:tailEnd/>
+                  </a14:hiddenLine>
+                </a:ext>
+              </a:extLst>
+            </p:spPr>
+          </p:sp>
+          <p:sp>
+            <p:nvSpPr>
+              <p:cNvPr id="115" name="Freeform 12">
+                <a:extLst>
+                  <a:ext uri="{FF2B5EF4-FFF2-40B4-BE49-F238E27FC236}">
+                    <a16:creationId xmlns:a16="http://schemas.microsoft.com/office/drawing/2014/main" id="{48825AA7-BB26-45C2-93A2-1AD8D9A23251}"/>
+                  </a:ext>
+                </a:extLst>
+              </p:cNvPr>
+              <p:cNvSpPr>
+                <a:spLocks noEditPoints="1"/>
+              </p:cNvSpPr>
+              <p:nvPr>
+                <p:extLst>
+                  <p:ext uri="{386F3935-93C4-4BCD-93E2-E3B085C9AB24}">
+                    <p16:designElem xmlns:p16="http://schemas.microsoft.com/office/powerpoint/2015/main" val="1"/>
+                  </p:ext>
+                </p:extLst>
+              </p:nvPr>
+            </p:nvSpPr>
+            <p:spPr bwMode="auto">
+              <a:xfrm>
+                <a:off x="588962" y="1420813"/>
+                <a:ext cx="190500" cy="190500"/>
+              </a:xfrm>
+              <a:custGeom>
+                <a:avLst/>
+                <a:gdLst/>
+                <a:ahLst/>
+                <a:cxnLst/>
+                <a:rect l="0" t="0" r="r" b="b"/>
+                <a:pathLst>
+                  <a:path w="40" h="40">
+                    <a:moveTo>
+                      <a:pt x="20" y="40"/>
+                    </a:moveTo>
+                    <a:cubicBezTo>
+                      <a:pt x="9" y="40"/>
+                      <a:pt x="0" y="31"/>
+                      <a:pt x="0" y="20"/>
+                    </a:cubicBezTo>
+                    <a:cubicBezTo>
+                      <a:pt x="0" y="9"/>
+                      <a:pt x="9" y="0"/>
+                      <a:pt x="20" y="0"/>
+                    </a:cubicBezTo>
+                    <a:cubicBezTo>
+                      <a:pt x="33" y="0"/>
+                      <a:pt x="40" y="7"/>
+                      <a:pt x="40" y="20"/>
+                    </a:cubicBezTo>
+                    <a:cubicBezTo>
+                      <a:pt x="40" y="31"/>
+                      <a:pt x="31" y="40"/>
+                      <a:pt x="20" y="40"/>
+                    </a:cubicBezTo>
+                    <a:close/>
+                    <a:moveTo>
+                      <a:pt x="20" y="4"/>
+                    </a:moveTo>
+                    <a:cubicBezTo>
+                      <a:pt x="11" y="4"/>
+                      <a:pt x="4" y="11"/>
+                      <a:pt x="4" y="20"/>
+                    </a:cubicBezTo>
+                    <a:cubicBezTo>
+                      <a:pt x="4" y="29"/>
+                      <a:pt x="11" y="36"/>
+                      <a:pt x="20" y="36"/>
+                    </a:cubicBezTo>
+                    <a:cubicBezTo>
+                      <a:pt x="29" y="36"/>
+                      <a:pt x="36" y="29"/>
+                      <a:pt x="36" y="20"/>
+                    </a:cubicBezTo>
+                    <a:cubicBezTo>
+                      <a:pt x="36" y="9"/>
+                      <a:pt x="31" y="4"/>
+                      <a:pt x="20" y="4"/>
+                    </a:cubicBezTo>
+                    <a:close/>
+                  </a:path>
+                </a:pathLst>
+              </a:custGeom>
+              <a:grpFill/>
+              <a:ln>
+                <a:noFill/>
+              </a:ln>
+              <a:extLst>
+                <a:ext uri="{91240B29-F687-4f45-9708-019B960494DF}">
+                  <a14:hiddenLine xmlns:a14="http://schemas.microsoft.com/office/drawing/2010/main" xmlns:p14="http://schemas.microsoft.com/office/powerpoint/2010/main" xmlns="" w="9525">
+                    <a:solidFill>
+                      <a:srgbClr val="000000"/>
+                    </a:solidFill>
+                    <a:round/>
+                    <a:headEnd/>
+                    <a:tailEnd/>
+                  </a14:hiddenLine>
+                </a:ext>
+              </a:extLst>
+            </p:spPr>
+          </p:sp>
+          <p:sp>
+            <p:nvSpPr>
+              <p:cNvPr id="116" name="Freeform 13">
+                <a:extLst>
+                  <a:ext uri="{FF2B5EF4-FFF2-40B4-BE49-F238E27FC236}">
+                    <a16:creationId xmlns:a16="http://schemas.microsoft.com/office/drawing/2014/main" id="{A98D0B91-D4E4-402D-8234-E96987219E90}"/>
+                  </a:ext>
+                </a:extLst>
+              </p:cNvPr>
+              <p:cNvSpPr>
+                <a:spLocks noEditPoints="1"/>
+              </p:cNvSpPr>
+              <p:nvPr>
+                <p:extLst>
+                  <p:ext uri="{386F3935-93C4-4BCD-93E2-E3B085C9AB24}">
+                    <p16:designElem xmlns:p16="http://schemas.microsoft.com/office/powerpoint/2015/main" val="1"/>
+                  </p:ext>
+                </p:extLst>
+              </p:nvPr>
+            </p:nvSpPr>
+            <p:spPr bwMode="auto">
+              <a:xfrm>
+                <a:off x="588962" y="903288"/>
+                <a:ext cx="190500" cy="190500"/>
+              </a:xfrm>
+              <a:custGeom>
+                <a:avLst/>
+                <a:gdLst/>
+                <a:ahLst/>
+                <a:cxnLst/>
+                <a:rect l="0" t="0" r="r" b="b"/>
+                <a:pathLst>
+                  <a:path w="40" h="40">
+                    <a:moveTo>
+                      <a:pt x="20" y="40"/>
+                    </a:moveTo>
+                    <a:cubicBezTo>
+                      <a:pt x="9" y="40"/>
+                      <a:pt x="0" y="31"/>
+                      <a:pt x="0" y="20"/>
+                    </a:cubicBezTo>
+                    <a:cubicBezTo>
+                      <a:pt x="0" y="9"/>
+                      <a:pt x="9" y="0"/>
+                      <a:pt x="20" y="0"/>
+                    </a:cubicBezTo>
+                    <a:cubicBezTo>
+                      <a:pt x="31" y="0"/>
+                      <a:pt x="40" y="9"/>
+                      <a:pt x="40" y="20"/>
+                    </a:cubicBezTo>
+                    <a:cubicBezTo>
+                      <a:pt x="40" y="31"/>
+                      <a:pt x="31" y="40"/>
+                      <a:pt x="20" y="40"/>
+                    </a:cubicBezTo>
+                    <a:close/>
+                    <a:moveTo>
+                      <a:pt x="20" y="4"/>
+                    </a:moveTo>
+                    <a:cubicBezTo>
+                      <a:pt x="11" y="4"/>
+                      <a:pt x="4" y="11"/>
+                      <a:pt x="4" y="20"/>
+                    </a:cubicBezTo>
+                    <a:cubicBezTo>
+                      <a:pt x="4" y="29"/>
+                      <a:pt x="11" y="36"/>
+                      <a:pt x="20" y="36"/>
+                    </a:cubicBezTo>
+                    <a:cubicBezTo>
+                      <a:pt x="29" y="36"/>
+                      <a:pt x="36" y="29"/>
+                      <a:pt x="36" y="20"/>
+                    </a:cubicBezTo>
+                    <a:cubicBezTo>
+                      <a:pt x="36" y="11"/>
+                      <a:pt x="29" y="4"/>
+                      <a:pt x="20" y="4"/>
+                    </a:cubicBezTo>
+                    <a:close/>
+                  </a:path>
+                </a:pathLst>
+              </a:custGeom>
+              <a:grpFill/>
+              <a:ln>
+                <a:noFill/>
+              </a:ln>
+              <a:extLst>
+                <a:ext uri="{91240B29-F687-4f45-9708-019B960494DF}">
+                  <a14:hiddenLine xmlns:a14="http://schemas.microsoft.com/office/drawing/2010/main" xmlns:p14="http://schemas.microsoft.com/office/powerpoint/2010/main" xmlns="" w="9525">
+                    <a:solidFill>
+                      <a:srgbClr val="000000"/>
+                    </a:solidFill>
+                    <a:round/>
+                    <a:headEnd/>
+                    <a:tailEnd/>
+                  </a14:hiddenLine>
+                </a:ext>
+              </a:extLst>
+            </p:spPr>
+          </p:sp>
+          <p:sp>
+            <p:nvSpPr>
+              <p:cNvPr id="117" name="Freeform 14">
+                <a:extLst>
+                  <a:ext uri="{FF2B5EF4-FFF2-40B4-BE49-F238E27FC236}">
+                    <a16:creationId xmlns:a16="http://schemas.microsoft.com/office/drawing/2014/main" id="{94F1DB97-3769-4DA5-9F45-47132C3125D0}"/>
+                  </a:ext>
+                </a:extLst>
+              </p:cNvPr>
+              <p:cNvSpPr/>
+              <p:nvPr>
+                <p:extLst>
+                  <p:ext uri="{386F3935-93C4-4BCD-93E2-E3B085C9AB24}">
+                    <p16:designElem xmlns:p16="http://schemas.microsoft.com/office/powerpoint/2015/main" val="1"/>
+                  </p:ext>
+                </p:extLst>
+              </p:nvPr>
+            </p:nvSpPr>
+            <p:spPr bwMode="auto">
+              <a:xfrm>
+                <a:off x="641350" y="0"/>
+                <a:ext cx="422275" cy="527050"/>
+              </a:xfrm>
+              <a:custGeom>
+                <a:avLst/>
+                <a:gdLst/>
+                <a:ahLst/>
+                <a:cxnLst/>
+                <a:rect l="0" t="0" r="r" b="b"/>
+                <a:pathLst>
+                  <a:path w="266" h="332">
+                    <a:moveTo>
+                      <a:pt x="257" y="332"/>
+                    </a:moveTo>
+                    <a:lnTo>
+                      <a:pt x="48" y="123"/>
+                    </a:lnTo>
+                    <a:lnTo>
+                      <a:pt x="0" y="6"/>
+                    </a:lnTo>
+                    <a:lnTo>
+                      <a:pt x="15" y="0"/>
+                    </a:lnTo>
+                    <a:lnTo>
+                      <a:pt x="63" y="114"/>
+                    </a:lnTo>
+                    <a:lnTo>
+                      <a:pt x="266" y="320"/>
+                    </a:lnTo>
+                    <a:lnTo>
+                      <a:pt x="257" y="332"/>
+                    </a:lnTo>
+                    <a:close/>
+                  </a:path>
+                </a:pathLst>
+              </a:custGeom>
+              <a:grpFill/>
+              <a:ln>
+                <a:noFill/>
+              </a:ln>
+              <a:extLst>
+                <a:ext uri="{91240B29-F687-4f45-9708-019B960494DF}">
+                  <a14:hiddenLine xmlns:a14="http://schemas.microsoft.com/office/drawing/2010/main" xmlns:p14="http://schemas.microsoft.com/office/powerpoint/2010/main" xmlns="" w="9525">
+                    <a:solidFill>
+                      <a:srgbClr val="000000"/>
+                    </a:solidFill>
+                    <a:round/>
+                    <a:headEnd/>
+                    <a:tailEnd/>
+                  </a14:hiddenLine>
+                </a:ext>
+              </a:extLst>
+            </p:spPr>
+          </p:sp>
+          <p:sp>
+            <p:nvSpPr>
+              <p:cNvPr id="118" name="Freeform 15">
+                <a:extLst>
+                  <a:ext uri="{FF2B5EF4-FFF2-40B4-BE49-F238E27FC236}">
+                    <a16:creationId xmlns:a16="http://schemas.microsoft.com/office/drawing/2014/main" id="{A9BC86E2-B185-4D80-81B5-A8D387E678B7}"/>
+                  </a:ext>
+                </a:extLst>
+              </p:cNvPr>
+              <p:cNvSpPr>
+                <a:spLocks noEditPoints="1"/>
+              </p:cNvSpPr>
+              <p:nvPr>
+                <p:extLst>
+                  <p:ext uri="{386F3935-93C4-4BCD-93E2-E3B085C9AB24}">
+                    <p16:designElem xmlns:p16="http://schemas.microsoft.com/office/powerpoint/2015/main" val="1"/>
+                  </p:ext>
+                </p:extLst>
+              </p:nvPr>
+            </p:nvSpPr>
+            <p:spPr bwMode="auto">
+              <a:xfrm>
+                <a:off x="1020762" y="488950"/>
+                <a:ext cx="161925" cy="147638"/>
+              </a:xfrm>
+              <a:custGeom>
+                <a:avLst/>
+                <a:gdLst/>
+                <a:ahLst/>
+                <a:cxnLst/>
+                <a:rect l="0" t="0" r="r" b="b"/>
+                <a:pathLst>
+                  <a:path w="34" h="31">
+                    <a:moveTo>
+                      <a:pt x="17" y="31"/>
+                    </a:moveTo>
+                    <a:cubicBezTo>
+                      <a:pt x="13" y="31"/>
+                      <a:pt x="9" y="30"/>
+                      <a:pt x="6" y="27"/>
+                    </a:cubicBezTo>
+                    <a:cubicBezTo>
+                      <a:pt x="0" y="20"/>
+                      <a:pt x="0" y="10"/>
+                      <a:pt x="6" y="4"/>
+                    </a:cubicBezTo>
+                    <a:cubicBezTo>
+                      <a:pt x="9" y="1"/>
+                      <a:pt x="13" y="0"/>
+                      <a:pt x="17" y="0"/>
+                    </a:cubicBezTo>
+                    <a:cubicBezTo>
+                      <a:pt x="21" y="0"/>
+                      <a:pt x="25" y="1"/>
+                      <a:pt x="28" y="4"/>
+                    </a:cubicBezTo>
+                    <a:cubicBezTo>
+                      <a:pt x="34" y="10"/>
+                      <a:pt x="34" y="20"/>
+                      <a:pt x="28" y="27"/>
+                    </a:cubicBezTo>
+                    <a:cubicBezTo>
+                      <a:pt x="25" y="30"/>
+                      <a:pt x="21" y="31"/>
+                      <a:pt x="17" y="31"/>
+                    </a:cubicBezTo>
+                    <a:close/>
+                    <a:moveTo>
+                      <a:pt x="17" y="4"/>
+                    </a:moveTo>
+                    <a:cubicBezTo>
+                      <a:pt x="14" y="4"/>
+                      <a:pt x="11" y="5"/>
+                      <a:pt x="9" y="7"/>
+                    </a:cubicBezTo>
+                    <a:cubicBezTo>
+                      <a:pt x="4" y="12"/>
+                      <a:pt x="4" y="19"/>
+                      <a:pt x="9" y="24"/>
+                    </a:cubicBezTo>
+                    <a:cubicBezTo>
+                      <a:pt x="11" y="26"/>
+                      <a:pt x="14" y="27"/>
+                      <a:pt x="17" y="27"/>
+                    </a:cubicBezTo>
+                    <a:cubicBezTo>
+                      <a:pt x="20" y="27"/>
+                      <a:pt x="23" y="26"/>
+                      <a:pt x="25" y="24"/>
+                    </a:cubicBezTo>
+                    <a:cubicBezTo>
+                      <a:pt x="30" y="19"/>
+                      <a:pt x="30" y="12"/>
+                      <a:pt x="25" y="7"/>
+                    </a:cubicBezTo>
+                    <a:cubicBezTo>
+                      <a:pt x="23" y="5"/>
+                      <a:pt x="20" y="4"/>
+                      <a:pt x="17" y="4"/>
+                    </a:cubicBezTo>
+                    <a:close/>
+                  </a:path>
+                </a:pathLst>
+              </a:custGeom>
+              <a:grpFill/>
+              <a:ln>
+                <a:noFill/>
+              </a:ln>
+              <a:extLst>
+                <a:ext uri="{91240B29-F687-4f45-9708-019B960494DF}">
+                  <a14:hiddenLine xmlns:a14="http://schemas.microsoft.com/office/drawing/2010/main" xmlns:p14="http://schemas.microsoft.com/office/powerpoint/2010/main" xmlns="" w="9525">
+                    <a:solidFill>
+                      <a:srgbClr val="000000"/>
+                    </a:solidFill>
+                    <a:round/>
+                    <a:headEnd/>
+                    <a:tailEnd/>
+                  </a14:hiddenLine>
+                </a:ext>
+              </a:extLst>
+            </p:spPr>
+          </p:sp>
+          <p:sp>
+            <p:nvSpPr>
+              <p:cNvPr id="119" name="Line 16">
+                <a:extLst>
+                  <a:ext uri="{FF2B5EF4-FFF2-40B4-BE49-F238E27FC236}">
+                    <a16:creationId xmlns:a16="http://schemas.microsoft.com/office/drawing/2014/main" id="{FA773F49-8CD0-46DC-B986-F2DB57BD7266}"/>
+                  </a:ext>
+                </a:extLst>
+              </p:cNvPr>
+              <p:cNvSpPr>
+                <a:spLocks noChangeShapeType="1"/>
+              </p:cNvSpPr>
+              <p:nvPr>
+                <p:extLst>
+                  <p:ext uri="{386F3935-93C4-4BCD-93E2-E3B085C9AB24}">
+                    <p16:designElem xmlns:p16="http://schemas.microsoft.com/office/powerpoint/2015/main" val="1"/>
+                  </p:ext>
+                </p:extLst>
+              </p:nvPr>
+            </p:nvSpPr>
+            <p:spPr bwMode="auto">
+              <a:xfrm>
+                <a:off x="-4763" y="9525"/>
+                <a:ext cx="0" cy="0"/>
+              </a:xfrm>
+              <a:prstGeom prst="line">
+                <a:avLst/>
+              </a:prstGeom>
+              <a:grpFill/>
+              <a:ln w="15" cap="flat">
+                <a:solidFill>
+                  <a:srgbClr val="FFFFFF"/>
+                </a:solidFill>
+                <a:prstDash val="solid"/>
+                <a:miter lim="800000"/>
+                <a:headEnd/>
+                <a:tailEnd/>
+              </a:ln>
+            </p:spPr>
+          </p:sp>
+          <p:sp>
+            <p:nvSpPr>
+              <p:cNvPr id="120" name="Freeform 17">
+                <a:extLst>
+                  <a:ext uri="{FF2B5EF4-FFF2-40B4-BE49-F238E27FC236}">
+                    <a16:creationId xmlns:a16="http://schemas.microsoft.com/office/drawing/2014/main" id="{8C55A009-3401-4888-93C7-4ED51CBC64FF}"/>
+                  </a:ext>
+                </a:extLst>
+              </p:cNvPr>
+              <p:cNvSpPr/>
+              <p:nvPr>
+                <p:extLst>
+                  <p:ext uri="{386F3935-93C4-4BCD-93E2-E3B085C9AB24}">
+                    <p16:designElem xmlns:p16="http://schemas.microsoft.com/office/powerpoint/2015/main" val="1"/>
+                  </p:ext>
+                </p:extLst>
+              </p:nvPr>
+            </p:nvSpPr>
+            <p:spPr bwMode="auto">
+              <a:xfrm>
+                <a:off x="9525" y="1801813"/>
+                <a:ext cx="123825" cy="127000"/>
+              </a:xfrm>
+              <a:custGeom>
+                <a:avLst/>
+                <a:gdLst/>
+                <a:ahLst/>
+                <a:cxnLst/>
+                <a:rect l="0" t="0" r="r" b="b"/>
+                <a:pathLst>
+                  <a:path w="78" h="80">
+                    <a:moveTo>
+                      <a:pt x="6" y="80"/>
+                    </a:moveTo>
+                    <a:lnTo>
+                      <a:pt x="0" y="71"/>
+                    </a:lnTo>
+                    <a:lnTo>
+                      <a:pt x="69" y="0"/>
+                    </a:lnTo>
+                    <a:lnTo>
+                      <a:pt x="78" y="9"/>
+                    </a:lnTo>
+                    <a:lnTo>
+                      <a:pt x="6" y="80"/>
+                    </a:lnTo>
+                    <a:close/>
+                  </a:path>
+                </a:pathLst>
+              </a:custGeom>
+              <a:grpFill/>
+              <a:ln>
+                <a:noFill/>
+              </a:ln>
+              <a:extLst>
+                <a:ext uri="{91240B29-F687-4f45-9708-019B960494DF}">
+                  <a14:hiddenLine xmlns:a14="http://schemas.microsoft.com/office/drawing/2010/main" xmlns:p14="http://schemas.microsoft.com/office/powerpoint/2010/main" xmlns="" w="9525">
+                    <a:solidFill>
+                      <a:srgbClr val="000000"/>
+                    </a:solidFill>
+                    <a:round/>
+                    <a:headEnd/>
+                    <a:tailEnd/>
+                  </a14:hiddenLine>
+                </a:ext>
+              </a:extLst>
+            </p:spPr>
+          </p:sp>
+          <p:sp>
+            <p:nvSpPr>
+              <p:cNvPr id="121" name="Freeform 18">
+                <a:extLst>
+                  <a:ext uri="{FF2B5EF4-FFF2-40B4-BE49-F238E27FC236}">
+                    <a16:creationId xmlns:a16="http://schemas.microsoft.com/office/drawing/2014/main" id="{10B44829-5BB5-48C5-8492-699971FE7809}"/>
+                  </a:ext>
+                </a:extLst>
+              </p:cNvPr>
+              <p:cNvSpPr/>
+              <p:nvPr>
+                <p:extLst>
+                  <p:ext uri="{386F3935-93C4-4BCD-93E2-E3B085C9AB24}">
+                    <p16:designElem xmlns:p16="http://schemas.microsoft.com/office/powerpoint/2015/main" val="1"/>
+                  </p:ext>
+                </p:extLst>
+              </p:nvPr>
+            </p:nvSpPr>
+            <p:spPr bwMode="auto">
+              <a:xfrm>
+                <a:off x="-9525" y="3549650"/>
+                <a:ext cx="147638" cy="481013"/>
+              </a:xfrm>
+              <a:custGeom>
+                <a:avLst/>
+                <a:gdLst/>
+                <a:ahLst/>
+                <a:cxnLst/>
+                <a:rect l="0" t="0" r="r" b="b"/>
+                <a:pathLst>
+                  <a:path w="93" h="303">
+                    <a:moveTo>
+                      <a:pt x="93" y="303"/>
+                    </a:moveTo>
+                    <a:lnTo>
+                      <a:pt x="78" y="303"/>
+                    </a:lnTo>
+                    <a:lnTo>
+                      <a:pt x="78" y="78"/>
+                    </a:lnTo>
+                    <a:lnTo>
+                      <a:pt x="0" y="12"/>
+                    </a:lnTo>
+                    <a:lnTo>
+                      <a:pt x="12" y="0"/>
+                    </a:lnTo>
+                    <a:lnTo>
+                      <a:pt x="93" y="69"/>
+                    </a:lnTo>
+                    <a:lnTo>
+                      <a:pt x="93" y="303"/>
+                    </a:lnTo>
+                    <a:close/>
+                  </a:path>
+                </a:pathLst>
+              </a:custGeom>
+              <a:grpFill/>
+              <a:ln>
+                <a:noFill/>
+              </a:ln>
+              <a:extLst>
+                <a:ext uri="{91240B29-F687-4f45-9708-019B960494DF}">
+                  <a14:hiddenLine xmlns:a14="http://schemas.microsoft.com/office/drawing/2010/main" xmlns:p14="http://schemas.microsoft.com/office/powerpoint/2010/main" xmlns="" w="9525">
+                    <a:solidFill>
+                      <a:srgbClr val="000000"/>
+                    </a:solidFill>
+                    <a:round/>
+                    <a:headEnd/>
+                    <a:tailEnd/>
+                  </a14:hiddenLine>
+                </a:ext>
+              </a:extLst>
+            </p:spPr>
+          </p:sp>
+          <p:sp>
+            <p:nvSpPr>
+              <p:cNvPr id="122" name="Freeform 19">
+                <a:extLst>
+                  <a:ext uri="{FF2B5EF4-FFF2-40B4-BE49-F238E27FC236}">
+                    <a16:creationId xmlns:a16="http://schemas.microsoft.com/office/drawing/2014/main" id="{30C1F9A0-4FA6-4F6F-B2D0-A1BBA41DFC3B}"/>
+                  </a:ext>
+                </a:extLst>
+              </p:cNvPr>
+              <p:cNvSpPr/>
+              <p:nvPr>
+                <p:extLst>
+                  <p:ext uri="{386F3935-93C4-4BCD-93E2-E3B085C9AB24}">
+                    <p16:designElem xmlns:p16="http://schemas.microsoft.com/office/powerpoint/2015/main" val="1"/>
+                  </p:ext>
+                </p:extLst>
+              </p:nvPr>
+            </p:nvSpPr>
+            <p:spPr bwMode="auto">
+              <a:xfrm>
+                <a:off x="128587" y="1382713"/>
+                <a:ext cx="142875" cy="476250"/>
+              </a:xfrm>
+              <a:custGeom>
+                <a:avLst/>
+                <a:gdLst/>
+                <a:ahLst/>
+                <a:cxnLst/>
+                <a:rect l="0" t="0" r="r" b="b"/>
+                <a:pathLst>
+                  <a:path w="90" h="300">
+                    <a:moveTo>
+                      <a:pt x="90" y="300"/>
+                    </a:moveTo>
+                    <a:lnTo>
+                      <a:pt x="78" y="300"/>
+                    </a:lnTo>
+                    <a:lnTo>
+                      <a:pt x="78" y="84"/>
+                    </a:lnTo>
+                    <a:lnTo>
+                      <a:pt x="0" y="9"/>
+                    </a:lnTo>
+                    <a:lnTo>
+                      <a:pt x="9" y="0"/>
+                    </a:lnTo>
+                    <a:lnTo>
+                      <a:pt x="90" y="81"/>
+                    </a:lnTo>
+                    <a:lnTo>
+                      <a:pt x="90" y="300"/>
+                    </a:lnTo>
+                    <a:close/>
+                  </a:path>
+                </a:pathLst>
+              </a:custGeom>
+              <a:grpFill/>
+              <a:ln>
+                <a:noFill/>
+              </a:ln>
+              <a:extLst>
+                <a:ext uri="{91240B29-F687-4f45-9708-019B960494DF}">
+                  <a14:hiddenLine xmlns:a14="http://schemas.microsoft.com/office/drawing/2010/main" xmlns:p14="http://schemas.microsoft.com/office/powerpoint/2010/main" xmlns="" w="9525">
+                    <a:solidFill>
+                      <a:srgbClr val="000000"/>
+                    </a:solidFill>
+                    <a:round/>
+                    <a:headEnd/>
+                    <a:tailEnd/>
+                  </a14:hiddenLine>
+                </a:ext>
+              </a:extLst>
+            </p:spPr>
+          </p:sp>
+          <p:sp>
+            <p:nvSpPr>
+              <p:cNvPr id="123" name="Freeform 20">
+                <a:extLst>
+                  <a:ext uri="{FF2B5EF4-FFF2-40B4-BE49-F238E27FC236}">
+                    <a16:creationId xmlns:a16="http://schemas.microsoft.com/office/drawing/2014/main" id="{01BF274F-C7B8-44B4-A183-307D8619D271}"/>
+                  </a:ext>
+                </a:extLst>
+              </p:cNvPr>
+              <p:cNvSpPr>
+                <a:spLocks noEditPoints="1"/>
+              </p:cNvSpPr>
+              <p:nvPr>
+                <p:extLst>
+                  <p:ext uri="{386F3935-93C4-4BCD-93E2-E3B085C9AB24}">
+                    <p16:designElem xmlns:p16="http://schemas.microsoft.com/office/powerpoint/2015/main" val="1"/>
+                  </p:ext>
+                </p:extLst>
+              </p:nvPr>
+            </p:nvSpPr>
+            <p:spPr bwMode="auto">
+              <a:xfrm>
+                <a:off x="204787" y="1849438"/>
+                <a:ext cx="114300" cy="107950"/>
+              </a:xfrm>
+              <a:custGeom>
+                <a:avLst/>
+                <a:gdLst/>
+                <a:ahLst/>
+                <a:cxnLst/>
+                <a:rect l="0" t="0" r="r" b="b"/>
+                <a:pathLst>
+                  <a:path w="24" h="23">
+                    <a:moveTo>
+                      <a:pt x="12" y="23"/>
+                    </a:moveTo>
+                    <a:cubicBezTo>
+                      <a:pt x="6" y="23"/>
+                      <a:pt x="0" y="18"/>
+                      <a:pt x="0" y="12"/>
+                    </a:cubicBezTo>
+                    <a:cubicBezTo>
+                      <a:pt x="0" y="5"/>
+                      <a:pt x="6" y="0"/>
+                      <a:pt x="12" y="0"/>
+                    </a:cubicBezTo>
+                    <a:cubicBezTo>
+                      <a:pt x="18" y="0"/>
+                      <a:pt x="24" y="5"/>
+                      <a:pt x="24" y="12"/>
+                    </a:cubicBezTo>
+                    <a:cubicBezTo>
+                      <a:pt x="24" y="18"/>
+                      <a:pt x="18" y="23"/>
+                      <a:pt x="12" y="23"/>
+                    </a:cubicBezTo>
+                    <a:close/>
+                    <a:moveTo>
+                      <a:pt x="12" y="4"/>
+                    </a:moveTo>
+                    <a:cubicBezTo>
+                      <a:pt x="8" y="4"/>
+                      <a:pt x="4" y="8"/>
+                      <a:pt x="4" y="12"/>
+                    </a:cubicBezTo>
+                    <a:cubicBezTo>
+                      <a:pt x="4" y="16"/>
+                      <a:pt x="8" y="19"/>
+                      <a:pt x="12" y="19"/>
+                    </a:cubicBezTo>
+                    <a:cubicBezTo>
+                      <a:pt x="16" y="19"/>
+                      <a:pt x="20" y="16"/>
+                      <a:pt x="20" y="12"/>
+                    </a:cubicBezTo>
+                    <a:cubicBezTo>
+                      <a:pt x="20" y="8"/>
+                      <a:pt x="16" y="4"/>
+                      <a:pt x="12" y="4"/>
+                    </a:cubicBezTo>
+                    <a:close/>
+                  </a:path>
+                </a:pathLst>
+              </a:custGeom>
+              <a:grpFill/>
+              <a:ln>
+                <a:noFill/>
+              </a:ln>
+              <a:extLst>
+                <a:ext uri="{91240B29-F687-4f45-9708-019B960494DF}">
+                  <a14:hiddenLine xmlns:a14="http://schemas.microsoft.com/office/drawing/2010/main" xmlns:p14="http://schemas.microsoft.com/office/powerpoint/2010/main" xmlns="" w="9525">
+                    <a:solidFill>
+                      <a:srgbClr val="000000"/>
+                    </a:solidFill>
+                    <a:round/>
+                    <a:headEnd/>
+                    <a:tailEnd/>
+                  </a14:hiddenLine>
+                </a:ext>
+              </a:extLst>
+            </p:spPr>
+          </p:sp>
+          <p:sp>
+            <p:nvSpPr>
+              <p:cNvPr id="124" name="Rectangle 21">
+                <a:extLst>
+                  <a:ext uri="{FF2B5EF4-FFF2-40B4-BE49-F238E27FC236}">
+                    <a16:creationId xmlns:a16="http://schemas.microsoft.com/office/drawing/2014/main" id="{037E8930-0F22-4558-9432-F18953E32A04}"/>
+                  </a:ext>
+                </a:extLst>
+              </p:cNvPr>
+              <p:cNvSpPr>
+                <a:spLocks noChangeArrowheads="1"/>
+              </p:cNvSpPr>
+              <p:nvPr>
+                <p:extLst>
+                  <p:ext uri="{386F3935-93C4-4BCD-93E2-E3B085C9AB24}">
+                    <p16:designElem xmlns:p16="http://schemas.microsoft.com/office/powerpoint/2015/main" val="1"/>
+                  </p:ext>
+                </p:extLst>
+              </p:nvPr>
+            </p:nvSpPr>
+            <p:spPr bwMode="auto">
+              <a:xfrm>
+                <a:off x="133350" y="4662488"/>
+                <a:ext cx="23813" cy="2181225"/>
+              </a:xfrm>
+              <a:prstGeom prst="rect">
+                <a:avLst/>
+              </a:prstGeom>
+              <a:grpFill/>
+              <a:ln>
+                <a:noFill/>
+              </a:ln>
+              <a:extLst>
+                <a:ext uri="{91240B29-F687-4f45-9708-019B960494DF}">
+                  <a14:hiddenLine xmlns:a14="http://schemas.microsoft.com/office/drawing/2010/main" xmlns:p14="http://schemas.microsoft.com/office/powerpoint/2010/main" xmlns="" w="9525">
+                    <a:solidFill>
+                      <a:srgbClr val="000000"/>
+                    </a:solidFill>
+                    <a:miter lim="800000"/>
+                    <a:headEnd/>
+                    <a:tailEnd/>
+                  </a14:hiddenLine>
+                </a:ext>
+              </a:extLst>
+            </p:spPr>
+          </p:sp>
+          <p:sp>
+            <p:nvSpPr>
+              <p:cNvPr id="125" name="Freeform 22">
+                <a:extLst>
+                  <a:ext uri="{FF2B5EF4-FFF2-40B4-BE49-F238E27FC236}">
+                    <a16:creationId xmlns:a16="http://schemas.microsoft.com/office/drawing/2014/main" id="{9AFC3429-FF29-47FF-A4A8-317A979DB922}"/>
+                  </a:ext>
+                </a:extLst>
+              </p:cNvPr>
+              <p:cNvSpPr/>
+              <p:nvPr>
+                <p:extLst>
+                  <p:ext uri="{386F3935-93C4-4BCD-93E2-E3B085C9AB24}">
+                    <p16:designElem xmlns:p16="http://schemas.microsoft.com/office/powerpoint/2015/main" val="1"/>
+                  </p:ext>
+                </p:extLst>
+              </p:nvPr>
+            </p:nvSpPr>
+            <p:spPr bwMode="auto">
+              <a:xfrm>
+                <a:off x="223837" y="5041900"/>
+                <a:ext cx="369888" cy="1801813"/>
+              </a:xfrm>
+              <a:custGeom>
+                <a:avLst/>
+                <a:gdLst/>
+                <a:ahLst/>
+                <a:cxnLst/>
+                <a:rect l="0" t="0" r="r" b="b"/>
+                <a:pathLst>
+                  <a:path w="233" h="1135">
+                    <a:moveTo>
+                      <a:pt x="15" y="1135"/>
+                    </a:moveTo>
+                    <a:lnTo>
+                      <a:pt x="0" y="1135"/>
+                    </a:lnTo>
+                    <a:lnTo>
+                      <a:pt x="0" y="515"/>
+                    </a:lnTo>
+                    <a:lnTo>
+                      <a:pt x="0" y="512"/>
+                    </a:lnTo>
+                    <a:lnTo>
+                      <a:pt x="218" y="0"/>
+                    </a:lnTo>
+                    <a:lnTo>
+                      <a:pt x="233" y="6"/>
+                    </a:lnTo>
+                    <a:lnTo>
+                      <a:pt x="15" y="518"/>
+                    </a:lnTo>
+                    <a:lnTo>
+                      <a:pt x="15" y="1135"/>
+                    </a:lnTo>
+                    <a:close/>
+                  </a:path>
+                </a:pathLst>
+              </a:custGeom>
+              <a:grpFill/>
+              <a:ln>
+                <a:noFill/>
+              </a:ln>
+              <a:extLst>
+                <a:ext uri="{91240B29-F687-4f45-9708-019B960494DF}">
+                  <a14:hiddenLine xmlns:a14="http://schemas.microsoft.com/office/drawing/2010/main" xmlns:p14="http://schemas.microsoft.com/office/powerpoint/2010/main" xmlns="" w="9525">
+                    <a:solidFill>
+                      <a:srgbClr val="000000"/>
+                    </a:solidFill>
+                    <a:round/>
+                    <a:headEnd/>
+                    <a:tailEnd/>
+                  </a14:hiddenLine>
+                </a:ext>
+              </a:extLst>
+            </p:spPr>
+          </p:sp>
+          <p:sp>
+            <p:nvSpPr>
+              <p:cNvPr id="126" name="Freeform 23">
+                <a:extLst>
+                  <a:ext uri="{FF2B5EF4-FFF2-40B4-BE49-F238E27FC236}">
+                    <a16:creationId xmlns:a16="http://schemas.microsoft.com/office/drawing/2014/main" id="{91D48543-2C05-4768-80B1-ECA6F885080A}"/>
+                  </a:ext>
+                </a:extLst>
+              </p:cNvPr>
+              <p:cNvSpPr>
+                <a:spLocks noEditPoints="1"/>
+              </p:cNvSpPr>
+              <p:nvPr>
+                <p:extLst>
+                  <p:ext uri="{386F3935-93C4-4BCD-93E2-E3B085C9AB24}">
+                    <p16:designElem xmlns:p16="http://schemas.microsoft.com/office/powerpoint/2015/main" val="1"/>
+                  </p:ext>
+                </p:extLst>
+              </p:nvPr>
+            </p:nvSpPr>
+            <p:spPr bwMode="auto">
+              <a:xfrm>
+                <a:off x="52387" y="4481513"/>
+                <a:ext cx="190500" cy="190500"/>
+              </a:xfrm>
+              <a:custGeom>
+                <a:avLst/>
+                <a:gdLst/>
+                <a:ahLst/>
+                <a:cxnLst/>
+                <a:rect l="0" t="0" r="r" b="b"/>
+                <a:pathLst>
+                  <a:path w="40" h="40">
+                    <a:moveTo>
+                      <a:pt x="20" y="40"/>
+                    </a:moveTo>
+                    <a:cubicBezTo>
+                      <a:pt x="9" y="40"/>
+                      <a:pt x="0" y="31"/>
+                      <a:pt x="0" y="20"/>
+                    </a:cubicBezTo>
+                    <a:cubicBezTo>
+                      <a:pt x="0" y="9"/>
+                      <a:pt x="9" y="0"/>
+                      <a:pt x="20" y="0"/>
+                    </a:cubicBezTo>
+                    <a:cubicBezTo>
+                      <a:pt x="31" y="0"/>
+                      <a:pt x="40" y="9"/>
+                      <a:pt x="40" y="20"/>
+                    </a:cubicBezTo>
+                    <a:cubicBezTo>
+                      <a:pt x="40" y="31"/>
+                      <a:pt x="31" y="40"/>
+                      <a:pt x="20" y="40"/>
+                    </a:cubicBezTo>
+                    <a:close/>
+                    <a:moveTo>
+                      <a:pt x="20" y="4"/>
+                    </a:moveTo>
+                    <a:cubicBezTo>
+                      <a:pt x="11" y="4"/>
+                      <a:pt x="4" y="11"/>
+                      <a:pt x="4" y="20"/>
+                    </a:cubicBezTo>
+                    <a:cubicBezTo>
+                      <a:pt x="4" y="29"/>
+                      <a:pt x="11" y="36"/>
+                      <a:pt x="20" y="36"/>
+                    </a:cubicBezTo>
+                    <a:cubicBezTo>
+                      <a:pt x="28" y="36"/>
+                      <a:pt x="36" y="29"/>
+                      <a:pt x="36" y="20"/>
+                    </a:cubicBezTo>
+                    <a:cubicBezTo>
+                      <a:pt x="36" y="11"/>
+                      <a:pt x="28" y="4"/>
+                      <a:pt x="20" y="4"/>
+                    </a:cubicBezTo>
+                    <a:close/>
+                  </a:path>
+                </a:pathLst>
+              </a:custGeom>
+              <a:grpFill/>
+              <a:ln>
+                <a:noFill/>
+              </a:ln>
+              <a:extLst>
+                <a:ext uri="{91240B29-F687-4f45-9708-019B960494DF}">
+                  <a14:hiddenLine xmlns:a14="http://schemas.microsoft.com/office/drawing/2010/main" xmlns:p14="http://schemas.microsoft.com/office/powerpoint/2010/main" xmlns="" w="9525">
+                    <a:solidFill>
+                      <a:srgbClr val="000000"/>
+                    </a:solidFill>
+                    <a:round/>
+                    <a:headEnd/>
+                    <a:tailEnd/>
+                  </a14:hiddenLine>
+                </a:ext>
+              </a:extLst>
+            </p:spPr>
+          </p:sp>
+          <p:sp>
+            <p:nvSpPr>
+              <p:cNvPr id="127" name="Freeform 24">
+                <a:extLst>
+                  <a:ext uri="{FF2B5EF4-FFF2-40B4-BE49-F238E27FC236}">
+                    <a16:creationId xmlns:a16="http://schemas.microsoft.com/office/drawing/2014/main" id="{3AC527CC-154C-4370-A25B-74AC5B4A6313}"/>
+                  </a:ext>
+                </a:extLst>
+              </p:cNvPr>
+              <p:cNvSpPr/>
+              <p:nvPr>
+                <p:extLst>
+                  <p:ext uri="{386F3935-93C4-4BCD-93E2-E3B085C9AB24}">
+                    <p16:designElem xmlns:p16="http://schemas.microsoft.com/office/powerpoint/2015/main" val="1"/>
+                  </p:ext>
+                </p:extLst>
+              </p:nvPr>
+            </p:nvSpPr>
+            <p:spPr bwMode="auto">
+              <a:xfrm>
+                <a:off x="-14288" y="5627688"/>
+                <a:ext cx="85725" cy="1216025"/>
+              </a:xfrm>
+              <a:custGeom>
+                <a:avLst/>
+                <a:gdLst/>
+                <a:ahLst/>
+                <a:cxnLst/>
+                <a:rect l="0" t="0" r="r" b="b"/>
+                <a:pathLst>
+                  <a:path w="54" h="766">
+                    <a:moveTo>
+                      <a:pt x="54" y="766"/>
+                    </a:moveTo>
+                    <a:lnTo>
+                      <a:pt x="36" y="766"/>
+                    </a:lnTo>
+                    <a:lnTo>
+                      <a:pt x="36" y="149"/>
+                    </a:lnTo>
+                    <a:lnTo>
+                      <a:pt x="0" y="3"/>
+                    </a:lnTo>
+                    <a:lnTo>
+                      <a:pt x="18" y="0"/>
+                    </a:lnTo>
+                    <a:lnTo>
+                      <a:pt x="54" y="146"/>
+                    </a:lnTo>
+                    <a:lnTo>
+                      <a:pt x="54" y="766"/>
+                    </a:lnTo>
+                    <a:close/>
+                  </a:path>
+                </a:pathLst>
+              </a:custGeom>
+              <a:grpFill/>
+              <a:ln>
+                <a:noFill/>
+              </a:ln>
+              <a:extLst>
+                <a:ext uri="{91240B29-F687-4f45-9708-019B960494DF}">
+                  <a14:hiddenLine xmlns:a14="http://schemas.microsoft.com/office/drawing/2010/main" xmlns:p14="http://schemas.microsoft.com/office/powerpoint/2010/main" xmlns="" w="9525">
+                    <a:solidFill>
+                      <a:srgbClr val="000000"/>
+                    </a:solidFill>
+                    <a:round/>
+                    <a:headEnd/>
+                    <a:tailEnd/>
+                  </a14:hiddenLine>
+                </a:ext>
+              </a:extLst>
+            </p:spPr>
+          </p:sp>
+          <p:sp>
+            <p:nvSpPr>
+              <p:cNvPr id="128" name="Freeform 25">
+                <a:extLst>
+                  <a:ext uri="{FF2B5EF4-FFF2-40B4-BE49-F238E27FC236}">
+                    <a16:creationId xmlns:a16="http://schemas.microsoft.com/office/drawing/2014/main" id="{798B18F5-51C9-4E50-95C5-A850EF5398AA}"/>
+                  </a:ext>
+                </a:extLst>
+              </p:cNvPr>
+              <p:cNvSpPr>
+                <a:spLocks noEditPoints="1"/>
+              </p:cNvSpPr>
+              <p:nvPr>
+                <p:extLst>
+                  <p:ext uri="{386F3935-93C4-4BCD-93E2-E3B085C9AB24}">
+                    <p16:designElem xmlns:p16="http://schemas.microsoft.com/office/powerpoint/2015/main" val="1"/>
+                  </p:ext>
+                </p:extLst>
+              </p:nvPr>
+            </p:nvSpPr>
+            <p:spPr bwMode="auto">
+              <a:xfrm>
+                <a:off x="527050" y="4867275"/>
+                <a:ext cx="190500" cy="188913"/>
+              </a:xfrm>
+              <a:custGeom>
+                <a:avLst/>
+                <a:gdLst/>
+                <a:ahLst/>
+                <a:cxnLst/>
+                <a:rect l="0" t="0" r="r" b="b"/>
+                <a:pathLst>
+                  <a:path w="40" h="40">
+                    <a:moveTo>
+                      <a:pt x="20" y="40"/>
+                    </a:moveTo>
+                    <a:cubicBezTo>
+                      <a:pt x="9" y="40"/>
+                      <a:pt x="0" y="31"/>
+                      <a:pt x="0" y="20"/>
+                    </a:cubicBezTo>
+                    <a:cubicBezTo>
+                      <a:pt x="0" y="9"/>
+                      <a:pt x="9" y="0"/>
+                      <a:pt x="20" y="0"/>
+                    </a:cubicBezTo>
+                    <a:cubicBezTo>
+                      <a:pt x="31" y="0"/>
+                      <a:pt x="40" y="9"/>
+                      <a:pt x="40" y="20"/>
+                    </a:cubicBezTo>
+                    <a:cubicBezTo>
+                      <a:pt x="40" y="31"/>
+                      <a:pt x="31" y="40"/>
+                      <a:pt x="20" y="40"/>
+                    </a:cubicBezTo>
+                    <a:close/>
+                    <a:moveTo>
+                      <a:pt x="20" y="4"/>
+                    </a:moveTo>
+                    <a:cubicBezTo>
+                      <a:pt x="11" y="4"/>
+                      <a:pt x="4" y="11"/>
+                      <a:pt x="4" y="20"/>
+                    </a:cubicBezTo>
+                    <a:cubicBezTo>
+                      <a:pt x="4" y="29"/>
+                      <a:pt x="11" y="36"/>
+                      <a:pt x="20" y="36"/>
+                    </a:cubicBezTo>
+                    <a:cubicBezTo>
+                      <a:pt x="29" y="36"/>
+                      <a:pt x="36" y="29"/>
+                      <a:pt x="36" y="20"/>
+                    </a:cubicBezTo>
+                    <a:cubicBezTo>
+                      <a:pt x="36" y="11"/>
+                      <a:pt x="29" y="4"/>
+                      <a:pt x="20" y="4"/>
+                    </a:cubicBezTo>
+                    <a:close/>
+                  </a:path>
+                </a:pathLst>
+              </a:custGeom>
+              <a:grpFill/>
+              <a:ln>
+                <a:noFill/>
+              </a:ln>
+              <a:extLst>
+                <a:ext uri="{91240B29-F687-4f45-9708-019B960494DF}">
+                  <a14:hiddenLine xmlns:a14="http://schemas.microsoft.com/office/drawing/2010/main" xmlns:p14="http://schemas.microsoft.com/office/powerpoint/2010/main" xmlns="" w="9525">
+                    <a:solidFill>
+                      <a:srgbClr val="000000"/>
+                    </a:solidFill>
+                    <a:round/>
+                    <a:headEnd/>
+                    <a:tailEnd/>
+                  </a14:hiddenLine>
+                </a:ext>
+              </a:extLst>
+            </p:spPr>
+          </p:sp>
+          <p:sp>
+            <p:nvSpPr>
+              <p:cNvPr id="129" name="Freeform 26">
+                <a:extLst>
+                  <a:ext uri="{FF2B5EF4-FFF2-40B4-BE49-F238E27FC236}">
+                    <a16:creationId xmlns:a16="http://schemas.microsoft.com/office/drawing/2014/main" id="{15B4CF27-638C-4979-B0FD-6263E13074A9}"/>
+                  </a:ext>
+                </a:extLst>
+              </p:cNvPr>
+              <p:cNvSpPr/>
+              <p:nvPr>
+                <p:extLst>
+                  <p:ext uri="{386F3935-93C4-4BCD-93E2-E3B085C9AB24}">
+                    <p16:designElem xmlns:p16="http://schemas.microsoft.com/office/powerpoint/2015/main" val="1"/>
+                  </p:ext>
+                </p:extLst>
+              </p:nvPr>
+            </p:nvSpPr>
+            <p:spPr bwMode="auto">
+              <a:xfrm>
+                <a:off x="309562" y="5422900"/>
+                <a:ext cx="374650" cy="1425575"/>
+              </a:xfrm>
+              <a:custGeom>
+                <a:avLst/>
+                <a:gdLst/>
+                <a:ahLst/>
+                <a:cxnLst/>
+                <a:rect l="0" t="0" r="r" b="b"/>
+                <a:pathLst>
+                  <a:path w="236" h="898">
+                    <a:moveTo>
+                      <a:pt x="18" y="898"/>
+                    </a:moveTo>
+                    <a:lnTo>
+                      <a:pt x="0" y="898"/>
+                    </a:lnTo>
+                    <a:lnTo>
+                      <a:pt x="0" y="515"/>
+                    </a:lnTo>
+                    <a:lnTo>
+                      <a:pt x="3" y="512"/>
+                    </a:lnTo>
+                    <a:lnTo>
+                      <a:pt x="221" y="0"/>
+                    </a:lnTo>
+                    <a:lnTo>
+                      <a:pt x="236" y="6"/>
+                    </a:lnTo>
+                    <a:lnTo>
+                      <a:pt x="18" y="518"/>
+                    </a:lnTo>
+                    <a:lnTo>
+                      <a:pt x="18" y="898"/>
+                    </a:lnTo>
+                    <a:close/>
+                  </a:path>
+                </a:pathLst>
+              </a:custGeom>
+              <a:grpFill/>
+              <a:ln>
+                <a:noFill/>
+              </a:ln>
+              <a:extLst>
+                <a:ext uri="{91240B29-F687-4f45-9708-019B960494DF}">
+                  <a14:hiddenLine xmlns:a14="http://schemas.microsoft.com/office/drawing/2010/main" xmlns:p14="http://schemas.microsoft.com/office/powerpoint/2010/main" xmlns="" w="9525">
+                    <a:solidFill>
+                      <a:srgbClr val="000000"/>
+                    </a:solidFill>
+                    <a:round/>
+                    <a:headEnd/>
+                    <a:tailEnd/>
+                  </a14:hiddenLine>
+                </a:ext>
+              </a:extLst>
+            </p:spPr>
+          </p:sp>
+          <p:sp>
+            <p:nvSpPr>
+              <p:cNvPr id="130" name="Freeform 27">
+                <a:extLst>
+                  <a:ext uri="{FF2B5EF4-FFF2-40B4-BE49-F238E27FC236}">
+                    <a16:creationId xmlns:a16="http://schemas.microsoft.com/office/drawing/2014/main" id="{236C6A22-48A2-4442-B82D-30DB49827242}"/>
+                  </a:ext>
+                </a:extLst>
+              </p:cNvPr>
+              <p:cNvSpPr/>
+              <p:nvPr>
+                <p:extLst>
+                  <p:ext uri="{386F3935-93C4-4BCD-93E2-E3B085C9AB24}">
+                    <p16:designElem xmlns:p16="http://schemas.microsoft.com/office/powerpoint/2015/main" val="1"/>
+                  </p:ext>
+                </p:extLst>
+              </p:nvPr>
+            </p:nvSpPr>
+            <p:spPr bwMode="auto">
+              <a:xfrm>
+                <a:off x="569912" y="5945188"/>
+                <a:ext cx="152400" cy="912813"/>
+              </a:xfrm>
+              <a:custGeom>
+                <a:avLst/>
+                <a:gdLst/>
+                <a:ahLst/>
+                <a:cxnLst/>
+                <a:rect l="0" t="0" r="r" b="b"/>
+                <a:pathLst>
+                  <a:path w="96" h="575">
+                    <a:moveTo>
+                      <a:pt x="15" y="575"/>
+                    </a:moveTo>
+                    <a:lnTo>
+                      <a:pt x="0" y="569"/>
+                    </a:lnTo>
+                    <a:lnTo>
+                      <a:pt x="81" y="383"/>
+                    </a:lnTo>
+                    <a:lnTo>
+                      <a:pt x="81" y="0"/>
+                    </a:lnTo>
+                    <a:lnTo>
+                      <a:pt x="96" y="0"/>
+                    </a:lnTo>
+                    <a:lnTo>
+                      <a:pt x="96" y="386"/>
+                    </a:lnTo>
+                    <a:lnTo>
+                      <a:pt x="15" y="575"/>
+                    </a:lnTo>
+                    <a:close/>
+                  </a:path>
+                </a:pathLst>
+              </a:custGeom>
+              <a:grpFill/>
+              <a:ln>
+                <a:noFill/>
+              </a:ln>
+              <a:extLst>
+                <a:ext uri="{91240B29-F687-4f45-9708-019B960494DF}">
+                  <a14:hiddenLine xmlns:a14="http://schemas.microsoft.com/office/drawing/2010/main" xmlns:p14="http://schemas.microsoft.com/office/powerpoint/2010/main" xmlns="" w="9525">
+                    <a:solidFill>
+                      <a:srgbClr val="000000"/>
+                    </a:solidFill>
+                    <a:round/>
+                    <a:headEnd/>
+                    <a:tailEnd/>
+                  </a14:hiddenLine>
+                </a:ext>
+              </a:extLst>
+            </p:spPr>
+          </p:sp>
+          <p:sp>
+            <p:nvSpPr>
+              <p:cNvPr id="131" name="Freeform 28">
+                <a:extLst>
+                  <a:ext uri="{FF2B5EF4-FFF2-40B4-BE49-F238E27FC236}">
+                    <a16:creationId xmlns:a16="http://schemas.microsoft.com/office/drawing/2014/main" id="{1BB7BCE1-0D99-412E-ABA6-81412638E9EC}"/>
+                  </a:ext>
+                </a:extLst>
+              </p:cNvPr>
+              <p:cNvSpPr>
+                <a:spLocks noEditPoints="1"/>
+              </p:cNvSpPr>
+              <p:nvPr>
+                <p:extLst>
+                  <p:ext uri="{386F3935-93C4-4BCD-93E2-E3B085C9AB24}">
+                    <p16:designElem xmlns:p16="http://schemas.microsoft.com/office/powerpoint/2015/main" val="1"/>
+                  </p:ext>
+                </p:extLst>
+              </p:nvPr>
+            </p:nvSpPr>
+            <p:spPr bwMode="auto">
+              <a:xfrm>
+                <a:off x="612775" y="5246688"/>
+                <a:ext cx="190500" cy="190500"/>
+              </a:xfrm>
+              <a:custGeom>
+                <a:avLst/>
+                <a:gdLst/>
+                <a:ahLst/>
+                <a:cxnLst/>
+                <a:rect l="0" t="0" r="r" b="b"/>
+                <a:pathLst>
+                  <a:path w="40" h="40">
+                    <a:moveTo>
+                      <a:pt x="20" y="40"/>
+                    </a:moveTo>
+                    <a:cubicBezTo>
+                      <a:pt x="9" y="40"/>
+                      <a:pt x="0" y="31"/>
+                      <a:pt x="0" y="20"/>
+                    </a:cubicBezTo>
+                    <a:cubicBezTo>
+                      <a:pt x="0" y="9"/>
+                      <a:pt x="9" y="0"/>
+                      <a:pt x="20" y="0"/>
+                    </a:cubicBezTo>
+                    <a:cubicBezTo>
+                      <a:pt x="31" y="0"/>
+                      <a:pt x="40" y="9"/>
+                      <a:pt x="40" y="20"/>
+                    </a:cubicBezTo>
+                    <a:cubicBezTo>
+                      <a:pt x="40" y="31"/>
+                      <a:pt x="31" y="40"/>
+                      <a:pt x="20" y="40"/>
+                    </a:cubicBezTo>
+                    <a:close/>
+                    <a:moveTo>
+                      <a:pt x="20" y="4"/>
+                    </a:moveTo>
+                    <a:cubicBezTo>
+                      <a:pt x="12" y="4"/>
+                      <a:pt x="4" y="11"/>
+                      <a:pt x="4" y="20"/>
+                    </a:cubicBezTo>
+                    <a:cubicBezTo>
+                      <a:pt x="4" y="29"/>
+                      <a:pt x="12" y="36"/>
+                      <a:pt x="20" y="36"/>
+                    </a:cubicBezTo>
+                    <a:cubicBezTo>
+                      <a:pt x="29" y="36"/>
+                      <a:pt x="36" y="29"/>
+                      <a:pt x="36" y="20"/>
+                    </a:cubicBezTo>
+                    <a:cubicBezTo>
+                      <a:pt x="36" y="11"/>
+                      <a:pt x="29" y="4"/>
+                      <a:pt x="20" y="4"/>
+                    </a:cubicBezTo>
+                    <a:close/>
+                  </a:path>
+                </a:pathLst>
+              </a:custGeom>
+              <a:grpFill/>
+              <a:ln>
+                <a:noFill/>
+              </a:ln>
+              <a:extLst>
+                <a:ext uri="{91240B29-F687-4f45-9708-019B960494DF}">
+                  <a14:hiddenLine xmlns:a14="http://schemas.microsoft.com/office/drawing/2010/main" xmlns:p14="http://schemas.microsoft.com/office/powerpoint/2010/main" xmlns="" w="9525">
+                    <a:solidFill>
+                      <a:srgbClr val="000000"/>
+                    </a:solidFill>
+                    <a:round/>
+                    <a:headEnd/>
+                    <a:tailEnd/>
+                  </a14:hiddenLine>
+                </a:ext>
+              </a:extLst>
+            </p:spPr>
+          </p:sp>
+          <p:sp>
+            <p:nvSpPr>
+              <p:cNvPr id="132" name="Freeform 29">
+                <a:extLst>
+                  <a:ext uri="{FF2B5EF4-FFF2-40B4-BE49-F238E27FC236}">
+                    <a16:creationId xmlns:a16="http://schemas.microsoft.com/office/drawing/2014/main" id="{C20E57E0-0912-44F2-93DA-75E4D13F3B74}"/>
+                  </a:ext>
+                </a:extLst>
+              </p:cNvPr>
+              <p:cNvSpPr>
+                <a:spLocks noEditPoints="1"/>
+              </p:cNvSpPr>
+              <p:nvPr>
+                <p:extLst>
+                  <p:ext uri="{386F3935-93C4-4BCD-93E2-E3B085C9AB24}">
+                    <p16:designElem xmlns:p16="http://schemas.microsoft.com/office/powerpoint/2015/main" val="1"/>
+                  </p:ext>
+                </p:extLst>
+              </p:nvPr>
+            </p:nvSpPr>
+            <p:spPr bwMode="auto">
+              <a:xfrm>
+                <a:off x="612775" y="5764213"/>
+                <a:ext cx="190500" cy="190500"/>
+              </a:xfrm>
+              <a:custGeom>
+                <a:avLst/>
+                <a:gdLst/>
+                <a:ahLst/>
+                <a:cxnLst/>
+                <a:rect l="0" t="0" r="r" b="b"/>
+                <a:pathLst>
+                  <a:path w="40" h="40">
+                    <a:moveTo>
+                      <a:pt x="20" y="40"/>
+                    </a:moveTo>
+                    <a:cubicBezTo>
+                      <a:pt x="9" y="40"/>
+                      <a:pt x="0" y="31"/>
+                      <a:pt x="0" y="20"/>
+                    </a:cubicBezTo>
+                    <a:cubicBezTo>
+                      <a:pt x="0" y="9"/>
+                      <a:pt x="9" y="0"/>
+                      <a:pt x="20" y="0"/>
+                    </a:cubicBezTo>
+                    <a:cubicBezTo>
+                      <a:pt x="31" y="0"/>
+                      <a:pt x="40" y="9"/>
+                      <a:pt x="40" y="20"/>
+                    </a:cubicBezTo>
+                    <a:cubicBezTo>
+                      <a:pt x="40" y="31"/>
+                      <a:pt x="31" y="40"/>
+                      <a:pt x="20" y="40"/>
+                    </a:cubicBezTo>
+                    <a:close/>
+                    <a:moveTo>
+                      <a:pt x="20" y="4"/>
+                    </a:moveTo>
+                    <a:cubicBezTo>
+                      <a:pt x="12" y="4"/>
+                      <a:pt x="4" y="11"/>
+                      <a:pt x="4" y="20"/>
+                    </a:cubicBezTo>
+                    <a:cubicBezTo>
+                      <a:pt x="4" y="29"/>
+                      <a:pt x="12" y="36"/>
+                      <a:pt x="20" y="36"/>
+                    </a:cubicBezTo>
+                    <a:cubicBezTo>
+                      <a:pt x="29" y="36"/>
+                      <a:pt x="36" y="29"/>
+                      <a:pt x="36" y="20"/>
+                    </a:cubicBezTo>
+                    <a:cubicBezTo>
+                      <a:pt x="36" y="11"/>
+                      <a:pt x="29" y="4"/>
+                      <a:pt x="20" y="4"/>
+                    </a:cubicBezTo>
+                    <a:close/>
+                  </a:path>
+                </a:pathLst>
+              </a:custGeom>
+              <a:grpFill/>
+              <a:ln>
+                <a:noFill/>
+              </a:ln>
+              <a:extLst>
+                <a:ext uri="{91240B29-F687-4f45-9708-019B960494DF}">
+                  <a14:hiddenLine xmlns:a14="http://schemas.microsoft.com/office/drawing/2010/main" xmlns:p14="http://schemas.microsoft.com/office/powerpoint/2010/main" xmlns="" w="9525">
+                    <a:solidFill>
+                      <a:srgbClr val="000000"/>
+                    </a:solidFill>
+                    <a:round/>
+                    <a:headEnd/>
+                    <a:tailEnd/>
+                  </a14:hiddenLine>
+                </a:ext>
+              </a:extLst>
+            </p:spPr>
+          </p:sp>
+          <p:sp>
+            <p:nvSpPr>
+              <p:cNvPr id="133" name="Freeform 30">
+                <a:extLst>
+                  <a:ext uri="{FF2B5EF4-FFF2-40B4-BE49-F238E27FC236}">
+                    <a16:creationId xmlns:a16="http://schemas.microsoft.com/office/drawing/2014/main" id="{DF059390-54ED-44F4-983F-92FF36AD94FB}"/>
+                  </a:ext>
+                </a:extLst>
+              </p:cNvPr>
+              <p:cNvSpPr/>
+              <p:nvPr>
+                <p:extLst>
+                  <p:ext uri="{386F3935-93C4-4BCD-93E2-E3B085C9AB24}">
+                    <p16:designElem xmlns:p16="http://schemas.microsoft.com/office/powerpoint/2015/main" val="1"/>
+                  </p:ext>
+                </p:extLst>
+              </p:nvPr>
+            </p:nvSpPr>
+            <p:spPr bwMode="auto">
+              <a:xfrm>
+                <a:off x="669925" y="6330950"/>
+                <a:ext cx="417513" cy="517525"/>
+              </a:xfrm>
+              <a:custGeom>
+                <a:avLst/>
+                <a:gdLst/>
+                <a:ahLst/>
+                <a:cxnLst/>
+                <a:rect l="0" t="0" r="r" b="b"/>
+                <a:pathLst>
+                  <a:path w="263" h="326">
+                    <a:moveTo>
+                      <a:pt x="15" y="326"/>
+                    </a:moveTo>
+                    <a:lnTo>
+                      <a:pt x="0" y="320"/>
+                    </a:lnTo>
+                    <a:lnTo>
+                      <a:pt x="45" y="206"/>
+                    </a:lnTo>
+                    <a:lnTo>
+                      <a:pt x="48" y="206"/>
+                    </a:lnTo>
+                    <a:lnTo>
+                      <a:pt x="254" y="0"/>
+                    </a:lnTo>
+                    <a:lnTo>
+                      <a:pt x="263" y="12"/>
+                    </a:lnTo>
+                    <a:lnTo>
+                      <a:pt x="60" y="215"/>
+                    </a:lnTo>
+                    <a:lnTo>
+                      <a:pt x="15" y="326"/>
+                    </a:lnTo>
+                    <a:close/>
+                  </a:path>
+                </a:pathLst>
+              </a:custGeom>
+              <a:grpFill/>
+              <a:ln>
+                <a:noFill/>
+              </a:ln>
+              <a:extLst>
+                <a:ext uri="{91240B29-F687-4f45-9708-019B960494DF}">
+                  <a14:hiddenLine xmlns:a14="http://schemas.microsoft.com/office/drawing/2010/main" xmlns:p14="http://schemas.microsoft.com/office/powerpoint/2010/main" xmlns="" w="9525">
+                    <a:solidFill>
+                      <a:srgbClr val="000000"/>
+                    </a:solidFill>
+                    <a:round/>
+                    <a:headEnd/>
+                    <a:tailEnd/>
+                  </a14:hiddenLine>
+                </a:ext>
+              </a:extLst>
+            </p:spPr>
+          </p:sp>
+          <p:sp>
+            <p:nvSpPr>
+              <p:cNvPr id="134" name="Freeform 31">
+                <a:extLst>
+                  <a:ext uri="{FF2B5EF4-FFF2-40B4-BE49-F238E27FC236}">
+                    <a16:creationId xmlns:a16="http://schemas.microsoft.com/office/drawing/2014/main" id="{42D5E9ED-595D-443D-8CDC-D8FCD4021D7D}"/>
+                  </a:ext>
+                </a:extLst>
+              </p:cNvPr>
+              <p:cNvSpPr>
+                <a:spLocks noEditPoints="1"/>
+              </p:cNvSpPr>
+              <p:nvPr>
+                <p:extLst>
+                  <p:ext uri="{386F3935-93C4-4BCD-93E2-E3B085C9AB24}">
+                    <p16:designElem xmlns:p16="http://schemas.microsoft.com/office/powerpoint/2015/main" val="1"/>
+                  </p:ext>
+                </p:extLst>
+              </p:nvPr>
+            </p:nvSpPr>
+            <p:spPr bwMode="auto">
+              <a:xfrm>
+                <a:off x="1049337" y="6221413"/>
+                <a:ext cx="157163" cy="147638"/>
+              </a:xfrm>
+              <a:custGeom>
+                <a:avLst/>
+                <a:gdLst/>
+                <a:ahLst/>
+                <a:cxnLst/>
+                <a:rect l="0" t="0" r="r" b="b"/>
+                <a:pathLst>
+                  <a:path w="33" h="31">
+                    <a:moveTo>
+                      <a:pt x="16" y="31"/>
+                    </a:moveTo>
+                    <a:cubicBezTo>
+                      <a:pt x="12" y="31"/>
+                      <a:pt x="8" y="29"/>
+                      <a:pt x="5" y="26"/>
+                    </a:cubicBezTo>
+                    <a:cubicBezTo>
+                      <a:pt x="2" y="24"/>
+                      <a:pt x="0" y="20"/>
+                      <a:pt x="0" y="15"/>
+                    </a:cubicBezTo>
+                    <a:cubicBezTo>
+                      <a:pt x="0" y="11"/>
+                      <a:pt x="2" y="7"/>
+                      <a:pt x="5" y="4"/>
+                    </a:cubicBezTo>
+                    <a:cubicBezTo>
+                      <a:pt x="8" y="1"/>
+                      <a:pt x="12" y="0"/>
+                      <a:pt x="16" y="0"/>
+                    </a:cubicBezTo>
+                    <a:cubicBezTo>
+                      <a:pt x="20" y="0"/>
+                      <a:pt x="24" y="1"/>
+                      <a:pt x="27" y="4"/>
+                    </a:cubicBezTo>
+                    <a:cubicBezTo>
+                      <a:pt x="33" y="10"/>
+                      <a:pt x="33" y="20"/>
+                      <a:pt x="27" y="26"/>
+                    </a:cubicBezTo>
+                    <a:cubicBezTo>
+                      <a:pt x="24" y="29"/>
+                      <a:pt x="20" y="31"/>
+                      <a:pt x="16" y="31"/>
+                    </a:cubicBezTo>
+                    <a:close/>
+                    <a:moveTo>
+                      <a:pt x="16" y="4"/>
+                    </a:moveTo>
+                    <a:cubicBezTo>
+                      <a:pt x="13" y="4"/>
+                      <a:pt x="10" y="5"/>
+                      <a:pt x="8" y="7"/>
+                    </a:cubicBezTo>
+                    <a:cubicBezTo>
+                      <a:pt x="6" y="9"/>
+                      <a:pt x="4" y="12"/>
+                      <a:pt x="4" y="15"/>
+                    </a:cubicBezTo>
+                    <a:cubicBezTo>
+                      <a:pt x="4" y="19"/>
+                      <a:pt x="6" y="21"/>
+                      <a:pt x="8" y="24"/>
+                    </a:cubicBezTo>
+                    <a:cubicBezTo>
+                      <a:pt x="10" y="26"/>
+                      <a:pt x="13" y="27"/>
+                      <a:pt x="16" y="27"/>
+                    </a:cubicBezTo>
+                    <a:cubicBezTo>
+                      <a:pt x="19" y="27"/>
+                      <a:pt x="22" y="26"/>
+                      <a:pt x="24" y="24"/>
+                    </a:cubicBezTo>
+                    <a:cubicBezTo>
+                      <a:pt x="29" y="19"/>
+                      <a:pt x="29" y="12"/>
+                      <a:pt x="24" y="7"/>
+                    </a:cubicBezTo>
+                    <a:cubicBezTo>
+                      <a:pt x="22" y="5"/>
+                      <a:pt x="19" y="4"/>
+                      <a:pt x="16" y="4"/>
+                    </a:cubicBezTo>
+                    <a:close/>
+                  </a:path>
+                </a:pathLst>
+              </a:custGeom>
+              <a:grpFill/>
+              <a:ln>
+                <a:noFill/>
+              </a:ln>
+              <a:extLst>
+                <a:ext uri="{91240B29-F687-4f45-9708-019B960494DF}">
+                  <a14:hiddenLine xmlns:a14="http://schemas.microsoft.com/office/drawing/2010/main" xmlns:p14="http://schemas.microsoft.com/office/powerpoint/2010/main" xmlns="" w="9525">
+                    <a:solidFill>
+                      <a:srgbClr val="000000"/>
+                    </a:solidFill>
+                    <a:round/>
+                    <a:headEnd/>
+                    <a:tailEnd/>
+                  </a14:hiddenLine>
+                </a:ext>
+              </a:extLst>
+            </p:spPr>
+          </p:sp>
+        </p:grpSp>
+        <p:grpSp>
+          <p:nvGrpSpPr>
+            <p:cNvPr id="97" name="Group 96">
+              <a:extLst>
+                <a:ext uri="{FF2B5EF4-FFF2-40B4-BE49-F238E27FC236}">
+                  <a16:creationId xmlns:a16="http://schemas.microsoft.com/office/drawing/2014/main" id="{DB14A457-C54A-4F1E-91FB-0FEE49877D68}"/>
+                </a:ext>
+              </a:extLst>
+            </p:cNvPr>
+            <p:cNvGrpSpPr/>
+            <p:nvPr>
+              <p:extLst>
+                <p:ext uri="{386F3935-93C4-4BCD-93E2-E3B085C9AB24}">
+                  <p16:designElem xmlns:p16="http://schemas.microsoft.com/office/powerpoint/2015/main" val="1"/>
+                </p:ext>
+              </p:extLst>
+            </p:nvPr>
+          </p:nvGrpSpPr>
+          <p:grpSpPr>
+            <a:xfrm>
+              <a:off x="11227597" y="0"/>
+              <a:ext cx="674688" cy="6848476"/>
+              <a:chOff x="11364912" y="0"/>
+              <a:chExt cx="674688" cy="6848476"/>
+            </a:xfrm>
+            <a:gradFill flip="none" rotWithShape="1">
+              <a:gsLst>
+                <a:gs pos="0">
+                  <a:schemeClr val="bg2"/>
+                </a:gs>
+                <a:gs pos="100000">
+                  <a:schemeClr val="tx2">
+                    <a:lumMod val="60000"/>
+                    <a:lumOff val="40000"/>
+                  </a:schemeClr>
+                </a:gs>
+              </a:gsLst>
+              <a:lin ang="5400000" scaled="0"/>
+              <a:tileRect/>
+            </a:gradFill>
+          </p:grpSpPr>
+          <p:sp>
+            <p:nvSpPr>
+              <p:cNvPr id="98" name="Freeform 32">
+                <a:extLst>
+                  <a:ext uri="{FF2B5EF4-FFF2-40B4-BE49-F238E27FC236}">
+                    <a16:creationId xmlns:a16="http://schemas.microsoft.com/office/drawing/2014/main" id="{791F3E2E-D393-464E-84B4-9B30D071ADE0}"/>
+                  </a:ext>
+                </a:extLst>
+              </p:cNvPr>
+              <p:cNvSpPr/>
+              <p:nvPr>
+                <p:extLst>
+                  <p:ext uri="{386F3935-93C4-4BCD-93E2-E3B085C9AB24}">
+                    <p16:designElem xmlns:p16="http://schemas.microsoft.com/office/powerpoint/2015/main" val="1"/>
+                  </p:ext>
+                </p:extLst>
+              </p:nvPr>
+            </p:nvSpPr>
+            <p:spPr bwMode="auto">
+              <a:xfrm>
+                <a:off x="11483975" y="0"/>
+                <a:ext cx="417513" cy="512763"/>
+              </a:xfrm>
+              <a:custGeom>
+                <a:avLst/>
+                <a:gdLst/>
+                <a:ahLst/>
+                <a:cxnLst/>
+                <a:rect l="0" t="0" r="r" b="b"/>
+                <a:pathLst>
+                  <a:path w="263" h="323">
+                    <a:moveTo>
+                      <a:pt x="12" y="323"/>
+                    </a:moveTo>
+                    <a:lnTo>
+                      <a:pt x="0" y="314"/>
+                    </a:lnTo>
+                    <a:lnTo>
+                      <a:pt x="203" y="108"/>
+                    </a:lnTo>
+                    <a:lnTo>
+                      <a:pt x="248" y="0"/>
+                    </a:lnTo>
+                    <a:lnTo>
+                      <a:pt x="263" y="6"/>
+                    </a:lnTo>
+                    <a:lnTo>
+                      <a:pt x="218" y="117"/>
+                    </a:lnTo>
+                    <a:lnTo>
+                      <a:pt x="218" y="117"/>
+                    </a:lnTo>
+                    <a:lnTo>
+                      <a:pt x="12" y="323"/>
+                    </a:lnTo>
+                    <a:close/>
+                  </a:path>
+                </a:pathLst>
+              </a:custGeom>
+              <a:grpFill/>
+              <a:ln>
+                <a:noFill/>
+              </a:ln>
+              <a:extLst>
+                <a:ext uri="{91240B29-F687-4f45-9708-019B960494DF}">
+                  <a14:hiddenLine xmlns:a14="http://schemas.microsoft.com/office/drawing/2010/main" xmlns:p14="http://schemas.microsoft.com/office/powerpoint/2010/main" xmlns="" w="9525">
+                    <a:solidFill>
+                      <a:srgbClr val="000000"/>
+                    </a:solidFill>
+                    <a:round/>
+                    <a:headEnd/>
+                    <a:tailEnd/>
+                  </a14:hiddenLine>
+                </a:ext>
+              </a:extLst>
+            </p:spPr>
+          </p:sp>
+          <p:sp>
+            <p:nvSpPr>
+              <p:cNvPr id="99" name="Freeform 33">
+                <a:extLst>
+                  <a:ext uri="{FF2B5EF4-FFF2-40B4-BE49-F238E27FC236}">
+                    <a16:creationId xmlns:a16="http://schemas.microsoft.com/office/drawing/2014/main" id="{EBEEAD6F-6425-4F85-A8A8-4FF19A909B34}"/>
+                  </a:ext>
+                </a:extLst>
+              </p:cNvPr>
+              <p:cNvSpPr>
+                <a:spLocks noEditPoints="1"/>
+              </p:cNvSpPr>
+              <p:nvPr>
+                <p:extLst>
+                  <p:ext uri="{386F3935-93C4-4BCD-93E2-E3B085C9AB24}">
+                    <p16:designElem xmlns:p16="http://schemas.microsoft.com/office/powerpoint/2015/main" val="1"/>
+                  </p:ext>
+                </p:extLst>
+              </p:nvPr>
+            </p:nvSpPr>
+            <p:spPr bwMode="auto">
+              <a:xfrm>
+                <a:off x="11364912" y="474663"/>
+                <a:ext cx="157163" cy="152400"/>
+              </a:xfrm>
+              <a:custGeom>
+                <a:avLst/>
+                <a:gdLst/>
+                <a:ahLst/>
+                <a:cxnLst/>
+                <a:rect l="0" t="0" r="r" b="b"/>
+                <a:pathLst>
+                  <a:path w="33" h="32">
+                    <a:moveTo>
+                      <a:pt x="17" y="32"/>
+                    </a:moveTo>
+                    <a:cubicBezTo>
+                      <a:pt x="13" y="32"/>
+                      <a:pt x="9" y="30"/>
+                      <a:pt x="6" y="27"/>
+                    </a:cubicBezTo>
+                    <a:cubicBezTo>
+                      <a:pt x="0" y="21"/>
+                      <a:pt x="0" y="11"/>
+                      <a:pt x="6" y="5"/>
+                    </a:cubicBezTo>
+                    <a:cubicBezTo>
+                      <a:pt x="9" y="2"/>
+                      <a:pt x="13" y="0"/>
+                      <a:pt x="17" y="0"/>
+                    </a:cubicBezTo>
+                    <a:cubicBezTo>
+                      <a:pt x="21" y="0"/>
+                      <a:pt x="25" y="2"/>
+                      <a:pt x="28" y="5"/>
+                    </a:cubicBezTo>
+                    <a:cubicBezTo>
+                      <a:pt x="31" y="8"/>
+                      <a:pt x="33" y="12"/>
+                      <a:pt x="33" y="16"/>
+                    </a:cubicBezTo>
+                    <a:cubicBezTo>
+                      <a:pt x="33" y="20"/>
+                      <a:pt x="31" y="24"/>
+                      <a:pt x="28" y="27"/>
+                    </a:cubicBezTo>
+                    <a:cubicBezTo>
+                      <a:pt x="25" y="30"/>
+                      <a:pt x="21" y="32"/>
+                      <a:pt x="17" y="32"/>
+                    </a:cubicBezTo>
+                    <a:close/>
+                    <a:moveTo>
+                      <a:pt x="17" y="4"/>
+                    </a:moveTo>
+                    <a:cubicBezTo>
+                      <a:pt x="14" y="4"/>
+                      <a:pt x="11" y="6"/>
+                      <a:pt x="9" y="8"/>
+                    </a:cubicBezTo>
+                    <a:cubicBezTo>
+                      <a:pt x="4" y="12"/>
+                      <a:pt x="4" y="20"/>
+                      <a:pt x="9" y="24"/>
+                    </a:cubicBezTo>
+                    <a:cubicBezTo>
+                      <a:pt x="11" y="27"/>
+                      <a:pt x="14" y="28"/>
+                      <a:pt x="17" y="28"/>
+                    </a:cubicBezTo>
+                    <a:cubicBezTo>
+                      <a:pt x="20" y="28"/>
+                      <a:pt x="23" y="27"/>
+                      <a:pt x="26" y="24"/>
+                    </a:cubicBezTo>
+                    <a:cubicBezTo>
+                      <a:pt x="30" y="20"/>
+                      <a:pt x="30" y="12"/>
+                      <a:pt x="26" y="8"/>
+                    </a:cubicBezTo>
+                    <a:cubicBezTo>
+                      <a:pt x="23" y="6"/>
+                      <a:pt x="20" y="4"/>
+                      <a:pt x="17" y="4"/>
+                    </a:cubicBezTo>
+                    <a:close/>
+                  </a:path>
+                </a:pathLst>
+              </a:custGeom>
+              <a:grpFill/>
+              <a:ln>
+                <a:noFill/>
+              </a:ln>
+              <a:extLst>
+                <a:ext uri="{91240B29-F687-4f45-9708-019B960494DF}">
+                  <a14:hiddenLine xmlns:a14="http://schemas.microsoft.com/office/drawing/2010/main" xmlns:p14="http://schemas.microsoft.com/office/powerpoint/2010/main" xmlns="" w="9525">
+                    <a:solidFill>
+                      <a:srgbClr val="000000"/>
+                    </a:solidFill>
+                    <a:round/>
+                    <a:headEnd/>
+                    <a:tailEnd/>
+                  </a14:hiddenLine>
+                </a:ext>
+              </a:extLst>
+            </p:spPr>
+          </p:sp>
+          <p:sp>
+            <p:nvSpPr>
+              <p:cNvPr id="100" name="Freeform 34">
+                <a:extLst>
+                  <a:ext uri="{FF2B5EF4-FFF2-40B4-BE49-F238E27FC236}">
+                    <a16:creationId xmlns:a16="http://schemas.microsoft.com/office/drawing/2014/main" id="{8AACA44E-9D6C-4708-8D61-D767B6620B8B}"/>
+                  </a:ext>
+                </a:extLst>
+              </p:cNvPr>
+              <p:cNvSpPr>
+                <a:spLocks noEditPoints="1"/>
+              </p:cNvSpPr>
+              <p:nvPr>
+                <p:extLst>
+                  <p:ext uri="{386F3935-93C4-4BCD-93E2-E3B085C9AB24}">
+                    <p16:designElem xmlns:p16="http://schemas.microsoft.com/office/powerpoint/2015/main" val="1"/>
+                  </p:ext>
+                </p:extLst>
+              </p:nvPr>
+            </p:nvSpPr>
+            <p:spPr bwMode="auto">
+              <a:xfrm>
+                <a:off x="11631612" y="1539875"/>
+                <a:ext cx="188913" cy="190500"/>
+              </a:xfrm>
+              <a:custGeom>
+                <a:avLst/>
+                <a:gdLst/>
+                <a:ahLst/>
+                <a:cxnLst/>
+                <a:rect l="0" t="0" r="r" b="b"/>
+                <a:pathLst>
+                  <a:path w="40" h="40">
+                    <a:moveTo>
+                      <a:pt x="20" y="40"/>
+                    </a:moveTo>
+                    <a:cubicBezTo>
+                      <a:pt x="9" y="40"/>
+                      <a:pt x="0" y="31"/>
+                      <a:pt x="0" y="20"/>
+                    </a:cubicBezTo>
+                    <a:cubicBezTo>
+                      <a:pt x="0" y="9"/>
+                      <a:pt x="9" y="0"/>
+                      <a:pt x="20" y="0"/>
+                    </a:cubicBezTo>
+                    <a:cubicBezTo>
+                      <a:pt x="31" y="0"/>
+                      <a:pt x="40" y="9"/>
+                      <a:pt x="40" y="20"/>
+                    </a:cubicBezTo>
+                    <a:cubicBezTo>
+                      <a:pt x="40" y="31"/>
+                      <a:pt x="31" y="40"/>
+                      <a:pt x="20" y="40"/>
+                    </a:cubicBezTo>
+                    <a:close/>
+                    <a:moveTo>
+                      <a:pt x="20" y="4"/>
+                    </a:moveTo>
+                    <a:cubicBezTo>
+                      <a:pt x="11" y="4"/>
+                      <a:pt x="4" y="11"/>
+                      <a:pt x="4" y="20"/>
+                    </a:cubicBezTo>
+                    <a:cubicBezTo>
+                      <a:pt x="4" y="29"/>
+                      <a:pt x="11" y="36"/>
+                      <a:pt x="20" y="36"/>
+                    </a:cubicBezTo>
+                    <a:cubicBezTo>
+                      <a:pt x="29" y="36"/>
+                      <a:pt x="36" y="29"/>
+                      <a:pt x="36" y="20"/>
+                    </a:cubicBezTo>
+                    <a:cubicBezTo>
+                      <a:pt x="36" y="11"/>
+                      <a:pt x="29" y="4"/>
+                      <a:pt x="20" y="4"/>
+                    </a:cubicBezTo>
+                    <a:close/>
+                  </a:path>
+                </a:pathLst>
+              </a:custGeom>
+              <a:grpFill/>
+              <a:ln>
+                <a:noFill/>
+              </a:ln>
+              <a:extLst>
+                <a:ext uri="{91240B29-F687-4f45-9708-019B960494DF}">
+                  <a14:hiddenLine xmlns:a14="http://schemas.microsoft.com/office/drawing/2010/main" xmlns:p14="http://schemas.microsoft.com/office/powerpoint/2010/main" xmlns="" w="9525">
+                    <a:solidFill>
+                      <a:srgbClr val="000000"/>
+                    </a:solidFill>
+                    <a:round/>
+                    <a:headEnd/>
+                    <a:tailEnd/>
+                  </a14:hiddenLine>
+                </a:ext>
+              </a:extLst>
+            </p:spPr>
+          </p:sp>
+          <p:sp>
+            <p:nvSpPr>
+              <p:cNvPr id="101" name="Freeform 35">
+                <a:extLst>
+                  <a:ext uri="{FF2B5EF4-FFF2-40B4-BE49-F238E27FC236}">
+                    <a16:creationId xmlns:a16="http://schemas.microsoft.com/office/drawing/2014/main" id="{B6E3525F-9937-463E-872C-8EB7C62D10CA}"/>
+                  </a:ext>
+                </a:extLst>
+              </p:cNvPr>
+              <p:cNvSpPr/>
+              <p:nvPr>
+                <p:extLst>
+                  <p:ext uri="{386F3935-93C4-4BCD-93E2-E3B085C9AB24}">
+                    <p16:designElem xmlns:p16="http://schemas.microsoft.com/office/powerpoint/2015/main" val="1"/>
+                  </p:ext>
+                </p:extLst>
+              </p:nvPr>
+            </p:nvSpPr>
+            <p:spPr bwMode="auto">
+              <a:xfrm>
+                <a:off x="11531600" y="5694363"/>
+                <a:ext cx="298450" cy="1154113"/>
+              </a:xfrm>
+              <a:custGeom>
+                <a:avLst/>
+                <a:gdLst/>
+                <a:ahLst/>
+                <a:cxnLst/>
+                <a:rect l="0" t="0" r="r" b="b"/>
+                <a:pathLst>
+                  <a:path w="188" h="727">
+                    <a:moveTo>
+                      <a:pt x="15" y="727"/>
+                    </a:moveTo>
+                    <a:lnTo>
+                      <a:pt x="0" y="727"/>
+                    </a:lnTo>
+                    <a:lnTo>
+                      <a:pt x="0" y="407"/>
+                    </a:lnTo>
+                    <a:lnTo>
+                      <a:pt x="0" y="407"/>
+                    </a:lnTo>
+                    <a:lnTo>
+                      <a:pt x="176" y="0"/>
+                    </a:lnTo>
+                    <a:lnTo>
+                      <a:pt x="188" y="6"/>
+                    </a:lnTo>
+                    <a:lnTo>
+                      <a:pt x="15" y="410"/>
+                    </a:lnTo>
+                    <a:lnTo>
+                      <a:pt x="15" y="727"/>
+                    </a:lnTo>
+                    <a:close/>
+                  </a:path>
+                </a:pathLst>
+              </a:custGeom>
+              <a:grpFill/>
+              <a:ln>
+                <a:noFill/>
+              </a:ln>
+              <a:extLst>
+                <a:ext uri="{91240B29-F687-4f45-9708-019B960494DF}">
+                  <a14:hiddenLine xmlns:a14="http://schemas.microsoft.com/office/drawing/2010/main" xmlns:p14="http://schemas.microsoft.com/office/powerpoint/2010/main" xmlns="" w="9525">
+                    <a:solidFill>
+                      <a:srgbClr val="000000"/>
+                    </a:solidFill>
+                    <a:round/>
+                    <a:headEnd/>
+                    <a:tailEnd/>
+                  </a14:hiddenLine>
+                </a:ext>
+              </a:extLst>
+            </p:spPr>
+          </p:sp>
+          <p:sp>
+            <p:nvSpPr>
+              <p:cNvPr id="102" name="Freeform 36">
+                <a:extLst>
+                  <a:ext uri="{FF2B5EF4-FFF2-40B4-BE49-F238E27FC236}">
+                    <a16:creationId xmlns:a16="http://schemas.microsoft.com/office/drawing/2014/main" id="{BE829B0B-C602-40F1-81D1-A55332343D79}"/>
+                  </a:ext>
+                </a:extLst>
+              </p:cNvPr>
+              <p:cNvSpPr>
+                <a:spLocks noEditPoints="1"/>
+              </p:cNvSpPr>
+              <p:nvPr>
+                <p:extLst>
+                  <p:ext uri="{386F3935-93C4-4BCD-93E2-E3B085C9AB24}">
+                    <p16:designElem xmlns:p16="http://schemas.microsoft.com/office/powerpoint/2015/main" val="1"/>
+                  </p:ext>
+                </p:extLst>
+              </p:nvPr>
+            </p:nvSpPr>
+            <p:spPr bwMode="auto">
+              <a:xfrm>
+                <a:off x="11772900" y="5551488"/>
+                <a:ext cx="157163" cy="155575"/>
+              </a:xfrm>
+              <a:custGeom>
+                <a:avLst/>
+                <a:gdLst/>
+                <a:ahLst/>
+                <a:cxnLst/>
+                <a:rect l="0" t="0" r="r" b="b"/>
+                <a:pathLst>
+                  <a:path w="33" h="33">
+                    <a:moveTo>
+                      <a:pt x="17" y="33"/>
+                    </a:moveTo>
+                    <a:cubicBezTo>
+                      <a:pt x="8" y="33"/>
+                      <a:pt x="0" y="25"/>
+                      <a:pt x="0" y="16"/>
+                    </a:cubicBezTo>
+                    <a:cubicBezTo>
+                      <a:pt x="0" y="7"/>
+                      <a:pt x="8" y="0"/>
+                      <a:pt x="17" y="0"/>
+                    </a:cubicBezTo>
+                    <a:cubicBezTo>
+                      <a:pt x="26" y="0"/>
+                      <a:pt x="33" y="7"/>
+                      <a:pt x="33" y="16"/>
+                    </a:cubicBezTo>
+                    <a:cubicBezTo>
+                      <a:pt x="33" y="25"/>
+                      <a:pt x="26" y="33"/>
+                      <a:pt x="17" y="33"/>
+                    </a:cubicBezTo>
+                    <a:close/>
+                    <a:moveTo>
+                      <a:pt x="17" y="4"/>
+                    </a:moveTo>
+                    <a:cubicBezTo>
+                      <a:pt x="10" y="4"/>
+                      <a:pt x="4" y="9"/>
+                      <a:pt x="4" y="16"/>
+                    </a:cubicBezTo>
+                    <a:cubicBezTo>
+                      <a:pt x="4" y="23"/>
+                      <a:pt x="10" y="29"/>
+                      <a:pt x="17" y="29"/>
+                    </a:cubicBezTo>
+                    <a:cubicBezTo>
+                      <a:pt x="23" y="29"/>
+                      <a:pt x="29" y="23"/>
+                      <a:pt x="29" y="16"/>
+                    </a:cubicBezTo>
+                    <a:cubicBezTo>
+                      <a:pt x="29" y="9"/>
+                      <a:pt x="23" y="4"/>
+                      <a:pt x="17" y="4"/>
+                    </a:cubicBezTo>
+                    <a:close/>
+                  </a:path>
+                </a:pathLst>
+              </a:custGeom>
+              <a:grpFill/>
+              <a:ln>
+                <a:noFill/>
+              </a:ln>
+              <a:extLst>
+                <a:ext uri="{91240B29-F687-4f45-9708-019B960494DF}">
+                  <a14:hiddenLine xmlns:a14="http://schemas.microsoft.com/office/drawing/2010/main" xmlns:p14="http://schemas.microsoft.com/office/powerpoint/2010/main" xmlns="" w="9525">
+                    <a:solidFill>
+                      <a:srgbClr val="000000"/>
+                    </a:solidFill>
+                    <a:round/>
+                    <a:headEnd/>
+                    <a:tailEnd/>
+                  </a14:hiddenLine>
+                </a:ext>
+              </a:extLst>
+            </p:spPr>
+          </p:sp>
+          <p:sp>
+            <p:nvSpPr>
+              <p:cNvPr id="103" name="Freeform 37">
+                <a:extLst>
+                  <a:ext uri="{FF2B5EF4-FFF2-40B4-BE49-F238E27FC236}">
+                    <a16:creationId xmlns:a16="http://schemas.microsoft.com/office/drawing/2014/main" id="{92660531-24B5-4B97-A4A2-64686E235DAE}"/>
+                  </a:ext>
+                </a:extLst>
+              </p:cNvPr>
+              <p:cNvSpPr/>
+              <p:nvPr>
+                <p:extLst>
+                  <p:ext uri="{386F3935-93C4-4BCD-93E2-E3B085C9AB24}">
+                    <p16:designElem xmlns:p16="http://schemas.microsoft.com/office/powerpoint/2015/main" val="1"/>
+                  </p:ext>
+                </p:extLst>
+              </p:nvPr>
+            </p:nvSpPr>
+            <p:spPr bwMode="auto">
+              <a:xfrm>
+                <a:off x="11710987" y="4763"/>
+                <a:ext cx="304800" cy="1544638"/>
+              </a:xfrm>
+              <a:custGeom>
+                <a:avLst/>
+                <a:gdLst/>
+                <a:ahLst/>
+                <a:cxnLst/>
+                <a:rect l="0" t="0" r="r" b="b"/>
+                <a:pathLst>
+                  <a:path w="192" h="973">
+                    <a:moveTo>
+                      <a:pt x="15" y="973"/>
+                    </a:moveTo>
+                    <a:lnTo>
+                      <a:pt x="0" y="973"/>
+                    </a:lnTo>
+                    <a:lnTo>
+                      <a:pt x="0" y="790"/>
+                    </a:lnTo>
+                    <a:lnTo>
+                      <a:pt x="174" y="614"/>
+                    </a:lnTo>
+                    <a:lnTo>
+                      <a:pt x="174" y="0"/>
+                    </a:lnTo>
+                    <a:lnTo>
+                      <a:pt x="192" y="0"/>
+                    </a:lnTo>
+                    <a:lnTo>
+                      <a:pt x="192" y="620"/>
+                    </a:lnTo>
+                    <a:lnTo>
+                      <a:pt x="15" y="796"/>
+                    </a:lnTo>
+                    <a:lnTo>
+                      <a:pt x="15" y="973"/>
+                    </a:lnTo>
+                    <a:close/>
+                  </a:path>
+                </a:pathLst>
+              </a:custGeom>
+              <a:grpFill/>
+              <a:ln>
+                <a:noFill/>
+              </a:ln>
+              <a:extLst>
+                <a:ext uri="{91240B29-F687-4f45-9708-019B960494DF}">
+                  <a14:hiddenLine xmlns:a14="http://schemas.microsoft.com/office/drawing/2010/main" xmlns:p14="http://schemas.microsoft.com/office/powerpoint/2010/main" xmlns="" w="9525">
+                    <a:solidFill>
+                      <a:srgbClr val="000000"/>
+                    </a:solidFill>
+                    <a:round/>
+                    <a:headEnd/>
+                    <a:tailEnd/>
+                  </a14:hiddenLine>
+                </a:ext>
+              </a:extLst>
+            </p:spPr>
+          </p:sp>
+          <p:sp>
+            <p:nvSpPr>
+              <p:cNvPr id="104" name="Freeform 38">
+                <a:extLst>
+                  <a:ext uri="{FF2B5EF4-FFF2-40B4-BE49-F238E27FC236}">
+                    <a16:creationId xmlns:a16="http://schemas.microsoft.com/office/drawing/2014/main" id="{6242D0CE-6FFD-4D17-AC26-BD3E481195FB}"/>
+                  </a:ext>
+                </a:extLst>
+              </p:cNvPr>
+              <p:cNvSpPr>
+                <a:spLocks noEditPoints="1"/>
+              </p:cNvSpPr>
+              <p:nvPr>
+                <p:extLst>
+                  <p:ext uri="{386F3935-93C4-4BCD-93E2-E3B085C9AB24}">
+                    <p16:designElem xmlns:p16="http://schemas.microsoft.com/office/powerpoint/2015/main" val="1"/>
+                  </p:ext>
+                </p:extLst>
+              </p:nvPr>
+            </p:nvSpPr>
+            <p:spPr bwMode="auto">
+              <a:xfrm>
+                <a:off x="11636375" y="4867275"/>
+                <a:ext cx="188913" cy="188913"/>
+              </a:xfrm>
+              <a:custGeom>
+                <a:avLst/>
+                <a:gdLst/>
+                <a:ahLst/>
+                <a:cxnLst/>
+                <a:rect l="0" t="0" r="r" b="b"/>
+                <a:pathLst>
+                  <a:path w="40" h="40">
+                    <a:moveTo>
+                      <a:pt x="20" y="40"/>
+                    </a:moveTo>
+                    <a:cubicBezTo>
+                      <a:pt x="9" y="40"/>
+                      <a:pt x="0" y="31"/>
+                      <a:pt x="0" y="20"/>
+                    </a:cubicBezTo>
+                    <a:cubicBezTo>
+                      <a:pt x="0" y="9"/>
+                      <a:pt x="9" y="0"/>
+                      <a:pt x="20" y="0"/>
+                    </a:cubicBezTo>
+                    <a:cubicBezTo>
+                      <a:pt x="31" y="0"/>
+                      <a:pt x="40" y="9"/>
+                      <a:pt x="40" y="20"/>
+                    </a:cubicBezTo>
+                    <a:cubicBezTo>
+                      <a:pt x="40" y="31"/>
+                      <a:pt x="31" y="40"/>
+                      <a:pt x="20" y="40"/>
+                    </a:cubicBezTo>
+                    <a:close/>
+                    <a:moveTo>
+                      <a:pt x="20" y="4"/>
+                    </a:moveTo>
+                    <a:cubicBezTo>
+                      <a:pt x="11" y="4"/>
+                      <a:pt x="4" y="11"/>
+                      <a:pt x="4" y="20"/>
+                    </a:cubicBezTo>
+                    <a:cubicBezTo>
+                      <a:pt x="4" y="29"/>
+                      <a:pt x="11" y="36"/>
+                      <a:pt x="20" y="36"/>
+                    </a:cubicBezTo>
+                    <a:cubicBezTo>
+                      <a:pt x="29" y="36"/>
+                      <a:pt x="36" y="29"/>
+                      <a:pt x="36" y="20"/>
+                    </a:cubicBezTo>
+                    <a:cubicBezTo>
+                      <a:pt x="36" y="11"/>
+                      <a:pt x="29" y="4"/>
+                      <a:pt x="20" y="4"/>
+                    </a:cubicBezTo>
+                    <a:close/>
+                  </a:path>
+                </a:pathLst>
+              </a:custGeom>
+              <a:grpFill/>
+              <a:ln>
+                <a:noFill/>
+              </a:ln>
+              <a:extLst>
+                <a:ext uri="{91240B29-F687-4f45-9708-019B960494DF}">
+                  <a14:hiddenLine xmlns:a14="http://schemas.microsoft.com/office/drawing/2010/main" xmlns:p14="http://schemas.microsoft.com/office/powerpoint/2010/main" xmlns="" w="9525">
+                    <a:solidFill>
+                      <a:srgbClr val="000000"/>
+                    </a:solidFill>
+                    <a:round/>
+                    <a:headEnd/>
+                    <a:tailEnd/>
+                  </a14:hiddenLine>
+                </a:ext>
+              </a:extLst>
+            </p:spPr>
+          </p:sp>
+          <p:sp>
+            <p:nvSpPr>
+              <p:cNvPr id="105" name="Freeform 39">
+                <a:extLst>
+                  <a:ext uri="{FF2B5EF4-FFF2-40B4-BE49-F238E27FC236}">
+                    <a16:creationId xmlns:a16="http://schemas.microsoft.com/office/drawing/2014/main" id="{61631F37-AF37-4DB9-8D98-A08586C7663F}"/>
+                  </a:ext>
+                </a:extLst>
+              </p:cNvPr>
+              <p:cNvSpPr/>
+              <p:nvPr>
+                <p:extLst>
+                  <p:ext uri="{386F3935-93C4-4BCD-93E2-E3B085C9AB24}">
+                    <p16:designElem xmlns:p16="http://schemas.microsoft.com/office/powerpoint/2015/main" val="1"/>
+                  </p:ext>
+                </p:extLst>
+              </p:nvPr>
+            </p:nvSpPr>
+            <p:spPr bwMode="auto">
+              <a:xfrm>
+                <a:off x="11441112" y="5046663"/>
+                <a:ext cx="307975" cy="1801813"/>
+              </a:xfrm>
+              <a:custGeom>
+                <a:avLst/>
+                <a:gdLst/>
+                <a:ahLst/>
+                <a:cxnLst/>
+                <a:rect l="0" t="0" r="r" b="b"/>
+                <a:pathLst>
+                  <a:path w="194" h="1135">
+                    <a:moveTo>
+                      <a:pt x="18" y="1135"/>
+                    </a:moveTo>
+                    <a:lnTo>
+                      <a:pt x="0" y="1135"/>
+                    </a:lnTo>
+                    <a:lnTo>
+                      <a:pt x="0" y="354"/>
+                    </a:lnTo>
+                    <a:lnTo>
+                      <a:pt x="176" y="177"/>
+                    </a:lnTo>
+                    <a:lnTo>
+                      <a:pt x="176" y="0"/>
+                    </a:lnTo>
+                    <a:lnTo>
+                      <a:pt x="194" y="0"/>
+                    </a:lnTo>
+                    <a:lnTo>
+                      <a:pt x="194" y="183"/>
+                    </a:lnTo>
+                    <a:lnTo>
+                      <a:pt x="18" y="360"/>
+                    </a:lnTo>
+                    <a:lnTo>
+                      <a:pt x="18" y="1135"/>
+                    </a:lnTo>
+                    <a:close/>
+                  </a:path>
+                </a:pathLst>
+              </a:custGeom>
+              <a:grpFill/>
+              <a:ln>
+                <a:noFill/>
+              </a:ln>
+              <a:extLst>
+                <a:ext uri="{91240B29-F687-4f45-9708-019B960494DF}">
+                  <a14:hiddenLine xmlns:a14="http://schemas.microsoft.com/office/drawing/2010/main" xmlns:p14="http://schemas.microsoft.com/office/powerpoint/2010/main" xmlns="" w="9525">
+                    <a:solidFill>
+                      <a:srgbClr val="000000"/>
+                    </a:solidFill>
+                    <a:round/>
+                    <a:headEnd/>
+                    <a:tailEnd/>
+                  </a14:hiddenLine>
+                </a:ext>
+              </a:extLst>
+            </p:spPr>
+          </p:sp>
+          <p:sp>
+            <p:nvSpPr>
+              <p:cNvPr id="106" name="Freeform 40">
+                <a:extLst>
+                  <a:ext uri="{FF2B5EF4-FFF2-40B4-BE49-F238E27FC236}">
+                    <a16:creationId xmlns:a16="http://schemas.microsoft.com/office/drawing/2014/main" id="{2A2597FF-2F22-40BB-A7B3-19C4DFCFFA0B}"/>
+                  </a:ext>
+                </a:extLst>
+              </p:cNvPr>
+              <p:cNvSpPr>
+                <a:spLocks noEditPoints="1"/>
+              </p:cNvSpPr>
+              <p:nvPr>
+                <p:extLst>
+                  <p:ext uri="{386F3935-93C4-4BCD-93E2-E3B085C9AB24}">
+                    <p16:designElem xmlns:p16="http://schemas.microsoft.com/office/powerpoint/2015/main" val="1"/>
+                  </p:ext>
+                </p:extLst>
+              </p:nvPr>
+            </p:nvSpPr>
+            <p:spPr bwMode="auto">
+              <a:xfrm>
+                <a:off x="11849100" y="6416675"/>
+                <a:ext cx="190500" cy="188913"/>
+              </a:xfrm>
+              <a:custGeom>
+                <a:avLst/>
+                <a:gdLst/>
+                <a:ahLst/>
+                <a:cxnLst/>
+                <a:rect l="0" t="0" r="r" b="b"/>
+                <a:pathLst>
+                  <a:path w="40" h="40">
+                    <a:moveTo>
+                      <a:pt x="20" y="40"/>
+                    </a:moveTo>
+                    <a:cubicBezTo>
+                      <a:pt x="9" y="40"/>
+                      <a:pt x="0" y="31"/>
+                      <a:pt x="0" y="20"/>
+                    </a:cubicBezTo>
+                    <a:cubicBezTo>
+                      <a:pt x="0" y="9"/>
+                      <a:pt x="9" y="0"/>
+                      <a:pt x="20" y="0"/>
+                    </a:cubicBezTo>
+                    <a:cubicBezTo>
+                      <a:pt x="31" y="0"/>
+                      <a:pt x="40" y="9"/>
+                      <a:pt x="40" y="20"/>
+                    </a:cubicBezTo>
+                    <a:cubicBezTo>
+                      <a:pt x="40" y="31"/>
+                      <a:pt x="31" y="40"/>
+                      <a:pt x="20" y="40"/>
+                    </a:cubicBezTo>
+                    <a:close/>
+                    <a:moveTo>
+                      <a:pt x="20" y="4"/>
+                    </a:moveTo>
+                    <a:cubicBezTo>
+                      <a:pt x="12" y="4"/>
+                      <a:pt x="4" y="11"/>
+                      <a:pt x="4" y="20"/>
+                    </a:cubicBezTo>
+                    <a:cubicBezTo>
+                      <a:pt x="4" y="29"/>
+                      <a:pt x="12" y="36"/>
+                      <a:pt x="20" y="36"/>
+                    </a:cubicBezTo>
+                    <a:cubicBezTo>
+                      <a:pt x="29" y="36"/>
+                      <a:pt x="36" y="29"/>
+                      <a:pt x="36" y="20"/>
+                    </a:cubicBezTo>
+                    <a:cubicBezTo>
+                      <a:pt x="36" y="11"/>
+                      <a:pt x="29" y="4"/>
+                      <a:pt x="20" y="4"/>
+                    </a:cubicBezTo>
+                    <a:close/>
+                  </a:path>
+                </a:pathLst>
+              </a:custGeom>
+              <a:grpFill/>
+              <a:ln>
+                <a:noFill/>
+              </a:ln>
+              <a:extLst>
+                <a:ext uri="{91240B29-F687-4f45-9708-019B960494DF}">
+                  <a14:hiddenLine xmlns:a14="http://schemas.microsoft.com/office/drawing/2010/main" xmlns:p14="http://schemas.microsoft.com/office/powerpoint/2010/main" xmlns="" w="9525">
+                    <a:solidFill>
+                      <a:srgbClr val="000000"/>
+                    </a:solidFill>
+                    <a:round/>
+                    <a:headEnd/>
+                    <a:tailEnd/>
+                  </a14:hiddenLine>
+                </a:ext>
+              </a:extLst>
+            </p:spPr>
+          </p:sp>
+          <p:sp>
+            <p:nvSpPr>
+              <p:cNvPr id="107" name="Rectangle 41">
+                <a:extLst>
+                  <a:ext uri="{FF2B5EF4-FFF2-40B4-BE49-F238E27FC236}">
+                    <a16:creationId xmlns:a16="http://schemas.microsoft.com/office/drawing/2014/main" id="{DCC8773C-0113-4046-B222-C8F4080AF389}"/>
+                  </a:ext>
+                </a:extLst>
+              </p:cNvPr>
+              <p:cNvSpPr>
+                <a:spLocks noChangeArrowheads="1"/>
+              </p:cNvSpPr>
+              <p:nvPr>
+                <p:extLst>
+                  <p:ext uri="{386F3935-93C4-4BCD-93E2-E3B085C9AB24}">
+                    <p16:designElem xmlns:p16="http://schemas.microsoft.com/office/powerpoint/2015/main" val="1"/>
+                  </p:ext>
+                </p:extLst>
+              </p:nvPr>
+            </p:nvSpPr>
+            <p:spPr bwMode="auto">
+              <a:xfrm>
+                <a:off x="11939587" y="6596063"/>
+                <a:ext cx="23813" cy="252413"/>
+              </a:xfrm>
+              <a:prstGeom prst="rect">
+                <a:avLst/>
+              </a:prstGeom>
+              <a:grpFill/>
+              <a:ln>
+                <a:noFill/>
+              </a:ln>
+              <a:extLst>
+                <a:ext uri="{91240B29-F687-4f45-9708-019B960494DF}">
+                  <a14:hiddenLine xmlns:a14="http://schemas.microsoft.com/office/drawing/2010/main" xmlns:p14="http://schemas.microsoft.com/office/powerpoint/2010/main" xmlns="" w="9525">
+                    <a:solidFill>
+                      <a:srgbClr val="000000"/>
+                    </a:solidFill>
+                    <a:miter lim="800000"/>
+                    <a:headEnd/>
+                    <a:tailEnd/>
+                  </a14:hiddenLine>
+                </a:ext>
+              </a:extLst>
+            </p:spPr>
+          </p:sp>
+        </p:grpSp>
+      </p:grpSp>
       <p:pic>
         <p:nvPicPr>
-          <p:cNvPr id="59" name="Picture 2" descr="Une image contenant équipement électronique&#10;&#10;Description générée avec un niveau de confiance élevé">
+          <p:cNvPr id="136" name="Picture 2">
             <a:extLst>
               <a:ext uri="{FF2B5EF4-FFF2-40B4-BE49-F238E27FC236}">
-                <a16:creationId xmlns:a16="http://schemas.microsoft.com/office/drawing/2014/main" id="{FE6BA9E6-1D9E-4D30-B528-D49FA1342E4E}"/>
+                <a16:creationId xmlns:a16="http://schemas.microsoft.com/office/drawing/2014/main" id="{1B17CCE2-CEEF-40CA-8C4D-0DC2DCA78A23}"/>
               </a:ext>
             </a:extLst>
           </p:cNvPr>
@@ -18730,7 +22018,7 @@
           </p:nvPr>
         </p:nvPicPr>
         <p:blipFill>
-          <a:blip r:embed="rId3">
+          <a:blip r:embed="rId2">
             <a:alphaModFix amt="30000"/>
             <a:extLst>
               <a:ext uri="{28A0092B-C50C-407E-A947-70E740481C1C}">
@@ -18763,40 +22051,34 @@
           </a:extLst>
         </p:spPr>
       </p:pic>
-      <p:pic>
-        <p:nvPicPr>
-          <p:cNvPr id="52" name="Espace réservé du contenu 4" descr="Une image contenant ciel&#10;&#10;Description générée avec un niveau de confiance très élevé">
+      <p:sp useBgFill="1">
+        <p:nvSpPr>
+          <p:cNvPr id="138" name="Round Diagonal Corner Rectangle 9">
             <a:extLst>
               <a:ext uri="{FF2B5EF4-FFF2-40B4-BE49-F238E27FC236}">
-                <a16:creationId xmlns:a16="http://schemas.microsoft.com/office/drawing/2014/main" id="{4E63EDE3-92DA-4568-94E3-185AAF68B4A5}"/>
+                <a16:creationId xmlns:a16="http://schemas.microsoft.com/office/drawing/2014/main" id="{66D4F5BA-1D71-49B2-8A7F-6B4EB94D7265}"/>
               </a:ext>
             </a:extLst>
           </p:cNvPr>
-          <p:cNvPicPr>
-            <a:picLocks noChangeAspect="1"/>
-          </p:cNvPicPr>
-          <p:nvPr/>
-        </p:nvPicPr>
-        <p:blipFill>
-          <a:blip r:embed="rId4">
-            <a:extLst>
-              <a:ext uri="{28A0092B-C50C-407E-A947-70E740481C1C}">
-                <a14:useLocalDpi xmlns:a14="http://schemas.microsoft.com/office/drawing/2010/main" val="0"/>
-              </a:ext>
-            </a:extLst>
-          </a:blip>
-          <a:stretch>
-            <a:fillRect/>
-          </a:stretch>
-        </p:blipFill>
+          <p:cNvSpPr>
+            <a:spLocks noGrp="1" noRot="1" noChangeAspect="1" noMove="1" noResize="1" noEditPoints="1" noAdjustHandles="1" noChangeArrowheads="1" noChangeShapeType="1" noTextEdit="1"/>
+          </p:cNvSpPr>
+          <p:nvPr>
+            <p:extLst>
+              <p:ext uri="{386F3935-93C4-4BCD-93E2-E3B085C9AB24}">
+                <p16:designElem xmlns:p16="http://schemas.microsoft.com/office/powerpoint/2015/main" val="1"/>
+              </p:ext>
+            </p:extLst>
+          </p:nvPr>
+        </p:nvSpPr>
         <p:spPr>
           <a:xfrm>
-            <a:off x="6096000" y="1663696"/>
-            <a:ext cx="5456279" cy="3505659"/>
+            <a:off x="798950" y="808057"/>
+            <a:ext cx="5286376" cy="5234394"/>
           </a:xfrm>
           <a:prstGeom prst="round2DiagRect">
             <a:avLst>
-              <a:gd name="adj1" fmla="val 5608"/>
+              <a:gd name="adj1" fmla="val 7418"/>
               <a:gd name="adj2" fmla="val 0"/>
             </a:avLst>
           </a:prstGeom>
@@ -18818,2348 +22100,67 @@
             </a:outerShdw>
           </a:effectLst>
         </p:spPr>
-      </p:pic>
-      <p:grpSp>
-        <p:nvGrpSpPr>
-          <p:cNvPr id="61" name="Group 60">
+        <p:style>
+          <a:lnRef idx="2">
+            <a:schemeClr val="accent1">
+              <a:shade val="50000"/>
+            </a:schemeClr>
+          </a:lnRef>
+          <a:fillRef idx="1">
+            <a:schemeClr val="accent1"/>
+          </a:fillRef>
+          <a:effectRef idx="0">
+            <a:schemeClr val="accent1"/>
+          </a:effectRef>
+          <a:fontRef idx="minor">
+            <a:schemeClr val="lt1"/>
+          </a:fontRef>
+        </p:style>
+        <p:txBody>
+          <a:bodyPr rtlCol="0" anchor="ctr"/>
+          <a:lstStyle/>
+          <a:p>
+            <a:pPr algn="ctr"/>
+            <a:endParaRPr lang="en-US"/>
+          </a:p>
+        </p:txBody>
+      </p:sp>
+      <p:pic>
+        <p:nvPicPr>
+          <p:cNvPr id="52" name="Espace réservé du contenu 4" descr="Une image contenant ciel&#10;&#10;Description générée avec un niveau de confiance très élevé">
             <a:extLst>
               <a:ext uri="{FF2B5EF4-FFF2-40B4-BE49-F238E27FC236}">
-                <a16:creationId xmlns:a16="http://schemas.microsoft.com/office/drawing/2014/main" id="{453E4DEE-E996-40F8-8635-0FF43D7348F9}"/>
+                <a16:creationId xmlns:a16="http://schemas.microsoft.com/office/drawing/2014/main" id="{4E63EDE3-92DA-4568-94E3-185AAF68B4A5}"/>
               </a:ext>
             </a:extLst>
           </p:cNvPr>
-          <p:cNvGrpSpPr>
-            <a:grpSpLocks noGrp="1" noUngrp="1" noRot="1" noChangeAspect="1" noMove="1" noResize="1"/>
-          </p:cNvGrpSpPr>
-          <p:nvPr>
-            <p:extLst>
-              <p:ext uri="{386F3935-93C4-4BCD-93E2-E3B085C9AB24}">
-                <p16:designElem xmlns:p16="http://schemas.microsoft.com/office/powerpoint/2015/main" val="1"/>
-              </p:ext>
-            </p:extLst>
-          </p:nvPr>
-        </p:nvGrpSpPr>
-        <p:grpSpPr>
-          <a:xfrm>
-            <a:off x="0" y="0"/>
-            <a:ext cx="1220788" cy="6858001"/>
-            <a:chOff x="-14288" y="0"/>
-            <a:chExt cx="1220788" cy="6858001"/>
-          </a:xfrm>
-          <a:gradFill flip="none" rotWithShape="1">
-            <a:gsLst>
-              <a:gs pos="0">
-                <a:schemeClr val="tx2"/>
-              </a:gs>
-              <a:gs pos="100000">
-                <a:schemeClr val="bg2">
-                  <a:lumMod val="60000"/>
-                  <a:lumOff val="40000"/>
-                </a:schemeClr>
-              </a:gs>
-            </a:gsLst>
-            <a:lin ang="5400000" scaled="0"/>
-            <a:tileRect/>
-          </a:gradFill>
-        </p:grpSpPr>
-        <p:sp>
-          <p:nvSpPr>
-            <p:cNvPr id="62" name="Rectangle 5">
-              <a:extLst>
-                <a:ext uri="{FF2B5EF4-FFF2-40B4-BE49-F238E27FC236}">
-                  <a16:creationId xmlns:a16="http://schemas.microsoft.com/office/drawing/2014/main" id="{08BD1D3E-43CE-49EB-A424-0738950C6424}"/>
-                </a:ext>
-              </a:extLst>
-            </p:cNvPr>
-            <p:cNvSpPr>
-              <a:spLocks noChangeArrowheads="1"/>
-            </p:cNvSpPr>
-            <p:nvPr>
-              <p:extLst>
-                <p:ext uri="{386F3935-93C4-4BCD-93E2-E3B085C9AB24}">
-                  <p16:designElem xmlns:p16="http://schemas.microsoft.com/office/powerpoint/2015/main" val="1"/>
-                </p:ext>
-              </p:extLst>
-            </p:nvPr>
-          </p:nvSpPr>
-          <p:spPr bwMode="auto">
-            <a:xfrm>
-              <a:off x="114300" y="4763"/>
-              <a:ext cx="23813" cy="2181225"/>
-            </a:xfrm>
-            <a:prstGeom prst="rect">
-              <a:avLst/>
-            </a:prstGeom>
-            <a:grpFill/>
-            <a:ln>
-              <a:noFill/>
-            </a:ln>
+          <p:cNvPicPr>
+            <a:picLocks noChangeAspect="1"/>
+          </p:cNvPicPr>
+          <p:nvPr/>
+        </p:nvPicPr>
+        <p:blipFill>
+          <a:blip r:embed="rId3">
             <a:extLst>
-              <a:ext uri="{91240B29-F687-4f45-9708-019B960494DF}">
-                <a14:hiddenLine xmlns:a14="http://schemas.microsoft.com/office/drawing/2010/main" xmlns:p14="http://schemas.microsoft.com/office/powerpoint/2010/main" xmlns="" w="9525">
-                  <a:solidFill>
-                    <a:srgbClr val="000000"/>
-                  </a:solidFill>
-                  <a:miter lim="800000"/>
-                  <a:headEnd/>
-                  <a:tailEnd/>
-                </a14:hiddenLine>
+              <a:ext uri="{28A0092B-C50C-407E-A947-70E740481C1C}">
+                <a14:useLocalDpi xmlns:a14="http://schemas.microsoft.com/office/drawing/2010/main" val="0"/>
               </a:ext>
             </a:extLst>
-          </p:spPr>
-        </p:sp>
-        <p:sp>
-          <p:nvSpPr>
-            <p:cNvPr id="63" name="Freeform 6">
-              <a:extLst>
-                <a:ext uri="{FF2B5EF4-FFF2-40B4-BE49-F238E27FC236}">
-                  <a16:creationId xmlns:a16="http://schemas.microsoft.com/office/drawing/2014/main" id="{E9182037-E3FA-489A-95D5-29E4248420D8}"/>
-                </a:ext>
-              </a:extLst>
-            </p:cNvPr>
-            <p:cNvSpPr>
-              <a:spLocks noEditPoints="1"/>
-            </p:cNvSpPr>
-            <p:nvPr>
-              <p:extLst>
-                <p:ext uri="{386F3935-93C4-4BCD-93E2-E3B085C9AB24}">
-                  <p16:designElem xmlns:p16="http://schemas.microsoft.com/office/powerpoint/2015/main" val="1"/>
-                </p:ext>
-              </p:extLst>
-            </p:nvPr>
-          </p:nvSpPr>
-          <p:spPr bwMode="auto">
-            <a:xfrm>
-              <a:off x="33337" y="2176463"/>
-              <a:ext cx="190500" cy="190500"/>
-            </a:xfrm>
-            <a:custGeom>
-              <a:avLst/>
-              <a:gdLst/>
-              <a:ahLst/>
-              <a:cxnLst/>
-              <a:rect l="0" t="0" r="r" b="b"/>
-              <a:pathLst>
-                <a:path w="40" h="40">
-                  <a:moveTo>
-                    <a:pt x="20" y="40"/>
-                  </a:moveTo>
-                  <a:cubicBezTo>
-                    <a:pt x="9" y="40"/>
-                    <a:pt x="0" y="31"/>
-                    <a:pt x="0" y="20"/>
-                  </a:cubicBezTo>
-                  <a:cubicBezTo>
-                    <a:pt x="0" y="9"/>
-                    <a:pt x="9" y="0"/>
-                    <a:pt x="20" y="0"/>
-                  </a:cubicBezTo>
-                  <a:cubicBezTo>
-                    <a:pt x="31" y="0"/>
-                    <a:pt x="40" y="9"/>
-                    <a:pt x="40" y="20"/>
-                  </a:cubicBezTo>
-                  <a:cubicBezTo>
-                    <a:pt x="40" y="31"/>
-                    <a:pt x="31" y="40"/>
-                    <a:pt x="20" y="40"/>
-                  </a:cubicBezTo>
-                  <a:close/>
-                  <a:moveTo>
-                    <a:pt x="20" y="4"/>
-                  </a:moveTo>
-                  <a:cubicBezTo>
-                    <a:pt x="11" y="4"/>
-                    <a:pt x="4" y="11"/>
-                    <a:pt x="4" y="20"/>
-                  </a:cubicBezTo>
-                  <a:cubicBezTo>
-                    <a:pt x="4" y="29"/>
-                    <a:pt x="11" y="36"/>
-                    <a:pt x="20" y="36"/>
-                  </a:cubicBezTo>
-                  <a:cubicBezTo>
-                    <a:pt x="28" y="36"/>
-                    <a:pt x="36" y="29"/>
-                    <a:pt x="36" y="20"/>
-                  </a:cubicBezTo>
-                  <a:cubicBezTo>
-                    <a:pt x="36" y="11"/>
-                    <a:pt x="28" y="4"/>
-                    <a:pt x="20" y="4"/>
-                  </a:cubicBezTo>
-                  <a:close/>
-                </a:path>
-              </a:pathLst>
-            </a:custGeom>
-            <a:grpFill/>
-            <a:ln>
-              <a:noFill/>
-            </a:ln>
-            <a:extLst>
-              <a:ext uri="{91240B29-F687-4f45-9708-019B960494DF}">
-                <a14:hiddenLine xmlns:a14="http://schemas.microsoft.com/office/drawing/2010/main" xmlns:p14="http://schemas.microsoft.com/office/powerpoint/2010/main" xmlns="" w="9525">
-                  <a:solidFill>
-                    <a:srgbClr val="000000"/>
-                  </a:solidFill>
-                  <a:round/>
-                  <a:headEnd/>
-                  <a:tailEnd/>
-                </a14:hiddenLine>
-              </a:ext>
-            </a:extLst>
-          </p:spPr>
-        </p:sp>
-        <p:sp>
-          <p:nvSpPr>
-            <p:cNvPr id="64" name="Freeform 7">
-              <a:extLst>
-                <a:ext uri="{FF2B5EF4-FFF2-40B4-BE49-F238E27FC236}">
-                  <a16:creationId xmlns:a16="http://schemas.microsoft.com/office/drawing/2014/main" id="{E8864E76-AD7F-4BEE-B3F6-A78FA42AEFAC}"/>
-                </a:ext>
-              </a:extLst>
-            </p:cNvPr>
-            <p:cNvSpPr>
-              <a:spLocks noEditPoints="1"/>
-            </p:cNvSpPr>
-            <p:nvPr>
-              <p:extLst>
-                <p:ext uri="{386F3935-93C4-4BCD-93E2-E3B085C9AB24}">
-                  <p16:designElem xmlns:p16="http://schemas.microsoft.com/office/powerpoint/2015/main" val="1"/>
-                </p:ext>
-              </p:extLst>
-            </p:nvPr>
-          </p:nvSpPr>
-          <p:spPr bwMode="auto">
-            <a:xfrm>
-              <a:off x="28575" y="4021138"/>
-              <a:ext cx="190500" cy="188913"/>
-            </a:xfrm>
-            <a:custGeom>
-              <a:avLst/>
-              <a:gdLst/>
-              <a:ahLst/>
-              <a:cxnLst/>
-              <a:rect l="0" t="0" r="r" b="b"/>
-              <a:pathLst>
-                <a:path w="40" h="40">
-                  <a:moveTo>
-                    <a:pt x="20" y="40"/>
-                  </a:moveTo>
-                  <a:cubicBezTo>
-                    <a:pt x="9" y="40"/>
-                    <a:pt x="0" y="31"/>
-                    <a:pt x="0" y="20"/>
-                  </a:cubicBezTo>
-                  <a:cubicBezTo>
-                    <a:pt x="0" y="9"/>
-                    <a:pt x="9" y="0"/>
-                    <a:pt x="20" y="0"/>
-                  </a:cubicBezTo>
-                  <a:cubicBezTo>
-                    <a:pt x="31" y="0"/>
-                    <a:pt x="40" y="9"/>
-                    <a:pt x="40" y="20"/>
-                  </a:cubicBezTo>
-                  <a:cubicBezTo>
-                    <a:pt x="40" y="31"/>
-                    <a:pt x="31" y="40"/>
-                    <a:pt x="20" y="40"/>
-                  </a:cubicBezTo>
-                  <a:close/>
-                  <a:moveTo>
-                    <a:pt x="20" y="4"/>
-                  </a:moveTo>
-                  <a:cubicBezTo>
-                    <a:pt x="12" y="4"/>
-                    <a:pt x="4" y="11"/>
-                    <a:pt x="4" y="20"/>
-                  </a:cubicBezTo>
-                  <a:cubicBezTo>
-                    <a:pt x="4" y="29"/>
-                    <a:pt x="12" y="36"/>
-                    <a:pt x="20" y="36"/>
-                  </a:cubicBezTo>
-                  <a:cubicBezTo>
-                    <a:pt x="29" y="36"/>
-                    <a:pt x="36" y="29"/>
-                    <a:pt x="36" y="20"/>
-                  </a:cubicBezTo>
-                  <a:cubicBezTo>
-                    <a:pt x="36" y="11"/>
-                    <a:pt x="29" y="4"/>
-                    <a:pt x="20" y="4"/>
-                  </a:cubicBezTo>
-                  <a:close/>
-                </a:path>
-              </a:pathLst>
-            </a:custGeom>
-            <a:grpFill/>
-            <a:ln>
-              <a:noFill/>
-            </a:ln>
-            <a:extLst>
-              <a:ext uri="{91240B29-F687-4f45-9708-019B960494DF}">
-                <a14:hiddenLine xmlns:a14="http://schemas.microsoft.com/office/drawing/2010/main" xmlns:p14="http://schemas.microsoft.com/office/powerpoint/2010/main" xmlns="" w="9525">
-                  <a:solidFill>
-                    <a:srgbClr val="000000"/>
-                  </a:solidFill>
-                  <a:round/>
-                  <a:headEnd/>
-                  <a:tailEnd/>
-                </a14:hiddenLine>
-              </a:ext>
-            </a:extLst>
-          </p:spPr>
-        </p:sp>
-        <p:sp>
-          <p:nvSpPr>
-            <p:cNvPr id="65" name="Freeform 8">
-              <a:extLst>
-                <a:ext uri="{FF2B5EF4-FFF2-40B4-BE49-F238E27FC236}">
-                  <a16:creationId xmlns:a16="http://schemas.microsoft.com/office/drawing/2014/main" id="{8AD071B3-046D-4479-91FE-01E9AD7C8AAB}"/>
-                </a:ext>
-              </a:extLst>
-            </p:cNvPr>
-            <p:cNvSpPr/>
-            <p:nvPr>
-              <p:extLst>
-                <p:ext uri="{386F3935-93C4-4BCD-93E2-E3B085C9AB24}">
-                  <p16:designElem xmlns:p16="http://schemas.microsoft.com/office/powerpoint/2015/main" val="1"/>
-                </p:ext>
-              </p:extLst>
-            </p:nvPr>
-          </p:nvSpPr>
-          <p:spPr bwMode="auto">
-            <a:xfrm>
-              <a:off x="200025" y="4763"/>
-              <a:ext cx="369888" cy="1811338"/>
-            </a:xfrm>
-            <a:custGeom>
-              <a:avLst/>
-              <a:gdLst/>
-              <a:ahLst/>
-              <a:cxnLst/>
-              <a:rect l="0" t="0" r="r" b="b"/>
-              <a:pathLst>
-                <a:path w="233" h="1141">
-                  <a:moveTo>
-                    <a:pt x="218" y="1141"/>
-                  </a:moveTo>
-                  <a:lnTo>
-                    <a:pt x="0" y="626"/>
-                  </a:lnTo>
-                  <a:lnTo>
-                    <a:pt x="0" y="0"/>
-                  </a:lnTo>
-                  <a:lnTo>
-                    <a:pt x="15" y="0"/>
-                  </a:lnTo>
-                  <a:lnTo>
-                    <a:pt x="15" y="623"/>
-                  </a:lnTo>
-                  <a:lnTo>
-                    <a:pt x="233" y="1135"/>
-                  </a:lnTo>
-                  <a:lnTo>
-                    <a:pt x="218" y="1141"/>
-                  </a:lnTo>
-                  <a:close/>
-                </a:path>
-              </a:pathLst>
-            </a:custGeom>
-            <a:grpFill/>
-            <a:ln>
-              <a:noFill/>
-            </a:ln>
-            <a:extLst>
-              <a:ext uri="{91240B29-F687-4f45-9708-019B960494DF}">
-                <a14:hiddenLine xmlns:a14="http://schemas.microsoft.com/office/drawing/2010/main" xmlns:p14="http://schemas.microsoft.com/office/powerpoint/2010/main" xmlns="" w="9525">
-                  <a:solidFill>
-                    <a:srgbClr val="000000"/>
-                  </a:solidFill>
-                  <a:round/>
-                  <a:headEnd/>
-                  <a:tailEnd/>
-                </a14:hiddenLine>
-              </a:ext>
-            </a:extLst>
-          </p:spPr>
-        </p:sp>
-        <p:sp>
-          <p:nvSpPr>
-            <p:cNvPr id="66" name="Freeform 9">
-              <a:extLst>
-                <a:ext uri="{FF2B5EF4-FFF2-40B4-BE49-F238E27FC236}">
-                  <a16:creationId xmlns:a16="http://schemas.microsoft.com/office/drawing/2014/main" id="{91D776F5-E902-4A4D-A75D-A46E063C9F38}"/>
-                </a:ext>
-              </a:extLst>
-            </p:cNvPr>
-            <p:cNvSpPr>
-              <a:spLocks noEditPoints="1"/>
-            </p:cNvSpPr>
-            <p:nvPr>
-              <p:extLst>
-                <p:ext uri="{386F3935-93C4-4BCD-93E2-E3B085C9AB24}">
-                  <p16:designElem xmlns:p16="http://schemas.microsoft.com/office/powerpoint/2015/main" val="1"/>
-                </p:ext>
-              </p:extLst>
-            </p:nvPr>
-          </p:nvSpPr>
-          <p:spPr bwMode="auto">
-            <a:xfrm>
-              <a:off x="503237" y="1801813"/>
-              <a:ext cx="190500" cy="188913"/>
-            </a:xfrm>
-            <a:custGeom>
-              <a:avLst/>
-              <a:gdLst/>
-              <a:ahLst/>
-              <a:cxnLst/>
-              <a:rect l="0" t="0" r="r" b="b"/>
-              <a:pathLst>
-                <a:path w="40" h="40">
-                  <a:moveTo>
-                    <a:pt x="20" y="40"/>
-                  </a:moveTo>
-                  <a:cubicBezTo>
-                    <a:pt x="9" y="40"/>
-                    <a:pt x="0" y="31"/>
-                    <a:pt x="0" y="20"/>
-                  </a:cubicBezTo>
-                  <a:cubicBezTo>
-                    <a:pt x="0" y="9"/>
-                    <a:pt x="9" y="0"/>
-                    <a:pt x="20" y="0"/>
-                  </a:cubicBezTo>
-                  <a:cubicBezTo>
-                    <a:pt x="33" y="0"/>
-                    <a:pt x="40" y="6"/>
-                    <a:pt x="40" y="20"/>
-                  </a:cubicBezTo>
-                  <a:cubicBezTo>
-                    <a:pt x="40" y="31"/>
-                    <a:pt x="31" y="40"/>
-                    <a:pt x="20" y="40"/>
-                  </a:cubicBezTo>
-                  <a:close/>
-                  <a:moveTo>
-                    <a:pt x="20" y="4"/>
-                  </a:moveTo>
-                  <a:cubicBezTo>
-                    <a:pt x="11" y="4"/>
-                    <a:pt x="4" y="11"/>
-                    <a:pt x="4" y="20"/>
-                  </a:cubicBezTo>
-                  <a:cubicBezTo>
-                    <a:pt x="4" y="29"/>
-                    <a:pt x="11" y="36"/>
-                    <a:pt x="20" y="36"/>
-                  </a:cubicBezTo>
-                  <a:cubicBezTo>
-                    <a:pt x="28" y="36"/>
-                    <a:pt x="36" y="29"/>
-                    <a:pt x="36" y="20"/>
-                  </a:cubicBezTo>
-                  <a:cubicBezTo>
-                    <a:pt x="36" y="9"/>
-                    <a:pt x="31" y="4"/>
-                    <a:pt x="20" y="4"/>
-                  </a:cubicBezTo>
-                  <a:close/>
-                </a:path>
-              </a:pathLst>
-            </a:custGeom>
-            <a:grpFill/>
-            <a:ln>
-              <a:noFill/>
-            </a:ln>
-            <a:extLst>
-              <a:ext uri="{91240B29-F687-4f45-9708-019B960494DF}">
-                <a14:hiddenLine xmlns:a14="http://schemas.microsoft.com/office/drawing/2010/main" xmlns:p14="http://schemas.microsoft.com/office/powerpoint/2010/main" xmlns="" w="9525">
-                  <a:solidFill>
-                    <a:srgbClr val="000000"/>
-                  </a:solidFill>
-                  <a:round/>
-                  <a:headEnd/>
-                  <a:tailEnd/>
-                </a14:hiddenLine>
-              </a:ext>
-            </a:extLst>
-          </p:spPr>
-        </p:sp>
-        <p:sp>
-          <p:nvSpPr>
-            <p:cNvPr id="67" name="Freeform 10">
-              <a:extLst>
-                <a:ext uri="{FF2B5EF4-FFF2-40B4-BE49-F238E27FC236}">
-                  <a16:creationId xmlns:a16="http://schemas.microsoft.com/office/drawing/2014/main" id="{EBED8F24-A998-4952-AB68-E2074F0746FE}"/>
-                </a:ext>
-              </a:extLst>
-            </p:cNvPr>
-            <p:cNvSpPr/>
-            <p:nvPr>
-              <p:extLst>
-                <p:ext uri="{386F3935-93C4-4BCD-93E2-E3B085C9AB24}">
-                  <p16:designElem xmlns:p16="http://schemas.microsoft.com/office/powerpoint/2015/main" val="1"/>
-                </p:ext>
-              </p:extLst>
-            </p:nvPr>
-          </p:nvSpPr>
-          <p:spPr bwMode="auto">
-            <a:xfrm>
-              <a:off x="285750" y="4763"/>
-              <a:ext cx="369888" cy="1430338"/>
-            </a:xfrm>
-            <a:custGeom>
-              <a:avLst/>
-              <a:gdLst/>
-              <a:ahLst/>
-              <a:cxnLst/>
-              <a:rect l="0" t="0" r="r" b="b"/>
-              <a:pathLst>
-                <a:path w="233" h="901">
-                  <a:moveTo>
-                    <a:pt x="221" y="901"/>
-                  </a:moveTo>
-                  <a:lnTo>
-                    <a:pt x="0" y="383"/>
-                  </a:lnTo>
-                  <a:lnTo>
-                    <a:pt x="0" y="0"/>
-                  </a:lnTo>
-                  <a:lnTo>
-                    <a:pt x="18" y="0"/>
-                  </a:lnTo>
-                  <a:lnTo>
-                    <a:pt x="18" y="380"/>
-                  </a:lnTo>
-                  <a:lnTo>
-                    <a:pt x="233" y="895"/>
-                  </a:lnTo>
-                  <a:lnTo>
-                    <a:pt x="221" y="901"/>
-                  </a:lnTo>
-                  <a:close/>
-                </a:path>
-              </a:pathLst>
-            </a:custGeom>
-            <a:grpFill/>
-            <a:ln>
-              <a:noFill/>
-            </a:ln>
-            <a:extLst>
-              <a:ext uri="{91240B29-F687-4f45-9708-019B960494DF}">
-                <a14:hiddenLine xmlns:a14="http://schemas.microsoft.com/office/drawing/2010/main" xmlns:p14="http://schemas.microsoft.com/office/powerpoint/2010/main" xmlns="" w="9525">
-                  <a:solidFill>
-                    <a:srgbClr val="000000"/>
-                  </a:solidFill>
-                  <a:round/>
-                  <a:headEnd/>
-                  <a:tailEnd/>
-                </a14:hiddenLine>
-              </a:ext>
-            </a:extLst>
-          </p:spPr>
-        </p:sp>
-        <p:sp>
-          <p:nvSpPr>
-            <p:cNvPr id="68" name="Freeform 11">
-              <a:extLst>
-                <a:ext uri="{FF2B5EF4-FFF2-40B4-BE49-F238E27FC236}">
-                  <a16:creationId xmlns:a16="http://schemas.microsoft.com/office/drawing/2014/main" id="{74D7A646-8CDC-49B3-9C44-3EF38DB4264C}"/>
-                </a:ext>
-              </a:extLst>
-            </p:cNvPr>
-            <p:cNvSpPr/>
-            <p:nvPr>
-              <p:extLst>
-                <p:ext uri="{386F3935-93C4-4BCD-93E2-E3B085C9AB24}">
-                  <p16:designElem xmlns:p16="http://schemas.microsoft.com/office/powerpoint/2015/main" val="1"/>
-                </p:ext>
-              </p:extLst>
-            </p:nvPr>
-          </p:nvSpPr>
-          <p:spPr bwMode="auto">
-            <a:xfrm>
-              <a:off x="546100" y="0"/>
-              <a:ext cx="152400" cy="912813"/>
-            </a:xfrm>
-            <a:custGeom>
-              <a:avLst/>
-              <a:gdLst/>
-              <a:ahLst/>
-              <a:cxnLst/>
-              <a:rect l="0" t="0" r="r" b="b"/>
-              <a:pathLst>
-                <a:path w="96" h="575">
-                  <a:moveTo>
-                    <a:pt x="96" y="575"/>
-                  </a:moveTo>
-                  <a:lnTo>
-                    <a:pt x="78" y="575"/>
-                  </a:lnTo>
-                  <a:lnTo>
-                    <a:pt x="78" y="192"/>
-                  </a:lnTo>
-                  <a:lnTo>
-                    <a:pt x="0" y="6"/>
-                  </a:lnTo>
-                  <a:lnTo>
-                    <a:pt x="15" y="0"/>
-                  </a:lnTo>
-                  <a:lnTo>
-                    <a:pt x="96" y="189"/>
-                  </a:lnTo>
-                  <a:lnTo>
-                    <a:pt x="96" y="575"/>
-                  </a:lnTo>
-                  <a:close/>
-                </a:path>
-              </a:pathLst>
-            </a:custGeom>
-            <a:grpFill/>
-            <a:ln>
-              <a:noFill/>
-            </a:ln>
-            <a:extLst>
-              <a:ext uri="{91240B29-F687-4f45-9708-019B960494DF}">
-                <a14:hiddenLine xmlns:a14="http://schemas.microsoft.com/office/drawing/2010/main" xmlns:p14="http://schemas.microsoft.com/office/powerpoint/2010/main" xmlns="" w="9525">
-                  <a:solidFill>
-                    <a:srgbClr val="000000"/>
-                  </a:solidFill>
-                  <a:round/>
-                  <a:headEnd/>
-                  <a:tailEnd/>
-                </a14:hiddenLine>
-              </a:ext>
-            </a:extLst>
-          </p:spPr>
-        </p:sp>
-        <p:sp>
-          <p:nvSpPr>
-            <p:cNvPr id="69" name="Freeform 12">
-              <a:extLst>
-                <a:ext uri="{FF2B5EF4-FFF2-40B4-BE49-F238E27FC236}">
-                  <a16:creationId xmlns:a16="http://schemas.microsoft.com/office/drawing/2014/main" id="{D4E99D14-E4F4-419B-9AAF-8D1CEAB28A2D}"/>
-                </a:ext>
-              </a:extLst>
-            </p:cNvPr>
-            <p:cNvSpPr>
-              <a:spLocks noEditPoints="1"/>
-            </p:cNvSpPr>
-            <p:nvPr>
-              <p:extLst>
-                <p:ext uri="{386F3935-93C4-4BCD-93E2-E3B085C9AB24}">
-                  <p16:designElem xmlns:p16="http://schemas.microsoft.com/office/powerpoint/2015/main" val="1"/>
-                </p:ext>
-              </p:extLst>
-            </p:nvPr>
-          </p:nvSpPr>
-          <p:spPr bwMode="auto">
-            <a:xfrm>
-              <a:off x="588962" y="1420813"/>
-              <a:ext cx="190500" cy="190500"/>
-            </a:xfrm>
-            <a:custGeom>
-              <a:avLst/>
-              <a:gdLst/>
-              <a:ahLst/>
-              <a:cxnLst/>
-              <a:rect l="0" t="0" r="r" b="b"/>
-              <a:pathLst>
-                <a:path w="40" h="40">
-                  <a:moveTo>
-                    <a:pt x="20" y="40"/>
-                  </a:moveTo>
-                  <a:cubicBezTo>
-                    <a:pt x="9" y="40"/>
-                    <a:pt x="0" y="31"/>
-                    <a:pt x="0" y="20"/>
-                  </a:cubicBezTo>
-                  <a:cubicBezTo>
-                    <a:pt x="0" y="9"/>
-                    <a:pt x="9" y="0"/>
-                    <a:pt x="20" y="0"/>
-                  </a:cubicBezTo>
-                  <a:cubicBezTo>
-                    <a:pt x="33" y="0"/>
-                    <a:pt x="40" y="7"/>
-                    <a:pt x="40" y="20"/>
-                  </a:cubicBezTo>
-                  <a:cubicBezTo>
-                    <a:pt x="40" y="31"/>
-                    <a:pt x="31" y="40"/>
-                    <a:pt x="20" y="40"/>
-                  </a:cubicBezTo>
-                  <a:close/>
-                  <a:moveTo>
-                    <a:pt x="20" y="4"/>
-                  </a:moveTo>
-                  <a:cubicBezTo>
-                    <a:pt x="11" y="4"/>
-                    <a:pt x="4" y="11"/>
-                    <a:pt x="4" y="20"/>
-                  </a:cubicBezTo>
-                  <a:cubicBezTo>
-                    <a:pt x="4" y="29"/>
-                    <a:pt x="11" y="36"/>
-                    <a:pt x="20" y="36"/>
-                  </a:cubicBezTo>
-                  <a:cubicBezTo>
-                    <a:pt x="29" y="36"/>
-                    <a:pt x="36" y="29"/>
-                    <a:pt x="36" y="20"/>
-                  </a:cubicBezTo>
-                  <a:cubicBezTo>
-                    <a:pt x="36" y="9"/>
-                    <a:pt x="31" y="4"/>
-                    <a:pt x="20" y="4"/>
-                  </a:cubicBezTo>
-                  <a:close/>
-                </a:path>
-              </a:pathLst>
-            </a:custGeom>
-            <a:grpFill/>
-            <a:ln>
-              <a:noFill/>
-            </a:ln>
-            <a:extLst>
-              <a:ext uri="{91240B29-F687-4f45-9708-019B960494DF}">
-                <a14:hiddenLine xmlns:a14="http://schemas.microsoft.com/office/drawing/2010/main" xmlns:p14="http://schemas.microsoft.com/office/powerpoint/2010/main" xmlns="" w="9525">
-                  <a:solidFill>
-                    <a:srgbClr val="000000"/>
-                  </a:solidFill>
-                  <a:round/>
-                  <a:headEnd/>
-                  <a:tailEnd/>
-                </a14:hiddenLine>
-              </a:ext>
-            </a:extLst>
-          </p:spPr>
-        </p:sp>
-        <p:sp>
-          <p:nvSpPr>
-            <p:cNvPr id="70" name="Freeform 13">
-              <a:extLst>
-                <a:ext uri="{FF2B5EF4-FFF2-40B4-BE49-F238E27FC236}">
-                  <a16:creationId xmlns:a16="http://schemas.microsoft.com/office/drawing/2014/main" id="{377E106C-5445-4A52-9F7E-DA1738744291}"/>
-                </a:ext>
-              </a:extLst>
-            </p:cNvPr>
-            <p:cNvSpPr>
-              <a:spLocks noEditPoints="1"/>
-            </p:cNvSpPr>
-            <p:nvPr>
-              <p:extLst>
-                <p:ext uri="{386F3935-93C4-4BCD-93E2-E3B085C9AB24}">
-                  <p16:designElem xmlns:p16="http://schemas.microsoft.com/office/powerpoint/2015/main" val="1"/>
-                </p:ext>
-              </p:extLst>
-            </p:nvPr>
-          </p:nvSpPr>
-          <p:spPr bwMode="auto">
-            <a:xfrm>
-              <a:off x="588962" y="903288"/>
-              <a:ext cx="190500" cy="190500"/>
-            </a:xfrm>
-            <a:custGeom>
-              <a:avLst/>
-              <a:gdLst/>
-              <a:ahLst/>
-              <a:cxnLst/>
-              <a:rect l="0" t="0" r="r" b="b"/>
-              <a:pathLst>
-                <a:path w="40" h="40">
-                  <a:moveTo>
-                    <a:pt x="20" y="40"/>
-                  </a:moveTo>
-                  <a:cubicBezTo>
-                    <a:pt x="9" y="40"/>
-                    <a:pt x="0" y="31"/>
-                    <a:pt x="0" y="20"/>
-                  </a:cubicBezTo>
-                  <a:cubicBezTo>
-                    <a:pt x="0" y="9"/>
-                    <a:pt x="9" y="0"/>
-                    <a:pt x="20" y="0"/>
-                  </a:cubicBezTo>
-                  <a:cubicBezTo>
-                    <a:pt x="31" y="0"/>
-                    <a:pt x="40" y="9"/>
-                    <a:pt x="40" y="20"/>
-                  </a:cubicBezTo>
-                  <a:cubicBezTo>
-                    <a:pt x="40" y="31"/>
-                    <a:pt x="31" y="40"/>
-                    <a:pt x="20" y="40"/>
-                  </a:cubicBezTo>
-                  <a:close/>
-                  <a:moveTo>
-                    <a:pt x="20" y="4"/>
-                  </a:moveTo>
-                  <a:cubicBezTo>
-                    <a:pt x="11" y="4"/>
-                    <a:pt x="4" y="11"/>
-                    <a:pt x="4" y="20"/>
-                  </a:cubicBezTo>
-                  <a:cubicBezTo>
-                    <a:pt x="4" y="29"/>
-                    <a:pt x="11" y="36"/>
-                    <a:pt x="20" y="36"/>
-                  </a:cubicBezTo>
-                  <a:cubicBezTo>
-                    <a:pt x="29" y="36"/>
-                    <a:pt x="36" y="29"/>
-                    <a:pt x="36" y="20"/>
-                  </a:cubicBezTo>
-                  <a:cubicBezTo>
-                    <a:pt x="36" y="11"/>
-                    <a:pt x="29" y="4"/>
-                    <a:pt x="20" y="4"/>
-                  </a:cubicBezTo>
-                  <a:close/>
-                </a:path>
-              </a:pathLst>
-            </a:custGeom>
-            <a:grpFill/>
-            <a:ln>
-              <a:noFill/>
-            </a:ln>
-            <a:extLst>
-              <a:ext uri="{91240B29-F687-4f45-9708-019B960494DF}">
-                <a14:hiddenLine xmlns:a14="http://schemas.microsoft.com/office/drawing/2010/main" xmlns:p14="http://schemas.microsoft.com/office/powerpoint/2010/main" xmlns="" w="9525">
-                  <a:solidFill>
-                    <a:srgbClr val="000000"/>
-                  </a:solidFill>
-                  <a:round/>
-                  <a:headEnd/>
-                  <a:tailEnd/>
-                </a14:hiddenLine>
-              </a:ext>
-            </a:extLst>
-          </p:spPr>
-        </p:sp>
-        <p:sp>
-          <p:nvSpPr>
-            <p:cNvPr id="71" name="Freeform 14">
-              <a:extLst>
-                <a:ext uri="{FF2B5EF4-FFF2-40B4-BE49-F238E27FC236}">
-                  <a16:creationId xmlns:a16="http://schemas.microsoft.com/office/drawing/2014/main" id="{752BFE96-D378-4BAE-A64B-F851A34C4770}"/>
-                </a:ext>
-              </a:extLst>
-            </p:cNvPr>
-            <p:cNvSpPr/>
-            <p:nvPr>
-              <p:extLst>
-                <p:ext uri="{386F3935-93C4-4BCD-93E2-E3B085C9AB24}">
-                  <p16:designElem xmlns:p16="http://schemas.microsoft.com/office/powerpoint/2015/main" val="1"/>
-                </p:ext>
-              </p:extLst>
-            </p:nvPr>
-          </p:nvSpPr>
-          <p:spPr bwMode="auto">
-            <a:xfrm>
-              <a:off x="641350" y="0"/>
-              <a:ext cx="422275" cy="527050"/>
-            </a:xfrm>
-            <a:custGeom>
-              <a:avLst/>
-              <a:gdLst/>
-              <a:ahLst/>
-              <a:cxnLst/>
-              <a:rect l="0" t="0" r="r" b="b"/>
-              <a:pathLst>
-                <a:path w="266" h="332">
-                  <a:moveTo>
-                    <a:pt x="257" y="332"/>
-                  </a:moveTo>
-                  <a:lnTo>
-                    <a:pt x="48" y="123"/>
-                  </a:lnTo>
-                  <a:lnTo>
-                    <a:pt x="0" y="6"/>
-                  </a:lnTo>
-                  <a:lnTo>
-                    <a:pt x="15" y="0"/>
-                  </a:lnTo>
-                  <a:lnTo>
-                    <a:pt x="63" y="114"/>
-                  </a:lnTo>
-                  <a:lnTo>
-                    <a:pt x="266" y="320"/>
-                  </a:lnTo>
-                  <a:lnTo>
-                    <a:pt x="257" y="332"/>
-                  </a:lnTo>
-                  <a:close/>
-                </a:path>
-              </a:pathLst>
-            </a:custGeom>
-            <a:grpFill/>
-            <a:ln>
-              <a:noFill/>
-            </a:ln>
-            <a:extLst>
-              <a:ext uri="{91240B29-F687-4f45-9708-019B960494DF}">
-                <a14:hiddenLine xmlns:a14="http://schemas.microsoft.com/office/drawing/2010/main" xmlns:p14="http://schemas.microsoft.com/office/powerpoint/2010/main" xmlns="" w="9525">
-                  <a:solidFill>
-                    <a:srgbClr val="000000"/>
-                  </a:solidFill>
-                  <a:round/>
-                  <a:headEnd/>
-                  <a:tailEnd/>
-                </a14:hiddenLine>
-              </a:ext>
-            </a:extLst>
-          </p:spPr>
-        </p:sp>
-        <p:sp>
-          <p:nvSpPr>
-            <p:cNvPr id="72" name="Freeform 15">
-              <a:extLst>
-                <a:ext uri="{FF2B5EF4-FFF2-40B4-BE49-F238E27FC236}">
-                  <a16:creationId xmlns:a16="http://schemas.microsoft.com/office/drawing/2014/main" id="{B88FFB19-5A5E-4078-B467-9D4ABD21BD9A}"/>
-                </a:ext>
-              </a:extLst>
-            </p:cNvPr>
-            <p:cNvSpPr>
-              <a:spLocks noEditPoints="1"/>
-            </p:cNvSpPr>
-            <p:nvPr>
-              <p:extLst>
-                <p:ext uri="{386F3935-93C4-4BCD-93E2-E3B085C9AB24}">
-                  <p16:designElem xmlns:p16="http://schemas.microsoft.com/office/powerpoint/2015/main" val="1"/>
-                </p:ext>
-              </p:extLst>
-            </p:nvPr>
-          </p:nvSpPr>
-          <p:spPr bwMode="auto">
-            <a:xfrm>
-              <a:off x="1020762" y="488950"/>
-              <a:ext cx="161925" cy="147638"/>
-            </a:xfrm>
-            <a:custGeom>
-              <a:avLst/>
-              <a:gdLst/>
-              <a:ahLst/>
-              <a:cxnLst/>
-              <a:rect l="0" t="0" r="r" b="b"/>
-              <a:pathLst>
-                <a:path w="34" h="31">
-                  <a:moveTo>
-                    <a:pt x="17" y="31"/>
-                  </a:moveTo>
-                  <a:cubicBezTo>
-                    <a:pt x="13" y="31"/>
-                    <a:pt x="9" y="30"/>
-                    <a:pt x="6" y="27"/>
-                  </a:cubicBezTo>
-                  <a:cubicBezTo>
-                    <a:pt x="0" y="20"/>
-                    <a:pt x="0" y="10"/>
-                    <a:pt x="6" y="4"/>
-                  </a:cubicBezTo>
-                  <a:cubicBezTo>
-                    <a:pt x="9" y="1"/>
-                    <a:pt x="13" y="0"/>
-                    <a:pt x="17" y="0"/>
-                  </a:cubicBezTo>
-                  <a:cubicBezTo>
-                    <a:pt x="21" y="0"/>
-                    <a:pt x="25" y="1"/>
-                    <a:pt x="28" y="4"/>
-                  </a:cubicBezTo>
-                  <a:cubicBezTo>
-                    <a:pt x="34" y="10"/>
-                    <a:pt x="34" y="20"/>
-                    <a:pt x="28" y="27"/>
-                  </a:cubicBezTo>
-                  <a:cubicBezTo>
-                    <a:pt x="25" y="30"/>
-                    <a:pt x="21" y="31"/>
-                    <a:pt x="17" y="31"/>
-                  </a:cubicBezTo>
-                  <a:close/>
-                  <a:moveTo>
-                    <a:pt x="17" y="4"/>
-                  </a:moveTo>
-                  <a:cubicBezTo>
-                    <a:pt x="14" y="4"/>
-                    <a:pt x="11" y="5"/>
-                    <a:pt x="9" y="7"/>
-                  </a:cubicBezTo>
-                  <a:cubicBezTo>
-                    <a:pt x="4" y="12"/>
-                    <a:pt x="4" y="19"/>
-                    <a:pt x="9" y="24"/>
-                  </a:cubicBezTo>
-                  <a:cubicBezTo>
-                    <a:pt x="11" y="26"/>
-                    <a:pt x="14" y="27"/>
-                    <a:pt x="17" y="27"/>
-                  </a:cubicBezTo>
-                  <a:cubicBezTo>
-                    <a:pt x="20" y="27"/>
-                    <a:pt x="23" y="26"/>
-                    <a:pt x="25" y="24"/>
-                  </a:cubicBezTo>
-                  <a:cubicBezTo>
-                    <a:pt x="30" y="19"/>
-                    <a:pt x="30" y="12"/>
-                    <a:pt x="25" y="7"/>
-                  </a:cubicBezTo>
-                  <a:cubicBezTo>
-                    <a:pt x="23" y="5"/>
-                    <a:pt x="20" y="4"/>
-                    <a:pt x="17" y="4"/>
-                  </a:cubicBezTo>
-                  <a:close/>
-                </a:path>
-              </a:pathLst>
-            </a:custGeom>
-            <a:grpFill/>
-            <a:ln>
-              <a:noFill/>
-            </a:ln>
-            <a:extLst>
-              <a:ext uri="{91240B29-F687-4f45-9708-019B960494DF}">
-                <a14:hiddenLine xmlns:a14="http://schemas.microsoft.com/office/drawing/2010/main" xmlns:p14="http://schemas.microsoft.com/office/powerpoint/2010/main" xmlns="" w="9525">
-                  <a:solidFill>
-                    <a:srgbClr val="000000"/>
-                  </a:solidFill>
-                  <a:round/>
-                  <a:headEnd/>
-                  <a:tailEnd/>
-                </a14:hiddenLine>
-              </a:ext>
-            </a:extLst>
-          </p:spPr>
-        </p:sp>
-        <p:sp>
-          <p:nvSpPr>
-            <p:cNvPr id="73" name="Line 16">
-              <a:extLst>
-                <a:ext uri="{FF2B5EF4-FFF2-40B4-BE49-F238E27FC236}">
-                  <a16:creationId xmlns:a16="http://schemas.microsoft.com/office/drawing/2014/main" id="{11042975-3D19-4728-BCDA-D3F5CD633EDB}"/>
-                </a:ext>
-              </a:extLst>
-            </p:cNvPr>
-            <p:cNvSpPr>
-              <a:spLocks noChangeShapeType="1"/>
-            </p:cNvSpPr>
-            <p:nvPr>
-              <p:extLst>
-                <p:ext uri="{386F3935-93C4-4BCD-93E2-E3B085C9AB24}">
-                  <p16:designElem xmlns:p16="http://schemas.microsoft.com/office/powerpoint/2015/main" val="1"/>
-                </p:ext>
-              </p:extLst>
-            </p:nvPr>
-          </p:nvSpPr>
-          <p:spPr bwMode="auto">
-            <a:xfrm>
-              <a:off x="-4763" y="9525"/>
-              <a:ext cx="0" cy="0"/>
-            </a:xfrm>
-            <a:prstGeom prst="line">
-              <a:avLst/>
-            </a:prstGeom>
-            <a:grpFill/>
-            <a:ln w="15" cap="flat">
-              <a:solidFill>
-                <a:srgbClr val="FFFFFF"/>
-              </a:solidFill>
-              <a:prstDash val="solid"/>
-              <a:miter lim="800000"/>
-              <a:headEnd/>
-              <a:tailEnd/>
-            </a:ln>
-          </p:spPr>
-        </p:sp>
-        <p:sp>
-          <p:nvSpPr>
-            <p:cNvPr id="74" name="Freeform 17">
-              <a:extLst>
-                <a:ext uri="{FF2B5EF4-FFF2-40B4-BE49-F238E27FC236}">
-                  <a16:creationId xmlns:a16="http://schemas.microsoft.com/office/drawing/2014/main" id="{A28972BD-D2E1-4DCA-A907-2E3B6F606649}"/>
-                </a:ext>
-              </a:extLst>
-            </p:cNvPr>
-            <p:cNvSpPr/>
-            <p:nvPr>
-              <p:extLst>
-                <p:ext uri="{386F3935-93C4-4BCD-93E2-E3B085C9AB24}">
-                  <p16:designElem xmlns:p16="http://schemas.microsoft.com/office/powerpoint/2015/main" val="1"/>
-                </p:ext>
-              </p:extLst>
-            </p:nvPr>
-          </p:nvSpPr>
-          <p:spPr bwMode="auto">
-            <a:xfrm>
-              <a:off x="9525" y="1801813"/>
-              <a:ext cx="123825" cy="127000"/>
-            </a:xfrm>
-            <a:custGeom>
-              <a:avLst/>
-              <a:gdLst/>
-              <a:ahLst/>
-              <a:cxnLst/>
-              <a:rect l="0" t="0" r="r" b="b"/>
-              <a:pathLst>
-                <a:path w="78" h="80">
-                  <a:moveTo>
-                    <a:pt x="6" y="80"/>
-                  </a:moveTo>
-                  <a:lnTo>
-                    <a:pt x="0" y="71"/>
-                  </a:lnTo>
-                  <a:lnTo>
-                    <a:pt x="69" y="0"/>
-                  </a:lnTo>
-                  <a:lnTo>
-                    <a:pt x="78" y="9"/>
-                  </a:lnTo>
-                  <a:lnTo>
-                    <a:pt x="6" y="80"/>
-                  </a:lnTo>
-                  <a:close/>
-                </a:path>
-              </a:pathLst>
-            </a:custGeom>
-            <a:grpFill/>
-            <a:ln>
-              <a:noFill/>
-            </a:ln>
-            <a:extLst>
-              <a:ext uri="{91240B29-F687-4f45-9708-019B960494DF}">
-                <a14:hiddenLine xmlns:a14="http://schemas.microsoft.com/office/drawing/2010/main" xmlns:p14="http://schemas.microsoft.com/office/powerpoint/2010/main" xmlns="" w="9525">
-                  <a:solidFill>
-                    <a:srgbClr val="000000"/>
-                  </a:solidFill>
-                  <a:round/>
-                  <a:headEnd/>
-                  <a:tailEnd/>
-                </a14:hiddenLine>
-              </a:ext>
-            </a:extLst>
-          </p:spPr>
-        </p:sp>
-        <p:sp>
-          <p:nvSpPr>
-            <p:cNvPr id="75" name="Freeform 18">
-              <a:extLst>
-                <a:ext uri="{FF2B5EF4-FFF2-40B4-BE49-F238E27FC236}">
-                  <a16:creationId xmlns:a16="http://schemas.microsoft.com/office/drawing/2014/main" id="{1C806824-5C2D-4747-B038-69EE4074B366}"/>
-                </a:ext>
-              </a:extLst>
-            </p:cNvPr>
-            <p:cNvSpPr/>
-            <p:nvPr>
-              <p:extLst>
-                <p:ext uri="{386F3935-93C4-4BCD-93E2-E3B085C9AB24}">
-                  <p16:designElem xmlns:p16="http://schemas.microsoft.com/office/powerpoint/2015/main" val="1"/>
-                </p:ext>
-              </p:extLst>
-            </p:nvPr>
-          </p:nvSpPr>
-          <p:spPr bwMode="auto">
-            <a:xfrm>
-              <a:off x="-9525" y="3549650"/>
-              <a:ext cx="147638" cy="481013"/>
-            </a:xfrm>
-            <a:custGeom>
-              <a:avLst/>
-              <a:gdLst/>
-              <a:ahLst/>
-              <a:cxnLst/>
-              <a:rect l="0" t="0" r="r" b="b"/>
-              <a:pathLst>
-                <a:path w="93" h="303">
-                  <a:moveTo>
-                    <a:pt x="93" y="303"/>
-                  </a:moveTo>
-                  <a:lnTo>
-                    <a:pt x="78" y="303"/>
-                  </a:lnTo>
-                  <a:lnTo>
-                    <a:pt x="78" y="78"/>
-                  </a:lnTo>
-                  <a:lnTo>
-                    <a:pt x="0" y="12"/>
-                  </a:lnTo>
-                  <a:lnTo>
-                    <a:pt x="12" y="0"/>
-                  </a:lnTo>
-                  <a:lnTo>
-                    <a:pt x="93" y="69"/>
-                  </a:lnTo>
-                  <a:lnTo>
-                    <a:pt x="93" y="303"/>
-                  </a:lnTo>
-                  <a:close/>
-                </a:path>
-              </a:pathLst>
-            </a:custGeom>
-            <a:grpFill/>
-            <a:ln>
-              <a:noFill/>
-            </a:ln>
-            <a:extLst>
-              <a:ext uri="{91240B29-F687-4f45-9708-019B960494DF}">
-                <a14:hiddenLine xmlns:a14="http://schemas.microsoft.com/office/drawing/2010/main" xmlns:p14="http://schemas.microsoft.com/office/powerpoint/2010/main" xmlns="" w="9525">
-                  <a:solidFill>
-                    <a:srgbClr val="000000"/>
-                  </a:solidFill>
-                  <a:round/>
-                  <a:headEnd/>
-                  <a:tailEnd/>
-                </a14:hiddenLine>
-              </a:ext>
-            </a:extLst>
-          </p:spPr>
-        </p:sp>
-        <p:sp>
-          <p:nvSpPr>
-            <p:cNvPr id="76" name="Freeform 19">
-              <a:extLst>
-                <a:ext uri="{FF2B5EF4-FFF2-40B4-BE49-F238E27FC236}">
-                  <a16:creationId xmlns:a16="http://schemas.microsoft.com/office/drawing/2014/main" id="{3B33F710-16D7-4F48-BFCA-66C9CA2352CB}"/>
-                </a:ext>
-              </a:extLst>
-            </p:cNvPr>
-            <p:cNvSpPr/>
-            <p:nvPr>
-              <p:extLst>
-                <p:ext uri="{386F3935-93C4-4BCD-93E2-E3B085C9AB24}">
-                  <p16:designElem xmlns:p16="http://schemas.microsoft.com/office/powerpoint/2015/main" val="1"/>
-                </p:ext>
-              </p:extLst>
-            </p:nvPr>
-          </p:nvSpPr>
-          <p:spPr bwMode="auto">
-            <a:xfrm>
-              <a:off x="128587" y="1382713"/>
-              <a:ext cx="142875" cy="476250"/>
-            </a:xfrm>
-            <a:custGeom>
-              <a:avLst/>
-              <a:gdLst/>
-              <a:ahLst/>
-              <a:cxnLst/>
-              <a:rect l="0" t="0" r="r" b="b"/>
-              <a:pathLst>
-                <a:path w="90" h="300">
-                  <a:moveTo>
-                    <a:pt x="90" y="300"/>
-                  </a:moveTo>
-                  <a:lnTo>
-                    <a:pt x="78" y="300"/>
-                  </a:lnTo>
-                  <a:lnTo>
-                    <a:pt x="78" y="84"/>
-                  </a:lnTo>
-                  <a:lnTo>
-                    <a:pt x="0" y="9"/>
-                  </a:lnTo>
-                  <a:lnTo>
-                    <a:pt x="9" y="0"/>
-                  </a:lnTo>
-                  <a:lnTo>
-                    <a:pt x="90" y="81"/>
-                  </a:lnTo>
-                  <a:lnTo>
-                    <a:pt x="90" y="300"/>
-                  </a:lnTo>
-                  <a:close/>
-                </a:path>
-              </a:pathLst>
-            </a:custGeom>
-            <a:grpFill/>
-            <a:ln>
-              <a:noFill/>
-            </a:ln>
-            <a:extLst>
-              <a:ext uri="{91240B29-F687-4f45-9708-019B960494DF}">
-                <a14:hiddenLine xmlns:a14="http://schemas.microsoft.com/office/drawing/2010/main" xmlns:p14="http://schemas.microsoft.com/office/powerpoint/2010/main" xmlns="" w="9525">
-                  <a:solidFill>
-                    <a:srgbClr val="000000"/>
-                  </a:solidFill>
-                  <a:round/>
-                  <a:headEnd/>
-                  <a:tailEnd/>
-                </a14:hiddenLine>
-              </a:ext>
-            </a:extLst>
-          </p:spPr>
-        </p:sp>
-        <p:sp>
-          <p:nvSpPr>
-            <p:cNvPr id="77" name="Freeform 20">
-              <a:extLst>
-                <a:ext uri="{FF2B5EF4-FFF2-40B4-BE49-F238E27FC236}">
-                  <a16:creationId xmlns:a16="http://schemas.microsoft.com/office/drawing/2014/main" id="{6C8C8ED4-90FA-4E97-AAF0-D5D51E6A935E}"/>
-                </a:ext>
-              </a:extLst>
-            </p:cNvPr>
-            <p:cNvSpPr>
-              <a:spLocks noEditPoints="1"/>
-            </p:cNvSpPr>
-            <p:nvPr>
-              <p:extLst>
-                <p:ext uri="{386F3935-93C4-4BCD-93E2-E3B085C9AB24}">
-                  <p16:designElem xmlns:p16="http://schemas.microsoft.com/office/powerpoint/2015/main" val="1"/>
-                </p:ext>
-              </p:extLst>
-            </p:nvPr>
-          </p:nvSpPr>
-          <p:spPr bwMode="auto">
-            <a:xfrm>
-              <a:off x="204787" y="1849438"/>
-              <a:ext cx="114300" cy="107950"/>
-            </a:xfrm>
-            <a:custGeom>
-              <a:avLst/>
-              <a:gdLst/>
-              <a:ahLst/>
-              <a:cxnLst/>
-              <a:rect l="0" t="0" r="r" b="b"/>
-              <a:pathLst>
-                <a:path w="24" h="23">
-                  <a:moveTo>
-                    <a:pt x="12" y="23"/>
-                  </a:moveTo>
-                  <a:cubicBezTo>
-                    <a:pt x="6" y="23"/>
-                    <a:pt x="0" y="18"/>
-                    <a:pt x="0" y="12"/>
-                  </a:cubicBezTo>
-                  <a:cubicBezTo>
-                    <a:pt x="0" y="5"/>
-                    <a:pt x="6" y="0"/>
-                    <a:pt x="12" y="0"/>
-                  </a:cubicBezTo>
-                  <a:cubicBezTo>
-                    <a:pt x="18" y="0"/>
-                    <a:pt x="24" y="5"/>
-                    <a:pt x="24" y="12"/>
-                  </a:cubicBezTo>
-                  <a:cubicBezTo>
-                    <a:pt x="24" y="18"/>
-                    <a:pt x="18" y="23"/>
-                    <a:pt x="12" y="23"/>
-                  </a:cubicBezTo>
-                  <a:close/>
-                  <a:moveTo>
-                    <a:pt x="12" y="4"/>
-                  </a:moveTo>
-                  <a:cubicBezTo>
-                    <a:pt x="8" y="4"/>
-                    <a:pt x="4" y="8"/>
-                    <a:pt x="4" y="12"/>
-                  </a:cubicBezTo>
-                  <a:cubicBezTo>
-                    <a:pt x="4" y="16"/>
-                    <a:pt x="8" y="19"/>
-                    <a:pt x="12" y="19"/>
-                  </a:cubicBezTo>
-                  <a:cubicBezTo>
-                    <a:pt x="16" y="19"/>
-                    <a:pt x="20" y="16"/>
-                    <a:pt x="20" y="12"/>
-                  </a:cubicBezTo>
-                  <a:cubicBezTo>
-                    <a:pt x="20" y="8"/>
-                    <a:pt x="16" y="4"/>
-                    <a:pt x="12" y="4"/>
-                  </a:cubicBezTo>
-                  <a:close/>
-                </a:path>
-              </a:pathLst>
-            </a:custGeom>
-            <a:grpFill/>
-            <a:ln>
-              <a:noFill/>
-            </a:ln>
-            <a:extLst>
-              <a:ext uri="{91240B29-F687-4f45-9708-019B960494DF}">
-                <a14:hiddenLine xmlns:a14="http://schemas.microsoft.com/office/drawing/2010/main" xmlns:p14="http://schemas.microsoft.com/office/powerpoint/2010/main" xmlns="" w="9525">
-                  <a:solidFill>
-                    <a:srgbClr val="000000"/>
-                  </a:solidFill>
-                  <a:round/>
-                  <a:headEnd/>
-                  <a:tailEnd/>
-                </a14:hiddenLine>
-              </a:ext>
-            </a:extLst>
-          </p:spPr>
-        </p:sp>
-        <p:sp>
-          <p:nvSpPr>
-            <p:cNvPr id="78" name="Rectangle 21">
-              <a:extLst>
-                <a:ext uri="{FF2B5EF4-FFF2-40B4-BE49-F238E27FC236}">
-                  <a16:creationId xmlns:a16="http://schemas.microsoft.com/office/drawing/2014/main" id="{6C5EB9C1-B25F-4172-8A96-5950ECC828FC}"/>
-                </a:ext>
-              </a:extLst>
-            </p:cNvPr>
-            <p:cNvSpPr>
-              <a:spLocks noChangeArrowheads="1"/>
-            </p:cNvSpPr>
-            <p:nvPr>
-              <p:extLst>
-                <p:ext uri="{386F3935-93C4-4BCD-93E2-E3B085C9AB24}">
-                  <p16:designElem xmlns:p16="http://schemas.microsoft.com/office/powerpoint/2015/main" val="1"/>
-                </p:ext>
-              </p:extLst>
-            </p:nvPr>
-          </p:nvSpPr>
-          <p:spPr bwMode="auto">
-            <a:xfrm>
-              <a:off x="133350" y="4662488"/>
-              <a:ext cx="23813" cy="2181225"/>
-            </a:xfrm>
-            <a:prstGeom prst="rect">
-              <a:avLst/>
-            </a:prstGeom>
-            <a:grpFill/>
-            <a:ln>
-              <a:noFill/>
-            </a:ln>
-            <a:extLst>
-              <a:ext uri="{91240B29-F687-4f45-9708-019B960494DF}">
-                <a14:hiddenLine xmlns:a14="http://schemas.microsoft.com/office/drawing/2010/main" xmlns:p14="http://schemas.microsoft.com/office/powerpoint/2010/main" xmlns="" w="9525">
-                  <a:solidFill>
-                    <a:srgbClr val="000000"/>
-                  </a:solidFill>
-                  <a:miter lim="800000"/>
-                  <a:headEnd/>
-                  <a:tailEnd/>
-                </a14:hiddenLine>
-              </a:ext>
-            </a:extLst>
-          </p:spPr>
-        </p:sp>
-        <p:sp>
-          <p:nvSpPr>
-            <p:cNvPr id="79" name="Freeform 22">
-              <a:extLst>
-                <a:ext uri="{FF2B5EF4-FFF2-40B4-BE49-F238E27FC236}">
-                  <a16:creationId xmlns:a16="http://schemas.microsoft.com/office/drawing/2014/main" id="{097E6E8A-9373-4655-882B-21715CCE97EE}"/>
-                </a:ext>
-              </a:extLst>
-            </p:cNvPr>
-            <p:cNvSpPr/>
-            <p:nvPr>
-              <p:extLst>
-                <p:ext uri="{386F3935-93C4-4BCD-93E2-E3B085C9AB24}">
-                  <p16:designElem xmlns:p16="http://schemas.microsoft.com/office/powerpoint/2015/main" val="1"/>
-                </p:ext>
-              </p:extLst>
-            </p:nvPr>
-          </p:nvSpPr>
-          <p:spPr bwMode="auto">
-            <a:xfrm>
-              <a:off x="223837" y="5041900"/>
-              <a:ext cx="369888" cy="1801813"/>
-            </a:xfrm>
-            <a:custGeom>
-              <a:avLst/>
-              <a:gdLst/>
-              <a:ahLst/>
-              <a:cxnLst/>
-              <a:rect l="0" t="0" r="r" b="b"/>
-              <a:pathLst>
-                <a:path w="233" h="1135">
-                  <a:moveTo>
-                    <a:pt x="15" y="1135"/>
-                  </a:moveTo>
-                  <a:lnTo>
-                    <a:pt x="0" y="1135"/>
-                  </a:lnTo>
-                  <a:lnTo>
-                    <a:pt x="0" y="515"/>
-                  </a:lnTo>
-                  <a:lnTo>
-                    <a:pt x="0" y="512"/>
-                  </a:lnTo>
-                  <a:lnTo>
-                    <a:pt x="218" y="0"/>
-                  </a:lnTo>
-                  <a:lnTo>
-                    <a:pt x="233" y="6"/>
-                  </a:lnTo>
-                  <a:lnTo>
-                    <a:pt x="15" y="518"/>
-                  </a:lnTo>
-                  <a:lnTo>
-                    <a:pt x="15" y="1135"/>
-                  </a:lnTo>
-                  <a:close/>
-                </a:path>
-              </a:pathLst>
-            </a:custGeom>
-            <a:grpFill/>
-            <a:ln>
-              <a:noFill/>
-            </a:ln>
-            <a:extLst>
-              <a:ext uri="{91240B29-F687-4f45-9708-019B960494DF}">
-                <a14:hiddenLine xmlns:a14="http://schemas.microsoft.com/office/drawing/2010/main" xmlns:p14="http://schemas.microsoft.com/office/powerpoint/2010/main" xmlns="" w="9525">
-                  <a:solidFill>
-                    <a:srgbClr val="000000"/>
-                  </a:solidFill>
-                  <a:round/>
-                  <a:headEnd/>
-                  <a:tailEnd/>
-                </a14:hiddenLine>
-              </a:ext>
-            </a:extLst>
-          </p:spPr>
-        </p:sp>
-        <p:sp>
-          <p:nvSpPr>
-            <p:cNvPr id="80" name="Freeform 23">
-              <a:extLst>
-                <a:ext uri="{FF2B5EF4-FFF2-40B4-BE49-F238E27FC236}">
-                  <a16:creationId xmlns:a16="http://schemas.microsoft.com/office/drawing/2014/main" id="{EB8CC766-1206-4372-ACAF-8230AF4D5421}"/>
-                </a:ext>
-              </a:extLst>
-            </p:cNvPr>
-            <p:cNvSpPr>
-              <a:spLocks noEditPoints="1"/>
-            </p:cNvSpPr>
-            <p:nvPr>
-              <p:extLst>
-                <p:ext uri="{386F3935-93C4-4BCD-93E2-E3B085C9AB24}">
-                  <p16:designElem xmlns:p16="http://schemas.microsoft.com/office/powerpoint/2015/main" val="1"/>
-                </p:ext>
-              </p:extLst>
-            </p:nvPr>
-          </p:nvSpPr>
-          <p:spPr bwMode="auto">
-            <a:xfrm>
-              <a:off x="52387" y="4481513"/>
-              <a:ext cx="190500" cy="190500"/>
-            </a:xfrm>
-            <a:custGeom>
-              <a:avLst/>
-              <a:gdLst/>
-              <a:ahLst/>
-              <a:cxnLst/>
-              <a:rect l="0" t="0" r="r" b="b"/>
-              <a:pathLst>
-                <a:path w="40" h="40">
-                  <a:moveTo>
-                    <a:pt x="20" y="40"/>
-                  </a:moveTo>
-                  <a:cubicBezTo>
-                    <a:pt x="9" y="40"/>
-                    <a:pt x="0" y="31"/>
-                    <a:pt x="0" y="20"/>
-                  </a:cubicBezTo>
-                  <a:cubicBezTo>
-                    <a:pt x="0" y="9"/>
-                    <a:pt x="9" y="0"/>
-                    <a:pt x="20" y="0"/>
-                  </a:cubicBezTo>
-                  <a:cubicBezTo>
-                    <a:pt x="31" y="0"/>
-                    <a:pt x="40" y="9"/>
-                    <a:pt x="40" y="20"/>
-                  </a:cubicBezTo>
-                  <a:cubicBezTo>
-                    <a:pt x="40" y="31"/>
-                    <a:pt x="31" y="40"/>
-                    <a:pt x="20" y="40"/>
-                  </a:cubicBezTo>
-                  <a:close/>
-                  <a:moveTo>
-                    <a:pt x="20" y="4"/>
-                  </a:moveTo>
-                  <a:cubicBezTo>
-                    <a:pt x="11" y="4"/>
-                    <a:pt x="4" y="11"/>
-                    <a:pt x="4" y="20"/>
-                  </a:cubicBezTo>
-                  <a:cubicBezTo>
-                    <a:pt x="4" y="29"/>
-                    <a:pt x="11" y="36"/>
-                    <a:pt x="20" y="36"/>
-                  </a:cubicBezTo>
-                  <a:cubicBezTo>
-                    <a:pt x="28" y="36"/>
-                    <a:pt x="36" y="29"/>
-                    <a:pt x="36" y="20"/>
-                  </a:cubicBezTo>
-                  <a:cubicBezTo>
-                    <a:pt x="36" y="11"/>
-                    <a:pt x="28" y="4"/>
-                    <a:pt x="20" y="4"/>
-                  </a:cubicBezTo>
-                  <a:close/>
-                </a:path>
-              </a:pathLst>
-            </a:custGeom>
-            <a:grpFill/>
-            <a:ln>
-              <a:noFill/>
-            </a:ln>
-            <a:extLst>
-              <a:ext uri="{91240B29-F687-4f45-9708-019B960494DF}">
-                <a14:hiddenLine xmlns:a14="http://schemas.microsoft.com/office/drawing/2010/main" xmlns:p14="http://schemas.microsoft.com/office/powerpoint/2010/main" xmlns="" w="9525">
-                  <a:solidFill>
-                    <a:srgbClr val="000000"/>
-                  </a:solidFill>
-                  <a:round/>
-                  <a:headEnd/>
-                  <a:tailEnd/>
-                </a14:hiddenLine>
-              </a:ext>
-            </a:extLst>
-          </p:spPr>
-        </p:sp>
-        <p:sp>
-          <p:nvSpPr>
-            <p:cNvPr id="81" name="Freeform 24">
-              <a:extLst>
-                <a:ext uri="{FF2B5EF4-FFF2-40B4-BE49-F238E27FC236}">
-                  <a16:creationId xmlns:a16="http://schemas.microsoft.com/office/drawing/2014/main" id="{1C8E2511-2489-47B2-9C19-C410910DD901}"/>
-                </a:ext>
-              </a:extLst>
-            </p:cNvPr>
-            <p:cNvSpPr/>
-            <p:nvPr>
-              <p:extLst>
-                <p:ext uri="{386F3935-93C4-4BCD-93E2-E3B085C9AB24}">
-                  <p16:designElem xmlns:p16="http://schemas.microsoft.com/office/powerpoint/2015/main" val="1"/>
-                </p:ext>
-              </p:extLst>
-            </p:nvPr>
-          </p:nvSpPr>
-          <p:spPr bwMode="auto">
-            <a:xfrm>
-              <a:off x="-14288" y="5627688"/>
-              <a:ext cx="85725" cy="1216025"/>
-            </a:xfrm>
-            <a:custGeom>
-              <a:avLst/>
-              <a:gdLst/>
-              <a:ahLst/>
-              <a:cxnLst/>
-              <a:rect l="0" t="0" r="r" b="b"/>
-              <a:pathLst>
-                <a:path w="54" h="766">
-                  <a:moveTo>
-                    <a:pt x="54" y="766"/>
-                  </a:moveTo>
-                  <a:lnTo>
-                    <a:pt x="36" y="766"/>
-                  </a:lnTo>
-                  <a:lnTo>
-                    <a:pt x="36" y="149"/>
-                  </a:lnTo>
-                  <a:lnTo>
-                    <a:pt x="0" y="3"/>
-                  </a:lnTo>
-                  <a:lnTo>
-                    <a:pt x="18" y="0"/>
-                  </a:lnTo>
-                  <a:lnTo>
-                    <a:pt x="54" y="146"/>
-                  </a:lnTo>
-                  <a:lnTo>
-                    <a:pt x="54" y="766"/>
-                  </a:lnTo>
-                  <a:close/>
-                </a:path>
-              </a:pathLst>
-            </a:custGeom>
-            <a:grpFill/>
-            <a:ln>
-              <a:noFill/>
-            </a:ln>
-            <a:extLst>
-              <a:ext uri="{91240B29-F687-4f45-9708-019B960494DF}">
-                <a14:hiddenLine xmlns:a14="http://schemas.microsoft.com/office/drawing/2010/main" xmlns:p14="http://schemas.microsoft.com/office/powerpoint/2010/main" xmlns="" w="9525">
-                  <a:solidFill>
-                    <a:srgbClr val="000000"/>
-                  </a:solidFill>
-                  <a:round/>
-                  <a:headEnd/>
-                  <a:tailEnd/>
-                </a14:hiddenLine>
-              </a:ext>
-            </a:extLst>
-          </p:spPr>
-        </p:sp>
-        <p:sp>
-          <p:nvSpPr>
-            <p:cNvPr id="82" name="Freeform 25">
-              <a:extLst>
-                <a:ext uri="{FF2B5EF4-FFF2-40B4-BE49-F238E27FC236}">
-                  <a16:creationId xmlns:a16="http://schemas.microsoft.com/office/drawing/2014/main" id="{D7820196-0A47-47EF-832C-A688E8977D60}"/>
-                </a:ext>
-              </a:extLst>
-            </p:cNvPr>
-            <p:cNvSpPr>
-              <a:spLocks noEditPoints="1"/>
-            </p:cNvSpPr>
-            <p:nvPr>
-              <p:extLst>
-                <p:ext uri="{386F3935-93C4-4BCD-93E2-E3B085C9AB24}">
-                  <p16:designElem xmlns:p16="http://schemas.microsoft.com/office/powerpoint/2015/main" val="1"/>
-                </p:ext>
-              </p:extLst>
-            </p:nvPr>
-          </p:nvSpPr>
-          <p:spPr bwMode="auto">
-            <a:xfrm>
-              <a:off x="527050" y="4867275"/>
-              <a:ext cx="190500" cy="188913"/>
-            </a:xfrm>
-            <a:custGeom>
-              <a:avLst/>
-              <a:gdLst/>
-              <a:ahLst/>
-              <a:cxnLst/>
-              <a:rect l="0" t="0" r="r" b="b"/>
-              <a:pathLst>
-                <a:path w="40" h="40">
-                  <a:moveTo>
-                    <a:pt x="20" y="40"/>
-                  </a:moveTo>
-                  <a:cubicBezTo>
-                    <a:pt x="9" y="40"/>
-                    <a:pt x="0" y="31"/>
-                    <a:pt x="0" y="20"/>
-                  </a:cubicBezTo>
-                  <a:cubicBezTo>
-                    <a:pt x="0" y="9"/>
-                    <a:pt x="9" y="0"/>
-                    <a:pt x="20" y="0"/>
-                  </a:cubicBezTo>
-                  <a:cubicBezTo>
-                    <a:pt x="31" y="0"/>
-                    <a:pt x="40" y="9"/>
-                    <a:pt x="40" y="20"/>
-                  </a:cubicBezTo>
-                  <a:cubicBezTo>
-                    <a:pt x="40" y="31"/>
-                    <a:pt x="31" y="40"/>
-                    <a:pt x="20" y="40"/>
-                  </a:cubicBezTo>
-                  <a:close/>
-                  <a:moveTo>
-                    <a:pt x="20" y="4"/>
-                  </a:moveTo>
-                  <a:cubicBezTo>
-                    <a:pt x="11" y="4"/>
-                    <a:pt x="4" y="11"/>
-                    <a:pt x="4" y="20"/>
-                  </a:cubicBezTo>
-                  <a:cubicBezTo>
-                    <a:pt x="4" y="29"/>
-                    <a:pt x="11" y="36"/>
-                    <a:pt x="20" y="36"/>
-                  </a:cubicBezTo>
-                  <a:cubicBezTo>
-                    <a:pt x="29" y="36"/>
-                    <a:pt x="36" y="29"/>
-                    <a:pt x="36" y="20"/>
-                  </a:cubicBezTo>
-                  <a:cubicBezTo>
-                    <a:pt x="36" y="11"/>
-                    <a:pt x="29" y="4"/>
-                    <a:pt x="20" y="4"/>
-                  </a:cubicBezTo>
-                  <a:close/>
-                </a:path>
-              </a:pathLst>
-            </a:custGeom>
-            <a:grpFill/>
-            <a:ln>
-              <a:noFill/>
-            </a:ln>
-            <a:extLst>
-              <a:ext uri="{91240B29-F687-4f45-9708-019B960494DF}">
-                <a14:hiddenLine xmlns:a14="http://schemas.microsoft.com/office/drawing/2010/main" xmlns:p14="http://schemas.microsoft.com/office/powerpoint/2010/main" xmlns="" w="9525">
-                  <a:solidFill>
-                    <a:srgbClr val="000000"/>
-                  </a:solidFill>
-                  <a:round/>
-                  <a:headEnd/>
-                  <a:tailEnd/>
-                </a14:hiddenLine>
-              </a:ext>
-            </a:extLst>
-          </p:spPr>
-        </p:sp>
-        <p:sp>
-          <p:nvSpPr>
-            <p:cNvPr id="83" name="Freeform 26">
-              <a:extLst>
-                <a:ext uri="{FF2B5EF4-FFF2-40B4-BE49-F238E27FC236}">
-                  <a16:creationId xmlns:a16="http://schemas.microsoft.com/office/drawing/2014/main" id="{4982E0BF-34AE-48A3-AD6B-E0F3CD05DB34}"/>
-                </a:ext>
-              </a:extLst>
-            </p:cNvPr>
-            <p:cNvSpPr/>
-            <p:nvPr>
-              <p:extLst>
-                <p:ext uri="{386F3935-93C4-4BCD-93E2-E3B085C9AB24}">
-                  <p16:designElem xmlns:p16="http://schemas.microsoft.com/office/powerpoint/2015/main" val="1"/>
-                </p:ext>
-              </p:extLst>
-            </p:nvPr>
-          </p:nvSpPr>
-          <p:spPr bwMode="auto">
-            <a:xfrm>
-              <a:off x="309562" y="5422900"/>
-              <a:ext cx="374650" cy="1425575"/>
-            </a:xfrm>
-            <a:custGeom>
-              <a:avLst/>
-              <a:gdLst/>
-              <a:ahLst/>
-              <a:cxnLst/>
-              <a:rect l="0" t="0" r="r" b="b"/>
-              <a:pathLst>
-                <a:path w="236" h="898">
-                  <a:moveTo>
-                    <a:pt x="18" y="898"/>
-                  </a:moveTo>
-                  <a:lnTo>
-                    <a:pt x="0" y="898"/>
-                  </a:lnTo>
-                  <a:lnTo>
-                    <a:pt x="0" y="515"/>
-                  </a:lnTo>
-                  <a:lnTo>
-                    <a:pt x="3" y="512"/>
-                  </a:lnTo>
-                  <a:lnTo>
-                    <a:pt x="221" y="0"/>
-                  </a:lnTo>
-                  <a:lnTo>
-                    <a:pt x="236" y="6"/>
-                  </a:lnTo>
-                  <a:lnTo>
-                    <a:pt x="18" y="518"/>
-                  </a:lnTo>
-                  <a:lnTo>
-                    <a:pt x="18" y="898"/>
-                  </a:lnTo>
-                  <a:close/>
-                </a:path>
-              </a:pathLst>
-            </a:custGeom>
-            <a:grpFill/>
-            <a:ln>
-              <a:noFill/>
-            </a:ln>
-            <a:extLst>
-              <a:ext uri="{91240B29-F687-4f45-9708-019B960494DF}">
-                <a14:hiddenLine xmlns:a14="http://schemas.microsoft.com/office/drawing/2010/main" xmlns:p14="http://schemas.microsoft.com/office/powerpoint/2010/main" xmlns="" w="9525">
-                  <a:solidFill>
-                    <a:srgbClr val="000000"/>
-                  </a:solidFill>
-                  <a:round/>
-                  <a:headEnd/>
-                  <a:tailEnd/>
-                </a14:hiddenLine>
-              </a:ext>
-            </a:extLst>
-          </p:spPr>
-        </p:sp>
-        <p:sp>
-          <p:nvSpPr>
-            <p:cNvPr id="84" name="Freeform 27">
-              <a:extLst>
-                <a:ext uri="{FF2B5EF4-FFF2-40B4-BE49-F238E27FC236}">
-                  <a16:creationId xmlns:a16="http://schemas.microsoft.com/office/drawing/2014/main" id="{CD34643B-9DF2-4310-8868-48252C3393F0}"/>
-                </a:ext>
-              </a:extLst>
-            </p:cNvPr>
-            <p:cNvSpPr/>
-            <p:nvPr>
-              <p:extLst>
-                <p:ext uri="{386F3935-93C4-4BCD-93E2-E3B085C9AB24}">
-                  <p16:designElem xmlns:p16="http://schemas.microsoft.com/office/powerpoint/2015/main" val="1"/>
-                </p:ext>
-              </p:extLst>
-            </p:nvPr>
-          </p:nvSpPr>
-          <p:spPr bwMode="auto">
-            <a:xfrm>
-              <a:off x="569912" y="5945188"/>
-              <a:ext cx="152400" cy="912813"/>
-            </a:xfrm>
-            <a:custGeom>
-              <a:avLst/>
-              <a:gdLst/>
-              <a:ahLst/>
-              <a:cxnLst/>
-              <a:rect l="0" t="0" r="r" b="b"/>
-              <a:pathLst>
-                <a:path w="96" h="575">
-                  <a:moveTo>
-                    <a:pt x="15" y="575"/>
-                  </a:moveTo>
-                  <a:lnTo>
-                    <a:pt x="0" y="569"/>
-                  </a:lnTo>
-                  <a:lnTo>
-                    <a:pt x="81" y="383"/>
-                  </a:lnTo>
-                  <a:lnTo>
-                    <a:pt x="81" y="0"/>
-                  </a:lnTo>
-                  <a:lnTo>
-                    <a:pt x="96" y="0"/>
-                  </a:lnTo>
-                  <a:lnTo>
-                    <a:pt x="96" y="386"/>
-                  </a:lnTo>
-                  <a:lnTo>
-                    <a:pt x="15" y="575"/>
-                  </a:lnTo>
-                  <a:close/>
-                </a:path>
-              </a:pathLst>
-            </a:custGeom>
-            <a:grpFill/>
-            <a:ln>
-              <a:noFill/>
-            </a:ln>
-            <a:extLst>
-              <a:ext uri="{91240B29-F687-4f45-9708-019B960494DF}">
-                <a14:hiddenLine xmlns:a14="http://schemas.microsoft.com/office/drawing/2010/main" xmlns:p14="http://schemas.microsoft.com/office/powerpoint/2010/main" xmlns="" w="9525">
-                  <a:solidFill>
-                    <a:srgbClr val="000000"/>
-                  </a:solidFill>
-                  <a:round/>
-                  <a:headEnd/>
-                  <a:tailEnd/>
-                </a14:hiddenLine>
-              </a:ext>
-            </a:extLst>
-          </p:spPr>
-        </p:sp>
-        <p:sp>
-          <p:nvSpPr>
-            <p:cNvPr id="85" name="Freeform 28">
-              <a:extLst>
-                <a:ext uri="{FF2B5EF4-FFF2-40B4-BE49-F238E27FC236}">
-                  <a16:creationId xmlns:a16="http://schemas.microsoft.com/office/drawing/2014/main" id="{4E020C4E-AF64-44A8-B830-779541D8D549}"/>
-                </a:ext>
-              </a:extLst>
-            </p:cNvPr>
-            <p:cNvSpPr>
-              <a:spLocks noEditPoints="1"/>
-            </p:cNvSpPr>
-            <p:nvPr>
-              <p:extLst>
-                <p:ext uri="{386F3935-93C4-4BCD-93E2-E3B085C9AB24}">
-                  <p16:designElem xmlns:p16="http://schemas.microsoft.com/office/powerpoint/2015/main" val="1"/>
-                </p:ext>
-              </p:extLst>
-            </p:nvPr>
-          </p:nvSpPr>
-          <p:spPr bwMode="auto">
-            <a:xfrm>
-              <a:off x="612775" y="5246688"/>
-              <a:ext cx="190500" cy="190500"/>
-            </a:xfrm>
-            <a:custGeom>
-              <a:avLst/>
-              <a:gdLst/>
-              <a:ahLst/>
-              <a:cxnLst/>
-              <a:rect l="0" t="0" r="r" b="b"/>
-              <a:pathLst>
-                <a:path w="40" h="40">
-                  <a:moveTo>
-                    <a:pt x="20" y="40"/>
-                  </a:moveTo>
-                  <a:cubicBezTo>
-                    <a:pt x="9" y="40"/>
-                    <a:pt x="0" y="31"/>
-                    <a:pt x="0" y="20"/>
-                  </a:cubicBezTo>
-                  <a:cubicBezTo>
-                    <a:pt x="0" y="9"/>
-                    <a:pt x="9" y="0"/>
-                    <a:pt x="20" y="0"/>
-                  </a:cubicBezTo>
-                  <a:cubicBezTo>
-                    <a:pt x="31" y="0"/>
-                    <a:pt x="40" y="9"/>
-                    <a:pt x="40" y="20"/>
-                  </a:cubicBezTo>
-                  <a:cubicBezTo>
-                    <a:pt x="40" y="31"/>
-                    <a:pt x="31" y="40"/>
-                    <a:pt x="20" y="40"/>
-                  </a:cubicBezTo>
-                  <a:close/>
-                  <a:moveTo>
-                    <a:pt x="20" y="4"/>
-                  </a:moveTo>
-                  <a:cubicBezTo>
-                    <a:pt x="12" y="4"/>
-                    <a:pt x="4" y="11"/>
-                    <a:pt x="4" y="20"/>
-                  </a:cubicBezTo>
-                  <a:cubicBezTo>
-                    <a:pt x="4" y="29"/>
-                    <a:pt x="12" y="36"/>
-                    <a:pt x="20" y="36"/>
-                  </a:cubicBezTo>
-                  <a:cubicBezTo>
-                    <a:pt x="29" y="36"/>
-                    <a:pt x="36" y="29"/>
-                    <a:pt x="36" y="20"/>
-                  </a:cubicBezTo>
-                  <a:cubicBezTo>
-                    <a:pt x="36" y="11"/>
-                    <a:pt x="29" y="4"/>
-                    <a:pt x="20" y="4"/>
-                  </a:cubicBezTo>
-                  <a:close/>
-                </a:path>
-              </a:pathLst>
-            </a:custGeom>
-            <a:grpFill/>
-            <a:ln>
-              <a:noFill/>
-            </a:ln>
-            <a:extLst>
-              <a:ext uri="{91240B29-F687-4f45-9708-019B960494DF}">
-                <a14:hiddenLine xmlns:a14="http://schemas.microsoft.com/office/drawing/2010/main" xmlns:p14="http://schemas.microsoft.com/office/powerpoint/2010/main" xmlns="" w="9525">
-                  <a:solidFill>
-                    <a:srgbClr val="000000"/>
-                  </a:solidFill>
-                  <a:round/>
-                  <a:headEnd/>
-                  <a:tailEnd/>
-                </a14:hiddenLine>
-              </a:ext>
-            </a:extLst>
-          </p:spPr>
-        </p:sp>
-        <p:sp>
-          <p:nvSpPr>
-            <p:cNvPr id="86" name="Freeform 29">
-              <a:extLst>
-                <a:ext uri="{FF2B5EF4-FFF2-40B4-BE49-F238E27FC236}">
-                  <a16:creationId xmlns:a16="http://schemas.microsoft.com/office/drawing/2014/main" id="{D97BC3D3-B1B3-4825-9169-BBEF1DBCF055}"/>
-                </a:ext>
-              </a:extLst>
-            </p:cNvPr>
-            <p:cNvSpPr>
-              <a:spLocks noEditPoints="1"/>
-            </p:cNvSpPr>
-            <p:nvPr>
-              <p:extLst>
-                <p:ext uri="{386F3935-93C4-4BCD-93E2-E3B085C9AB24}">
-                  <p16:designElem xmlns:p16="http://schemas.microsoft.com/office/powerpoint/2015/main" val="1"/>
-                </p:ext>
-              </p:extLst>
-            </p:nvPr>
-          </p:nvSpPr>
-          <p:spPr bwMode="auto">
-            <a:xfrm>
-              <a:off x="612775" y="5764213"/>
-              <a:ext cx="190500" cy="190500"/>
-            </a:xfrm>
-            <a:custGeom>
-              <a:avLst/>
-              <a:gdLst/>
-              <a:ahLst/>
-              <a:cxnLst/>
-              <a:rect l="0" t="0" r="r" b="b"/>
-              <a:pathLst>
-                <a:path w="40" h="40">
-                  <a:moveTo>
-                    <a:pt x="20" y="40"/>
-                  </a:moveTo>
-                  <a:cubicBezTo>
-                    <a:pt x="9" y="40"/>
-                    <a:pt x="0" y="31"/>
-                    <a:pt x="0" y="20"/>
-                  </a:cubicBezTo>
-                  <a:cubicBezTo>
-                    <a:pt x="0" y="9"/>
-                    <a:pt x="9" y="0"/>
-                    <a:pt x="20" y="0"/>
-                  </a:cubicBezTo>
-                  <a:cubicBezTo>
-                    <a:pt x="31" y="0"/>
-                    <a:pt x="40" y="9"/>
-                    <a:pt x="40" y="20"/>
-                  </a:cubicBezTo>
-                  <a:cubicBezTo>
-                    <a:pt x="40" y="31"/>
-                    <a:pt x="31" y="40"/>
-                    <a:pt x="20" y="40"/>
-                  </a:cubicBezTo>
-                  <a:close/>
-                  <a:moveTo>
-                    <a:pt x="20" y="4"/>
-                  </a:moveTo>
-                  <a:cubicBezTo>
-                    <a:pt x="12" y="4"/>
-                    <a:pt x="4" y="11"/>
-                    <a:pt x="4" y="20"/>
-                  </a:cubicBezTo>
-                  <a:cubicBezTo>
-                    <a:pt x="4" y="29"/>
-                    <a:pt x="12" y="36"/>
-                    <a:pt x="20" y="36"/>
-                  </a:cubicBezTo>
-                  <a:cubicBezTo>
-                    <a:pt x="29" y="36"/>
-                    <a:pt x="36" y="29"/>
-                    <a:pt x="36" y="20"/>
-                  </a:cubicBezTo>
-                  <a:cubicBezTo>
-                    <a:pt x="36" y="11"/>
-                    <a:pt x="29" y="4"/>
-                    <a:pt x="20" y="4"/>
-                  </a:cubicBezTo>
-                  <a:close/>
-                </a:path>
-              </a:pathLst>
-            </a:custGeom>
-            <a:grpFill/>
-            <a:ln>
-              <a:noFill/>
-            </a:ln>
-            <a:extLst>
-              <a:ext uri="{91240B29-F687-4f45-9708-019B960494DF}">
-                <a14:hiddenLine xmlns:a14="http://schemas.microsoft.com/office/drawing/2010/main" xmlns:p14="http://schemas.microsoft.com/office/powerpoint/2010/main" xmlns="" w="9525">
-                  <a:solidFill>
-                    <a:srgbClr val="000000"/>
-                  </a:solidFill>
-                  <a:round/>
-                  <a:headEnd/>
-                  <a:tailEnd/>
-                </a14:hiddenLine>
-              </a:ext>
-            </a:extLst>
-          </p:spPr>
-        </p:sp>
-        <p:sp>
-          <p:nvSpPr>
-            <p:cNvPr id="87" name="Freeform 30">
-              <a:extLst>
-                <a:ext uri="{FF2B5EF4-FFF2-40B4-BE49-F238E27FC236}">
-                  <a16:creationId xmlns:a16="http://schemas.microsoft.com/office/drawing/2014/main" id="{A750DC4F-1DAF-470E-98C6-6C68DEB93363}"/>
-                </a:ext>
-              </a:extLst>
-            </p:cNvPr>
-            <p:cNvSpPr/>
-            <p:nvPr>
-              <p:extLst>
-                <p:ext uri="{386F3935-93C4-4BCD-93E2-E3B085C9AB24}">
-                  <p16:designElem xmlns:p16="http://schemas.microsoft.com/office/powerpoint/2015/main" val="1"/>
-                </p:ext>
-              </p:extLst>
-            </p:nvPr>
-          </p:nvSpPr>
-          <p:spPr bwMode="auto">
-            <a:xfrm>
-              <a:off x="669925" y="6330950"/>
-              <a:ext cx="417513" cy="517525"/>
-            </a:xfrm>
-            <a:custGeom>
-              <a:avLst/>
-              <a:gdLst/>
-              <a:ahLst/>
-              <a:cxnLst/>
-              <a:rect l="0" t="0" r="r" b="b"/>
-              <a:pathLst>
-                <a:path w="263" h="326">
-                  <a:moveTo>
-                    <a:pt x="15" y="326"/>
-                  </a:moveTo>
-                  <a:lnTo>
-                    <a:pt x="0" y="320"/>
-                  </a:lnTo>
-                  <a:lnTo>
-                    <a:pt x="45" y="206"/>
-                  </a:lnTo>
-                  <a:lnTo>
-                    <a:pt x="48" y="206"/>
-                  </a:lnTo>
-                  <a:lnTo>
-                    <a:pt x="254" y="0"/>
-                  </a:lnTo>
-                  <a:lnTo>
-                    <a:pt x="263" y="12"/>
-                  </a:lnTo>
-                  <a:lnTo>
-                    <a:pt x="60" y="215"/>
-                  </a:lnTo>
-                  <a:lnTo>
-                    <a:pt x="15" y="326"/>
-                  </a:lnTo>
-                  <a:close/>
-                </a:path>
-              </a:pathLst>
-            </a:custGeom>
-            <a:grpFill/>
-            <a:ln>
-              <a:noFill/>
-            </a:ln>
-            <a:extLst>
-              <a:ext uri="{91240B29-F687-4f45-9708-019B960494DF}">
-                <a14:hiddenLine xmlns:a14="http://schemas.microsoft.com/office/drawing/2010/main" xmlns:p14="http://schemas.microsoft.com/office/powerpoint/2010/main" xmlns="" w="9525">
-                  <a:solidFill>
-                    <a:srgbClr val="000000"/>
-                  </a:solidFill>
-                  <a:round/>
-                  <a:headEnd/>
-                  <a:tailEnd/>
-                </a14:hiddenLine>
-              </a:ext>
-            </a:extLst>
-          </p:spPr>
-        </p:sp>
-        <p:sp>
-          <p:nvSpPr>
-            <p:cNvPr id="88" name="Freeform 31">
-              <a:extLst>
-                <a:ext uri="{FF2B5EF4-FFF2-40B4-BE49-F238E27FC236}">
-                  <a16:creationId xmlns:a16="http://schemas.microsoft.com/office/drawing/2014/main" id="{2F99594A-5BBD-4E10-A818-8BE52B7D952C}"/>
-                </a:ext>
-              </a:extLst>
-            </p:cNvPr>
-            <p:cNvSpPr>
-              <a:spLocks noEditPoints="1"/>
-            </p:cNvSpPr>
-            <p:nvPr>
-              <p:extLst>
-                <p:ext uri="{386F3935-93C4-4BCD-93E2-E3B085C9AB24}">
-                  <p16:designElem xmlns:p16="http://schemas.microsoft.com/office/powerpoint/2015/main" val="1"/>
-                </p:ext>
-              </p:extLst>
-            </p:nvPr>
-          </p:nvSpPr>
-          <p:spPr bwMode="auto">
-            <a:xfrm>
-              <a:off x="1049337" y="6221413"/>
-              <a:ext cx="157163" cy="147638"/>
-            </a:xfrm>
-            <a:custGeom>
-              <a:avLst/>
-              <a:gdLst/>
-              <a:ahLst/>
-              <a:cxnLst/>
-              <a:rect l="0" t="0" r="r" b="b"/>
-              <a:pathLst>
-                <a:path w="33" h="31">
-                  <a:moveTo>
-                    <a:pt x="16" y="31"/>
-                  </a:moveTo>
-                  <a:cubicBezTo>
-                    <a:pt x="12" y="31"/>
-                    <a:pt x="8" y="29"/>
-                    <a:pt x="5" y="26"/>
-                  </a:cubicBezTo>
-                  <a:cubicBezTo>
-                    <a:pt x="2" y="24"/>
-                    <a:pt x="0" y="20"/>
-                    <a:pt x="0" y="15"/>
-                  </a:cubicBezTo>
-                  <a:cubicBezTo>
-                    <a:pt x="0" y="11"/>
-                    <a:pt x="2" y="7"/>
-                    <a:pt x="5" y="4"/>
-                  </a:cubicBezTo>
-                  <a:cubicBezTo>
-                    <a:pt x="8" y="1"/>
-                    <a:pt x="12" y="0"/>
-                    <a:pt x="16" y="0"/>
-                  </a:cubicBezTo>
-                  <a:cubicBezTo>
-                    <a:pt x="20" y="0"/>
-                    <a:pt x="24" y="1"/>
-                    <a:pt x="27" y="4"/>
-                  </a:cubicBezTo>
-                  <a:cubicBezTo>
-                    <a:pt x="33" y="10"/>
-                    <a:pt x="33" y="20"/>
-                    <a:pt x="27" y="26"/>
-                  </a:cubicBezTo>
-                  <a:cubicBezTo>
-                    <a:pt x="24" y="29"/>
-                    <a:pt x="20" y="31"/>
-                    <a:pt x="16" y="31"/>
-                  </a:cubicBezTo>
-                  <a:close/>
-                  <a:moveTo>
-                    <a:pt x="16" y="4"/>
-                  </a:moveTo>
-                  <a:cubicBezTo>
-                    <a:pt x="13" y="4"/>
-                    <a:pt x="10" y="5"/>
-                    <a:pt x="8" y="7"/>
-                  </a:cubicBezTo>
-                  <a:cubicBezTo>
-                    <a:pt x="6" y="9"/>
-                    <a:pt x="4" y="12"/>
-                    <a:pt x="4" y="15"/>
-                  </a:cubicBezTo>
-                  <a:cubicBezTo>
-                    <a:pt x="4" y="19"/>
-                    <a:pt x="6" y="21"/>
-                    <a:pt x="8" y="24"/>
-                  </a:cubicBezTo>
-                  <a:cubicBezTo>
-                    <a:pt x="10" y="26"/>
-                    <a:pt x="13" y="27"/>
-                    <a:pt x="16" y="27"/>
-                  </a:cubicBezTo>
-                  <a:cubicBezTo>
-                    <a:pt x="19" y="27"/>
-                    <a:pt x="22" y="26"/>
-                    <a:pt x="24" y="24"/>
-                  </a:cubicBezTo>
-                  <a:cubicBezTo>
-                    <a:pt x="29" y="19"/>
-                    <a:pt x="29" y="12"/>
-                    <a:pt x="24" y="7"/>
-                  </a:cubicBezTo>
-                  <a:cubicBezTo>
-                    <a:pt x="22" y="5"/>
-                    <a:pt x="19" y="4"/>
-                    <a:pt x="16" y="4"/>
-                  </a:cubicBezTo>
-                  <a:close/>
-                </a:path>
-              </a:pathLst>
-            </a:custGeom>
-            <a:grpFill/>
-            <a:ln>
-              <a:noFill/>
-            </a:ln>
-            <a:extLst>
-              <a:ext uri="{91240B29-F687-4f45-9708-019B960494DF}">
-                <a14:hiddenLine xmlns:a14="http://schemas.microsoft.com/office/drawing/2010/main" xmlns:p14="http://schemas.microsoft.com/office/powerpoint/2010/main" xmlns="" w="9525">
-                  <a:solidFill>
-                    <a:srgbClr val="000000"/>
-                  </a:solidFill>
-                  <a:round/>
-                  <a:headEnd/>
-                  <a:tailEnd/>
-                </a14:hiddenLine>
-              </a:ext>
-            </a:extLst>
-          </p:spPr>
-        </p:sp>
-      </p:grpSp>
+          </a:blip>
+          <a:stretch>
+            <a:fillRect/>
+          </a:stretch>
+        </p:blipFill>
+        <p:spPr>
+          <a:xfrm>
+            <a:off x="1118988" y="1941850"/>
+            <a:ext cx="4635583" cy="2978362"/>
+          </a:xfrm>
+          <a:prstGeom prst="rect">
+            <a:avLst/>
+          </a:prstGeom>
+        </p:spPr>
+      </p:pic>
       <p:sp>
         <p:nvSpPr>
           <p:cNvPr id="2" name="Titre 1">
@@ -21178,8 +22179,8 @@
         </p:nvSpPr>
         <p:spPr>
           <a:xfrm>
-            <a:off x="1141413" y="618518"/>
-            <a:ext cx="4459286" cy="1478570"/>
+            <a:off x="6569957" y="618518"/>
+            <a:ext cx="4747088" cy="1478570"/>
           </a:xfrm>
         </p:spPr>
         <p:txBody>
@@ -21189,7 +22190,11 @@
           <a:lstStyle/>
           <a:p>
             <a:r>
-              <a:rPr lang="fr-CA" sz="3200"/>
+              <a:rPr lang="fr-CA">
+                <a:solidFill>
+                  <a:srgbClr val="FFFFFF"/>
+                </a:solidFill>
+              </a:rPr>
               <a:t>Les drones</a:t>
             </a:r>
           </a:p>
@@ -21207,8 +22212,8 @@
         </p:nvSpPr>
         <p:spPr>
           <a:xfrm>
-            <a:off x="1141412" y="2249487"/>
-            <a:ext cx="4459287" cy="3965046"/>
+            <a:off x="6569957" y="2249487"/>
+            <a:ext cx="4747087" cy="3541714"/>
           </a:xfrm>
         </p:spPr>
         <p:txBody>
@@ -21217,7 +22222,44 @@
           </a:bodyPr>
           <a:lstStyle/>
           <a:p>
-            <a:endParaRPr lang="en-US" sz="2000" dirty="0"/>
+            <a:r>
+              <a:rPr lang="fr-CA">
+                <a:solidFill>
+                  <a:srgbClr val="FFFFFF"/>
+                </a:solidFill>
+              </a:rPr>
+              <a:t>Distance de vol : 5km</a:t>
+            </a:r>
+          </a:p>
+          <a:p>
+            <a:r>
+              <a:rPr lang="fr-CA">
+                <a:solidFill>
+                  <a:srgbClr val="FFFFFF"/>
+                </a:solidFill>
+              </a:rPr>
+              <a:t>Autonomie : 40 minutes</a:t>
+            </a:r>
+          </a:p>
+          <a:p>
+            <a:r>
+              <a:rPr lang="fr-CA">
+                <a:solidFill>
+                  <a:srgbClr val="FFFFFF"/>
+                </a:solidFill>
+              </a:rPr>
+              <a:t>Capable de transporté jusqu’à  3,6kg</a:t>
+            </a:r>
+          </a:p>
+          <a:p>
+            <a:r>
+              <a:rPr lang="fr-CA">
+                <a:solidFill>
+                  <a:srgbClr val="FFFFFF"/>
+                </a:solidFill>
+              </a:rPr>
+              <a:t>Caméra intégrée</a:t>
+            </a:r>
           </a:p>
         </p:txBody>
       </p:sp>
@@ -21229,7 +22271,7 @@
     </p:extLst>
   </p:cSld>
   <p:clrMapOvr>
-    <a:masterClrMapping/>
+    <a:overrideClrMapping bg1="lt1" tx1="dk1" bg2="lt2" tx2="dk2" accent1="accent1" accent2="accent2" accent3="accent3" accent4="accent4" accent5="accent5" accent6="accent6" hlink="hlink" folHlink="folHlink"/>
   </p:clrMapOvr>
 </p:sld>
 </file>
@@ -21396,7 +22438,7 @@
             </a:ln>
             <a:extLst>
               <a:ext uri="{91240B29-F687-4f45-9708-019B960494DF}">
-                <a14:hiddenLine xmlns:a14="http://schemas.microsoft.com/office/drawing/2010/main" xmlns:p14="http://schemas.microsoft.com/office/powerpoint/2010/main" xmlns:a16="http://schemas.microsoft.com/office/drawing/2014/main" xmlns="" w="9525">
+                <a14:hiddenLine xmlns="" xmlns:a16="http://schemas.microsoft.com/office/drawing/2014/main" xmlns:p14="http://schemas.microsoft.com/office/powerpoint/2010/main" xmlns:a14="http://schemas.microsoft.com/office/drawing/2010/main" w="9525">
                   <a:solidFill>
                     <a:srgbClr val="000000"/>
                   </a:solidFill>
@@ -21498,7 +22540,7 @@
             </a:ln>
             <a:extLst>
               <a:ext uri="{91240B29-F687-4f45-9708-019B960494DF}">
-                <a14:hiddenLine xmlns:a14="http://schemas.microsoft.com/office/drawing/2010/main" xmlns:p14="http://schemas.microsoft.com/office/powerpoint/2010/main" xmlns:a16="http://schemas.microsoft.com/office/drawing/2014/main" xmlns="" w="9525">
+                <a14:hiddenLine xmlns="" xmlns:a16="http://schemas.microsoft.com/office/drawing/2014/main" xmlns:p14="http://schemas.microsoft.com/office/powerpoint/2010/main" xmlns:a14="http://schemas.microsoft.com/office/drawing/2010/main" w="9525">
                   <a:solidFill>
                     <a:srgbClr val="000000"/>
                   </a:solidFill>
@@ -21600,7 +22642,7 @@
             </a:ln>
             <a:extLst>
               <a:ext uri="{91240B29-F687-4f45-9708-019B960494DF}">
-                <a14:hiddenLine xmlns:a14="http://schemas.microsoft.com/office/drawing/2010/main" xmlns:p14="http://schemas.microsoft.com/office/powerpoint/2010/main" xmlns:a16="http://schemas.microsoft.com/office/drawing/2014/main" xmlns="" w="9525">
+                <a14:hiddenLine xmlns="" xmlns:a16="http://schemas.microsoft.com/office/drawing/2014/main" xmlns:p14="http://schemas.microsoft.com/office/powerpoint/2010/main" xmlns:a14="http://schemas.microsoft.com/office/drawing/2010/main" w="9525">
                   <a:solidFill>
                     <a:srgbClr val="000000"/>
                   </a:solidFill>
@@ -21674,7 +22716,7 @@
             </a:ln>
             <a:extLst>
               <a:ext uri="{91240B29-F687-4f45-9708-019B960494DF}">
-                <a14:hiddenLine xmlns:a14="http://schemas.microsoft.com/office/drawing/2010/main" xmlns:p14="http://schemas.microsoft.com/office/powerpoint/2010/main" xmlns:a16="http://schemas.microsoft.com/office/drawing/2014/main" xmlns="" w="9525">
+                <a14:hiddenLine xmlns="" xmlns:a16="http://schemas.microsoft.com/office/drawing/2014/main" xmlns:p14="http://schemas.microsoft.com/office/powerpoint/2010/main" xmlns:a14="http://schemas.microsoft.com/office/drawing/2010/main" w="9525">
                   <a:solidFill>
                     <a:srgbClr val="000000"/>
                   </a:solidFill>
@@ -21776,7 +22818,7 @@
             </a:ln>
             <a:extLst>
               <a:ext uri="{91240B29-F687-4f45-9708-019B960494DF}">
-                <a14:hiddenLine xmlns:a14="http://schemas.microsoft.com/office/drawing/2010/main" xmlns:p14="http://schemas.microsoft.com/office/powerpoint/2010/main" xmlns:a16="http://schemas.microsoft.com/office/drawing/2014/main" xmlns="" w="9525">
+                <a14:hiddenLine xmlns="" xmlns:a16="http://schemas.microsoft.com/office/drawing/2014/main" xmlns:p14="http://schemas.microsoft.com/office/powerpoint/2010/main" xmlns:a14="http://schemas.microsoft.com/office/drawing/2010/main" w="9525">
                   <a:solidFill>
                     <a:srgbClr val="000000"/>
                   </a:solidFill>
@@ -21850,7 +22892,7 @@
             </a:ln>
             <a:extLst>
               <a:ext uri="{91240B29-F687-4f45-9708-019B960494DF}">
-                <a14:hiddenLine xmlns:a14="http://schemas.microsoft.com/office/drawing/2010/main" xmlns:p14="http://schemas.microsoft.com/office/powerpoint/2010/main" xmlns:a16="http://schemas.microsoft.com/office/drawing/2014/main" xmlns="" w="9525">
+                <a14:hiddenLine xmlns="" xmlns:a16="http://schemas.microsoft.com/office/drawing/2014/main" xmlns:p14="http://schemas.microsoft.com/office/powerpoint/2010/main" xmlns:a14="http://schemas.microsoft.com/office/drawing/2010/main" w="9525">
                   <a:solidFill>
                     <a:srgbClr val="000000"/>
                   </a:solidFill>
@@ -21924,7 +22966,7 @@
             </a:ln>
             <a:extLst>
               <a:ext uri="{91240B29-F687-4f45-9708-019B960494DF}">
-                <a14:hiddenLine xmlns:a14="http://schemas.microsoft.com/office/drawing/2010/main" xmlns:p14="http://schemas.microsoft.com/office/powerpoint/2010/main" xmlns:a16="http://schemas.microsoft.com/office/drawing/2014/main" xmlns="" w="9525">
+                <a14:hiddenLine xmlns="" xmlns:a16="http://schemas.microsoft.com/office/drawing/2014/main" xmlns:p14="http://schemas.microsoft.com/office/powerpoint/2010/main" xmlns:a14="http://schemas.microsoft.com/office/drawing/2010/main" w="9525">
                   <a:solidFill>
                     <a:srgbClr val="000000"/>
                   </a:solidFill>
@@ -22026,7 +23068,7 @@
             </a:ln>
             <a:extLst>
               <a:ext uri="{91240B29-F687-4f45-9708-019B960494DF}">
-                <a14:hiddenLine xmlns:a14="http://schemas.microsoft.com/office/drawing/2010/main" xmlns:p14="http://schemas.microsoft.com/office/powerpoint/2010/main" xmlns:a16="http://schemas.microsoft.com/office/drawing/2014/main" xmlns="" w="9525">
+                <a14:hiddenLine xmlns="" xmlns:a16="http://schemas.microsoft.com/office/drawing/2014/main" xmlns:p14="http://schemas.microsoft.com/office/powerpoint/2010/main" xmlns:a14="http://schemas.microsoft.com/office/drawing/2010/main" w="9525">
                   <a:solidFill>
                     <a:srgbClr val="000000"/>
                   </a:solidFill>
@@ -22128,7 +23170,7 @@
             </a:ln>
             <a:extLst>
               <a:ext uri="{91240B29-F687-4f45-9708-019B960494DF}">
-                <a14:hiddenLine xmlns:a14="http://schemas.microsoft.com/office/drawing/2010/main" xmlns:p14="http://schemas.microsoft.com/office/powerpoint/2010/main" xmlns:a16="http://schemas.microsoft.com/office/drawing/2014/main" xmlns="" w="9525">
+                <a14:hiddenLine xmlns="" xmlns:a16="http://schemas.microsoft.com/office/drawing/2014/main" xmlns:p14="http://schemas.microsoft.com/office/powerpoint/2010/main" xmlns:a14="http://schemas.microsoft.com/office/drawing/2010/main" w="9525">
                   <a:solidFill>
                     <a:srgbClr val="000000"/>
                   </a:solidFill>
@@ -22202,7 +23244,7 @@
             </a:ln>
             <a:extLst>
               <a:ext uri="{91240B29-F687-4f45-9708-019B960494DF}">
-                <a14:hiddenLine xmlns:a14="http://schemas.microsoft.com/office/drawing/2010/main" xmlns:p14="http://schemas.microsoft.com/office/powerpoint/2010/main" xmlns:a16="http://schemas.microsoft.com/office/drawing/2014/main" xmlns="" w="9525">
+                <a14:hiddenLine xmlns="" xmlns:a16="http://schemas.microsoft.com/office/drawing/2014/main" xmlns:p14="http://schemas.microsoft.com/office/powerpoint/2010/main" xmlns:a14="http://schemas.microsoft.com/office/drawing/2010/main" w="9525">
                   <a:solidFill>
                     <a:srgbClr val="000000"/>
                   </a:solidFill>
@@ -22324,7 +23366,7 @@
             </a:ln>
             <a:extLst>
               <a:ext uri="{91240B29-F687-4f45-9708-019B960494DF}">
-                <a14:hiddenLine xmlns:a14="http://schemas.microsoft.com/office/drawing/2010/main" xmlns:p14="http://schemas.microsoft.com/office/powerpoint/2010/main" xmlns:a16="http://schemas.microsoft.com/office/drawing/2014/main" xmlns="" w="9525">
+                <a14:hiddenLine xmlns="" xmlns:a16="http://schemas.microsoft.com/office/drawing/2014/main" xmlns:p14="http://schemas.microsoft.com/office/powerpoint/2010/main" xmlns:a14="http://schemas.microsoft.com/office/drawing/2010/main" w="9525">
                   <a:solidFill>
                     <a:srgbClr val="000000"/>
                   </a:solidFill>
@@ -22432,7 +23474,7 @@
             </a:ln>
             <a:extLst>
               <a:ext uri="{91240B29-F687-4f45-9708-019B960494DF}">
-                <a14:hiddenLine xmlns:a14="http://schemas.microsoft.com/office/drawing/2010/main" xmlns:p14="http://schemas.microsoft.com/office/powerpoint/2010/main" xmlns:a16="http://schemas.microsoft.com/office/drawing/2014/main" xmlns="" w="9525">
+                <a14:hiddenLine xmlns="" xmlns:a16="http://schemas.microsoft.com/office/drawing/2014/main" xmlns:p14="http://schemas.microsoft.com/office/powerpoint/2010/main" xmlns:a14="http://schemas.microsoft.com/office/drawing/2010/main" w="9525">
                   <a:solidFill>
                     <a:srgbClr val="000000"/>
                   </a:solidFill>
@@ -22506,7 +23548,7 @@
             </a:ln>
             <a:extLst>
               <a:ext uri="{91240B29-F687-4f45-9708-019B960494DF}">
-                <a14:hiddenLine xmlns:a14="http://schemas.microsoft.com/office/drawing/2010/main" xmlns:p14="http://schemas.microsoft.com/office/powerpoint/2010/main" xmlns:a16="http://schemas.microsoft.com/office/drawing/2014/main" xmlns="" w="9525">
+                <a14:hiddenLine xmlns="" xmlns:a16="http://schemas.microsoft.com/office/drawing/2014/main" xmlns:p14="http://schemas.microsoft.com/office/powerpoint/2010/main" xmlns:a14="http://schemas.microsoft.com/office/drawing/2010/main" w="9525">
                   <a:solidFill>
                     <a:srgbClr val="000000"/>
                   </a:solidFill>
@@ -22580,7 +23622,7 @@
             </a:ln>
             <a:extLst>
               <a:ext uri="{91240B29-F687-4f45-9708-019B960494DF}">
-                <a14:hiddenLine xmlns:a14="http://schemas.microsoft.com/office/drawing/2010/main" xmlns:p14="http://schemas.microsoft.com/office/powerpoint/2010/main" xmlns:a16="http://schemas.microsoft.com/office/drawing/2014/main" xmlns="" w="9525">
+                <a14:hiddenLine xmlns="" xmlns:a16="http://schemas.microsoft.com/office/drawing/2014/main" xmlns:p14="http://schemas.microsoft.com/office/powerpoint/2010/main" xmlns:a14="http://schemas.microsoft.com/office/drawing/2010/main" w="9525">
                   <a:solidFill>
                     <a:srgbClr val="000000"/>
                   </a:solidFill>
@@ -22682,7 +23724,7 @@
             </a:ln>
             <a:extLst>
               <a:ext uri="{91240B29-F687-4f45-9708-019B960494DF}">
-                <a14:hiddenLine xmlns:a14="http://schemas.microsoft.com/office/drawing/2010/main" xmlns:p14="http://schemas.microsoft.com/office/powerpoint/2010/main" xmlns:a16="http://schemas.microsoft.com/office/drawing/2014/main" xmlns="" w="9525">
+                <a14:hiddenLine xmlns="" xmlns:a16="http://schemas.microsoft.com/office/drawing/2014/main" xmlns:p14="http://schemas.microsoft.com/office/powerpoint/2010/main" xmlns:a14="http://schemas.microsoft.com/office/drawing/2010/main" w="9525">
                   <a:solidFill>
                     <a:srgbClr val="000000"/>
                   </a:solidFill>
@@ -22728,7 +23770,7 @@
             </a:ln>
             <a:extLst>
               <a:ext uri="{91240B29-F687-4f45-9708-019B960494DF}">
-                <a14:hiddenLine xmlns:a14="http://schemas.microsoft.com/office/drawing/2010/main" xmlns:p14="http://schemas.microsoft.com/office/powerpoint/2010/main" xmlns:a16="http://schemas.microsoft.com/office/drawing/2014/main" xmlns="" w="9525">
+                <a14:hiddenLine xmlns="" xmlns:a16="http://schemas.microsoft.com/office/drawing/2014/main" xmlns:p14="http://schemas.microsoft.com/office/powerpoint/2010/main" xmlns:a14="http://schemas.microsoft.com/office/drawing/2010/main" w="9525">
                   <a:solidFill>
                     <a:srgbClr val="000000"/>
                   </a:solidFill>
@@ -22805,7 +23847,7 @@
             </a:ln>
             <a:extLst>
               <a:ext uri="{91240B29-F687-4f45-9708-019B960494DF}">
-                <a14:hiddenLine xmlns:a14="http://schemas.microsoft.com/office/drawing/2010/main" xmlns:p14="http://schemas.microsoft.com/office/powerpoint/2010/main" xmlns:a16="http://schemas.microsoft.com/office/drawing/2014/main" xmlns="" w="9525">
+                <a14:hiddenLine xmlns="" xmlns:a16="http://schemas.microsoft.com/office/drawing/2014/main" xmlns:p14="http://schemas.microsoft.com/office/powerpoint/2010/main" xmlns:a14="http://schemas.microsoft.com/office/drawing/2010/main" w="9525">
                   <a:solidFill>
                     <a:srgbClr val="000000"/>
                   </a:solidFill>
@@ -22907,7 +23949,7 @@
             </a:ln>
             <a:extLst>
               <a:ext uri="{91240B29-F687-4f45-9708-019B960494DF}">
-                <a14:hiddenLine xmlns:a14="http://schemas.microsoft.com/office/drawing/2010/main" xmlns:p14="http://schemas.microsoft.com/office/powerpoint/2010/main" xmlns:a16="http://schemas.microsoft.com/office/drawing/2014/main" xmlns="" w="9525">
+                <a14:hiddenLine xmlns="" xmlns:a16="http://schemas.microsoft.com/office/drawing/2014/main" xmlns:p14="http://schemas.microsoft.com/office/powerpoint/2010/main" xmlns:a14="http://schemas.microsoft.com/office/drawing/2010/main" w="9525">
                   <a:solidFill>
                     <a:srgbClr val="000000"/>
                   </a:solidFill>
@@ -22981,7 +24023,7 @@
             </a:ln>
             <a:extLst>
               <a:ext uri="{91240B29-F687-4f45-9708-019B960494DF}">
-                <a14:hiddenLine xmlns:a14="http://schemas.microsoft.com/office/drawing/2010/main" xmlns:p14="http://schemas.microsoft.com/office/powerpoint/2010/main" xmlns:a16="http://schemas.microsoft.com/office/drawing/2014/main" xmlns="" w="9525">
+                <a14:hiddenLine xmlns="" xmlns:a16="http://schemas.microsoft.com/office/drawing/2014/main" xmlns:p14="http://schemas.microsoft.com/office/powerpoint/2010/main" xmlns:a14="http://schemas.microsoft.com/office/drawing/2010/main" w="9525">
                   <a:solidFill>
                     <a:srgbClr val="000000"/>
                   </a:solidFill>
@@ -23083,7 +24125,7 @@
             </a:ln>
             <a:extLst>
               <a:ext uri="{91240B29-F687-4f45-9708-019B960494DF}">
-                <a14:hiddenLine xmlns:a14="http://schemas.microsoft.com/office/drawing/2010/main" xmlns:p14="http://schemas.microsoft.com/office/powerpoint/2010/main" xmlns:a16="http://schemas.microsoft.com/office/drawing/2014/main" xmlns="" w="9525">
+                <a14:hiddenLine xmlns="" xmlns:a16="http://schemas.microsoft.com/office/drawing/2014/main" xmlns:p14="http://schemas.microsoft.com/office/powerpoint/2010/main" xmlns:a14="http://schemas.microsoft.com/office/drawing/2010/main" w="9525">
                   <a:solidFill>
                     <a:srgbClr val="000000"/>
                   </a:solidFill>
@@ -23160,7 +24202,7 @@
             </a:ln>
             <a:extLst>
               <a:ext uri="{91240B29-F687-4f45-9708-019B960494DF}">
-                <a14:hiddenLine xmlns:a14="http://schemas.microsoft.com/office/drawing/2010/main" xmlns:p14="http://schemas.microsoft.com/office/powerpoint/2010/main" xmlns:a16="http://schemas.microsoft.com/office/drawing/2014/main" xmlns="" w="9525">
+                <a14:hiddenLine xmlns="" xmlns:a16="http://schemas.microsoft.com/office/drawing/2014/main" xmlns:p14="http://schemas.microsoft.com/office/powerpoint/2010/main" xmlns:a14="http://schemas.microsoft.com/office/drawing/2010/main" w="9525">
                   <a:solidFill>
                     <a:srgbClr val="000000"/>
                   </a:solidFill>
@@ -23234,7 +24276,7 @@
             </a:ln>
             <a:extLst>
               <a:ext uri="{91240B29-F687-4f45-9708-019B960494DF}">
-                <a14:hiddenLine xmlns:a14="http://schemas.microsoft.com/office/drawing/2010/main" xmlns:p14="http://schemas.microsoft.com/office/powerpoint/2010/main" xmlns:a16="http://schemas.microsoft.com/office/drawing/2014/main" xmlns="" w="9525">
+                <a14:hiddenLine xmlns="" xmlns:a16="http://schemas.microsoft.com/office/drawing/2014/main" xmlns:p14="http://schemas.microsoft.com/office/powerpoint/2010/main" xmlns:a14="http://schemas.microsoft.com/office/drawing/2010/main" w="9525">
                   <a:solidFill>
                     <a:srgbClr val="000000"/>
                   </a:solidFill>
@@ -23336,7 +24378,7 @@
             </a:ln>
             <a:extLst>
               <a:ext uri="{91240B29-F687-4f45-9708-019B960494DF}">
-                <a14:hiddenLine xmlns:a14="http://schemas.microsoft.com/office/drawing/2010/main" xmlns:p14="http://schemas.microsoft.com/office/powerpoint/2010/main" xmlns:a16="http://schemas.microsoft.com/office/drawing/2014/main" xmlns="" w="9525">
+                <a14:hiddenLine xmlns="" xmlns:a16="http://schemas.microsoft.com/office/drawing/2014/main" xmlns:p14="http://schemas.microsoft.com/office/powerpoint/2010/main" xmlns:a14="http://schemas.microsoft.com/office/drawing/2010/main" w="9525">
                   <a:solidFill>
                     <a:srgbClr val="000000"/>
                   </a:solidFill>
@@ -23438,7 +24480,7 @@
             </a:ln>
             <a:extLst>
               <a:ext uri="{91240B29-F687-4f45-9708-019B960494DF}">
-                <a14:hiddenLine xmlns:a14="http://schemas.microsoft.com/office/drawing/2010/main" xmlns:p14="http://schemas.microsoft.com/office/powerpoint/2010/main" xmlns:a16="http://schemas.microsoft.com/office/drawing/2014/main" xmlns="" w="9525">
+                <a14:hiddenLine xmlns="" xmlns:a16="http://schemas.microsoft.com/office/drawing/2014/main" xmlns:p14="http://schemas.microsoft.com/office/powerpoint/2010/main" xmlns:a14="http://schemas.microsoft.com/office/drawing/2010/main" w="9525">
                   <a:solidFill>
                     <a:srgbClr val="000000"/>
                   </a:solidFill>
@@ -23515,7 +24557,7 @@
             </a:ln>
             <a:extLst>
               <a:ext uri="{91240B29-F687-4f45-9708-019B960494DF}">
-                <a14:hiddenLine xmlns:a14="http://schemas.microsoft.com/office/drawing/2010/main" xmlns:p14="http://schemas.microsoft.com/office/powerpoint/2010/main" xmlns:a16="http://schemas.microsoft.com/office/drawing/2014/main" xmlns="" w="9525">
+                <a14:hiddenLine xmlns="" xmlns:a16="http://schemas.microsoft.com/office/drawing/2014/main" xmlns:p14="http://schemas.microsoft.com/office/powerpoint/2010/main" xmlns:a14="http://schemas.microsoft.com/office/drawing/2010/main" w="9525">
                   <a:solidFill>
                     <a:srgbClr val="000000"/>
                   </a:solidFill>
@@ -23647,7 +24689,7 @@
             </a:ln>
             <a:extLst>
               <a:ext uri="{91240B29-F687-4f45-9708-019B960494DF}">
-                <a14:hiddenLine xmlns:a14="http://schemas.microsoft.com/office/drawing/2010/main" xmlns:p14="http://schemas.microsoft.com/office/powerpoint/2010/main" xmlns:a16="http://schemas.microsoft.com/office/drawing/2014/main" xmlns="" w="9525">
+                <a14:hiddenLine xmlns="" xmlns:a16="http://schemas.microsoft.com/office/drawing/2014/main" xmlns:p14="http://schemas.microsoft.com/office/powerpoint/2010/main" xmlns:a14="http://schemas.microsoft.com/office/drawing/2010/main" w="9525">
                   <a:solidFill>
                     <a:srgbClr val="000000"/>
                   </a:solidFill>
@@ -23771,7 +24813,7 @@
             </a:ln>
             <a:extLst>
               <a:ext uri="{91240B29-F687-4f45-9708-019B960494DF}">
-                <a14:hiddenLine xmlns:a14="http://schemas.microsoft.com/office/drawing/2010/main" xmlns:p14="http://schemas.microsoft.com/office/powerpoint/2010/main" xmlns:a16="http://schemas.microsoft.com/office/drawing/2014/main" xmlns="" w="9525">
+                <a14:hiddenLine xmlns="" xmlns:a16="http://schemas.microsoft.com/office/drawing/2014/main" xmlns:p14="http://schemas.microsoft.com/office/powerpoint/2010/main" xmlns:a14="http://schemas.microsoft.com/office/drawing/2010/main" w="9525">
                   <a:solidFill>
                     <a:srgbClr val="000000"/>
                   </a:solidFill>
@@ -23898,7 +24940,7 @@
             </a:ln>
             <a:extLst>
               <a:ext uri="{91240B29-F687-4f45-9708-019B960494DF}">
-                <a14:hiddenLine xmlns:a14="http://schemas.microsoft.com/office/drawing/2010/main" xmlns:p14="http://schemas.microsoft.com/office/powerpoint/2010/main" xmlns:a16="http://schemas.microsoft.com/office/drawing/2014/main" xmlns="" w="9525">
+                <a14:hiddenLine xmlns="" xmlns:a16="http://schemas.microsoft.com/office/drawing/2014/main" xmlns:p14="http://schemas.microsoft.com/office/powerpoint/2010/main" xmlns:a14="http://schemas.microsoft.com/office/drawing/2010/main" w="9525">
                   <a:solidFill>
                     <a:srgbClr val="000000"/>
                   </a:solidFill>
@@ -24000,7 +25042,7 @@
             </a:ln>
             <a:extLst>
               <a:ext uri="{91240B29-F687-4f45-9708-019B960494DF}">
-                <a14:hiddenLine xmlns:a14="http://schemas.microsoft.com/office/drawing/2010/main" xmlns:p14="http://schemas.microsoft.com/office/powerpoint/2010/main" xmlns:a16="http://schemas.microsoft.com/office/drawing/2014/main" xmlns="" w="9525">
+                <a14:hiddenLine xmlns="" xmlns:a16="http://schemas.microsoft.com/office/drawing/2014/main" xmlns:p14="http://schemas.microsoft.com/office/powerpoint/2010/main" xmlns:a14="http://schemas.microsoft.com/office/drawing/2010/main" w="9525">
                   <a:solidFill>
                     <a:srgbClr val="000000"/>
                   </a:solidFill>
@@ -24077,7 +25119,7 @@
             </a:ln>
             <a:extLst>
               <a:ext uri="{91240B29-F687-4f45-9708-019B960494DF}">
-                <a14:hiddenLine xmlns:a14="http://schemas.microsoft.com/office/drawing/2010/main" xmlns:p14="http://schemas.microsoft.com/office/powerpoint/2010/main" xmlns:a16="http://schemas.microsoft.com/office/drawing/2014/main" xmlns="" w="9525">
+                <a14:hiddenLine xmlns="" xmlns:a16="http://schemas.microsoft.com/office/drawing/2014/main" xmlns:p14="http://schemas.microsoft.com/office/powerpoint/2010/main" xmlns:a14="http://schemas.microsoft.com/office/drawing/2010/main" w="9525">
                   <a:solidFill>
                     <a:srgbClr val="000000"/>
                   </a:solidFill>
@@ -24179,7 +25221,7 @@
             </a:ln>
             <a:extLst>
               <a:ext uri="{91240B29-F687-4f45-9708-019B960494DF}">
-                <a14:hiddenLine xmlns:a14="http://schemas.microsoft.com/office/drawing/2010/main" xmlns:p14="http://schemas.microsoft.com/office/powerpoint/2010/main" xmlns:a16="http://schemas.microsoft.com/office/drawing/2014/main" xmlns="" w="9525">
+                <a14:hiddenLine xmlns="" xmlns:a16="http://schemas.microsoft.com/office/drawing/2014/main" xmlns:p14="http://schemas.microsoft.com/office/powerpoint/2010/main" xmlns:a14="http://schemas.microsoft.com/office/drawing/2010/main" w="9525">
                   <a:solidFill>
                     <a:srgbClr val="000000"/>
                   </a:solidFill>
@@ -24259,7 +25301,7 @@
             </a:ln>
             <a:extLst>
               <a:ext uri="{91240B29-F687-4f45-9708-019B960494DF}">
-                <a14:hiddenLine xmlns:a14="http://schemas.microsoft.com/office/drawing/2010/main" xmlns:p14="http://schemas.microsoft.com/office/powerpoint/2010/main" xmlns:a16="http://schemas.microsoft.com/office/drawing/2014/main" xmlns="" w="9525">
+                <a14:hiddenLine xmlns="" xmlns:a16="http://schemas.microsoft.com/office/drawing/2014/main" xmlns:p14="http://schemas.microsoft.com/office/powerpoint/2010/main" xmlns:a14="http://schemas.microsoft.com/office/drawing/2010/main" w="9525">
                   <a:solidFill>
                     <a:srgbClr val="000000"/>
                   </a:solidFill>
@@ -24361,7 +25403,7 @@
             </a:ln>
             <a:extLst>
               <a:ext uri="{91240B29-F687-4f45-9708-019B960494DF}">
-                <a14:hiddenLine xmlns:a14="http://schemas.microsoft.com/office/drawing/2010/main" xmlns:p14="http://schemas.microsoft.com/office/powerpoint/2010/main" xmlns:a16="http://schemas.microsoft.com/office/drawing/2014/main" xmlns="" w="9525">
+                <a14:hiddenLine xmlns="" xmlns:a16="http://schemas.microsoft.com/office/drawing/2014/main" xmlns:p14="http://schemas.microsoft.com/office/powerpoint/2010/main" xmlns:a14="http://schemas.microsoft.com/office/drawing/2010/main" w="9525">
                   <a:solidFill>
                     <a:srgbClr val="000000"/>
                   </a:solidFill>
@@ -24441,7 +25483,7 @@
             </a:ln>
             <a:extLst>
               <a:ext uri="{91240B29-F687-4f45-9708-019B960494DF}">
-                <a14:hiddenLine xmlns:a14="http://schemas.microsoft.com/office/drawing/2010/main" xmlns:p14="http://schemas.microsoft.com/office/powerpoint/2010/main" xmlns:a16="http://schemas.microsoft.com/office/drawing/2014/main" xmlns="" w="9525">
+                <a14:hiddenLine xmlns="" xmlns:a16="http://schemas.microsoft.com/office/drawing/2014/main" xmlns:p14="http://schemas.microsoft.com/office/powerpoint/2010/main" xmlns:a14="http://schemas.microsoft.com/office/drawing/2010/main" w="9525">
                   <a:solidFill>
                     <a:srgbClr val="000000"/>
                   </a:solidFill>
@@ -24543,7 +25585,7 @@
             </a:ln>
             <a:extLst>
               <a:ext uri="{91240B29-F687-4f45-9708-019B960494DF}">
-                <a14:hiddenLine xmlns:a14="http://schemas.microsoft.com/office/drawing/2010/main" xmlns:p14="http://schemas.microsoft.com/office/powerpoint/2010/main" xmlns:a16="http://schemas.microsoft.com/office/drawing/2014/main" xmlns="" w="9525">
+                <a14:hiddenLine xmlns="" xmlns:a16="http://schemas.microsoft.com/office/drawing/2014/main" xmlns:p14="http://schemas.microsoft.com/office/powerpoint/2010/main" xmlns:a14="http://schemas.microsoft.com/office/drawing/2010/main" w="9525">
                   <a:solidFill>
                     <a:srgbClr val="000000"/>
                   </a:solidFill>
@@ -24589,7 +25631,7 @@
             </a:ln>
             <a:extLst>
               <a:ext uri="{91240B29-F687-4f45-9708-019B960494DF}">
-                <a14:hiddenLine xmlns:a14="http://schemas.microsoft.com/office/drawing/2010/main" xmlns:p14="http://schemas.microsoft.com/office/powerpoint/2010/main" xmlns:a16="http://schemas.microsoft.com/office/drawing/2014/main" xmlns="" w="9525">
+                <a14:hiddenLine xmlns="" xmlns:a16="http://schemas.microsoft.com/office/drawing/2014/main" xmlns:p14="http://schemas.microsoft.com/office/powerpoint/2010/main" xmlns:a14="http://schemas.microsoft.com/office/drawing/2010/main" w="9525">
                   <a:solidFill>
                     <a:srgbClr val="000000"/>
                   </a:solidFill>
@@ -24847,7 +25889,7 @@
             </a:ln>
             <a:extLst>
               <a:ext uri="{91240B29-F687-4f45-9708-019B960494DF}">
-                <a14:hiddenLine xmlns:a14="http://schemas.microsoft.com/office/drawing/2010/main" xmlns:p14="http://schemas.microsoft.com/office/powerpoint/2010/main" xmlns:a16="http://schemas.microsoft.com/office/drawing/2014/main" xmlns="" w="9525">
+                <a14:hiddenLine xmlns="" xmlns:a16="http://schemas.microsoft.com/office/drawing/2014/main" xmlns:p14="http://schemas.microsoft.com/office/powerpoint/2010/main" xmlns:a14="http://schemas.microsoft.com/office/drawing/2010/main" w="9525">
                   <a:solidFill>
                     <a:srgbClr val="000000"/>
                   </a:solidFill>
@@ -24949,7 +25991,7 @@
             </a:ln>
             <a:extLst>
               <a:ext uri="{91240B29-F687-4f45-9708-019B960494DF}">
-                <a14:hiddenLine xmlns:a14="http://schemas.microsoft.com/office/drawing/2010/main" xmlns:p14="http://schemas.microsoft.com/office/powerpoint/2010/main" xmlns:a16="http://schemas.microsoft.com/office/drawing/2014/main" xmlns="" w="9525">
+                <a14:hiddenLine xmlns="" xmlns:a16="http://schemas.microsoft.com/office/drawing/2014/main" xmlns:p14="http://schemas.microsoft.com/office/powerpoint/2010/main" xmlns:a14="http://schemas.microsoft.com/office/drawing/2010/main" w="9525">
                   <a:solidFill>
                     <a:srgbClr val="000000"/>
                   </a:solidFill>
@@ -25051,7 +26093,7 @@
             </a:ln>
             <a:extLst>
               <a:ext uri="{91240B29-F687-4f45-9708-019B960494DF}">
-                <a14:hiddenLine xmlns:a14="http://schemas.microsoft.com/office/drawing/2010/main" xmlns:p14="http://schemas.microsoft.com/office/powerpoint/2010/main" xmlns:a16="http://schemas.microsoft.com/office/drawing/2014/main" xmlns="" w="9525">
+                <a14:hiddenLine xmlns="" xmlns:a16="http://schemas.microsoft.com/office/drawing/2014/main" xmlns:p14="http://schemas.microsoft.com/office/powerpoint/2010/main" xmlns:a14="http://schemas.microsoft.com/office/drawing/2010/main" w="9525">
                   <a:solidFill>
                     <a:srgbClr val="000000"/>
                   </a:solidFill>
@@ -25125,7 +26167,7 @@
             </a:ln>
             <a:extLst>
               <a:ext uri="{91240B29-F687-4f45-9708-019B960494DF}">
-                <a14:hiddenLine xmlns:a14="http://schemas.microsoft.com/office/drawing/2010/main" xmlns:p14="http://schemas.microsoft.com/office/powerpoint/2010/main" xmlns:a16="http://schemas.microsoft.com/office/drawing/2014/main" xmlns="" w="9525">
+                <a14:hiddenLine xmlns="" xmlns:a16="http://schemas.microsoft.com/office/drawing/2014/main" xmlns:p14="http://schemas.microsoft.com/office/powerpoint/2010/main" xmlns:a14="http://schemas.microsoft.com/office/drawing/2010/main" w="9525">
                   <a:solidFill>
                     <a:srgbClr val="000000"/>
                   </a:solidFill>
@@ -25227,7 +26269,7 @@
             </a:ln>
             <a:extLst>
               <a:ext uri="{91240B29-F687-4f45-9708-019B960494DF}">
-                <a14:hiddenLine xmlns:a14="http://schemas.microsoft.com/office/drawing/2010/main" xmlns:p14="http://schemas.microsoft.com/office/powerpoint/2010/main" xmlns:a16="http://schemas.microsoft.com/office/drawing/2014/main" xmlns="" w="9525">
+                <a14:hiddenLine xmlns="" xmlns:a16="http://schemas.microsoft.com/office/drawing/2014/main" xmlns:p14="http://schemas.microsoft.com/office/powerpoint/2010/main" xmlns:a14="http://schemas.microsoft.com/office/drawing/2010/main" w="9525">
                   <a:solidFill>
                     <a:srgbClr val="000000"/>
                   </a:solidFill>
@@ -25301,7 +26343,7 @@
             </a:ln>
             <a:extLst>
               <a:ext uri="{91240B29-F687-4f45-9708-019B960494DF}">
-                <a14:hiddenLine xmlns:a14="http://schemas.microsoft.com/office/drawing/2010/main" xmlns:p14="http://schemas.microsoft.com/office/powerpoint/2010/main" xmlns:a16="http://schemas.microsoft.com/office/drawing/2014/main" xmlns="" w="9525">
+                <a14:hiddenLine xmlns="" xmlns:a16="http://schemas.microsoft.com/office/drawing/2014/main" xmlns:p14="http://schemas.microsoft.com/office/powerpoint/2010/main" xmlns:a14="http://schemas.microsoft.com/office/drawing/2010/main" w="9525">
                   <a:solidFill>
                     <a:srgbClr val="000000"/>
                   </a:solidFill>
@@ -25375,7 +26417,7 @@
             </a:ln>
             <a:extLst>
               <a:ext uri="{91240B29-F687-4f45-9708-019B960494DF}">
-                <a14:hiddenLine xmlns:a14="http://schemas.microsoft.com/office/drawing/2010/main" xmlns:p14="http://schemas.microsoft.com/office/powerpoint/2010/main" xmlns:a16="http://schemas.microsoft.com/office/drawing/2014/main" xmlns="" w="9525">
+                <a14:hiddenLine xmlns="" xmlns:a16="http://schemas.microsoft.com/office/drawing/2014/main" xmlns:p14="http://schemas.microsoft.com/office/powerpoint/2010/main" xmlns:a14="http://schemas.microsoft.com/office/drawing/2010/main" w="9525">
                   <a:solidFill>
                     <a:srgbClr val="000000"/>
                   </a:solidFill>
@@ -25477,7 +26519,7 @@
             </a:ln>
             <a:extLst>
               <a:ext uri="{91240B29-F687-4f45-9708-019B960494DF}">
-                <a14:hiddenLine xmlns:a14="http://schemas.microsoft.com/office/drawing/2010/main" xmlns:p14="http://schemas.microsoft.com/office/powerpoint/2010/main" xmlns:a16="http://schemas.microsoft.com/office/drawing/2014/main" xmlns="" w="9525">
+                <a14:hiddenLine xmlns="" xmlns:a16="http://schemas.microsoft.com/office/drawing/2014/main" xmlns:p14="http://schemas.microsoft.com/office/powerpoint/2010/main" xmlns:a14="http://schemas.microsoft.com/office/drawing/2010/main" w="9525">
                   <a:solidFill>
                     <a:srgbClr val="000000"/>
                   </a:solidFill>
@@ -25579,7 +26621,7 @@
             </a:ln>
             <a:extLst>
               <a:ext uri="{91240B29-F687-4f45-9708-019B960494DF}">
-                <a14:hiddenLine xmlns:a14="http://schemas.microsoft.com/office/drawing/2010/main" xmlns:p14="http://schemas.microsoft.com/office/powerpoint/2010/main" xmlns:a16="http://schemas.microsoft.com/office/drawing/2014/main" xmlns="" w="9525">
+                <a14:hiddenLine xmlns="" xmlns:a16="http://schemas.microsoft.com/office/drawing/2014/main" xmlns:p14="http://schemas.microsoft.com/office/powerpoint/2010/main" xmlns:a14="http://schemas.microsoft.com/office/drawing/2010/main" w="9525">
                   <a:solidFill>
                     <a:srgbClr val="000000"/>
                   </a:solidFill>
@@ -25653,7 +26695,7 @@
             </a:ln>
             <a:extLst>
               <a:ext uri="{91240B29-F687-4f45-9708-019B960494DF}">
-                <a14:hiddenLine xmlns:a14="http://schemas.microsoft.com/office/drawing/2010/main" xmlns:p14="http://schemas.microsoft.com/office/powerpoint/2010/main" xmlns:a16="http://schemas.microsoft.com/office/drawing/2014/main" xmlns="" w="9525">
+                <a14:hiddenLine xmlns="" xmlns:a16="http://schemas.microsoft.com/office/drawing/2014/main" xmlns:p14="http://schemas.microsoft.com/office/powerpoint/2010/main" xmlns:a14="http://schemas.microsoft.com/office/drawing/2010/main" w="9525">
                   <a:solidFill>
                     <a:srgbClr val="000000"/>
                   </a:solidFill>
@@ -25775,7 +26817,7 @@
             </a:ln>
             <a:extLst>
               <a:ext uri="{91240B29-F687-4f45-9708-019B960494DF}">
-                <a14:hiddenLine xmlns:a14="http://schemas.microsoft.com/office/drawing/2010/main" xmlns:p14="http://schemas.microsoft.com/office/powerpoint/2010/main" xmlns:a16="http://schemas.microsoft.com/office/drawing/2014/main" xmlns="" w="9525">
+                <a14:hiddenLine xmlns="" xmlns:a16="http://schemas.microsoft.com/office/drawing/2014/main" xmlns:p14="http://schemas.microsoft.com/office/powerpoint/2010/main" xmlns:a14="http://schemas.microsoft.com/office/drawing/2010/main" w="9525">
                   <a:solidFill>
                     <a:srgbClr val="000000"/>
                   </a:solidFill>
@@ -25883,7 +26925,7 @@
             </a:ln>
             <a:extLst>
               <a:ext uri="{91240B29-F687-4f45-9708-019B960494DF}">
-                <a14:hiddenLine xmlns:a14="http://schemas.microsoft.com/office/drawing/2010/main" xmlns:p14="http://schemas.microsoft.com/office/powerpoint/2010/main" xmlns:a16="http://schemas.microsoft.com/office/drawing/2014/main" xmlns="" w="9525">
+                <a14:hiddenLine xmlns="" xmlns:a16="http://schemas.microsoft.com/office/drawing/2014/main" xmlns:p14="http://schemas.microsoft.com/office/powerpoint/2010/main" xmlns:a14="http://schemas.microsoft.com/office/drawing/2010/main" w="9525">
                   <a:solidFill>
                     <a:srgbClr val="000000"/>
                   </a:solidFill>
@@ -25957,7 +26999,7 @@
             </a:ln>
             <a:extLst>
               <a:ext uri="{91240B29-F687-4f45-9708-019B960494DF}">
-                <a14:hiddenLine xmlns:a14="http://schemas.microsoft.com/office/drawing/2010/main" xmlns:p14="http://schemas.microsoft.com/office/powerpoint/2010/main" xmlns:a16="http://schemas.microsoft.com/office/drawing/2014/main" xmlns="" w="9525">
+                <a14:hiddenLine xmlns="" xmlns:a16="http://schemas.microsoft.com/office/drawing/2014/main" xmlns:p14="http://schemas.microsoft.com/office/powerpoint/2010/main" xmlns:a14="http://schemas.microsoft.com/office/drawing/2010/main" w="9525">
                   <a:solidFill>
                     <a:srgbClr val="000000"/>
                   </a:solidFill>
@@ -26031,7 +27073,7 @@
             </a:ln>
             <a:extLst>
               <a:ext uri="{91240B29-F687-4f45-9708-019B960494DF}">
-                <a14:hiddenLine xmlns:a14="http://schemas.microsoft.com/office/drawing/2010/main" xmlns:p14="http://schemas.microsoft.com/office/powerpoint/2010/main" xmlns:a16="http://schemas.microsoft.com/office/drawing/2014/main" xmlns="" w="9525">
+                <a14:hiddenLine xmlns="" xmlns:a16="http://schemas.microsoft.com/office/drawing/2014/main" xmlns:p14="http://schemas.microsoft.com/office/powerpoint/2010/main" xmlns:a14="http://schemas.microsoft.com/office/drawing/2010/main" w="9525">
                   <a:solidFill>
                     <a:srgbClr val="000000"/>
                   </a:solidFill>
@@ -26133,7 +27175,7 @@
             </a:ln>
             <a:extLst>
               <a:ext uri="{91240B29-F687-4f45-9708-019B960494DF}">
-                <a14:hiddenLine xmlns:a14="http://schemas.microsoft.com/office/drawing/2010/main" xmlns:p14="http://schemas.microsoft.com/office/powerpoint/2010/main" xmlns:a16="http://schemas.microsoft.com/office/drawing/2014/main" xmlns="" w="9525">
+                <a14:hiddenLine xmlns="" xmlns:a16="http://schemas.microsoft.com/office/drawing/2014/main" xmlns:p14="http://schemas.microsoft.com/office/powerpoint/2010/main" xmlns:a14="http://schemas.microsoft.com/office/drawing/2010/main" w="9525">
                   <a:solidFill>
                     <a:srgbClr val="000000"/>
                   </a:solidFill>
@@ -26179,7 +27221,7 @@
             </a:ln>
             <a:extLst>
               <a:ext uri="{91240B29-F687-4f45-9708-019B960494DF}">
-                <a14:hiddenLine xmlns:a14="http://schemas.microsoft.com/office/drawing/2010/main" xmlns:p14="http://schemas.microsoft.com/office/powerpoint/2010/main" xmlns:a16="http://schemas.microsoft.com/office/drawing/2014/main" xmlns="" w="9525">
+                <a14:hiddenLine xmlns="" xmlns:a16="http://schemas.microsoft.com/office/drawing/2014/main" xmlns:p14="http://schemas.microsoft.com/office/powerpoint/2010/main" xmlns:a14="http://schemas.microsoft.com/office/drawing/2010/main" w="9525">
                   <a:solidFill>
                     <a:srgbClr val="000000"/>
                   </a:solidFill>
@@ -26256,7 +27298,7 @@
             </a:ln>
             <a:extLst>
               <a:ext uri="{91240B29-F687-4f45-9708-019B960494DF}">
-                <a14:hiddenLine xmlns:a14="http://schemas.microsoft.com/office/drawing/2010/main" xmlns:p14="http://schemas.microsoft.com/office/powerpoint/2010/main" xmlns:a16="http://schemas.microsoft.com/office/drawing/2014/main" xmlns="" w="9525">
+                <a14:hiddenLine xmlns="" xmlns:a16="http://schemas.microsoft.com/office/drawing/2014/main" xmlns:p14="http://schemas.microsoft.com/office/powerpoint/2010/main" xmlns:a14="http://schemas.microsoft.com/office/drawing/2010/main" w="9525">
                   <a:solidFill>
                     <a:srgbClr val="000000"/>
                   </a:solidFill>
@@ -26358,7 +27400,7 @@
             </a:ln>
             <a:extLst>
               <a:ext uri="{91240B29-F687-4f45-9708-019B960494DF}">
-                <a14:hiddenLine xmlns:a14="http://schemas.microsoft.com/office/drawing/2010/main" xmlns:p14="http://schemas.microsoft.com/office/powerpoint/2010/main" xmlns:a16="http://schemas.microsoft.com/office/drawing/2014/main" xmlns="" w="9525">
+                <a14:hiddenLine xmlns="" xmlns:a16="http://schemas.microsoft.com/office/drawing/2014/main" xmlns:p14="http://schemas.microsoft.com/office/powerpoint/2010/main" xmlns:a14="http://schemas.microsoft.com/office/drawing/2010/main" w="9525">
                   <a:solidFill>
                     <a:srgbClr val="000000"/>
                   </a:solidFill>
@@ -26432,7 +27474,7 @@
             </a:ln>
             <a:extLst>
               <a:ext uri="{91240B29-F687-4f45-9708-019B960494DF}">
-                <a14:hiddenLine xmlns:a14="http://schemas.microsoft.com/office/drawing/2010/main" xmlns:p14="http://schemas.microsoft.com/office/powerpoint/2010/main" xmlns:a16="http://schemas.microsoft.com/office/drawing/2014/main" xmlns="" w="9525">
+                <a14:hiddenLine xmlns="" xmlns:a16="http://schemas.microsoft.com/office/drawing/2014/main" xmlns:p14="http://schemas.microsoft.com/office/powerpoint/2010/main" xmlns:a14="http://schemas.microsoft.com/office/drawing/2010/main" w="9525">
                   <a:solidFill>
                     <a:srgbClr val="000000"/>
                   </a:solidFill>
@@ -26534,7 +27576,7 @@
             </a:ln>
             <a:extLst>
               <a:ext uri="{91240B29-F687-4f45-9708-019B960494DF}">
-                <a14:hiddenLine xmlns:a14="http://schemas.microsoft.com/office/drawing/2010/main" xmlns:p14="http://schemas.microsoft.com/office/powerpoint/2010/main" xmlns:a16="http://schemas.microsoft.com/office/drawing/2014/main" xmlns="" w="9525">
+                <a14:hiddenLine xmlns="" xmlns:a16="http://schemas.microsoft.com/office/drawing/2014/main" xmlns:p14="http://schemas.microsoft.com/office/powerpoint/2010/main" xmlns:a14="http://schemas.microsoft.com/office/drawing/2010/main" w="9525">
                   <a:solidFill>
                     <a:srgbClr val="000000"/>
                   </a:solidFill>
@@ -26611,7 +27653,7 @@
             </a:ln>
             <a:extLst>
               <a:ext uri="{91240B29-F687-4f45-9708-019B960494DF}">
-                <a14:hiddenLine xmlns:a14="http://schemas.microsoft.com/office/drawing/2010/main" xmlns:p14="http://schemas.microsoft.com/office/powerpoint/2010/main" xmlns:a16="http://schemas.microsoft.com/office/drawing/2014/main" xmlns="" w="9525">
+                <a14:hiddenLine xmlns="" xmlns:a16="http://schemas.microsoft.com/office/drawing/2014/main" xmlns:p14="http://schemas.microsoft.com/office/powerpoint/2010/main" xmlns:a14="http://schemas.microsoft.com/office/drawing/2010/main" w="9525">
                   <a:solidFill>
                     <a:srgbClr val="000000"/>
                   </a:solidFill>
@@ -26685,7 +27727,7 @@
             </a:ln>
             <a:extLst>
               <a:ext uri="{91240B29-F687-4f45-9708-019B960494DF}">
-                <a14:hiddenLine xmlns:a14="http://schemas.microsoft.com/office/drawing/2010/main" xmlns:p14="http://schemas.microsoft.com/office/powerpoint/2010/main" xmlns:a16="http://schemas.microsoft.com/office/drawing/2014/main" xmlns="" w="9525">
+                <a14:hiddenLine xmlns="" xmlns:a16="http://schemas.microsoft.com/office/drawing/2014/main" xmlns:p14="http://schemas.microsoft.com/office/powerpoint/2010/main" xmlns:a14="http://schemas.microsoft.com/office/drawing/2010/main" w="9525">
                   <a:solidFill>
                     <a:srgbClr val="000000"/>
                   </a:solidFill>
@@ -26787,7 +27829,7 @@
             </a:ln>
             <a:extLst>
               <a:ext uri="{91240B29-F687-4f45-9708-019B960494DF}">
-                <a14:hiddenLine xmlns:a14="http://schemas.microsoft.com/office/drawing/2010/main" xmlns:p14="http://schemas.microsoft.com/office/powerpoint/2010/main" xmlns:a16="http://schemas.microsoft.com/office/drawing/2014/main" xmlns="" w="9525">
+                <a14:hiddenLine xmlns="" xmlns:a16="http://schemas.microsoft.com/office/drawing/2014/main" xmlns:p14="http://schemas.microsoft.com/office/powerpoint/2010/main" xmlns:a14="http://schemas.microsoft.com/office/drawing/2010/main" w="9525">
                   <a:solidFill>
                     <a:srgbClr val="000000"/>
                   </a:solidFill>
@@ -26889,7 +27931,7 @@
             </a:ln>
             <a:extLst>
               <a:ext uri="{91240B29-F687-4f45-9708-019B960494DF}">
-                <a14:hiddenLine xmlns:a14="http://schemas.microsoft.com/office/drawing/2010/main" xmlns:p14="http://schemas.microsoft.com/office/powerpoint/2010/main" xmlns:a16="http://schemas.microsoft.com/office/drawing/2014/main" xmlns="" w="9525">
+                <a14:hiddenLine xmlns="" xmlns:a16="http://schemas.microsoft.com/office/drawing/2014/main" xmlns:p14="http://schemas.microsoft.com/office/powerpoint/2010/main" xmlns:a14="http://schemas.microsoft.com/office/drawing/2010/main" w="9525">
                   <a:solidFill>
                     <a:srgbClr val="000000"/>
                   </a:solidFill>
@@ -26966,7 +28008,7 @@
             </a:ln>
             <a:extLst>
               <a:ext uri="{91240B29-F687-4f45-9708-019B960494DF}">
-                <a14:hiddenLine xmlns:a14="http://schemas.microsoft.com/office/drawing/2010/main" xmlns:p14="http://schemas.microsoft.com/office/powerpoint/2010/main" xmlns:a16="http://schemas.microsoft.com/office/drawing/2014/main" xmlns="" w="9525">
+                <a14:hiddenLine xmlns="" xmlns:a16="http://schemas.microsoft.com/office/drawing/2014/main" xmlns:p14="http://schemas.microsoft.com/office/powerpoint/2010/main" xmlns:a14="http://schemas.microsoft.com/office/drawing/2010/main" w="9525">
                   <a:solidFill>
                     <a:srgbClr val="000000"/>
                   </a:solidFill>
@@ -27098,7 +28140,7 @@
             </a:ln>
             <a:extLst>
               <a:ext uri="{91240B29-F687-4f45-9708-019B960494DF}">
-                <a14:hiddenLine xmlns:a14="http://schemas.microsoft.com/office/drawing/2010/main" xmlns:p14="http://schemas.microsoft.com/office/powerpoint/2010/main" xmlns:a16="http://schemas.microsoft.com/office/drawing/2014/main" xmlns="" w="9525">
+                <a14:hiddenLine xmlns="" xmlns:a16="http://schemas.microsoft.com/office/drawing/2014/main" xmlns:p14="http://schemas.microsoft.com/office/powerpoint/2010/main" xmlns:a14="http://schemas.microsoft.com/office/drawing/2010/main" w="9525">
                   <a:solidFill>
                     <a:srgbClr val="000000"/>
                   </a:solidFill>
@@ -27222,7 +28264,7 @@
             </a:ln>
             <a:extLst>
               <a:ext uri="{91240B29-F687-4f45-9708-019B960494DF}">
-                <a14:hiddenLine xmlns:a14="http://schemas.microsoft.com/office/drawing/2010/main" xmlns:p14="http://schemas.microsoft.com/office/powerpoint/2010/main" xmlns:a16="http://schemas.microsoft.com/office/drawing/2014/main" xmlns="" w="9525">
+                <a14:hiddenLine xmlns="" xmlns:a16="http://schemas.microsoft.com/office/drawing/2014/main" xmlns:p14="http://schemas.microsoft.com/office/powerpoint/2010/main" xmlns:a14="http://schemas.microsoft.com/office/drawing/2010/main" w="9525">
                   <a:solidFill>
                     <a:srgbClr val="000000"/>
                   </a:solidFill>
@@ -27349,7 +28391,7 @@
             </a:ln>
             <a:extLst>
               <a:ext uri="{91240B29-F687-4f45-9708-019B960494DF}">
-                <a14:hiddenLine xmlns:a14="http://schemas.microsoft.com/office/drawing/2010/main" xmlns:p14="http://schemas.microsoft.com/office/powerpoint/2010/main" xmlns:a16="http://schemas.microsoft.com/office/drawing/2014/main" xmlns="" w="9525">
+                <a14:hiddenLine xmlns="" xmlns:a16="http://schemas.microsoft.com/office/drawing/2014/main" xmlns:p14="http://schemas.microsoft.com/office/powerpoint/2010/main" xmlns:a14="http://schemas.microsoft.com/office/drawing/2010/main" w="9525">
                   <a:solidFill>
                     <a:srgbClr val="000000"/>
                   </a:solidFill>
@@ -27451,7 +28493,7 @@
             </a:ln>
             <a:extLst>
               <a:ext uri="{91240B29-F687-4f45-9708-019B960494DF}">
-                <a14:hiddenLine xmlns:a14="http://schemas.microsoft.com/office/drawing/2010/main" xmlns:p14="http://schemas.microsoft.com/office/powerpoint/2010/main" xmlns:a16="http://schemas.microsoft.com/office/drawing/2014/main" xmlns="" w="9525">
+                <a14:hiddenLine xmlns="" xmlns:a16="http://schemas.microsoft.com/office/drawing/2014/main" xmlns:p14="http://schemas.microsoft.com/office/powerpoint/2010/main" xmlns:a14="http://schemas.microsoft.com/office/drawing/2010/main" w="9525">
                   <a:solidFill>
                     <a:srgbClr val="000000"/>
                   </a:solidFill>
@@ -27528,7 +28570,7 @@
             </a:ln>
             <a:extLst>
               <a:ext uri="{91240B29-F687-4f45-9708-019B960494DF}">
-                <a14:hiddenLine xmlns:a14="http://schemas.microsoft.com/office/drawing/2010/main" xmlns:p14="http://schemas.microsoft.com/office/powerpoint/2010/main" xmlns:a16="http://schemas.microsoft.com/office/drawing/2014/main" xmlns="" w="9525">
+                <a14:hiddenLine xmlns="" xmlns:a16="http://schemas.microsoft.com/office/drawing/2014/main" xmlns:p14="http://schemas.microsoft.com/office/powerpoint/2010/main" xmlns:a14="http://schemas.microsoft.com/office/drawing/2010/main" w="9525">
                   <a:solidFill>
                     <a:srgbClr val="000000"/>
                   </a:solidFill>
@@ -27630,7 +28672,7 @@
             </a:ln>
             <a:extLst>
               <a:ext uri="{91240B29-F687-4f45-9708-019B960494DF}">
-                <a14:hiddenLine xmlns:a14="http://schemas.microsoft.com/office/drawing/2010/main" xmlns:p14="http://schemas.microsoft.com/office/powerpoint/2010/main" xmlns:a16="http://schemas.microsoft.com/office/drawing/2014/main" xmlns="" w="9525">
+                <a14:hiddenLine xmlns="" xmlns:a16="http://schemas.microsoft.com/office/drawing/2014/main" xmlns:p14="http://schemas.microsoft.com/office/powerpoint/2010/main" xmlns:a14="http://schemas.microsoft.com/office/drawing/2010/main" w="9525">
                   <a:solidFill>
                     <a:srgbClr val="000000"/>
                   </a:solidFill>
@@ -27710,7 +28752,7 @@
             </a:ln>
             <a:extLst>
               <a:ext uri="{91240B29-F687-4f45-9708-019B960494DF}">
-                <a14:hiddenLine xmlns:a14="http://schemas.microsoft.com/office/drawing/2010/main" xmlns:p14="http://schemas.microsoft.com/office/powerpoint/2010/main" xmlns:a16="http://schemas.microsoft.com/office/drawing/2014/main" xmlns="" w="9525">
+                <a14:hiddenLine xmlns="" xmlns:a16="http://schemas.microsoft.com/office/drawing/2014/main" xmlns:p14="http://schemas.microsoft.com/office/powerpoint/2010/main" xmlns:a14="http://schemas.microsoft.com/office/drawing/2010/main" w="9525">
                   <a:solidFill>
                     <a:srgbClr val="000000"/>
                   </a:solidFill>
@@ -27812,7 +28854,7 @@
             </a:ln>
             <a:extLst>
               <a:ext uri="{91240B29-F687-4f45-9708-019B960494DF}">
-                <a14:hiddenLine xmlns:a14="http://schemas.microsoft.com/office/drawing/2010/main" xmlns:p14="http://schemas.microsoft.com/office/powerpoint/2010/main" xmlns:a16="http://schemas.microsoft.com/office/drawing/2014/main" xmlns="" w="9525">
+                <a14:hiddenLine xmlns="" xmlns:a16="http://schemas.microsoft.com/office/drawing/2014/main" xmlns:p14="http://schemas.microsoft.com/office/powerpoint/2010/main" xmlns:a14="http://schemas.microsoft.com/office/drawing/2010/main" w="9525">
                   <a:solidFill>
                     <a:srgbClr val="000000"/>
                   </a:solidFill>
@@ -27892,7 +28934,7 @@
             </a:ln>
             <a:extLst>
               <a:ext uri="{91240B29-F687-4f45-9708-019B960494DF}">
-                <a14:hiddenLine xmlns:a14="http://schemas.microsoft.com/office/drawing/2010/main" xmlns:p14="http://schemas.microsoft.com/office/powerpoint/2010/main" xmlns:a16="http://schemas.microsoft.com/office/drawing/2014/main" xmlns="" w="9525">
+                <a14:hiddenLine xmlns="" xmlns:a16="http://schemas.microsoft.com/office/drawing/2014/main" xmlns:p14="http://schemas.microsoft.com/office/powerpoint/2010/main" xmlns:a14="http://schemas.microsoft.com/office/drawing/2010/main" w="9525">
                   <a:solidFill>
                     <a:srgbClr val="000000"/>
                   </a:solidFill>
@@ -27994,7 +29036,7 @@
             </a:ln>
             <a:extLst>
               <a:ext uri="{91240B29-F687-4f45-9708-019B960494DF}">
-                <a14:hiddenLine xmlns:a14="http://schemas.microsoft.com/office/drawing/2010/main" xmlns:p14="http://schemas.microsoft.com/office/powerpoint/2010/main" xmlns:a16="http://schemas.microsoft.com/office/drawing/2014/main" xmlns="" w="9525">
+                <a14:hiddenLine xmlns="" xmlns:a16="http://schemas.microsoft.com/office/drawing/2014/main" xmlns:p14="http://schemas.microsoft.com/office/powerpoint/2010/main" xmlns:a14="http://schemas.microsoft.com/office/drawing/2010/main" w="9525">
                   <a:solidFill>
                     <a:srgbClr val="000000"/>
                   </a:solidFill>
@@ -28040,7 +29082,7 @@
             </a:ln>
             <a:extLst>
               <a:ext uri="{91240B29-F687-4f45-9708-019B960494DF}">
-                <a14:hiddenLine xmlns:a14="http://schemas.microsoft.com/office/drawing/2010/main" xmlns:p14="http://schemas.microsoft.com/office/powerpoint/2010/main" xmlns:a16="http://schemas.microsoft.com/office/drawing/2014/main" xmlns="" w="9525">
+                <a14:hiddenLine xmlns="" xmlns:a16="http://schemas.microsoft.com/office/drawing/2014/main" xmlns:p14="http://schemas.microsoft.com/office/powerpoint/2010/main" xmlns:a14="http://schemas.microsoft.com/office/drawing/2010/main" w="9525">
                   <a:solidFill>
                     <a:srgbClr val="000000"/>
                   </a:solidFill>

--- a/SLAP.pptx
+++ b/SLAP.pptx
@@ -185,7 +185,7 @@
           <a:noFill/>
           <a:extLst>
             <a:ext uri="{909E8E84-426E-40dd-AFC4-6F175D3DCCD1}">
-              <a14:hiddenFill xmlns:a14="http://schemas.microsoft.com/office/drawing/2010/main" xmlns="">
+              <a14:hiddenFill xmlns="" xmlns:a14="http://schemas.microsoft.com/office/drawing/2010/main">
                 <a:solidFill>
                   <a:srgbClr val="FFFFFF"/>
                 </a:solidFill>
@@ -245,7 +245,7 @@
             </a:ln>
             <a:extLst>
               <a:ext uri="{91240B29-F687-4f45-9708-019B960494DF}">
-                <a14:hiddenLine xmlns:a14="http://schemas.microsoft.com/office/drawing/2010/main" xmlns="" w="9525">
+                <a14:hiddenLine xmlns="" xmlns:a14="http://schemas.microsoft.com/office/drawing/2010/main" w="9525">
                   <a:solidFill>
                     <a:srgbClr val="000000"/>
                   </a:solidFill>
@@ -335,7 +335,7 @@
             </a:ln>
             <a:extLst>
               <a:ext uri="{91240B29-F687-4f45-9708-019B960494DF}">
-                <a14:hiddenLine xmlns:a14="http://schemas.microsoft.com/office/drawing/2010/main" xmlns="" w="9525">
+                <a14:hiddenLine xmlns="" xmlns:a14="http://schemas.microsoft.com/office/drawing/2010/main" w="9525">
                   <a:solidFill>
                     <a:srgbClr val="000000"/>
                   </a:solidFill>
@@ -425,7 +425,7 @@
             </a:ln>
             <a:extLst>
               <a:ext uri="{91240B29-F687-4f45-9708-019B960494DF}">
-                <a14:hiddenLine xmlns:a14="http://schemas.microsoft.com/office/drawing/2010/main" xmlns="" w="9525">
+                <a14:hiddenLine xmlns="" xmlns:a14="http://schemas.microsoft.com/office/drawing/2010/main" w="9525">
                   <a:solidFill>
                     <a:srgbClr val="000000"/>
                   </a:solidFill>
@@ -459,7 +459,7 @@
             </a:ln>
             <a:extLst>
               <a:ext uri="{91240B29-F687-4f45-9708-019B960494DF}">
-                <a14:hiddenLine xmlns:a14="http://schemas.microsoft.com/office/drawing/2010/main" xmlns="" w="9525">
+                <a14:hiddenLine xmlns="" xmlns:a14="http://schemas.microsoft.com/office/drawing/2010/main" w="9525">
                   <a:solidFill>
                     <a:srgbClr val="000000"/>
                   </a:solidFill>
@@ -549,7 +549,7 @@
             </a:ln>
             <a:extLst>
               <a:ext uri="{91240B29-F687-4f45-9708-019B960494DF}">
-                <a14:hiddenLine xmlns:a14="http://schemas.microsoft.com/office/drawing/2010/main" xmlns="" w="9525">
+                <a14:hiddenLine xmlns="" xmlns:a14="http://schemas.microsoft.com/office/drawing/2010/main" w="9525">
                   <a:solidFill>
                     <a:srgbClr val="000000"/>
                   </a:solidFill>
@@ -611,7 +611,7 @@
             </a:ln>
             <a:extLst>
               <a:ext uri="{91240B29-F687-4f45-9708-019B960494DF}">
-                <a14:hiddenLine xmlns:a14="http://schemas.microsoft.com/office/drawing/2010/main" xmlns="" w="9525">
+                <a14:hiddenLine xmlns="" xmlns:a14="http://schemas.microsoft.com/office/drawing/2010/main" w="9525">
                   <a:solidFill>
                     <a:srgbClr val="000000"/>
                   </a:solidFill>
@@ -673,7 +673,7 @@
             </a:ln>
             <a:extLst>
               <a:ext uri="{91240B29-F687-4f45-9708-019B960494DF}">
-                <a14:hiddenLine xmlns:a14="http://schemas.microsoft.com/office/drawing/2010/main" xmlns="" w="9525">
+                <a14:hiddenLine xmlns="" xmlns:a14="http://schemas.microsoft.com/office/drawing/2010/main" w="9525">
                   <a:solidFill>
                     <a:srgbClr val="000000"/>
                   </a:solidFill>
@@ -763,7 +763,7 @@
             </a:ln>
             <a:extLst>
               <a:ext uri="{91240B29-F687-4f45-9708-019B960494DF}">
-                <a14:hiddenLine xmlns:a14="http://schemas.microsoft.com/office/drawing/2010/main" xmlns="" w="9525">
+                <a14:hiddenLine xmlns="" xmlns:a14="http://schemas.microsoft.com/office/drawing/2010/main" w="9525">
                   <a:solidFill>
                     <a:srgbClr val="000000"/>
                   </a:solidFill>
@@ -825,7 +825,7 @@
             </a:ln>
             <a:extLst>
               <a:ext uri="{91240B29-F687-4f45-9708-019B960494DF}">
-                <a14:hiddenLine xmlns:a14="http://schemas.microsoft.com/office/drawing/2010/main" xmlns="" w="9525">
+                <a14:hiddenLine xmlns="" xmlns:a14="http://schemas.microsoft.com/office/drawing/2010/main" w="9525">
                   <a:solidFill>
                     <a:srgbClr val="000000"/>
                   </a:solidFill>
@@ -887,7 +887,7 @@
             </a:ln>
             <a:extLst>
               <a:ext uri="{91240B29-F687-4f45-9708-019B960494DF}">
-                <a14:hiddenLine xmlns:a14="http://schemas.microsoft.com/office/drawing/2010/main" xmlns="" w="9525">
+                <a14:hiddenLine xmlns="" xmlns:a14="http://schemas.microsoft.com/office/drawing/2010/main" w="9525">
                   <a:solidFill>
                     <a:srgbClr val="000000"/>
                   </a:solidFill>
@@ -977,7 +977,7 @@
             </a:ln>
             <a:extLst>
               <a:ext uri="{91240B29-F687-4f45-9708-019B960494DF}">
-                <a14:hiddenLine xmlns:a14="http://schemas.microsoft.com/office/drawing/2010/main" xmlns="" w="9525">
+                <a14:hiddenLine xmlns="" xmlns:a14="http://schemas.microsoft.com/office/drawing/2010/main" w="9525">
                   <a:solidFill>
                     <a:srgbClr val="000000"/>
                   </a:solidFill>
@@ -1067,7 +1067,7 @@
             </a:ln>
             <a:extLst>
               <a:ext uri="{91240B29-F687-4f45-9708-019B960494DF}">
-                <a14:hiddenLine xmlns:a14="http://schemas.microsoft.com/office/drawing/2010/main" xmlns="" w="9525">
+                <a14:hiddenLine xmlns="" xmlns:a14="http://schemas.microsoft.com/office/drawing/2010/main" w="9525">
                   <a:solidFill>
                     <a:srgbClr val="000000"/>
                   </a:solidFill>
@@ -1129,7 +1129,7 @@
             </a:ln>
             <a:extLst>
               <a:ext uri="{91240B29-F687-4f45-9708-019B960494DF}">
-                <a14:hiddenLine xmlns:a14="http://schemas.microsoft.com/office/drawing/2010/main" xmlns="" w="9525">
+                <a14:hiddenLine xmlns="" xmlns:a14="http://schemas.microsoft.com/office/drawing/2010/main" w="9525">
                   <a:solidFill>
                     <a:srgbClr val="000000"/>
                   </a:solidFill>
@@ -1239,7 +1239,7 @@
             </a:ln>
             <a:extLst>
               <a:ext uri="{91240B29-F687-4f45-9708-019B960494DF}">
-                <a14:hiddenLine xmlns:a14="http://schemas.microsoft.com/office/drawing/2010/main" xmlns="" w="9525">
+                <a14:hiddenLine xmlns="" xmlns:a14="http://schemas.microsoft.com/office/drawing/2010/main" w="9525">
                   <a:solidFill>
                     <a:srgbClr val="000000"/>
                   </a:solidFill>
@@ -1301,7 +1301,7 @@
             </a:ln>
             <a:extLst>
               <a:ext uri="{91240B29-F687-4f45-9708-019B960494DF}">
-                <a14:hiddenLine xmlns:a14="http://schemas.microsoft.com/office/drawing/2010/main" xmlns="" w="9525">
+                <a14:hiddenLine xmlns="" xmlns:a14="http://schemas.microsoft.com/office/drawing/2010/main" w="9525">
                   <a:solidFill>
                     <a:srgbClr val="000000"/>
                   </a:solidFill>
@@ -1391,7 +1391,7 @@
             </a:ln>
             <a:extLst>
               <a:ext uri="{91240B29-F687-4f45-9708-019B960494DF}">
-                <a14:hiddenLine xmlns:a14="http://schemas.microsoft.com/office/drawing/2010/main" xmlns="" w="9525">
+                <a14:hiddenLine xmlns="" xmlns:a14="http://schemas.microsoft.com/office/drawing/2010/main" w="9525">
                   <a:solidFill>
                     <a:srgbClr val="000000"/>
                   </a:solidFill>
@@ -1481,7 +1481,7 @@
             </a:ln>
             <a:extLst>
               <a:ext uri="{91240B29-F687-4f45-9708-019B960494DF}">
-                <a14:hiddenLine xmlns:a14="http://schemas.microsoft.com/office/drawing/2010/main" xmlns="" w="9525">
+                <a14:hiddenLine xmlns="" xmlns:a14="http://schemas.microsoft.com/office/drawing/2010/main" w="9525">
                   <a:solidFill>
                     <a:srgbClr val="000000"/>
                   </a:solidFill>
@@ -1543,7 +1543,7 @@
             </a:ln>
             <a:extLst>
               <a:ext uri="{91240B29-F687-4f45-9708-019B960494DF}">
-                <a14:hiddenLine xmlns:a14="http://schemas.microsoft.com/office/drawing/2010/main" xmlns="" w="9525">
+                <a14:hiddenLine xmlns="" xmlns:a14="http://schemas.microsoft.com/office/drawing/2010/main" w="9525">
                   <a:solidFill>
                     <a:srgbClr val="000000"/>
                   </a:solidFill>
@@ -1633,7 +1633,7 @@
             </a:ln>
             <a:extLst>
               <a:ext uri="{91240B29-F687-4f45-9708-019B960494DF}">
-                <a14:hiddenLine xmlns:a14="http://schemas.microsoft.com/office/drawing/2010/main" xmlns="" w="9525">
+                <a14:hiddenLine xmlns="" xmlns:a14="http://schemas.microsoft.com/office/drawing/2010/main" w="9525">
                   <a:solidFill>
                     <a:srgbClr val="000000"/>
                   </a:solidFill>
@@ -1723,7 +1723,7 @@
             </a:ln>
             <a:extLst>
               <a:ext uri="{91240B29-F687-4f45-9708-019B960494DF}">
-                <a14:hiddenLine xmlns:a14="http://schemas.microsoft.com/office/drawing/2010/main" xmlns="" w="9525">
+                <a14:hiddenLine xmlns="" xmlns:a14="http://schemas.microsoft.com/office/drawing/2010/main" w="9525">
                   <a:solidFill>
                     <a:srgbClr val="000000"/>
                   </a:solidFill>
@@ -1779,7 +1779,7 @@
             </a:ln>
             <a:extLst>
               <a:ext uri="{91240B29-F687-4f45-9708-019B960494DF}">
-                <a14:hiddenLine xmlns:a14="http://schemas.microsoft.com/office/drawing/2010/main" xmlns="" w="9525">
+                <a14:hiddenLine xmlns="" xmlns:a14="http://schemas.microsoft.com/office/drawing/2010/main" w="9525">
                   <a:solidFill>
                     <a:srgbClr val="000000"/>
                   </a:solidFill>
@@ -1869,7 +1869,7 @@
             </a:ln>
             <a:extLst>
               <a:ext uri="{91240B29-F687-4f45-9708-019B960494DF}">
-                <a14:hiddenLine xmlns:a14="http://schemas.microsoft.com/office/drawing/2010/main" xmlns="" w="9525">
+                <a14:hiddenLine xmlns="" xmlns:a14="http://schemas.microsoft.com/office/drawing/2010/main" w="9525">
                   <a:solidFill>
                     <a:srgbClr val="000000"/>
                   </a:solidFill>
@@ -1925,7 +1925,7 @@
             </a:ln>
             <a:extLst>
               <a:ext uri="{91240B29-F687-4f45-9708-019B960494DF}">
-                <a14:hiddenLine xmlns:a14="http://schemas.microsoft.com/office/drawing/2010/main" xmlns="" w="9525">
+                <a14:hiddenLine xmlns="" xmlns:a14="http://schemas.microsoft.com/office/drawing/2010/main" w="9525">
                   <a:solidFill>
                     <a:srgbClr val="000000"/>
                   </a:solidFill>
@@ -2015,7 +2015,7 @@
             </a:ln>
             <a:extLst>
               <a:ext uri="{91240B29-F687-4f45-9708-019B960494DF}">
-                <a14:hiddenLine xmlns:a14="http://schemas.microsoft.com/office/drawing/2010/main" xmlns="" w="9525">
+                <a14:hiddenLine xmlns="" xmlns:a14="http://schemas.microsoft.com/office/drawing/2010/main" w="9525">
                   <a:solidFill>
                     <a:srgbClr val="000000"/>
                   </a:solidFill>
@@ -2083,7 +2083,7 @@
             </a:ln>
             <a:extLst>
               <a:ext uri="{91240B29-F687-4f45-9708-019B960494DF}">
-                <a14:hiddenLine xmlns:a14="http://schemas.microsoft.com/office/drawing/2010/main" xmlns="" w="9525">
+                <a14:hiddenLine xmlns="" xmlns:a14="http://schemas.microsoft.com/office/drawing/2010/main" w="9525">
                   <a:solidFill>
                     <a:srgbClr val="000000"/>
                   </a:solidFill>
@@ -2173,7 +2173,7 @@
             </a:ln>
             <a:extLst>
               <a:ext uri="{91240B29-F687-4f45-9708-019B960494DF}">
-                <a14:hiddenLine xmlns:a14="http://schemas.microsoft.com/office/drawing/2010/main" xmlns="" w="9525">
+                <a14:hiddenLine xmlns="" xmlns:a14="http://schemas.microsoft.com/office/drawing/2010/main" w="9525">
                   <a:solidFill>
                     <a:srgbClr val="000000"/>
                   </a:solidFill>
@@ -2241,7 +2241,7 @@
             </a:ln>
             <a:extLst>
               <a:ext uri="{91240B29-F687-4f45-9708-019B960494DF}">
-                <a14:hiddenLine xmlns:a14="http://schemas.microsoft.com/office/drawing/2010/main" xmlns="" w="9525">
+                <a14:hiddenLine xmlns="" xmlns:a14="http://schemas.microsoft.com/office/drawing/2010/main" w="9525">
                   <a:solidFill>
                     <a:srgbClr val="000000"/>
                   </a:solidFill>
@@ -2331,7 +2331,7 @@
             </a:ln>
             <a:extLst>
               <a:ext uri="{91240B29-F687-4f45-9708-019B960494DF}">
-                <a14:hiddenLine xmlns:a14="http://schemas.microsoft.com/office/drawing/2010/main" xmlns="" w="9525">
+                <a14:hiddenLine xmlns="" xmlns:a14="http://schemas.microsoft.com/office/drawing/2010/main" w="9525">
                   <a:solidFill>
                     <a:srgbClr val="000000"/>
                   </a:solidFill>
@@ -2365,7 +2365,7 @@
             </a:ln>
             <a:extLst>
               <a:ext uri="{91240B29-F687-4f45-9708-019B960494DF}">
-                <a14:hiddenLine xmlns:a14="http://schemas.microsoft.com/office/drawing/2010/main" xmlns="" w="9525">
+                <a14:hiddenLine xmlns="" xmlns:a14="http://schemas.microsoft.com/office/drawing/2010/main" w="9525">
                   <a:solidFill>
                     <a:srgbClr val="000000"/>
                   </a:solidFill>
@@ -2455,7 +2455,7 @@
             </a:ln>
             <a:extLst>
               <a:ext uri="{91240B29-F687-4f45-9708-019B960494DF}">
-                <a14:hiddenLine xmlns:a14="http://schemas.microsoft.com/office/drawing/2010/main" xmlns="" w="9525">
+                <a14:hiddenLine xmlns="" xmlns:a14="http://schemas.microsoft.com/office/drawing/2010/main" w="9525">
                   <a:solidFill>
                     <a:srgbClr val="000000"/>
                   </a:solidFill>
@@ -2517,7 +2517,7 @@
             </a:ln>
             <a:extLst>
               <a:ext uri="{91240B29-F687-4f45-9708-019B960494DF}">
-                <a14:hiddenLine xmlns:a14="http://schemas.microsoft.com/office/drawing/2010/main" xmlns="" w="9525">
+                <a14:hiddenLine xmlns="" xmlns:a14="http://schemas.microsoft.com/office/drawing/2010/main" w="9525">
                   <a:solidFill>
                     <a:srgbClr val="000000"/>
                   </a:solidFill>
@@ -2579,7 +2579,7 @@
             </a:ln>
             <a:extLst>
               <a:ext uri="{91240B29-F687-4f45-9708-019B960494DF}">
-                <a14:hiddenLine xmlns:a14="http://schemas.microsoft.com/office/drawing/2010/main" xmlns="" w="9525">
+                <a14:hiddenLine xmlns="" xmlns:a14="http://schemas.microsoft.com/office/drawing/2010/main" w="9525">
                   <a:solidFill>
                     <a:srgbClr val="000000"/>
                   </a:solidFill>
@@ -2669,7 +2669,7 @@
             </a:ln>
             <a:extLst>
               <a:ext uri="{91240B29-F687-4f45-9708-019B960494DF}">
-                <a14:hiddenLine xmlns:a14="http://schemas.microsoft.com/office/drawing/2010/main" xmlns="" w="9525">
+                <a14:hiddenLine xmlns="" xmlns:a14="http://schemas.microsoft.com/office/drawing/2010/main" w="9525">
                   <a:solidFill>
                     <a:srgbClr val="000000"/>
                   </a:solidFill>
@@ -2737,7 +2737,7 @@
             </a:ln>
             <a:extLst>
               <a:ext uri="{91240B29-F687-4f45-9708-019B960494DF}">
-                <a14:hiddenLine xmlns:a14="http://schemas.microsoft.com/office/drawing/2010/main" xmlns="" w="9525">
+                <a14:hiddenLine xmlns="" xmlns:a14="http://schemas.microsoft.com/office/drawing/2010/main" w="9525">
                   <a:solidFill>
                     <a:srgbClr val="000000"/>
                   </a:solidFill>
@@ -2799,7 +2799,7 @@
             </a:ln>
             <a:extLst>
               <a:ext uri="{91240B29-F687-4f45-9708-019B960494DF}">
-                <a14:hiddenLine xmlns:a14="http://schemas.microsoft.com/office/drawing/2010/main" xmlns="" w="9525">
+                <a14:hiddenLine xmlns="" xmlns:a14="http://schemas.microsoft.com/office/drawing/2010/main" w="9525">
                   <a:solidFill>
                     <a:srgbClr val="000000"/>
                   </a:solidFill>
@@ -2889,7 +2889,7 @@
             </a:ln>
             <a:extLst>
               <a:ext uri="{91240B29-F687-4f45-9708-019B960494DF}">
-                <a14:hiddenLine xmlns:a14="http://schemas.microsoft.com/office/drawing/2010/main" xmlns="" w="9525">
+                <a14:hiddenLine xmlns="" xmlns:a14="http://schemas.microsoft.com/office/drawing/2010/main" w="9525">
                   <a:solidFill>
                     <a:srgbClr val="000000"/>
                   </a:solidFill>
@@ -2951,7 +2951,7 @@
             </a:ln>
             <a:extLst>
               <a:ext uri="{91240B29-F687-4f45-9708-019B960494DF}">
-                <a14:hiddenLine xmlns:a14="http://schemas.microsoft.com/office/drawing/2010/main" xmlns="" w="9525">
+                <a14:hiddenLine xmlns="" xmlns:a14="http://schemas.microsoft.com/office/drawing/2010/main" w="9525">
                   <a:solidFill>
                     <a:srgbClr val="000000"/>
                   </a:solidFill>
@@ -3041,7 +3041,7 @@
             </a:ln>
             <a:extLst>
               <a:ext uri="{91240B29-F687-4f45-9708-019B960494DF}">
-                <a14:hiddenLine xmlns:a14="http://schemas.microsoft.com/office/drawing/2010/main" xmlns="" w="9525">
+                <a14:hiddenLine xmlns="" xmlns:a14="http://schemas.microsoft.com/office/drawing/2010/main" w="9525">
                   <a:solidFill>
                     <a:srgbClr val="000000"/>
                   </a:solidFill>
@@ -3103,7 +3103,7 @@
             </a:ln>
             <a:extLst>
               <a:ext uri="{91240B29-F687-4f45-9708-019B960494DF}">
-                <a14:hiddenLine xmlns:a14="http://schemas.microsoft.com/office/drawing/2010/main" xmlns="" w="9525">
+                <a14:hiddenLine xmlns="" xmlns:a14="http://schemas.microsoft.com/office/drawing/2010/main" w="9525">
                   <a:solidFill>
                     <a:srgbClr val="000000"/>
                   </a:solidFill>
@@ -3193,7 +3193,7 @@
             </a:ln>
             <a:extLst>
               <a:ext uri="{91240B29-F687-4f45-9708-019B960494DF}">
-                <a14:hiddenLine xmlns:a14="http://schemas.microsoft.com/office/drawing/2010/main" xmlns="" w="9525">
+                <a14:hiddenLine xmlns="" xmlns:a14="http://schemas.microsoft.com/office/drawing/2010/main" w="9525">
                   <a:solidFill>
                     <a:srgbClr val="000000"/>
                   </a:solidFill>
@@ -3227,7 +3227,7 @@
             </a:ln>
             <a:extLst>
               <a:ext uri="{91240B29-F687-4f45-9708-019B960494DF}">
-                <a14:hiddenLine xmlns:a14="http://schemas.microsoft.com/office/drawing/2010/main" xmlns="" w="9525">
+                <a14:hiddenLine xmlns="" xmlns:a14="http://schemas.microsoft.com/office/drawing/2010/main" w="9525">
                   <a:solidFill>
                     <a:srgbClr val="000000"/>
                   </a:solidFill>
@@ -3292,7 +3292,7 @@
             </a:ln>
             <a:extLst>
               <a:ext uri="{91240B29-F687-4f45-9708-019B960494DF}">
-                <a14:hiddenLine xmlns:a14="http://schemas.microsoft.com/office/drawing/2010/main" xmlns="" w="9525">
+                <a14:hiddenLine xmlns="" xmlns:a14="http://schemas.microsoft.com/office/drawing/2010/main" w="9525">
                   <a:solidFill>
                     <a:srgbClr val="000000"/>
                   </a:solidFill>
@@ -3382,7 +3382,7 @@
             </a:ln>
             <a:extLst>
               <a:ext uri="{91240B29-F687-4f45-9708-019B960494DF}">
-                <a14:hiddenLine xmlns:a14="http://schemas.microsoft.com/office/drawing/2010/main" xmlns="" w="9525">
+                <a14:hiddenLine xmlns="" xmlns:a14="http://schemas.microsoft.com/office/drawing/2010/main" w="9525">
                   <a:solidFill>
                     <a:srgbClr val="000000"/>
                   </a:solidFill>
@@ -3444,7 +3444,7 @@
             </a:ln>
             <a:extLst>
               <a:ext uri="{91240B29-F687-4f45-9708-019B960494DF}">
-                <a14:hiddenLine xmlns:a14="http://schemas.microsoft.com/office/drawing/2010/main" xmlns="" w="9525">
+                <a14:hiddenLine xmlns="" xmlns:a14="http://schemas.microsoft.com/office/drawing/2010/main" w="9525">
                   <a:solidFill>
                     <a:srgbClr val="000000"/>
                   </a:solidFill>
@@ -3534,7 +3534,7 @@
             </a:ln>
             <a:extLst>
               <a:ext uri="{91240B29-F687-4f45-9708-019B960494DF}">
-                <a14:hiddenLine xmlns:a14="http://schemas.microsoft.com/office/drawing/2010/main" xmlns="" w="9525">
+                <a14:hiddenLine xmlns="" xmlns:a14="http://schemas.microsoft.com/office/drawing/2010/main" w="9525">
                   <a:solidFill>
                     <a:srgbClr val="000000"/>
                   </a:solidFill>
@@ -3624,7 +3624,7 @@
             </a:ln>
             <a:extLst>
               <a:ext uri="{91240B29-F687-4f45-9708-019B960494DF}">
-                <a14:hiddenLine xmlns:a14="http://schemas.microsoft.com/office/drawing/2010/main" xmlns="" w="9525">
+                <a14:hiddenLine xmlns="" xmlns:a14="http://schemas.microsoft.com/office/drawing/2010/main" w="9525">
                   <a:solidFill>
                     <a:srgbClr val="000000"/>
                   </a:solidFill>
@@ -3689,7 +3689,7 @@
             </a:ln>
             <a:extLst>
               <a:ext uri="{91240B29-F687-4f45-9708-019B960494DF}">
-                <a14:hiddenLine xmlns:a14="http://schemas.microsoft.com/office/drawing/2010/main" xmlns="" w="9525">
+                <a14:hiddenLine xmlns="" xmlns:a14="http://schemas.microsoft.com/office/drawing/2010/main" w="9525">
                   <a:solidFill>
                     <a:srgbClr val="000000"/>
                   </a:solidFill>
@@ -3751,7 +3751,7 @@
             </a:ln>
             <a:extLst>
               <a:ext uri="{91240B29-F687-4f45-9708-019B960494DF}">
-                <a14:hiddenLine xmlns:a14="http://schemas.microsoft.com/office/drawing/2010/main" xmlns="" w="9525">
+                <a14:hiddenLine xmlns="" xmlns:a14="http://schemas.microsoft.com/office/drawing/2010/main" w="9525">
                   <a:solidFill>
                     <a:srgbClr val="000000"/>
                   </a:solidFill>
@@ -3841,7 +3841,7 @@
             </a:ln>
             <a:extLst>
               <a:ext uri="{91240B29-F687-4f45-9708-019B960494DF}">
-                <a14:hiddenLine xmlns:a14="http://schemas.microsoft.com/office/drawing/2010/main" xmlns="" w="9525">
+                <a14:hiddenLine xmlns="" xmlns:a14="http://schemas.microsoft.com/office/drawing/2010/main" w="9525">
                   <a:solidFill>
                     <a:srgbClr val="000000"/>
                   </a:solidFill>
@@ -3931,7 +3931,7 @@
             </a:ln>
             <a:extLst>
               <a:ext uri="{91240B29-F687-4f45-9708-019B960494DF}">
-                <a14:hiddenLine xmlns:a14="http://schemas.microsoft.com/office/drawing/2010/main" xmlns="" w="9525">
+                <a14:hiddenLine xmlns="" xmlns:a14="http://schemas.microsoft.com/office/drawing/2010/main" w="9525">
                   <a:solidFill>
                     <a:srgbClr val="000000"/>
                   </a:solidFill>
@@ -3993,7 +3993,7 @@
             </a:ln>
             <a:extLst>
               <a:ext uri="{91240B29-F687-4f45-9708-019B960494DF}">
-                <a14:hiddenLine xmlns:a14="http://schemas.microsoft.com/office/drawing/2010/main" xmlns="" w="9525">
+                <a14:hiddenLine xmlns="" xmlns:a14="http://schemas.microsoft.com/office/drawing/2010/main" w="9525">
                   <a:solidFill>
                     <a:srgbClr val="000000"/>
                   </a:solidFill>
@@ -4113,7 +4113,7 @@
             </a:ln>
             <a:extLst>
               <a:ext uri="{91240B29-F687-4f45-9708-019B960494DF}">
-                <a14:hiddenLine xmlns:a14="http://schemas.microsoft.com/office/drawing/2010/main" xmlns="" w="9525">
+                <a14:hiddenLine xmlns="" xmlns:a14="http://schemas.microsoft.com/office/drawing/2010/main" w="9525">
                   <a:solidFill>
                     <a:srgbClr val="000000"/>
                   </a:solidFill>
@@ -4181,7 +4181,7 @@
             </a:ln>
             <a:extLst>
               <a:ext uri="{91240B29-F687-4f45-9708-019B960494DF}">
-                <a14:hiddenLine xmlns:a14="http://schemas.microsoft.com/office/drawing/2010/main" xmlns="" w="9525">
+                <a14:hiddenLine xmlns="" xmlns:a14="http://schemas.microsoft.com/office/drawing/2010/main" w="9525">
                   <a:solidFill>
                     <a:srgbClr val="000000"/>
                   </a:solidFill>
@@ -4271,7 +4271,7 @@
             </a:ln>
             <a:extLst>
               <a:ext uri="{91240B29-F687-4f45-9708-019B960494DF}">
-                <a14:hiddenLine xmlns:a14="http://schemas.microsoft.com/office/drawing/2010/main" xmlns="" w="9525">
+                <a14:hiddenLine xmlns="" xmlns:a14="http://schemas.microsoft.com/office/drawing/2010/main" w="9525">
                   <a:solidFill>
                     <a:srgbClr val="000000"/>
                   </a:solidFill>
@@ -4411,7 +4411,7 @@
           <a:p>
             <a:fld id="{A79F242A-E88C-47E4-8C58-35E6FB715C93}" type="datetimeFigureOut">
               <a:rPr lang="fr-CA" smtClean="0"/>
-              <a:t>2017-11-20</a:t>
+              <a:t>2017-11-29</a:t>
             </a:fld>
             <a:endParaRPr lang="fr-CA"/>
           </a:p>
@@ -4678,7 +4678,7 @@
           <a:p>
             <a:fld id="{A79F242A-E88C-47E4-8C58-35E6FB715C93}" type="datetimeFigureOut">
               <a:rPr lang="fr-CA" smtClean="0"/>
-              <a:t>2017-11-20</a:t>
+              <a:t>2017-11-29</a:t>
             </a:fld>
             <a:endParaRPr lang="fr-CA"/>
           </a:p>
@@ -4874,7 +4874,7 @@
           <a:p>
             <a:fld id="{A79F242A-E88C-47E4-8C58-35E6FB715C93}" type="datetimeFigureOut">
               <a:rPr lang="fr-CA" smtClean="0"/>
-              <a:t>2017-11-20</a:t>
+              <a:t>2017-11-29</a:t>
             </a:fld>
             <a:endParaRPr lang="fr-CA"/>
           </a:p>
@@ -5137,7 +5137,7 @@
           <a:p>
             <a:fld id="{A79F242A-E88C-47E4-8C58-35E6FB715C93}" type="datetimeFigureOut">
               <a:rPr lang="fr-CA" smtClean="0"/>
-              <a:t>2017-11-20</a:t>
+              <a:t>2017-11-29</a:t>
             </a:fld>
             <a:endParaRPr lang="fr-CA"/>
           </a:p>
@@ -5571,7 +5571,7 @@
           <a:p>
             <a:fld id="{A79F242A-E88C-47E4-8C58-35E6FB715C93}" type="datetimeFigureOut">
               <a:rPr lang="fr-CA" smtClean="0"/>
-              <a:t>2017-11-20</a:t>
+              <a:t>2017-11-29</a:t>
             </a:fld>
             <a:endParaRPr lang="fr-CA"/>
           </a:p>
@@ -6117,7 +6117,7 @@
           <a:p>
             <a:fld id="{A79F242A-E88C-47E4-8C58-35E6FB715C93}" type="datetimeFigureOut">
               <a:rPr lang="fr-CA" smtClean="0"/>
-              <a:t>2017-11-20</a:t>
+              <a:t>2017-11-29</a:t>
             </a:fld>
             <a:endParaRPr lang="fr-CA"/>
           </a:p>
@@ -6837,7 +6837,7 @@
           <a:p>
             <a:fld id="{A79F242A-E88C-47E4-8C58-35E6FB715C93}" type="datetimeFigureOut">
               <a:rPr lang="fr-CA" smtClean="0"/>
-              <a:t>2017-11-20</a:t>
+              <a:t>2017-11-29</a:t>
             </a:fld>
             <a:endParaRPr lang="fr-CA"/>
           </a:p>
@@ -7007,7 +7007,7 @@
           <a:p>
             <a:fld id="{A79F242A-E88C-47E4-8C58-35E6FB715C93}" type="datetimeFigureOut">
               <a:rPr lang="fr-CA" smtClean="0"/>
-              <a:t>2017-11-20</a:t>
+              <a:t>2017-11-29</a:t>
             </a:fld>
             <a:endParaRPr lang="fr-CA"/>
           </a:p>
@@ -7187,7 +7187,7 @@
           <a:p>
             <a:fld id="{A79F242A-E88C-47E4-8C58-35E6FB715C93}" type="datetimeFigureOut">
               <a:rPr lang="fr-CA" smtClean="0"/>
-              <a:t>2017-11-20</a:t>
+              <a:t>2017-11-29</a:t>
             </a:fld>
             <a:endParaRPr lang="fr-CA"/>
           </a:p>
@@ -7357,7 +7357,7 @@
           <a:p>
             <a:fld id="{A79F242A-E88C-47E4-8C58-35E6FB715C93}" type="datetimeFigureOut">
               <a:rPr lang="fr-CA" smtClean="0"/>
-              <a:t>2017-11-20</a:t>
+              <a:t>2017-11-29</a:t>
             </a:fld>
             <a:endParaRPr lang="fr-CA"/>
           </a:p>
@@ -7607,7 +7607,7 @@
           <a:p>
             <a:fld id="{A79F242A-E88C-47E4-8C58-35E6FB715C93}" type="datetimeFigureOut">
               <a:rPr lang="fr-CA" smtClean="0"/>
-              <a:t>2017-11-20</a:t>
+              <a:t>2017-11-29</a:t>
             </a:fld>
             <a:endParaRPr lang="fr-CA"/>
           </a:p>
@@ -7839,7 +7839,7 @@
           <a:p>
             <a:fld id="{A79F242A-E88C-47E4-8C58-35E6FB715C93}" type="datetimeFigureOut">
               <a:rPr lang="fr-CA" smtClean="0"/>
-              <a:t>2017-11-20</a:t>
+              <a:t>2017-11-29</a:t>
             </a:fld>
             <a:endParaRPr lang="fr-CA"/>
           </a:p>
@@ -8220,7 +8220,7 @@
           <a:p>
             <a:fld id="{A79F242A-E88C-47E4-8C58-35E6FB715C93}" type="datetimeFigureOut">
               <a:rPr lang="fr-CA" smtClean="0"/>
-              <a:t>2017-11-20</a:t>
+              <a:t>2017-11-29</a:t>
             </a:fld>
             <a:endParaRPr lang="fr-CA"/>
           </a:p>
@@ -8338,7 +8338,7 @@
           <a:p>
             <a:fld id="{A79F242A-E88C-47E4-8C58-35E6FB715C93}" type="datetimeFigureOut">
               <a:rPr lang="fr-CA" smtClean="0"/>
-              <a:t>2017-11-20</a:t>
+              <a:t>2017-11-29</a:t>
             </a:fld>
             <a:endParaRPr lang="fr-CA"/>
           </a:p>
@@ -8433,7 +8433,7 @@
           <a:p>
             <a:fld id="{A79F242A-E88C-47E4-8C58-35E6FB715C93}" type="datetimeFigureOut">
               <a:rPr lang="fr-CA" smtClean="0"/>
-              <a:t>2017-11-20</a:t>
+              <a:t>2017-11-29</a:t>
             </a:fld>
             <a:endParaRPr lang="fr-CA"/>
           </a:p>
@@ -8682,7 +8682,7 @@
           <a:p>
             <a:fld id="{A79F242A-E88C-47E4-8C58-35E6FB715C93}" type="datetimeFigureOut">
               <a:rPr lang="fr-CA" smtClean="0"/>
-              <a:t>2017-11-20</a:t>
+              <a:t>2017-11-29</a:t>
             </a:fld>
             <a:endParaRPr lang="fr-CA"/>
           </a:p>
@@ -8962,7 +8962,7 @@
           <a:p>
             <a:fld id="{A79F242A-E88C-47E4-8C58-35E6FB715C93}" type="datetimeFigureOut">
               <a:rPr lang="fr-CA" smtClean="0"/>
-              <a:t>2017-11-20</a:t>
+              <a:t>2017-11-29</a:t>
             </a:fld>
             <a:endParaRPr lang="fr-CA"/>
           </a:p>
@@ -9078,7 +9078,7 @@
           <a:noFill/>
           <a:extLst>
             <a:ext uri="{909E8E84-426E-40dd-AFC4-6F175D3DCCD1}">
-              <a14:hiddenFill xmlns:a14="http://schemas.microsoft.com/office/drawing/2010/main" xmlns="">
+              <a14:hiddenFill xmlns="" xmlns:a14="http://schemas.microsoft.com/office/drawing/2010/main">
                 <a:solidFill>
                   <a:srgbClr val="FFFFFF"/>
                 </a:solidFill>
@@ -9152,7 +9152,7 @@
               </a:ln>
               <a:extLst>
                 <a:ext uri="{91240B29-F687-4f45-9708-019B960494DF}">
-                  <a14:hiddenLine xmlns:a14="http://schemas.microsoft.com/office/drawing/2010/main" xmlns="" w="9525">
+                  <a14:hiddenLine xmlns="" xmlns:a14="http://schemas.microsoft.com/office/drawing/2010/main" w="9525">
                     <a:solidFill>
                       <a:srgbClr val="000000"/>
                     </a:solidFill>
@@ -9242,7 +9242,7 @@
               </a:ln>
               <a:extLst>
                 <a:ext uri="{91240B29-F687-4f45-9708-019B960494DF}">
-                  <a14:hiddenLine xmlns:a14="http://schemas.microsoft.com/office/drawing/2010/main" xmlns="" w="9525">
+                  <a14:hiddenLine xmlns="" xmlns:a14="http://schemas.microsoft.com/office/drawing/2010/main" w="9525">
                     <a:solidFill>
                       <a:srgbClr val="000000"/>
                     </a:solidFill>
@@ -9332,7 +9332,7 @@
               </a:ln>
               <a:extLst>
                 <a:ext uri="{91240B29-F687-4f45-9708-019B960494DF}">
-                  <a14:hiddenLine xmlns:a14="http://schemas.microsoft.com/office/drawing/2010/main" xmlns="" w="9525">
+                  <a14:hiddenLine xmlns="" xmlns:a14="http://schemas.microsoft.com/office/drawing/2010/main" w="9525">
                     <a:solidFill>
                       <a:srgbClr val="000000"/>
                     </a:solidFill>
@@ -9394,7 +9394,7 @@
               </a:ln>
               <a:extLst>
                 <a:ext uri="{91240B29-F687-4f45-9708-019B960494DF}">
-                  <a14:hiddenLine xmlns:a14="http://schemas.microsoft.com/office/drawing/2010/main" xmlns="" w="9525">
+                  <a14:hiddenLine xmlns="" xmlns:a14="http://schemas.microsoft.com/office/drawing/2010/main" w="9525">
                     <a:solidFill>
                       <a:srgbClr val="000000"/>
                     </a:solidFill>
@@ -9484,7 +9484,7 @@
               </a:ln>
               <a:extLst>
                 <a:ext uri="{91240B29-F687-4f45-9708-019B960494DF}">
-                  <a14:hiddenLine xmlns:a14="http://schemas.microsoft.com/office/drawing/2010/main" xmlns="" w="9525">
+                  <a14:hiddenLine xmlns="" xmlns:a14="http://schemas.microsoft.com/office/drawing/2010/main" w="9525">
                     <a:solidFill>
                       <a:srgbClr val="000000"/>
                     </a:solidFill>
@@ -9546,7 +9546,7 @@
               </a:ln>
               <a:extLst>
                 <a:ext uri="{91240B29-F687-4f45-9708-019B960494DF}">
-                  <a14:hiddenLine xmlns:a14="http://schemas.microsoft.com/office/drawing/2010/main" xmlns="" w="9525">
+                  <a14:hiddenLine xmlns="" xmlns:a14="http://schemas.microsoft.com/office/drawing/2010/main" w="9525">
                     <a:solidFill>
                       <a:srgbClr val="000000"/>
                     </a:solidFill>
@@ -9608,7 +9608,7 @@
               </a:ln>
               <a:extLst>
                 <a:ext uri="{91240B29-F687-4f45-9708-019B960494DF}">
-                  <a14:hiddenLine xmlns:a14="http://schemas.microsoft.com/office/drawing/2010/main" xmlns="" w="9525">
+                  <a14:hiddenLine xmlns="" xmlns:a14="http://schemas.microsoft.com/office/drawing/2010/main" w="9525">
                     <a:solidFill>
                       <a:srgbClr val="000000"/>
                     </a:solidFill>
@@ -9698,7 +9698,7 @@
               </a:ln>
               <a:extLst>
                 <a:ext uri="{91240B29-F687-4f45-9708-019B960494DF}">
-                  <a14:hiddenLine xmlns:a14="http://schemas.microsoft.com/office/drawing/2010/main" xmlns="" w="9525">
+                  <a14:hiddenLine xmlns="" xmlns:a14="http://schemas.microsoft.com/office/drawing/2010/main" w="9525">
                     <a:solidFill>
                       <a:srgbClr val="000000"/>
                     </a:solidFill>
@@ -9788,7 +9788,7 @@
               </a:ln>
               <a:extLst>
                 <a:ext uri="{91240B29-F687-4f45-9708-019B960494DF}">
-                  <a14:hiddenLine xmlns:a14="http://schemas.microsoft.com/office/drawing/2010/main" xmlns="" w="9525">
+                  <a14:hiddenLine xmlns="" xmlns:a14="http://schemas.microsoft.com/office/drawing/2010/main" w="9525">
                     <a:solidFill>
                       <a:srgbClr val="000000"/>
                     </a:solidFill>
@@ -9850,7 +9850,7 @@
               </a:ln>
               <a:extLst>
                 <a:ext uri="{91240B29-F687-4f45-9708-019B960494DF}">
-                  <a14:hiddenLine xmlns:a14="http://schemas.microsoft.com/office/drawing/2010/main" xmlns="" w="9525">
+                  <a14:hiddenLine xmlns="" xmlns:a14="http://schemas.microsoft.com/office/drawing/2010/main" w="9525">
                     <a:solidFill>
                       <a:srgbClr val="000000"/>
                     </a:solidFill>
@@ -9960,7 +9960,7 @@
               </a:ln>
               <a:extLst>
                 <a:ext uri="{91240B29-F687-4f45-9708-019B960494DF}">
-                  <a14:hiddenLine xmlns:a14="http://schemas.microsoft.com/office/drawing/2010/main" xmlns="" w="9525">
+                  <a14:hiddenLine xmlns="" xmlns:a14="http://schemas.microsoft.com/office/drawing/2010/main" w="9525">
                     <a:solidFill>
                       <a:srgbClr val="000000"/>
                     </a:solidFill>
@@ -10044,7 +10044,7 @@
               </a:ln>
               <a:extLst>
                 <a:ext uri="{91240B29-F687-4f45-9708-019B960494DF}">
-                  <a14:hiddenLine xmlns:a14="http://schemas.microsoft.com/office/drawing/2010/main" xmlns="" w="9525">
+                  <a14:hiddenLine xmlns="" xmlns:a14="http://schemas.microsoft.com/office/drawing/2010/main" w="9525">
                     <a:solidFill>
                       <a:srgbClr val="000000"/>
                     </a:solidFill>
@@ -10106,7 +10106,7 @@
               </a:ln>
               <a:extLst>
                 <a:ext uri="{91240B29-F687-4f45-9708-019B960494DF}">
-                  <a14:hiddenLine xmlns:a14="http://schemas.microsoft.com/office/drawing/2010/main" xmlns="" w="9525">
+                  <a14:hiddenLine xmlns="" xmlns:a14="http://schemas.microsoft.com/office/drawing/2010/main" w="9525">
                     <a:solidFill>
                       <a:srgbClr val="000000"/>
                     </a:solidFill>
@@ -10168,7 +10168,7 @@
               </a:ln>
               <a:extLst>
                 <a:ext uri="{91240B29-F687-4f45-9708-019B960494DF}">
-                  <a14:hiddenLine xmlns:a14="http://schemas.microsoft.com/office/drawing/2010/main" xmlns="" w="9525">
+                  <a14:hiddenLine xmlns="" xmlns:a14="http://schemas.microsoft.com/office/drawing/2010/main" w="9525">
                     <a:solidFill>
                       <a:srgbClr val="000000"/>
                     </a:solidFill>
@@ -10258,7 +10258,7 @@
               </a:ln>
               <a:extLst>
                 <a:ext uri="{91240B29-F687-4f45-9708-019B960494DF}">
-                  <a14:hiddenLine xmlns:a14="http://schemas.microsoft.com/office/drawing/2010/main" xmlns="" w="9525">
+                  <a14:hiddenLine xmlns="" xmlns:a14="http://schemas.microsoft.com/office/drawing/2010/main" w="9525">
                     <a:solidFill>
                       <a:srgbClr val="000000"/>
                     </a:solidFill>
@@ -10292,7 +10292,7 @@
               </a:ln>
               <a:extLst>
                 <a:ext uri="{91240B29-F687-4f45-9708-019B960494DF}">
-                  <a14:hiddenLine xmlns:a14="http://schemas.microsoft.com/office/drawing/2010/main" xmlns="" w="9525">
+                  <a14:hiddenLine xmlns="" xmlns:a14="http://schemas.microsoft.com/office/drawing/2010/main" w="9525">
                     <a:solidFill>
                       <a:srgbClr val="000000"/>
                     </a:solidFill>
@@ -10357,7 +10357,7 @@
               </a:ln>
               <a:extLst>
                 <a:ext uri="{91240B29-F687-4f45-9708-019B960494DF}">
-                  <a14:hiddenLine xmlns:a14="http://schemas.microsoft.com/office/drawing/2010/main" xmlns="" w="9525">
+                  <a14:hiddenLine xmlns="" xmlns:a14="http://schemas.microsoft.com/office/drawing/2010/main" w="9525">
                     <a:solidFill>
                       <a:srgbClr val="000000"/>
                     </a:solidFill>
@@ -10447,7 +10447,7 @@
               </a:ln>
               <a:extLst>
                 <a:ext uri="{91240B29-F687-4f45-9708-019B960494DF}">
-                  <a14:hiddenLine xmlns:a14="http://schemas.microsoft.com/office/drawing/2010/main" xmlns="" w="9525">
+                  <a14:hiddenLine xmlns="" xmlns:a14="http://schemas.microsoft.com/office/drawing/2010/main" w="9525">
                     <a:solidFill>
                       <a:srgbClr val="000000"/>
                     </a:solidFill>
@@ -10509,7 +10509,7 @@
               </a:ln>
               <a:extLst>
                 <a:ext uri="{91240B29-F687-4f45-9708-019B960494DF}">
-                  <a14:hiddenLine xmlns:a14="http://schemas.microsoft.com/office/drawing/2010/main" xmlns="" w="9525">
+                  <a14:hiddenLine xmlns="" xmlns:a14="http://schemas.microsoft.com/office/drawing/2010/main" w="9525">
                     <a:solidFill>
                       <a:srgbClr val="000000"/>
                     </a:solidFill>
@@ -10599,7 +10599,7 @@
               </a:ln>
               <a:extLst>
                 <a:ext uri="{91240B29-F687-4f45-9708-019B960494DF}">
-                  <a14:hiddenLine xmlns:a14="http://schemas.microsoft.com/office/drawing/2010/main" xmlns="" w="9525">
+                  <a14:hiddenLine xmlns="" xmlns:a14="http://schemas.microsoft.com/office/drawing/2010/main" w="9525">
                     <a:solidFill>
                       <a:srgbClr val="000000"/>
                     </a:solidFill>
@@ -10664,7 +10664,7 @@
               </a:ln>
               <a:extLst>
                 <a:ext uri="{91240B29-F687-4f45-9708-019B960494DF}">
-                  <a14:hiddenLine xmlns:a14="http://schemas.microsoft.com/office/drawing/2010/main" xmlns="" w="9525">
+                  <a14:hiddenLine xmlns="" xmlns:a14="http://schemas.microsoft.com/office/drawing/2010/main" w="9525">
                     <a:solidFill>
                       <a:srgbClr val="000000"/>
                     </a:solidFill>
@@ -10726,7 +10726,7 @@
               </a:ln>
               <a:extLst>
                 <a:ext uri="{91240B29-F687-4f45-9708-019B960494DF}">
-                  <a14:hiddenLine xmlns:a14="http://schemas.microsoft.com/office/drawing/2010/main" xmlns="" w="9525">
+                  <a14:hiddenLine xmlns="" xmlns:a14="http://schemas.microsoft.com/office/drawing/2010/main" w="9525">
                     <a:solidFill>
                       <a:srgbClr val="000000"/>
                     </a:solidFill>
@@ -10816,7 +10816,7 @@
               </a:ln>
               <a:extLst>
                 <a:ext uri="{91240B29-F687-4f45-9708-019B960494DF}">
-                  <a14:hiddenLine xmlns:a14="http://schemas.microsoft.com/office/drawing/2010/main" xmlns="" w="9525">
+                  <a14:hiddenLine xmlns="" xmlns:a14="http://schemas.microsoft.com/office/drawing/2010/main" w="9525">
                     <a:solidFill>
                       <a:srgbClr val="000000"/>
                     </a:solidFill>
@@ -10906,7 +10906,7 @@
               </a:ln>
               <a:extLst>
                 <a:ext uri="{91240B29-F687-4f45-9708-019B960494DF}">
-                  <a14:hiddenLine xmlns:a14="http://schemas.microsoft.com/office/drawing/2010/main" xmlns="" w="9525">
+                  <a14:hiddenLine xmlns="" xmlns:a14="http://schemas.microsoft.com/office/drawing/2010/main" w="9525">
                     <a:solidFill>
                       <a:srgbClr val="000000"/>
                     </a:solidFill>
@@ -10971,7 +10971,7 @@
               </a:ln>
               <a:extLst>
                 <a:ext uri="{91240B29-F687-4f45-9708-019B960494DF}">
-                  <a14:hiddenLine xmlns:a14="http://schemas.microsoft.com/office/drawing/2010/main" xmlns="" w="9525">
+                  <a14:hiddenLine xmlns="" xmlns:a14="http://schemas.microsoft.com/office/drawing/2010/main" w="9525">
                     <a:solidFill>
                       <a:srgbClr val="000000"/>
                     </a:solidFill>
@@ -11091,7 +11091,7 @@
               </a:ln>
               <a:extLst>
                 <a:ext uri="{91240B29-F687-4f45-9708-019B960494DF}">
-                  <a14:hiddenLine xmlns:a14="http://schemas.microsoft.com/office/drawing/2010/main" xmlns="" w="9525">
+                  <a14:hiddenLine xmlns="" xmlns:a14="http://schemas.microsoft.com/office/drawing/2010/main" w="9525">
                     <a:solidFill>
                       <a:srgbClr val="000000"/>
                     </a:solidFill>
@@ -11189,7 +11189,7 @@
               </a:ln>
               <a:extLst>
                 <a:ext uri="{91240B29-F687-4f45-9708-019B960494DF}">
-                  <a14:hiddenLine xmlns:a14="http://schemas.microsoft.com/office/drawing/2010/main" xmlns="" w="9525">
+                  <a14:hiddenLine xmlns="" xmlns:a14="http://schemas.microsoft.com/office/drawing/2010/main" w="9525">
                     <a:solidFill>
                       <a:srgbClr val="000000"/>
                     </a:solidFill>
@@ -11304,7 +11304,7 @@
               </a:ln>
               <a:extLst>
                 <a:ext uri="{91240B29-F687-4f45-9708-019B960494DF}">
-                  <a14:hiddenLine xmlns:a14="http://schemas.microsoft.com/office/drawing/2010/main" xmlns="" w="9525">
+                  <a14:hiddenLine xmlns="" xmlns:a14="http://schemas.microsoft.com/office/drawing/2010/main" w="9525">
                     <a:solidFill>
                       <a:srgbClr val="000000"/>
                     </a:solidFill>
@@ -11394,7 +11394,7 @@
               </a:ln>
               <a:extLst>
                 <a:ext uri="{91240B29-F687-4f45-9708-019B960494DF}">
-                  <a14:hiddenLine xmlns:a14="http://schemas.microsoft.com/office/drawing/2010/main" xmlns="" w="9525">
+                  <a14:hiddenLine xmlns="" xmlns:a14="http://schemas.microsoft.com/office/drawing/2010/main" w="9525">
                     <a:solidFill>
                       <a:srgbClr val="000000"/>
                     </a:solidFill>
@@ -11459,7 +11459,7 @@
               </a:ln>
               <a:extLst>
                 <a:ext uri="{91240B29-F687-4f45-9708-019B960494DF}">
-                  <a14:hiddenLine xmlns:a14="http://schemas.microsoft.com/office/drawing/2010/main" xmlns="" w="9525">
+                  <a14:hiddenLine xmlns="" xmlns:a14="http://schemas.microsoft.com/office/drawing/2010/main" w="9525">
                     <a:solidFill>
                       <a:srgbClr val="000000"/>
                     </a:solidFill>
@@ -11549,7 +11549,7 @@
               </a:ln>
               <a:extLst>
                 <a:ext uri="{91240B29-F687-4f45-9708-019B960494DF}">
-                  <a14:hiddenLine xmlns:a14="http://schemas.microsoft.com/office/drawing/2010/main" xmlns="" w="9525">
+                  <a14:hiddenLine xmlns="" xmlns:a14="http://schemas.microsoft.com/office/drawing/2010/main" w="9525">
                     <a:solidFill>
                       <a:srgbClr val="000000"/>
                     </a:solidFill>
@@ -11617,7 +11617,7 @@
               </a:ln>
               <a:extLst>
                 <a:ext uri="{91240B29-F687-4f45-9708-019B960494DF}">
-                  <a14:hiddenLine xmlns:a14="http://schemas.microsoft.com/office/drawing/2010/main" xmlns="" w="9525">
+                  <a14:hiddenLine xmlns="" xmlns:a14="http://schemas.microsoft.com/office/drawing/2010/main" w="9525">
                     <a:solidFill>
                       <a:srgbClr val="000000"/>
                     </a:solidFill>
@@ -11707,7 +11707,7 @@
               </a:ln>
               <a:extLst>
                 <a:ext uri="{91240B29-F687-4f45-9708-019B960494DF}">
-                  <a14:hiddenLine xmlns:a14="http://schemas.microsoft.com/office/drawing/2010/main" xmlns="" w="9525">
+                  <a14:hiddenLine xmlns="" xmlns:a14="http://schemas.microsoft.com/office/drawing/2010/main" w="9525">
                     <a:solidFill>
                       <a:srgbClr val="000000"/>
                     </a:solidFill>
@@ -11775,7 +11775,7 @@
               </a:ln>
               <a:extLst>
                 <a:ext uri="{91240B29-F687-4f45-9708-019B960494DF}">
-                  <a14:hiddenLine xmlns:a14="http://schemas.microsoft.com/office/drawing/2010/main" xmlns="" w="9525">
+                  <a14:hiddenLine xmlns="" xmlns:a14="http://schemas.microsoft.com/office/drawing/2010/main" w="9525">
                     <a:solidFill>
                       <a:srgbClr val="000000"/>
                     </a:solidFill>
@@ -11865,7 +11865,7 @@
               </a:ln>
               <a:extLst>
                 <a:ext uri="{91240B29-F687-4f45-9708-019B960494DF}">
-                  <a14:hiddenLine xmlns:a14="http://schemas.microsoft.com/office/drawing/2010/main" xmlns="" w="9525">
+                  <a14:hiddenLine xmlns="" xmlns:a14="http://schemas.microsoft.com/office/drawing/2010/main" w="9525">
                     <a:solidFill>
                       <a:srgbClr val="000000"/>
                     </a:solidFill>
@@ -11899,7 +11899,7 @@
               </a:ln>
               <a:extLst>
                 <a:ext uri="{91240B29-F687-4f45-9708-019B960494DF}">
-                  <a14:hiddenLine xmlns:a14="http://schemas.microsoft.com/office/drawing/2010/main" xmlns="" w="9525">
+                  <a14:hiddenLine xmlns="" xmlns:a14="http://schemas.microsoft.com/office/drawing/2010/main" w="9525">
                     <a:solidFill>
                       <a:srgbClr val="000000"/>
                     </a:solidFill>
@@ -12039,7 +12039,7 @@
           <a:p>
             <a:fld id="{A79F242A-E88C-47E4-8C58-35E6FB715C93}" type="datetimeFigureOut">
               <a:rPr lang="fr-CA" smtClean="0"/>
-              <a:t>2017-11-20</a:t>
+              <a:t>2017-11-29</a:t>
             </a:fld>
             <a:endParaRPr lang="fr-CA"/>
           </a:p>
@@ -12788,7 +12788,7 @@
             </a:ln>
             <a:extLst>
               <a:ext uri="{91240B29-F687-4f45-9708-019B960494DF}">
-                <a14:hiddenLine xmlns:a14="http://schemas.microsoft.com/office/drawing/2010/main" xmlns:p14="http://schemas.microsoft.com/office/powerpoint/2010/main" xmlns:a16="http://schemas.microsoft.com/office/drawing/2014/main" xmlns="" w="9525">
+                <a14:hiddenLine xmlns="" xmlns:a16="http://schemas.microsoft.com/office/drawing/2014/main" xmlns:p14="http://schemas.microsoft.com/office/powerpoint/2010/main" xmlns:a14="http://schemas.microsoft.com/office/drawing/2010/main" w="9525">
                   <a:solidFill>
                     <a:srgbClr val="000000"/>
                   </a:solidFill>
@@ -12890,7 +12890,7 @@
             </a:ln>
             <a:extLst>
               <a:ext uri="{91240B29-F687-4f45-9708-019B960494DF}">
-                <a14:hiddenLine xmlns:a14="http://schemas.microsoft.com/office/drawing/2010/main" xmlns:p14="http://schemas.microsoft.com/office/powerpoint/2010/main" xmlns:a16="http://schemas.microsoft.com/office/drawing/2014/main" xmlns="" w="9525">
+                <a14:hiddenLine xmlns="" xmlns:a16="http://schemas.microsoft.com/office/drawing/2014/main" xmlns:p14="http://schemas.microsoft.com/office/powerpoint/2010/main" xmlns:a14="http://schemas.microsoft.com/office/drawing/2010/main" w="9525">
                   <a:solidFill>
                     <a:srgbClr val="000000"/>
                   </a:solidFill>
@@ -12992,7 +12992,7 @@
             </a:ln>
             <a:extLst>
               <a:ext uri="{91240B29-F687-4f45-9708-019B960494DF}">
-                <a14:hiddenLine xmlns:a14="http://schemas.microsoft.com/office/drawing/2010/main" xmlns:p14="http://schemas.microsoft.com/office/powerpoint/2010/main" xmlns:a16="http://schemas.microsoft.com/office/drawing/2014/main" xmlns="" w="9525">
+                <a14:hiddenLine xmlns="" xmlns:a16="http://schemas.microsoft.com/office/drawing/2014/main" xmlns:p14="http://schemas.microsoft.com/office/powerpoint/2010/main" xmlns:a14="http://schemas.microsoft.com/office/drawing/2010/main" w="9525">
                   <a:solidFill>
                     <a:srgbClr val="000000"/>
                   </a:solidFill>
@@ -13066,7 +13066,7 @@
             </a:ln>
             <a:extLst>
               <a:ext uri="{91240B29-F687-4f45-9708-019B960494DF}">
-                <a14:hiddenLine xmlns:a14="http://schemas.microsoft.com/office/drawing/2010/main" xmlns:p14="http://schemas.microsoft.com/office/powerpoint/2010/main" xmlns:a16="http://schemas.microsoft.com/office/drawing/2014/main" xmlns="" w="9525">
+                <a14:hiddenLine xmlns="" xmlns:a16="http://schemas.microsoft.com/office/drawing/2014/main" xmlns:p14="http://schemas.microsoft.com/office/powerpoint/2010/main" xmlns:a14="http://schemas.microsoft.com/office/drawing/2010/main" w="9525">
                   <a:solidFill>
                     <a:srgbClr val="000000"/>
                   </a:solidFill>
@@ -13168,7 +13168,7 @@
             </a:ln>
             <a:extLst>
               <a:ext uri="{91240B29-F687-4f45-9708-019B960494DF}">
-                <a14:hiddenLine xmlns:a14="http://schemas.microsoft.com/office/drawing/2010/main" xmlns:p14="http://schemas.microsoft.com/office/powerpoint/2010/main" xmlns:a16="http://schemas.microsoft.com/office/drawing/2014/main" xmlns="" w="9525">
+                <a14:hiddenLine xmlns="" xmlns:a16="http://schemas.microsoft.com/office/drawing/2014/main" xmlns:p14="http://schemas.microsoft.com/office/powerpoint/2010/main" xmlns:a14="http://schemas.microsoft.com/office/drawing/2010/main" w="9525">
                   <a:solidFill>
                     <a:srgbClr val="000000"/>
                   </a:solidFill>
@@ -13242,7 +13242,7 @@
             </a:ln>
             <a:extLst>
               <a:ext uri="{91240B29-F687-4f45-9708-019B960494DF}">
-                <a14:hiddenLine xmlns:a14="http://schemas.microsoft.com/office/drawing/2010/main" xmlns:p14="http://schemas.microsoft.com/office/powerpoint/2010/main" xmlns:a16="http://schemas.microsoft.com/office/drawing/2014/main" xmlns="" w="9525">
+                <a14:hiddenLine xmlns="" xmlns:a16="http://schemas.microsoft.com/office/drawing/2014/main" xmlns:p14="http://schemas.microsoft.com/office/powerpoint/2010/main" xmlns:a14="http://schemas.microsoft.com/office/drawing/2010/main" w="9525">
                   <a:solidFill>
                     <a:srgbClr val="000000"/>
                   </a:solidFill>
@@ -13316,7 +13316,7 @@
             </a:ln>
             <a:extLst>
               <a:ext uri="{91240B29-F687-4f45-9708-019B960494DF}">
-                <a14:hiddenLine xmlns:a14="http://schemas.microsoft.com/office/drawing/2010/main" xmlns:p14="http://schemas.microsoft.com/office/powerpoint/2010/main" xmlns:a16="http://schemas.microsoft.com/office/drawing/2014/main" xmlns="" w="9525">
+                <a14:hiddenLine xmlns="" xmlns:a16="http://schemas.microsoft.com/office/drawing/2014/main" xmlns:p14="http://schemas.microsoft.com/office/powerpoint/2010/main" xmlns:a14="http://schemas.microsoft.com/office/drawing/2010/main" w="9525">
                   <a:solidFill>
                     <a:srgbClr val="000000"/>
                   </a:solidFill>
@@ -13418,7 +13418,7 @@
             </a:ln>
             <a:extLst>
               <a:ext uri="{91240B29-F687-4f45-9708-019B960494DF}">
-                <a14:hiddenLine xmlns:a14="http://schemas.microsoft.com/office/drawing/2010/main" xmlns:p14="http://schemas.microsoft.com/office/powerpoint/2010/main" xmlns:a16="http://schemas.microsoft.com/office/drawing/2014/main" xmlns="" w="9525">
+                <a14:hiddenLine xmlns="" xmlns:a16="http://schemas.microsoft.com/office/drawing/2014/main" xmlns:p14="http://schemas.microsoft.com/office/powerpoint/2010/main" xmlns:a14="http://schemas.microsoft.com/office/drawing/2010/main" w="9525">
                   <a:solidFill>
                     <a:srgbClr val="000000"/>
                   </a:solidFill>
@@ -13520,7 +13520,7 @@
             </a:ln>
             <a:extLst>
               <a:ext uri="{91240B29-F687-4f45-9708-019B960494DF}">
-                <a14:hiddenLine xmlns:a14="http://schemas.microsoft.com/office/drawing/2010/main" xmlns:p14="http://schemas.microsoft.com/office/powerpoint/2010/main" xmlns:a16="http://schemas.microsoft.com/office/drawing/2014/main" xmlns="" w="9525">
+                <a14:hiddenLine xmlns="" xmlns:a16="http://schemas.microsoft.com/office/drawing/2014/main" xmlns:p14="http://schemas.microsoft.com/office/powerpoint/2010/main" xmlns:a14="http://schemas.microsoft.com/office/drawing/2010/main" w="9525">
                   <a:solidFill>
                     <a:srgbClr val="000000"/>
                   </a:solidFill>
@@ -13594,7 +13594,7 @@
             </a:ln>
             <a:extLst>
               <a:ext uri="{91240B29-F687-4f45-9708-019B960494DF}">
-                <a14:hiddenLine xmlns:a14="http://schemas.microsoft.com/office/drawing/2010/main" xmlns:p14="http://schemas.microsoft.com/office/powerpoint/2010/main" xmlns:a16="http://schemas.microsoft.com/office/drawing/2014/main" xmlns="" w="9525">
+                <a14:hiddenLine xmlns="" xmlns:a16="http://schemas.microsoft.com/office/drawing/2014/main" xmlns:p14="http://schemas.microsoft.com/office/powerpoint/2010/main" xmlns:a14="http://schemas.microsoft.com/office/drawing/2010/main" w="9525">
                   <a:solidFill>
                     <a:srgbClr val="000000"/>
                   </a:solidFill>
@@ -13716,7 +13716,7 @@
             </a:ln>
             <a:extLst>
               <a:ext uri="{91240B29-F687-4f45-9708-019B960494DF}">
-                <a14:hiddenLine xmlns:a14="http://schemas.microsoft.com/office/drawing/2010/main" xmlns:p14="http://schemas.microsoft.com/office/powerpoint/2010/main" xmlns:a16="http://schemas.microsoft.com/office/drawing/2014/main" xmlns="" w="9525">
+                <a14:hiddenLine xmlns="" xmlns:a16="http://schemas.microsoft.com/office/drawing/2014/main" xmlns:p14="http://schemas.microsoft.com/office/powerpoint/2010/main" xmlns:a14="http://schemas.microsoft.com/office/drawing/2010/main" w="9525">
                   <a:solidFill>
                     <a:srgbClr val="000000"/>
                   </a:solidFill>
@@ -13824,7 +13824,7 @@
             </a:ln>
             <a:extLst>
               <a:ext uri="{91240B29-F687-4f45-9708-019B960494DF}">
-                <a14:hiddenLine xmlns:a14="http://schemas.microsoft.com/office/drawing/2010/main" xmlns:p14="http://schemas.microsoft.com/office/powerpoint/2010/main" xmlns:a16="http://schemas.microsoft.com/office/drawing/2014/main" xmlns="" w="9525">
+                <a14:hiddenLine xmlns="" xmlns:a16="http://schemas.microsoft.com/office/drawing/2014/main" xmlns:p14="http://schemas.microsoft.com/office/powerpoint/2010/main" xmlns:a14="http://schemas.microsoft.com/office/drawing/2010/main" w="9525">
                   <a:solidFill>
                     <a:srgbClr val="000000"/>
                   </a:solidFill>
@@ -13898,7 +13898,7 @@
             </a:ln>
             <a:extLst>
               <a:ext uri="{91240B29-F687-4f45-9708-019B960494DF}">
-                <a14:hiddenLine xmlns:a14="http://schemas.microsoft.com/office/drawing/2010/main" xmlns:p14="http://schemas.microsoft.com/office/powerpoint/2010/main" xmlns:a16="http://schemas.microsoft.com/office/drawing/2014/main" xmlns="" w="9525">
+                <a14:hiddenLine xmlns="" xmlns:a16="http://schemas.microsoft.com/office/drawing/2014/main" xmlns:p14="http://schemas.microsoft.com/office/powerpoint/2010/main" xmlns:a14="http://schemas.microsoft.com/office/drawing/2010/main" w="9525">
                   <a:solidFill>
                     <a:srgbClr val="000000"/>
                   </a:solidFill>
@@ -13972,7 +13972,7 @@
             </a:ln>
             <a:extLst>
               <a:ext uri="{91240B29-F687-4f45-9708-019B960494DF}">
-                <a14:hiddenLine xmlns:a14="http://schemas.microsoft.com/office/drawing/2010/main" xmlns:p14="http://schemas.microsoft.com/office/powerpoint/2010/main" xmlns:a16="http://schemas.microsoft.com/office/drawing/2014/main" xmlns="" w="9525">
+                <a14:hiddenLine xmlns="" xmlns:a16="http://schemas.microsoft.com/office/drawing/2014/main" xmlns:p14="http://schemas.microsoft.com/office/powerpoint/2010/main" xmlns:a14="http://schemas.microsoft.com/office/drawing/2010/main" w="9525">
                   <a:solidFill>
                     <a:srgbClr val="000000"/>
                   </a:solidFill>
@@ -14074,7 +14074,7 @@
             </a:ln>
             <a:extLst>
               <a:ext uri="{91240B29-F687-4f45-9708-019B960494DF}">
-                <a14:hiddenLine xmlns:a14="http://schemas.microsoft.com/office/drawing/2010/main" xmlns:p14="http://schemas.microsoft.com/office/powerpoint/2010/main" xmlns:a16="http://schemas.microsoft.com/office/drawing/2014/main" xmlns="" w="9525">
+                <a14:hiddenLine xmlns="" xmlns:a16="http://schemas.microsoft.com/office/drawing/2014/main" xmlns:p14="http://schemas.microsoft.com/office/powerpoint/2010/main" xmlns:a14="http://schemas.microsoft.com/office/drawing/2010/main" w="9525">
                   <a:solidFill>
                     <a:srgbClr val="000000"/>
                   </a:solidFill>
@@ -14120,7 +14120,7 @@
             </a:ln>
             <a:extLst>
               <a:ext uri="{91240B29-F687-4f45-9708-019B960494DF}">
-                <a14:hiddenLine xmlns:a14="http://schemas.microsoft.com/office/drawing/2010/main" xmlns:p14="http://schemas.microsoft.com/office/powerpoint/2010/main" xmlns:a16="http://schemas.microsoft.com/office/drawing/2014/main" xmlns="" w="9525">
+                <a14:hiddenLine xmlns="" xmlns:a16="http://schemas.microsoft.com/office/drawing/2014/main" xmlns:p14="http://schemas.microsoft.com/office/powerpoint/2010/main" xmlns:a14="http://schemas.microsoft.com/office/drawing/2010/main" w="9525">
                   <a:solidFill>
                     <a:srgbClr val="000000"/>
                   </a:solidFill>
@@ -14197,7 +14197,7 @@
             </a:ln>
             <a:extLst>
               <a:ext uri="{91240B29-F687-4f45-9708-019B960494DF}">
-                <a14:hiddenLine xmlns:a14="http://schemas.microsoft.com/office/drawing/2010/main" xmlns:p14="http://schemas.microsoft.com/office/powerpoint/2010/main" xmlns:a16="http://schemas.microsoft.com/office/drawing/2014/main" xmlns="" w="9525">
+                <a14:hiddenLine xmlns="" xmlns:a16="http://schemas.microsoft.com/office/drawing/2014/main" xmlns:p14="http://schemas.microsoft.com/office/powerpoint/2010/main" xmlns:a14="http://schemas.microsoft.com/office/drawing/2010/main" w="9525">
                   <a:solidFill>
                     <a:srgbClr val="000000"/>
                   </a:solidFill>
@@ -14299,7 +14299,7 @@
             </a:ln>
             <a:extLst>
               <a:ext uri="{91240B29-F687-4f45-9708-019B960494DF}">
-                <a14:hiddenLine xmlns:a14="http://schemas.microsoft.com/office/drawing/2010/main" xmlns:p14="http://schemas.microsoft.com/office/powerpoint/2010/main" xmlns:a16="http://schemas.microsoft.com/office/drawing/2014/main" xmlns="" w="9525">
+                <a14:hiddenLine xmlns="" xmlns:a16="http://schemas.microsoft.com/office/drawing/2014/main" xmlns:p14="http://schemas.microsoft.com/office/powerpoint/2010/main" xmlns:a14="http://schemas.microsoft.com/office/drawing/2010/main" w="9525">
                   <a:solidFill>
                     <a:srgbClr val="000000"/>
                   </a:solidFill>
@@ -14373,7 +14373,7 @@
             </a:ln>
             <a:extLst>
               <a:ext uri="{91240B29-F687-4f45-9708-019B960494DF}">
-                <a14:hiddenLine xmlns:a14="http://schemas.microsoft.com/office/drawing/2010/main" xmlns:p14="http://schemas.microsoft.com/office/powerpoint/2010/main" xmlns:a16="http://schemas.microsoft.com/office/drawing/2014/main" xmlns="" w="9525">
+                <a14:hiddenLine xmlns="" xmlns:a16="http://schemas.microsoft.com/office/drawing/2014/main" xmlns:p14="http://schemas.microsoft.com/office/powerpoint/2010/main" xmlns:a14="http://schemas.microsoft.com/office/drawing/2010/main" w="9525">
                   <a:solidFill>
                     <a:srgbClr val="000000"/>
                   </a:solidFill>
@@ -14475,7 +14475,7 @@
             </a:ln>
             <a:extLst>
               <a:ext uri="{91240B29-F687-4f45-9708-019B960494DF}">
-                <a14:hiddenLine xmlns:a14="http://schemas.microsoft.com/office/drawing/2010/main" xmlns:p14="http://schemas.microsoft.com/office/powerpoint/2010/main" xmlns:a16="http://schemas.microsoft.com/office/drawing/2014/main" xmlns="" w="9525">
+                <a14:hiddenLine xmlns="" xmlns:a16="http://schemas.microsoft.com/office/drawing/2014/main" xmlns:p14="http://schemas.microsoft.com/office/powerpoint/2010/main" xmlns:a14="http://schemas.microsoft.com/office/drawing/2010/main" w="9525">
                   <a:solidFill>
                     <a:srgbClr val="000000"/>
                   </a:solidFill>
@@ -14552,7 +14552,7 @@
             </a:ln>
             <a:extLst>
               <a:ext uri="{91240B29-F687-4f45-9708-019B960494DF}">
-                <a14:hiddenLine xmlns:a14="http://schemas.microsoft.com/office/drawing/2010/main" xmlns:p14="http://schemas.microsoft.com/office/powerpoint/2010/main" xmlns:a16="http://schemas.microsoft.com/office/drawing/2014/main" xmlns="" w="9525">
+                <a14:hiddenLine xmlns="" xmlns:a16="http://schemas.microsoft.com/office/drawing/2014/main" xmlns:p14="http://schemas.microsoft.com/office/powerpoint/2010/main" xmlns:a14="http://schemas.microsoft.com/office/drawing/2010/main" w="9525">
                   <a:solidFill>
                     <a:srgbClr val="000000"/>
                   </a:solidFill>
@@ -14626,7 +14626,7 @@
             </a:ln>
             <a:extLst>
               <a:ext uri="{91240B29-F687-4f45-9708-019B960494DF}">
-                <a14:hiddenLine xmlns:a14="http://schemas.microsoft.com/office/drawing/2010/main" xmlns:p14="http://schemas.microsoft.com/office/powerpoint/2010/main" xmlns:a16="http://schemas.microsoft.com/office/drawing/2014/main" xmlns="" w="9525">
+                <a14:hiddenLine xmlns="" xmlns:a16="http://schemas.microsoft.com/office/drawing/2014/main" xmlns:p14="http://schemas.microsoft.com/office/powerpoint/2010/main" xmlns:a14="http://schemas.microsoft.com/office/drawing/2010/main" w="9525">
                   <a:solidFill>
                     <a:srgbClr val="000000"/>
                   </a:solidFill>
@@ -14728,7 +14728,7 @@
             </a:ln>
             <a:extLst>
               <a:ext uri="{91240B29-F687-4f45-9708-019B960494DF}">
-                <a14:hiddenLine xmlns:a14="http://schemas.microsoft.com/office/drawing/2010/main" xmlns:p14="http://schemas.microsoft.com/office/powerpoint/2010/main" xmlns:a16="http://schemas.microsoft.com/office/drawing/2014/main" xmlns="" w="9525">
+                <a14:hiddenLine xmlns="" xmlns:a16="http://schemas.microsoft.com/office/drawing/2014/main" xmlns:p14="http://schemas.microsoft.com/office/powerpoint/2010/main" xmlns:a14="http://schemas.microsoft.com/office/drawing/2010/main" w="9525">
                   <a:solidFill>
                     <a:srgbClr val="000000"/>
                   </a:solidFill>
@@ -14830,7 +14830,7 @@
             </a:ln>
             <a:extLst>
               <a:ext uri="{91240B29-F687-4f45-9708-019B960494DF}">
-                <a14:hiddenLine xmlns:a14="http://schemas.microsoft.com/office/drawing/2010/main" xmlns:p14="http://schemas.microsoft.com/office/powerpoint/2010/main" xmlns:a16="http://schemas.microsoft.com/office/drawing/2014/main" xmlns="" w="9525">
+                <a14:hiddenLine xmlns="" xmlns:a16="http://schemas.microsoft.com/office/drawing/2014/main" xmlns:p14="http://schemas.microsoft.com/office/powerpoint/2010/main" xmlns:a14="http://schemas.microsoft.com/office/drawing/2010/main" w="9525">
                   <a:solidFill>
                     <a:srgbClr val="000000"/>
                   </a:solidFill>
@@ -14907,7 +14907,7 @@
             </a:ln>
             <a:extLst>
               <a:ext uri="{91240B29-F687-4f45-9708-019B960494DF}">
-                <a14:hiddenLine xmlns:a14="http://schemas.microsoft.com/office/drawing/2010/main" xmlns:p14="http://schemas.microsoft.com/office/powerpoint/2010/main" xmlns:a16="http://schemas.microsoft.com/office/drawing/2014/main" xmlns="" w="9525">
+                <a14:hiddenLine xmlns="" xmlns:a16="http://schemas.microsoft.com/office/drawing/2014/main" xmlns:p14="http://schemas.microsoft.com/office/powerpoint/2010/main" xmlns:a14="http://schemas.microsoft.com/office/drawing/2010/main" w="9525">
                   <a:solidFill>
                     <a:srgbClr val="000000"/>
                   </a:solidFill>
@@ -15039,7 +15039,7 @@
             </a:ln>
             <a:extLst>
               <a:ext uri="{91240B29-F687-4f45-9708-019B960494DF}">
-                <a14:hiddenLine xmlns:a14="http://schemas.microsoft.com/office/drawing/2010/main" xmlns:p14="http://schemas.microsoft.com/office/powerpoint/2010/main" xmlns:a16="http://schemas.microsoft.com/office/drawing/2014/main" xmlns="" w="9525">
+                <a14:hiddenLine xmlns="" xmlns:a16="http://schemas.microsoft.com/office/drawing/2014/main" xmlns:p14="http://schemas.microsoft.com/office/powerpoint/2010/main" xmlns:a14="http://schemas.microsoft.com/office/drawing/2010/main" w="9525">
                   <a:solidFill>
                     <a:srgbClr val="000000"/>
                   </a:solidFill>
@@ -15315,7 +15315,7 @@
             </a:ln>
             <a:extLst>
               <a:ext uri="{91240B29-F687-4f45-9708-019B960494DF}">
-                <a14:hiddenLine xmlns="" xmlns:a16="http://schemas.microsoft.com/office/drawing/2014/main" xmlns:p14="http://schemas.microsoft.com/office/powerpoint/2010/main" xmlns:a14="http://schemas.microsoft.com/office/drawing/2010/main" w="9525">
+                <a14:hiddenLine xmlns:a14="http://schemas.microsoft.com/office/drawing/2010/main" xmlns:p14="http://schemas.microsoft.com/office/powerpoint/2010/main" xmlns:a16="http://schemas.microsoft.com/office/drawing/2014/main" xmlns="" w="9525">
                   <a:solidFill>
                     <a:srgbClr val="000000"/>
                   </a:solidFill>
@@ -15417,7 +15417,7 @@
             </a:ln>
             <a:extLst>
               <a:ext uri="{91240B29-F687-4f45-9708-019B960494DF}">
-                <a14:hiddenLine xmlns="" xmlns:a16="http://schemas.microsoft.com/office/drawing/2014/main" xmlns:p14="http://schemas.microsoft.com/office/powerpoint/2010/main" xmlns:a14="http://schemas.microsoft.com/office/drawing/2010/main" w="9525">
+                <a14:hiddenLine xmlns:a14="http://schemas.microsoft.com/office/drawing/2010/main" xmlns:p14="http://schemas.microsoft.com/office/powerpoint/2010/main" xmlns:a16="http://schemas.microsoft.com/office/drawing/2014/main" xmlns="" w="9525">
                   <a:solidFill>
                     <a:srgbClr val="000000"/>
                   </a:solidFill>
@@ -15519,7 +15519,7 @@
             </a:ln>
             <a:extLst>
               <a:ext uri="{91240B29-F687-4f45-9708-019B960494DF}">
-                <a14:hiddenLine xmlns="" xmlns:a16="http://schemas.microsoft.com/office/drawing/2014/main" xmlns:p14="http://schemas.microsoft.com/office/powerpoint/2010/main" xmlns:a14="http://schemas.microsoft.com/office/drawing/2010/main" w="9525">
+                <a14:hiddenLine xmlns:a14="http://schemas.microsoft.com/office/drawing/2010/main" xmlns:p14="http://schemas.microsoft.com/office/powerpoint/2010/main" xmlns:a16="http://schemas.microsoft.com/office/drawing/2014/main" xmlns="" w="9525">
                   <a:solidFill>
                     <a:srgbClr val="000000"/>
                   </a:solidFill>
@@ -15593,7 +15593,7 @@
             </a:ln>
             <a:extLst>
               <a:ext uri="{91240B29-F687-4f45-9708-019B960494DF}">
-                <a14:hiddenLine xmlns="" xmlns:a16="http://schemas.microsoft.com/office/drawing/2014/main" xmlns:p14="http://schemas.microsoft.com/office/powerpoint/2010/main" xmlns:a14="http://schemas.microsoft.com/office/drawing/2010/main" w="9525">
+                <a14:hiddenLine xmlns:a14="http://schemas.microsoft.com/office/drawing/2010/main" xmlns:p14="http://schemas.microsoft.com/office/powerpoint/2010/main" xmlns:a16="http://schemas.microsoft.com/office/drawing/2014/main" xmlns="" w="9525">
                   <a:solidFill>
                     <a:srgbClr val="000000"/>
                   </a:solidFill>
@@ -15695,7 +15695,7 @@
             </a:ln>
             <a:extLst>
               <a:ext uri="{91240B29-F687-4f45-9708-019B960494DF}">
-                <a14:hiddenLine xmlns="" xmlns:a16="http://schemas.microsoft.com/office/drawing/2014/main" xmlns:p14="http://schemas.microsoft.com/office/powerpoint/2010/main" xmlns:a14="http://schemas.microsoft.com/office/drawing/2010/main" w="9525">
+                <a14:hiddenLine xmlns:a14="http://schemas.microsoft.com/office/drawing/2010/main" xmlns:p14="http://schemas.microsoft.com/office/powerpoint/2010/main" xmlns:a16="http://schemas.microsoft.com/office/drawing/2014/main" xmlns="" w="9525">
                   <a:solidFill>
                     <a:srgbClr val="000000"/>
                   </a:solidFill>
@@ -15769,7 +15769,7 @@
             </a:ln>
             <a:extLst>
               <a:ext uri="{91240B29-F687-4f45-9708-019B960494DF}">
-                <a14:hiddenLine xmlns="" xmlns:a16="http://schemas.microsoft.com/office/drawing/2014/main" xmlns:p14="http://schemas.microsoft.com/office/powerpoint/2010/main" xmlns:a14="http://schemas.microsoft.com/office/drawing/2010/main" w="9525">
+                <a14:hiddenLine xmlns:a14="http://schemas.microsoft.com/office/drawing/2010/main" xmlns:p14="http://schemas.microsoft.com/office/powerpoint/2010/main" xmlns:a16="http://schemas.microsoft.com/office/drawing/2014/main" xmlns="" w="9525">
                   <a:solidFill>
                     <a:srgbClr val="000000"/>
                   </a:solidFill>
@@ -15843,7 +15843,7 @@
             </a:ln>
             <a:extLst>
               <a:ext uri="{91240B29-F687-4f45-9708-019B960494DF}">
-                <a14:hiddenLine xmlns="" xmlns:a16="http://schemas.microsoft.com/office/drawing/2014/main" xmlns:p14="http://schemas.microsoft.com/office/powerpoint/2010/main" xmlns:a14="http://schemas.microsoft.com/office/drawing/2010/main" w="9525">
+                <a14:hiddenLine xmlns:a14="http://schemas.microsoft.com/office/drawing/2010/main" xmlns:p14="http://schemas.microsoft.com/office/powerpoint/2010/main" xmlns:a16="http://schemas.microsoft.com/office/drawing/2014/main" xmlns="" w="9525">
                   <a:solidFill>
                     <a:srgbClr val="000000"/>
                   </a:solidFill>
@@ -15945,7 +15945,7 @@
             </a:ln>
             <a:extLst>
               <a:ext uri="{91240B29-F687-4f45-9708-019B960494DF}">
-                <a14:hiddenLine xmlns="" xmlns:a16="http://schemas.microsoft.com/office/drawing/2014/main" xmlns:p14="http://schemas.microsoft.com/office/powerpoint/2010/main" xmlns:a14="http://schemas.microsoft.com/office/drawing/2010/main" w="9525">
+                <a14:hiddenLine xmlns:a14="http://schemas.microsoft.com/office/drawing/2010/main" xmlns:p14="http://schemas.microsoft.com/office/powerpoint/2010/main" xmlns:a16="http://schemas.microsoft.com/office/drawing/2014/main" xmlns="" w="9525">
                   <a:solidFill>
                     <a:srgbClr val="000000"/>
                   </a:solidFill>
@@ -16047,7 +16047,7 @@
             </a:ln>
             <a:extLst>
               <a:ext uri="{91240B29-F687-4f45-9708-019B960494DF}">
-                <a14:hiddenLine xmlns="" xmlns:a16="http://schemas.microsoft.com/office/drawing/2014/main" xmlns:p14="http://schemas.microsoft.com/office/powerpoint/2010/main" xmlns:a14="http://schemas.microsoft.com/office/drawing/2010/main" w="9525">
+                <a14:hiddenLine xmlns:a14="http://schemas.microsoft.com/office/drawing/2010/main" xmlns:p14="http://schemas.microsoft.com/office/powerpoint/2010/main" xmlns:a16="http://schemas.microsoft.com/office/drawing/2014/main" xmlns="" w="9525">
                   <a:solidFill>
                     <a:srgbClr val="000000"/>
                   </a:solidFill>
@@ -16121,7 +16121,7 @@
             </a:ln>
             <a:extLst>
               <a:ext uri="{91240B29-F687-4f45-9708-019B960494DF}">
-                <a14:hiddenLine xmlns="" xmlns:a16="http://schemas.microsoft.com/office/drawing/2014/main" xmlns:p14="http://schemas.microsoft.com/office/powerpoint/2010/main" xmlns:a14="http://schemas.microsoft.com/office/drawing/2010/main" w="9525">
+                <a14:hiddenLine xmlns:a14="http://schemas.microsoft.com/office/drawing/2010/main" xmlns:p14="http://schemas.microsoft.com/office/powerpoint/2010/main" xmlns:a16="http://schemas.microsoft.com/office/drawing/2014/main" xmlns="" w="9525">
                   <a:solidFill>
                     <a:srgbClr val="000000"/>
                   </a:solidFill>
@@ -16243,7 +16243,7 @@
             </a:ln>
             <a:extLst>
               <a:ext uri="{91240B29-F687-4f45-9708-019B960494DF}">
-                <a14:hiddenLine xmlns="" xmlns:a16="http://schemas.microsoft.com/office/drawing/2014/main" xmlns:p14="http://schemas.microsoft.com/office/powerpoint/2010/main" xmlns:a14="http://schemas.microsoft.com/office/drawing/2010/main" w="9525">
+                <a14:hiddenLine xmlns:a14="http://schemas.microsoft.com/office/drawing/2010/main" xmlns:p14="http://schemas.microsoft.com/office/powerpoint/2010/main" xmlns:a16="http://schemas.microsoft.com/office/drawing/2014/main" xmlns="" w="9525">
                   <a:solidFill>
                     <a:srgbClr val="000000"/>
                   </a:solidFill>
@@ -16351,7 +16351,7 @@
             </a:ln>
             <a:extLst>
               <a:ext uri="{91240B29-F687-4f45-9708-019B960494DF}">
-                <a14:hiddenLine xmlns="" xmlns:a16="http://schemas.microsoft.com/office/drawing/2014/main" xmlns:p14="http://schemas.microsoft.com/office/powerpoint/2010/main" xmlns:a14="http://schemas.microsoft.com/office/drawing/2010/main" w="9525">
+                <a14:hiddenLine xmlns:a14="http://schemas.microsoft.com/office/drawing/2010/main" xmlns:p14="http://schemas.microsoft.com/office/powerpoint/2010/main" xmlns:a16="http://schemas.microsoft.com/office/drawing/2014/main" xmlns="" w="9525">
                   <a:solidFill>
                     <a:srgbClr val="000000"/>
                   </a:solidFill>
@@ -16425,7 +16425,7 @@
             </a:ln>
             <a:extLst>
               <a:ext uri="{91240B29-F687-4f45-9708-019B960494DF}">
-                <a14:hiddenLine xmlns="" xmlns:a16="http://schemas.microsoft.com/office/drawing/2014/main" xmlns:p14="http://schemas.microsoft.com/office/powerpoint/2010/main" xmlns:a14="http://schemas.microsoft.com/office/drawing/2010/main" w="9525">
+                <a14:hiddenLine xmlns:a14="http://schemas.microsoft.com/office/drawing/2010/main" xmlns:p14="http://schemas.microsoft.com/office/powerpoint/2010/main" xmlns:a16="http://schemas.microsoft.com/office/drawing/2014/main" xmlns="" w="9525">
                   <a:solidFill>
                     <a:srgbClr val="000000"/>
                   </a:solidFill>
@@ -16499,7 +16499,7 @@
             </a:ln>
             <a:extLst>
               <a:ext uri="{91240B29-F687-4f45-9708-019B960494DF}">
-                <a14:hiddenLine xmlns="" xmlns:a16="http://schemas.microsoft.com/office/drawing/2014/main" xmlns:p14="http://schemas.microsoft.com/office/powerpoint/2010/main" xmlns:a14="http://schemas.microsoft.com/office/drawing/2010/main" w="9525">
+                <a14:hiddenLine xmlns:a14="http://schemas.microsoft.com/office/drawing/2010/main" xmlns:p14="http://schemas.microsoft.com/office/powerpoint/2010/main" xmlns:a16="http://schemas.microsoft.com/office/drawing/2014/main" xmlns="" w="9525">
                   <a:solidFill>
                     <a:srgbClr val="000000"/>
                   </a:solidFill>
@@ -16601,7 +16601,7 @@
             </a:ln>
             <a:extLst>
               <a:ext uri="{91240B29-F687-4f45-9708-019B960494DF}">
-                <a14:hiddenLine xmlns="" xmlns:a16="http://schemas.microsoft.com/office/drawing/2014/main" xmlns:p14="http://schemas.microsoft.com/office/powerpoint/2010/main" xmlns:a14="http://schemas.microsoft.com/office/drawing/2010/main" w="9525">
+                <a14:hiddenLine xmlns:a14="http://schemas.microsoft.com/office/drawing/2010/main" xmlns:p14="http://schemas.microsoft.com/office/powerpoint/2010/main" xmlns:a16="http://schemas.microsoft.com/office/drawing/2014/main" xmlns="" w="9525">
                   <a:solidFill>
                     <a:srgbClr val="000000"/>
                   </a:solidFill>
@@ -16647,7 +16647,7 @@
             </a:ln>
             <a:extLst>
               <a:ext uri="{91240B29-F687-4f45-9708-019B960494DF}">
-                <a14:hiddenLine xmlns="" xmlns:a16="http://schemas.microsoft.com/office/drawing/2014/main" xmlns:p14="http://schemas.microsoft.com/office/powerpoint/2010/main" xmlns:a14="http://schemas.microsoft.com/office/drawing/2010/main" w="9525">
+                <a14:hiddenLine xmlns:a14="http://schemas.microsoft.com/office/drawing/2010/main" xmlns:p14="http://schemas.microsoft.com/office/powerpoint/2010/main" xmlns:a16="http://schemas.microsoft.com/office/drawing/2014/main" xmlns="" w="9525">
                   <a:solidFill>
                     <a:srgbClr val="000000"/>
                   </a:solidFill>
@@ -16724,7 +16724,7 @@
             </a:ln>
             <a:extLst>
               <a:ext uri="{91240B29-F687-4f45-9708-019B960494DF}">
-                <a14:hiddenLine xmlns="" xmlns:a16="http://schemas.microsoft.com/office/drawing/2014/main" xmlns:p14="http://schemas.microsoft.com/office/powerpoint/2010/main" xmlns:a14="http://schemas.microsoft.com/office/drawing/2010/main" w="9525">
+                <a14:hiddenLine xmlns:a14="http://schemas.microsoft.com/office/drawing/2010/main" xmlns:p14="http://schemas.microsoft.com/office/powerpoint/2010/main" xmlns:a16="http://schemas.microsoft.com/office/drawing/2014/main" xmlns="" w="9525">
                   <a:solidFill>
                     <a:srgbClr val="000000"/>
                   </a:solidFill>
@@ -16826,7 +16826,7 @@
             </a:ln>
             <a:extLst>
               <a:ext uri="{91240B29-F687-4f45-9708-019B960494DF}">
-                <a14:hiddenLine xmlns="" xmlns:a16="http://schemas.microsoft.com/office/drawing/2014/main" xmlns:p14="http://schemas.microsoft.com/office/powerpoint/2010/main" xmlns:a14="http://schemas.microsoft.com/office/drawing/2010/main" w="9525">
+                <a14:hiddenLine xmlns:a14="http://schemas.microsoft.com/office/drawing/2010/main" xmlns:p14="http://schemas.microsoft.com/office/powerpoint/2010/main" xmlns:a16="http://schemas.microsoft.com/office/drawing/2014/main" xmlns="" w="9525">
                   <a:solidFill>
                     <a:srgbClr val="000000"/>
                   </a:solidFill>
@@ -16900,7 +16900,7 @@
             </a:ln>
             <a:extLst>
               <a:ext uri="{91240B29-F687-4f45-9708-019B960494DF}">
-                <a14:hiddenLine xmlns="" xmlns:a16="http://schemas.microsoft.com/office/drawing/2014/main" xmlns:p14="http://schemas.microsoft.com/office/powerpoint/2010/main" xmlns:a14="http://schemas.microsoft.com/office/drawing/2010/main" w="9525">
+                <a14:hiddenLine xmlns:a14="http://schemas.microsoft.com/office/drawing/2010/main" xmlns:p14="http://schemas.microsoft.com/office/powerpoint/2010/main" xmlns:a16="http://schemas.microsoft.com/office/drawing/2014/main" xmlns="" w="9525">
                   <a:solidFill>
                     <a:srgbClr val="000000"/>
                   </a:solidFill>
@@ -17002,7 +17002,7 @@
             </a:ln>
             <a:extLst>
               <a:ext uri="{91240B29-F687-4f45-9708-019B960494DF}">
-                <a14:hiddenLine xmlns="" xmlns:a16="http://schemas.microsoft.com/office/drawing/2014/main" xmlns:p14="http://schemas.microsoft.com/office/powerpoint/2010/main" xmlns:a14="http://schemas.microsoft.com/office/drawing/2010/main" w="9525">
+                <a14:hiddenLine xmlns:a14="http://schemas.microsoft.com/office/drawing/2010/main" xmlns:p14="http://schemas.microsoft.com/office/powerpoint/2010/main" xmlns:a16="http://schemas.microsoft.com/office/drawing/2014/main" xmlns="" w="9525">
                   <a:solidFill>
                     <a:srgbClr val="000000"/>
                   </a:solidFill>
@@ -17079,7 +17079,7 @@
             </a:ln>
             <a:extLst>
               <a:ext uri="{91240B29-F687-4f45-9708-019B960494DF}">
-                <a14:hiddenLine xmlns="" xmlns:a16="http://schemas.microsoft.com/office/drawing/2014/main" xmlns:p14="http://schemas.microsoft.com/office/powerpoint/2010/main" xmlns:a14="http://schemas.microsoft.com/office/drawing/2010/main" w="9525">
+                <a14:hiddenLine xmlns:a14="http://schemas.microsoft.com/office/drawing/2010/main" xmlns:p14="http://schemas.microsoft.com/office/powerpoint/2010/main" xmlns:a16="http://schemas.microsoft.com/office/drawing/2014/main" xmlns="" w="9525">
                   <a:solidFill>
                     <a:srgbClr val="000000"/>
                   </a:solidFill>
@@ -17153,7 +17153,7 @@
             </a:ln>
             <a:extLst>
               <a:ext uri="{91240B29-F687-4f45-9708-019B960494DF}">
-                <a14:hiddenLine xmlns="" xmlns:a16="http://schemas.microsoft.com/office/drawing/2014/main" xmlns:p14="http://schemas.microsoft.com/office/powerpoint/2010/main" xmlns:a14="http://schemas.microsoft.com/office/drawing/2010/main" w="9525">
+                <a14:hiddenLine xmlns:a14="http://schemas.microsoft.com/office/drawing/2010/main" xmlns:p14="http://schemas.microsoft.com/office/powerpoint/2010/main" xmlns:a16="http://schemas.microsoft.com/office/drawing/2014/main" xmlns="" w="9525">
                   <a:solidFill>
                     <a:srgbClr val="000000"/>
                   </a:solidFill>
@@ -17255,7 +17255,7 @@
             </a:ln>
             <a:extLst>
               <a:ext uri="{91240B29-F687-4f45-9708-019B960494DF}">
-                <a14:hiddenLine xmlns="" xmlns:a16="http://schemas.microsoft.com/office/drawing/2014/main" xmlns:p14="http://schemas.microsoft.com/office/powerpoint/2010/main" xmlns:a14="http://schemas.microsoft.com/office/drawing/2010/main" w="9525">
+                <a14:hiddenLine xmlns:a14="http://schemas.microsoft.com/office/drawing/2010/main" xmlns:p14="http://schemas.microsoft.com/office/powerpoint/2010/main" xmlns:a16="http://schemas.microsoft.com/office/drawing/2014/main" xmlns="" w="9525">
                   <a:solidFill>
                     <a:srgbClr val="000000"/>
                   </a:solidFill>
@@ -17357,7 +17357,7 @@
             </a:ln>
             <a:extLst>
               <a:ext uri="{91240B29-F687-4f45-9708-019B960494DF}">
-                <a14:hiddenLine xmlns="" xmlns:a16="http://schemas.microsoft.com/office/drawing/2014/main" xmlns:p14="http://schemas.microsoft.com/office/powerpoint/2010/main" xmlns:a14="http://schemas.microsoft.com/office/drawing/2010/main" w="9525">
+                <a14:hiddenLine xmlns:a14="http://schemas.microsoft.com/office/drawing/2010/main" xmlns:p14="http://schemas.microsoft.com/office/powerpoint/2010/main" xmlns:a16="http://schemas.microsoft.com/office/drawing/2014/main" xmlns="" w="9525">
                   <a:solidFill>
                     <a:srgbClr val="000000"/>
                   </a:solidFill>
@@ -17434,7 +17434,7 @@
             </a:ln>
             <a:extLst>
               <a:ext uri="{91240B29-F687-4f45-9708-019B960494DF}">
-                <a14:hiddenLine xmlns="" xmlns:a16="http://schemas.microsoft.com/office/drawing/2014/main" xmlns:p14="http://schemas.microsoft.com/office/powerpoint/2010/main" xmlns:a14="http://schemas.microsoft.com/office/drawing/2010/main" w="9525">
+                <a14:hiddenLine xmlns:a14="http://schemas.microsoft.com/office/drawing/2010/main" xmlns:p14="http://schemas.microsoft.com/office/powerpoint/2010/main" xmlns:a16="http://schemas.microsoft.com/office/drawing/2014/main" xmlns="" w="9525">
                   <a:solidFill>
                     <a:srgbClr val="000000"/>
                   </a:solidFill>
@@ -17566,7 +17566,7 @@
             </a:ln>
             <a:extLst>
               <a:ext uri="{91240B29-F687-4f45-9708-019B960494DF}">
-                <a14:hiddenLine xmlns="" xmlns:a16="http://schemas.microsoft.com/office/drawing/2014/main" xmlns:p14="http://schemas.microsoft.com/office/powerpoint/2010/main" xmlns:a14="http://schemas.microsoft.com/office/drawing/2010/main" w="9525">
+                <a14:hiddenLine xmlns:a14="http://schemas.microsoft.com/office/drawing/2010/main" xmlns:p14="http://schemas.microsoft.com/office/powerpoint/2010/main" xmlns:a16="http://schemas.microsoft.com/office/drawing/2014/main" xmlns="" w="9525">
                   <a:solidFill>
                     <a:srgbClr val="000000"/>
                   </a:solidFill>
@@ -17690,7 +17690,7 @@
             </a:ln>
             <a:extLst>
               <a:ext uri="{91240B29-F687-4f45-9708-019B960494DF}">
-                <a14:hiddenLine xmlns="" xmlns:a16="http://schemas.microsoft.com/office/drawing/2014/main" xmlns:p14="http://schemas.microsoft.com/office/powerpoint/2010/main" xmlns:a14="http://schemas.microsoft.com/office/drawing/2010/main" w="9525">
+                <a14:hiddenLine xmlns:a14="http://schemas.microsoft.com/office/drawing/2010/main" xmlns:p14="http://schemas.microsoft.com/office/powerpoint/2010/main" xmlns:a16="http://schemas.microsoft.com/office/drawing/2014/main" xmlns="" w="9525">
                   <a:solidFill>
                     <a:srgbClr val="000000"/>
                   </a:solidFill>
@@ -17817,7 +17817,7 @@
             </a:ln>
             <a:extLst>
               <a:ext uri="{91240B29-F687-4f45-9708-019B960494DF}">
-                <a14:hiddenLine xmlns="" xmlns:a16="http://schemas.microsoft.com/office/drawing/2014/main" xmlns:p14="http://schemas.microsoft.com/office/powerpoint/2010/main" xmlns:a14="http://schemas.microsoft.com/office/drawing/2010/main" w="9525">
+                <a14:hiddenLine xmlns:a14="http://schemas.microsoft.com/office/drawing/2010/main" xmlns:p14="http://schemas.microsoft.com/office/powerpoint/2010/main" xmlns:a16="http://schemas.microsoft.com/office/drawing/2014/main" xmlns="" w="9525">
                   <a:solidFill>
                     <a:srgbClr val="000000"/>
                   </a:solidFill>
@@ -17919,7 +17919,7 @@
             </a:ln>
             <a:extLst>
               <a:ext uri="{91240B29-F687-4f45-9708-019B960494DF}">
-                <a14:hiddenLine xmlns="" xmlns:a16="http://schemas.microsoft.com/office/drawing/2014/main" xmlns:p14="http://schemas.microsoft.com/office/powerpoint/2010/main" xmlns:a14="http://schemas.microsoft.com/office/drawing/2010/main" w="9525">
+                <a14:hiddenLine xmlns:a14="http://schemas.microsoft.com/office/drawing/2010/main" xmlns:p14="http://schemas.microsoft.com/office/powerpoint/2010/main" xmlns:a16="http://schemas.microsoft.com/office/drawing/2014/main" xmlns="" w="9525">
                   <a:solidFill>
                     <a:srgbClr val="000000"/>
                   </a:solidFill>
@@ -17996,7 +17996,7 @@
             </a:ln>
             <a:extLst>
               <a:ext uri="{91240B29-F687-4f45-9708-019B960494DF}">
-                <a14:hiddenLine xmlns="" xmlns:a16="http://schemas.microsoft.com/office/drawing/2014/main" xmlns:p14="http://schemas.microsoft.com/office/powerpoint/2010/main" xmlns:a14="http://schemas.microsoft.com/office/drawing/2010/main" w="9525">
+                <a14:hiddenLine xmlns:a14="http://schemas.microsoft.com/office/drawing/2010/main" xmlns:p14="http://schemas.microsoft.com/office/powerpoint/2010/main" xmlns:a16="http://schemas.microsoft.com/office/drawing/2014/main" xmlns="" w="9525">
                   <a:solidFill>
                     <a:srgbClr val="000000"/>
                   </a:solidFill>
@@ -18098,7 +18098,7 @@
             </a:ln>
             <a:extLst>
               <a:ext uri="{91240B29-F687-4f45-9708-019B960494DF}">
-                <a14:hiddenLine xmlns="" xmlns:a16="http://schemas.microsoft.com/office/drawing/2014/main" xmlns:p14="http://schemas.microsoft.com/office/powerpoint/2010/main" xmlns:a14="http://schemas.microsoft.com/office/drawing/2010/main" w="9525">
+                <a14:hiddenLine xmlns:a14="http://schemas.microsoft.com/office/drawing/2010/main" xmlns:p14="http://schemas.microsoft.com/office/powerpoint/2010/main" xmlns:a16="http://schemas.microsoft.com/office/drawing/2014/main" xmlns="" w="9525">
                   <a:solidFill>
                     <a:srgbClr val="000000"/>
                   </a:solidFill>
@@ -18178,7 +18178,7 @@
             </a:ln>
             <a:extLst>
               <a:ext uri="{91240B29-F687-4f45-9708-019B960494DF}">
-                <a14:hiddenLine xmlns="" xmlns:a16="http://schemas.microsoft.com/office/drawing/2014/main" xmlns:p14="http://schemas.microsoft.com/office/powerpoint/2010/main" xmlns:a14="http://schemas.microsoft.com/office/drawing/2010/main" w="9525">
+                <a14:hiddenLine xmlns:a14="http://schemas.microsoft.com/office/drawing/2010/main" xmlns:p14="http://schemas.microsoft.com/office/powerpoint/2010/main" xmlns:a16="http://schemas.microsoft.com/office/drawing/2014/main" xmlns="" w="9525">
                   <a:solidFill>
                     <a:srgbClr val="000000"/>
                   </a:solidFill>
@@ -18280,7 +18280,7 @@
             </a:ln>
             <a:extLst>
               <a:ext uri="{91240B29-F687-4f45-9708-019B960494DF}">
-                <a14:hiddenLine xmlns="" xmlns:a16="http://schemas.microsoft.com/office/drawing/2014/main" xmlns:p14="http://schemas.microsoft.com/office/powerpoint/2010/main" xmlns:a14="http://schemas.microsoft.com/office/drawing/2010/main" w="9525">
+                <a14:hiddenLine xmlns:a14="http://schemas.microsoft.com/office/drawing/2010/main" xmlns:p14="http://schemas.microsoft.com/office/powerpoint/2010/main" xmlns:a16="http://schemas.microsoft.com/office/drawing/2014/main" xmlns="" w="9525">
                   <a:solidFill>
                     <a:srgbClr val="000000"/>
                   </a:solidFill>
@@ -18360,7 +18360,7 @@
             </a:ln>
             <a:extLst>
               <a:ext uri="{91240B29-F687-4f45-9708-019B960494DF}">
-                <a14:hiddenLine xmlns="" xmlns:a16="http://schemas.microsoft.com/office/drawing/2014/main" xmlns:p14="http://schemas.microsoft.com/office/powerpoint/2010/main" xmlns:a14="http://schemas.microsoft.com/office/drawing/2010/main" w="9525">
+                <a14:hiddenLine xmlns:a14="http://schemas.microsoft.com/office/drawing/2010/main" xmlns:p14="http://schemas.microsoft.com/office/powerpoint/2010/main" xmlns:a16="http://schemas.microsoft.com/office/drawing/2014/main" xmlns="" w="9525">
                   <a:solidFill>
                     <a:srgbClr val="000000"/>
                   </a:solidFill>
@@ -18462,7 +18462,7 @@
             </a:ln>
             <a:extLst>
               <a:ext uri="{91240B29-F687-4f45-9708-019B960494DF}">
-                <a14:hiddenLine xmlns="" xmlns:a16="http://schemas.microsoft.com/office/drawing/2014/main" xmlns:p14="http://schemas.microsoft.com/office/powerpoint/2010/main" xmlns:a14="http://schemas.microsoft.com/office/drawing/2010/main" w="9525">
+                <a14:hiddenLine xmlns:a14="http://schemas.microsoft.com/office/drawing/2010/main" xmlns:p14="http://schemas.microsoft.com/office/powerpoint/2010/main" xmlns:a16="http://schemas.microsoft.com/office/drawing/2014/main" xmlns="" w="9525">
                   <a:solidFill>
                     <a:srgbClr val="000000"/>
                   </a:solidFill>
@@ -18508,7 +18508,7 @@
             </a:ln>
             <a:extLst>
               <a:ext uri="{91240B29-F687-4f45-9708-019B960494DF}">
-                <a14:hiddenLine xmlns="" xmlns:a16="http://schemas.microsoft.com/office/drawing/2014/main" xmlns:p14="http://schemas.microsoft.com/office/powerpoint/2010/main" xmlns:a14="http://schemas.microsoft.com/office/drawing/2010/main" w="9525">
+                <a14:hiddenLine xmlns:a14="http://schemas.microsoft.com/office/drawing/2010/main" xmlns:p14="http://schemas.microsoft.com/office/powerpoint/2010/main" xmlns:a16="http://schemas.microsoft.com/office/drawing/2014/main" xmlns="" w="9525">
                   <a:solidFill>
                     <a:srgbClr val="000000"/>
                   </a:solidFill>
@@ -18795,7 +18795,7 @@
               </a:ln>
               <a:extLst>
                 <a:ext uri="{91240B29-F687-4f45-9708-019B960494DF}">
-                  <a14:hiddenLine xmlns:a14="http://schemas.microsoft.com/office/drawing/2010/main" xmlns:p14="http://schemas.microsoft.com/office/powerpoint/2010/main" xmlns="" w="9525">
+                  <a14:hiddenLine xmlns="" xmlns:p14="http://schemas.microsoft.com/office/powerpoint/2010/main" xmlns:a14="http://schemas.microsoft.com/office/drawing/2010/main" w="9525">
                     <a:solidFill>
                       <a:srgbClr val="000000"/>
                     </a:solidFill>
@@ -18897,7 +18897,7 @@
               </a:ln>
               <a:extLst>
                 <a:ext uri="{91240B29-F687-4f45-9708-019B960494DF}">
-                  <a14:hiddenLine xmlns:a14="http://schemas.microsoft.com/office/drawing/2010/main" xmlns:p14="http://schemas.microsoft.com/office/powerpoint/2010/main" xmlns="" w="9525">
+                  <a14:hiddenLine xmlns="" xmlns:p14="http://schemas.microsoft.com/office/powerpoint/2010/main" xmlns:a14="http://schemas.microsoft.com/office/drawing/2010/main" w="9525">
                     <a:solidFill>
                       <a:srgbClr val="000000"/>
                     </a:solidFill>
@@ -18999,7 +18999,7 @@
               </a:ln>
               <a:extLst>
                 <a:ext uri="{91240B29-F687-4f45-9708-019B960494DF}">
-                  <a14:hiddenLine xmlns:a14="http://schemas.microsoft.com/office/drawing/2010/main" xmlns:p14="http://schemas.microsoft.com/office/powerpoint/2010/main" xmlns="" w="9525">
+                  <a14:hiddenLine xmlns="" xmlns:p14="http://schemas.microsoft.com/office/powerpoint/2010/main" xmlns:a14="http://schemas.microsoft.com/office/drawing/2010/main" w="9525">
                     <a:solidFill>
                       <a:srgbClr val="000000"/>
                     </a:solidFill>
@@ -19073,7 +19073,7 @@
               </a:ln>
               <a:extLst>
                 <a:ext uri="{91240B29-F687-4f45-9708-019B960494DF}">
-                  <a14:hiddenLine xmlns:a14="http://schemas.microsoft.com/office/drawing/2010/main" xmlns:p14="http://schemas.microsoft.com/office/powerpoint/2010/main" xmlns="" w="9525">
+                  <a14:hiddenLine xmlns="" xmlns:p14="http://schemas.microsoft.com/office/powerpoint/2010/main" xmlns:a14="http://schemas.microsoft.com/office/drawing/2010/main" w="9525">
                     <a:solidFill>
                       <a:srgbClr val="000000"/>
                     </a:solidFill>
@@ -19175,7 +19175,7 @@
               </a:ln>
               <a:extLst>
                 <a:ext uri="{91240B29-F687-4f45-9708-019B960494DF}">
-                  <a14:hiddenLine xmlns:a14="http://schemas.microsoft.com/office/drawing/2010/main" xmlns:p14="http://schemas.microsoft.com/office/powerpoint/2010/main" xmlns="" w="9525">
+                  <a14:hiddenLine xmlns="" xmlns:p14="http://schemas.microsoft.com/office/powerpoint/2010/main" xmlns:a14="http://schemas.microsoft.com/office/drawing/2010/main" w="9525">
                     <a:solidFill>
                       <a:srgbClr val="000000"/>
                     </a:solidFill>
@@ -19249,7 +19249,7 @@
               </a:ln>
               <a:extLst>
                 <a:ext uri="{91240B29-F687-4f45-9708-019B960494DF}">
-                  <a14:hiddenLine xmlns:a14="http://schemas.microsoft.com/office/drawing/2010/main" xmlns:p14="http://schemas.microsoft.com/office/powerpoint/2010/main" xmlns="" w="9525">
+                  <a14:hiddenLine xmlns="" xmlns:p14="http://schemas.microsoft.com/office/powerpoint/2010/main" xmlns:a14="http://schemas.microsoft.com/office/drawing/2010/main" w="9525">
                     <a:solidFill>
                       <a:srgbClr val="000000"/>
                     </a:solidFill>
@@ -19323,7 +19323,7 @@
               </a:ln>
               <a:extLst>
                 <a:ext uri="{91240B29-F687-4f45-9708-019B960494DF}">
-                  <a14:hiddenLine xmlns:a14="http://schemas.microsoft.com/office/drawing/2010/main" xmlns:p14="http://schemas.microsoft.com/office/powerpoint/2010/main" xmlns="" w="9525">
+                  <a14:hiddenLine xmlns="" xmlns:p14="http://schemas.microsoft.com/office/powerpoint/2010/main" xmlns:a14="http://schemas.microsoft.com/office/drawing/2010/main" w="9525">
                     <a:solidFill>
                       <a:srgbClr val="000000"/>
                     </a:solidFill>
@@ -19425,7 +19425,7 @@
               </a:ln>
               <a:extLst>
                 <a:ext uri="{91240B29-F687-4f45-9708-019B960494DF}">
-                  <a14:hiddenLine xmlns:a14="http://schemas.microsoft.com/office/drawing/2010/main" xmlns:p14="http://schemas.microsoft.com/office/powerpoint/2010/main" xmlns="" w="9525">
+                  <a14:hiddenLine xmlns="" xmlns:p14="http://schemas.microsoft.com/office/powerpoint/2010/main" xmlns:a14="http://schemas.microsoft.com/office/drawing/2010/main" w="9525">
                     <a:solidFill>
                       <a:srgbClr val="000000"/>
                     </a:solidFill>
@@ -19527,7 +19527,7 @@
               </a:ln>
               <a:extLst>
                 <a:ext uri="{91240B29-F687-4f45-9708-019B960494DF}">
-                  <a14:hiddenLine xmlns:a14="http://schemas.microsoft.com/office/drawing/2010/main" xmlns:p14="http://schemas.microsoft.com/office/powerpoint/2010/main" xmlns="" w="9525">
+                  <a14:hiddenLine xmlns="" xmlns:p14="http://schemas.microsoft.com/office/powerpoint/2010/main" xmlns:a14="http://schemas.microsoft.com/office/drawing/2010/main" w="9525">
                     <a:solidFill>
                       <a:srgbClr val="000000"/>
                     </a:solidFill>
@@ -19601,7 +19601,7 @@
               </a:ln>
               <a:extLst>
                 <a:ext uri="{91240B29-F687-4f45-9708-019B960494DF}">
-                  <a14:hiddenLine xmlns:a14="http://schemas.microsoft.com/office/drawing/2010/main" xmlns:p14="http://schemas.microsoft.com/office/powerpoint/2010/main" xmlns="" w="9525">
+                  <a14:hiddenLine xmlns="" xmlns:p14="http://schemas.microsoft.com/office/powerpoint/2010/main" xmlns:a14="http://schemas.microsoft.com/office/drawing/2010/main" w="9525">
                     <a:solidFill>
                       <a:srgbClr val="000000"/>
                     </a:solidFill>
@@ -19723,7 +19723,7 @@
               </a:ln>
               <a:extLst>
                 <a:ext uri="{91240B29-F687-4f45-9708-019B960494DF}">
-                  <a14:hiddenLine xmlns:a14="http://schemas.microsoft.com/office/drawing/2010/main" xmlns:p14="http://schemas.microsoft.com/office/powerpoint/2010/main" xmlns="" w="9525">
+                  <a14:hiddenLine xmlns="" xmlns:p14="http://schemas.microsoft.com/office/powerpoint/2010/main" xmlns:a14="http://schemas.microsoft.com/office/drawing/2010/main" w="9525">
                     <a:solidFill>
                       <a:srgbClr val="000000"/>
                     </a:solidFill>
@@ -19831,7 +19831,7 @@
               </a:ln>
               <a:extLst>
                 <a:ext uri="{91240B29-F687-4f45-9708-019B960494DF}">
-                  <a14:hiddenLine xmlns:a14="http://schemas.microsoft.com/office/drawing/2010/main" xmlns:p14="http://schemas.microsoft.com/office/powerpoint/2010/main" xmlns="" w="9525">
+                  <a14:hiddenLine xmlns="" xmlns:p14="http://schemas.microsoft.com/office/powerpoint/2010/main" xmlns:a14="http://schemas.microsoft.com/office/drawing/2010/main" w="9525">
                     <a:solidFill>
                       <a:srgbClr val="000000"/>
                     </a:solidFill>
@@ -19905,7 +19905,7 @@
               </a:ln>
               <a:extLst>
                 <a:ext uri="{91240B29-F687-4f45-9708-019B960494DF}">
-                  <a14:hiddenLine xmlns:a14="http://schemas.microsoft.com/office/drawing/2010/main" xmlns:p14="http://schemas.microsoft.com/office/powerpoint/2010/main" xmlns="" w="9525">
+                  <a14:hiddenLine xmlns="" xmlns:p14="http://schemas.microsoft.com/office/powerpoint/2010/main" xmlns:a14="http://schemas.microsoft.com/office/drawing/2010/main" w="9525">
                     <a:solidFill>
                       <a:srgbClr val="000000"/>
                     </a:solidFill>
@@ -19979,7 +19979,7 @@
               </a:ln>
               <a:extLst>
                 <a:ext uri="{91240B29-F687-4f45-9708-019B960494DF}">
-                  <a14:hiddenLine xmlns:a14="http://schemas.microsoft.com/office/drawing/2010/main" xmlns:p14="http://schemas.microsoft.com/office/powerpoint/2010/main" xmlns="" w="9525">
+                  <a14:hiddenLine xmlns="" xmlns:p14="http://schemas.microsoft.com/office/powerpoint/2010/main" xmlns:a14="http://schemas.microsoft.com/office/drawing/2010/main" w="9525">
                     <a:solidFill>
                       <a:srgbClr val="000000"/>
                     </a:solidFill>
@@ -20081,7 +20081,7 @@
               </a:ln>
               <a:extLst>
                 <a:ext uri="{91240B29-F687-4f45-9708-019B960494DF}">
-                  <a14:hiddenLine xmlns:a14="http://schemas.microsoft.com/office/drawing/2010/main" xmlns:p14="http://schemas.microsoft.com/office/powerpoint/2010/main" xmlns="" w="9525">
+                  <a14:hiddenLine xmlns="" xmlns:p14="http://schemas.microsoft.com/office/powerpoint/2010/main" xmlns:a14="http://schemas.microsoft.com/office/drawing/2010/main" w="9525">
                     <a:solidFill>
                       <a:srgbClr val="000000"/>
                     </a:solidFill>
@@ -20127,7 +20127,7 @@
               </a:ln>
               <a:extLst>
                 <a:ext uri="{91240B29-F687-4f45-9708-019B960494DF}">
-                  <a14:hiddenLine xmlns:a14="http://schemas.microsoft.com/office/drawing/2010/main" xmlns:p14="http://schemas.microsoft.com/office/powerpoint/2010/main" xmlns="" w="9525">
+                  <a14:hiddenLine xmlns="" xmlns:p14="http://schemas.microsoft.com/office/powerpoint/2010/main" xmlns:a14="http://schemas.microsoft.com/office/drawing/2010/main" w="9525">
                     <a:solidFill>
                       <a:srgbClr val="000000"/>
                     </a:solidFill>
@@ -20204,7 +20204,7 @@
               </a:ln>
               <a:extLst>
                 <a:ext uri="{91240B29-F687-4f45-9708-019B960494DF}">
-                  <a14:hiddenLine xmlns:a14="http://schemas.microsoft.com/office/drawing/2010/main" xmlns:p14="http://schemas.microsoft.com/office/powerpoint/2010/main" xmlns="" w="9525">
+                  <a14:hiddenLine xmlns="" xmlns:p14="http://schemas.microsoft.com/office/powerpoint/2010/main" xmlns:a14="http://schemas.microsoft.com/office/drawing/2010/main" w="9525">
                     <a:solidFill>
                       <a:srgbClr val="000000"/>
                     </a:solidFill>
@@ -20306,7 +20306,7 @@
               </a:ln>
               <a:extLst>
                 <a:ext uri="{91240B29-F687-4f45-9708-019B960494DF}">
-                  <a14:hiddenLine xmlns:a14="http://schemas.microsoft.com/office/drawing/2010/main" xmlns:p14="http://schemas.microsoft.com/office/powerpoint/2010/main" xmlns="" w="9525">
+                  <a14:hiddenLine xmlns="" xmlns:p14="http://schemas.microsoft.com/office/powerpoint/2010/main" xmlns:a14="http://schemas.microsoft.com/office/drawing/2010/main" w="9525">
                     <a:solidFill>
                       <a:srgbClr val="000000"/>
                     </a:solidFill>
@@ -20380,7 +20380,7 @@
               </a:ln>
               <a:extLst>
                 <a:ext uri="{91240B29-F687-4f45-9708-019B960494DF}">
-                  <a14:hiddenLine xmlns:a14="http://schemas.microsoft.com/office/drawing/2010/main" xmlns:p14="http://schemas.microsoft.com/office/powerpoint/2010/main" xmlns="" w="9525">
+                  <a14:hiddenLine xmlns="" xmlns:p14="http://schemas.microsoft.com/office/powerpoint/2010/main" xmlns:a14="http://schemas.microsoft.com/office/drawing/2010/main" w="9525">
                     <a:solidFill>
                       <a:srgbClr val="000000"/>
                     </a:solidFill>
@@ -20482,7 +20482,7 @@
               </a:ln>
               <a:extLst>
                 <a:ext uri="{91240B29-F687-4f45-9708-019B960494DF}">
-                  <a14:hiddenLine xmlns:a14="http://schemas.microsoft.com/office/drawing/2010/main" xmlns:p14="http://schemas.microsoft.com/office/powerpoint/2010/main" xmlns="" w="9525">
+                  <a14:hiddenLine xmlns="" xmlns:p14="http://schemas.microsoft.com/office/powerpoint/2010/main" xmlns:a14="http://schemas.microsoft.com/office/drawing/2010/main" w="9525">
                     <a:solidFill>
                       <a:srgbClr val="000000"/>
                     </a:solidFill>
@@ -20559,7 +20559,7 @@
               </a:ln>
               <a:extLst>
                 <a:ext uri="{91240B29-F687-4f45-9708-019B960494DF}">
-                  <a14:hiddenLine xmlns:a14="http://schemas.microsoft.com/office/drawing/2010/main" xmlns:p14="http://schemas.microsoft.com/office/powerpoint/2010/main" xmlns="" w="9525">
+                  <a14:hiddenLine xmlns="" xmlns:p14="http://schemas.microsoft.com/office/powerpoint/2010/main" xmlns:a14="http://schemas.microsoft.com/office/drawing/2010/main" w="9525">
                     <a:solidFill>
                       <a:srgbClr val="000000"/>
                     </a:solidFill>
@@ -20633,7 +20633,7 @@
               </a:ln>
               <a:extLst>
                 <a:ext uri="{91240B29-F687-4f45-9708-019B960494DF}">
-                  <a14:hiddenLine xmlns:a14="http://schemas.microsoft.com/office/drawing/2010/main" xmlns:p14="http://schemas.microsoft.com/office/powerpoint/2010/main" xmlns="" w="9525">
+                  <a14:hiddenLine xmlns="" xmlns:p14="http://schemas.microsoft.com/office/powerpoint/2010/main" xmlns:a14="http://schemas.microsoft.com/office/drawing/2010/main" w="9525">
                     <a:solidFill>
                       <a:srgbClr val="000000"/>
                     </a:solidFill>
@@ -20735,7 +20735,7 @@
               </a:ln>
               <a:extLst>
                 <a:ext uri="{91240B29-F687-4f45-9708-019B960494DF}">
-                  <a14:hiddenLine xmlns:a14="http://schemas.microsoft.com/office/drawing/2010/main" xmlns:p14="http://schemas.microsoft.com/office/powerpoint/2010/main" xmlns="" w="9525">
+                  <a14:hiddenLine xmlns="" xmlns:p14="http://schemas.microsoft.com/office/powerpoint/2010/main" xmlns:a14="http://schemas.microsoft.com/office/drawing/2010/main" w="9525">
                     <a:solidFill>
                       <a:srgbClr val="000000"/>
                     </a:solidFill>
@@ -20837,7 +20837,7 @@
               </a:ln>
               <a:extLst>
                 <a:ext uri="{91240B29-F687-4f45-9708-019B960494DF}">
-                  <a14:hiddenLine xmlns:a14="http://schemas.microsoft.com/office/drawing/2010/main" xmlns:p14="http://schemas.microsoft.com/office/powerpoint/2010/main" xmlns="" w="9525">
+                  <a14:hiddenLine xmlns="" xmlns:p14="http://schemas.microsoft.com/office/powerpoint/2010/main" xmlns:a14="http://schemas.microsoft.com/office/drawing/2010/main" w="9525">
                     <a:solidFill>
                       <a:srgbClr val="000000"/>
                     </a:solidFill>
@@ -20914,7 +20914,7 @@
               </a:ln>
               <a:extLst>
                 <a:ext uri="{91240B29-F687-4f45-9708-019B960494DF}">
-                  <a14:hiddenLine xmlns:a14="http://schemas.microsoft.com/office/drawing/2010/main" xmlns:p14="http://schemas.microsoft.com/office/powerpoint/2010/main" xmlns="" w="9525">
+                  <a14:hiddenLine xmlns="" xmlns:p14="http://schemas.microsoft.com/office/powerpoint/2010/main" xmlns:a14="http://schemas.microsoft.com/office/drawing/2010/main" w="9525">
                     <a:solidFill>
                       <a:srgbClr val="000000"/>
                     </a:solidFill>
@@ -21046,7 +21046,7 @@
               </a:ln>
               <a:extLst>
                 <a:ext uri="{91240B29-F687-4f45-9708-019B960494DF}">
-                  <a14:hiddenLine xmlns:a14="http://schemas.microsoft.com/office/drawing/2010/main" xmlns:p14="http://schemas.microsoft.com/office/powerpoint/2010/main" xmlns="" w="9525">
+                  <a14:hiddenLine xmlns="" xmlns:p14="http://schemas.microsoft.com/office/powerpoint/2010/main" xmlns:a14="http://schemas.microsoft.com/office/drawing/2010/main" w="9525">
                     <a:solidFill>
                       <a:srgbClr val="000000"/>
                     </a:solidFill>
@@ -21165,7 +21165,7 @@
               </a:ln>
               <a:extLst>
                 <a:ext uri="{91240B29-F687-4f45-9708-019B960494DF}">
-                  <a14:hiddenLine xmlns:a14="http://schemas.microsoft.com/office/drawing/2010/main" xmlns:p14="http://schemas.microsoft.com/office/powerpoint/2010/main" xmlns="" w="9525">
+                  <a14:hiddenLine xmlns="" xmlns:p14="http://schemas.microsoft.com/office/powerpoint/2010/main" xmlns:a14="http://schemas.microsoft.com/office/drawing/2010/main" w="9525">
                     <a:solidFill>
                       <a:srgbClr val="000000"/>
                     </a:solidFill>
@@ -21292,7 +21292,7 @@
               </a:ln>
               <a:extLst>
                 <a:ext uri="{91240B29-F687-4f45-9708-019B960494DF}">
-                  <a14:hiddenLine xmlns:a14="http://schemas.microsoft.com/office/drawing/2010/main" xmlns:p14="http://schemas.microsoft.com/office/powerpoint/2010/main" xmlns="" w="9525">
+                  <a14:hiddenLine xmlns="" xmlns:p14="http://schemas.microsoft.com/office/powerpoint/2010/main" xmlns:a14="http://schemas.microsoft.com/office/drawing/2010/main" w="9525">
                     <a:solidFill>
                       <a:srgbClr val="000000"/>
                     </a:solidFill>
@@ -21394,7 +21394,7 @@
               </a:ln>
               <a:extLst>
                 <a:ext uri="{91240B29-F687-4f45-9708-019B960494DF}">
-                  <a14:hiddenLine xmlns:a14="http://schemas.microsoft.com/office/drawing/2010/main" xmlns:p14="http://schemas.microsoft.com/office/powerpoint/2010/main" xmlns="" w="9525">
+                  <a14:hiddenLine xmlns="" xmlns:p14="http://schemas.microsoft.com/office/powerpoint/2010/main" xmlns:a14="http://schemas.microsoft.com/office/drawing/2010/main" w="9525">
                     <a:solidFill>
                       <a:srgbClr val="000000"/>
                     </a:solidFill>
@@ -21471,7 +21471,7 @@
               </a:ln>
               <a:extLst>
                 <a:ext uri="{91240B29-F687-4f45-9708-019B960494DF}">
-                  <a14:hiddenLine xmlns:a14="http://schemas.microsoft.com/office/drawing/2010/main" xmlns:p14="http://schemas.microsoft.com/office/powerpoint/2010/main" xmlns="" w="9525">
+                  <a14:hiddenLine xmlns="" xmlns:p14="http://schemas.microsoft.com/office/powerpoint/2010/main" xmlns:a14="http://schemas.microsoft.com/office/drawing/2010/main" w="9525">
                     <a:solidFill>
                       <a:srgbClr val="000000"/>
                     </a:solidFill>
@@ -21573,7 +21573,7 @@
               </a:ln>
               <a:extLst>
                 <a:ext uri="{91240B29-F687-4f45-9708-019B960494DF}">
-                  <a14:hiddenLine xmlns:a14="http://schemas.microsoft.com/office/drawing/2010/main" xmlns:p14="http://schemas.microsoft.com/office/powerpoint/2010/main" xmlns="" w="9525">
+                  <a14:hiddenLine xmlns="" xmlns:p14="http://schemas.microsoft.com/office/powerpoint/2010/main" xmlns:a14="http://schemas.microsoft.com/office/drawing/2010/main" w="9525">
                     <a:solidFill>
                       <a:srgbClr val="000000"/>
                     </a:solidFill>
@@ -21653,7 +21653,7 @@
               </a:ln>
               <a:extLst>
                 <a:ext uri="{91240B29-F687-4f45-9708-019B960494DF}">
-                  <a14:hiddenLine xmlns:a14="http://schemas.microsoft.com/office/drawing/2010/main" xmlns:p14="http://schemas.microsoft.com/office/powerpoint/2010/main" xmlns="" w="9525">
+                  <a14:hiddenLine xmlns="" xmlns:p14="http://schemas.microsoft.com/office/powerpoint/2010/main" xmlns:a14="http://schemas.microsoft.com/office/drawing/2010/main" w="9525">
                     <a:solidFill>
                       <a:srgbClr val="000000"/>
                     </a:solidFill>
@@ -21755,7 +21755,7 @@
               </a:ln>
               <a:extLst>
                 <a:ext uri="{91240B29-F687-4f45-9708-019B960494DF}">
-                  <a14:hiddenLine xmlns:a14="http://schemas.microsoft.com/office/drawing/2010/main" xmlns:p14="http://schemas.microsoft.com/office/powerpoint/2010/main" xmlns="" w="9525">
+                  <a14:hiddenLine xmlns="" xmlns:p14="http://schemas.microsoft.com/office/powerpoint/2010/main" xmlns:a14="http://schemas.microsoft.com/office/drawing/2010/main" w="9525">
                     <a:solidFill>
                       <a:srgbClr val="000000"/>
                     </a:solidFill>
@@ -21835,7 +21835,7 @@
               </a:ln>
               <a:extLst>
                 <a:ext uri="{91240B29-F687-4f45-9708-019B960494DF}">
-                  <a14:hiddenLine xmlns:a14="http://schemas.microsoft.com/office/drawing/2010/main" xmlns:p14="http://schemas.microsoft.com/office/powerpoint/2010/main" xmlns="" w="9525">
+                  <a14:hiddenLine xmlns="" xmlns:p14="http://schemas.microsoft.com/office/powerpoint/2010/main" xmlns:a14="http://schemas.microsoft.com/office/drawing/2010/main" w="9525">
                     <a:solidFill>
                       <a:srgbClr val="000000"/>
                     </a:solidFill>
@@ -21937,7 +21937,7 @@
               </a:ln>
               <a:extLst>
                 <a:ext uri="{91240B29-F687-4f45-9708-019B960494DF}">
-                  <a14:hiddenLine xmlns:a14="http://schemas.microsoft.com/office/drawing/2010/main" xmlns:p14="http://schemas.microsoft.com/office/powerpoint/2010/main" xmlns="" w="9525">
+                  <a14:hiddenLine xmlns="" xmlns:p14="http://schemas.microsoft.com/office/powerpoint/2010/main" xmlns:a14="http://schemas.microsoft.com/office/drawing/2010/main" w="9525">
                     <a:solidFill>
                       <a:srgbClr val="000000"/>
                     </a:solidFill>
@@ -21983,7 +21983,7 @@
               </a:ln>
               <a:extLst>
                 <a:ext uri="{91240B29-F687-4f45-9708-019B960494DF}">
-                  <a14:hiddenLine xmlns:a14="http://schemas.microsoft.com/office/drawing/2010/main" xmlns:p14="http://schemas.microsoft.com/office/powerpoint/2010/main" xmlns="" w="9525">
+                  <a14:hiddenLine xmlns="" xmlns:p14="http://schemas.microsoft.com/office/powerpoint/2010/main" xmlns:a14="http://schemas.microsoft.com/office/drawing/2010/main" w="9525">
                     <a:solidFill>
                       <a:srgbClr val="000000"/>
                     </a:solidFill>
@@ -22042,7 +22042,7 @@
           <a:noFill/>
           <a:extLst>
             <a:ext uri="{909E8E84-426E-40dd-AFC4-6F175D3DCCD1}">
-              <a14:hiddenFill xmlns:a14="http://schemas.microsoft.com/office/drawing/2010/main" xmlns:p14="http://schemas.microsoft.com/office/powerpoint/2010/main" xmlns="">
+              <a14:hiddenFill xmlns="" xmlns:p14="http://schemas.microsoft.com/office/powerpoint/2010/main" xmlns:a14="http://schemas.microsoft.com/office/drawing/2010/main">
                 <a:solidFill>
                   <a:srgbClr val="FFFFFF"/>
                 </a:solidFill>
@@ -22438,7 +22438,7 @@
             </a:ln>
             <a:extLst>
               <a:ext uri="{91240B29-F687-4f45-9708-019B960494DF}">
-                <a14:hiddenLine xmlns="" xmlns:a16="http://schemas.microsoft.com/office/drawing/2014/main" xmlns:p14="http://schemas.microsoft.com/office/powerpoint/2010/main" xmlns:a14="http://schemas.microsoft.com/office/drawing/2010/main" w="9525">
+                <a14:hiddenLine xmlns:a14="http://schemas.microsoft.com/office/drawing/2010/main" xmlns:p14="http://schemas.microsoft.com/office/powerpoint/2010/main" xmlns:a16="http://schemas.microsoft.com/office/drawing/2014/main" xmlns="" w="9525">
                   <a:solidFill>
                     <a:srgbClr val="000000"/>
                   </a:solidFill>
@@ -22540,7 +22540,7 @@
             </a:ln>
             <a:extLst>
               <a:ext uri="{91240B29-F687-4f45-9708-019B960494DF}">
-                <a14:hiddenLine xmlns="" xmlns:a16="http://schemas.microsoft.com/office/drawing/2014/main" xmlns:p14="http://schemas.microsoft.com/office/powerpoint/2010/main" xmlns:a14="http://schemas.microsoft.com/office/drawing/2010/main" w="9525">
+                <a14:hiddenLine xmlns:a14="http://schemas.microsoft.com/office/drawing/2010/main" xmlns:p14="http://schemas.microsoft.com/office/powerpoint/2010/main" xmlns:a16="http://schemas.microsoft.com/office/drawing/2014/main" xmlns="" w="9525">
                   <a:solidFill>
                     <a:srgbClr val="000000"/>
                   </a:solidFill>
@@ -22642,7 +22642,7 @@
             </a:ln>
             <a:extLst>
               <a:ext uri="{91240B29-F687-4f45-9708-019B960494DF}">
-                <a14:hiddenLine xmlns="" xmlns:a16="http://schemas.microsoft.com/office/drawing/2014/main" xmlns:p14="http://schemas.microsoft.com/office/powerpoint/2010/main" xmlns:a14="http://schemas.microsoft.com/office/drawing/2010/main" w="9525">
+                <a14:hiddenLine xmlns:a14="http://schemas.microsoft.com/office/drawing/2010/main" xmlns:p14="http://schemas.microsoft.com/office/powerpoint/2010/main" xmlns:a16="http://schemas.microsoft.com/office/drawing/2014/main" xmlns="" w="9525">
                   <a:solidFill>
                     <a:srgbClr val="000000"/>
                   </a:solidFill>
@@ -22716,7 +22716,7 @@
             </a:ln>
             <a:extLst>
               <a:ext uri="{91240B29-F687-4f45-9708-019B960494DF}">
-                <a14:hiddenLine xmlns="" xmlns:a16="http://schemas.microsoft.com/office/drawing/2014/main" xmlns:p14="http://schemas.microsoft.com/office/powerpoint/2010/main" xmlns:a14="http://schemas.microsoft.com/office/drawing/2010/main" w="9525">
+                <a14:hiddenLine xmlns:a14="http://schemas.microsoft.com/office/drawing/2010/main" xmlns:p14="http://schemas.microsoft.com/office/powerpoint/2010/main" xmlns:a16="http://schemas.microsoft.com/office/drawing/2014/main" xmlns="" w="9525">
                   <a:solidFill>
                     <a:srgbClr val="000000"/>
                   </a:solidFill>
@@ -22818,7 +22818,7 @@
             </a:ln>
             <a:extLst>
               <a:ext uri="{91240B29-F687-4f45-9708-019B960494DF}">
-                <a14:hiddenLine xmlns="" xmlns:a16="http://schemas.microsoft.com/office/drawing/2014/main" xmlns:p14="http://schemas.microsoft.com/office/powerpoint/2010/main" xmlns:a14="http://schemas.microsoft.com/office/drawing/2010/main" w="9525">
+                <a14:hiddenLine xmlns:a14="http://schemas.microsoft.com/office/drawing/2010/main" xmlns:p14="http://schemas.microsoft.com/office/powerpoint/2010/main" xmlns:a16="http://schemas.microsoft.com/office/drawing/2014/main" xmlns="" w="9525">
                   <a:solidFill>
                     <a:srgbClr val="000000"/>
                   </a:solidFill>
@@ -22892,7 +22892,7 @@
             </a:ln>
             <a:extLst>
               <a:ext uri="{91240B29-F687-4f45-9708-019B960494DF}">
-                <a14:hiddenLine xmlns="" xmlns:a16="http://schemas.microsoft.com/office/drawing/2014/main" xmlns:p14="http://schemas.microsoft.com/office/powerpoint/2010/main" xmlns:a14="http://schemas.microsoft.com/office/drawing/2010/main" w="9525">
+                <a14:hiddenLine xmlns:a14="http://schemas.microsoft.com/office/drawing/2010/main" xmlns:p14="http://schemas.microsoft.com/office/powerpoint/2010/main" xmlns:a16="http://schemas.microsoft.com/office/drawing/2014/main" xmlns="" w="9525">
                   <a:solidFill>
                     <a:srgbClr val="000000"/>
                   </a:solidFill>
@@ -22966,7 +22966,7 @@
             </a:ln>
             <a:extLst>
               <a:ext uri="{91240B29-F687-4f45-9708-019B960494DF}">
-                <a14:hiddenLine xmlns="" xmlns:a16="http://schemas.microsoft.com/office/drawing/2014/main" xmlns:p14="http://schemas.microsoft.com/office/powerpoint/2010/main" xmlns:a14="http://schemas.microsoft.com/office/drawing/2010/main" w="9525">
+                <a14:hiddenLine xmlns:a14="http://schemas.microsoft.com/office/drawing/2010/main" xmlns:p14="http://schemas.microsoft.com/office/powerpoint/2010/main" xmlns:a16="http://schemas.microsoft.com/office/drawing/2014/main" xmlns="" w="9525">
                   <a:solidFill>
                     <a:srgbClr val="000000"/>
                   </a:solidFill>
@@ -23068,7 +23068,7 @@
             </a:ln>
             <a:extLst>
               <a:ext uri="{91240B29-F687-4f45-9708-019B960494DF}">
-                <a14:hiddenLine xmlns="" xmlns:a16="http://schemas.microsoft.com/office/drawing/2014/main" xmlns:p14="http://schemas.microsoft.com/office/powerpoint/2010/main" xmlns:a14="http://schemas.microsoft.com/office/drawing/2010/main" w="9525">
+                <a14:hiddenLine xmlns:a14="http://schemas.microsoft.com/office/drawing/2010/main" xmlns:p14="http://schemas.microsoft.com/office/powerpoint/2010/main" xmlns:a16="http://schemas.microsoft.com/office/drawing/2014/main" xmlns="" w="9525">
                   <a:solidFill>
                     <a:srgbClr val="000000"/>
                   </a:solidFill>
@@ -23170,7 +23170,7 @@
             </a:ln>
             <a:extLst>
               <a:ext uri="{91240B29-F687-4f45-9708-019B960494DF}">
-                <a14:hiddenLine xmlns="" xmlns:a16="http://schemas.microsoft.com/office/drawing/2014/main" xmlns:p14="http://schemas.microsoft.com/office/powerpoint/2010/main" xmlns:a14="http://schemas.microsoft.com/office/drawing/2010/main" w="9525">
+                <a14:hiddenLine xmlns:a14="http://schemas.microsoft.com/office/drawing/2010/main" xmlns:p14="http://schemas.microsoft.com/office/powerpoint/2010/main" xmlns:a16="http://schemas.microsoft.com/office/drawing/2014/main" xmlns="" w="9525">
                   <a:solidFill>
                     <a:srgbClr val="000000"/>
                   </a:solidFill>
@@ -23244,7 +23244,7 @@
             </a:ln>
             <a:extLst>
               <a:ext uri="{91240B29-F687-4f45-9708-019B960494DF}">
-                <a14:hiddenLine xmlns="" xmlns:a16="http://schemas.microsoft.com/office/drawing/2014/main" xmlns:p14="http://schemas.microsoft.com/office/powerpoint/2010/main" xmlns:a14="http://schemas.microsoft.com/office/drawing/2010/main" w="9525">
+                <a14:hiddenLine xmlns:a14="http://schemas.microsoft.com/office/drawing/2010/main" xmlns:p14="http://schemas.microsoft.com/office/powerpoint/2010/main" xmlns:a16="http://schemas.microsoft.com/office/drawing/2014/main" xmlns="" w="9525">
                   <a:solidFill>
                     <a:srgbClr val="000000"/>
                   </a:solidFill>
@@ -23366,7 +23366,7 @@
             </a:ln>
             <a:extLst>
               <a:ext uri="{91240B29-F687-4f45-9708-019B960494DF}">
-                <a14:hiddenLine xmlns="" xmlns:a16="http://schemas.microsoft.com/office/drawing/2014/main" xmlns:p14="http://schemas.microsoft.com/office/powerpoint/2010/main" xmlns:a14="http://schemas.microsoft.com/office/drawing/2010/main" w="9525">
+                <a14:hiddenLine xmlns:a14="http://schemas.microsoft.com/office/drawing/2010/main" xmlns:p14="http://schemas.microsoft.com/office/powerpoint/2010/main" xmlns:a16="http://schemas.microsoft.com/office/drawing/2014/main" xmlns="" w="9525">
                   <a:solidFill>
                     <a:srgbClr val="000000"/>
                   </a:solidFill>
@@ -23474,7 +23474,7 @@
             </a:ln>
             <a:extLst>
               <a:ext uri="{91240B29-F687-4f45-9708-019B960494DF}">
-                <a14:hiddenLine xmlns="" xmlns:a16="http://schemas.microsoft.com/office/drawing/2014/main" xmlns:p14="http://schemas.microsoft.com/office/powerpoint/2010/main" xmlns:a14="http://schemas.microsoft.com/office/drawing/2010/main" w="9525">
+                <a14:hiddenLine xmlns:a14="http://schemas.microsoft.com/office/drawing/2010/main" xmlns:p14="http://schemas.microsoft.com/office/powerpoint/2010/main" xmlns:a16="http://schemas.microsoft.com/office/drawing/2014/main" xmlns="" w="9525">
                   <a:solidFill>
                     <a:srgbClr val="000000"/>
                   </a:solidFill>
@@ -23548,7 +23548,7 @@
             </a:ln>
             <a:extLst>
               <a:ext uri="{91240B29-F687-4f45-9708-019B960494DF}">
-                <a14:hiddenLine xmlns="" xmlns:a16="http://schemas.microsoft.com/office/drawing/2014/main" xmlns:p14="http://schemas.microsoft.com/office/powerpoint/2010/main" xmlns:a14="http://schemas.microsoft.com/office/drawing/2010/main" w="9525">
+                <a14:hiddenLine xmlns:a14="http://schemas.microsoft.com/office/drawing/2010/main" xmlns:p14="http://schemas.microsoft.com/office/powerpoint/2010/main" xmlns:a16="http://schemas.microsoft.com/office/drawing/2014/main" xmlns="" w="9525">
                   <a:solidFill>
                     <a:srgbClr val="000000"/>
                   </a:solidFill>
@@ -23622,7 +23622,7 @@
             </a:ln>
             <a:extLst>
               <a:ext uri="{91240B29-F687-4f45-9708-019B960494DF}">
-                <a14:hiddenLine xmlns="" xmlns:a16="http://schemas.microsoft.com/office/drawing/2014/main" xmlns:p14="http://schemas.microsoft.com/office/powerpoint/2010/main" xmlns:a14="http://schemas.microsoft.com/office/drawing/2010/main" w="9525">
+                <a14:hiddenLine xmlns:a14="http://schemas.microsoft.com/office/drawing/2010/main" xmlns:p14="http://schemas.microsoft.com/office/powerpoint/2010/main" xmlns:a16="http://schemas.microsoft.com/office/drawing/2014/main" xmlns="" w="9525">
                   <a:solidFill>
                     <a:srgbClr val="000000"/>
                   </a:solidFill>
@@ -23724,7 +23724,7 @@
             </a:ln>
             <a:extLst>
               <a:ext uri="{91240B29-F687-4f45-9708-019B960494DF}">
-                <a14:hiddenLine xmlns="" xmlns:a16="http://schemas.microsoft.com/office/drawing/2014/main" xmlns:p14="http://schemas.microsoft.com/office/powerpoint/2010/main" xmlns:a14="http://schemas.microsoft.com/office/drawing/2010/main" w="9525">
+                <a14:hiddenLine xmlns:a14="http://schemas.microsoft.com/office/drawing/2010/main" xmlns:p14="http://schemas.microsoft.com/office/powerpoint/2010/main" xmlns:a16="http://schemas.microsoft.com/office/drawing/2014/main" xmlns="" w="9525">
                   <a:solidFill>
                     <a:srgbClr val="000000"/>
                   </a:solidFill>
@@ -23770,7 +23770,7 @@
             </a:ln>
             <a:extLst>
               <a:ext uri="{91240B29-F687-4f45-9708-019B960494DF}">
-                <a14:hiddenLine xmlns="" xmlns:a16="http://schemas.microsoft.com/office/drawing/2014/main" xmlns:p14="http://schemas.microsoft.com/office/powerpoint/2010/main" xmlns:a14="http://schemas.microsoft.com/office/drawing/2010/main" w="9525">
+                <a14:hiddenLine xmlns:a14="http://schemas.microsoft.com/office/drawing/2010/main" xmlns:p14="http://schemas.microsoft.com/office/powerpoint/2010/main" xmlns:a16="http://schemas.microsoft.com/office/drawing/2014/main" xmlns="" w="9525">
                   <a:solidFill>
                     <a:srgbClr val="000000"/>
                   </a:solidFill>
@@ -23847,7 +23847,7 @@
             </a:ln>
             <a:extLst>
               <a:ext uri="{91240B29-F687-4f45-9708-019B960494DF}">
-                <a14:hiddenLine xmlns="" xmlns:a16="http://schemas.microsoft.com/office/drawing/2014/main" xmlns:p14="http://schemas.microsoft.com/office/powerpoint/2010/main" xmlns:a14="http://schemas.microsoft.com/office/drawing/2010/main" w="9525">
+                <a14:hiddenLine xmlns:a14="http://schemas.microsoft.com/office/drawing/2010/main" xmlns:p14="http://schemas.microsoft.com/office/powerpoint/2010/main" xmlns:a16="http://schemas.microsoft.com/office/drawing/2014/main" xmlns="" w="9525">
                   <a:solidFill>
                     <a:srgbClr val="000000"/>
                   </a:solidFill>
@@ -23949,7 +23949,7 @@
             </a:ln>
             <a:extLst>
               <a:ext uri="{91240B29-F687-4f45-9708-019B960494DF}">
-                <a14:hiddenLine xmlns="" xmlns:a16="http://schemas.microsoft.com/office/drawing/2014/main" xmlns:p14="http://schemas.microsoft.com/office/powerpoint/2010/main" xmlns:a14="http://schemas.microsoft.com/office/drawing/2010/main" w="9525">
+                <a14:hiddenLine xmlns:a14="http://schemas.microsoft.com/office/drawing/2010/main" xmlns:p14="http://schemas.microsoft.com/office/powerpoint/2010/main" xmlns:a16="http://schemas.microsoft.com/office/drawing/2014/main" xmlns="" w="9525">
                   <a:solidFill>
                     <a:srgbClr val="000000"/>
                   </a:solidFill>
@@ -24023,7 +24023,7 @@
             </a:ln>
             <a:extLst>
               <a:ext uri="{91240B29-F687-4f45-9708-019B960494DF}">
-                <a14:hiddenLine xmlns="" xmlns:a16="http://schemas.microsoft.com/office/drawing/2014/main" xmlns:p14="http://schemas.microsoft.com/office/powerpoint/2010/main" xmlns:a14="http://schemas.microsoft.com/office/drawing/2010/main" w="9525">
+                <a14:hiddenLine xmlns:a14="http://schemas.microsoft.com/office/drawing/2010/main" xmlns:p14="http://schemas.microsoft.com/office/powerpoint/2010/main" xmlns:a16="http://schemas.microsoft.com/office/drawing/2014/main" xmlns="" w="9525">
                   <a:solidFill>
                     <a:srgbClr val="000000"/>
                   </a:solidFill>
@@ -24125,7 +24125,7 @@
             </a:ln>
             <a:extLst>
               <a:ext uri="{91240B29-F687-4f45-9708-019B960494DF}">
-                <a14:hiddenLine xmlns="" xmlns:a16="http://schemas.microsoft.com/office/drawing/2014/main" xmlns:p14="http://schemas.microsoft.com/office/powerpoint/2010/main" xmlns:a14="http://schemas.microsoft.com/office/drawing/2010/main" w="9525">
+                <a14:hiddenLine xmlns:a14="http://schemas.microsoft.com/office/drawing/2010/main" xmlns:p14="http://schemas.microsoft.com/office/powerpoint/2010/main" xmlns:a16="http://schemas.microsoft.com/office/drawing/2014/main" xmlns="" w="9525">
                   <a:solidFill>
                     <a:srgbClr val="000000"/>
                   </a:solidFill>
@@ -24202,7 +24202,7 @@
             </a:ln>
             <a:extLst>
               <a:ext uri="{91240B29-F687-4f45-9708-019B960494DF}">
-                <a14:hiddenLine xmlns="" xmlns:a16="http://schemas.microsoft.com/office/drawing/2014/main" xmlns:p14="http://schemas.microsoft.com/office/powerpoint/2010/main" xmlns:a14="http://schemas.microsoft.com/office/drawing/2010/main" w="9525">
+                <a14:hiddenLine xmlns:a14="http://schemas.microsoft.com/office/drawing/2010/main" xmlns:p14="http://schemas.microsoft.com/office/powerpoint/2010/main" xmlns:a16="http://schemas.microsoft.com/office/drawing/2014/main" xmlns="" w="9525">
                   <a:solidFill>
                     <a:srgbClr val="000000"/>
                   </a:solidFill>
@@ -24276,7 +24276,7 @@
             </a:ln>
             <a:extLst>
               <a:ext uri="{91240B29-F687-4f45-9708-019B960494DF}">
-                <a14:hiddenLine xmlns="" xmlns:a16="http://schemas.microsoft.com/office/drawing/2014/main" xmlns:p14="http://schemas.microsoft.com/office/powerpoint/2010/main" xmlns:a14="http://schemas.microsoft.com/office/drawing/2010/main" w="9525">
+                <a14:hiddenLine xmlns:a14="http://schemas.microsoft.com/office/drawing/2010/main" xmlns:p14="http://schemas.microsoft.com/office/powerpoint/2010/main" xmlns:a16="http://schemas.microsoft.com/office/drawing/2014/main" xmlns="" w="9525">
                   <a:solidFill>
                     <a:srgbClr val="000000"/>
                   </a:solidFill>
@@ -24378,7 +24378,7 @@
             </a:ln>
             <a:extLst>
               <a:ext uri="{91240B29-F687-4f45-9708-019B960494DF}">
-                <a14:hiddenLine xmlns="" xmlns:a16="http://schemas.microsoft.com/office/drawing/2014/main" xmlns:p14="http://schemas.microsoft.com/office/powerpoint/2010/main" xmlns:a14="http://schemas.microsoft.com/office/drawing/2010/main" w="9525">
+                <a14:hiddenLine xmlns:a14="http://schemas.microsoft.com/office/drawing/2010/main" xmlns:p14="http://schemas.microsoft.com/office/powerpoint/2010/main" xmlns:a16="http://schemas.microsoft.com/office/drawing/2014/main" xmlns="" w="9525">
                   <a:solidFill>
                     <a:srgbClr val="000000"/>
                   </a:solidFill>
@@ -24480,7 +24480,7 @@
             </a:ln>
             <a:extLst>
               <a:ext uri="{91240B29-F687-4f45-9708-019B960494DF}">
-                <a14:hiddenLine xmlns="" xmlns:a16="http://schemas.microsoft.com/office/drawing/2014/main" xmlns:p14="http://schemas.microsoft.com/office/powerpoint/2010/main" xmlns:a14="http://schemas.microsoft.com/office/drawing/2010/main" w="9525">
+                <a14:hiddenLine xmlns:a14="http://schemas.microsoft.com/office/drawing/2010/main" xmlns:p14="http://schemas.microsoft.com/office/powerpoint/2010/main" xmlns:a16="http://schemas.microsoft.com/office/drawing/2014/main" xmlns="" w="9525">
                   <a:solidFill>
                     <a:srgbClr val="000000"/>
                   </a:solidFill>
@@ -24557,7 +24557,7 @@
             </a:ln>
             <a:extLst>
               <a:ext uri="{91240B29-F687-4f45-9708-019B960494DF}">
-                <a14:hiddenLine xmlns="" xmlns:a16="http://schemas.microsoft.com/office/drawing/2014/main" xmlns:p14="http://schemas.microsoft.com/office/powerpoint/2010/main" xmlns:a14="http://schemas.microsoft.com/office/drawing/2010/main" w="9525">
+                <a14:hiddenLine xmlns:a14="http://schemas.microsoft.com/office/drawing/2010/main" xmlns:p14="http://schemas.microsoft.com/office/powerpoint/2010/main" xmlns:a16="http://schemas.microsoft.com/office/drawing/2014/main" xmlns="" w="9525">
                   <a:solidFill>
                     <a:srgbClr val="000000"/>
                   </a:solidFill>
@@ -24689,7 +24689,7 @@
             </a:ln>
             <a:extLst>
               <a:ext uri="{91240B29-F687-4f45-9708-019B960494DF}">
-                <a14:hiddenLine xmlns="" xmlns:a16="http://schemas.microsoft.com/office/drawing/2014/main" xmlns:p14="http://schemas.microsoft.com/office/powerpoint/2010/main" xmlns:a14="http://schemas.microsoft.com/office/drawing/2010/main" w="9525">
+                <a14:hiddenLine xmlns:a14="http://schemas.microsoft.com/office/drawing/2010/main" xmlns:p14="http://schemas.microsoft.com/office/powerpoint/2010/main" xmlns:a16="http://schemas.microsoft.com/office/drawing/2014/main" xmlns="" w="9525">
                   <a:solidFill>
                     <a:srgbClr val="000000"/>
                   </a:solidFill>
@@ -24813,7 +24813,7 @@
             </a:ln>
             <a:extLst>
               <a:ext uri="{91240B29-F687-4f45-9708-019B960494DF}">
-                <a14:hiddenLine xmlns="" xmlns:a16="http://schemas.microsoft.com/office/drawing/2014/main" xmlns:p14="http://schemas.microsoft.com/office/powerpoint/2010/main" xmlns:a14="http://schemas.microsoft.com/office/drawing/2010/main" w="9525">
+                <a14:hiddenLine xmlns:a14="http://schemas.microsoft.com/office/drawing/2010/main" xmlns:p14="http://schemas.microsoft.com/office/powerpoint/2010/main" xmlns:a16="http://schemas.microsoft.com/office/drawing/2014/main" xmlns="" w="9525">
                   <a:solidFill>
                     <a:srgbClr val="000000"/>
                   </a:solidFill>
@@ -24940,7 +24940,7 @@
             </a:ln>
             <a:extLst>
               <a:ext uri="{91240B29-F687-4f45-9708-019B960494DF}">
-                <a14:hiddenLine xmlns="" xmlns:a16="http://schemas.microsoft.com/office/drawing/2014/main" xmlns:p14="http://schemas.microsoft.com/office/powerpoint/2010/main" xmlns:a14="http://schemas.microsoft.com/office/drawing/2010/main" w="9525">
+                <a14:hiddenLine xmlns:a14="http://schemas.microsoft.com/office/drawing/2010/main" xmlns:p14="http://schemas.microsoft.com/office/powerpoint/2010/main" xmlns:a16="http://schemas.microsoft.com/office/drawing/2014/main" xmlns="" w="9525">
                   <a:solidFill>
                     <a:srgbClr val="000000"/>
                   </a:solidFill>
@@ -25042,7 +25042,7 @@
             </a:ln>
             <a:extLst>
               <a:ext uri="{91240B29-F687-4f45-9708-019B960494DF}">
-                <a14:hiddenLine xmlns="" xmlns:a16="http://schemas.microsoft.com/office/drawing/2014/main" xmlns:p14="http://schemas.microsoft.com/office/powerpoint/2010/main" xmlns:a14="http://schemas.microsoft.com/office/drawing/2010/main" w="9525">
+                <a14:hiddenLine xmlns:a14="http://schemas.microsoft.com/office/drawing/2010/main" xmlns:p14="http://schemas.microsoft.com/office/powerpoint/2010/main" xmlns:a16="http://schemas.microsoft.com/office/drawing/2014/main" xmlns="" w="9525">
                   <a:solidFill>
                     <a:srgbClr val="000000"/>
                   </a:solidFill>
@@ -25119,7 +25119,7 @@
             </a:ln>
             <a:extLst>
               <a:ext uri="{91240B29-F687-4f45-9708-019B960494DF}">
-                <a14:hiddenLine xmlns="" xmlns:a16="http://schemas.microsoft.com/office/drawing/2014/main" xmlns:p14="http://schemas.microsoft.com/office/powerpoint/2010/main" xmlns:a14="http://schemas.microsoft.com/office/drawing/2010/main" w="9525">
+                <a14:hiddenLine xmlns:a14="http://schemas.microsoft.com/office/drawing/2010/main" xmlns:p14="http://schemas.microsoft.com/office/powerpoint/2010/main" xmlns:a16="http://schemas.microsoft.com/office/drawing/2014/main" xmlns="" w="9525">
                   <a:solidFill>
                     <a:srgbClr val="000000"/>
                   </a:solidFill>
@@ -25221,7 +25221,7 @@
             </a:ln>
             <a:extLst>
               <a:ext uri="{91240B29-F687-4f45-9708-019B960494DF}">
-                <a14:hiddenLine xmlns="" xmlns:a16="http://schemas.microsoft.com/office/drawing/2014/main" xmlns:p14="http://schemas.microsoft.com/office/powerpoint/2010/main" xmlns:a14="http://schemas.microsoft.com/office/drawing/2010/main" w="9525">
+                <a14:hiddenLine xmlns:a14="http://schemas.microsoft.com/office/drawing/2010/main" xmlns:p14="http://schemas.microsoft.com/office/powerpoint/2010/main" xmlns:a16="http://schemas.microsoft.com/office/drawing/2014/main" xmlns="" w="9525">
                   <a:solidFill>
                     <a:srgbClr val="000000"/>
                   </a:solidFill>
@@ -25301,7 +25301,7 @@
             </a:ln>
             <a:extLst>
               <a:ext uri="{91240B29-F687-4f45-9708-019B960494DF}">
-                <a14:hiddenLine xmlns="" xmlns:a16="http://schemas.microsoft.com/office/drawing/2014/main" xmlns:p14="http://schemas.microsoft.com/office/powerpoint/2010/main" xmlns:a14="http://schemas.microsoft.com/office/drawing/2010/main" w="9525">
+                <a14:hiddenLine xmlns:a14="http://schemas.microsoft.com/office/drawing/2010/main" xmlns:p14="http://schemas.microsoft.com/office/powerpoint/2010/main" xmlns:a16="http://schemas.microsoft.com/office/drawing/2014/main" xmlns="" w="9525">
                   <a:solidFill>
                     <a:srgbClr val="000000"/>
                   </a:solidFill>
@@ -25403,7 +25403,7 @@
             </a:ln>
             <a:extLst>
               <a:ext uri="{91240B29-F687-4f45-9708-019B960494DF}">
-                <a14:hiddenLine xmlns="" xmlns:a16="http://schemas.microsoft.com/office/drawing/2014/main" xmlns:p14="http://schemas.microsoft.com/office/powerpoint/2010/main" xmlns:a14="http://schemas.microsoft.com/office/drawing/2010/main" w="9525">
+                <a14:hiddenLine xmlns:a14="http://schemas.microsoft.com/office/drawing/2010/main" xmlns:p14="http://schemas.microsoft.com/office/powerpoint/2010/main" xmlns:a16="http://schemas.microsoft.com/office/drawing/2014/main" xmlns="" w="9525">
                   <a:solidFill>
                     <a:srgbClr val="000000"/>
                   </a:solidFill>
@@ -25483,7 +25483,7 @@
             </a:ln>
             <a:extLst>
               <a:ext uri="{91240B29-F687-4f45-9708-019B960494DF}">
-                <a14:hiddenLine xmlns="" xmlns:a16="http://schemas.microsoft.com/office/drawing/2014/main" xmlns:p14="http://schemas.microsoft.com/office/powerpoint/2010/main" xmlns:a14="http://schemas.microsoft.com/office/drawing/2010/main" w="9525">
+                <a14:hiddenLine xmlns:a14="http://schemas.microsoft.com/office/drawing/2010/main" xmlns:p14="http://schemas.microsoft.com/office/powerpoint/2010/main" xmlns:a16="http://schemas.microsoft.com/office/drawing/2014/main" xmlns="" w="9525">
                   <a:solidFill>
                     <a:srgbClr val="000000"/>
                   </a:solidFill>
@@ -25585,7 +25585,7 @@
             </a:ln>
             <a:extLst>
               <a:ext uri="{91240B29-F687-4f45-9708-019B960494DF}">
-                <a14:hiddenLine xmlns="" xmlns:a16="http://schemas.microsoft.com/office/drawing/2014/main" xmlns:p14="http://schemas.microsoft.com/office/powerpoint/2010/main" xmlns:a14="http://schemas.microsoft.com/office/drawing/2010/main" w="9525">
+                <a14:hiddenLine xmlns:a14="http://schemas.microsoft.com/office/drawing/2010/main" xmlns:p14="http://schemas.microsoft.com/office/powerpoint/2010/main" xmlns:a16="http://schemas.microsoft.com/office/drawing/2014/main" xmlns="" w="9525">
                   <a:solidFill>
                     <a:srgbClr val="000000"/>
                   </a:solidFill>
@@ -25631,7 +25631,7 @@
             </a:ln>
             <a:extLst>
               <a:ext uri="{91240B29-F687-4f45-9708-019B960494DF}">
-                <a14:hiddenLine xmlns="" xmlns:a16="http://schemas.microsoft.com/office/drawing/2014/main" xmlns:p14="http://schemas.microsoft.com/office/powerpoint/2010/main" xmlns:a14="http://schemas.microsoft.com/office/drawing/2010/main" w="9525">
+                <a14:hiddenLine xmlns:a14="http://schemas.microsoft.com/office/drawing/2010/main" xmlns:p14="http://schemas.microsoft.com/office/powerpoint/2010/main" xmlns:a16="http://schemas.microsoft.com/office/drawing/2014/main" xmlns="" w="9525">
                   <a:solidFill>
                     <a:srgbClr val="000000"/>
                   </a:solidFill>
@@ -25674,7 +25674,7 @@
           <a:p>
             <a:r>
               <a:rPr lang="fr-CA" dirty="0"/>
-              <a:t>Définition du problème</a:t>
+              <a:t>CALENDRIER DU PROJET</a:t>
             </a:r>
           </a:p>
         </p:txBody>
@@ -25889,7 +25889,7 @@
             </a:ln>
             <a:extLst>
               <a:ext uri="{91240B29-F687-4f45-9708-019B960494DF}">
-                <a14:hiddenLine xmlns="" xmlns:a16="http://schemas.microsoft.com/office/drawing/2014/main" xmlns:p14="http://schemas.microsoft.com/office/powerpoint/2010/main" xmlns:a14="http://schemas.microsoft.com/office/drawing/2010/main" w="9525">
+                <a14:hiddenLine xmlns:a14="http://schemas.microsoft.com/office/drawing/2010/main" xmlns:p14="http://schemas.microsoft.com/office/powerpoint/2010/main" xmlns:a16="http://schemas.microsoft.com/office/drawing/2014/main" xmlns="" w="9525">
                   <a:solidFill>
                     <a:srgbClr val="000000"/>
                   </a:solidFill>
@@ -25991,7 +25991,7 @@
             </a:ln>
             <a:extLst>
               <a:ext uri="{91240B29-F687-4f45-9708-019B960494DF}">
-                <a14:hiddenLine xmlns="" xmlns:a16="http://schemas.microsoft.com/office/drawing/2014/main" xmlns:p14="http://schemas.microsoft.com/office/powerpoint/2010/main" xmlns:a14="http://schemas.microsoft.com/office/drawing/2010/main" w="9525">
+                <a14:hiddenLine xmlns:a14="http://schemas.microsoft.com/office/drawing/2010/main" xmlns:p14="http://schemas.microsoft.com/office/powerpoint/2010/main" xmlns:a16="http://schemas.microsoft.com/office/drawing/2014/main" xmlns="" w="9525">
                   <a:solidFill>
                     <a:srgbClr val="000000"/>
                   </a:solidFill>
@@ -26093,7 +26093,7 @@
             </a:ln>
             <a:extLst>
               <a:ext uri="{91240B29-F687-4f45-9708-019B960494DF}">
-                <a14:hiddenLine xmlns="" xmlns:a16="http://schemas.microsoft.com/office/drawing/2014/main" xmlns:p14="http://schemas.microsoft.com/office/powerpoint/2010/main" xmlns:a14="http://schemas.microsoft.com/office/drawing/2010/main" w="9525">
+                <a14:hiddenLine xmlns:a14="http://schemas.microsoft.com/office/drawing/2010/main" xmlns:p14="http://schemas.microsoft.com/office/powerpoint/2010/main" xmlns:a16="http://schemas.microsoft.com/office/drawing/2014/main" xmlns="" w="9525">
                   <a:solidFill>
                     <a:srgbClr val="000000"/>
                   </a:solidFill>
@@ -26167,7 +26167,7 @@
             </a:ln>
             <a:extLst>
               <a:ext uri="{91240B29-F687-4f45-9708-019B960494DF}">
-                <a14:hiddenLine xmlns="" xmlns:a16="http://schemas.microsoft.com/office/drawing/2014/main" xmlns:p14="http://schemas.microsoft.com/office/powerpoint/2010/main" xmlns:a14="http://schemas.microsoft.com/office/drawing/2010/main" w="9525">
+                <a14:hiddenLine xmlns:a14="http://schemas.microsoft.com/office/drawing/2010/main" xmlns:p14="http://schemas.microsoft.com/office/powerpoint/2010/main" xmlns:a16="http://schemas.microsoft.com/office/drawing/2014/main" xmlns="" w="9525">
                   <a:solidFill>
                     <a:srgbClr val="000000"/>
                   </a:solidFill>
@@ -26269,7 +26269,7 @@
             </a:ln>
             <a:extLst>
               <a:ext uri="{91240B29-F687-4f45-9708-019B960494DF}">
-                <a14:hiddenLine xmlns="" xmlns:a16="http://schemas.microsoft.com/office/drawing/2014/main" xmlns:p14="http://schemas.microsoft.com/office/powerpoint/2010/main" xmlns:a14="http://schemas.microsoft.com/office/drawing/2010/main" w="9525">
+                <a14:hiddenLine xmlns:a14="http://schemas.microsoft.com/office/drawing/2010/main" xmlns:p14="http://schemas.microsoft.com/office/powerpoint/2010/main" xmlns:a16="http://schemas.microsoft.com/office/drawing/2014/main" xmlns="" w="9525">
                   <a:solidFill>
                     <a:srgbClr val="000000"/>
                   </a:solidFill>
@@ -26343,7 +26343,7 @@
             </a:ln>
             <a:extLst>
               <a:ext uri="{91240B29-F687-4f45-9708-019B960494DF}">
-                <a14:hiddenLine xmlns="" xmlns:a16="http://schemas.microsoft.com/office/drawing/2014/main" xmlns:p14="http://schemas.microsoft.com/office/powerpoint/2010/main" xmlns:a14="http://schemas.microsoft.com/office/drawing/2010/main" w="9525">
+                <a14:hiddenLine xmlns:a14="http://schemas.microsoft.com/office/drawing/2010/main" xmlns:p14="http://schemas.microsoft.com/office/powerpoint/2010/main" xmlns:a16="http://schemas.microsoft.com/office/drawing/2014/main" xmlns="" w="9525">
                   <a:solidFill>
                     <a:srgbClr val="000000"/>
                   </a:solidFill>
@@ -26417,7 +26417,7 @@
             </a:ln>
             <a:extLst>
               <a:ext uri="{91240B29-F687-4f45-9708-019B960494DF}">
-                <a14:hiddenLine xmlns="" xmlns:a16="http://schemas.microsoft.com/office/drawing/2014/main" xmlns:p14="http://schemas.microsoft.com/office/powerpoint/2010/main" xmlns:a14="http://schemas.microsoft.com/office/drawing/2010/main" w="9525">
+                <a14:hiddenLine xmlns:a14="http://schemas.microsoft.com/office/drawing/2010/main" xmlns:p14="http://schemas.microsoft.com/office/powerpoint/2010/main" xmlns:a16="http://schemas.microsoft.com/office/drawing/2014/main" xmlns="" w="9525">
                   <a:solidFill>
                     <a:srgbClr val="000000"/>
                   </a:solidFill>
@@ -26519,7 +26519,7 @@
             </a:ln>
             <a:extLst>
               <a:ext uri="{91240B29-F687-4f45-9708-019B960494DF}">
-                <a14:hiddenLine xmlns="" xmlns:a16="http://schemas.microsoft.com/office/drawing/2014/main" xmlns:p14="http://schemas.microsoft.com/office/powerpoint/2010/main" xmlns:a14="http://schemas.microsoft.com/office/drawing/2010/main" w="9525">
+                <a14:hiddenLine xmlns:a14="http://schemas.microsoft.com/office/drawing/2010/main" xmlns:p14="http://schemas.microsoft.com/office/powerpoint/2010/main" xmlns:a16="http://schemas.microsoft.com/office/drawing/2014/main" xmlns="" w="9525">
                   <a:solidFill>
                     <a:srgbClr val="000000"/>
                   </a:solidFill>
@@ -26621,7 +26621,7 @@
             </a:ln>
             <a:extLst>
               <a:ext uri="{91240B29-F687-4f45-9708-019B960494DF}">
-                <a14:hiddenLine xmlns="" xmlns:a16="http://schemas.microsoft.com/office/drawing/2014/main" xmlns:p14="http://schemas.microsoft.com/office/powerpoint/2010/main" xmlns:a14="http://schemas.microsoft.com/office/drawing/2010/main" w="9525">
+                <a14:hiddenLine xmlns:a14="http://schemas.microsoft.com/office/drawing/2010/main" xmlns:p14="http://schemas.microsoft.com/office/powerpoint/2010/main" xmlns:a16="http://schemas.microsoft.com/office/drawing/2014/main" xmlns="" w="9525">
                   <a:solidFill>
                     <a:srgbClr val="000000"/>
                   </a:solidFill>
@@ -26695,7 +26695,7 @@
             </a:ln>
             <a:extLst>
               <a:ext uri="{91240B29-F687-4f45-9708-019B960494DF}">
-                <a14:hiddenLine xmlns="" xmlns:a16="http://schemas.microsoft.com/office/drawing/2014/main" xmlns:p14="http://schemas.microsoft.com/office/powerpoint/2010/main" xmlns:a14="http://schemas.microsoft.com/office/drawing/2010/main" w="9525">
+                <a14:hiddenLine xmlns:a14="http://schemas.microsoft.com/office/drawing/2010/main" xmlns:p14="http://schemas.microsoft.com/office/powerpoint/2010/main" xmlns:a16="http://schemas.microsoft.com/office/drawing/2014/main" xmlns="" w="9525">
                   <a:solidFill>
                     <a:srgbClr val="000000"/>
                   </a:solidFill>
@@ -26817,7 +26817,7 @@
             </a:ln>
             <a:extLst>
               <a:ext uri="{91240B29-F687-4f45-9708-019B960494DF}">
-                <a14:hiddenLine xmlns="" xmlns:a16="http://schemas.microsoft.com/office/drawing/2014/main" xmlns:p14="http://schemas.microsoft.com/office/powerpoint/2010/main" xmlns:a14="http://schemas.microsoft.com/office/drawing/2010/main" w="9525">
+                <a14:hiddenLine xmlns:a14="http://schemas.microsoft.com/office/drawing/2010/main" xmlns:p14="http://schemas.microsoft.com/office/powerpoint/2010/main" xmlns:a16="http://schemas.microsoft.com/office/drawing/2014/main" xmlns="" w="9525">
                   <a:solidFill>
                     <a:srgbClr val="000000"/>
                   </a:solidFill>
@@ -26925,7 +26925,7 @@
             </a:ln>
             <a:extLst>
               <a:ext uri="{91240B29-F687-4f45-9708-019B960494DF}">
-                <a14:hiddenLine xmlns="" xmlns:a16="http://schemas.microsoft.com/office/drawing/2014/main" xmlns:p14="http://schemas.microsoft.com/office/powerpoint/2010/main" xmlns:a14="http://schemas.microsoft.com/office/drawing/2010/main" w="9525">
+                <a14:hiddenLine xmlns:a14="http://schemas.microsoft.com/office/drawing/2010/main" xmlns:p14="http://schemas.microsoft.com/office/powerpoint/2010/main" xmlns:a16="http://schemas.microsoft.com/office/drawing/2014/main" xmlns="" w="9525">
                   <a:solidFill>
                     <a:srgbClr val="000000"/>
                   </a:solidFill>
@@ -26999,7 +26999,7 @@
             </a:ln>
             <a:extLst>
               <a:ext uri="{91240B29-F687-4f45-9708-019B960494DF}">
-                <a14:hiddenLine xmlns="" xmlns:a16="http://schemas.microsoft.com/office/drawing/2014/main" xmlns:p14="http://schemas.microsoft.com/office/powerpoint/2010/main" xmlns:a14="http://schemas.microsoft.com/office/drawing/2010/main" w="9525">
+                <a14:hiddenLine xmlns:a14="http://schemas.microsoft.com/office/drawing/2010/main" xmlns:p14="http://schemas.microsoft.com/office/powerpoint/2010/main" xmlns:a16="http://schemas.microsoft.com/office/drawing/2014/main" xmlns="" w="9525">
                   <a:solidFill>
                     <a:srgbClr val="000000"/>
                   </a:solidFill>
@@ -27073,7 +27073,7 @@
             </a:ln>
             <a:extLst>
               <a:ext uri="{91240B29-F687-4f45-9708-019B960494DF}">
-                <a14:hiddenLine xmlns="" xmlns:a16="http://schemas.microsoft.com/office/drawing/2014/main" xmlns:p14="http://schemas.microsoft.com/office/powerpoint/2010/main" xmlns:a14="http://schemas.microsoft.com/office/drawing/2010/main" w="9525">
+                <a14:hiddenLine xmlns:a14="http://schemas.microsoft.com/office/drawing/2010/main" xmlns:p14="http://schemas.microsoft.com/office/powerpoint/2010/main" xmlns:a16="http://schemas.microsoft.com/office/drawing/2014/main" xmlns="" w="9525">
                   <a:solidFill>
                     <a:srgbClr val="000000"/>
                   </a:solidFill>
@@ -27175,7 +27175,7 @@
             </a:ln>
             <a:extLst>
               <a:ext uri="{91240B29-F687-4f45-9708-019B960494DF}">
-                <a14:hiddenLine xmlns="" xmlns:a16="http://schemas.microsoft.com/office/drawing/2014/main" xmlns:p14="http://schemas.microsoft.com/office/powerpoint/2010/main" xmlns:a14="http://schemas.microsoft.com/office/drawing/2010/main" w="9525">
+                <a14:hiddenLine xmlns:a14="http://schemas.microsoft.com/office/drawing/2010/main" xmlns:p14="http://schemas.microsoft.com/office/powerpoint/2010/main" xmlns:a16="http://schemas.microsoft.com/office/drawing/2014/main" xmlns="" w="9525">
                   <a:solidFill>
                     <a:srgbClr val="000000"/>
                   </a:solidFill>
@@ -27221,7 +27221,7 @@
             </a:ln>
             <a:extLst>
               <a:ext uri="{91240B29-F687-4f45-9708-019B960494DF}">
-                <a14:hiddenLine xmlns="" xmlns:a16="http://schemas.microsoft.com/office/drawing/2014/main" xmlns:p14="http://schemas.microsoft.com/office/powerpoint/2010/main" xmlns:a14="http://schemas.microsoft.com/office/drawing/2010/main" w="9525">
+                <a14:hiddenLine xmlns:a14="http://schemas.microsoft.com/office/drawing/2010/main" xmlns:p14="http://schemas.microsoft.com/office/powerpoint/2010/main" xmlns:a16="http://schemas.microsoft.com/office/drawing/2014/main" xmlns="" w="9525">
                   <a:solidFill>
                     <a:srgbClr val="000000"/>
                   </a:solidFill>
@@ -27298,7 +27298,7 @@
             </a:ln>
             <a:extLst>
               <a:ext uri="{91240B29-F687-4f45-9708-019B960494DF}">
-                <a14:hiddenLine xmlns="" xmlns:a16="http://schemas.microsoft.com/office/drawing/2014/main" xmlns:p14="http://schemas.microsoft.com/office/powerpoint/2010/main" xmlns:a14="http://schemas.microsoft.com/office/drawing/2010/main" w="9525">
+                <a14:hiddenLine xmlns:a14="http://schemas.microsoft.com/office/drawing/2010/main" xmlns:p14="http://schemas.microsoft.com/office/powerpoint/2010/main" xmlns:a16="http://schemas.microsoft.com/office/drawing/2014/main" xmlns="" w="9525">
                   <a:solidFill>
                     <a:srgbClr val="000000"/>
                   </a:solidFill>
@@ -27400,7 +27400,7 @@
             </a:ln>
             <a:extLst>
               <a:ext uri="{91240B29-F687-4f45-9708-019B960494DF}">
-                <a14:hiddenLine xmlns="" xmlns:a16="http://schemas.microsoft.com/office/drawing/2014/main" xmlns:p14="http://schemas.microsoft.com/office/powerpoint/2010/main" xmlns:a14="http://schemas.microsoft.com/office/drawing/2010/main" w="9525">
+                <a14:hiddenLine xmlns:a14="http://schemas.microsoft.com/office/drawing/2010/main" xmlns:p14="http://schemas.microsoft.com/office/powerpoint/2010/main" xmlns:a16="http://schemas.microsoft.com/office/drawing/2014/main" xmlns="" w="9525">
                   <a:solidFill>
                     <a:srgbClr val="000000"/>
                   </a:solidFill>
@@ -27474,7 +27474,7 @@
             </a:ln>
             <a:extLst>
               <a:ext uri="{91240B29-F687-4f45-9708-019B960494DF}">
-                <a14:hiddenLine xmlns="" xmlns:a16="http://schemas.microsoft.com/office/drawing/2014/main" xmlns:p14="http://schemas.microsoft.com/office/powerpoint/2010/main" xmlns:a14="http://schemas.microsoft.com/office/drawing/2010/main" w="9525">
+                <a14:hiddenLine xmlns:a14="http://schemas.microsoft.com/office/drawing/2010/main" xmlns:p14="http://schemas.microsoft.com/office/powerpoint/2010/main" xmlns:a16="http://schemas.microsoft.com/office/drawing/2014/main" xmlns="" w="9525">
                   <a:solidFill>
                     <a:srgbClr val="000000"/>
                   </a:solidFill>
@@ -27576,7 +27576,7 @@
             </a:ln>
             <a:extLst>
               <a:ext uri="{91240B29-F687-4f45-9708-019B960494DF}">
-                <a14:hiddenLine xmlns="" xmlns:a16="http://schemas.microsoft.com/office/drawing/2014/main" xmlns:p14="http://schemas.microsoft.com/office/powerpoint/2010/main" xmlns:a14="http://schemas.microsoft.com/office/drawing/2010/main" w="9525">
+                <a14:hiddenLine xmlns:a14="http://schemas.microsoft.com/office/drawing/2010/main" xmlns:p14="http://schemas.microsoft.com/office/powerpoint/2010/main" xmlns:a16="http://schemas.microsoft.com/office/drawing/2014/main" xmlns="" w="9525">
                   <a:solidFill>
                     <a:srgbClr val="000000"/>
                   </a:solidFill>
@@ -27653,7 +27653,7 @@
             </a:ln>
             <a:extLst>
               <a:ext uri="{91240B29-F687-4f45-9708-019B960494DF}">
-                <a14:hiddenLine xmlns="" xmlns:a16="http://schemas.microsoft.com/office/drawing/2014/main" xmlns:p14="http://schemas.microsoft.com/office/powerpoint/2010/main" xmlns:a14="http://schemas.microsoft.com/office/drawing/2010/main" w="9525">
+                <a14:hiddenLine xmlns:a14="http://schemas.microsoft.com/office/drawing/2010/main" xmlns:p14="http://schemas.microsoft.com/office/powerpoint/2010/main" xmlns:a16="http://schemas.microsoft.com/office/drawing/2014/main" xmlns="" w="9525">
                   <a:solidFill>
                     <a:srgbClr val="000000"/>
                   </a:solidFill>
@@ -27727,7 +27727,7 @@
             </a:ln>
             <a:extLst>
               <a:ext uri="{91240B29-F687-4f45-9708-019B960494DF}">
-                <a14:hiddenLine xmlns="" xmlns:a16="http://schemas.microsoft.com/office/drawing/2014/main" xmlns:p14="http://schemas.microsoft.com/office/powerpoint/2010/main" xmlns:a14="http://schemas.microsoft.com/office/drawing/2010/main" w="9525">
+                <a14:hiddenLine xmlns:a14="http://schemas.microsoft.com/office/drawing/2010/main" xmlns:p14="http://schemas.microsoft.com/office/powerpoint/2010/main" xmlns:a16="http://schemas.microsoft.com/office/drawing/2014/main" xmlns="" w="9525">
                   <a:solidFill>
                     <a:srgbClr val="000000"/>
                   </a:solidFill>
@@ -27829,7 +27829,7 @@
             </a:ln>
             <a:extLst>
               <a:ext uri="{91240B29-F687-4f45-9708-019B960494DF}">
-                <a14:hiddenLine xmlns="" xmlns:a16="http://schemas.microsoft.com/office/drawing/2014/main" xmlns:p14="http://schemas.microsoft.com/office/powerpoint/2010/main" xmlns:a14="http://schemas.microsoft.com/office/drawing/2010/main" w="9525">
+                <a14:hiddenLine xmlns:a14="http://schemas.microsoft.com/office/drawing/2010/main" xmlns:p14="http://schemas.microsoft.com/office/powerpoint/2010/main" xmlns:a16="http://schemas.microsoft.com/office/drawing/2014/main" xmlns="" w="9525">
                   <a:solidFill>
                     <a:srgbClr val="000000"/>
                   </a:solidFill>
@@ -27931,7 +27931,7 @@
             </a:ln>
             <a:extLst>
               <a:ext uri="{91240B29-F687-4f45-9708-019B960494DF}">
-                <a14:hiddenLine xmlns="" xmlns:a16="http://schemas.microsoft.com/office/drawing/2014/main" xmlns:p14="http://schemas.microsoft.com/office/powerpoint/2010/main" xmlns:a14="http://schemas.microsoft.com/office/drawing/2010/main" w="9525">
+                <a14:hiddenLine xmlns:a14="http://schemas.microsoft.com/office/drawing/2010/main" xmlns:p14="http://schemas.microsoft.com/office/powerpoint/2010/main" xmlns:a16="http://schemas.microsoft.com/office/drawing/2014/main" xmlns="" w="9525">
                   <a:solidFill>
                     <a:srgbClr val="000000"/>
                   </a:solidFill>
@@ -28008,7 +28008,7 @@
             </a:ln>
             <a:extLst>
               <a:ext uri="{91240B29-F687-4f45-9708-019B960494DF}">
-                <a14:hiddenLine xmlns="" xmlns:a16="http://schemas.microsoft.com/office/drawing/2014/main" xmlns:p14="http://schemas.microsoft.com/office/powerpoint/2010/main" xmlns:a14="http://schemas.microsoft.com/office/drawing/2010/main" w="9525">
+                <a14:hiddenLine xmlns:a14="http://schemas.microsoft.com/office/drawing/2010/main" xmlns:p14="http://schemas.microsoft.com/office/powerpoint/2010/main" xmlns:a16="http://schemas.microsoft.com/office/drawing/2014/main" xmlns="" w="9525">
                   <a:solidFill>
                     <a:srgbClr val="000000"/>
                   </a:solidFill>
@@ -28140,7 +28140,7 @@
             </a:ln>
             <a:extLst>
               <a:ext uri="{91240B29-F687-4f45-9708-019B960494DF}">
-                <a14:hiddenLine xmlns="" xmlns:a16="http://schemas.microsoft.com/office/drawing/2014/main" xmlns:p14="http://schemas.microsoft.com/office/powerpoint/2010/main" xmlns:a14="http://schemas.microsoft.com/office/drawing/2010/main" w="9525">
+                <a14:hiddenLine xmlns:a14="http://schemas.microsoft.com/office/drawing/2010/main" xmlns:p14="http://schemas.microsoft.com/office/powerpoint/2010/main" xmlns:a16="http://schemas.microsoft.com/office/drawing/2014/main" xmlns="" w="9525">
                   <a:solidFill>
                     <a:srgbClr val="000000"/>
                   </a:solidFill>
@@ -28264,7 +28264,7 @@
             </a:ln>
             <a:extLst>
               <a:ext uri="{91240B29-F687-4f45-9708-019B960494DF}">
-                <a14:hiddenLine xmlns="" xmlns:a16="http://schemas.microsoft.com/office/drawing/2014/main" xmlns:p14="http://schemas.microsoft.com/office/powerpoint/2010/main" xmlns:a14="http://schemas.microsoft.com/office/drawing/2010/main" w="9525">
+                <a14:hiddenLine xmlns:a14="http://schemas.microsoft.com/office/drawing/2010/main" xmlns:p14="http://schemas.microsoft.com/office/powerpoint/2010/main" xmlns:a16="http://schemas.microsoft.com/office/drawing/2014/main" xmlns="" w="9525">
                   <a:solidFill>
                     <a:srgbClr val="000000"/>
                   </a:solidFill>
@@ -28391,7 +28391,7 @@
             </a:ln>
             <a:extLst>
               <a:ext uri="{91240B29-F687-4f45-9708-019B960494DF}">
-                <a14:hiddenLine xmlns="" xmlns:a16="http://schemas.microsoft.com/office/drawing/2014/main" xmlns:p14="http://schemas.microsoft.com/office/powerpoint/2010/main" xmlns:a14="http://schemas.microsoft.com/office/drawing/2010/main" w="9525">
+                <a14:hiddenLine xmlns:a14="http://schemas.microsoft.com/office/drawing/2010/main" xmlns:p14="http://schemas.microsoft.com/office/powerpoint/2010/main" xmlns:a16="http://schemas.microsoft.com/office/drawing/2014/main" xmlns="" w="9525">
                   <a:solidFill>
                     <a:srgbClr val="000000"/>
                   </a:solidFill>
@@ -28493,7 +28493,7 @@
             </a:ln>
             <a:extLst>
               <a:ext uri="{91240B29-F687-4f45-9708-019B960494DF}">
-                <a14:hiddenLine xmlns="" xmlns:a16="http://schemas.microsoft.com/office/drawing/2014/main" xmlns:p14="http://schemas.microsoft.com/office/powerpoint/2010/main" xmlns:a14="http://schemas.microsoft.com/office/drawing/2010/main" w="9525">
+                <a14:hiddenLine xmlns:a14="http://schemas.microsoft.com/office/drawing/2010/main" xmlns:p14="http://schemas.microsoft.com/office/powerpoint/2010/main" xmlns:a16="http://schemas.microsoft.com/office/drawing/2014/main" xmlns="" w="9525">
                   <a:solidFill>
                     <a:srgbClr val="000000"/>
                   </a:solidFill>
@@ -28570,7 +28570,7 @@
             </a:ln>
             <a:extLst>
               <a:ext uri="{91240B29-F687-4f45-9708-019B960494DF}">
-                <a14:hiddenLine xmlns="" xmlns:a16="http://schemas.microsoft.com/office/drawing/2014/main" xmlns:p14="http://schemas.microsoft.com/office/powerpoint/2010/main" xmlns:a14="http://schemas.microsoft.com/office/drawing/2010/main" w="9525">
+                <a14:hiddenLine xmlns:a14="http://schemas.microsoft.com/office/drawing/2010/main" xmlns:p14="http://schemas.microsoft.com/office/powerpoint/2010/main" xmlns:a16="http://schemas.microsoft.com/office/drawing/2014/main" xmlns="" w="9525">
                   <a:solidFill>
                     <a:srgbClr val="000000"/>
                   </a:solidFill>
@@ -28672,7 +28672,7 @@
             </a:ln>
             <a:extLst>
               <a:ext uri="{91240B29-F687-4f45-9708-019B960494DF}">
-                <a14:hiddenLine xmlns="" xmlns:a16="http://schemas.microsoft.com/office/drawing/2014/main" xmlns:p14="http://schemas.microsoft.com/office/powerpoint/2010/main" xmlns:a14="http://schemas.microsoft.com/office/drawing/2010/main" w="9525">
+                <a14:hiddenLine xmlns:a14="http://schemas.microsoft.com/office/drawing/2010/main" xmlns:p14="http://schemas.microsoft.com/office/powerpoint/2010/main" xmlns:a16="http://schemas.microsoft.com/office/drawing/2014/main" xmlns="" w="9525">
                   <a:solidFill>
                     <a:srgbClr val="000000"/>
                   </a:solidFill>
@@ -28752,7 +28752,7 @@
             </a:ln>
             <a:extLst>
               <a:ext uri="{91240B29-F687-4f45-9708-019B960494DF}">
-                <a14:hiddenLine xmlns="" xmlns:a16="http://schemas.microsoft.com/office/drawing/2014/main" xmlns:p14="http://schemas.microsoft.com/office/powerpoint/2010/main" xmlns:a14="http://schemas.microsoft.com/office/drawing/2010/main" w="9525">
+                <a14:hiddenLine xmlns:a14="http://schemas.microsoft.com/office/drawing/2010/main" xmlns:p14="http://schemas.microsoft.com/office/powerpoint/2010/main" xmlns:a16="http://schemas.microsoft.com/office/drawing/2014/main" xmlns="" w="9525">
                   <a:solidFill>
                     <a:srgbClr val="000000"/>
                   </a:solidFill>
@@ -28854,7 +28854,7 @@
             </a:ln>
             <a:extLst>
               <a:ext uri="{91240B29-F687-4f45-9708-019B960494DF}">
-                <a14:hiddenLine xmlns="" xmlns:a16="http://schemas.microsoft.com/office/drawing/2014/main" xmlns:p14="http://schemas.microsoft.com/office/powerpoint/2010/main" xmlns:a14="http://schemas.microsoft.com/office/drawing/2010/main" w="9525">
+                <a14:hiddenLine xmlns:a14="http://schemas.microsoft.com/office/drawing/2010/main" xmlns:p14="http://schemas.microsoft.com/office/powerpoint/2010/main" xmlns:a16="http://schemas.microsoft.com/office/drawing/2014/main" xmlns="" w="9525">
                   <a:solidFill>
                     <a:srgbClr val="000000"/>
                   </a:solidFill>
@@ -28934,7 +28934,7 @@
             </a:ln>
             <a:extLst>
               <a:ext uri="{91240B29-F687-4f45-9708-019B960494DF}">
-                <a14:hiddenLine xmlns="" xmlns:a16="http://schemas.microsoft.com/office/drawing/2014/main" xmlns:p14="http://schemas.microsoft.com/office/powerpoint/2010/main" xmlns:a14="http://schemas.microsoft.com/office/drawing/2010/main" w="9525">
+                <a14:hiddenLine xmlns:a14="http://schemas.microsoft.com/office/drawing/2010/main" xmlns:p14="http://schemas.microsoft.com/office/powerpoint/2010/main" xmlns:a16="http://schemas.microsoft.com/office/drawing/2014/main" xmlns="" w="9525">
                   <a:solidFill>
                     <a:srgbClr val="000000"/>
                   </a:solidFill>
@@ -29036,7 +29036,7 @@
             </a:ln>
             <a:extLst>
               <a:ext uri="{91240B29-F687-4f45-9708-019B960494DF}">
-                <a14:hiddenLine xmlns="" xmlns:a16="http://schemas.microsoft.com/office/drawing/2014/main" xmlns:p14="http://schemas.microsoft.com/office/powerpoint/2010/main" xmlns:a14="http://schemas.microsoft.com/office/drawing/2010/main" w="9525">
+                <a14:hiddenLine xmlns:a14="http://schemas.microsoft.com/office/drawing/2010/main" xmlns:p14="http://schemas.microsoft.com/office/powerpoint/2010/main" xmlns:a16="http://schemas.microsoft.com/office/drawing/2014/main" xmlns="" w="9525">
                   <a:solidFill>
                     <a:srgbClr val="000000"/>
                   </a:solidFill>
@@ -29082,7 +29082,7 @@
             </a:ln>
             <a:extLst>
               <a:ext uri="{91240B29-F687-4f45-9708-019B960494DF}">
-                <a14:hiddenLine xmlns="" xmlns:a16="http://schemas.microsoft.com/office/drawing/2014/main" xmlns:p14="http://schemas.microsoft.com/office/powerpoint/2010/main" xmlns:a14="http://schemas.microsoft.com/office/drawing/2010/main" w="9525">
+                <a14:hiddenLine xmlns:a14="http://schemas.microsoft.com/office/drawing/2010/main" xmlns:p14="http://schemas.microsoft.com/office/powerpoint/2010/main" xmlns:a16="http://schemas.microsoft.com/office/drawing/2014/main" xmlns="" w="9525">
                   <a:solidFill>
                     <a:srgbClr val="000000"/>
                   </a:solidFill>
